--- a/notes/walking-structures.pptx
+++ b/notes/walking-structures.pptx
@@ -5,17 +5,18 @@
     <p:sldMasterId id="2147483648" r:id="rId1"/>
   </p:sldMasterIdLst>
   <p:notesMasterIdLst>
-    <p:notesMasterId r:id="rId7"/>
+    <p:notesMasterId r:id="rId8"/>
   </p:notesMasterIdLst>
   <p:handoutMasterIdLst>
-    <p:handoutMasterId r:id="rId8"/>
+    <p:handoutMasterId r:id="rId9"/>
   </p:handoutMasterIdLst>
   <p:sldIdLst>
     <p:sldId id="256" r:id="rId2"/>
-    <p:sldId id="284" r:id="rId3"/>
-    <p:sldId id="285" r:id="rId4"/>
-    <p:sldId id="286" r:id="rId5"/>
-    <p:sldId id="287" r:id="rId6"/>
+    <p:sldId id="288" r:id="rId3"/>
+    <p:sldId id="284" r:id="rId4"/>
+    <p:sldId id="285" r:id="rId5"/>
+    <p:sldId id="286" r:id="rId6"/>
+    <p:sldId id="287" r:id="rId7"/>
   </p:sldIdLst>
   <p:sldSz cx="12192000" cy="6858000"/>
   <p:notesSz cx="6858000" cy="9144000"/>
@@ -207,7 +208,7 @@
           <a:p>
             <a:fld id="{8A1B613A-EFF1-404F-BEE8-EFAE84A4E5E2}" type="datetimeFigureOut">
               <a:rPr lang="en-US" smtClean="0"/>
-              <a:t>2/4/19</a:t>
+              <a:t>2/6/19</a:t>
             </a:fld>
             <a:endParaRPr lang="en-US"/>
           </a:p>
@@ -372,7 +373,7 @@
           <a:p>
             <a:fld id="{690847EA-AC25-3D4E-89E1-FD3F6A9702B6}" type="datetimeFigureOut">
               <a:rPr lang="en-US" smtClean="0"/>
-              <a:t>2/4/19</a:t>
+              <a:t>2/6/19</a:t>
             </a:fld>
             <a:endParaRPr lang="en-US"/>
           </a:p>
@@ -818,7 +819,7 @@
           <a:p>
             <a:fld id="{BE5295ED-3BAF-1140-8495-3D368771D6B1}" type="datetimeFigureOut">
               <a:rPr lang="en-US" smtClean="0"/>
-              <a:t>2/4/19</a:t>
+              <a:t>2/6/19</a:t>
             </a:fld>
             <a:endParaRPr lang="en-US"/>
           </a:p>
@@ -1046,7 +1047,7 @@
           <a:p>
             <a:fld id="{BE5295ED-3BAF-1140-8495-3D368771D6B1}" type="datetimeFigureOut">
               <a:rPr lang="en-US" smtClean="0"/>
-              <a:t>2/4/19</a:t>
+              <a:t>2/6/19</a:t>
             </a:fld>
             <a:endParaRPr lang="en-US"/>
           </a:p>
@@ -1254,7 +1255,7 @@
           <a:p>
             <a:fld id="{BE5295ED-3BAF-1140-8495-3D368771D6B1}" type="datetimeFigureOut">
               <a:rPr lang="en-US" smtClean="0"/>
-              <a:t>2/4/19</a:t>
+              <a:t>2/6/19</a:t>
             </a:fld>
             <a:endParaRPr lang="en-US"/>
           </a:p>
@@ -1452,7 +1453,7 @@
           <a:p>
             <a:fld id="{BE5295ED-3BAF-1140-8495-3D368771D6B1}" type="datetimeFigureOut">
               <a:rPr lang="en-US" smtClean="0"/>
-              <a:t>2/4/19</a:t>
+              <a:t>2/6/19</a:t>
             </a:fld>
             <a:endParaRPr lang="en-US"/>
           </a:p>
@@ -1727,7 +1728,7 @@
           <a:p>
             <a:fld id="{BE5295ED-3BAF-1140-8495-3D368771D6B1}" type="datetimeFigureOut">
               <a:rPr lang="en-US" smtClean="0"/>
-              <a:t>2/4/19</a:t>
+              <a:t>2/6/19</a:t>
             </a:fld>
             <a:endParaRPr lang="en-US"/>
           </a:p>
@@ -1992,7 +1993,7 @@
           <a:p>
             <a:fld id="{BE5295ED-3BAF-1140-8495-3D368771D6B1}" type="datetimeFigureOut">
               <a:rPr lang="en-US" smtClean="0"/>
-              <a:t>2/4/19</a:t>
+              <a:t>2/6/19</a:t>
             </a:fld>
             <a:endParaRPr lang="en-US"/>
           </a:p>
@@ -2404,7 +2405,7 @@
           <a:p>
             <a:fld id="{BE5295ED-3BAF-1140-8495-3D368771D6B1}" type="datetimeFigureOut">
               <a:rPr lang="en-US" smtClean="0"/>
-              <a:t>2/4/19</a:t>
+              <a:t>2/6/19</a:t>
             </a:fld>
             <a:endParaRPr lang="en-US"/>
           </a:p>
@@ -2545,7 +2546,7 @@
           <a:p>
             <a:fld id="{BE5295ED-3BAF-1140-8495-3D368771D6B1}" type="datetimeFigureOut">
               <a:rPr lang="en-US" smtClean="0"/>
-              <a:t>2/4/19</a:t>
+              <a:t>2/6/19</a:t>
             </a:fld>
             <a:endParaRPr lang="en-US"/>
           </a:p>
@@ -2658,7 +2659,7 @@
           <a:p>
             <a:fld id="{BE5295ED-3BAF-1140-8495-3D368771D6B1}" type="datetimeFigureOut">
               <a:rPr lang="en-US" smtClean="0"/>
-              <a:t>2/4/19</a:t>
+              <a:t>2/6/19</a:t>
             </a:fld>
             <a:endParaRPr lang="en-US"/>
           </a:p>
@@ -2969,7 +2970,7 @@
           <a:p>
             <a:fld id="{BE5295ED-3BAF-1140-8495-3D368771D6B1}" type="datetimeFigureOut">
               <a:rPr lang="en-US" smtClean="0"/>
-              <a:t>2/4/19</a:t>
+              <a:t>2/6/19</a:t>
             </a:fld>
             <a:endParaRPr lang="en-US"/>
           </a:p>
@@ -3260,7 +3261,7 @@
           <a:p>
             <a:fld id="{BE5295ED-3BAF-1140-8495-3D368771D6B1}" type="datetimeFigureOut">
               <a:rPr lang="en-US" smtClean="0"/>
-              <a:t>2/4/19</a:t>
+              <a:t>2/6/19</a:t>
             </a:fld>
             <a:endParaRPr lang="en-US"/>
           </a:p>
@@ -3527,7 +3528,7 @@
           <a:p>
             <a:fld id="{BE5295ED-3BAF-1140-8495-3D368771D6B1}" type="datetimeFigureOut">
               <a:rPr lang="en-US" smtClean="0"/>
-              <a:t>2/4/19</a:t>
+              <a:t>2/6/19</a:t>
             </a:fld>
             <a:endParaRPr lang="en-US"/>
           </a:p>
@@ -4122,7 +4123,7 @@
           <p:cNvPr id="2" name="Title 1">
             <a:extLst>
               <a:ext uri="{FF2B5EF4-FFF2-40B4-BE49-F238E27FC236}">
-                <a16:creationId xmlns:a16="http://schemas.microsoft.com/office/drawing/2014/main" id="{E6571BD7-A1A7-BB4E-9A06-0DFDC70BD4BD}"/>
+                <a16:creationId xmlns:a16="http://schemas.microsoft.com/office/drawing/2014/main" id="{28E269BC-FCD0-3641-BD6D-5B96C2417018}"/>
               </a:ext>
             </a:extLst>
           </p:cNvPr>
@@ -4138,206 +4139,50 @@
           <a:bodyPr/>
           <a:lstStyle/>
           <a:p>
+            <a:endParaRPr lang="en-US"/>
+          </a:p>
+        </p:txBody>
+      </p:sp>
+      <p:sp>
+        <p:nvSpPr>
+          <p:cNvPr id="3" name="Content Placeholder 2">
+            <a:extLst>
+              <a:ext uri="{FF2B5EF4-FFF2-40B4-BE49-F238E27FC236}">
+                <a16:creationId xmlns:a16="http://schemas.microsoft.com/office/drawing/2014/main" id="{011453FF-9B1C-204B-BAC3-7506D02A781A}"/>
+              </a:ext>
+            </a:extLst>
+          </p:cNvPr>
+          <p:cNvSpPr>
+            <a:spLocks noGrp="1"/>
+          </p:cNvSpPr>
+          <p:nvPr>
+            <p:ph idx="1"/>
+          </p:nvPr>
+        </p:nvSpPr>
+        <p:spPr/>
+        <p:txBody>
+          <a:bodyPr/>
+          <a:lstStyle/>
+          <a:p>
             <a:r>
               <a:rPr lang="en-US" dirty="0"/>
-              <a:t>Walking binary tree</a:t>
-            </a:r>
-          </a:p>
-        </p:txBody>
-      </p:sp>
-      <p:sp>
-        <p:nvSpPr>
-          <p:cNvPr id="3" name="Content Placeholder 2">
-            <a:extLst>
-              <a:ext uri="{FF2B5EF4-FFF2-40B4-BE49-F238E27FC236}">
-                <a16:creationId xmlns:a16="http://schemas.microsoft.com/office/drawing/2014/main" id="{A8B38C39-3C8E-CB4C-943B-39686ADCA86E}"/>
-              </a:ext>
-            </a:extLst>
-          </p:cNvPr>
-          <p:cNvSpPr>
-            <a:spLocks noGrp="1"/>
-          </p:cNvSpPr>
-          <p:nvPr>
-            <p:ph idx="1"/>
-          </p:nvPr>
-        </p:nvSpPr>
-        <p:spPr>
-          <a:xfrm>
-            <a:off x="838200" y="1825625"/>
-            <a:ext cx="10515600" cy="4351338"/>
-          </a:xfrm>
-        </p:spPr>
-        <p:txBody>
-          <a:bodyPr/>
-          <a:lstStyle/>
-          <a:p>
+              <a:t>walk all nodes; requirement. </a:t>
+            </a:r>
+            <a:r>
+              <a:rPr lang="en-US" dirty="0" err="1"/>
+              <a:t>alg</a:t>
+            </a:r>
             <a:r>
               <a:rPr lang="en-US" dirty="0"/>
-              <a:t>First, recall node def:</a:t>
-            </a:r>
-          </a:p>
-        </p:txBody>
-      </p:sp>
-      <p:sp>
-        <p:nvSpPr>
-          <p:cNvPr id="4" name="TextBox 3">
-            <a:extLst>
-              <a:ext uri="{FF2B5EF4-FFF2-40B4-BE49-F238E27FC236}">
-                <a16:creationId xmlns:a16="http://schemas.microsoft.com/office/drawing/2014/main" id="{837EE25E-03E9-BE45-AA8F-C4A53EBA61E7}"/>
-              </a:ext>
-            </a:extLst>
-          </p:cNvPr>
-          <p:cNvSpPr txBox="1"/>
-          <p:nvPr/>
-        </p:nvSpPr>
-        <p:spPr>
-          <a:xfrm>
-            <a:off x="1608028" y="2707192"/>
-            <a:ext cx="9498585" cy="1938992"/>
-          </a:xfrm>
-          <a:prstGeom prst="rect">
-            <a:avLst/>
-          </a:prstGeom>
-          <a:noFill/>
-          <a:ln>
-            <a:solidFill>
-              <a:schemeClr val="accent1"/>
-            </a:solidFill>
-          </a:ln>
-        </p:spPr>
-        <p:txBody>
-          <a:bodyPr wrap="square" rtlCol="0">
-            <a:spAutoFit/>
-          </a:bodyPr>
-          <a:lstStyle/>
-          <a:p>
-            <a:r>
-              <a:rPr lang="en-US" sz="2400" dirty="0">
-                <a:latin typeface="Monaco" charset="0"/>
-                <a:ea typeface="Monaco" charset="0"/>
-                <a:cs typeface="Monaco" charset="0"/>
-              </a:rPr>
-              <a:t>class </a:t>
-            </a:r>
-            <a:r>
-              <a:rPr lang="en-US" sz="2400" dirty="0" err="1">
-                <a:latin typeface="Monaco" charset="0"/>
-                <a:ea typeface="Monaco" charset="0"/>
-                <a:cs typeface="Monaco" charset="0"/>
-              </a:rPr>
-              <a:t>TreeNode</a:t>
-            </a:r>
-            <a:r>
-              <a:rPr lang="en-US" sz="2400" dirty="0">
-                <a:latin typeface="Monaco" charset="0"/>
-                <a:ea typeface="Monaco" charset="0"/>
-                <a:cs typeface="Monaco" charset="0"/>
-              </a:rPr>
-              <a:t>:</a:t>
-            </a:r>
-          </a:p>
-          <a:p>
-            <a:r>
-              <a:rPr lang="en-US" sz="2400" dirty="0">
-                <a:latin typeface="Monaco" charset="0"/>
-                <a:ea typeface="Monaco" charset="0"/>
-                <a:cs typeface="Monaco" charset="0"/>
-              </a:rPr>
-              <a:t>  def __</a:t>
-            </a:r>
-            <a:r>
-              <a:rPr lang="en-US" sz="2400" dirty="0" err="1">
-                <a:latin typeface="Monaco" charset="0"/>
-                <a:ea typeface="Monaco" charset="0"/>
-                <a:cs typeface="Monaco" charset="0"/>
-              </a:rPr>
-              <a:t>init</a:t>
-            </a:r>
-            <a:r>
-              <a:rPr lang="en-US" sz="2400" dirty="0">
-                <a:latin typeface="Monaco" charset="0"/>
-                <a:ea typeface="Monaco" charset="0"/>
-                <a:cs typeface="Monaco" charset="0"/>
-              </a:rPr>
-              <a:t>__(self, value, left=None, right=None):</a:t>
-            </a:r>
-          </a:p>
-          <a:p>
-            <a:r>
-              <a:rPr lang="en-US" sz="2400" dirty="0">
-                <a:latin typeface="Monaco" charset="0"/>
-                <a:ea typeface="Monaco" charset="0"/>
-                <a:cs typeface="Monaco" charset="0"/>
-              </a:rPr>
-              <a:t>    </a:t>
-            </a:r>
-            <a:r>
-              <a:rPr lang="en-US" sz="2400" dirty="0" err="1">
-                <a:latin typeface="Monaco" charset="0"/>
-                <a:ea typeface="Monaco" charset="0"/>
-                <a:cs typeface="Monaco" charset="0"/>
-              </a:rPr>
-              <a:t>self.value</a:t>
-            </a:r>
-            <a:r>
-              <a:rPr lang="en-US" sz="2400" dirty="0">
-                <a:latin typeface="Monaco" charset="0"/>
-                <a:ea typeface="Monaco" charset="0"/>
-                <a:cs typeface="Monaco" charset="0"/>
-              </a:rPr>
-              <a:t> = value</a:t>
-            </a:r>
-          </a:p>
-          <a:p>
-            <a:r>
-              <a:rPr lang="en-US" sz="2400" dirty="0">
-                <a:latin typeface="Monaco" charset="0"/>
-                <a:ea typeface="Monaco" charset="0"/>
-                <a:cs typeface="Monaco" charset="0"/>
-              </a:rPr>
-              <a:t>    </a:t>
-            </a:r>
-            <a:r>
-              <a:rPr lang="en-US" sz="2400" dirty="0" err="1">
-                <a:latin typeface="Monaco" charset="0"/>
-                <a:ea typeface="Monaco" charset="0"/>
-                <a:cs typeface="Monaco" charset="0"/>
-              </a:rPr>
-              <a:t>self.left</a:t>
-            </a:r>
-            <a:r>
-              <a:rPr lang="en-US" sz="2400" dirty="0">
-                <a:latin typeface="Monaco" charset="0"/>
-                <a:ea typeface="Monaco" charset="0"/>
-                <a:cs typeface="Monaco" charset="0"/>
-              </a:rPr>
-              <a:t> = left</a:t>
-            </a:r>
-          </a:p>
-          <a:p>
-            <a:r>
-              <a:rPr lang="en-US" sz="2400" dirty="0">
-                <a:latin typeface="Monaco" charset="0"/>
-                <a:ea typeface="Monaco" charset="0"/>
-                <a:cs typeface="Monaco" charset="0"/>
-              </a:rPr>
-              <a:t>    </a:t>
-            </a:r>
-            <a:r>
-              <a:rPr lang="en-US" sz="2400" dirty="0" err="1">
-                <a:latin typeface="Monaco" charset="0"/>
-                <a:ea typeface="Monaco" charset="0"/>
-                <a:cs typeface="Monaco" charset="0"/>
-              </a:rPr>
-              <a:t>self.right</a:t>
-            </a:r>
-            <a:r>
-              <a:rPr lang="en-US" sz="2400" dirty="0">
-                <a:latin typeface="Monaco" charset="0"/>
-                <a:ea typeface="Monaco" charset="0"/>
-                <a:cs typeface="Monaco" charset="0"/>
-              </a:rPr>
-              <a:t> = right</a:t>
+              <a:t> are just walking subsets or many times </a:t>
+            </a:r>
+            <a:r>
+              <a:rPr lang="en-US" dirty="0" err="1"/>
+              <a:t>etc</a:t>
+            </a:r>
+            <a:r>
+              <a:rPr lang="en-US"/>
+              <a:t>…</a:t>
             </a:r>
           </a:p>
         </p:txBody>
@@ -4345,7 +4190,7 @@
     </p:spTree>
     <p:extLst>
       <p:ext uri="{BB962C8B-B14F-4D97-AF65-F5344CB8AC3E}">
-        <p14:creationId xmlns:p14="http://schemas.microsoft.com/office/powerpoint/2010/main" val="3461513985"/>
+        <p14:creationId xmlns:p14="http://schemas.microsoft.com/office/powerpoint/2010/main" val="3002228280"/>
       </p:ext>
     </p:extLst>
   </p:cSld>
@@ -4377,7 +4222,7 @@
           <p:cNvPr id="2" name="Title 1">
             <a:extLst>
               <a:ext uri="{FF2B5EF4-FFF2-40B4-BE49-F238E27FC236}">
-                <a16:creationId xmlns:a16="http://schemas.microsoft.com/office/drawing/2014/main" id="{60D3DC2E-871E-744E-86E0-8032D47C69E9}"/>
+                <a16:creationId xmlns:a16="http://schemas.microsoft.com/office/drawing/2014/main" id="{E6571BD7-A1A7-BB4E-9A06-0DFDC70BD4BD}"/>
               </a:ext>
             </a:extLst>
           </p:cNvPr>
@@ -4395,7 +4240,7 @@
           <a:p>
             <a:r>
               <a:rPr lang="en-US" dirty="0"/>
-              <a:t>Recursive walk is the most natural</a:t>
+              <a:t>Walking binary tree</a:t>
             </a:r>
           </a:p>
         </p:txBody>
@@ -4405,7 +4250,7 @@
           <p:cNvPr id="3" name="Content Placeholder 2">
             <a:extLst>
               <a:ext uri="{FF2B5EF4-FFF2-40B4-BE49-F238E27FC236}">
-                <a16:creationId xmlns:a16="http://schemas.microsoft.com/office/drawing/2014/main" id="{1F8D8982-1CDC-5948-B25B-15E1D31B41F1}"/>
+                <a16:creationId xmlns:a16="http://schemas.microsoft.com/office/drawing/2014/main" id="{A8B38C39-3C8E-CB4C-943B-39686ADCA86E}"/>
               </a:ext>
             </a:extLst>
           </p:cNvPr>
@@ -4416,36 +4261,29 @@
             <p:ph idx="1"/>
           </p:nvPr>
         </p:nvSpPr>
-        <p:spPr/>
+        <p:spPr>
+          <a:xfrm>
+            <a:off x="838200" y="1825625"/>
+            <a:ext cx="10515600" cy="4351338"/>
+          </a:xfrm>
+        </p:spPr>
         <p:txBody>
           <a:bodyPr/>
           <a:lstStyle/>
           <a:p>
             <a:r>
               <a:rPr lang="en-US" dirty="0"/>
-              <a:t>“Depth-first search” is how we walk every node in a tree</a:t>
-            </a:r>
-          </a:p>
-          <a:p>
-            <a:r>
-              <a:rPr lang="en-US" dirty="0"/>
-              <a:t>The visitation order (discover, finish nodes) always same</a:t>
-            </a:r>
-          </a:p>
-          <a:p>
-            <a:r>
-              <a:rPr lang="en-US" dirty="0"/>
-              <a:t>Traversal (pre-, in-, post-) depends on action location</a:t>
-            </a:r>
-          </a:p>
-        </p:txBody>
-      </p:sp>
-      <p:sp>
-        <p:nvSpPr>
-          <p:cNvPr id="6" name="TextBox 5">
-            <a:extLst>
-              <a:ext uri="{FF2B5EF4-FFF2-40B4-BE49-F238E27FC236}">
-                <a16:creationId xmlns:a16="http://schemas.microsoft.com/office/drawing/2014/main" id="{489A34D9-44B3-0243-BBF9-5E2AF6580C02}"/>
+              <a:t>First, recall node def:</a:t>
+            </a:r>
+          </a:p>
+        </p:txBody>
+      </p:sp>
+      <p:sp>
+        <p:nvSpPr>
+          <p:cNvPr id="4" name="TextBox 3">
+            <a:extLst>
+              <a:ext uri="{FF2B5EF4-FFF2-40B4-BE49-F238E27FC236}">
+                <a16:creationId xmlns:a16="http://schemas.microsoft.com/office/drawing/2014/main" id="{837EE25E-03E9-BE45-AA8F-C4A53EBA61E7}"/>
               </a:ext>
             </a:extLst>
           </p:cNvPr>
@@ -4454,8 +4292,8 @@
         </p:nvSpPr>
         <p:spPr>
           <a:xfrm>
-            <a:off x="415512" y="3551665"/>
-            <a:ext cx="5680488" cy="1938992"/>
+            <a:off x="1608028" y="2707192"/>
+            <a:ext cx="9498585" cy="1938992"/>
           </a:xfrm>
           <a:prstGeom prst="rect">
             <a:avLst/>
@@ -4479,7 +4317,7 @@
                 <a:ea typeface="Monaco" charset="0"/>
                 <a:cs typeface="Monaco" charset="0"/>
               </a:rPr>
-              <a:t>def </a:t>
+              <a:t>class </a:t>
             </a:r>
             <a:r>
               <a:rPr lang="en-US" sz="2400" dirty="0" err="1">
@@ -4487,15 +4325,25 @@
                 <a:ea typeface="Monaco" charset="0"/>
                 <a:cs typeface="Monaco" charset="0"/>
               </a:rPr>
-              <a:t>walk_tree</a:t>
-            </a:r>
-            <a:r>
-              <a:rPr lang="en-US" sz="2400" dirty="0">
-                <a:latin typeface="Monaco" charset="0"/>
-                <a:ea typeface="Monaco" charset="0"/>
-                <a:cs typeface="Monaco" charset="0"/>
-              </a:rPr>
-              <a:t>(</a:t>
+              <a:t>TreeNode</a:t>
+            </a:r>
+            <a:r>
+              <a:rPr lang="en-US" sz="2400" dirty="0">
+                <a:latin typeface="Monaco" charset="0"/>
+                <a:ea typeface="Monaco" charset="0"/>
+                <a:cs typeface="Monaco" charset="0"/>
+              </a:rPr>
+              <a:t>:</a:t>
+            </a:r>
+          </a:p>
+          <a:p>
+            <a:r>
+              <a:rPr lang="en-US" sz="2400" dirty="0">
+                <a:latin typeface="Monaco" charset="0"/>
+                <a:ea typeface="Monaco" charset="0"/>
+                <a:cs typeface="Monaco" charset="0"/>
+              </a:rPr>
+              <a:t>  def __</a:t>
             </a:r>
             <a:r>
               <a:rPr lang="en-US" sz="2400" dirty="0" err="1">
@@ -4503,35 +4351,25 @@
                 <a:ea typeface="Monaco" charset="0"/>
                 <a:cs typeface="Monaco" charset="0"/>
               </a:rPr>
-              <a:t>p:TreeNode</a:t>
-            </a:r>
-            <a:r>
-              <a:rPr lang="en-US" sz="2400" dirty="0">
-                <a:latin typeface="Monaco" charset="0"/>
-                <a:ea typeface="Monaco" charset="0"/>
-                <a:cs typeface="Monaco" charset="0"/>
-              </a:rPr>
-              <a:t>):</a:t>
-            </a:r>
-          </a:p>
-          <a:p>
-            <a:r>
-              <a:rPr lang="en-US" sz="2400" dirty="0">
-                <a:latin typeface="Monaco" charset="0"/>
-                <a:ea typeface="Monaco" charset="0"/>
-                <a:cs typeface="Monaco" charset="0"/>
-              </a:rPr>
-              <a:t>    if p is None: return</a:t>
-            </a:r>
-          </a:p>
-          <a:p>
-            <a:r>
-              <a:rPr lang="en-US" sz="2400" dirty="0">
-                <a:latin typeface="Monaco" charset="0"/>
-                <a:ea typeface="Monaco" charset="0"/>
-                <a:cs typeface="Monaco" charset="0"/>
-              </a:rPr>
-              <a:t>    print(</a:t>
+              <a:t>init</a:t>
+            </a:r>
+            <a:r>
+              <a:rPr lang="en-US" sz="2400" dirty="0">
+                <a:latin typeface="Monaco" charset="0"/>
+                <a:ea typeface="Monaco" charset="0"/>
+                <a:cs typeface="Monaco" charset="0"/>
+              </a:rPr>
+              <a:t>__(self, value, left=None, right=None):</a:t>
+            </a:r>
+          </a:p>
+          <a:p>
+            <a:r>
+              <a:rPr lang="en-US" sz="2400" dirty="0">
+                <a:latin typeface="Monaco" charset="0"/>
+                <a:ea typeface="Monaco" charset="0"/>
+                <a:cs typeface="Monaco" charset="0"/>
+              </a:rPr>
+              <a:t>    </a:t>
             </a:r>
             <a:r>
               <a:rPr lang="en-US" sz="2400" dirty="0" err="1">
@@ -4539,26 +4377,15 @@
                 <a:ea typeface="Monaco" charset="0"/>
                 <a:cs typeface="Monaco" charset="0"/>
               </a:rPr>
-              <a:t>p.value</a:t>
-            </a:r>
-            <a:r>
-              <a:rPr lang="en-US" sz="2400" dirty="0">
-                <a:latin typeface="Monaco" charset="0"/>
-                <a:ea typeface="Monaco" charset="0"/>
-                <a:cs typeface="Monaco" charset="0"/>
-              </a:rPr>
-              <a:t>) # </a:t>
-            </a:r>
-            <a:r>
-              <a:rPr lang="en-US" sz="2400" dirty="0">
-                <a:solidFill>
-                  <a:srgbClr val="C00000"/>
-                </a:solidFill>
-                <a:latin typeface="Monaco" charset="0"/>
-                <a:ea typeface="Monaco" charset="0"/>
-                <a:cs typeface="Monaco" charset="0"/>
-              </a:rPr>
-              <a:t>preorder</a:t>
+              <a:t>self.value</a:t>
+            </a:r>
+            <a:r>
+              <a:rPr lang="en-US" sz="2400" dirty="0">
+                <a:latin typeface="Monaco" charset="0"/>
+                <a:ea typeface="Monaco" charset="0"/>
+                <a:cs typeface="Monaco" charset="0"/>
+              </a:rPr>
+              <a:t> = value</a:t>
             </a:r>
           </a:p>
           <a:p>
@@ -4576,15 +4403,25 @@
                 <a:ea typeface="Monaco" charset="0"/>
                 <a:cs typeface="Monaco" charset="0"/>
               </a:rPr>
-              <a:t>walk_tree</a:t>
-            </a:r>
-            <a:r>
-              <a:rPr lang="en-US" sz="2400" dirty="0">
-                <a:latin typeface="Monaco" charset="0"/>
-                <a:ea typeface="Monaco" charset="0"/>
-                <a:cs typeface="Monaco" charset="0"/>
-              </a:rPr>
-              <a:t>(</a:t>
+              <a:t>self.left</a:t>
+            </a:r>
+            <a:r>
+              <a:rPr lang="en-US" sz="2400" dirty="0">
+                <a:latin typeface="Monaco" charset="0"/>
+                <a:ea typeface="Monaco" charset="0"/>
+                <a:cs typeface="Monaco" charset="0"/>
+              </a:rPr>
+              <a:t> = left</a:t>
+            </a:r>
+          </a:p>
+          <a:p>
+            <a:r>
+              <a:rPr lang="en-US" sz="2400" dirty="0">
+                <a:latin typeface="Monaco" charset="0"/>
+                <a:ea typeface="Monaco" charset="0"/>
+                <a:cs typeface="Monaco" charset="0"/>
+              </a:rPr>
+              <a:t>    </a:t>
             </a:r>
             <a:r>
               <a:rPr lang="en-US" sz="2400" dirty="0" err="1">
@@ -4592,280 +4429,23 @@
                 <a:ea typeface="Monaco" charset="0"/>
                 <a:cs typeface="Monaco" charset="0"/>
               </a:rPr>
-              <a:t>p.left</a:t>
-            </a:r>
-            <a:r>
-              <a:rPr lang="en-US" sz="2400" dirty="0">
-                <a:latin typeface="Monaco" charset="0"/>
-                <a:ea typeface="Monaco" charset="0"/>
-                <a:cs typeface="Monaco" charset="0"/>
-              </a:rPr>
-              <a:t>)</a:t>
-            </a:r>
-          </a:p>
-          <a:p>
-            <a:r>
-              <a:rPr lang="en-US" sz="2400" dirty="0">
-                <a:latin typeface="Monaco" charset="0"/>
-                <a:ea typeface="Monaco" charset="0"/>
-                <a:cs typeface="Monaco" charset="0"/>
-              </a:rPr>
-              <a:t>    </a:t>
-            </a:r>
-            <a:r>
-              <a:rPr lang="en-US" sz="2400" dirty="0" err="1">
-                <a:latin typeface="Monaco" charset="0"/>
-                <a:ea typeface="Monaco" charset="0"/>
-                <a:cs typeface="Monaco" charset="0"/>
-              </a:rPr>
-              <a:t>walk_tree</a:t>
-            </a:r>
-            <a:r>
-              <a:rPr lang="en-US" sz="2400" dirty="0">
-                <a:latin typeface="Monaco" charset="0"/>
-                <a:ea typeface="Monaco" charset="0"/>
-                <a:cs typeface="Monaco" charset="0"/>
-              </a:rPr>
-              <a:t>(</a:t>
-            </a:r>
-            <a:r>
-              <a:rPr lang="en-US" sz="2400" dirty="0" err="1">
-                <a:latin typeface="Monaco" charset="0"/>
-                <a:ea typeface="Monaco" charset="0"/>
-                <a:cs typeface="Monaco" charset="0"/>
-              </a:rPr>
-              <a:t>p.right</a:t>
-            </a:r>
-            <a:r>
-              <a:rPr lang="en-US" sz="2400" dirty="0">
-                <a:latin typeface="Monaco" charset="0"/>
-                <a:ea typeface="Monaco" charset="0"/>
-                <a:cs typeface="Monaco" charset="0"/>
-              </a:rPr>
-              <a:t>)</a:t>
-            </a:r>
-          </a:p>
-        </p:txBody>
-      </p:sp>
-      <p:sp>
-        <p:nvSpPr>
-          <p:cNvPr id="7" name="TextBox 6">
-            <a:extLst>
-              <a:ext uri="{FF2B5EF4-FFF2-40B4-BE49-F238E27FC236}">
-                <a16:creationId xmlns:a16="http://schemas.microsoft.com/office/drawing/2014/main" id="{A2B505F6-043A-1D43-B41B-FB41BC4E2AC1}"/>
-              </a:ext>
-            </a:extLst>
-          </p:cNvPr>
-          <p:cNvSpPr txBox="1"/>
-          <p:nvPr/>
-        </p:nvSpPr>
-        <p:spPr>
-          <a:xfrm>
-            <a:off x="6310790" y="3551665"/>
-            <a:ext cx="5680488" cy="1938992"/>
-          </a:xfrm>
-          <a:prstGeom prst="rect">
-            <a:avLst/>
-          </a:prstGeom>
-          <a:noFill/>
-          <a:ln>
-            <a:solidFill>
-              <a:schemeClr val="accent1"/>
-            </a:solidFill>
-          </a:ln>
-        </p:spPr>
-        <p:txBody>
-          <a:bodyPr wrap="square" rtlCol="0">
-            <a:spAutoFit/>
-          </a:bodyPr>
-          <a:lstStyle/>
-          <a:p>
-            <a:r>
-              <a:rPr lang="en-US" sz="2400" dirty="0">
-                <a:latin typeface="Monaco" charset="0"/>
-                <a:ea typeface="Monaco" charset="0"/>
-                <a:cs typeface="Monaco" charset="0"/>
-              </a:rPr>
-              <a:t>def </a:t>
-            </a:r>
-            <a:r>
-              <a:rPr lang="en-US" sz="2400" dirty="0" err="1">
-                <a:latin typeface="Monaco" charset="0"/>
-                <a:ea typeface="Monaco" charset="0"/>
-                <a:cs typeface="Monaco" charset="0"/>
-              </a:rPr>
-              <a:t>walk_tree</a:t>
-            </a:r>
-            <a:r>
-              <a:rPr lang="en-US" sz="2400" dirty="0">
-                <a:latin typeface="Monaco" charset="0"/>
-                <a:ea typeface="Monaco" charset="0"/>
-                <a:cs typeface="Monaco" charset="0"/>
-              </a:rPr>
-              <a:t>(</a:t>
-            </a:r>
-            <a:r>
-              <a:rPr lang="en-US" sz="2400" dirty="0" err="1">
-                <a:latin typeface="Monaco" charset="0"/>
-                <a:ea typeface="Monaco" charset="0"/>
-                <a:cs typeface="Monaco" charset="0"/>
-              </a:rPr>
-              <a:t>p:TreeNode</a:t>
-            </a:r>
-            <a:r>
-              <a:rPr lang="en-US" sz="2400" dirty="0">
-                <a:latin typeface="Monaco" charset="0"/>
-                <a:ea typeface="Monaco" charset="0"/>
-                <a:cs typeface="Monaco" charset="0"/>
-              </a:rPr>
-              <a:t>):</a:t>
-            </a:r>
-          </a:p>
-          <a:p>
-            <a:r>
-              <a:rPr lang="en-US" sz="2400" dirty="0">
-                <a:latin typeface="Monaco" charset="0"/>
-                <a:ea typeface="Monaco" charset="0"/>
-                <a:cs typeface="Monaco" charset="0"/>
-              </a:rPr>
-              <a:t>    if p is None: return</a:t>
-            </a:r>
-          </a:p>
-          <a:p>
-            <a:r>
-              <a:rPr lang="en-US" sz="2400" dirty="0">
-                <a:latin typeface="Monaco" charset="0"/>
-                <a:ea typeface="Monaco" charset="0"/>
-                <a:cs typeface="Monaco" charset="0"/>
-              </a:rPr>
-              <a:t>    </a:t>
-            </a:r>
-            <a:r>
-              <a:rPr lang="en-US" sz="2400" dirty="0" err="1">
-                <a:latin typeface="Monaco" charset="0"/>
-                <a:ea typeface="Monaco" charset="0"/>
-                <a:cs typeface="Monaco" charset="0"/>
-              </a:rPr>
-              <a:t>walk_tree</a:t>
-            </a:r>
-            <a:r>
-              <a:rPr lang="en-US" sz="2400" dirty="0">
-                <a:latin typeface="Monaco" charset="0"/>
-                <a:ea typeface="Monaco" charset="0"/>
-                <a:cs typeface="Monaco" charset="0"/>
-              </a:rPr>
-              <a:t>(</a:t>
-            </a:r>
-            <a:r>
-              <a:rPr lang="en-US" sz="2400" dirty="0" err="1">
-                <a:latin typeface="Monaco" charset="0"/>
-                <a:ea typeface="Monaco" charset="0"/>
-                <a:cs typeface="Monaco" charset="0"/>
-              </a:rPr>
-              <a:t>p.left</a:t>
-            </a:r>
-            <a:r>
-              <a:rPr lang="en-US" sz="2400" dirty="0">
-                <a:latin typeface="Monaco" charset="0"/>
-                <a:ea typeface="Monaco" charset="0"/>
-                <a:cs typeface="Monaco" charset="0"/>
-              </a:rPr>
-              <a:t>)</a:t>
-            </a:r>
-          </a:p>
-          <a:p>
-            <a:r>
-              <a:rPr lang="en-US" sz="2400" dirty="0">
-                <a:latin typeface="Monaco" charset="0"/>
-                <a:ea typeface="Monaco" charset="0"/>
-                <a:cs typeface="Monaco" charset="0"/>
-              </a:rPr>
-              <a:t>    </a:t>
-            </a:r>
-            <a:r>
-              <a:rPr lang="en-US" sz="2400" dirty="0" err="1">
-                <a:latin typeface="Monaco" charset="0"/>
-                <a:ea typeface="Monaco" charset="0"/>
-                <a:cs typeface="Monaco" charset="0"/>
-              </a:rPr>
-              <a:t>walk_tree</a:t>
-            </a:r>
-            <a:r>
-              <a:rPr lang="en-US" sz="2400" dirty="0">
-                <a:latin typeface="Monaco" charset="0"/>
-                <a:ea typeface="Monaco" charset="0"/>
-                <a:cs typeface="Monaco" charset="0"/>
-              </a:rPr>
-              <a:t>(</a:t>
-            </a:r>
-            <a:r>
-              <a:rPr lang="en-US" sz="2400" dirty="0" err="1">
-                <a:latin typeface="Monaco" charset="0"/>
-                <a:ea typeface="Monaco" charset="0"/>
-                <a:cs typeface="Monaco" charset="0"/>
-              </a:rPr>
-              <a:t>p.right</a:t>
-            </a:r>
-            <a:r>
-              <a:rPr lang="en-US" sz="2400" dirty="0">
-                <a:latin typeface="Monaco" charset="0"/>
-                <a:ea typeface="Monaco" charset="0"/>
-                <a:cs typeface="Monaco" charset="0"/>
-              </a:rPr>
-              <a:t>)</a:t>
-            </a:r>
-          </a:p>
-          <a:p>
-            <a:r>
-              <a:rPr lang="en-US" sz="2400" dirty="0">
-                <a:latin typeface="Monaco" charset="0"/>
-                <a:ea typeface="Monaco" charset="0"/>
-                <a:cs typeface="Monaco" charset="0"/>
-              </a:rPr>
-              <a:t>    print(</a:t>
-            </a:r>
-            <a:r>
-              <a:rPr lang="en-US" sz="2400" dirty="0" err="1">
-                <a:latin typeface="Monaco" charset="0"/>
-                <a:ea typeface="Monaco" charset="0"/>
-                <a:cs typeface="Monaco" charset="0"/>
-              </a:rPr>
-              <a:t>p.value</a:t>
-            </a:r>
-            <a:r>
-              <a:rPr lang="en-US" sz="2400" dirty="0">
-                <a:latin typeface="Monaco" charset="0"/>
-                <a:ea typeface="Monaco" charset="0"/>
-                <a:cs typeface="Monaco" charset="0"/>
-              </a:rPr>
-              <a:t>) # </a:t>
-            </a:r>
-            <a:r>
-              <a:rPr lang="en-US" sz="2400" dirty="0" err="1">
-                <a:solidFill>
-                  <a:srgbClr val="C00000"/>
-                </a:solidFill>
-                <a:latin typeface="Monaco" charset="0"/>
-                <a:ea typeface="Monaco" charset="0"/>
-                <a:cs typeface="Monaco" charset="0"/>
-              </a:rPr>
-              <a:t>postorder</a:t>
-            </a:r>
-            <a:endParaRPr lang="en-US" sz="2400" dirty="0">
-              <a:solidFill>
-                <a:srgbClr val="C00000"/>
-              </a:solidFill>
-              <a:latin typeface="Monaco" charset="0"/>
-              <a:ea typeface="Monaco" charset="0"/>
-              <a:cs typeface="Monaco" charset="0"/>
-            </a:endParaRPr>
+              <a:t>self.right</a:t>
+            </a:r>
+            <a:r>
+              <a:rPr lang="en-US" sz="2400" dirty="0">
+                <a:latin typeface="Monaco" charset="0"/>
+                <a:ea typeface="Monaco" charset="0"/>
+                <a:cs typeface="Monaco" charset="0"/>
+              </a:rPr>
+              <a:t> = right</a:t>
+            </a:r>
           </a:p>
         </p:txBody>
       </p:sp>
     </p:spTree>
     <p:extLst>
       <p:ext uri="{BB962C8B-B14F-4D97-AF65-F5344CB8AC3E}">
-        <p14:creationId xmlns:p14="http://schemas.microsoft.com/office/powerpoint/2010/main" val="2656387118"/>
+        <p14:creationId xmlns:p14="http://schemas.microsoft.com/office/powerpoint/2010/main" val="3461513985"/>
       </p:ext>
     </p:extLst>
   </p:cSld>
@@ -4897,6 +4477,526 @@
           <p:cNvPr id="2" name="Title 1">
             <a:extLst>
               <a:ext uri="{FF2B5EF4-FFF2-40B4-BE49-F238E27FC236}">
+                <a16:creationId xmlns:a16="http://schemas.microsoft.com/office/drawing/2014/main" id="{60D3DC2E-871E-744E-86E0-8032D47C69E9}"/>
+              </a:ext>
+            </a:extLst>
+          </p:cNvPr>
+          <p:cNvSpPr>
+            <a:spLocks noGrp="1"/>
+          </p:cNvSpPr>
+          <p:nvPr>
+            <p:ph type="title"/>
+          </p:nvPr>
+        </p:nvSpPr>
+        <p:spPr/>
+        <p:txBody>
+          <a:bodyPr/>
+          <a:lstStyle/>
+          <a:p>
+            <a:r>
+              <a:rPr lang="en-US" dirty="0"/>
+              <a:t>Recursive walk is the most natural</a:t>
+            </a:r>
+          </a:p>
+        </p:txBody>
+      </p:sp>
+      <p:sp>
+        <p:nvSpPr>
+          <p:cNvPr id="3" name="Content Placeholder 2">
+            <a:extLst>
+              <a:ext uri="{FF2B5EF4-FFF2-40B4-BE49-F238E27FC236}">
+                <a16:creationId xmlns:a16="http://schemas.microsoft.com/office/drawing/2014/main" id="{1F8D8982-1CDC-5948-B25B-15E1D31B41F1}"/>
+              </a:ext>
+            </a:extLst>
+          </p:cNvPr>
+          <p:cNvSpPr>
+            <a:spLocks noGrp="1"/>
+          </p:cNvSpPr>
+          <p:nvPr>
+            <p:ph idx="1"/>
+          </p:nvPr>
+        </p:nvSpPr>
+        <p:spPr/>
+        <p:txBody>
+          <a:bodyPr/>
+          <a:lstStyle/>
+          <a:p>
+            <a:r>
+              <a:rPr lang="en-US" dirty="0"/>
+              <a:t>“Depth-first search” is how we walk every node in a tree</a:t>
+            </a:r>
+          </a:p>
+          <a:p>
+            <a:r>
+              <a:rPr lang="en-US" dirty="0"/>
+              <a:t>The visitation order (discover, finish nodes) always same</a:t>
+            </a:r>
+          </a:p>
+          <a:p>
+            <a:r>
+              <a:rPr lang="en-US" dirty="0"/>
+              <a:t>Traversal (pre-, in-, post-) depends on action location</a:t>
+            </a:r>
+          </a:p>
+        </p:txBody>
+      </p:sp>
+      <p:sp>
+        <p:nvSpPr>
+          <p:cNvPr id="6" name="TextBox 5">
+            <a:extLst>
+              <a:ext uri="{FF2B5EF4-FFF2-40B4-BE49-F238E27FC236}">
+                <a16:creationId xmlns:a16="http://schemas.microsoft.com/office/drawing/2014/main" id="{489A34D9-44B3-0243-BBF9-5E2AF6580C02}"/>
+              </a:ext>
+            </a:extLst>
+          </p:cNvPr>
+          <p:cNvSpPr txBox="1"/>
+          <p:nvPr/>
+        </p:nvSpPr>
+        <p:spPr>
+          <a:xfrm>
+            <a:off x="415512" y="3551665"/>
+            <a:ext cx="5680488" cy="1938992"/>
+          </a:xfrm>
+          <a:prstGeom prst="rect">
+            <a:avLst/>
+          </a:prstGeom>
+          <a:noFill/>
+          <a:ln>
+            <a:solidFill>
+              <a:schemeClr val="accent1"/>
+            </a:solidFill>
+          </a:ln>
+        </p:spPr>
+        <p:txBody>
+          <a:bodyPr wrap="square" rtlCol="0">
+            <a:spAutoFit/>
+          </a:bodyPr>
+          <a:lstStyle/>
+          <a:p>
+            <a:r>
+              <a:rPr lang="en-US" sz="2400" dirty="0">
+                <a:latin typeface="Monaco" charset="0"/>
+                <a:ea typeface="Monaco" charset="0"/>
+                <a:cs typeface="Monaco" charset="0"/>
+              </a:rPr>
+              <a:t>def </a:t>
+            </a:r>
+            <a:r>
+              <a:rPr lang="en-US" sz="2400" dirty="0" err="1">
+                <a:latin typeface="Monaco" charset="0"/>
+                <a:ea typeface="Monaco" charset="0"/>
+                <a:cs typeface="Monaco" charset="0"/>
+              </a:rPr>
+              <a:t>walk_tree</a:t>
+            </a:r>
+            <a:r>
+              <a:rPr lang="en-US" sz="2400" dirty="0">
+                <a:latin typeface="Monaco" charset="0"/>
+                <a:ea typeface="Monaco" charset="0"/>
+                <a:cs typeface="Monaco" charset="0"/>
+              </a:rPr>
+              <a:t>(</a:t>
+            </a:r>
+            <a:r>
+              <a:rPr lang="en-US" sz="2400" dirty="0" err="1">
+                <a:latin typeface="Monaco" charset="0"/>
+                <a:ea typeface="Monaco" charset="0"/>
+                <a:cs typeface="Monaco" charset="0"/>
+              </a:rPr>
+              <a:t>p:TreeNode</a:t>
+            </a:r>
+            <a:r>
+              <a:rPr lang="en-US" sz="2400" dirty="0">
+                <a:latin typeface="Monaco" charset="0"/>
+                <a:ea typeface="Monaco" charset="0"/>
+                <a:cs typeface="Monaco" charset="0"/>
+              </a:rPr>
+              <a:t>):</a:t>
+            </a:r>
+          </a:p>
+          <a:p>
+            <a:r>
+              <a:rPr lang="en-US" sz="2400" dirty="0">
+                <a:latin typeface="Monaco" charset="0"/>
+                <a:ea typeface="Monaco" charset="0"/>
+                <a:cs typeface="Monaco" charset="0"/>
+              </a:rPr>
+              <a:t>    if p is None: return</a:t>
+            </a:r>
+          </a:p>
+          <a:p>
+            <a:r>
+              <a:rPr lang="en-US" sz="2400" dirty="0">
+                <a:latin typeface="Monaco" charset="0"/>
+                <a:ea typeface="Monaco" charset="0"/>
+                <a:cs typeface="Monaco" charset="0"/>
+              </a:rPr>
+              <a:t>    print(</a:t>
+            </a:r>
+            <a:r>
+              <a:rPr lang="en-US" sz="2400" dirty="0" err="1">
+                <a:latin typeface="Monaco" charset="0"/>
+                <a:ea typeface="Monaco" charset="0"/>
+                <a:cs typeface="Monaco" charset="0"/>
+              </a:rPr>
+              <a:t>p.value</a:t>
+            </a:r>
+            <a:r>
+              <a:rPr lang="en-US" sz="2400" dirty="0">
+                <a:latin typeface="Monaco" charset="0"/>
+                <a:ea typeface="Monaco" charset="0"/>
+                <a:cs typeface="Monaco" charset="0"/>
+              </a:rPr>
+              <a:t>) # </a:t>
+            </a:r>
+            <a:r>
+              <a:rPr lang="en-US" sz="2400" dirty="0">
+                <a:solidFill>
+                  <a:srgbClr val="C00000"/>
+                </a:solidFill>
+                <a:latin typeface="Monaco" charset="0"/>
+                <a:ea typeface="Monaco" charset="0"/>
+                <a:cs typeface="Monaco" charset="0"/>
+              </a:rPr>
+              <a:t>preorder</a:t>
+            </a:r>
+          </a:p>
+          <a:p>
+            <a:r>
+              <a:rPr lang="en-US" sz="2400" dirty="0">
+                <a:latin typeface="Monaco" charset="0"/>
+                <a:ea typeface="Monaco" charset="0"/>
+                <a:cs typeface="Monaco" charset="0"/>
+              </a:rPr>
+              <a:t>    </a:t>
+            </a:r>
+            <a:r>
+              <a:rPr lang="en-US" sz="2400" dirty="0" err="1">
+                <a:latin typeface="Monaco" charset="0"/>
+                <a:ea typeface="Monaco" charset="0"/>
+                <a:cs typeface="Monaco" charset="0"/>
+              </a:rPr>
+              <a:t>walk_tree</a:t>
+            </a:r>
+            <a:r>
+              <a:rPr lang="en-US" sz="2400" dirty="0">
+                <a:latin typeface="Monaco" charset="0"/>
+                <a:ea typeface="Monaco" charset="0"/>
+                <a:cs typeface="Monaco" charset="0"/>
+              </a:rPr>
+              <a:t>(</a:t>
+            </a:r>
+            <a:r>
+              <a:rPr lang="en-US" sz="2400" dirty="0" err="1">
+                <a:latin typeface="Monaco" charset="0"/>
+                <a:ea typeface="Monaco" charset="0"/>
+                <a:cs typeface="Monaco" charset="0"/>
+              </a:rPr>
+              <a:t>p.left</a:t>
+            </a:r>
+            <a:r>
+              <a:rPr lang="en-US" sz="2400" dirty="0">
+                <a:latin typeface="Monaco" charset="0"/>
+                <a:ea typeface="Monaco" charset="0"/>
+                <a:cs typeface="Monaco" charset="0"/>
+              </a:rPr>
+              <a:t>)</a:t>
+            </a:r>
+          </a:p>
+          <a:p>
+            <a:r>
+              <a:rPr lang="en-US" sz="2400" dirty="0">
+                <a:latin typeface="Monaco" charset="0"/>
+                <a:ea typeface="Monaco" charset="0"/>
+                <a:cs typeface="Monaco" charset="0"/>
+              </a:rPr>
+              <a:t>    </a:t>
+            </a:r>
+            <a:r>
+              <a:rPr lang="en-US" sz="2400" dirty="0" err="1">
+                <a:latin typeface="Monaco" charset="0"/>
+                <a:ea typeface="Monaco" charset="0"/>
+                <a:cs typeface="Monaco" charset="0"/>
+              </a:rPr>
+              <a:t>walk_tree</a:t>
+            </a:r>
+            <a:r>
+              <a:rPr lang="en-US" sz="2400" dirty="0">
+                <a:latin typeface="Monaco" charset="0"/>
+                <a:ea typeface="Monaco" charset="0"/>
+                <a:cs typeface="Monaco" charset="0"/>
+              </a:rPr>
+              <a:t>(</a:t>
+            </a:r>
+            <a:r>
+              <a:rPr lang="en-US" sz="2400" dirty="0" err="1">
+                <a:latin typeface="Monaco" charset="0"/>
+                <a:ea typeface="Monaco" charset="0"/>
+                <a:cs typeface="Monaco" charset="0"/>
+              </a:rPr>
+              <a:t>p.right</a:t>
+            </a:r>
+            <a:r>
+              <a:rPr lang="en-US" sz="2400" dirty="0">
+                <a:latin typeface="Monaco" charset="0"/>
+                <a:ea typeface="Monaco" charset="0"/>
+                <a:cs typeface="Monaco" charset="0"/>
+              </a:rPr>
+              <a:t>)</a:t>
+            </a:r>
+          </a:p>
+        </p:txBody>
+      </p:sp>
+      <p:sp>
+        <p:nvSpPr>
+          <p:cNvPr id="7" name="TextBox 6">
+            <a:extLst>
+              <a:ext uri="{FF2B5EF4-FFF2-40B4-BE49-F238E27FC236}">
+                <a16:creationId xmlns:a16="http://schemas.microsoft.com/office/drawing/2014/main" id="{A2B505F6-043A-1D43-B41B-FB41BC4E2AC1}"/>
+              </a:ext>
+            </a:extLst>
+          </p:cNvPr>
+          <p:cNvSpPr txBox="1"/>
+          <p:nvPr/>
+        </p:nvSpPr>
+        <p:spPr>
+          <a:xfrm>
+            <a:off x="6310790" y="3551665"/>
+            <a:ext cx="5680488" cy="1938992"/>
+          </a:xfrm>
+          <a:prstGeom prst="rect">
+            <a:avLst/>
+          </a:prstGeom>
+          <a:noFill/>
+          <a:ln>
+            <a:solidFill>
+              <a:schemeClr val="accent1"/>
+            </a:solidFill>
+          </a:ln>
+        </p:spPr>
+        <p:txBody>
+          <a:bodyPr wrap="square" rtlCol="0">
+            <a:spAutoFit/>
+          </a:bodyPr>
+          <a:lstStyle/>
+          <a:p>
+            <a:r>
+              <a:rPr lang="en-US" sz="2400" dirty="0">
+                <a:latin typeface="Monaco" charset="0"/>
+                <a:ea typeface="Monaco" charset="0"/>
+                <a:cs typeface="Monaco" charset="0"/>
+              </a:rPr>
+              <a:t>def </a:t>
+            </a:r>
+            <a:r>
+              <a:rPr lang="en-US" sz="2400" dirty="0" err="1">
+                <a:latin typeface="Monaco" charset="0"/>
+                <a:ea typeface="Monaco" charset="0"/>
+                <a:cs typeface="Monaco" charset="0"/>
+              </a:rPr>
+              <a:t>walk_tree</a:t>
+            </a:r>
+            <a:r>
+              <a:rPr lang="en-US" sz="2400" dirty="0">
+                <a:latin typeface="Monaco" charset="0"/>
+                <a:ea typeface="Monaco" charset="0"/>
+                <a:cs typeface="Monaco" charset="0"/>
+              </a:rPr>
+              <a:t>(</a:t>
+            </a:r>
+            <a:r>
+              <a:rPr lang="en-US" sz="2400" dirty="0" err="1">
+                <a:latin typeface="Monaco" charset="0"/>
+                <a:ea typeface="Monaco" charset="0"/>
+                <a:cs typeface="Monaco" charset="0"/>
+              </a:rPr>
+              <a:t>p:TreeNode</a:t>
+            </a:r>
+            <a:r>
+              <a:rPr lang="en-US" sz="2400" dirty="0">
+                <a:latin typeface="Monaco" charset="0"/>
+                <a:ea typeface="Monaco" charset="0"/>
+                <a:cs typeface="Monaco" charset="0"/>
+              </a:rPr>
+              <a:t>):</a:t>
+            </a:r>
+          </a:p>
+          <a:p>
+            <a:r>
+              <a:rPr lang="en-US" sz="2400" dirty="0">
+                <a:latin typeface="Monaco" charset="0"/>
+                <a:ea typeface="Monaco" charset="0"/>
+                <a:cs typeface="Monaco" charset="0"/>
+              </a:rPr>
+              <a:t>    if p is None: return</a:t>
+            </a:r>
+          </a:p>
+          <a:p>
+            <a:r>
+              <a:rPr lang="en-US" sz="2400" dirty="0">
+                <a:latin typeface="Monaco" charset="0"/>
+                <a:ea typeface="Monaco" charset="0"/>
+                <a:cs typeface="Monaco" charset="0"/>
+              </a:rPr>
+              <a:t>    </a:t>
+            </a:r>
+            <a:r>
+              <a:rPr lang="en-US" sz="2400" dirty="0" err="1">
+                <a:latin typeface="Monaco" charset="0"/>
+                <a:ea typeface="Monaco" charset="0"/>
+                <a:cs typeface="Monaco" charset="0"/>
+              </a:rPr>
+              <a:t>walk_tree</a:t>
+            </a:r>
+            <a:r>
+              <a:rPr lang="en-US" sz="2400" dirty="0">
+                <a:latin typeface="Monaco" charset="0"/>
+                <a:ea typeface="Monaco" charset="0"/>
+                <a:cs typeface="Monaco" charset="0"/>
+              </a:rPr>
+              <a:t>(</a:t>
+            </a:r>
+            <a:r>
+              <a:rPr lang="en-US" sz="2400" dirty="0" err="1">
+                <a:latin typeface="Monaco" charset="0"/>
+                <a:ea typeface="Monaco" charset="0"/>
+                <a:cs typeface="Monaco" charset="0"/>
+              </a:rPr>
+              <a:t>p.left</a:t>
+            </a:r>
+            <a:r>
+              <a:rPr lang="en-US" sz="2400" dirty="0">
+                <a:latin typeface="Monaco" charset="0"/>
+                <a:ea typeface="Monaco" charset="0"/>
+                <a:cs typeface="Monaco" charset="0"/>
+              </a:rPr>
+              <a:t>)</a:t>
+            </a:r>
+          </a:p>
+          <a:p>
+            <a:r>
+              <a:rPr lang="en-US" sz="2400" dirty="0">
+                <a:latin typeface="Monaco" charset="0"/>
+                <a:ea typeface="Monaco" charset="0"/>
+                <a:cs typeface="Monaco" charset="0"/>
+              </a:rPr>
+              <a:t>    </a:t>
+            </a:r>
+            <a:r>
+              <a:rPr lang="en-US" sz="2400" dirty="0" err="1">
+                <a:latin typeface="Monaco" charset="0"/>
+                <a:ea typeface="Monaco" charset="0"/>
+                <a:cs typeface="Monaco" charset="0"/>
+              </a:rPr>
+              <a:t>walk_tree</a:t>
+            </a:r>
+            <a:r>
+              <a:rPr lang="en-US" sz="2400" dirty="0">
+                <a:latin typeface="Monaco" charset="0"/>
+                <a:ea typeface="Monaco" charset="0"/>
+                <a:cs typeface="Monaco" charset="0"/>
+              </a:rPr>
+              <a:t>(</a:t>
+            </a:r>
+            <a:r>
+              <a:rPr lang="en-US" sz="2400" dirty="0" err="1">
+                <a:latin typeface="Monaco" charset="0"/>
+                <a:ea typeface="Monaco" charset="0"/>
+                <a:cs typeface="Monaco" charset="0"/>
+              </a:rPr>
+              <a:t>p.right</a:t>
+            </a:r>
+            <a:r>
+              <a:rPr lang="en-US" sz="2400" dirty="0">
+                <a:latin typeface="Monaco" charset="0"/>
+                <a:ea typeface="Monaco" charset="0"/>
+                <a:cs typeface="Monaco" charset="0"/>
+              </a:rPr>
+              <a:t>)</a:t>
+            </a:r>
+          </a:p>
+          <a:p>
+            <a:r>
+              <a:rPr lang="en-US" sz="2400" dirty="0">
+                <a:latin typeface="Monaco" charset="0"/>
+                <a:ea typeface="Monaco" charset="0"/>
+                <a:cs typeface="Monaco" charset="0"/>
+              </a:rPr>
+              <a:t>    print(</a:t>
+            </a:r>
+            <a:r>
+              <a:rPr lang="en-US" sz="2400" dirty="0" err="1">
+                <a:latin typeface="Monaco" charset="0"/>
+                <a:ea typeface="Monaco" charset="0"/>
+                <a:cs typeface="Monaco" charset="0"/>
+              </a:rPr>
+              <a:t>p.value</a:t>
+            </a:r>
+            <a:r>
+              <a:rPr lang="en-US" sz="2400" dirty="0">
+                <a:latin typeface="Monaco" charset="0"/>
+                <a:ea typeface="Monaco" charset="0"/>
+                <a:cs typeface="Monaco" charset="0"/>
+              </a:rPr>
+              <a:t>) # </a:t>
+            </a:r>
+            <a:r>
+              <a:rPr lang="en-US" sz="2400" dirty="0" err="1">
+                <a:solidFill>
+                  <a:srgbClr val="C00000"/>
+                </a:solidFill>
+                <a:latin typeface="Monaco" charset="0"/>
+                <a:ea typeface="Monaco" charset="0"/>
+                <a:cs typeface="Monaco" charset="0"/>
+              </a:rPr>
+              <a:t>postorder</a:t>
+            </a:r>
+            <a:endParaRPr lang="en-US" sz="2400" dirty="0">
+              <a:solidFill>
+                <a:srgbClr val="C00000"/>
+              </a:solidFill>
+              <a:latin typeface="Monaco" charset="0"/>
+              <a:ea typeface="Monaco" charset="0"/>
+              <a:cs typeface="Monaco" charset="0"/>
+            </a:endParaRPr>
+          </a:p>
+        </p:txBody>
+      </p:sp>
+    </p:spTree>
+    <p:extLst>
+      <p:ext uri="{BB962C8B-B14F-4D97-AF65-F5344CB8AC3E}">
+        <p14:creationId xmlns:p14="http://schemas.microsoft.com/office/powerpoint/2010/main" val="2656387118"/>
+      </p:ext>
+    </p:extLst>
+  </p:cSld>
+  <p:clrMapOvr>
+    <a:masterClrMapping/>
+  </p:clrMapOvr>
+</p:sld>
+</file>
+
+<file path=ppt/slides/slide5.xml><?xml version="1.0" encoding="utf-8"?>
+<p:sld xmlns:a="http://schemas.openxmlformats.org/drawingml/2006/main" xmlns:r="http://schemas.openxmlformats.org/officeDocument/2006/relationships" xmlns:p="http://schemas.openxmlformats.org/presentationml/2006/main">
+  <p:cSld>
+    <p:spTree>
+      <p:nvGrpSpPr>
+        <p:cNvPr id="1" name=""/>
+        <p:cNvGrpSpPr/>
+        <p:nvPr/>
+      </p:nvGrpSpPr>
+      <p:grpSpPr>
+        <a:xfrm>
+          <a:off x="0" y="0"/>
+          <a:ext cx="0" cy="0"/>
+          <a:chOff x="0" y="0"/>
+          <a:chExt cx="0" cy="0"/>
+        </a:xfrm>
+      </p:grpSpPr>
+      <p:sp>
+        <p:nvSpPr>
+          <p:cNvPr id="2" name="Title 1">
+            <a:extLst>
+              <a:ext uri="{FF2B5EF4-FFF2-40B4-BE49-F238E27FC236}">
                 <a16:creationId xmlns:a16="http://schemas.microsoft.com/office/drawing/2014/main" id="{A3098D0E-0E8C-7B4C-AAE2-159C59A9680E}"/>
               </a:ext>
             </a:extLst>
@@ -5361,7 +5461,7 @@
 </p:sld>
 </file>
 
-<file path=ppt/slides/slide5.xml><?xml version="1.0" encoding="utf-8"?>
+<file path=ppt/slides/slide6.xml><?xml version="1.0" encoding="utf-8"?>
 <p:sld xmlns:a="http://schemas.openxmlformats.org/drawingml/2006/main" xmlns:r="http://schemas.openxmlformats.org/officeDocument/2006/relationships" xmlns:p="http://schemas.openxmlformats.org/presentationml/2006/main">
   <p:cSld>
     <p:spTree>

--- a/notes/walking-structures.pptx
+++ b/notes/walking-structures.pptx
@@ -5,18 +5,19 @@
     <p:sldMasterId id="2147483648" r:id="rId1"/>
   </p:sldMasterIdLst>
   <p:notesMasterIdLst>
-    <p:notesMasterId r:id="rId8"/>
+    <p:notesMasterId r:id="rId9"/>
   </p:notesMasterIdLst>
   <p:handoutMasterIdLst>
-    <p:handoutMasterId r:id="rId9"/>
+    <p:handoutMasterId r:id="rId10"/>
   </p:handoutMasterIdLst>
   <p:sldIdLst>
     <p:sldId id="256" r:id="rId2"/>
     <p:sldId id="288" r:id="rId3"/>
-    <p:sldId id="284" r:id="rId4"/>
-    <p:sldId id="285" r:id="rId5"/>
-    <p:sldId id="286" r:id="rId6"/>
-    <p:sldId id="287" r:id="rId7"/>
+    <p:sldId id="289" r:id="rId4"/>
+    <p:sldId id="284" r:id="rId5"/>
+    <p:sldId id="285" r:id="rId6"/>
+    <p:sldId id="286" r:id="rId7"/>
+    <p:sldId id="287" r:id="rId8"/>
   </p:sldIdLst>
   <p:sldSz cx="12192000" cy="6858000"/>
   <p:notesSz cx="6858000" cy="9144000"/>
@@ -4181,7 +4182,7 @@
               <a:t>etc</a:t>
             </a:r>
             <a:r>
-              <a:rPr lang="en-US"/>
+              <a:rPr lang="en-US" dirty="0"/>
               <a:t>…</a:t>
             </a:r>
           </a:p>
@@ -4222,7 +4223,7 @@
           <p:cNvPr id="2" name="Title 1">
             <a:extLst>
               <a:ext uri="{FF2B5EF4-FFF2-40B4-BE49-F238E27FC236}">
-                <a16:creationId xmlns:a16="http://schemas.microsoft.com/office/drawing/2014/main" id="{E6571BD7-A1A7-BB4E-9A06-0DFDC70BD4BD}"/>
+                <a16:creationId xmlns:a16="http://schemas.microsoft.com/office/drawing/2014/main" id="{FE902CBB-3193-BF4D-BD39-E930CA1BC776}"/>
               </a:ext>
             </a:extLst>
           </p:cNvPr>
@@ -4240,7 +4241,7 @@
           <a:p>
             <a:r>
               <a:rPr lang="en-US" dirty="0"/>
-              <a:t>Walking binary tree</a:t>
+              <a:t>Walk linked list</a:t>
             </a:r>
           </a:p>
         </p:txBody>
@@ -4250,7 +4251,7 @@
           <p:cNvPr id="3" name="Content Placeholder 2">
             <a:extLst>
               <a:ext uri="{FF2B5EF4-FFF2-40B4-BE49-F238E27FC236}">
-                <a16:creationId xmlns:a16="http://schemas.microsoft.com/office/drawing/2014/main" id="{A8B38C39-3C8E-CB4C-943B-39686ADCA86E}"/>
+                <a16:creationId xmlns:a16="http://schemas.microsoft.com/office/drawing/2014/main" id="{6E9365B4-5962-9245-A2A7-FC3EF24714D0}"/>
               </a:ext>
             </a:extLst>
           </p:cNvPr>
@@ -4261,191 +4262,19 @@
             <p:ph idx="1"/>
           </p:nvPr>
         </p:nvSpPr>
-        <p:spPr>
-          <a:xfrm>
-            <a:off x="838200" y="1825625"/>
-            <a:ext cx="10515600" cy="4351338"/>
-          </a:xfrm>
-        </p:spPr>
+        <p:spPr/>
         <p:txBody>
           <a:bodyPr/>
           <a:lstStyle/>
           <a:p>
-            <a:r>
-              <a:rPr lang="en-US" dirty="0"/>
-              <a:t>First, recall node def:</a:t>
-            </a:r>
-          </a:p>
-        </p:txBody>
-      </p:sp>
-      <p:sp>
-        <p:nvSpPr>
-          <p:cNvPr id="4" name="TextBox 3">
-            <a:extLst>
-              <a:ext uri="{FF2B5EF4-FFF2-40B4-BE49-F238E27FC236}">
-                <a16:creationId xmlns:a16="http://schemas.microsoft.com/office/drawing/2014/main" id="{837EE25E-03E9-BE45-AA8F-C4A53EBA61E7}"/>
-              </a:ext>
-            </a:extLst>
-          </p:cNvPr>
-          <p:cNvSpPr txBox="1"/>
-          <p:nvPr/>
-        </p:nvSpPr>
-        <p:spPr>
-          <a:xfrm>
-            <a:off x="1608028" y="2707192"/>
-            <a:ext cx="9498585" cy="1938992"/>
-          </a:xfrm>
-          <a:prstGeom prst="rect">
-            <a:avLst/>
-          </a:prstGeom>
-          <a:noFill/>
-          <a:ln>
-            <a:solidFill>
-              <a:schemeClr val="accent1"/>
-            </a:solidFill>
-          </a:ln>
-        </p:spPr>
-        <p:txBody>
-          <a:bodyPr wrap="square" rtlCol="0">
-            <a:spAutoFit/>
-          </a:bodyPr>
-          <a:lstStyle/>
-          <a:p>
-            <a:r>
-              <a:rPr lang="en-US" sz="2400" dirty="0">
-                <a:latin typeface="Monaco" charset="0"/>
-                <a:ea typeface="Monaco" charset="0"/>
-                <a:cs typeface="Monaco" charset="0"/>
-              </a:rPr>
-              <a:t>class </a:t>
-            </a:r>
-            <a:r>
-              <a:rPr lang="en-US" sz="2400" dirty="0" err="1">
-                <a:latin typeface="Monaco" charset="0"/>
-                <a:ea typeface="Monaco" charset="0"/>
-                <a:cs typeface="Monaco" charset="0"/>
-              </a:rPr>
-              <a:t>TreeNode</a:t>
-            </a:r>
-            <a:r>
-              <a:rPr lang="en-US" sz="2400" dirty="0">
-                <a:latin typeface="Monaco" charset="0"/>
-                <a:ea typeface="Monaco" charset="0"/>
-                <a:cs typeface="Monaco" charset="0"/>
-              </a:rPr>
-              <a:t>:</a:t>
-            </a:r>
-          </a:p>
-          <a:p>
-            <a:r>
-              <a:rPr lang="en-US" sz="2400" dirty="0">
-                <a:latin typeface="Monaco" charset="0"/>
-                <a:ea typeface="Monaco" charset="0"/>
-                <a:cs typeface="Monaco" charset="0"/>
-              </a:rPr>
-              <a:t>  def __</a:t>
-            </a:r>
-            <a:r>
-              <a:rPr lang="en-US" sz="2400" dirty="0" err="1">
-                <a:latin typeface="Monaco" charset="0"/>
-                <a:ea typeface="Monaco" charset="0"/>
-                <a:cs typeface="Monaco" charset="0"/>
-              </a:rPr>
-              <a:t>init</a:t>
-            </a:r>
-            <a:r>
-              <a:rPr lang="en-US" sz="2400" dirty="0">
-                <a:latin typeface="Monaco" charset="0"/>
-                <a:ea typeface="Monaco" charset="0"/>
-                <a:cs typeface="Monaco" charset="0"/>
-              </a:rPr>
-              <a:t>__(self, value, left=None, right=None):</a:t>
-            </a:r>
-          </a:p>
-          <a:p>
-            <a:r>
-              <a:rPr lang="en-US" sz="2400" dirty="0">
-                <a:latin typeface="Monaco" charset="0"/>
-                <a:ea typeface="Monaco" charset="0"/>
-                <a:cs typeface="Monaco" charset="0"/>
-              </a:rPr>
-              <a:t>    </a:t>
-            </a:r>
-            <a:r>
-              <a:rPr lang="en-US" sz="2400" dirty="0" err="1">
-                <a:latin typeface="Monaco" charset="0"/>
-                <a:ea typeface="Monaco" charset="0"/>
-                <a:cs typeface="Monaco" charset="0"/>
-              </a:rPr>
-              <a:t>self.value</a:t>
-            </a:r>
-            <a:r>
-              <a:rPr lang="en-US" sz="2400" dirty="0">
-                <a:latin typeface="Monaco" charset="0"/>
-                <a:ea typeface="Monaco" charset="0"/>
-                <a:cs typeface="Monaco" charset="0"/>
-              </a:rPr>
-              <a:t> = value</a:t>
-            </a:r>
-          </a:p>
-          <a:p>
-            <a:r>
-              <a:rPr lang="en-US" sz="2400" dirty="0">
-                <a:latin typeface="Monaco" charset="0"/>
-                <a:ea typeface="Monaco" charset="0"/>
-                <a:cs typeface="Monaco" charset="0"/>
-              </a:rPr>
-              <a:t>    </a:t>
-            </a:r>
-            <a:r>
-              <a:rPr lang="en-US" sz="2400" dirty="0" err="1">
-                <a:latin typeface="Monaco" charset="0"/>
-                <a:ea typeface="Monaco" charset="0"/>
-                <a:cs typeface="Monaco" charset="0"/>
-              </a:rPr>
-              <a:t>self.left</a:t>
-            </a:r>
-            <a:r>
-              <a:rPr lang="en-US" sz="2400" dirty="0">
-                <a:latin typeface="Monaco" charset="0"/>
-                <a:ea typeface="Monaco" charset="0"/>
-                <a:cs typeface="Monaco" charset="0"/>
-              </a:rPr>
-              <a:t> = left</a:t>
-            </a:r>
-          </a:p>
-          <a:p>
-            <a:r>
-              <a:rPr lang="en-US" sz="2400" dirty="0">
-                <a:latin typeface="Monaco" charset="0"/>
-                <a:ea typeface="Monaco" charset="0"/>
-                <a:cs typeface="Monaco" charset="0"/>
-              </a:rPr>
-              <a:t>    </a:t>
-            </a:r>
-            <a:r>
-              <a:rPr lang="en-US" sz="2400" dirty="0" err="1">
-                <a:latin typeface="Monaco" charset="0"/>
-                <a:ea typeface="Monaco" charset="0"/>
-                <a:cs typeface="Monaco" charset="0"/>
-              </a:rPr>
-              <a:t>self.right</a:t>
-            </a:r>
-            <a:r>
-              <a:rPr lang="en-US" sz="2400" dirty="0">
-                <a:latin typeface="Monaco" charset="0"/>
-                <a:ea typeface="Monaco" charset="0"/>
-                <a:cs typeface="Monaco" charset="0"/>
-              </a:rPr>
-              <a:t> = right</a:t>
-            </a:r>
+            <a:endParaRPr lang="en-US"/>
           </a:p>
         </p:txBody>
       </p:sp>
     </p:spTree>
     <p:extLst>
       <p:ext uri="{BB962C8B-B14F-4D97-AF65-F5344CB8AC3E}">
-        <p14:creationId xmlns:p14="http://schemas.microsoft.com/office/powerpoint/2010/main" val="3461513985"/>
+        <p14:creationId xmlns:p14="http://schemas.microsoft.com/office/powerpoint/2010/main" val="1477124817"/>
       </p:ext>
     </p:extLst>
   </p:cSld>
@@ -4477,7 +4306,7 @@
           <p:cNvPr id="2" name="Title 1">
             <a:extLst>
               <a:ext uri="{FF2B5EF4-FFF2-40B4-BE49-F238E27FC236}">
-                <a16:creationId xmlns:a16="http://schemas.microsoft.com/office/drawing/2014/main" id="{60D3DC2E-871E-744E-86E0-8032D47C69E9}"/>
+                <a16:creationId xmlns:a16="http://schemas.microsoft.com/office/drawing/2014/main" id="{E6571BD7-A1A7-BB4E-9A06-0DFDC70BD4BD}"/>
               </a:ext>
             </a:extLst>
           </p:cNvPr>
@@ -4495,7 +4324,7 @@
           <a:p>
             <a:r>
               <a:rPr lang="en-US" dirty="0"/>
-              <a:t>Recursive walk is the most natural</a:t>
+              <a:t>Walking binary tree</a:t>
             </a:r>
           </a:p>
         </p:txBody>
@@ -4505,7 +4334,7 @@
           <p:cNvPr id="3" name="Content Placeholder 2">
             <a:extLst>
               <a:ext uri="{FF2B5EF4-FFF2-40B4-BE49-F238E27FC236}">
-                <a16:creationId xmlns:a16="http://schemas.microsoft.com/office/drawing/2014/main" id="{1F8D8982-1CDC-5948-B25B-15E1D31B41F1}"/>
+                <a16:creationId xmlns:a16="http://schemas.microsoft.com/office/drawing/2014/main" id="{A8B38C39-3C8E-CB4C-943B-39686ADCA86E}"/>
               </a:ext>
             </a:extLst>
           </p:cNvPr>
@@ -4516,36 +4345,29 @@
             <p:ph idx="1"/>
           </p:nvPr>
         </p:nvSpPr>
-        <p:spPr/>
+        <p:spPr>
+          <a:xfrm>
+            <a:off x="838200" y="1825625"/>
+            <a:ext cx="10515600" cy="4351338"/>
+          </a:xfrm>
+        </p:spPr>
         <p:txBody>
           <a:bodyPr/>
           <a:lstStyle/>
           <a:p>
             <a:r>
               <a:rPr lang="en-US" dirty="0"/>
-              <a:t>“Depth-first search” is how we walk every node in a tree</a:t>
-            </a:r>
-          </a:p>
-          <a:p>
-            <a:r>
-              <a:rPr lang="en-US" dirty="0"/>
-              <a:t>The visitation order (discover, finish nodes) always same</a:t>
-            </a:r>
-          </a:p>
-          <a:p>
-            <a:r>
-              <a:rPr lang="en-US" dirty="0"/>
-              <a:t>Traversal (pre-, in-, post-) depends on action location</a:t>
-            </a:r>
-          </a:p>
-        </p:txBody>
-      </p:sp>
-      <p:sp>
-        <p:nvSpPr>
-          <p:cNvPr id="6" name="TextBox 5">
-            <a:extLst>
-              <a:ext uri="{FF2B5EF4-FFF2-40B4-BE49-F238E27FC236}">
-                <a16:creationId xmlns:a16="http://schemas.microsoft.com/office/drawing/2014/main" id="{489A34D9-44B3-0243-BBF9-5E2AF6580C02}"/>
+              <a:t>First, recall node def:</a:t>
+            </a:r>
+          </a:p>
+        </p:txBody>
+      </p:sp>
+      <p:sp>
+        <p:nvSpPr>
+          <p:cNvPr id="4" name="TextBox 3">
+            <a:extLst>
+              <a:ext uri="{FF2B5EF4-FFF2-40B4-BE49-F238E27FC236}">
+                <a16:creationId xmlns:a16="http://schemas.microsoft.com/office/drawing/2014/main" id="{837EE25E-03E9-BE45-AA8F-C4A53EBA61E7}"/>
               </a:ext>
             </a:extLst>
           </p:cNvPr>
@@ -4554,8 +4376,8 @@
         </p:nvSpPr>
         <p:spPr>
           <a:xfrm>
-            <a:off x="415512" y="3551665"/>
-            <a:ext cx="5680488" cy="1938992"/>
+            <a:off x="1063280" y="2623887"/>
+            <a:ext cx="9498585" cy="1938992"/>
           </a:xfrm>
           <a:prstGeom prst="rect">
             <a:avLst/>
@@ -4579,7 +4401,7 @@
                 <a:ea typeface="Monaco" charset="0"/>
                 <a:cs typeface="Monaco" charset="0"/>
               </a:rPr>
-              <a:t>def </a:t>
+              <a:t>class </a:t>
             </a:r>
             <a:r>
               <a:rPr lang="en-US" sz="2400" dirty="0" err="1">
@@ -4587,15 +4409,25 @@
                 <a:ea typeface="Monaco" charset="0"/>
                 <a:cs typeface="Monaco" charset="0"/>
               </a:rPr>
-              <a:t>walk_tree</a:t>
-            </a:r>
-            <a:r>
-              <a:rPr lang="en-US" sz="2400" dirty="0">
-                <a:latin typeface="Monaco" charset="0"/>
-                <a:ea typeface="Monaco" charset="0"/>
-                <a:cs typeface="Monaco" charset="0"/>
-              </a:rPr>
-              <a:t>(</a:t>
+              <a:t>TreeNode</a:t>
+            </a:r>
+            <a:r>
+              <a:rPr lang="en-US" sz="2400" dirty="0">
+                <a:latin typeface="Monaco" charset="0"/>
+                <a:ea typeface="Monaco" charset="0"/>
+                <a:cs typeface="Monaco" charset="0"/>
+              </a:rPr>
+              <a:t>:</a:t>
+            </a:r>
+          </a:p>
+          <a:p>
+            <a:r>
+              <a:rPr lang="en-US" sz="2400" dirty="0">
+                <a:latin typeface="Monaco" charset="0"/>
+                <a:ea typeface="Monaco" charset="0"/>
+                <a:cs typeface="Monaco" charset="0"/>
+              </a:rPr>
+              <a:t>  def __</a:t>
             </a:r>
             <a:r>
               <a:rPr lang="en-US" sz="2400" dirty="0" err="1">
@@ -4603,35 +4435,25 @@
                 <a:ea typeface="Monaco" charset="0"/>
                 <a:cs typeface="Monaco" charset="0"/>
               </a:rPr>
-              <a:t>p:TreeNode</a:t>
-            </a:r>
-            <a:r>
-              <a:rPr lang="en-US" sz="2400" dirty="0">
-                <a:latin typeface="Monaco" charset="0"/>
-                <a:ea typeface="Monaco" charset="0"/>
-                <a:cs typeface="Monaco" charset="0"/>
-              </a:rPr>
-              <a:t>):</a:t>
-            </a:r>
-          </a:p>
-          <a:p>
-            <a:r>
-              <a:rPr lang="en-US" sz="2400" dirty="0">
-                <a:latin typeface="Monaco" charset="0"/>
-                <a:ea typeface="Monaco" charset="0"/>
-                <a:cs typeface="Monaco" charset="0"/>
-              </a:rPr>
-              <a:t>    if p is None: return</a:t>
-            </a:r>
-          </a:p>
-          <a:p>
-            <a:r>
-              <a:rPr lang="en-US" sz="2400" dirty="0">
-                <a:latin typeface="Monaco" charset="0"/>
-                <a:ea typeface="Monaco" charset="0"/>
-                <a:cs typeface="Monaco" charset="0"/>
-              </a:rPr>
-              <a:t>    print(</a:t>
+              <a:t>init</a:t>
+            </a:r>
+            <a:r>
+              <a:rPr lang="en-US" sz="2400" dirty="0">
+                <a:latin typeface="Monaco" charset="0"/>
+                <a:ea typeface="Monaco" charset="0"/>
+                <a:cs typeface="Monaco" charset="0"/>
+              </a:rPr>
+              <a:t>__(self, value, left=None, right=None):</a:t>
+            </a:r>
+          </a:p>
+          <a:p>
+            <a:r>
+              <a:rPr lang="en-US" sz="2400" dirty="0">
+                <a:latin typeface="Monaco" charset="0"/>
+                <a:ea typeface="Monaco" charset="0"/>
+                <a:cs typeface="Monaco" charset="0"/>
+              </a:rPr>
+              <a:t>    </a:t>
             </a:r>
             <a:r>
               <a:rPr lang="en-US" sz="2400" dirty="0" err="1">
@@ -4639,26 +4461,15 @@
                 <a:ea typeface="Monaco" charset="0"/>
                 <a:cs typeface="Monaco" charset="0"/>
               </a:rPr>
-              <a:t>p.value</a:t>
-            </a:r>
-            <a:r>
-              <a:rPr lang="en-US" sz="2400" dirty="0">
-                <a:latin typeface="Monaco" charset="0"/>
-                <a:ea typeface="Monaco" charset="0"/>
-                <a:cs typeface="Monaco" charset="0"/>
-              </a:rPr>
-              <a:t>) # </a:t>
-            </a:r>
-            <a:r>
-              <a:rPr lang="en-US" sz="2400" dirty="0">
-                <a:solidFill>
-                  <a:srgbClr val="C00000"/>
-                </a:solidFill>
-                <a:latin typeface="Monaco" charset="0"/>
-                <a:ea typeface="Monaco" charset="0"/>
-                <a:cs typeface="Monaco" charset="0"/>
-              </a:rPr>
-              <a:t>preorder</a:t>
+              <a:t>self.value</a:t>
+            </a:r>
+            <a:r>
+              <a:rPr lang="en-US" sz="2400" dirty="0">
+                <a:latin typeface="Monaco" charset="0"/>
+                <a:ea typeface="Monaco" charset="0"/>
+                <a:cs typeface="Monaco" charset="0"/>
+              </a:rPr>
+              <a:t> = value</a:t>
             </a:r>
           </a:p>
           <a:p>
@@ -4676,15 +4487,25 @@
                 <a:ea typeface="Monaco" charset="0"/>
                 <a:cs typeface="Monaco" charset="0"/>
               </a:rPr>
-              <a:t>walk_tree</a:t>
-            </a:r>
-            <a:r>
-              <a:rPr lang="en-US" sz="2400" dirty="0">
-                <a:latin typeface="Monaco" charset="0"/>
-                <a:ea typeface="Monaco" charset="0"/>
-                <a:cs typeface="Monaco" charset="0"/>
-              </a:rPr>
-              <a:t>(</a:t>
+              <a:t>self.left</a:t>
+            </a:r>
+            <a:r>
+              <a:rPr lang="en-US" sz="2400" dirty="0">
+                <a:latin typeface="Monaco" charset="0"/>
+                <a:ea typeface="Monaco" charset="0"/>
+                <a:cs typeface="Monaco" charset="0"/>
+              </a:rPr>
+              <a:t> = left</a:t>
+            </a:r>
+          </a:p>
+          <a:p>
+            <a:r>
+              <a:rPr lang="en-US" sz="2400" dirty="0">
+                <a:latin typeface="Monaco" charset="0"/>
+                <a:ea typeface="Monaco" charset="0"/>
+                <a:cs typeface="Monaco" charset="0"/>
+              </a:rPr>
+              <a:t>    </a:t>
             </a:r>
             <a:r>
               <a:rPr lang="en-US" sz="2400" dirty="0" err="1">
@@ -4692,280 +4513,53 @@
                 <a:ea typeface="Monaco" charset="0"/>
                 <a:cs typeface="Monaco" charset="0"/>
               </a:rPr>
-              <a:t>p.left</a:t>
-            </a:r>
-            <a:r>
-              <a:rPr lang="en-US" sz="2400" dirty="0">
-                <a:latin typeface="Monaco" charset="0"/>
-                <a:ea typeface="Monaco" charset="0"/>
-                <a:cs typeface="Monaco" charset="0"/>
-              </a:rPr>
-              <a:t>)</a:t>
-            </a:r>
-          </a:p>
-          <a:p>
-            <a:r>
-              <a:rPr lang="en-US" sz="2400" dirty="0">
-                <a:latin typeface="Monaco" charset="0"/>
-                <a:ea typeface="Monaco" charset="0"/>
-                <a:cs typeface="Monaco" charset="0"/>
-              </a:rPr>
-              <a:t>    </a:t>
-            </a:r>
-            <a:r>
-              <a:rPr lang="en-US" sz="2400" dirty="0" err="1">
-                <a:latin typeface="Monaco" charset="0"/>
-                <a:ea typeface="Monaco" charset="0"/>
-                <a:cs typeface="Monaco" charset="0"/>
-              </a:rPr>
-              <a:t>walk_tree</a:t>
-            </a:r>
-            <a:r>
-              <a:rPr lang="en-US" sz="2400" dirty="0">
-                <a:latin typeface="Monaco" charset="0"/>
-                <a:ea typeface="Monaco" charset="0"/>
-                <a:cs typeface="Monaco" charset="0"/>
-              </a:rPr>
-              <a:t>(</a:t>
-            </a:r>
-            <a:r>
-              <a:rPr lang="en-US" sz="2400" dirty="0" err="1">
-                <a:latin typeface="Monaco" charset="0"/>
-                <a:ea typeface="Monaco" charset="0"/>
-                <a:cs typeface="Monaco" charset="0"/>
-              </a:rPr>
-              <a:t>p.right</a:t>
-            </a:r>
-            <a:r>
-              <a:rPr lang="en-US" sz="2400" dirty="0">
-                <a:latin typeface="Monaco" charset="0"/>
-                <a:ea typeface="Monaco" charset="0"/>
-                <a:cs typeface="Monaco" charset="0"/>
-              </a:rPr>
-              <a:t>)</a:t>
-            </a:r>
-          </a:p>
-        </p:txBody>
-      </p:sp>
-      <p:sp>
-        <p:nvSpPr>
-          <p:cNvPr id="7" name="TextBox 6">
-            <a:extLst>
-              <a:ext uri="{FF2B5EF4-FFF2-40B4-BE49-F238E27FC236}">
-                <a16:creationId xmlns:a16="http://schemas.microsoft.com/office/drawing/2014/main" id="{A2B505F6-043A-1D43-B41B-FB41BC4E2AC1}"/>
-              </a:ext>
-            </a:extLst>
-          </p:cNvPr>
-          <p:cNvSpPr txBox="1"/>
+              <a:t>self.right</a:t>
+            </a:r>
+            <a:r>
+              <a:rPr lang="en-US" sz="2400" dirty="0">
+                <a:latin typeface="Monaco" charset="0"/>
+                <a:ea typeface="Monaco" charset="0"/>
+                <a:cs typeface="Monaco" charset="0"/>
+              </a:rPr>
+              <a:t> = right</a:t>
+            </a:r>
+          </a:p>
+        </p:txBody>
+      </p:sp>
+      <p:pic>
+        <p:nvPicPr>
+          <p:cNvPr id="8" name="Picture 7">
+            <a:extLst>
+              <a:ext uri="{FF2B5EF4-FFF2-40B4-BE49-F238E27FC236}">
+                <a16:creationId xmlns:a16="http://schemas.microsoft.com/office/drawing/2014/main" id="{6BCF5FF4-CD0F-074F-A203-CAA9A7CB1C49}"/>
+              </a:ext>
+            </a:extLst>
+          </p:cNvPr>
+          <p:cNvPicPr>
+            <a:picLocks noChangeAspect="1"/>
+          </p:cNvPicPr>
           <p:nvPr/>
-        </p:nvSpPr>
+        </p:nvPicPr>
+        <p:blipFill>
+          <a:blip r:embed="rId2"/>
+          <a:stretch>
+            <a:fillRect/>
+          </a:stretch>
+        </p:blipFill>
         <p:spPr>
           <a:xfrm>
-            <a:off x="6310790" y="3551665"/>
-            <a:ext cx="5680488" cy="1938992"/>
+            <a:off x="9512030" y="73940"/>
+            <a:ext cx="2590800" cy="2438400"/>
           </a:xfrm>
           <a:prstGeom prst="rect">
             <a:avLst/>
           </a:prstGeom>
-          <a:noFill/>
-          <a:ln>
-            <a:solidFill>
-              <a:schemeClr val="accent1"/>
-            </a:solidFill>
-          </a:ln>
         </p:spPr>
-        <p:txBody>
-          <a:bodyPr wrap="square" rtlCol="0">
-            <a:spAutoFit/>
-          </a:bodyPr>
-          <a:lstStyle/>
-          <a:p>
-            <a:r>
-              <a:rPr lang="en-US" sz="2400" dirty="0">
-                <a:latin typeface="Monaco" charset="0"/>
-                <a:ea typeface="Monaco" charset="0"/>
-                <a:cs typeface="Monaco" charset="0"/>
-              </a:rPr>
-              <a:t>def </a:t>
-            </a:r>
-            <a:r>
-              <a:rPr lang="en-US" sz="2400" dirty="0" err="1">
-                <a:latin typeface="Monaco" charset="0"/>
-                <a:ea typeface="Monaco" charset="0"/>
-                <a:cs typeface="Monaco" charset="0"/>
-              </a:rPr>
-              <a:t>walk_tree</a:t>
-            </a:r>
-            <a:r>
-              <a:rPr lang="en-US" sz="2400" dirty="0">
-                <a:latin typeface="Monaco" charset="0"/>
-                <a:ea typeface="Monaco" charset="0"/>
-                <a:cs typeface="Monaco" charset="0"/>
-              </a:rPr>
-              <a:t>(</a:t>
-            </a:r>
-            <a:r>
-              <a:rPr lang="en-US" sz="2400" dirty="0" err="1">
-                <a:latin typeface="Monaco" charset="0"/>
-                <a:ea typeface="Monaco" charset="0"/>
-                <a:cs typeface="Monaco" charset="0"/>
-              </a:rPr>
-              <a:t>p:TreeNode</a:t>
-            </a:r>
-            <a:r>
-              <a:rPr lang="en-US" sz="2400" dirty="0">
-                <a:latin typeface="Monaco" charset="0"/>
-                <a:ea typeface="Monaco" charset="0"/>
-                <a:cs typeface="Monaco" charset="0"/>
-              </a:rPr>
-              <a:t>):</a:t>
-            </a:r>
-          </a:p>
-          <a:p>
-            <a:r>
-              <a:rPr lang="en-US" sz="2400" dirty="0">
-                <a:latin typeface="Monaco" charset="0"/>
-                <a:ea typeface="Monaco" charset="0"/>
-                <a:cs typeface="Monaco" charset="0"/>
-              </a:rPr>
-              <a:t>    if p is None: return</a:t>
-            </a:r>
-          </a:p>
-          <a:p>
-            <a:r>
-              <a:rPr lang="en-US" sz="2400" dirty="0">
-                <a:latin typeface="Monaco" charset="0"/>
-                <a:ea typeface="Monaco" charset="0"/>
-                <a:cs typeface="Monaco" charset="0"/>
-              </a:rPr>
-              <a:t>    </a:t>
-            </a:r>
-            <a:r>
-              <a:rPr lang="en-US" sz="2400" dirty="0" err="1">
-                <a:latin typeface="Monaco" charset="0"/>
-                <a:ea typeface="Monaco" charset="0"/>
-                <a:cs typeface="Monaco" charset="0"/>
-              </a:rPr>
-              <a:t>walk_tree</a:t>
-            </a:r>
-            <a:r>
-              <a:rPr lang="en-US" sz="2400" dirty="0">
-                <a:latin typeface="Monaco" charset="0"/>
-                <a:ea typeface="Monaco" charset="0"/>
-                <a:cs typeface="Monaco" charset="0"/>
-              </a:rPr>
-              <a:t>(</a:t>
-            </a:r>
-            <a:r>
-              <a:rPr lang="en-US" sz="2400" dirty="0" err="1">
-                <a:latin typeface="Monaco" charset="0"/>
-                <a:ea typeface="Monaco" charset="0"/>
-                <a:cs typeface="Monaco" charset="0"/>
-              </a:rPr>
-              <a:t>p.left</a:t>
-            </a:r>
-            <a:r>
-              <a:rPr lang="en-US" sz="2400" dirty="0">
-                <a:latin typeface="Monaco" charset="0"/>
-                <a:ea typeface="Monaco" charset="0"/>
-                <a:cs typeface="Monaco" charset="0"/>
-              </a:rPr>
-              <a:t>)</a:t>
-            </a:r>
-          </a:p>
-          <a:p>
-            <a:r>
-              <a:rPr lang="en-US" sz="2400" dirty="0">
-                <a:latin typeface="Monaco" charset="0"/>
-                <a:ea typeface="Monaco" charset="0"/>
-                <a:cs typeface="Monaco" charset="0"/>
-              </a:rPr>
-              <a:t>    </a:t>
-            </a:r>
-            <a:r>
-              <a:rPr lang="en-US" sz="2400" dirty="0" err="1">
-                <a:latin typeface="Monaco" charset="0"/>
-                <a:ea typeface="Monaco" charset="0"/>
-                <a:cs typeface="Monaco" charset="0"/>
-              </a:rPr>
-              <a:t>walk_tree</a:t>
-            </a:r>
-            <a:r>
-              <a:rPr lang="en-US" sz="2400" dirty="0">
-                <a:latin typeface="Monaco" charset="0"/>
-                <a:ea typeface="Monaco" charset="0"/>
-                <a:cs typeface="Monaco" charset="0"/>
-              </a:rPr>
-              <a:t>(</a:t>
-            </a:r>
-            <a:r>
-              <a:rPr lang="en-US" sz="2400" dirty="0" err="1">
-                <a:latin typeface="Monaco" charset="0"/>
-                <a:ea typeface="Monaco" charset="0"/>
-                <a:cs typeface="Monaco" charset="0"/>
-              </a:rPr>
-              <a:t>p.right</a:t>
-            </a:r>
-            <a:r>
-              <a:rPr lang="en-US" sz="2400" dirty="0">
-                <a:latin typeface="Monaco" charset="0"/>
-                <a:ea typeface="Monaco" charset="0"/>
-                <a:cs typeface="Monaco" charset="0"/>
-              </a:rPr>
-              <a:t>)</a:t>
-            </a:r>
-          </a:p>
-          <a:p>
-            <a:r>
-              <a:rPr lang="en-US" sz="2400" dirty="0">
-                <a:latin typeface="Monaco" charset="0"/>
-                <a:ea typeface="Monaco" charset="0"/>
-                <a:cs typeface="Monaco" charset="0"/>
-              </a:rPr>
-              <a:t>    print(</a:t>
-            </a:r>
-            <a:r>
-              <a:rPr lang="en-US" sz="2400" dirty="0" err="1">
-                <a:latin typeface="Monaco" charset="0"/>
-                <a:ea typeface="Monaco" charset="0"/>
-                <a:cs typeface="Monaco" charset="0"/>
-              </a:rPr>
-              <a:t>p.value</a:t>
-            </a:r>
-            <a:r>
-              <a:rPr lang="en-US" sz="2400" dirty="0">
-                <a:latin typeface="Monaco" charset="0"/>
-                <a:ea typeface="Monaco" charset="0"/>
-                <a:cs typeface="Monaco" charset="0"/>
-              </a:rPr>
-              <a:t>) # </a:t>
-            </a:r>
-            <a:r>
-              <a:rPr lang="en-US" sz="2400" dirty="0" err="1">
-                <a:solidFill>
-                  <a:srgbClr val="C00000"/>
-                </a:solidFill>
-                <a:latin typeface="Monaco" charset="0"/>
-                <a:ea typeface="Monaco" charset="0"/>
-                <a:cs typeface="Monaco" charset="0"/>
-              </a:rPr>
-              <a:t>postorder</a:t>
-            </a:r>
-            <a:endParaRPr lang="en-US" sz="2400" dirty="0">
-              <a:solidFill>
-                <a:srgbClr val="C00000"/>
-              </a:solidFill>
-              <a:latin typeface="Monaco" charset="0"/>
-              <a:ea typeface="Monaco" charset="0"/>
-              <a:cs typeface="Monaco" charset="0"/>
-            </a:endParaRPr>
-          </a:p>
-        </p:txBody>
-      </p:sp>
+      </p:pic>
     </p:spTree>
     <p:extLst>
       <p:ext uri="{BB962C8B-B14F-4D97-AF65-F5344CB8AC3E}">
-        <p14:creationId xmlns:p14="http://schemas.microsoft.com/office/powerpoint/2010/main" val="2656387118"/>
+        <p14:creationId xmlns:p14="http://schemas.microsoft.com/office/powerpoint/2010/main" val="3461513985"/>
       </p:ext>
     </p:extLst>
   </p:cSld>
@@ -4997,6 +4591,526 @@
           <p:cNvPr id="2" name="Title 1">
             <a:extLst>
               <a:ext uri="{FF2B5EF4-FFF2-40B4-BE49-F238E27FC236}">
+                <a16:creationId xmlns:a16="http://schemas.microsoft.com/office/drawing/2014/main" id="{60D3DC2E-871E-744E-86E0-8032D47C69E9}"/>
+              </a:ext>
+            </a:extLst>
+          </p:cNvPr>
+          <p:cNvSpPr>
+            <a:spLocks noGrp="1"/>
+          </p:cNvSpPr>
+          <p:nvPr>
+            <p:ph type="title"/>
+          </p:nvPr>
+        </p:nvSpPr>
+        <p:spPr/>
+        <p:txBody>
+          <a:bodyPr/>
+          <a:lstStyle/>
+          <a:p>
+            <a:r>
+              <a:rPr lang="en-US" dirty="0"/>
+              <a:t>Recursive walk is the most natural</a:t>
+            </a:r>
+          </a:p>
+        </p:txBody>
+      </p:sp>
+      <p:sp>
+        <p:nvSpPr>
+          <p:cNvPr id="3" name="Content Placeholder 2">
+            <a:extLst>
+              <a:ext uri="{FF2B5EF4-FFF2-40B4-BE49-F238E27FC236}">
+                <a16:creationId xmlns:a16="http://schemas.microsoft.com/office/drawing/2014/main" id="{1F8D8982-1CDC-5948-B25B-15E1D31B41F1}"/>
+              </a:ext>
+            </a:extLst>
+          </p:cNvPr>
+          <p:cNvSpPr>
+            <a:spLocks noGrp="1"/>
+          </p:cNvSpPr>
+          <p:nvPr>
+            <p:ph idx="1"/>
+          </p:nvPr>
+        </p:nvSpPr>
+        <p:spPr/>
+        <p:txBody>
+          <a:bodyPr/>
+          <a:lstStyle/>
+          <a:p>
+            <a:r>
+              <a:rPr lang="en-US" dirty="0"/>
+              <a:t>“Depth-first search” is how we walk every node in a tree</a:t>
+            </a:r>
+          </a:p>
+          <a:p>
+            <a:r>
+              <a:rPr lang="en-US" dirty="0"/>
+              <a:t>The visitation order (discover, finish nodes) always same</a:t>
+            </a:r>
+          </a:p>
+          <a:p>
+            <a:r>
+              <a:rPr lang="en-US" dirty="0"/>
+              <a:t>Traversal (pre-, in-, post-) depends on action location</a:t>
+            </a:r>
+          </a:p>
+        </p:txBody>
+      </p:sp>
+      <p:sp>
+        <p:nvSpPr>
+          <p:cNvPr id="6" name="TextBox 5">
+            <a:extLst>
+              <a:ext uri="{FF2B5EF4-FFF2-40B4-BE49-F238E27FC236}">
+                <a16:creationId xmlns:a16="http://schemas.microsoft.com/office/drawing/2014/main" id="{489A34D9-44B3-0243-BBF9-5E2AF6580C02}"/>
+              </a:ext>
+            </a:extLst>
+          </p:cNvPr>
+          <p:cNvSpPr txBox="1"/>
+          <p:nvPr/>
+        </p:nvSpPr>
+        <p:spPr>
+          <a:xfrm>
+            <a:off x="415512" y="3551665"/>
+            <a:ext cx="5680488" cy="1938992"/>
+          </a:xfrm>
+          <a:prstGeom prst="rect">
+            <a:avLst/>
+          </a:prstGeom>
+          <a:noFill/>
+          <a:ln>
+            <a:solidFill>
+              <a:schemeClr val="accent1"/>
+            </a:solidFill>
+          </a:ln>
+        </p:spPr>
+        <p:txBody>
+          <a:bodyPr wrap="square" rtlCol="0">
+            <a:spAutoFit/>
+          </a:bodyPr>
+          <a:lstStyle/>
+          <a:p>
+            <a:r>
+              <a:rPr lang="en-US" sz="2400" dirty="0">
+                <a:latin typeface="Monaco" charset="0"/>
+                <a:ea typeface="Monaco" charset="0"/>
+                <a:cs typeface="Monaco" charset="0"/>
+              </a:rPr>
+              <a:t>def </a:t>
+            </a:r>
+            <a:r>
+              <a:rPr lang="en-US" sz="2400" dirty="0" err="1">
+                <a:latin typeface="Monaco" charset="0"/>
+                <a:ea typeface="Monaco" charset="0"/>
+                <a:cs typeface="Monaco" charset="0"/>
+              </a:rPr>
+              <a:t>walk_tree</a:t>
+            </a:r>
+            <a:r>
+              <a:rPr lang="en-US" sz="2400" dirty="0">
+                <a:latin typeface="Monaco" charset="0"/>
+                <a:ea typeface="Monaco" charset="0"/>
+                <a:cs typeface="Monaco" charset="0"/>
+              </a:rPr>
+              <a:t>(</a:t>
+            </a:r>
+            <a:r>
+              <a:rPr lang="en-US" sz="2400" dirty="0" err="1">
+                <a:latin typeface="Monaco" charset="0"/>
+                <a:ea typeface="Monaco" charset="0"/>
+                <a:cs typeface="Monaco" charset="0"/>
+              </a:rPr>
+              <a:t>p:TreeNode</a:t>
+            </a:r>
+            <a:r>
+              <a:rPr lang="en-US" sz="2400" dirty="0">
+                <a:latin typeface="Monaco" charset="0"/>
+                <a:ea typeface="Monaco" charset="0"/>
+                <a:cs typeface="Monaco" charset="0"/>
+              </a:rPr>
+              <a:t>):</a:t>
+            </a:r>
+          </a:p>
+          <a:p>
+            <a:r>
+              <a:rPr lang="en-US" sz="2400" dirty="0">
+                <a:latin typeface="Monaco" charset="0"/>
+                <a:ea typeface="Monaco" charset="0"/>
+                <a:cs typeface="Monaco" charset="0"/>
+              </a:rPr>
+              <a:t>    if p is None: return</a:t>
+            </a:r>
+          </a:p>
+          <a:p>
+            <a:r>
+              <a:rPr lang="en-US" sz="2400" dirty="0">
+                <a:latin typeface="Monaco" charset="0"/>
+                <a:ea typeface="Monaco" charset="0"/>
+                <a:cs typeface="Monaco" charset="0"/>
+              </a:rPr>
+              <a:t>    print(</a:t>
+            </a:r>
+            <a:r>
+              <a:rPr lang="en-US" sz="2400" dirty="0" err="1">
+                <a:latin typeface="Monaco" charset="0"/>
+                <a:ea typeface="Monaco" charset="0"/>
+                <a:cs typeface="Monaco" charset="0"/>
+              </a:rPr>
+              <a:t>p.value</a:t>
+            </a:r>
+            <a:r>
+              <a:rPr lang="en-US" sz="2400" dirty="0">
+                <a:latin typeface="Monaco" charset="0"/>
+                <a:ea typeface="Monaco" charset="0"/>
+                <a:cs typeface="Monaco" charset="0"/>
+              </a:rPr>
+              <a:t>) # </a:t>
+            </a:r>
+            <a:r>
+              <a:rPr lang="en-US" sz="2400" dirty="0">
+                <a:solidFill>
+                  <a:srgbClr val="C00000"/>
+                </a:solidFill>
+                <a:latin typeface="Monaco" charset="0"/>
+                <a:ea typeface="Monaco" charset="0"/>
+                <a:cs typeface="Monaco" charset="0"/>
+              </a:rPr>
+              <a:t>preorder</a:t>
+            </a:r>
+          </a:p>
+          <a:p>
+            <a:r>
+              <a:rPr lang="en-US" sz="2400" dirty="0">
+                <a:latin typeface="Monaco" charset="0"/>
+                <a:ea typeface="Monaco" charset="0"/>
+                <a:cs typeface="Monaco" charset="0"/>
+              </a:rPr>
+              <a:t>    </a:t>
+            </a:r>
+            <a:r>
+              <a:rPr lang="en-US" sz="2400" dirty="0" err="1">
+                <a:latin typeface="Monaco" charset="0"/>
+                <a:ea typeface="Monaco" charset="0"/>
+                <a:cs typeface="Monaco" charset="0"/>
+              </a:rPr>
+              <a:t>walk_tree</a:t>
+            </a:r>
+            <a:r>
+              <a:rPr lang="en-US" sz="2400" dirty="0">
+                <a:latin typeface="Monaco" charset="0"/>
+                <a:ea typeface="Monaco" charset="0"/>
+                <a:cs typeface="Monaco" charset="0"/>
+              </a:rPr>
+              <a:t>(</a:t>
+            </a:r>
+            <a:r>
+              <a:rPr lang="en-US" sz="2400" dirty="0" err="1">
+                <a:latin typeface="Monaco" charset="0"/>
+                <a:ea typeface="Monaco" charset="0"/>
+                <a:cs typeface="Monaco" charset="0"/>
+              </a:rPr>
+              <a:t>p.left</a:t>
+            </a:r>
+            <a:r>
+              <a:rPr lang="en-US" sz="2400" dirty="0">
+                <a:latin typeface="Monaco" charset="0"/>
+                <a:ea typeface="Monaco" charset="0"/>
+                <a:cs typeface="Monaco" charset="0"/>
+              </a:rPr>
+              <a:t>)</a:t>
+            </a:r>
+          </a:p>
+          <a:p>
+            <a:r>
+              <a:rPr lang="en-US" sz="2400" dirty="0">
+                <a:latin typeface="Monaco" charset="0"/>
+                <a:ea typeface="Monaco" charset="0"/>
+                <a:cs typeface="Monaco" charset="0"/>
+              </a:rPr>
+              <a:t>    </a:t>
+            </a:r>
+            <a:r>
+              <a:rPr lang="en-US" sz="2400" dirty="0" err="1">
+                <a:latin typeface="Monaco" charset="0"/>
+                <a:ea typeface="Monaco" charset="0"/>
+                <a:cs typeface="Monaco" charset="0"/>
+              </a:rPr>
+              <a:t>walk_tree</a:t>
+            </a:r>
+            <a:r>
+              <a:rPr lang="en-US" sz="2400" dirty="0">
+                <a:latin typeface="Monaco" charset="0"/>
+                <a:ea typeface="Monaco" charset="0"/>
+                <a:cs typeface="Monaco" charset="0"/>
+              </a:rPr>
+              <a:t>(</a:t>
+            </a:r>
+            <a:r>
+              <a:rPr lang="en-US" sz="2400" dirty="0" err="1">
+                <a:latin typeface="Monaco" charset="0"/>
+                <a:ea typeface="Monaco" charset="0"/>
+                <a:cs typeface="Monaco" charset="0"/>
+              </a:rPr>
+              <a:t>p.right</a:t>
+            </a:r>
+            <a:r>
+              <a:rPr lang="en-US" sz="2400" dirty="0">
+                <a:latin typeface="Monaco" charset="0"/>
+                <a:ea typeface="Monaco" charset="0"/>
+                <a:cs typeface="Monaco" charset="0"/>
+              </a:rPr>
+              <a:t>)</a:t>
+            </a:r>
+          </a:p>
+        </p:txBody>
+      </p:sp>
+      <p:sp>
+        <p:nvSpPr>
+          <p:cNvPr id="7" name="TextBox 6">
+            <a:extLst>
+              <a:ext uri="{FF2B5EF4-FFF2-40B4-BE49-F238E27FC236}">
+                <a16:creationId xmlns:a16="http://schemas.microsoft.com/office/drawing/2014/main" id="{A2B505F6-043A-1D43-B41B-FB41BC4E2AC1}"/>
+              </a:ext>
+            </a:extLst>
+          </p:cNvPr>
+          <p:cNvSpPr txBox="1"/>
+          <p:nvPr/>
+        </p:nvSpPr>
+        <p:spPr>
+          <a:xfrm>
+            <a:off x="6310790" y="3551665"/>
+            <a:ext cx="5680488" cy="1938992"/>
+          </a:xfrm>
+          <a:prstGeom prst="rect">
+            <a:avLst/>
+          </a:prstGeom>
+          <a:noFill/>
+          <a:ln>
+            <a:solidFill>
+              <a:schemeClr val="accent1"/>
+            </a:solidFill>
+          </a:ln>
+        </p:spPr>
+        <p:txBody>
+          <a:bodyPr wrap="square" rtlCol="0">
+            <a:spAutoFit/>
+          </a:bodyPr>
+          <a:lstStyle/>
+          <a:p>
+            <a:r>
+              <a:rPr lang="en-US" sz="2400" dirty="0">
+                <a:latin typeface="Monaco" charset="0"/>
+                <a:ea typeface="Monaco" charset="0"/>
+                <a:cs typeface="Monaco" charset="0"/>
+              </a:rPr>
+              <a:t>def </a:t>
+            </a:r>
+            <a:r>
+              <a:rPr lang="en-US" sz="2400" dirty="0" err="1">
+                <a:latin typeface="Monaco" charset="0"/>
+                <a:ea typeface="Monaco" charset="0"/>
+                <a:cs typeface="Monaco" charset="0"/>
+              </a:rPr>
+              <a:t>walk_tree</a:t>
+            </a:r>
+            <a:r>
+              <a:rPr lang="en-US" sz="2400" dirty="0">
+                <a:latin typeface="Monaco" charset="0"/>
+                <a:ea typeface="Monaco" charset="0"/>
+                <a:cs typeface="Monaco" charset="0"/>
+              </a:rPr>
+              <a:t>(</a:t>
+            </a:r>
+            <a:r>
+              <a:rPr lang="en-US" sz="2400" dirty="0" err="1">
+                <a:latin typeface="Monaco" charset="0"/>
+                <a:ea typeface="Monaco" charset="0"/>
+                <a:cs typeface="Monaco" charset="0"/>
+              </a:rPr>
+              <a:t>p:TreeNode</a:t>
+            </a:r>
+            <a:r>
+              <a:rPr lang="en-US" sz="2400" dirty="0">
+                <a:latin typeface="Monaco" charset="0"/>
+                <a:ea typeface="Monaco" charset="0"/>
+                <a:cs typeface="Monaco" charset="0"/>
+              </a:rPr>
+              <a:t>):</a:t>
+            </a:r>
+          </a:p>
+          <a:p>
+            <a:r>
+              <a:rPr lang="en-US" sz="2400" dirty="0">
+                <a:latin typeface="Monaco" charset="0"/>
+                <a:ea typeface="Monaco" charset="0"/>
+                <a:cs typeface="Monaco" charset="0"/>
+              </a:rPr>
+              <a:t>    if p is None: return</a:t>
+            </a:r>
+          </a:p>
+          <a:p>
+            <a:r>
+              <a:rPr lang="en-US" sz="2400" dirty="0">
+                <a:latin typeface="Monaco" charset="0"/>
+                <a:ea typeface="Monaco" charset="0"/>
+                <a:cs typeface="Monaco" charset="0"/>
+              </a:rPr>
+              <a:t>    </a:t>
+            </a:r>
+            <a:r>
+              <a:rPr lang="en-US" sz="2400" dirty="0" err="1">
+                <a:latin typeface="Monaco" charset="0"/>
+                <a:ea typeface="Monaco" charset="0"/>
+                <a:cs typeface="Monaco" charset="0"/>
+              </a:rPr>
+              <a:t>walk_tree</a:t>
+            </a:r>
+            <a:r>
+              <a:rPr lang="en-US" sz="2400" dirty="0">
+                <a:latin typeface="Monaco" charset="0"/>
+                <a:ea typeface="Monaco" charset="0"/>
+                <a:cs typeface="Monaco" charset="0"/>
+              </a:rPr>
+              <a:t>(</a:t>
+            </a:r>
+            <a:r>
+              <a:rPr lang="en-US" sz="2400" dirty="0" err="1">
+                <a:latin typeface="Monaco" charset="0"/>
+                <a:ea typeface="Monaco" charset="0"/>
+                <a:cs typeface="Monaco" charset="0"/>
+              </a:rPr>
+              <a:t>p.left</a:t>
+            </a:r>
+            <a:r>
+              <a:rPr lang="en-US" sz="2400" dirty="0">
+                <a:latin typeface="Monaco" charset="0"/>
+                <a:ea typeface="Monaco" charset="0"/>
+                <a:cs typeface="Monaco" charset="0"/>
+              </a:rPr>
+              <a:t>)</a:t>
+            </a:r>
+          </a:p>
+          <a:p>
+            <a:r>
+              <a:rPr lang="en-US" sz="2400" dirty="0">
+                <a:latin typeface="Monaco" charset="0"/>
+                <a:ea typeface="Monaco" charset="0"/>
+                <a:cs typeface="Monaco" charset="0"/>
+              </a:rPr>
+              <a:t>    </a:t>
+            </a:r>
+            <a:r>
+              <a:rPr lang="en-US" sz="2400" dirty="0" err="1">
+                <a:latin typeface="Monaco" charset="0"/>
+                <a:ea typeface="Monaco" charset="0"/>
+                <a:cs typeface="Monaco" charset="0"/>
+              </a:rPr>
+              <a:t>walk_tree</a:t>
+            </a:r>
+            <a:r>
+              <a:rPr lang="en-US" sz="2400" dirty="0">
+                <a:latin typeface="Monaco" charset="0"/>
+                <a:ea typeface="Monaco" charset="0"/>
+                <a:cs typeface="Monaco" charset="0"/>
+              </a:rPr>
+              <a:t>(</a:t>
+            </a:r>
+            <a:r>
+              <a:rPr lang="en-US" sz="2400" dirty="0" err="1">
+                <a:latin typeface="Monaco" charset="0"/>
+                <a:ea typeface="Monaco" charset="0"/>
+                <a:cs typeface="Monaco" charset="0"/>
+              </a:rPr>
+              <a:t>p.right</a:t>
+            </a:r>
+            <a:r>
+              <a:rPr lang="en-US" sz="2400" dirty="0">
+                <a:latin typeface="Monaco" charset="0"/>
+                <a:ea typeface="Monaco" charset="0"/>
+                <a:cs typeface="Monaco" charset="0"/>
+              </a:rPr>
+              <a:t>)</a:t>
+            </a:r>
+          </a:p>
+          <a:p>
+            <a:r>
+              <a:rPr lang="en-US" sz="2400" dirty="0">
+                <a:latin typeface="Monaco" charset="0"/>
+                <a:ea typeface="Monaco" charset="0"/>
+                <a:cs typeface="Monaco" charset="0"/>
+              </a:rPr>
+              <a:t>    print(</a:t>
+            </a:r>
+            <a:r>
+              <a:rPr lang="en-US" sz="2400" dirty="0" err="1">
+                <a:latin typeface="Monaco" charset="0"/>
+                <a:ea typeface="Monaco" charset="0"/>
+                <a:cs typeface="Monaco" charset="0"/>
+              </a:rPr>
+              <a:t>p.value</a:t>
+            </a:r>
+            <a:r>
+              <a:rPr lang="en-US" sz="2400" dirty="0">
+                <a:latin typeface="Monaco" charset="0"/>
+                <a:ea typeface="Monaco" charset="0"/>
+                <a:cs typeface="Monaco" charset="0"/>
+              </a:rPr>
+              <a:t>) # </a:t>
+            </a:r>
+            <a:r>
+              <a:rPr lang="en-US" sz="2400" dirty="0" err="1">
+                <a:solidFill>
+                  <a:srgbClr val="C00000"/>
+                </a:solidFill>
+                <a:latin typeface="Monaco" charset="0"/>
+                <a:ea typeface="Monaco" charset="0"/>
+                <a:cs typeface="Monaco" charset="0"/>
+              </a:rPr>
+              <a:t>postorder</a:t>
+            </a:r>
+            <a:endParaRPr lang="en-US" sz="2400" dirty="0">
+              <a:solidFill>
+                <a:srgbClr val="C00000"/>
+              </a:solidFill>
+              <a:latin typeface="Monaco" charset="0"/>
+              <a:ea typeface="Monaco" charset="0"/>
+              <a:cs typeface="Monaco" charset="0"/>
+            </a:endParaRPr>
+          </a:p>
+        </p:txBody>
+      </p:sp>
+    </p:spTree>
+    <p:extLst>
+      <p:ext uri="{BB962C8B-B14F-4D97-AF65-F5344CB8AC3E}">
+        <p14:creationId xmlns:p14="http://schemas.microsoft.com/office/powerpoint/2010/main" val="2656387118"/>
+      </p:ext>
+    </p:extLst>
+  </p:cSld>
+  <p:clrMapOvr>
+    <a:masterClrMapping/>
+  </p:clrMapOvr>
+</p:sld>
+</file>
+
+<file path=ppt/slides/slide6.xml><?xml version="1.0" encoding="utf-8"?>
+<p:sld xmlns:a="http://schemas.openxmlformats.org/drawingml/2006/main" xmlns:r="http://schemas.openxmlformats.org/officeDocument/2006/relationships" xmlns:p="http://schemas.openxmlformats.org/presentationml/2006/main">
+  <p:cSld>
+    <p:spTree>
+      <p:nvGrpSpPr>
+        <p:cNvPr id="1" name=""/>
+        <p:cNvGrpSpPr/>
+        <p:nvPr/>
+      </p:nvGrpSpPr>
+      <p:grpSpPr>
+        <a:xfrm>
+          <a:off x="0" y="0"/>
+          <a:ext cx="0" cy="0"/>
+          <a:chOff x="0" y="0"/>
+          <a:chExt cx="0" cy="0"/>
+        </a:xfrm>
+      </p:grpSpPr>
+      <p:sp>
+        <p:nvSpPr>
+          <p:cNvPr id="2" name="Title 1">
+            <a:extLst>
+              <a:ext uri="{FF2B5EF4-FFF2-40B4-BE49-F238E27FC236}">
                 <a16:creationId xmlns:a16="http://schemas.microsoft.com/office/drawing/2014/main" id="{A3098D0E-0E8C-7B4C-AAE2-159C59A9680E}"/>
               </a:ext>
             </a:extLst>
@@ -5461,7 +5575,7 @@
 </p:sld>
 </file>
 
-<file path=ppt/slides/slide6.xml><?xml version="1.0" encoding="utf-8"?>
+<file path=ppt/slides/slide7.xml><?xml version="1.0" encoding="utf-8"?>
 <p:sld xmlns:a="http://schemas.openxmlformats.org/drawingml/2006/main" xmlns:r="http://schemas.openxmlformats.org/officeDocument/2006/relationships" xmlns:p="http://schemas.openxmlformats.org/presentationml/2006/main">
   <p:cSld>
     <p:spTree>

--- a/notes/walking-structures.pptx
+++ b/notes/walking-structures.pptx
@@ -5,19 +5,25 @@
     <p:sldMasterId id="2147483648" r:id="rId1"/>
   </p:sldMasterIdLst>
   <p:notesMasterIdLst>
-    <p:notesMasterId r:id="rId9"/>
+    <p:notesMasterId r:id="rId15"/>
   </p:notesMasterIdLst>
   <p:handoutMasterIdLst>
-    <p:handoutMasterId r:id="rId10"/>
+    <p:handoutMasterId r:id="rId16"/>
   </p:handoutMasterIdLst>
   <p:sldIdLst>
     <p:sldId id="256" r:id="rId2"/>
     <p:sldId id="288" r:id="rId3"/>
-    <p:sldId id="289" r:id="rId4"/>
-    <p:sldId id="284" r:id="rId5"/>
-    <p:sldId id="285" r:id="rId6"/>
-    <p:sldId id="286" r:id="rId7"/>
-    <p:sldId id="287" r:id="rId8"/>
+    <p:sldId id="291" r:id="rId4"/>
+    <p:sldId id="292" r:id="rId5"/>
+    <p:sldId id="289" r:id="rId6"/>
+    <p:sldId id="290" r:id="rId7"/>
+    <p:sldId id="285" r:id="rId8"/>
+    <p:sldId id="294" r:id="rId9"/>
+    <p:sldId id="293" r:id="rId10"/>
+    <p:sldId id="287" r:id="rId11"/>
+    <p:sldId id="295" r:id="rId12"/>
+    <p:sldId id="296" r:id="rId13"/>
+    <p:sldId id="297" r:id="rId14"/>
   </p:sldIdLst>
   <p:sldSz cx="12192000" cy="6858000"/>
   <p:notesSz cx="6858000" cy="9144000"/>
@@ -4102,6 +4108,1483 @@
 </p:sld>
 </file>
 
+<file path=ppt/slides/slide10.xml><?xml version="1.0" encoding="utf-8"?>
+<p:sld xmlns:a="http://schemas.openxmlformats.org/drawingml/2006/main" xmlns:r="http://schemas.openxmlformats.org/officeDocument/2006/relationships" xmlns:p="http://schemas.openxmlformats.org/presentationml/2006/main">
+  <p:cSld>
+    <p:spTree>
+      <p:nvGrpSpPr>
+        <p:cNvPr id="1" name=""/>
+        <p:cNvGrpSpPr/>
+        <p:nvPr/>
+      </p:nvGrpSpPr>
+      <p:grpSpPr>
+        <a:xfrm>
+          <a:off x="0" y="0"/>
+          <a:ext cx="0" cy="0"/>
+          <a:chOff x="0" y="0"/>
+          <a:chExt cx="0" cy="0"/>
+        </a:xfrm>
+      </p:grpSpPr>
+      <p:sp>
+        <p:nvSpPr>
+          <p:cNvPr id="2" name="Title 1">
+            <a:extLst>
+              <a:ext uri="{FF2B5EF4-FFF2-40B4-BE49-F238E27FC236}">
+                <a16:creationId xmlns:a16="http://schemas.microsoft.com/office/drawing/2014/main" id="{A28C248F-1DBF-8444-B7E1-A5C580E64CAD}"/>
+              </a:ext>
+            </a:extLst>
+          </p:cNvPr>
+          <p:cNvSpPr>
+            <a:spLocks noGrp="1"/>
+          </p:cNvSpPr>
+          <p:nvPr>
+            <p:ph type="title"/>
+          </p:nvPr>
+        </p:nvSpPr>
+        <p:spPr/>
+        <p:txBody>
+          <a:bodyPr/>
+          <a:lstStyle/>
+          <a:p>
+            <a:r>
+              <a:rPr lang="en-US" i="1" dirty="0"/>
+              <a:t>Depth-first</a:t>
+            </a:r>
+            <a:r>
+              <a:rPr lang="en-US" dirty="0"/>
+              <a:t> graph walk, compare to tree</a:t>
+            </a:r>
+          </a:p>
+        </p:txBody>
+      </p:sp>
+      <p:pic>
+        <p:nvPicPr>
+          <p:cNvPr id="5" name="Picture 4">
+            <a:extLst>
+              <a:ext uri="{FF2B5EF4-FFF2-40B4-BE49-F238E27FC236}">
+                <a16:creationId xmlns:a16="http://schemas.microsoft.com/office/drawing/2014/main" id="{1792B99B-6506-2E43-A5C8-14B7064BB21C}"/>
+              </a:ext>
+            </a:extLst>
+          </p:cNvPr>
+          <p:cNvPicPr>
+            <a:picLocks noChangeAspect="1"/>
+          </p:cNvPicPr>
+          <p:nvPr/>
+        </p:nvPicPr>
+        <p:blipFill>
+          <a:blip r:embed="rId2"/>
+          <a:stretch>
+            <a:fillRect/>
+          </a:stretch>
+        </p:blipFill>
+        <p:spPr>
+          <a:xfrm>
+            <a:off x="609108" y="3701527"/>
+            <a:ext cx="10973783" cy="2475436"/>
+          </a:xfrm>
+          <a:prstGeom prst="rect">
+            <a:avLst/>
+          </a:prstGeom>
+        </p:spPr>
+      </p:pic>
+      <p:sp>
+        <p:nvSpPr>
+          <p:cNvPr id="6" name="TextBox 5">
+            <a:extLst>
+              <a:ext uri="{FF2B5EF4-FFF2-40B4-BE49-F238E27FC236}">
+                <a16:creationId xmlns:a16="http://schemas.microsoft.com/office/drawing/2014/main" id="{353E74A1-D948-4C47-B6C7-43C654E6D4A9}"/>
+              </a:ext>
+            </a:extLst>
+          </p:cNvPr>
+          <p:cNvSpPr txBox="1"/>
+          <p:nvPr/>
+        </p:nvSpPr>
+        <p:spPr>
+          <a:xfrm>
+            <a:off x="609108" y="1556611"/>
+            <a:ext cx="4828654" cy="1938992"/>
+          </a:xfrm>
+          <a:prstGeom prst="rect">
+            <a:avLst/>
+          </a:prstGeom>
+          <a:noFill/>
+          <a:ln>
+            <a:solidFill>
+              <a:schemeClr val="accent1"/>
+            </a:solidFill>
+          </a:ln>
+        </p:spPr>
+        <p:txBody>
+          <a:bodyPr wrap="square" rtlCol="0">
+            <a:spAutoFit/>
+          </a:bodyPr>
+          <a:lstStyle/>
+          <a:p>
+            <a:r>
+              <a:rPr lang="en-US" sz="2400" dirty="0">
+                <a:latin typeface="Monaco" charset="0"/>
+                <a:ea typeface="Monaco" charset="0"/>
+                <a:cs typeface="Monaco" charset="0"/>
+              </a:rPr>
+              <a:t>def </a:t>
+            </a:r>
+            <a:r>
+              <a:rPr lang="en-US" sz="2400" dirty="0" err="1">
+                <a:latin typeface="Monaco" charset="0"/>
+                <a:ea typeface="Monaco" charset="0"/>
+                <a:cs typeface="Monaco" charset="0"/>
+              </a:rPr>
+              <a:t>walk_</a:t>
+            </a:r>
+            <a:r>
+              <a:rPr lang="en-US" sz="2400" dirty="0" err="1">
+                <a:solidFill>
+                  <a:srgbClr val="00B0F0"/>
+                </a:solidFill>
+                <a:latin typeface="Monaco" charset="0"/>
+                <a:ea typeface="Monaco" charset="0"/>
+                <a:cs typeface="Monaco" charset="0"/>
+              </a:rPr>
+              <a:t>graph</a:t>
+            </a:r>
+            <a:r>
+              <a:rPr lang="en-US" sz="2400" dirty="0">
+                <a:latin typeface="Monaco" charset="0"/>
+                <a:ea typeface="Monaco" charset="0"/>
+                <a:cs typeface="Monaco" charset="0"/>
+              </a:rPr>
+              <a:t>(</a:t>
+            </a:r>
+            <a:r>
+              <a:rPr lang="en-US" sz="2400" dirty="0" err="1">
+                <a:latin typeface="Monaco" charset="0"/>
+                <a:ea typeface="Monaco" charset="0"/>
+                <a:cs typeface="Monaco" charset="0"/>
+              </a:rPr>
+              <a:t>p:Node</a:t>
+            </a:r>
+            <a:r>
+              <a:rPr lang="en-US" sz="2400" dirty="0">
+                <a:latin typeface="Monaco" charset="0"/>
+                <a:ea typeface="Monaco" charset="0"/>
+                <a:cs typeface="Monaco" charset="0"/>
+              </a:rPr>
+              <a:t>):</a:t>
+            </a:r>
+          </a:p>
+          <a:p>
+            <a:r>
+              <a:rPr lang="en-US" sz="2400" dirty="0">
+                <a:latin typeface="Monaco" charset="0"/>
+                <a:ea typeface="Monaco" charset="0"/>
+                <a:cs typeface="Monaco" charset="0"/>
+              </a:rPr>
+              <a:t>    if p is None: return</a:t>
+            </a:r>
+          </a:p>
+          <a:p>
+            <a:r>
+              <a:rPr lang="en-US" sz="2400" dirty="0">
+                <a:latin typeface="Monaco" charset="0"/>
+                <a:ea typeface="Monaco" charset="0"/>
+                <a:cs typeface="Monaco" charset="0"/>
+              </a:rPr>
+              <a:t>    print(</a:t>
+            </a:r>
+            <a:r>
+              <a:rPr lang="en-US" sz="2400" dirty="0" err="1">
+                <a:latin typeface="Monaco" charset="0"/>
+                <a:ea typeface="Monaco" charset="0"/>
+                <a:cs typeface="Monaco" charset="0"/>
+              </a:rPr>
+              <a:t>p.value</a:t>
+            </a:r>
+            <a:r>
+              <a:rPr lang="en-US" sz="2400" dirty="0">
+                <a:latin typeface="Monaco" charset="0"/>
+                <a:ea typeface="Monaco" charset="0"/>
+                <a:cs typeface="Monaco" charset="0"/>
+              </a:rPr>
+              <a:t>)</a:t>
+            </a:r>
+          </a:p>
+          <a:p>
+            <a:r>
+              <a:rPr lang="en-US" sz="2400" dirty="0">
+                <a:latin typeface="Monaco" charset="0"/>
+                <a:ea typeface="Monaco" charset="0"/>
+                <a:cs typeface="Monaco" charset="0"/>
+              </a:rPr>
+              <a:t>    for q in </a:t>
+            </a:r>
+            <a:r>
+              <a:rPr lang="en-US" sz="2400" dirty="0" err="1">
+                <a:latin typeface="Monaco" charset="0"/>
+                <a:ea typeface="Monaco" charset="0"/>
+                <a:cs typeface="Monaco" charset="0"/>
+              </a:rPr>
+              <a:t>p.edges</a:t>
+            </a:r>
+            <a:r>
+              <a:rPr lang="en-US" sz="2400" dirty="0">
+                <a:latin typeface="Monaco" charset="0"/>
+                <a:ea typeface="Monaco" charset="0"/>
+                <a:cs typeface="Monaco" charset="0"/>
+              </a:rPr>
+              <a:t>:</a:t>
+            </a:r>
+          </a:p>
+          <a:p>
+            <a:r>
+              <a:rPr lang="en-US" sz="2400" dirty="0">
+                <a:latin typeface="Monaco" charset="0"/>
+                <a:ea typeface="Monaco" charset="0"/>
+                <a:cs typeface="Monaco" charset="0"/>
+              </a:rPr>
+              <a:t>        </a:t>
+            </a:r>
+            <a:r>
+              <a:rPr lang="en-US" sz="2400" dirty="0" err="1">
+                <a:latin typeface="Monaco" charset="0"/>
+                <a:ea typeface="Monaco" charset="0"/>
+                <a:cs typeface="Monaco" charset="0"/>
+              </a:rPr>
+              <a:t>walk_graph</a:t>
+            </a:r>
+            <a:r>
+              <a:rPr lang="en-US" sz="2400" dirty="0">
+                <a:latin typeface="Monaco" charset="0"/>
+                <a:ea typeface="Monaco" charset="0"/>
+                <a:cs typeface="Monaco" charset="0"/>
+              </a:rPr>
+              <a:t>(q)</a:t>
+            </a:r>
+          </a:p>
+        </p:txBody>
+      </p:sp>
+      <p:sp>
+        <p:nvSpPr>
+          <p:cNvPr id="7" name="TextBox 6">
+            <a:extLst>
+              <a:ext uri="{FF2B5EF4-FFF2-40B4-BE49-F238E27FC236}">
+                <a16:creationId xmlns:a16="http://schemas.microsoft.com/office/drawing/2014/main" id="{D71F8171-1B83-C549-BA34-BF89159BCF31}"/>
+              </a:ext>
+            </a:extLst>
+          </p:cNvPr>
+          <p:cNvSpPr txBox="1"/>
+          <p:nvPr/>
+        </p:nvSpPr>
+        <p:spPr>
+          <a:xfrm>
+            <a:off x="6648191" y="1556611"/>
+            <a:ext cx="4934700" cy="1938992"/>
+          </a:xfrm>
+          <a:prstGeom prst="rect">
+            <a:avLst/>
+          </a:prstGeom>
+          <a:noFill/>
+          <a:ln>
+            <a:solidFill>
+              <a:schemeClr val="accent1"/>
+            </a:solidFill>
+          </a:ln>
+        </p:spPr>
+        <p:txBody>
+          <a:bodyPr wrap="square" rtlCol="0">
+            <a:spAutoFit/>
+          </a:bodyPr>
+          <a:lstStyle/>
+          <a:p>
+            <a:r>
+              <a:rPr lang="en-US" sz="2400" dirty="0">
+                <a:latin typeface="Monaco" charset="0"/>
+                <a:ea typeface="Monaco" charset="0"/>
+                <a:cs typeface="Monaco" charset="0"/>
+              </a:rPr>
+              <a:t>def </a:t>
+            </a:r>
+            <a:r>
+              <a:rPr lang="en-US" sz="2400" dirty="0" err="1">
+                <a:latin typeface="Monaco" charset="0"/>
+                <a:ea typeface="Monaco" charset="0"/>
+                <a:cs typeface="Monaco" charset="0"/>
+              </a:rPr>
+              <a:t>walk_</a:t>
+            </a:r>
+            <a:r>
+              <a:rPr lang="en-US" sz="2400" dirty="0" err="1">
+                <a:solidFill>
+                  <a:srgbClr val="00B0F0"/>
+                </a:solidFill>
+                <a:latin typeface="Monaco" charset="0"/>
+                <a:ea typeface="Monaco" charset="0"/>
+                <a:cs typeface="Monaco" charset="0"/>
+              </a:rPr>
+              <a:t>tree</a:t>
+            </a:r>
+            <a:r>
+              <a:rPr lang="en-US" sz="2400" dirty="0">
+                <a:latin typeface="Monaco" charset="0"/>
+                <a:ea typeface="Monaco" charset="0"/>
+                <a:cs typeface="Monaco" charset="0"/>
+              </a:rPr>
+              <a:t>(</a:t>
+            </a:r>
+            <a:r>
+              <a:rPr lang="en-US" sz="2400" dirty="0" err="1">
+                <a:latin typeface="Monaco" charset="0"/>
+                <a:ea typeface="Monaco" charset="0"/>
+                <a:cs typeface="Monaco" charset="0"/>
+              </a:rPr>
+              <a:t>p:TreeNode</a:t>
+            </a:r>
+            <a:r>
+              <a:rPr lang="en-US" sz="2400" dirty="0">
+                <a:latin typeface="Monaco" charset="0"/>
+                <a:ea typeface="Monaco" charset="0"/>
+                <a:cs typeface="Monaco" charset="0"/>
+              </a:rPr>
+              <a:t>):</a:t>
+            </a:r>
+          </a:p>
+          <a:p>
+            <a:r>
+              <a:rPr lang="en-US" sz="2400" dirty="0">
+                <a:latin typeface="Monaco" charset="0"/>
+                <a:ea typeface="Monaco" charset="0"/>
+                <a:cs typeface="Monaco" charset="0"/>
+              </a:rPr>
+              <a:t>    if p is None: return</a:t>
+            </a:r>
+          </a:p>
+          <a:p>
+            <a:r>
+              <a:rPr lang="en-US" sz="2400" dirty="0">
+                <a:latin typeface="Monaco" charset="0"/>
+                <a:ea typeface="Monaco" charset="0"/>
+                <a:cs typeface="Monaco" charset="0"/>
+              </a:rPr>
+              <a:t>    print(</a:t>
+            </a:r>
+            <a:r>
+              <a:rPr lang="en-US" sz="2400" dirty="0" err="1">
+                <a:latin typeface="Monaco" charset="0"/>
+                <a:ea typeface="Monaco" charset="0"/>
+                <a:cs typeface="Monaco" charset="0"/>
+              </a:rPr>
+              <a:t>p.value</a:t>
+            </a:r>
+            <a:endParaRPr lang="en-US" sz="2400" dirty="0">
+              <a:solidFill>
+                <a:srgbClr val="00B0F0"/>
+              </a:solidFill>
+              <a:latin typeface="Monaco" charset="0"/>
+              <a:ea typeface="Monaco" charset="0"/>
+              <a:cs typeface="Monaco" charset="0"/>
+            </a:endParaRPr>
+          </a:p>
+          <a:p>
+            <a:r>
+              <a:rPr lang="en-US" sz="2400" dirty="0">
+                <a:latin typeface="Monaco" charset="0"/>
+                <a:ea typeface="Monaco" charset="0"/>
+                <a:cs typeface="Monaco" charset="0"/>
+              </a:rPr>
+              <a:t>    </a:t>
+            </a:r>
+            <a:r>
+              <a:rPr lang="en-US" sz="2400" dirty="0" err="1">
+                <a:latin typeface="Monaco" charset="0"/>
+                <a:ea typeface="Monaco" charset="0"/>
+                <a:cs typeface="Monaco" charset="0"/>
+              </a:rPr>
+              <a:t>walk_tree</a:t>
+            </a:r>
+            <a:r>
+              <a:rPr lang="en-US" sz="2400" dirty="0">
+                <a:latin typeface="Monaco" charset="0"/>
+                <a:ea typeface="Monaco" charset="0"/>
+                <a:cs typeface="Monaco" charset="0"/>
+              </a:rPr>
+              <a:t>(</a:t>
+            </a:r>
+            <a:r>
+              <a:rPr lang="en-US" sz="2400" dirty="0" err="1">
+                <a:latin typeface="Monaco" charset="0"/>
+                <a:ea typeface="Monaco" charset="0"/>
+                <a:cs typeface="Monaco" charset="0"/>
+              </a:rPr>
+              <a:t>p.left</a:t>
+            </a:r>
+            <a:r>
+              <a:rPr lang="en-US" sz="2400" dirty="0">
+                <a:latin typeface="Monaco" charset="0"/>
+                <a:ea typeface="Monaco" charset="0"/>
+                <a:cs typeface="Monaco" charset="0"/>
+              </a:rPr>
+              <a:t>)</a:t>
+            </a:r>
+          </a:p>
+          <a:p>
+            <a:r>
+              <a:rPr lang="en-US" sz="2400" dirty="0">
+                <a:latin typeface="Monaco" charset="0"/>
+                <a:ea typeface="Monaco" charset="0"/>
+                <a:cs typeface="Monaco" charset="0"/>
+              </a:rPr>
+              <a:t>    </a:t>
+            </a:r>
+            <a:r>
+              <a:rPr lang="en-US" sz="2400" dirty="0" err="1">
+                <a:latin typeface="Monaco" charset="0"/>
+                <a:ea typeface="Monaco" charset="0"/>
+                <a:cs typeface="Monaco" charset="0"/>
+              </a:rPr>
+              <a:t>walk_tree</a:t>
+            </a:r>
+            <a:r>
+              <a:rPr lang="en-US" sz="2400" dirty="0">
+                <a:latin typeface="Monaco" charset="0"/>
+                <a:ea typeface="Monaco" charset="0"/>
+                <a:cs typeface="Monaco" charset="0"/>
+              </a:rPr>
+              <a:t>(</a:t>
+            </a:r>
+            <a:r>
+              <a:rPr lang="en-US" sz="2400" dirty="0" err="1">
+                <a:latin typeface="Monaco" charset="0"/>
+                <a:ea typeface="Monaco" charset="0"/>
+                <a:cs typeface="Monaco" charset="0"/>
+              </a:rPr>
+              <a:t>p.right</a:t>
+            </a:r>
+            <a:r>
+              <a:rPr lang="en-US" sz="2400" dirty="0">
+                <a:latin typeface="Monaco" charset="0"/>
+                <a:ea typeface="Monaco" charset="0"/>
+                <a:cs typeface="Monaco" charset="0"/>
+              </a:rPr>
+              <a:t>)</a:t>
+            </a:r>
+          </a:p>
+        </p:txBody>
+      </p:sp>
+    </p:spTree>
+    <p:extLst>
+      <p:ext uri="{BB962C8B-B14F-4D97-AF65-F5344CB8AC3E}">
+        <p14:creationId xmlns:p14="http://schemas.microsoft.com/office/powerpoint/2010/main" val="2871262269"/>
+      </p:ext>
+    </p:extLst>
+  </p:cSld>
+  <p:clrMapOvr>
+    <a:masterClrMapping/>
+  </p:clrMapOvr>
+</p:sld>
+</file>
+
+<file path=ppt/slides/slide11.xml><?xml version="1.0" encoding="utf-8"?>
+<p:sld xmlns:a="http://schemas.openxmlformats.org/drawingml/2006/main" xmlns:r="http://schemas.openxmlformats.org/officeDocument/2006/relationships" xmlns:p="http://schemas.openxmlformats.org/presentationml/2006/main">
+  <p:cSld>
+    <p:spTree>
+      <p:nvGrpSpPr>
+        <p:cNvPr id="1" name=""/>
+        <p:cNvGrpSpPr/>
+        <p:nvPr/>
+      </p:nvGrpSpPr>
+      <p:grpSpPr>
+        <a:xfrm>
+          <a:off x="0" y="0"/>
+          <a:ext cx="0" cy="0"/>
+          <a:chOff x="0" y="0"/>
+          <a:chExt cx="0" cy="0"/>
+        </a:xfrm>
+      </p:grpSpPr>
+      <p:sp>
+        <p:nvSpPr>
+          <p:cNvPr id="2" name="Title 1">
+            <a:extLst>
+              <a:ext uri="{FF2B5EF4-FFF2-40B4-BE49-F238E27FC236}">
+                <a16:creationId xmlns:a16="http://schemas.microsoft.com/office/drawing/2014/main" id="{EAE72307-F0A3-F246-A4C9-C72FD485831F}"/>
+              </a:ext>
+            </a:extLst>
+          </p:cNvPr>
+          <p:cNvSpPr>
+            <a:spLocks noGrp="1"/>
+          </p:cNvSpPr>
+          <p:nvPr>
+            <p:ph type="title"/>
+          </p:nvPr>
+        </p:nvSpPr>
+        <p:spPr/>
+        <p:txBody>
+          <a:bodyPr/>
+          <a:lstStyle/>
+          <a:p>
+            <a:r>
+              <a:rPr lang="en-US" dirty="0"/>
+              <a:t>Now restrict to binary search tree structure</a:t>
+            </a:r>
+          </a:p>
+        </p:txBody>
+      </p:sp>
+      <p:sp>
+        <p:nvSpPr>
+          <p:cNvPr id="3" name="Content Placeholder 2">
+            <a:extLst>
+              <a:ext uri="{FF2B5EF4-FFF2-40B4-BE49-F238E27FC236}">
+                <a16:creationId xmlns:a16="http://schemas.microsoft.com/office/drawing/2014/main" id="{CF58338C-C6C8-294D-89F7-36D43D1B1631}"/>
+              </a:ext>
+            </a:extLst>
+          </p:cNvPr>
+          <p:cNvSpPr>
+            <a:spLocks noGrp="1"/>
+          </p:cNvSpPr>
+          <p:nvPr>
+            <p:ph idx="1"/>
+          </p:nvPr>
+        </p:nvSpPr>
+        <p:spPr/>
+        <p:txBody>
+          <a:bodyPr/>
+          <a:lstStyle/>
+          <a:p>
+            <a:r>
+              <a:rPr lang="en-US" b="1" dirty="0"/>
+              <a:t>Exercise</a:t>
+            </a:r>
+            <a:r>
+              <a:rPr lang="en-US" dirty="0"/>
+              <a:t>: go to “Constructing Binary Search Tree” section of notebook linked at bottom; try creating different trees</a:t>
+            </a:r>
+          </a:p>
+          <a:p>
+            <a:r>
+              <a:rPr lang="en-US" dirty="0"/>
+              <a:t>Restricted walk: search using node values</a:t>
+            </a:r>
+          </a:p>
+        </p:txBody>
+      </p:sp>
+      <p:sp>
+        <p:nvSpPr>
+          <p:cNvPr id="5" name="Rectangle 4">
+            <a:extLst>
+              <a:ext uri="{FF2B5EF4-FFF2-40B4-BE49-F238E27FC236}">
+                <a16:creationId xmlns:a16="http://schemas.microsoft.com/office/drawing/2014/main" id="{5541B33F-3D79-7A45-AAD5-2AEE55FE1C53}"/>
+              </a:ext>
+            </a:extLst>
+          </p:cNvPr>
+          <p:cNvSpPr/>
+          <p:nvPr/>
+        </p:nvSpPr>
+        <p:spPr>
+          <a:xfrm>
+            <a:off x="762000" y="6176963"/>
+            <a:ext cx="7467600" cy="369332"/>
+          </a:xfrm>
+          <a:prstGeom prst="rect">
+            <a:avLst/>
+          </a:prstGeom>
+        </p:spPr>
+        <p:txBody>
+          <a:bodyPr wrap="square">
+            <a:spAutoFit/>
+          </a:bodyPr>
+          <a:lstStyle/>
+          <a:p>
+            <a:r>
+              <a:rPr lang="en-US" dirty="0"/>
+              <a:t>https://</a:t>
+            </a:r>
+            <a:r>
+              <a:rPr lang="en-US" dirty="0" err="1"/>
+              <a:t>github.com</a:t>
+            </a:r>
+            <a:r>
+              <a:rPr lang="en-US" dirty="0"/>
+              <a:t>/</a:t>
+            </a:r>
+            <a:r>
+              <a:rPr lang="en-US" dirty="0" err="1"/>
+              <a:t>parrt</a:t>
+            </a:r>
+            <a:r>
+              <a:rPr lang="en-US" dirty="0"/>
+              <a:t>/msds689/blob/master/notes/</a:t>
+            </a:r>
+            <a:r>
+              <a:rPr lang="en-US" dirty="0" err="1"/>
+              <a:t>walking.ipynb</a:t>
+            </a:r>
+            <a:endParaRPr lang="en-US" dirty="0"/>
+          </a:p>
+        </p:txBody>
+      </p:sp>
+      <p:pic>
+        <p:nvPicPr>
+          <p:cNvPr id="8" name="Picture 7">
+            <a:extLst>
+              <a:ext uri="{FF2B5EF4-FFF2-40B4-BE49-F238E27FC236}">
+                <a16:creationId xmlns:a16="http://schemas.microsoft.com/office/drawing/2014/main" id="{C4B37E53-FE07-4247-8265-F3599A6BFE77}"/>
+              </a:ext>
+            </a:extLst>
+          </p:cNvPr>
+          <p:cNvPicPr>
+            <a:picLocks noChangeAspect="1"/>
+          </p:cNvPicPr>
+          <p:nvPr/>
+        </p:nvPicPr>
+        <p:blipFill>
+          <a:blip r:embed="rId2"/>
+          <a:stretch>
+            <a:fillRect/>
+          </a:stretch>
+        </p:blipFill>
+        <p:spPr>
+          <a:xfrm>
+            <a:off x="7266096" y="3259834"/>
+            <a:ext cx="4261181" cy="2678853"/>
+          </a:xfrm>
+          <a:prstGeom prst="rect">
+            <a:avLst/>
+          </a:prstGeom>
+        </p:spPr>
+      </p:pic>
+      <p:sp>
+        <p:nvSpPr>
+          <p:cNvPr id="9" name="TextBox 8">
+            <a:extLst>
+              <a:ext uri="{FF2B5EF4-FFF2-40B4-BE49-F238E27FC236}">
+                <a16:creationId xmlns:a16="http://schemas.microsoft.com/office/drawing/2014/main" id="{B9D469A2-660F-3D45-AFA7-7168560CCB8E}"/>
+              </a:ext>
+            </a:extLst>
+          </p:cNvPr>
+          <p:cNvSpPr txBox="1"/>
+          <p:nvPr/>
+        </p:nvSpPr>
+        <p:spPr>
+          <a:xfrm>
+            <a:off x="917875" y="3259834"/>
+            <a:ext cx="6268546" cy="2677656"/>
+          </a:xfrm>
+          <a:prstGeom prst="rect">
+            <a:avLst/>
+          </a:prstGeom>
+          <a:noFill/>
+          <a:ln>
+            <a:solidFill>
+              <a:schemeClr val="accent1"/>
+            </a:solidFill>
+          </a:ln>
+        </p:spPr>
+        <p:txBody>
+          <a:bodyPr wrap="square" rtlCol="0">
+            <a:spAutoFit/>
+          </a:bodyPr>
+          <a:lstStyle/>
+          <a:p>
+            <a:r>
+              <a:rPr lang="en-US" sz="2400" dirty="0">
+                <a:latin typeface="Monaco" charset="0"/>
+                <a:ea typeface="Monaco" charset="0"/>
+                <a:cs typeface="Monaco" charset="0"/>
+              </a:rPr>
+              <a:t>def search(</a:t>
+            </a:r>
+            <a:r>
+              <a:rPr lang="en-US" sz="2400" dirty="0" err="1">
+                <a:latin typeface="Monaco" charset="0"/>
+                <a:ea typeface="Monaco" charset="0"/>
+                <a:cs typeface="Monaco" charset="0"/>
+              </a:rPr>
+              <a:t>p:TreeNode</a:t>
+            </a:r>
+            <a:r>
+              <a:rPr lang="en-US" sz="2400" dirty="0">
+                <a:latin typeface="Monaco" charset="0"/>
+                <a:ea typeface="Monaco" charset="0"/>
+                <a:cs typeface="Monaco" charset="0"/>
+              </a:rPr>
+              <a:t>, </a:t>
+            </a:r>
+            <a:r>
+              <a:rPr lang="en-US" sz="2400" dirty="0" err="1">
+                <a:latin typeface="Monaco" charset="0"/>
+                <a:ea typeface="Monaco" charset="0"/>
+                <a:cs typeface="Monaco" charset="0"/>
+              </a:rPr>
+              <a:t>x:object</a:t>
+            </a:r>
+            <a:r>
+              <a:rPr lang="en-US" sz="2400" dirty="0">
+                <a:latin typeface="Monaco" charset="0"/>
+                <a:ea typeface="Monaco" charset="0"/>
+                <a:cs typeface="Monaco" charset="0"/>
+              </a:rPr>
+              <a:t>):</a:t>
+            </a:r>
+          </a:p>
+          <a:p>
+            <a:r>
+              <a:rPr lang="en-US" sz="2400" dirty="0">
+                <a:latin typeface="Monaco" charset="0"/>
+                <a:ea typeface="Monaco" charset="0"/>
+                <a:cs typeface="Monaco" charset="0"/>
+              </a:rPr>
+              <a:t>    if p is None: return None</a:t>
+            </a:r>
+          </a:p>
+          <a:p>
+            <a:r>
+              <a:rPr lang="en-US" sz="2400" dirty="0">
+                <a:latin typeface="Monaco" charset="0"/>
+                <a:ea typeface="Monaco" charset="0"/>
+                <a:cs typeface="Monaco" charset="0"/>
+              </a:rPr>
+              <a:t>    if x&lt;</a:t>
+            </a:r>
+            <a:r>
+              <a:rPr lang="en-US" sz="2400" dirty="0" err="1">
+                <a:latin typeface="Monaco" charset="0"/>
+                <a:ea typeface="Monaco" charset="0"/>
+                <a:cs typeface="Monaco" charset="0"/>
+              </a:rPr>
+              <a:t>p.value</a:t>
+            </a:r>
+            <a:r>
+              <a:rPr lang="en-US" sz="2400" dirty="0">
+                <a:latin typeface="Monaco" charset="0"/>
+                <a:ea typeface="Monaco" charset="0"/>
+                <a:cs typeface="Monaco" charset="0"/>
+              </a:rPr>
+              <a:t>:</a:t>
+            </a:r>
+          </a:p>
+          <a:p>
+            <a:r>
+              <a:rPr lang="en-US" sz="2400" dirty="0">
+                <a:latin typeface="Monaco" charset="0"/>
+                <a:ea typeface="Monaco" charset="0"/>
+                <a:cs typeface="Monaco" charset="0"/>
+              </a:rPr>
+              <a:t>        return search(</a:t>
+            </a:r>
+            <a:r>
+              <a:rPr lang="en-US" sz="2400" dirty="0" err="1">
+                <a:latin typeface="Monaco" charset="0"/>
+                <a:ea typeface="Monaco" charset="0"/>
+                <a:cs typeface="Monaco" charset="0"/>
+              </a:rPr>
+              <a:t>p.left</a:t>
+            </a:r>
+            <a:r>
+              <a:rPr lang="en-US" sz="2400" dirty="0">
+                <a:latin typeface="Monaco" charset="0"/>
+                <a:ea typeface="Monaco" charset="0"/>
+                <a:cs typeface="Monaco" charset="0"/>
+              </a:rPr>
+              <a:t>, x)</a:t>
+            </a:r>
+          </a:p>
+          <a:p>
+            <a:r>
+              <a:rPr lang="en-US" sz="2400" dirty="0">
+                <a:latin typeface="Monaco" charset="0"/>
+                <a:ea typeface="Monaco" charset="0"/>
+                <a:cs typeface="Monaco" charset="0"/>
+              </a:rPr>
+              <a:t>    if x&gt;</a:t>
+            </a:r>
+            <a:r>
+              <a:rPr lang="en-US" sz="2400" dirty="0" err="1">
+                <a:latin typeface="Monaco" charset="0"/>
+                <a:ea typeface="Monaco" charset="0"/>
+                <a:cs typeface="Monaco" charset="0"/>
+              </a:rPr>
+              <a:t>p.value</a:t>
+            </a:r>
+            <a:r>
+              <a:rPr lang="en-US" sz="2400" dirty="0">
+                <a:latin typeface="Monaco" charset="0"/>
+                <a:ea typeface="Monaco" charset="0"/>
+                <a:cs typeface="Monaco" charset="0"/>
+              </a:rPr>
+              <a:t>:</a:t>
+            </a:r>
+          </a:p>
+          <a:p>
+            <a:r>
+              <a:rPr lang="en-US" sz="2400" dirty="0">
+                <a:latin typeface="Monaco" charset="0"/>
+                <a:ea typeface="Monaco" charset="0"/>
+                <a:cs typeface="Monaco" charset="0"/>
+              </a:rPr>
+              <a:t>        return search(</a:t>
+            </a:r>
+            <a:r>
+              <a:rPr lang="en-US" sz="2400" dirty="0" err="1">
+                <a:latin typeface="Monaco" charset="0"/>
+                <a:ea typeface="Monaco" charset="0"/>
+                <a:cs typeface="Monaco" charset="0"/>
+              </a:rPr>
+              <a:t>p.right</a:t>
+            </a:r>
+            <a:r>
+              <a:rPr lang="en-US" sz="2400" dirty="0">
+                <a:latin typeface="Monaco" charset="0"/>
+                <a:ea typeface="Monaco" charset="0"/>
+                <a:cs typeface="Monaco" charset="0"/>
+              </a:rPr>
+              <a:t>, x)</a:t>
+            </a:r>
+          </a:p>
+          <a:p>
+            <a:r>
+              <a:rPr lang="en-US" sz="2400" dirty="0">
+                <a:latin typeface="Monaco" charset="0"/>
+                <a:ea typeface="Monaco" charset="0"/>
+                <a:cs typeface="Monaco" charset="0"/>
+              </a:rPr>
+              <a:t>    return p</a:t>
+            </a:r>
+          </a:p>
+        </p:txBody>
+      </p:sp>
+    </p:spTree>
+    <p:extLst>
+      <p:ext uri="{BB962C8B-B14F-4D97-AF65-F5344CB8AC3E}">
+        <p14:creationId xmlns:p14="http://schemas.microsoft.com/office/powerpoint/2010/main" val="2617941640"/>
+      </p:ext>
+    </p:extLst>
+  </p:cSld>
+  <p:clrMapOvr>
+    <a:masterClrMapping/>
+  </p:clrMapOvr>
+</p:sld>
+</file>
+
+<file path=ppt/slides/slide12.xml><?xml version="1.0" encoding="utf-8"?>
+<p:sld xmlns:a="http://schemas.openxmlformats.org/drawingml/2006/main" xmlns:r="http://schemas.openxmlformats.org/officeDocument/2006/relationships" xmlns:p="http://schemas.openxmlformats.org/presentationml/2006/main">
+  <p:cSld>
+    <p:spTree>
+      <p:nvGrpSpPr>
+        <p:cNvPr id="1" name=""/>
+        <p:cNvGrpSpPr/>
+        <p:nvPr/>
+      </p:nvGrpSpPr>
+      <p:grpSpPr>
+        <a:xfrm>
+          <a:off x="0" y="0"/>
+          <a:ext cx="0" cy="0"/>
+          <a:chOff x="0" y="0"/>
+          <a:chExt cx="0" cy="0"/>
+        </a:xfrm>
+      </p:grpSpPr>
+      <p:sp>
+        <p:nvSpPr>
+          <p:cNvPr id="2" name="Title 1">
+            <a:extLst>
+              <a:ext uri="{FF2B5EF4-FFF2-40B4-BE49-F238E27FC236}">
+                <a16:creationId xmlns:a16="http://schemas.microsoft.com/office/drawing/2014/main" id="{8ED93FDD-7934-4E40-A163-AB384FB63A32}"/>
+              </a:ext>
+            </a:extLst>
+          </p:cNvPr>
+          <p:cNvSpPr>
+            <a:spLocks noGrp="1"/>
+          </p:cNvSpPr>
+          <p:nvPr>
+            <p:ph type="title"/>
+          </p:nvPr>
+        </p:nvSpPr>
+        <p:spPr/>
+        <p:txBody>
+          <a:bodyPr/>
+          <a:lstStyle/>
+          <a:p>
+            <a:r>
+              <a:rPr lang="en-US" dirty="0"/>
+              <a:t>Compare BST search to tree walk</a:t>
+            </a:r>
+          </a:p>
+        </p:txBody>
+      </p:sp>
+      <p:sp>
+        <p:nvSpPr>
+          <p:cNvPr id="3" name="Content Placeholder 2">
+            <a:extLst>
+              <a:ext uri="{FF2B5EF4-FFF2-40B4-BE49-F238E27FC236}">
+                <a16:creationId xmlns:a16="http://schemas.microsoft.com/office/drawing/2014/main" id="{79B023F9-519C-E64B-9569-6057414B47B0}"/>
+              </a:ext>
+            </a:extLst>
+          </p:cNvPr>
+          <p:cNvSpPr>
+            <a:spLocks noGrp="1"/>
+          </p:cNvSpPr>
+          <p:nvPr>
+            <p:ph idx="1"/>
+          </p:nvPr>
+        </p:nvSpPr>
+        <p:spPr/>
+        <p:txBody>
+          <a:bodyPr/>
+          <a:lstStyle/>
+          <a:p>
+            <a:r>
+              <a:rPr lang="en-US" dirty="0"/>
+              <a:t>Conditional recursion; we only </a:t>
+            </a:r>
+            <a:r>
+              <a:rPr lang="en-US" dirty="0" err="1"/>
+              <a:t>recurse</a:t>
+            </a:r>
+            <a:r>
+              <a:rPr lang="en-US" dirty="0"/>
+              <a:t> to ONE child not both</a:t>
+            </a:r>
+          </a:p>
+        </p:txBody>
+      </p:sp>
+      <p:sp>
+        <p:nvSpPr>
+          <p:cNvPr id="4" name="TextBox 3">
+            <a:extLst>
+              <a:ext uri="{FF2B5EF4-FFF2-40B4-BE49-F238E27FC236}">
+                <a16:creationId xmlns:a16="http://schemas.microsoft.com/office/drawing/2014/main" id="{F9A960AF-A022-814B-8DD8-5D00D98DE247}"/>
+              </a:ext>
+            </a:extLst>
+          </p:cNvPr>
+          <p:cNvSpPr txBox="1"/>
+          <p:nvPr/>
+        </p:nvSpPr>
+        <p:spPr>
+          <a:xfrm>
+            <a:off x="83383" y="2997189"/>
+            <a:ext cx="5680488" cy="1938992"/>
+          </a:xfrm>
+          <a:prstGeom prst="rect">
+            <a:avLst/>
+          </a:prstGeom>
+          <a:noFill/>
+          <a:ln>
+            <a:solidFill>
+              <a:schemeClr val="accent1"/>
+            </a:solidFill>
+          </a:ln>
+        </p:spPr>
+        <p:txBody>
+          <a:bodyPr wrap="square" rtlCol="0">
+            <a:spAutoFit/>
+          </a:bodyPr>
+          <a:lstStyle/>
+          <a:p>
+            <a:r>
+              <a:rPr lang="en-US" sz="2400" dirty="0">
+                <a:latin typeface="Monaco" charset="0"/>
+                <a:ea typeface="Monaco" charset="0"/>
+                <a:cs typeface="Monaco" charset="0"/>
+              </a:rPr>
+              <a:t>def </a:t>
+            </a:r>
+            <a:r>
+              <a:rPr lang="en-US" sz="2400" dirty="0" err="1">
+                <a:latin typeface="Monaco" charset="0"/>
+                <a:ea typeface="Monaco" charset="0"/>
+                <a:cs typeface="Monaco" charset="0"/>
+              </a:rPr>
+              <a:t>walk_tree</a:t>
+            </a:r>
+            <a:r>
+              <a:rPr lang="en-US" sz="2400" dirty="0">
+                <a:latin typeface="Monaco" charset="0"/>
+                <a:ea typeface="Monaco" charset="0"/>
+                <a:cs typeface="Monaco" charset="0"/>
+              </a:rPr>
+              <a:t>(</a:t>
+            </a:r>
+            <a:r>
+              <a:rPr lang="en-US" sz="2400" dirty="0" err="1">
+                <a:latin typeface="Monaco" charset="0"/>
+                <a:ea typeface="Monaco" charset="0"/>
+                <a:cs typeface="Monaco" charset="0"/>
+              </a:rPr>
+              <a:t>p:TreeNode</a:t>
+            </a:r>
+            <a:r>
+              <a:rPr lang="en-US" sz="2400" dirty="0">
+                <a:latin typeface="Monaco" charset="0"/>
+                <a:ea typeface="Monaco" charset="0"/>
+                <a:cs typeface="Monaco" charset="0"/>
+              </a:rPr>
+              <a:t>):</a:t>
+            </a:r>
+          </a:p>
+          <a:p>
+            <a:r>
+              <a:rPr lang="en-US" sz="2400" dirty="0">
+                <a:latin typeface="Monaco" charset="0"/>
+                <a:ea typeface="Monaco" charset="0"/>
+                <a:cs typeface="Monaco" charset="0"/>
+              </a:rPr>
+              <a:t>    if p is None: return</a:t>
+            </a:r>
+          </a:p>
+          <a:p>
+            <a:r>
+              <a:rPr lang="en-US" sz="2400" dirty="0">
+                <a:latin typeface="Monaco" charset="0"/>
+                <a:ea typeface="Monaco" charset="0"/>
+                <a:cs typeface="Monaco" charset="0"/>
+              </a:rPr>
+              <a:t>    print(</a:t>
+            </a:r>
+            <a:r>
+              <a:rPr lang="en-US" sz="2400" dirty="0" err="1">
+                <a:latin typeface="Monaco" charset="0"/>
+                <a:ea typeface="Monaco" charset="0"/>
+                <a:cs typeface="Monaco" charset="0"/>
+              </a:rPr>
+              <a:t>p.value</a:t>
+            </a:r>
+            <a:r>
+              <a:rPr lang="en-US" sz="2400" dirty="0">
+                <a:latin typeface="Monaco" charset="0"/>
+                <a:ea typeface="Monaco" charset="0"/>
+                <a:cs typeface="Monaco" charset="0"/>
+              </a:rPr>
+              <a:t>)</a:t>
+            </a:r>
+            <a:endParaRPr lang="en-US" sz="2400" dirty="0">
+              <a:solidFill>
+                <a:srgbClr val="00B0F0"/>
+              </a:solidFill>
+              <a:latin typeface="Monaco" charset="0"/>
+              <a:ea typeface="Monaco" charset="0"/>
+              <a:cs typeface="Monaco" charset="0"/>
+            </a:endParaRPr>
+          </a:p>
+          <a:p>
+            <a:r>
+              <a:rPr lang="en-US" sz="2400" dirty="0">
+                <a:latin typeface="Monaco" charset="0"/>
+                <a:ea typeface="Monaco" charset="0"/>
+                <a:cs typeface="Monaco" charset="0"/>
+              </a:rPr>
+              <a:t>    </a:t>
+            </a:r>
+            <a:r>
+              <a:rPr lang="en-US" sz="2400" dirty="0" err="1">
+                <a:latin typeface="Monaco" charset="0"/>
+                <a:ea typeface="Monaco" charset="0"/>
+                <a:cs typeface="Monaco" charset="0"/>
+              </a:rPr>
+              <a:t>walk_tree</a:t>
+            </a:r>
+            <a:r>
+              <a:rPr lang="en-US" sz="2400" dirty="0">
+                <a:latin typeface="Monaco" charset="0"/>
+                <a:ea typeface="Monaco" charset="0"/>
+                <a:cs typeface="Monaco" charset="0"/>
+              </a:rPr>
+              <a:t>(</a:t>
+            </a:r>
+            <a:r>
+              <a:rPr lang="en-US" sz="2400" dirty="0" err="1">
+                <a:latin typeface="Monaco" charset="0"/>
+                <a:ea typeface="Monaco" charset="0"/>
+                <a:cs typeface="Monaco" charset="0"/>
+              </a:rPr>
+              <a:t>p.left</a:t>
+            </a:r>
+            <a:r>
+              <a:rPr lang="en-US" sz="2400" dirty="0">
+                <a:latin typeface="Monaco" charset="0"/>
+                <a:ea typeface="Monaco" charset="0"/>
+                <a:cs typeface="Monaco" charset="0"/>
+              </a:rPr>
+              <a:t>)</a:t>
+            </a:r>
+          </a:p>
+          <a:p>
+            <a:r>
+              <a:rPr lang="en-US" sz="2400" dirty="0">
+                <a:latin typeface="Monaco" charset="0"/>
+                <a:ea typeface="Monaco" charset="0"/>
+                <a:cs typeface="Monaco" charset="0"/>
+              </a:rPr>
+              <a:t>    </a:t>
+            </a:r>
+            <a:r>
+              <a:rPr lang="en-US" sz="2400" dirty="0" err="1">
+                <a:latin typeface="Monaco" charset="0"/>
+                <a:ea typeface="Monaco" charset="0"/>
+                <a:cs typeface="Monaco" charset="0"/>
+              </a:rPr>
+              <a:t>walk_tree</a:t>
+            </a:r>
+            <a:r>
+              <a:rPr lang="en-US" sz="2400" dirty="0">
+                <a:latin typeface="Monaco" charset="0"/>
+                <a:ea typeface="Monaco" charset="0"/>
+                <a:cs typeface="Monaco" charset="0"/>
+              </a:rPr>
+              <a:t>(</a:t>
+            </a:r>
+            <a:r>
+              <a:rPr lang="en-US" sz="2400" dirty="0" err="1">
+                <a:latin typeface="Monaco" charset="0"/>
+                <a:ea typeface="Monaco" charset="0"/>
+                <a:cs typeface="Monaco" charset="0"/>
+              </a:rPr>
+              <a:t>p.right</a:t>
+            </a:r>
+            <a:r>
+              <a:rPr lang="en-US" sz="2400" dirty="0">
+                <a:latin typeface="Monaco" charset="0"/>
+                <a:ea typeface="Monaco" charset="0"/>
+                <a:cs typeface="Monaco" charset="0"/>
+              </a:rPr>
+              <a:t>)</a:t>
+            </a:r>
+          </a:p>
+        </p:txBody>
+      </p:sp>
+      <p:sp>
+        <p:nvSpPr>
+          <p:cNvPr id="5" name="TextBox 4">
+            <a:extLst>
+              <a:ext uri="{FF2B5EF4-FFF2-40B4-BE49-F238E27FC236}">
+                <a16:creationId xmlns:a16="http://schemas.microsoft.com/office/drawing/2014/main" id="{C3FB2FFF-DEF2-1142-B192-1951F3C9926F}"/>
+              </a:ext>
+            </a:extLst>
+          </p:cNvPr>
+          <p:cNvSpPr txBox="1"/>
+          <p:nvPr/>
+        </p:nvSpPr>
+        <p:spPr>
+          <a:xfrm>
+            <a:off x="5840071" y="2997189"/>
+            <a:ext cx="6268546" cy="2677656"/>
+          </a:xfrm>
+          <a:prstGeom prst="rect">
+            <a:avLst/>
+          </a:prstGeom>
+          <a:noFill/>
+          <a:ln>
+            <a:solidFill>
+              <a:schemeClr val="accent1"/>
+            </a:solidFill>
+          </a:ln>
+        </p:spPr>
+        <p:txBody>
+          <a:bodyPr wrap="square" rtlCol="0">
+            <a:spAutoFit/>
+          </a:bodyPr>
+          <a:lstStyle/>
+          <a:p>
+            <a:r>
+              <a:rPr lang="en-US" sz="2400" dirty="0">
+                <a:latin typeface="Monaco" charset="0"/>
+                <a:ea typeface="Monaco" charset="0"/>
+                <a:cs typeface="Monaco" charset="0"/>
+              </a:rPr>
+              <a:t>def search(</a:t>
+            </a:r>
+            <a:r>
+              <a:rPr lang="en-US" sz="2400" dirty="0" err="1">
+                <a:latin typeface="Monaco" charset="0"/>
+                <a:ea typeface="Monaco" charset="0"/>
+                <a:cs typeface="Monaco" charset="0"/>
+              </a:rPr>
+              <a:t>p:TreeNode</a:t>
+            </a:r>
+            <a:r>
+              <a:rPr lang="en-US" sz="2400" dirty="0">
+                <a:latin typeface="Monaco" charset="0"/>
+                <a:ea typeface="Monaco" charset="0"/>
+                <a:cs typeface="Monaco" charset="0"/>
+              </a:rPr>
+              <a:t>, </a:t>
+            </a:r>
+            <a:r>
+              <a:rPr lang="en-US" sz="2400" dirty="0" err="1">
+                <a:latin typeface="Monaco" charset="0"/>
+                <a:ea typeface="Monaco" charset="0"/>
+                <a:cs typeface="Monaco" charset="0"/>
+              </a:rPr>
+              <a:t>x:object</a:t>
+            </a:r>
+            <a:r>
+              <a:rPr lang="en-US" sz="2400" dirty="0">
+                <a:latin typeface="Monaco" charset="0"/>
+                <a:ea typeface="Monaco" charset="0"/>
+                <a:cs typeface="Monaco" charset="0"/>
+              </a:rPr>
+              <a:t>):</a:t>
+            </a:r>
+          </a:p>
+          <a:p>
+            <a:r>
+              <a:rPr lang="en-US" sz="2400" dirty="0">
+                <a:latin typeface="Monaco" charset="0"/>
+                <a:ea typeface="Monaco" charset="0"/>
+                <a:cs typeface="Monaco" charset="0"/>
+              </a:rPr>
+              <a:t>    if p is None: return None</a:t>
+            </a:r>
+          </a:p>
+          <a:p>
+            <a:r>
+              <a:rPr lang="en-US" sz="2400" dirty="0">
+                <a:latin typeface="Monaco" charset="0"/>
+                <a:ea typeface="Monaco" charset="0"/>
+                <a:cs typeface="Monaco" charset="0"/>
+              </a:rPr>
+              <a:t>    if x&lt;</a:t>
+            </a:r>
+            <a:r>
+              <a:rPr lang="en-US" sz="2400" dirty="0" err="1">
+                <a:latin typeface="Monaco" charset="0"/>
+                <a:ea typeface="Monaco" charset="0"/>
+                <a:cs typeface="Monaco" charset="0"/>
+              </a:rPr>
+              <a:t>p.value</a:t>
+            </a:r>
+            <a:r>
+              <a:rPr lang="en-US" sz="2400" dirty="0">
+                <a:latin typeface="Monaco" charset="0"/>
+                <a:ea typeface="Monaco" charset="0"/>
+                <a:cs typeface="Monaco" charset="0"/>
+              </a:rPr>
+              <a:t>:</a:t>
+            </a:r>
+          </a:p>
+          <a:p>
+            <a:r>
+              <a:rPr lang="en-US" sz="2400" dirty="0">
+                <a:latin typeface="Monaco" charset="0"/>
+                <a:ea typeface="Monaco" charset="0"/>
+                <a:cs typeface="Monaco" charset="0"/>
+              </a:rPr>
+              <a:t>        return search(</a:t>
+            </a:r>
+            <a:r>
+              <a:rPr lang="en-US" sz="2400" dirty="0" err="1">
+                <a:latin typeface="Monaco" charset="0"/>
+                <a:ea typeface="Monaco" charset="0"/>
+                <a:cs typeface="Monaco" charset="0"/>
+              </a:rPr>
+              <a:t>p.left</a:t>
+            </a:r>
+            <a:r>
+              <a:rPr lang="en-US" sz="2400" dirty="0">
+                <a:latin typeface="Monaco" charset="0"/>
+                <a:ea typeface="Monaco" charset="0"/>
+                <a:cs typeface="Monaco" charset="0"/>
+              </a:rPr>
+              <a:t>, x)</a:t>
+            </a:r>
+          </a:p>
+          <a:p>
+            <a:r>
+              <a:rPr lang="en-US" sz="2400" dirty="0">
+                <a:latin typeface="Monaco" charset="0"/>
+                <a:ea typeface="Monaco" charset="0"/>
+                <a:cs typeface="Monaco" charset="0"/>
+              </a:rPr>
+              <a:t>    if x&gt;</a:t>
+            </a:r>
+            <a:r>
+              <a:rPr lang="en-US" sz="2400" dirty="0" err="1">
+                <a:latin typeface="Monaco" charset="0"/>
+                <a:ea typeface="Monaco" charset="0"/>
+                <a:cs typeface="Monaco" charset="0"/>
+              </a:rPr>
+              <a:t>p.value</a:t>
+            </a:r>
+            <a:r>
+              <a:rPr lang="en-US" sz="2400" dirty="0">
+                <a:latin typeface="Monaco" charset="0"/>
+                <a:ea typeface="Monaco" charset="0"/>
+                <a:cs typeface="Monaco" charset="0"/>
+              </a:rPr>
+              <a:t>:</a:t>
+            </a:r>
+          </a:p>
+          <a:p>
+            <a:r>
+              <a:rPr lang="en-US" sz="2400" dirty="0">
+                <a:latin typeface="Monaco" charset="0"/>
+                <a:ea typeface="Monaco" charset="0"/>
+                <a:cs typeface="Monaco" charset="0"/>
+              </a:rPr>
+              <a:t>        return search(</a:t>
+            </a:r>
+            <a:r>
+              <a:rPr lang="en-US" sz="2400" dirty="0" err="1">
+                <a:latin typeface="Monaco" charset="0"/>
+                <a:ea typeface="Monaco" charset="0"/>
+                <a:cs typeface="Monaco" charset="0"/>
+              </a:rPr>
+              <a:t>p.right</a:t>
+            </a:r>
+            <a:r>
+              <a:rPr lang="en-US" sz="2400" dirty="0">
+                <a:latin typeface="Monaco" charset="0"/>
+                <a:ea typeface="Monaco" charset="0"/>
+                <a:cs typeface="Monaco" charset="0"/>
+              </a:rPr>
+              <a:t>, x)</a:t>
+            </a:r>
+          </a:p>
+          <a:p>
+            <a:r>
+              <a:rPr lang="en-US" sz="2400" dirty="0">
+                <a:latin typeface="Monaco" charset="0"/>
+                <a:ea typeface="Monaco" charset="0"/>
+                <a:cs typeface="Monaco" charset="0"/>
+              </a:rPr>
+              <a:t>    return p</a:t>
+            </a:r>
+          </a:p>
+        </p:txBody>
+      </p:sp>
+    </p:spTree>
+    <p:extLst>
+      <p:ext uri="{BB962C8B-B14F-4D97-AF65-F5344CB8AC3E}">
+        <p14:creationId xmlns:p14="http://schemas.microsoft.com/office/powerpoint/2010/main" val="1080483656"/>
+      </p:ext>
+    </p:extLst>
+  </p:cSld>
+  <p:clrMapOvr>
+    <a:masterClrMapping/>
+  </p:clrMapOvr>
+</p:sld>
+</file>
+
+<file path=ppt/slides/slide13.xml><?xml version="1.0" encoding="utf-8"?>
+<p:sld xmlns:a="http://schemas.openxmlformats.org/drawingml/2006/main" xmlns:r="http://schemas.openxmlformats.org/officeDocument/2006/relationships" xmlns:p="http://schemas.openxmlformats.org/presentationml/2006/main">
+  <p:cSld>
+    <p:spTree>
+      <p:nvGrpSpPr>
+        <p:cNvPr id="1" name=""/>
+        <p:cNvGrpSpPr/>
+        <p:nvPr/>
+      </p:nvGrpSpPr>
+      <p:grpSpPr>
+        <a:xfrm>
+          <a:off x="0" y="0"/>
+          <a:ext cx="0" cy="0"/>
+          <a:chOff x="0" y="0"/>
+          <a:chExt cx="0" cy="0"/>
+        </a:xfrm>
+      </p:grpSpPr>
+      <p:sp>
+        <p:nvSpPr>
+          <p:cNvPr id="2" name="Title 1">
+            <a:extLst>
+              <a:ext uri="{FF2B5EF4-FFF2-40B4-BE49-F238E27FC236}">
+                <a16:creationId xmlns:a16="http://schemas.microsoft.com/office/drawing/2014/main" id="{09BF4226-D458-3D42-8613-ED818265D961}"/>
+              </a:ext>
+            </a:extLst>
+          </p:cNvPr>
+          <p:cNvSpPr>
+            <a:spLocks noGrp="1"/>
+          </p:cNvSpPr>
+          <p:nvPr>
+            <p:ph type="title"/>
+          </p:nvPr>
+        </p:nvSpPr>
+        <p:spPr/>
+        <p:txBody>
+          <a:bodyPr/>
+          <a:lstStyle/>
+          <a:p>
+            <a:r>
+              <a:rPr lang="en-US" dirty="0"/>
+              <a:t>Summary</a:t>
+            </a:r>
+          </a:p>
+        </p:txBody>
+      </p:sp>
+      <p:sp>
+        <p:nvSpPr>
+          <p:cNvPr id="3" name="Content Placeholder 2">
+            <a:extLst>
+              <a:ext uri="{FF2B5EF4-FFF2-40B4-BE49-F238E27FC236}">
+                <a16:creationId xmlns:a16="http://schemas.microsoft.com/office/drawing/2014/main" id="{1B5D9D48-79D8-E441-87C9-BCC04ED39A68}"/>
+              </a:ext>
+            </a:extLst>
+          </p:cNvPr>
+          <p:cNvSpPr>
+            <a:spLocks noGrp="1"/>
+          </p:cNvSpPr>
+          <p:nvPr>
+            <p:ph idx="1"/>
+          </p:nvPr>
+        </p:nvSpPr>
+        <p:spPr/>
+        <p:txBody>
+          <a:bodyPr/>
+          <a:lstStyle/>
+          <a:p>
+            <a:r>
+              <a:rPr lang="en-US" dirty="0"/>
+              <a:t>Walking data structures is fundamental to most algorithms</a:t>
+            </a:r>
+          </a:p>
+          <a:p>
+            <a:r>
+              <a:rPr lang="en-US" dirty="0"/>
+              <a:t>You should be able to walk arrays, link lists, trees, and graphs</a:t>
+            </a:r>
+          </a:p>
+          <a:p>
+            <a:r>
+              <a:rPr lang="en-US" dirty="0"/>
+              <a:t>Algorithms tend to be restricted or even repeated walks</a:t>
+            </a:r>
+          </a:p>
+          <a:p>
+            <a:r>
+              <a:rPr lang="en-US" dirty="0"/>
+              <a:t>In the context of walking dead structures, dynamic programming or </a:t>
+            </a:r>
+            <a:r>
+              <a:rPr lang="en-US" dirty="0" err="1"/>
+              <a:t>memoization</a:t>
+            </a:r>
+            <a:r>
+              <a:rPr lang="en-US" dirty="0"/>
+              <a:t> means recording partial results to avoid parts of the structure</a:t>
+            </a:r>
+          </a:p>
+          <a:p>
+            <a:r>
+              <a:rPr lang="en-US" dirty="0"/>
+              <a:t>Binary tree and graph walks are almost identical in code</a:t>
+            </a:r>
+          </a:p>
+          <a:p>
+            <a:r>
+              <a:rPr lang="en-US" dirty="0"/>
+              <a:t>Use recursion to walk trees and graphs</a:t>
+            </a:r>
+          </a:p>
+        </p:txBody>
+      </p:sp>
+    </p:spTree>
+    <p:extLst>
+      <p:ext uri="{BB962C8B-B14F-4D97-AF65-F5344CB8AC3E}">
+        <p14:creationId xmlns:p14="http://schemas.microsoft.com/office/powerpoint/2010/main" val="422165684"/>
+      </p:ext>
+    </p:extLst>
+  </p:cSld>
+  <p:clrMapOvr>
+    <a:masterClrMapping/>
+  </p:clrMapOvr>
+</p:sld>
+</file>
+
 <file path=ppt/slides/slide2.xml><?xml version="1.0" encoding="utf-8"?>
 <p:sld xmlns:a="http://schemas.openxmlformats.org/drawingml/2006/main" xmlns:r="http://schemas.openxmlformats.org/officeDocument/2006/relationships" xmlns:p="http://schemas.openxmlformats.org/presentationml/2006/main">
   <p:cSld>
@@ -4140,7 +5623,10 @@
           <a:bodyPr/>
           <a:lstStyle/>
           <a:p>
-            <a:endParaRPr lang="en-US"/>
+            <a:r>
+              <a:rPr lang="en-US" dirty="0"/>
+              <a:t>Most algorithms walk data structures</a:t>
+            </a:r>
           </a:p>
         </p:txBody>
       </p:sp>
@@ -4167,23 +5653,19 @@
           <a:p>
             <a:r>
               <a:rPr lang="en-US" dirty="0"/>
-              <a:t>walk all nodes; requirement. </a:t>
-            </a:r>
-            <a:r>
-              <a:rPr lang="en-US" dirty="0" err="1"/>
-              <a:t>alg</a:t>
-            </a:r>
+              <a:t>That means we need to know how to walk arrays, linked lists, trees, and graphs; and combinations of those</a:t>
+            </a:r>
+          </a:p>
+          <a:p>
             <a:r>
               <a:rPr lang="en-US" dirty="0"/>
-              <a:t> are just walking subsets or many times </a:t>
-            </a:r>
-            <a:r>
-              <a:rPr lang="en-US" dirty="0" err="1"/>
-              <a:t>etc</a:t>
-            </a:r>
+              <a:t>Think of walking an entire data structure as the foundation</a:t>
+            </a:r>
+          </a:p>
+          <a:p>
             <a:r>
               <a:rPr lang="en-US" dirty="0"/>
-              <a:t>…</a:t>
+              <a:t>The algorithm then typically compute something during the walk and often avoids part of the data structure to reduce computation time</a:t>
             </a:r>
           </a:p>
         </p:txBody>
@@ -4223,7 +5705,7 @@
           <p:cNvPr id="2" name="Title 1">
             <a:extLst>
               <a:ext uri="{FF2B5EF4-FFF2-40B4-BE49-F238E27FC236}">
-                <a16:creationId xmlns:a16="http://schemas.microsoft.com/office/drawing/2014/main" id="{FE902CBB-3193-BF4D-BD39-E930CA1BC776}"/>
+                <a16:creationId xmlns:a16="http://schemas.microsoft.com/office/drawing/2014/main" id="{FF8506A6-6CDE-B54B-9108-A30781BCE3D9}"/>
               </a:ext>
             </a:extLst>
           </p:cNvPr>
@@ -4241,7 +5723,7 @@
           <a:p>
             <a:r>
               <a:rPr lang="en-US" dirty="0"/>
-              <a:t>Walk linked list</a:t>
+              <a:t>Walking arrays</a:t>
             </a:r>
           </a:p>
         </p:txBody>
@@ -4251,7 +5733,7 @@
           <p:cNvPr id="3" name="Content Placeholder 2">
             <a:extLst>
               <a:ext uri="{FF2B5EF4-FFF2-40B4-BE49-F238E27FC236}">
-                <a16:creationId xmlns:a16="http://schemas.microsoft.com/office/drawing/2014/main" id="{6E9365B4-5962-9245-A2A7-FC3EF24714D0}"/>
+                <a16:creationId xmlns:a16="http://schemas.microsoft.com/office/drawing/2014/main" id="{3DB339B0-94C7-4948-9636-DE5F04B24B16}"/>
               </a:ext>
             </a:extLst>
           </p:cNvPr>
@@ -4267,14 +5749,78 @@
           <a:bodyPr/>
           <a:lstStyle/>
           <a:p>
-            <a:endParaRPr lang="en-US"/>
+            <a:r>
+              <a:rPr lang="en-US" dirty="0"/>
+              <a:t>Arrays provide superfast </a:t>
+            </a:r>
+            <a:r>
+              <a:rPr lang="en-US" i="1" dirty="0"/>
+              <a:t>random-access</a:t>
+            </a:r>
+            <a:r>
+              <a:rPr lang="en-US" dirty="0"/>
+              <a:t> to the </a:t>
+            </a:r>
+            <a:r>
+              <a:rPr lang="en-US" dirty="0" err="1"/>
+              <a:t>ith</a:t>
+            </a:r>
+            <a:r>
+              <a:rPr lang="en-US" dirty="0"/>
+              <a:t> element</a:t>
+            </a:r>
+          </a:p>
+          <a:p>
+            <a:r>
+              <a:rPr lang="en-US" dirty="0" err="1"/>
+              <a:t>Node+pointer</a:t>
+            </a:r>
+            <a:r>
+              <a:rPr lang="en-US" dirty="0"/>
+              <a:t> based data structures are typically not random access; we need to walk through the structure to access items</a:t>
+            </a:r>
+          </a:p>
+          <a:p>
+            <a:r>
+              <a:rPr lang="en-US" dirty="0"/>
+              <a:t>Incrementing/decrementing a pointer most common walk</a:t>
+            </a:r>
+          </a:p>
+          <a:p>
+            <a:r>
+              <a:rPr lang="en-US" dirty="0"/>
+              <a:t>Walking the entire array is our basis functionality</a:t>
+            </a:r>
+          </a:p>
+          <a:p>
+            <a:r>
+              <a:rPr lang="en-US" dirty="0"/>
+              <a:t>But, often we hope to access fewer items; e.g., binary search bounces around depending on item values (more on this later)</a:t>
+            </a:r>
+          </a:p>
+          <a:p>
+            <a:r>
+              <a:rPr lang="en-US" dirty="0"/>
+              <a:t>Arrays are great for holding rows or columns of data</a:t>
+            </a:r>
+          </a:p>
+          <a:p>
+            <a:r>
+              <a:rPr lang="en-US" dirty="0"/>
+              <a:t>Matrices are 2D arrays, random-access to </a:t>
+            </a:r>
+            <a:r>
+              <a:rPr lang="en-US" dirty="0" err="1"/>
+              <a:t>i,j</a:t>
+            </a:r>
+            <a:endParaRPr lang="en-US" dirty="0"/>
           </a:p>
         </p:txBody>
       </p:sp>
     </p:spTree>
     <p:extLst>
       <p:ext uri="{BB962C8B-B14F-4D97-AF65-F5344CB8AC3E}">
-        <p14:creationId xmlns:p14="http://schemas.microsoft.com/office/powerpoint/2010/main" val="1477124817"/>
+        <p14:creationId xmlns:p14="http://schemas.microsoft.com/office/powerpoint/2010/main" val="3972074769"/>
       </p:ext>
     </p:extLst>
   </p:cSld>
@@ -4306,7 +5852,7 @@
           <p:cNvPr id="2" name="Title 1">
             <a:extLst>
               <a:ext uri="{FF2B5EF4-FFF2-40B4-BE49-F238E27FC236}">
-                <a16:creationId xmlns:a16="http://schemas.microsoft.com/office/drawing/2014/main" id="{E6571BD7-A1A7-BB4E-9A06-0DFDC70BD4BD}"/>
+                <a16:creationId xmlns:a16="http://schemas.microsoft.com/office/drawing/2014/main" id="{E14FDE9A-3A4F-124B-867E-50089B53940C}"/>
               </a:ext>
             </a:extLst>
           </p:cNvPr>
@@ -4324,7 +5870,7 @@
           <a:p>
             <a:r>
               <a:rPr lang="en-US" dirty="0"/>
-              <a:t>Walking binary tree</a:t>
+              <a:t>Matrix-walking pattern</a:t>
             </a:r>
           </a:p>
         </p:txBody>
@@ -4334,7 +5880,7 @@
           <p:cNvPr id="3" name="Content Placeholder 2">
             <a:extLst>
               <a:ext uri="{FF2B5EF4-FFF2-40B4-BE49-F238E27FC236}">
-                <a16:creationId xmlns:a16="http://schemas.microsoft.com/office/drawing/2014/main" id="{A8B38C39-3C8E-CB4C-943B-39686ADCA86E}"/>
+                <a16:creationId xmlns:a16="http://schemas.microsoft.com/office/drawing/2014/main" id="{A521CDE9-CFA6-FE40-9AD8-60945829AFD1}"/>
               </a:ext>
             </a:extLst>
           </p:cNvPr>
@@ -4344,40 +5890,35 @@
           <p:nvPr>
             <p:ph idx="1"/>
           </p:nvPr>
+        </p:nvSpPr>
+        <p:spPr/>
+        <p:txBody>
+          <a:bodyPr/>
+          <a:lstStyle/>
+          <a:p>
+            <a:r>
+              <a:rPr lang="en-US" dirty="0"/>
+              <a:t>When you see this pattern, think of walking elements of matrix</a:t>
+            </a:r>
+          </a:p>
+        </p:txBody>
+      </p:sp>
+      <p:sp>
+        <p:nvSpPr>
+          <p:cNvPr id="4" name="TextBox 3">
+            <a:extLst>
+              <a:ext uri="{FF2B5EF4-FFF2-40B4-BE49-F238E27FC236}">
+                <a16:creationId xmlns:a16="http://schemas.microsoft.com/office/drawing/2014/main" id="{7EA51DEE-4B36-8844-9444-48364D4297AC}"/>
+              </a:ext>
+            </a:extLst>
+          </p:cNvPr>
+          <p:cNvSpPr txBox="1"/>
+          <p:nvPr/>
         </p:nvSpPr>
         <p:spPr>
           <a:xfrm>
-            <a:off x="838200" y="1825625"/>
-            <a:ext cx="10515600" cy="4351338"/>
-          </a:xfrm>
-        </p:spPr>
-        <p:txBody>
-          <a:bodyPr/>
-          <a:lstStyle/>
-          <a:p>
-            <a:r>
-              <a:rPr lang="en-US" dirty="0"/>
-              <a:t>First, recall node def:</a:t>
-            </a:r>
-          </a:p>
-        </p:txBody>
-      </p:sp>
-      <p:sp>
-        <p:nvSpPr>
-          <p:cNvPr id="4" name="TextBox 3">
-            <a:extLst>
-              <a:ext uri="{FF2B5EF4-FFF2-40B4-BE49-F238E27FC236}">
-                <a16:creationId xmlns:a16="http://schemas.microsoft.com/office/drawing/2014/main" id="{837EE25E-03E9-BE45-AA8F-C4A53EBA61E7}"/>
-              </a:ext>
-            </a:extLst>
-          </p:cNvPr>
-          <p:cNvSpPr txBox="1"/>
-          <p:nvPr/>
-        </p:nvSpPr>
-        <p:spPr>
-          <a:xfrm>
-            <a:off x="1063280" y="2623887"/>
-            <a:ext cx="9498585" cy="1938992"/>
+            <a:off x="966141" y="2701536"/>
+            <a:ext cx="5804310" cy="1569660"/>
           </a:xfrm>
           <a:prstGeom prst="rect">
             <a:avLst/>
@@ -4401,7 +5942,7 @@
                 <a:ea typeface="Monaco" charset="0"/>
                 <a:cs typeface="Monaco" charset="0"/>
               </a:rPr>
-              <a:t>class </a:t>
+              <a:t>def walk(</a:t>
             </a:r>
             <a:r>
               <a:rPr lang="en-US" sz="2400" dirty="0" err="1">
@@ -4409,25 +5950,25 @@
                 <a:ea typeface="Monaco" charset="0"/>
                 <a:cs typeface="Monaco" charset="0"/>
               </a:rPr>
-              <a:t>TreeNode</a:t>
-            </a:r>
-            <a:r>
-              <a:rPr lang="en-US" sz="2400" dirty="0">
-                <a:latin typeface="Monaco" charset="0"/>
-                <a:ea typeface="Monaco" charset="0"/>
-                <a:cs typeface="Monaco" charset="0"/>
-              </a:rPr>
-              <a:t>:</a:t>
-            </a:r>
-          </a:p>
-          <a:p>
-            <a:r>
-              <a:rPr lang="en-US" sz="2400" dirty="0">
-                <a:latin typeface="Monaco" charset="0"/>
-                <a:ea typeface="Monaco" charset="0"/>
-                <a:cs typeface="Monaco" charset="0"/>
-              </a:rPr>
-              <a:t>  def __</a:t>
+              <a:t>A,nrows,ncols</a:t>
+            </a:r>
+            <a:r>
+              <a:rPr lang="en-US" sz="2400" dirty="0">
+                <a:latin typeface="Monaco" charset="0"/>
+                <a:ea typeface="Monaco" charset="0"/>
+                <a:cs typeface="Monaco" charset="0"/>
+              </a:rPr>
+              <a:t>):</a:t>
+            </a:r>
+          </a:p>
+          <a:p>
+            <a:r>
+              <a:rPr lang="en-US" sz="2400" dirty="0">
+                <a:latin typeface="Monaco" charset="0"/>
+                <a:ea typeface="Monaco" charset="0"/>
+                <a:cs typeface="Monaco" charset="0"/>
+              </a:rPr>
+              <a:t>    for </a:t>
             </a:r>
             <a:r>
               <a:rPr lang="en-US" sz="2400" dirty="0" err="1">
@@ -4435,25 +5976,15 @@
                 <a:ea typeface="Monaco" charset="0"/>
                 <a:cs typeface="Monaco" charset="0"/>
               </a:rPr>
-              <a:t>init</a:t>
-            </a:r>
-            <a:r>
-              <a:rPr lang="en-US" sz="2400" dirty="0">
-                <a:latin typeface="Monaco" charset="0"/>
-                <a:ea typeface="Monaco" charset="0"/>
-                <a:cs typeface="Monaco" charset="0"/>
-              </a:rPr>
-              <a:t>__(self, value, left=None, right=None):</a:t>
-            </a:r>
-          </a:p>
-          <a:p>
-            <a:r>
-              <a:rPr lang="en-US" sz="2400" dirty="0">
-                <a:latin typeface="Monaco" charset="0"/>
-                <a:ea typeface="Monaco" charset="0"/>
-                <a:cs typeface="Monaco" charset="0"/>
-              </a:rPr>
-              <a:t>    </a:t>
+              <a:t>i</a:t>
+            </a:r>
+            <a:r>
+              <a:rPr lang="en-US" sz="2400" dirty="0">
+                <a:latin typeface="Monaco" charset="0"/>
+                <a:ea typeface="Monaco" charset="0"/>
+                <a:cs typeface="Monaco" charset="0"/>
+              </a:rPr>
+              <a:t> in range(</a:t>
             </a:r>
             <a:r>
               <a:rPr lang="en-US" sz="2400" dirty="0" err="1">
@@ -4461,25 +5992,25 @@
                 <a:ea typeface="Monaco" charset="0"/>
                 <a:cs typeface="Monaco" charset="0"/>
               </a:rPr>
-              <a:t>self.value</a:t>
-            </a:r>
-            <a:r>
-              <a:rPr lang="en-US" sz="2400" dirty="0">
-                <a:latin typeface="Monaco" charset="0"/>
-                <a:ea typeface="Monaco" charset="0"/>
-                <a:cs typeface="Monaco" charset="0"/>
-              </a:rPr>
-              <a:t> = value</a:t>
-            </a:r>
-          </a:p>
-          <a:p>
-            <a:r>
-              <a:rPr lang="en-US" sz="2400" dirty="0">
-                <a:latin typeface="Monaco" charset="0"/>
-                <a:ea typeface="Monaco" charset="0"/>
-                <a:cs typeface="Monaco" charset="0"/>
-              </a:rPr>
-              <a:t>    </a:t>
+              <a:t>nrows</a:t>
+            </a:r>
+            <a:r>
+              <a:rPr lang="en-US" sz="2400" dirty="0">
+                <a:latin typeface="Monaco" charset="0"/>
+                <a:ea typeface="Monaco" charset="0"/>
+                <a:cs typeface="Monaco" charset="0"/>
+              </a:rPr>
+              <a:t>):</a:t>
+            </a:r>
+          </a:p>
+          <a:p>
+            <a:r>
+              <a:rPr lang="en-US" sz="2400" dirty="0">
+                <a:latin typeface="Monaco" charset="0"/>
+                <a:ea typeface="Monaco" charset="0"/>
+                <a:cs typeface="Monaco" charset="0"/>
+              </a:rPr>
+              <a:t>        for j in range(</a:t>
             </a:r>
             <a:r>
               <a:rPr lang="en-US" sz="2400" dirty="0" err="1">
@@ -4487,25 +6018,25 @@
                 <a:ea typeface="Monaco" charset="0"/>
                 <a:cs typeface="Monaco" charset="0"/>
               </a:rPr>
-              <a:t>self.left</a:t>
-            </a:r>
-            <a:r>
-              <a:rPr lang="en-US" sz="2400" dirty="0">
-                <a:latin typeface="Monaco" charset="0"/>
-                <a:ea typeface="Monaco" charset="0"/>
-                <a:cs typeface="Monaco" charset="0"/>
-              </a:rPr>
-              <a:t> = left</a:t>
-            </a:r>
-          </a:p>
-          <a:p>
-            <a:r>
-              <a:rPr lang="en-US" sz="2400" dirty="0">
-                <a:latin typeface="Monaco" charset="0"/>
-                <a:ea typeface="Monaco" charset="0"/>
-                <a:cs typeface="Monaco" charset="0"/>
-              </a:rPr>
-              <a:t>    </a:t>
+              <a:t>ncols</a:t>
+            </a:r>
+            <a:r>
+              <a:rPr lang="en-US" sz="2400" dirty="0">
+                <a:latin typeface="Monaco" charset="0"/>
+                <a:ea typeface="Monaco" charset="0"/>
+                <a:cs typeface="Monaco" charset="0"/>
+              </a:rPr>
+              <a:t>):</a:t>
+            </a:r>
+          </a:p>
+          <a:p>
+            <a:r>
+              <a:rPr lang="en-US" sz="2400" dirty="0">
+                <a:latin typeface="Monaco" charset="0"/>
+                <a:ea typeface="Monaco" charset="0"/>
+                <a:cs typeface="Monaco" charset="0"/>
+              </a:rPr>
+              <a:t>            # process A[</a:t>
             </a:r>
             <a:r>
               <a:rPr lang="en-US" sz="2400" dirty="0" err="1">
@@ -4513,53 +6044,107 @@
                 <a:ea typeface="Monaco" charset="0"/>
                 <a:cs typeface="Monaco" charset="0"/>
               </a:rPr>
-              <a:t>self.right</a:t>
-            </a:r>
-            <a:r>
-              <a:rPr lang="en-US" sz="2400" dirty="0">
-                <a:latin typeface="Monaco" charset="0"/>
-                <a:ea typeface="Monaco" charset="0"/>
-                <a:cs typeface="Monaco" charset="0"/>
-              </a:rPr>
-              <a:t> = right</a:t>
-            </a:r>
-          </a:p>
-        </p:txBody>
-      </p:sp>
-      <p:pic>
-        <p:nvPicPr>
-          <p:cNvPr id="8" name="Picture 7">
-            <a:extLst>
-              <a:ext uri="{FF2B5EF4-FFF2-40B4-BE49-F238E27FC236}">
-                <a16:creationId xmlns:a16="http://schemas.microsoft.com/office/drawing/2014/main" id="{6BCF5FF4-CD0F-074F-A203-CAA9A7CB1C49}"/>
-              </a:ext>
-            </a:extLst>
-          </p:cNvPr>
-          <p:cNvPicPr>
-            <a:picLocks noChangeAspect="1"/>
-          </p:cNvPicPr>
+              <a:t>i</a:t>
+            </a:r>
+            <a:r>
+              <a:rPr lang="en-US" sz="2400" dirty="0">
+                <a:latin typeface="Monaco" charset="0"/>
+                <a:ea typeface="Monaco" charset="0"/>
+                <a:cs typeface="Monaco" charset="0"/>
+              </a:rPr>
+              <a:t>][j]</a:t>
+            </a:r>
+          </a:p>
+        </p:txBody>
+      </p:sp>
+      <p:sp>
+        <p:nvSpPr>
+          <p:cNvPr id="5" name="TextBox 4">
+            <a:extLst>
+              <a:ext uri="{FF2B5EF4-FFF2-40B4-BE49-F238E27FC236}">
+                <a16:creationId xmlns:a16="http://schemas.microsoft.com/office/drawing/2014/main" id="{4FD3EEFC-CAFF-4A42-AF0E-378D9B81AF1D}"/>
+              </a:ext>
+            </a:extLst>
+          </p:cNvPr>
+          <p:cNvSpPr txBox="1"/>
           <p:nvPr/>
-        </p:nvPicPr>
-        <p:blipFill>
-          <a:blip r:embed="rId2"/>
-          <a:stretch>
-            <a:fillRect/>
-          </a:stretch>
-        </p:blipFill>
+        </p:nvSpPr>
         <p:spPr>
           <a:xfrm>
-            <a:off x="9512030" y="73940"/>
-            <a:ext cx="2590800" cy="2438400"/>
+            <a:off x="7373426" y="2701536"/>
+            <a:ext cx="3502097" cy="1938992"/>
           </a:xfrm>
           <a:prstGeom prst="rect">
             <a:avLst/>
           </a:prstGeom>
+          <a:noFill/>
+          <a:ln>
+            <a:solidFill>
+              <a:schemeClr val="accent1"/>
+            </a:solidFill>
+          </a:ln>
         </p:spPr>
-      </p:pic>
+        <p:txBody>
+          <a:bodyPr wrap="square" rtlCol="0">
+            <a:spAutoFit/>
+          </a:bodyPr>
+          <a:lstStyle/>
+          <a:p>
+            <a:r>
+              <a:rPr lang="en-US" sz="2400" dirty="0">
+                <a:latin typeface="Monaco" charset="0"/>
+                <a:ea typeface="Monaco" charset="0"/>
+                <a:cs typeface="Monaco" charset="0"/>
+              </a:rPr>
+              <a:t>[[1, 1, 1, 0, 0],</a:t>
+            </a:r>
+          </a:p>
+          <a:p>
+            <a:r>
+              <a:rPr lang="en-US" sz="2400" dirty="0">
+                <a:latin typeface="Monaco" charset="0"/>
+                <a:ea typeface="Monaco" charset="0"/>
+                <a:cs typeface="Monaco" charset="0"/>
+              </a:rPr>
+              <a:t> [0, 0, 1, 1, 1],</a:t>
+            </a:r>
+          </a:p>
+          <a:p>
+            <a:r>
+              <a:rPr lang="en-US" sz="2400" dirty="0">
+                <a:latin typeface="Monaco" charset="0"/>
+                <a:ea typeface="Monaco" charset="0"/>
+                <a:cs typeface="Monaco" charset="0"/>
+              </a:rPr>
+              <a:t> [0, 1, 1, 1, 0],</a:t>
+            </a:r>
+          </a:p>
+          <a:p>
+            <a:r>
+              <a:rPr lang="en-US" sz="2400" dirty="0">
+                <a:latin typeface="Monaco" charset="0"/>
+                <a:ea typeface="Monaco" charset="0"/>
+                <a:cs typeface="Monaco" charset="0"/>
+              </a:rPr>
+              <a:t> [1, 1, 0, 0, 1],</a:t>
+            </a:r>
+          </a:p>
+          <a:p>
+            <a:r>
+              <a:rPr lang="en-US" sz="2400" dirty="0">
+                <a:latin typeface="Monaco" charset="0"/>
+                <a:ea typeface="Monaco" charset="0"/>
+                <a:cs typeface="Monaco" charset="0"/>
+              </a:rPr>
+              <a:t> [0, 1, 1, 1, 1]]</a:t>
+            </a:r>
+          </a:p>
+        </p:txBody>
+      </p:sp>
     </p:spTree>
     <p:extLst>
       <p:ext uri="{BB962C8B-B14F-4D97-AF65-F5344CB8AC3E}">
-        <p14:creationId xmlns:p14="http://schemas.microsoft.com/office/powerpoint/2010/main" val="3461513985"/>
+        <p14:creationId xmlns:p14="http://schemas.microsoft.com/office/powerpoint/2010/main" val="310600467"/>
       </p:ext>
     </p:extLst>
   </p:cSld>
@@ -4591,7 +6176,7 @@
           <p:cNvPr id="2" name="Title 1">
             <a:extLst>
               <a:ext uri="{FF2B5EF4-FFF2-40B4-BE49-F238E27FC236}">
-                <a16:creationId xmlns:a16="http://schemas.microsoft.com/office/drawing/2014/main" id="{60D3DC2E-871E-744E-86E0-8032D47C69E9}"/>
+                <a16:creationId xmlns:a16="http://schemas.microsoft.com/office/drawing/2014/main" id="{FE902CBB-3193-BF4D-BD39-E930CA1BC776}"/>
               </a:ext>
             </a:extLst>
           </p:cNvPr>
@@ -4608,8 +6193,12 @@
           <a:lstStyle/>
           <a:p>
             <a:r>
+              <a:rPr lang="en-US" b="1" dirty="0"/>
+              <a:t>Exercise</a:t>
+            </a:r>
+            <a:r>
               <a:rPr lang="en-US" dirty="0"/>
-              <a:t>Recursive walk is the most natural</a:t>
+              <a:t>: visualize walking linked list</a:t>
             </a:r>
           </a:p>
         </p:txBody>
@@ -4619,7 +6208,7 @@
           <p:cNvPr id="3" name="Content Placeholder 2">
             <a:extLst>
               <a:ext uri="{FF2B5EF4-FFF2-40B4-BE49-F238E27FC236}">
-                <a16:creationId xmlns:a16="http://schemas.microsoft.com/office/drawing/2014/main" id="{1F8D8982-1CDC-5948-B25B-15E1D31B41F1}"/>
+                <a16:creationId xmlns:a16="http://schemas.microsoft.com/office/drawing/2014/main" id="{6E9365B4-5962-9245-A2A7-FC3EF24714D0}"/>
               </a:ext>
             </a:extLst>
           </p:cNvPr>
@@ -4637,449 +6226,43 @@
           <a:p>
             <a:r>
               <a:rPr lang="en-US" dirty="0"/>
-              <a:t>“Depth-first search” is how we walk every node in a tree</a:t>
-            </a:r>
-          </a:p>
-          <a:p>
+              <a:t>Link </a:t>
+            </a:r>
+            <a:r>
+              <a:rPr lang="en-US" dirty="0">
+                <a:hlinkClick r:id="rId2"/>
+              </a:rPr>
+              <a:t>https://goo.gl/i68EzJ uses pythontutor.com</a:t>
+            </a:r>
             <a:r>
               <a:rPr lang="en-US" dirty="0"/>
-              <a:t>The visitation order (discover, finish nodes) always same</a:t>
+              <a:t> to visualize a pointer walking through a linked list</a:t>
             </a:r>
           </a:p>
           <a:p>
             <a:r>
               <a:rPr lang="en-US" dirty="0"/>
-              <a:t>Traversal (pre-, in-, post-) depends on action location</a:t>
-            </a:r>
-          </a:p>
-        </p:txBody>
-      </p:sp>
-      <p:sp>
-        <p:nvSpPr>
-          <p:cNvPr id="6" name="TextBox 5">
-            <a:extLst>
-              <a:ext uri="{FF2B5EF4-FFF2-40B4-BE49-F238E27FC236}">
-                <a16:creationId xmlns:a16="http://schemas.microsoft.com/office/drawing/2014/main" id="{489A34D9-44B3-0243-BBF9-5E2AF6580C02}"/>
-              </a:ext>
-            </a:extLst>
-          </p:cNvPr>
-          <p:cNvSpPr txBox="1"/>
-          <p:nvPr/>
-        </p:nvSpPr>
-        <p:spPr>
-          <a:xfrm>
-            <a:off x="415512" y="3551665"/>
-            <a:ext cx="5680488" cy="1938992"/>
-          </a:xfrm>
-          <a:prstGeom prst="rect">
-            <a:avLst/>
-          </a:prstGeom>
-          <a:noFill/>
-          <a:ln>
-            <a:solidFill>
-              <a:schemeClr val="accent1"/>
-            </a:solidFill>
-          </a:ln>
-        </p:spPr>
-        <p:txBody>
-          <a:bodyPr wrap="square" rtlCol="0">
-            <a:spAutoFit/>
-          </a:bodyPr>
-          <a:lstStyle/>
-          <a:p>
-            <a:r>
-              <a:rPr lang="en-US" sz="2400" dirty="0">
-                <a:latin typeface="Monaco" charset="0"/>
-                <a:ea typeface="Monaco" charset="0"/>
-                <a:cs typeface="Monaco" charset="0"/>
-              </a:rPr>
-              <a:t>def </a:t>
-            </a:r>
-            <a:r>
-              <a:rPr lang="en-US" sz="2400" dirty="0" err="1">
-                <a:latin typeface="Monaco" charset="0"/>
-                <a:ea typeface="Monaco" charset="0"/>
-                <a:cs typeface="Monaco" charset="0"/>
-              </a:rPr>
-              <a:t>walk_tree</a:t>
-            </a:r>
-            <a:r>
-              <a:rPr lang="en-US" sz="2400" dirty="0">
-                <a:latin typeface="Monaco" charset="0"/>
-                <a:ea typeface="Monaco" charset="0"/>
-                <a:cs typeface="Monaco" charset="0"/>
-              </a:rPr>
-              <a:t>(</a:t>
-            </a:r>
-            <a:r>
-              <a:rPr lang="en-US" sz="2400" dirty="0" err="1">
-                <a:latin typeface="Monaco" charset="0"/>
-                <a:ea typeface="Monaco" charset="0"/>
-                <a:cs typeface="Monaco" charset="0"/>
-              </a:rPr>
-              <a:t>p:TreeNode</a:t>
-            </a:r>
-            <a:r>
-              <a:rPr lang="en-US" sz="2400" dirty="0">
-                <a:latin typeface="Monaco" charset="0"/>
-                <a:ea typeface="Monaco" charset="0"/>
-                <a:cs typeface="Monaco" charset="0"/>
-              </a:rPr>
-              <a:t>):</a:t>
-            </a:r>
-          </a:p>
-          <a:p>
-            <a:r>
-              <a:rPr lang="en-US" sz="2400" dirty="0">
-                <a:latin typeface="Monaco" charset="0"/>
-                <a:ea typeface="Monaco" charset="0"/>
-                <a:cs typeface="Monaco" charset="0"/>
-              </a:rPr>
-              <a:t>    if p is None: return</a:t>
-            </a:r>
-          </a:p>
-          <a:p>
-            <a:r>
-              <a:rPr lang="en-US" sz="2400" dirty="0">
-                <a:latin typeface="Monaco" charset="0"/>
-                <a:ea typeface="Monaco" charset="0"/>
-                <a:cs typeface="Monaco" charset="0"/>
-              </a:rPr>
-              <a:t>    print(</a:t>
-            </a:r>
-            <a:r>
-              <a:rPr lang="en-US" sz="2400" dirty="0" err="1">
-                <a:latin typeface="Monaco" charset="0"/>
-                <a:ea typeface="Monaco" charset="0"/>
-                <a:cs typeface="Monaco" charset="0"/>
-              </a:rPr>
-              <a:t>p.value</a:t>
-            </a:r>
-            <a:r>
-              <a:rPr lang="en-US" sz="2400" dirty="0">
-                <a:latin typeface="Monaco" charset="0"/>
-                <a:ea typeface="Monaco" charset="0"/>
-                <a:cs typeface="Monaco" charset="0"/>
-              </a:rPr>
-              <a:t>) # </a:t>
-            </a:r>
-            <a:r>
-              <a:rPr lang="en-US" sz="2400" dirty="0">
-                <a:solidFill>
-                  <a:srgbClr val="C00000"/>
-                </a:solidFill>
-                <a:latin typeface="Monaco" charset="0"/>
-                <a:ea typeface="Monaco" charset="0"/>
-                <a:cs typeface="Monaco" charset="0"/>
-              </a:rPr>
-              <a:t>preorder</a:t>
-            </a:r>
-          </a:p>
-          <a:p>
-            <a:r>
-              <a:rPr lang="en-US" sz="2400" dirty="0">
-                <a:latin typeface="Monaco" charset="0"/>
-                <a:ea typeface="Monaco" charset="0"/>
-                <a:cs typeface="Monaco" charset="0"/>
-              </a:rPr>
-              <a:t>    </a:t>
-            </a:r>
-            <a:r>
-              <a:rPr lang="en-US" sz="2400" dirty="0" err="1">
-                <a:latin typeface="Monaco" charset="0"/>
-                <a:ea typeface="Monaco" charset="0"/>
-                <a:cs typeface="Monaco" charset="0"/>
-              </a:rPr>
-              <a:t>walk_tree</a:t>
-            </a:r>
-            <a:r>
-              <a:rPr lang="en-US" sz="2400" dirty="0">
-                <a:latin typeface="Monaco" charset="0"/>
-                <a:ea typeface="Monaco" charset="0"/>
-                <a:cs typeface="Monaco" charset="0"/>
-              </a:rPr>
-              <a:t>(</a:t>
-            </a:r>
-            <a:r>
-              <a:rPr lang="en-US" sz="2400" dirty="0" err="1">
-                <a:latin typeface="Monaco" charset="0"/>
-                <a:ea typeface="Monaco" charset="0"/>
-                <a:cs typeface="Monaco" charset="0"/>
-              </a:rPr>
-              <a:t>p.left</a:t>
-            </a:r>
-            <a:r>
-              <a:rPr lang="en-US" sz="2400" dirty="0">
-                <a:latin typeface="Monaco" charset="0"/>
-                <a:ea typeface="Monaco" charset="0"/>
-                <a:cs typeface="Monaco" charset="0"/>
-              </a:rPr>
-              <a:t>)</a:t>
-            </a:r>
-          </a:p>
-          <a:p>
-            <a:r>
-              <a:rPr lang="en-US" sz="2400" dirty="0">
-                <a:latin typeface="Monaco" charset="0"/>
-                <a:ea typeface="Monaco" charset="0"/>
-                <a:cs typeface="Monaco" charset="0"/>
-              </a:rPr>
-              <a:t>    </a:t>
-            </a:r>
-            <a:r>
-              <a:rPr lang="en-US" sz="2400" dirty="0" err="1">
-                <a:latin typeface="Monaco" charset="0"/>
-                <a:ea typeface="Monaco" charset="0"/>
-                <a:cs typeface="Monaco" charset="0"/>
-              </a:rPr>
-              <a:t>walk_tree</a:t>
-            </a:r>
-            <a:r>
-              <a:rPr lang="en-US" sz="2400" dirty="0">
-                <a:latin typeface="Monaco" charset="0"/>
-                <a:ea typeface="Monaco" charset="0"/>
-                <a:cs typeface="Monaco" charset="0"/>
-              </a:rPr>
-              <a:t>(</a:t>
-            </a:r>
-            <a:r>
-              <a:rPr lang="en-US" sz="2400" dirty="0" err="1">
-                <a:latin typeface="Monaco" charset="0"/>
-                <a:ea typeface="Monaco" charset="0"/>
-                <a:cs typeface="Monaco" charset="0"/>
-              </a:rPr>
-              <a:t>p.right</a:t>
-            </a:r>
-            <a:r>
-              <a:rPr lang="en-US" sz="2400" dirty="0">
-                <a:latin typeface="Monaco" charset="0"/>
-                <a:ea typeface="Monaco" charset="0"/>
-                <a:cs typeface="Monaco" charset="0"/>
-              </a:rPr>
-              <a:t>)</a:t>
-            </a:r>
-          </a:p>
-        </p:txBody>
-      </p:sp>
-      <p:sp>
-        <p:nvSpPr>
-          <p:cNvPr id="7" name="TextBox 6">
-            <a:extLst>
-              <a:ext uri="{FF2B5EF4-FFF2-40B4-BE49-F238E27FC236}">
-                <a16:creationId xmlns:a16="http://schemas.microsoft.com/office/drawing/2014/main" id="{A2B505F6-043A-1D43-B41B-FB41BC4E2AC1}"/>
-              </a:ext>
-            </a:extLst>
-          </p:cNvPr>
-          <p:cNvSpPr txBox="1"/>
-          <p:nvPr/>
-        </p:nvSpPr>
-        <p:spPr>
-          <a:xfrm>
-            <a:off x="6310790" y="3551665"/>
-            <a:ext cx="5680488" cy="1938992"/>
-          </a:xfrm>
-          <a:prstGeom prst="rect">
-            <a:avLst/>
-          </a:prstGeom>
-          <a:noFill/>
-          <a:ln>
-            <a:solidFill>
-              <a:schemeClr val="accent1"/>
-            </a:solidFill>
-          </a:ln>
-        </p:spPr>
-        <p:txBody>
-          <a:bodyPr wrap="square" rtlCol="0">
-            <a:spAutoFit/>
-          </a:bodyPr>
-          <a:lstStyle/>
-          <a:p>
-            <a:r>
-              <a:rPr lang="en-US" sz="2400" dirty="0">
-                <a:latin typeface="Monaco" charset="0"/>
-                <a:ea typeface="Monaco" charset="0"/>
-                <a:cs typeface="Monaco" charset="0"/>
-              </a:rPr>
-              <a:t>def </a:t>
-            </a:r>
-            <a:r>
-              <a:rPr lang="en-US" sz="2400" dirty="0" err="1">
-                <a:latin typeface="Monaco" charset="0"/>
-                <a:ea typeface="Monaco" charset="0"/>
-                <a:cs typeface="Monaco" charset="0"/>
-              </a:rPr>
-              <a:t>walk_tree</a:t>
-            </a:r>
-            <a:r>
-              <a:rPr lang="en-US" sz="2400" dirty="0">
-                <a:latin typeface="Monaco" charset="0"/>
-                <a:ea typeface="Monaco" charset="0"/>
-                <a:cs typeface="Monaco" charset="0"/>
-              </a:rPr>
-              <a:t>(</a:t>
-            </a:r>
-            <a:r>
-              <a:rPr lang="en-US" sz="2400" dirty="0" err="1">
-                <a:latin typeface="Monaco" charset="0"/>
-                <a:ea typeface="Monaco" charset="0"/>
-                <a:cs typeface="Monaco" charset="0"/>
-              </a:rPr>
-              <a:t>p:TreeNode</a:t>
-            </a:r>
-            <a:r>
-              <a:rPr lang="en-US" sz="2400" dirty="0">
-                <a:latin typeface="Monaco" charset="0"/>
-                <a:ea typeface="Monaco" charset="0"/>
-                <a:cs typeface="Monaco" charset="0"/>
-              </a:rPr>
-              <a:t>):</a:t>
-            </a:r>
-          </a:p>
-          <a:p>
-            <a:r>
-              <a:rPr lang="en-US" sz="2400" dirty="0">
-                <a:latin typeface="Monaco" charset="0"/>
-                <a:ea typeface="Monaco" charset="0"/>
-                <a:cs typeface="Monaco" charset="0"/>
-              </a:rPr>
-              <a:t>    if p is None: return</a:t>
-            </a:r>
-          </a:p>
-          <a:p>
-            <a:r>
-              <a:rPr lang="en-US" sz="2400" dirty="0">
-                <a:latin typeface="Monaco" charset="0"/>
-                <a:ea typeface="Monaco" charset="0"/>
-                <a:cs typeface="Monaco" charset="0"/>
-              </a:rPr>
-              <a:t>    </a:t>
-            </a:r>
-            <a:r>
-              <a:rPr lang="en-US" sz="2400" dirty="0" err="1">
-                <a:latin typeface="Monaco" charset="0"/>
-                <a:ea typeface="Monaco" charset="0"/>
-                <a:cs typeface="Monaco" charset="0"/>
-              </a:rPr>
-              <a:t>walk_tree</a:t>
-            </a:r>
-            <a:r>
-              <a:rPr lang="en-US" sz="2400" dirty="0">
-                <a:latin typeface="Monaco" charset="0"/>
-                <a:ea typeface="Monaco" charset="0"/>
-                <a:cs typeface="Monaco" charset="0"/>
-              </a:rPr>
-              <a:t>(</a:t>
-            </a:r>
-            <a:r>
-              <a:rPr lang="en-US" sz="2400" dirty="0" err="1">
-                <a:latin typeface="Monaco" charset="0"/>
-                <a:ea typeface="Monaco" charset="0"/>
-                <a:cs typeface="Monaco" charset="0"/>
-              </a:rPr>
-              <a:t>p.left</a:t>
-            </a:r>
-            <a:r>
-              <a:rPr lang="en-US" sz="2400" dirty="0">
-                <a:latin typeface="Monaco" charset="0"/>
-                <a:ea typeface="Monaco" charset="0"/>
-                <a:cs typeface="Monaco" charset="0"/>
-              </a:rPr>
-              <a:t>)</a:t>
-            </a:r>
-          </a:p>
-          <a:p>
-            <a:r>
-              <a:rPr lang="en-US" sz="2400" dirty="0">
-                <a:latin typeface="Monaco" charset="0"/>
-                <a:ea typeface="Monaco" charset="0"/>
-                <a:cs typeface="Monaco" charset="0"/>
-              </a:rPr>
-              <a:t>    </a:t>
-            </a:r>
-            <a:r>
-              <a:rPr lang="en-US" sz="2400" dirty="0" err="1">
-                <a:latin typeface="Monaco" charset="0"/>
-                <a:ea typeface="Monaco" charset="0"/>
-                <a:cs typeface="Monaco" charset="0"/>
-              </a:rPr>
-              <a:t>walk_tree</a:t>
-            </a:r>
-            <a:r>
-              <a:rPr lang="en-US" sz="2400" dirty="0">
-                <a:latin typeface="Monaco" charset="0"/>
-                <a:ea typeface="Monaco" charset="0"/>
-                <a:cs typeface="Monaco" charset="0"/>
-              </a:rPr>
-              <a:t>(</a:t>
-            </a:r>
-            <a:r>
-              <a:rPr lang="en-US" sz="2400" dirty="0" err="1">
-                <a:latin typeface="Monaco" charset="0"/>
-                <a:ea typeface="Monaco" charset="0"/>
-                <a:cs typeface="Monaco" charset="0"/>
-              </a:rPr>
-              <a:t>p.right</a:t>
-            </a:r>
-            <a:r>
-              <a:rPr lang="en-US" sz="2400" dirty="0">
-                <a:latin typeface="Monaco" charset="0"/>
-                <a:ea typeface="Monaco" charset="0"/>
-                <a:cs typeface="Monaco" charset="0"/>
-              </a:rPr>
-              <a:t>)</a:t>
-            </a:r>
-          </a:p>
-          <a:p>
-            <a:r>
-              <a:rPr lang="en-US" sz="2400" dirty="0">
-                <a:latin typeface="Monaco" charset="0"/>
-                <a:ea typeface="Monaco" charset="0"/>
-                <a:cs typeface="Monaco" charset="0"/>
-              </a:rPr>
-              <a:t>    print(</a:t>
-            </a:r>
-            <a:r>
-              <a:rPr lang="en-US" sz="2400" dirty="0" err="1">
-                <a:latin typeface="Monaco" charset="0"/>
-                <a:ea typeface="Monaco" charset="0"/>
-                <a:cs typeface="Monaco" charset="0"/>
-              </a:rPr>
-              <a:t>p.value</a:t>
-            </a:r>
-            <a:r>
-              <a:rPr lang="en-US" sz="2400" dirty="0">
-                <a:latin typeface="Monaco" charset="0"/>
-                <a:ea typeface="Monaco" charset="0"/>
-                <a:cs typeface="Monaco" charset="0"/>
-              </a:rPr>
-              <a:t>) # </a:t>
-            </a:r>
-            <a:r>
-              <a:rPr lang="en-US" sz="2400" dirty="0" err="1">
-                <a:solidFill>
-                  <a:srgbClr val="C00000"/>
-                </a:solidFill>
-                <a:latin typeface="Monaco" charset="0"/>
-                <a:ea typeface="Monaco" charset="0"/>
-                <a:cs typeface="Monaco" charset="0"/>
-              </a:rPr>
-              <a:t>postorder</a:t>
-            </a:r>
-            <a:endParaRPr lang="en-US" sz="2400" dirty="0">
-              <a:solidFill>
-                <a:srgbClr val="C00000"/>
-              </a:solidFill>
-              <a:latin typeface="Monaco" charset="0"/>
-              <a:ea typeface="Monaco" charset="0"/>
-              <a:cs typeface="Monaco" charset="0"/>
-            </a:endParaRPr>
+              <a:t>You can step forward and backward</a:t>
+            </a:r>
+          </a:p>
+          <a:p>
+            <a:r>
+              <a:rPr lang="en-US" dirty="0"/>
+              <a:t>Now, write a while-loop to walk from head to tail using pointer p, printing the value field at each node</a:t>
+            </a:r>
+          </a:p>
+          <a:p>
+            <a:r>
+              <a:rPr lang="en-US" dirty="0"/>
+              <a:t>Write that function from scratch without looking until you can do it easily and quickly (and correctly)</a:t>
+            </a:r>
           </a:p>
         </p:txBody>
       </p:sp>
     </p:spTree>
     <p:extLst>
       <p:ext uri="{BB962C8B-B14F-4D97-AF65-F5344CB8AC3E}">
-        <p14:creationId xmlns:p14="http://schemas.microsoft.com/office/powerpoint/2010/main" val="2656387118"/>
+        <p14:creationId xmlns:p14="http://schemas.microsoft.com/office/powerpoint/2010/main" val="1477124817"/>
       </p:ext>
     </p:extLst>
   </p:cSld>
@@ -5111,7 +6294,7 @@
           <p:cNvPr id="2" name="Title 1">
             <a:extLst>
               <a:ext uri="{FF2B5EF4-FFF2-40B4-BE49-F238E27FC236}">
-                <a16:creationId xmlns:a16="http://schemas.microsoft.com/office/drawing/2014/main" id="{A3098D0E-0E8C-7B4C-AAE2-159C59A9680E}"/>
+                <a16:creationId xmlns:a16="http://schemas.microsoft.com/office/drawing/2014/main" id="{89ABC71F-B710-B64E-B1B9-5FAD28A0D576}"/>
               </a:ext>
             </a:extLst>
           </p:cNvPr>
@@ -5129,7 +6312,7 @@
           <a:p>
             <a:r>
               <a:rPr lang="en-US" dirty="0"/>
-              <a:t>Walking graph</a:t>
+              <a:t>Building binary trees</a:t>
             </a:r>
           </a:p>
         </p:txBody>
@@ -5139,7 +6322,7 @@
           <p:cNvPr id="3" name="Content Placeholder 2">
             <a:extLst>
               <a:ext uri="{FF2B5EF4-FFF2-40B4-BE49-F238E27FC236}">
-                <a16:creationId xmlns:a16="http://schemas.microsoft.com/office/drawing/2014/main" id="{F48499CF-D233-8B41-AF33-77511F948A3F}"/>
+                <a16:creationId xmlns:a16="http://schemas.microsoft.com/office/drawing/2014/main" id="{7CDD4592-341E-E14F-8B86-BD6F41EA6AD3}"/>
               </a:ext>
             </a:extLst>
           </p:cNvPr>
@@ -5157,17 +6340,95 @@
           <a:p>
             <a:r>
               <a:rPr lang="en-US" dirty="0"/>
-              <a:t>Recall node definition</a:t>
-            </a:r>
-          </a:p>
-        </p:txBody>
-      </p:sp>
-      <p:sp>
-        <p:nvSpPr>
-          <p:cNvPr id="4" name="TextBox 3">
-            <a:extLst>
-              <a:ext uri="{FF2B5EF4-FFF2-40B4-BE49-F238E27FC236}">
-                <a16:creationId xmlns:a16="http://schemas.microsoft.com/office/drawing/2014/main" id="{49BF07BB-6CAA-7E4D-B547-9004010F985D}"/>
+              <a:t>Manual construction is a simple matter of creating nodes and setting left/right child pointers</a:t>
+            </a:r>
+          </a:p>
+          <a:p>
+            <a:r>
+              <a:rPr lang="en-US" dirty="0"/>
+              <a:t>Construction of decision trees from data requires an algorithm that decides what nodes to create and hook up but it’s important to learn manual construction</a:t>
+            </a:r>
+          </a:p>
+          <a:p>
+            <a:r>
+              <a:rPr lang="en-US" b="1" dirty="0"/>
+              <a:t>Exercise</a:t>
+            </a:r>
+            <a:r>
+              <a:rPr lang="en-US" dirty="0"/>
+              <a:t>: go to notebook linked below and step through “Constructing binary tree” section;</a:t>
+            </a:r>
+            <a:br>
+              <a:rPr lang="en-US" dirty="0"/>
+            </a:br>
+            <a:r>
+              <a:rPr lang="en-US" dirty="0"/>
+              <a:t>try modifying the node addition sequence to get different trees</a:t>
+            </a:r>
+          </a:p>
+        </p:txBody>
+      </p:sp>
+      <p:sp>
+        <p:nvSpPr>
+          <p:cNvPr id="4" name="Rectangle 3">
+            <a:extLst>
+              <a:ext uri="{FF2B5EF4-FFF2-40B4-BE49-F238E27FC236}">
+                <a16:creationId xmlns:a16="http://schemas.microsoft.com/office/drawing/2014/main" id="{E0C10E6F-C3F9-4D4E-BE34-C9D81B47AE8E}"/>
+              </a:ext>
+            </a:extLst>
+          </p:cNvPr>
+          <p:cNvSpPr/>
+          <p:nvPr/>
+        </p:nvSpPr>
+        <p:spPr>
+          <a:xfrm>
+            <a:off x="762000" y="6176963"/>
+            <a:ext cx="7467600" cy="369332"/>
+          </a:xfrm>
+          <a:prstGeom prst="rect">
+            <a:avLst/>
+          </a:prstGeom>
+        </p:spPr>
+        <p:txBody>
+          <a:bodyPr wrap="square">
+            <a:spAutoFit/>
+          </a:bodyPr>
+          <a:lstStyle/>
+          <a:p>
+            <a:r>
+              <a:rPr lang="en-US" dirty="0"/>
+              <a:t>https://</a:t>
+            </a:r>
+            <a:r>
+              <a:rPr lang="en-US" dirty="0" err="1"/>
+              <a:t>github.com</a:t>
+            </a:r>
+            <a:r>
+              <a:rPr lang="en-US" dirty="0"/>
+              <a:t>/</a:t>
+            </a:r>
+            <a:r>
+              <a:rPr lang="en-US" dirty="0" err="1"/>
+              <a:t>parrt</a:t>
+            </a:r>
+            <a:r>
+              <a:rPr lang="en-US" dirty="0"/>
+              <a:t>/msds689/blob/master/notes/</a:t>
+            </a:r>
+            <a:r>
+              <a:rPr lang="en-US" dirty="0" err="1"/>
+              <a:t>walking.ipynb</a:t>
+            </a:r>
+            <a:endParaRPr lang="en-US" dirty="0"/>
+          </a:p>
+        </p:txBody>
+      </p:sp>
+      <p:sp>
+        <p:nvSpPr>
+          <p:cNvPr id="5" name="TextBox 4">
+            <a:extLst>
+              <a:ext uri="{FF2B5EF4-FFF2-40B4-BE49-F238E27FC236}">
+                <a16:creationId xmlns:a16="http://schemas.microsoft.com/office/drawing/2014/main" id="{0974B5D0-B1E2-304D-BA76-F7E99E809E62}"/>
               </a:ext>
             </a:extLst>
           </p:cNvPr>
@@ -5176,8 +6437,8 @@
         </p:nvSpPr>
         <p:spPr>
           <a:xfrm>
-            <a:off x="304522" y="2473728"/>
-            <a:ext cx="5570985" cy="2308324"/>
+            <a:off x="6209486" y="252272"/>
+            <a:ext cx="5914418" cy="1477328"/>
           </a:xfrm>
           <a:prstGeom prst="rect">
             <a:avLst/>
@@ -5196,17 +6457,33 @@
           <a:lstStyle/>
           <a:p>
             <a:r>
-              <a:rPr lang="en-US" sz="2400" dirty="0">
-                <a:latin typeface="Monaco" charset="0"/>
-                <a:ea typeface="Monaco" charset="0"/>
-                <a:cs typeface="Monaco" charset="0"/>
-              </a:rPr>
-              <a:t>class Node:</a:t>
-            </a:r>
-          </a:p>
-          <a:p>
-            <a:r>
-              <a:rPr lang="en-US" sz="2400" dirty="0">
+              <a:rPr lang="en-US" dirty="0">
+                <a:latin typeface="Monaco" charset="0"/>
+                <a:ea typeface="Monaco" charset="0"/>
+                <a:cs typeface="Monaco" charset="0"/>
+              </a:rPr>
+              <a:t>class </a:t>
+            </a:r>
+            <a:r>
+              <a:rPr lang="en-US" dirty="0" err="1">
+                <a:latin typeface="Monaco" charset="0"/>
+                <a:ea typeface="Monaco" charset="0"/>
+                <a:cs typeface="Monaco" charset="0"/>
+              </a:rPr>
+              <a:t>TreeNode</a:t>
+            </a:r>
+            <a:r>
+              <a:rPr lang="en-US" dirty="0">
+                <a:latin typeface="Monaco" charset="0"/>
+                <a:ea typeface="Monaco" charset="0"/>
+                <a:cs typeface="Monaco" charset="0"/>
+              </a:rPr>
+              <a:t>:</a:t>
+            </a:r>
+          </a:p>
+          <a:p>
+            <a:r>
+              <a:rPr lang="en-US" dirty="0">
                 <a:latin typeface="Monaco" charset="0"/>
                 <a:ea typeface="Monaco" charset="0"/>
                 <a:cs typeface="Monaco" charset="0"/>
@@ -5214,7 +6491,7 @@
               <a:t>  def __</a:t>
             </a:r>
             <a:r>
-              <a:rPr lang="en-US" sz="2400" dirty="0" err="1">
+              <a:rPr lang="en-US" dirty="0" err="1">
                 <a:latin typeface="Monaco" charset="0"/>
                 <a:ea typeface="Monaco" charset="0"/>
                 <a:cs typeface="Monaco" charset="0"/>
@@ -5222,17 +6499,17 @@
               <a:t>init</a:t>
             </a:r>
             <a:r>
-              <a:rPr lang="en-US" sz="2400" dirty="0">
-                <a:latin typeface="Monaco" charset="0"/>
-                <a:ea typeface="Monaco" charset="0"/>
-                <a:cs typeface="Monaco" charset="0"/>
-              </a:rPr>
-              <a:t>__(self, value):</a:t>
-            </a:r>
-          </a:p>
-          <a:p>
-            <a:r>
-              <a:rPr lang="en-US" sz="2400" dirty="0">
+              <a:rPr lang="en-US" dirty="0">
+                <a:latin typeface="Monaco" charset="0"/>
+                <a:ea typeface="Monaco" charset="0"/>
+                <a:cs typeface="Monaco" charset="0"/>
+              </a:rPr>
+              <a:t>__(self, value, left, right):</a:t>
+            </a:r>
+          </a:p>
+          <a:p>
+            <a:r>
+              <a:rPr lang="en-US" dirty="0">
                 <a:latin typeface="Monaco" charset="0"/>
                 <a:ea typeface="Monaco" charset="0"/>
                 <a:cs typeface="Monaco" charset="0"/>
@@ -5240,7 +6517,7 @@
               <a:t>    </a:t>
             </a:r>
             <a:r>
-              <a:rPr lang="en-US" sz="2400" dirty="0" err="1">
+              <a:rPr lang="en-US" dirty="0" err="1">
                 <a:latin typeface="Monaco" charset="0"/>
                 <a:ea typeface="Monaco" charset="0"/>
                 <a:cs typeface="Monaco" charset="0"/>
@@ -5248,7 +6525,7 @@
               <a:t>self.value</a:t>
             </a:r>
             <a:r>
-              <a:rPr lang="en-US" sz="2400" dirty="0">
+              <a:rPr lang="en-US" dirty="0">
                 <a:latin typeface="Monaco" charset="0"/>
                 <a:ea typeface="Monaco" charset="0"/>
                 <a:cs typeface="Monaco" charset="0"/>
@@ -5258,7 +6535,7 @@
           </a:p>
           <a:p>
             <a:r>
-              <a:rPr lang="en-US" sz="2400" dirty="0">
+              <a:rPr lang="en-US" dirty="0">
                 <a:latin typeface="Monaco" charset="0"/>
                 <a:ea typeface="Monaco" charset="0"/>
                 <a:cs typeface="Monaco" charset="0"/>
@@ -5266,51 +6543,25 @@
               <a:t>    </a:t>
             </a:r>
             <a:r>
-              <a:rPr lang="en-US" sz="2400" dirty="0" err="1">
-                <a:latin typeface="Monaco" charset="0"/>
-                <a:ea typeface="Monaco" charset="0"/>
-                <a:cs typeface="Monaco" charset="0"/>
-              </a:rPr>
-              <a:t>self.edges</a:t>
-            </a:r>
-            <a:r>
-              <a:rPr lang="en-US" sz="2400" dirty="0">
-                <a:latin typeface="Monaco" charset="0"/>
-                <a:ea typeface="Monaco" charset="0"/>
-                <a:cs typeface="Monaco" charset="0"/>
-              </a:rPr>
-              <a:t> = []</a:t>
-            </a:r>
-          </a:p>
-          <a:p>
-            <a:r>
-              <a:rPr lang="en-US" sz="2400" dirty="0">
-                <a:latin typeface="Monaco" charset="0"/>
-                <a:ea typeface="Monaco" charset="0"/>
-                <a:cs typeface="Monaco" charset="0"/>
-              </a:rPr>
-              <a:t>  def add(self, </a:t>
-            </a:r>
-            <a:r>
-              <a:rPr lang="en-US" sz="2400" dirty="0" err="1">
-                <a:latin typeface="Monaco" charset="0"/>
-                <a:ea typeface="Monaco" charset="0"/>
-                <a:cs typeface="Monaco" charset="0"/>
-              </a:rPr>
-              <a:t>target:Node</a:t>
-            </a:r>
-            <a:r>
-              <a:rPr lang="en-US" sz="2400" dirty="0">
-                <a:latin typeface="Monaco" charset="0"/>
-                <a:ea typeface="Monaco" charset="0"/>
-                <a:cs typeface="Monaco" charset="0"/>
-              </a:rPr>
-              <a:t>):</a:t>
-            </a:r>
-          </a:p>
-          <a:p>
-            <a:r>
-              <a:rPr lang="en-US" sz="2400" dirty="0">
+              <a:rPr lang="en-US" dirty="0" err="1">
+                <a:latin typeface="Monaco" charset="0"/>
+                <a:ea typeface="Monaco" charset="0"/>
+                <a:cs typeface="Monaco" charset="0"/>
+              </a:rPr>
+              <a:t>self.left</a:t>
+            </a:r>
+            <a:r>
+              <a:rPr lang="en-US" dirty="0">
+                <a:latin typeface="Monaco" charset="0"/>
+                <a:ea typeface="Monaco" charset="0"/>
+                <a:cs typeface="Monaco" charset="0"/>
+              </a:rPr>
+              <a:t> = left</a:t>
+            </a:r>
+          </a:p>
+          <a:p>
+            <a:r>
+              <a:rPr lang="en-US" dirty="0">
                 <a:latin typeface="Monaco" charset="0"/>
                 <a:ea typeface="Monaco" charset="0"/>
                 <a:cs typeface="Monaco" charset="0"/>
@@ -5318,246 +6569,20 @@
               <a:t>    </a:t>
             </a:r>
             <a:r>
-              <a:rPr lang="en-US" sz="2400" dirty="0" err="1">
-                <a:latin typeface="Monaco" charset="0"/>
-                <a:ea typeface="Monaco" charset="0"/>
-                <a:cs typeface="Monaco" charset="0"/>
-              </a:rPr>
-              <a:t>self.edges.append</a:t>
-            </a:r>
-            <a:r>
-              <a:rPr lang="en-US" sz="2400" dirty="0">
-                <a:latin typeface="Monaco" charset="0"/>
-                <a:ea typeface="Monaco" charset="0"/>
-                <a:cs typeface="Monaco" charset="0"/>
-              </a:rPr>
-              <a:t>(target)</a:t>
-            </a:r>
-          </a:p>
-        </p:txBody>
-      </p:sp>
-      <p:sp>
-        <p:nvSpPr>
-          <p:cNvPr id="6" name="TextBox 5">
-            <a:extLst>
-              <a:ext uri="{FF2B5EF4-FFF2-40B4-BE49-F238E27FC236}">
-                <a16:creationId xmlns:a16="http://schemas.microsoft.com/office/drawing/2014/main" id="{AE055CBD-BD46-4C4E-A7F6-E8B87A3C7A2B}"/>
-              </a:ext>
-            </a:extLst>
-          </p:cNvPr>
-          <p:cNvSpPr txBox="1"/>
-          <p:nvPr/>
-        </p:nvSpPr>
-        <p:spPr>
-          <a:xfrm>
-            <a:off x="6332428" y="1214903"/>
-            <a:ext cx="5165665" cy="4524315"/>
-          </a:xfrm>
-          <a:prstGeom prst="rect">
-            <a:avLst/>
-          </a:prstGeom>
-          <a:noFill/>
-          <a:ln>
-            <a:solidFill>
-              <a:schemeClr val="accent1"/>
-            </a:solidFill>
-          </a:ln>
-        </p:spPr>
-        <p:txBody>
-          <a:bodyPr wrap="square" rtlCol="0">
-            <a:spAutoFit/>
-          </a:bodyPr>
-          <a:lstStyle/>
-          <a:p>
-            <a:r>
-              <a:rPr lang="en-US" sz="2400" dirty="0">
-                <a:latin typeface="Monaco" charset="0"/>
-                <a:ea typeface="Monaco" charset="0"/>
-                <a:cs typeface="Monaco" charset="0"/>
-              </a:rPr>
-              <a:t>sf = Node("SF")</a:t>
-            </a:r>
-          </a:p>
-          <a:p>
-            <a:r>
-              <a:rPr lang="en-US" sz="2400" dirty="0">
-                <a:latin typeface="Monaco" charset="0"/>
-                <a:ea typeface="Monaco" charset="0"/>
-                <a:cs typeface="Monaco" charset="0"/>
-              </a:rPr>
-              <a:t>la = Node("LA")</a:t>
-            </a:r>
-          </a:p>
-          <a:p>
-            <a:r>
-              <a:rPr lang="en-US" sz="2400" dirty="0">
-                <a:latin typeface="Monaco" charset="0"/>
-                <a:ea typeface="Monaco" charset="0"/>
-                <a:cs typeface="Monaco" charset="0"/>
-              </a:rPr>
-              <a:t>sac = Node("Sacramento")</a:t>
-            </a:r>
-          </a:p>
-          <a:p>
-            <a:r>
-              <a:rPr lang="en-US" sz="2400" dirty="0">
-                <a:latin typeface="Monaco" charset="0"/>
-                <a:ea typeface="Monaco" charset="0"/>
-                <a:cs typeface="Monaco" charset="0"/>
-              </a:rPr>
-              <a:t>oak = Node("Oakland")</a:t>
-            </a:r>
-          </a:p>
-          <a:p>
-            <a:r>
-              <a:rPr lang="en-US" sz="2400" dirty="0">
-                <a:latin typeface="Monaco" charset="0"/>
-                <a:ea typeface="Monaco" charset="0"/>
-                <a:cs typeface="Monaco" charset="0"/>
-              </a:rPr>
-              <a:t>baker = Node("Bakersfield")</a:t>
-            </a:r>
-          </a:p>
-          <a:p>
-            <a:r>
-              <a:rPr lang="en-US" sz="2400" dirty="0" err="1">
-                <a:latin typeface="Monaco" charset="0"/>
-                <a:ea typeface="Monaco" charset="0"/>
-                <a:cs typeface="Monaco" charset="0"/>
-              </a:rPr>
-              <a:t>sj</a:t>
-            </a:r>
-            <a:r>
-              <a:rPr lang="en-US" sz="2400" dirty="0">
-                <a:latin typeface="Monaco" charset="0"/>
-                <a:ea typeface="Monaco" charset="0"/>
-                <a:cs typeface="Monaco" charset="0"/>
-              </a:rPr>
-              <a:t> = Node("San Jose")</a:t>
-            </a:r>
-          </a:p>
-          <a:p>
-            <a:r>
-              <a:rPr lang="en-US" sz="2400" dirty="0" err="1">
-                <a:latin typeface="Monaco" charset="0"/>
-                <a:ea typeface="Monaco" charset="0"/>
-                <a:cs typeface="Monaco" charset="0"/>
-              </a:rPr>
-              <a:t>sf.add</a:t>
-            </a:r>
-            <a:r>
-              <a:rPr lang="en-US" sz="2400" dirty="0">
-                <a:latin typeface="Monaco" charset="0"/>
-                <a:ea typeface="Monaco" charset="0"/>
-                <a:cs typeface="Monaco" charset="0"/>
-              </a:rPr>
-              <a:t>(</a:t>
-            </a:r>
-            <a:r>
-              <a:rPr lang="en-US" sz="2400" dirty="0" err="1">
-                <a:latin typeface="Monaco" charset="0"/>
-                <a:ea typeface="Monaco" charset="0"/>
-                <a:cs typeface="Monaco" charset="0"/>
-              </a:rPr>
-              <a:t>sj</a:t>
-            </a:r>
-            <a:r>
-              <a:rPr lang="en-US" sz="2400" dirty="0">
-                <a:latin typeface="Monaco" charset="0"/>
-                <a:ea typeface="Monaco" charset="0"/>
-                <a:cs typeface="Monaco" charset="0"/>
-              </a:rPr>
-              <a:t>)</a:t>
-            </a:r>
-          </a:p>
-          <a:p>
-            <a:r>
-              <a:rPr lang="en-US" sz="2400" dirty="0" err="1">
-                <a:latin typeface="Monaco" charset="0"/>
-                <a:ea typeface="Monaco" charset="0"/>
-                <a:cs typeface="Monaco" charset="0"/>
-              </a:rPr>
-              <a:t>sj.add</a:t>
-            </a:r>
-            <a:r>
-              <a:rPr lang="en-US" sz="2400" dirty="0">
-                <a:latin typeface="Monaco" charset="0"/>
-                <a:ea typeface="Monaco" charset="0"/>
-                <a:cs typeface="Monaco" charset="0"/>
-              </a:rPr>
-              <a:t>(baker)</a:t>
-            </a:r>
-          </a:p>
-          <a:p>
-            <a:r>
-              <a:rPr lang="en-US" sz="2400" dirty="0" err="1">
-                <a:latin typeface="Monaco" charset="0"/>
-                <a:ea typeface="Monaco" charset="0"/>
-                <a:cs typeface="Monaco" charset="0"/>
-              </a:rPr>
-              <a:t>sf.add</a:t>
-            </a:r>
-            <a:r>
-              <a:rPr lang="en-US" sz="2400" dirty="0">
-                <a:latin typeface="Monaco" charset="0"/>
-                <a:ea typeface="Monaco" charset="0"/>
-                <a:cs typeface="Monaco" charset="0"/>
-              </a:rPr>
-              <a:t>(oak)</a:t>
-            </a:r>
-          </a:p>
-          <a:p>
-            <a:r>
-              <a:rPr lang="en-US" sz="2400" dirty="0" err="1">
-                <a:latin typeface="Monaco" charset="0"/>
-                <a:ea typeface="Monaco" charset="0"/>
-                <a:cs typeface="Monaco" charset="0"/>
-              </a:rPr>
-              <a:t>oak.add</a:t>
-            </a:r>
-            <a:r>
-              <a:rPr lang="en-US" sz="2400" dirty="0">
-                <a:latin typeface="Monaco" charset="0"/>
-                <a:ea typeface="Monaco" charset="0"/>
-                <a:cs typeface="Monaco" charset="0"/>
-              </a:rPr>
-              <a:t>(sac)</a:t>
-            </a:r>
-          </a:p>
-          <a:p>
-            <a:r>
-              <a:rPr lang="en-US" sz="2400" dirty="0" err="1">
-                <a:latin typeface="Monaco" charset="0"/>
-                <a:ea typeface="Monaco" charset="0"/>
-                <a:cs typeface="Monaco" charset="0"/>
-              </a:rPr>
-              <a:t>sac.add</a:t>
-            </a:r>
-            <a:r>
-              <a:rPr lang="en-US" sz="2400" dirty="0">
-                <a:latin typeface="Monaco" charset="0"/>
-                <a:ea typeface="Monaco" charset="0"/>
-                <a:cs typeface="Monaco" charset="0"/>
-              </a:rPr>
-              <a:t>(baker)</a:t>
-            </a:r>
-          </a:p>
-          <a:p>
-            <a:r>
-              <a:rPr lang="en-US" sz="2400" dirty="0" err="1">
-                <a:latin typeface="Monaco" charset="0"/>
-                <a:ea typeface="Monaco" charset="0"/>
-                <a:cs typeface="Monaco" charset="0"/>
-              </a:rPr>
-              <a:t>baker.add</a:t>
-            </a:r>
-            <a:r>
-              <a:rPr lang="en-US" sz="2400" dirty="0">
-                <a:latin typeface="Monaco" charset="0"/>
-                <a:ea typeface="Monaco" charset="0"/>
-                <a:cs typeface="Monaco" charset="0"/>
-              </a:rPr>
-              <a:t>(la)</a:t>
+              <a:rPr lang="en-US" dirty="0" err="1">
+                <a:latin typeface="Monaco" charset="0"/>
+                <a:ea typeface="Monaco" charset="0"/>
+                <a:cs typeface="Monaco" charset="0"/>
+              </a:rPr>
+              <a:t>self.right</a:t>
+            </a:r>
+            <a:r>
+              <a:rPr lang="en-US" dirty="0">
+                <a:latin typeface="Monaco" charset="0"/>
+                <a:ea typeface="Monaco" charset="0"/>
+                <a:cs typeface="Monaco" charset="0"/>
+              </a:rPr>
+              <a:t> = right</a:t>
             </a:r>
           </a:p>
         </p:txBody>
@@ -5565,7 +6590,7 @@
     </p:spTree>
     <p:extLst>
       <p:ext uri="{BB962C8B-B14F-4D97-AF65-F5344CB8AC3E}">
-        <p14:creationId xmlns:p14="http://schemas.microsoft.com/office/powerpoint/2010/main" val="2269059188"/>
+        <p14:creationId xmlns:p14="http://schemas.microsoft.com/office/powerpoint/2010/main" val="3854827189"/>
       </p:ext>
     </p:extLst>
   </p:cSld>
@@ -5597,7 +6622,7 @@
           <p:cNvPr id="2" name="Title 1">
             <a:extLst>
               <a:ext uri="{FF2B5EF4-FFF2-40B4-BE49-F238E27FC236}">
-                <a16:creationId xmlns:a16="http://schemas.microsoft.com/office/drawing/2014/main" id="{A28C248F-1DBF-8444-B7E1-A5C580E64CAD}"/>
+                <a16:creationId xmlns:a16="http://schemas.microsoft.com/office/drawing/2014/main" id="{60D3DC2E-871E-744E-86E0-8032D47C69E9}"/>
               </a:ext>
             </a:extLst>
           </p:cNvPr>
@@ -5615,17 +6640,479 @@
           <a:p>
             <a:r>
               <a:rPr lang="en-US" dirty="0"/>
-              <a:t>Depth-first graph walk</a:t>
-            </a:r>
+              <a:t>Recursive walk is the most natural</a:t>
+            </a:r>
+          </a:p>
+        </p:txBody>
+      </p:sp>
+      <p:sp>
+        <p:nvSpPr>
+          <p:cNvPr id="3" name="Content Placeholder 2">
+            <a:extLst>
+              <a:ext uri="{FF2B5EF4-FFF2-40B4-BE49-F238E27FC236}">
+                <a16:creationId xmlns:a16="http://schemas.microsoft.com/office/drawing/2014/main" id="{1F8D8982-1CDC-5948-B25B-15E1D31B41F1}"/>
+              </a:ext>
+            </a:extLst>
+          </p:cNvPr>
+          <p:cNvSpPr>
+            <a:spLocks noGrp="1"/>
+          </p:cNvSpPr>
+          <p:nvPr>
+            <p:ph idx="1"/>
+          </p:nvPr>
+        </p:nvSpPr>
+        <p:spPr/>
+        <p:txBody>
+          <a:bodyPr/>
+          <a:lstStyle/>
+          <a:p>
+            <a:r>
+              <a:rPr lang="en-US" dirty="0"/>
+              <a:t>“Depth-first search” is how we walk every node</a:t>
+            </a:r>
+          </a:p>
+          <a:p>
+            <a:r>
+              <a:rPr lang="en-US" dirty="0"/>
+              <a:t>The visitation order (discover, finish nodes) always same</a:t>
+            </a:r>
+          </a:p>
+          <a:p>
+            <a:r>
+              <a:rPr lang="en-US" dirty="0"/>
+              <a:t>Traversal (pre-, in-, post-) order depends on action location</a:t>
+            </a:r>
+          </a:p>
+        </p:txBody>
+      </p:sp>
+      <p:sp>
+        <p:nvSpPr>
+          <p:cNvPr id="6" name="TextBox 5">
+            <a:extLst>
+              <a:ext uri="{FF2B5EF4-FFF2-40B4-BE49-F238E27FC236}">
+                <a16:creationId xmlns:a16="http://schemas.microsoft.com/office/drawing/2014/main" id="{489A34D9-44B3-0243-BBF9-5E2AF6580C02}"/>
+              </a:ext>
+            </a:extLst>
+          </p:cNvPr>
+          <p:cNvSpPr txBox="1"/>
+          <p:nvPr/>
+        </p:nvSpPr>
+        <p:spPr>
+          <a:xfrm>
+            <a:off x="415512" y="3551665"/>
+            <a:ext cx="5680488" cy="1938992"/>
+          </a:xfrm>
+          <a:prstGeom prst="rect">
+            <a:avLst/>
+          </a:prstGeom>
+          <a:noFill/>
+          <a:ln>
+            <a:solidFill>
+              <a:schemeClr val="accent1"/>
+            </a:solidFill>
+          </a:ln>
+        </p:spPr>
+        <p:txBody>
+          <a:bodyPr wrap="square" rtlCol="0">
+            <a:spAutoFit/>
+          </a:bodyPr>
+          <a:lstStyle/>
+          <a:p>
+            <a:r>
+              <a:rPr lang="en-US" sz="2400" dirty="0">
+                <a:latin typeface="Monaco" charset="0"/>
+                <a:ea typeface="Monaco" charset="0"/>
+                <a:cs typeface="Monaco" charset="0"/>
+              </a:rPr>
+              <a:t>def </a:t>
+            </a:r>
+            <a:r>
+              <a:rPr lang="en-US" sz="2400" dirty="0" err="1">
+                <a:latin typeface="Monaco" charset="0"/>
+                <a:ea typeface="Monaco" charset="0"/>
+                <a:cs typeface="Monaco" charset="0"/>
+              </a:rPr>
+              <a:t>walk_tree</a:t>
+            </a:r>
+            <a:r>
+              <a:rPr lang="en-US" sz="2400" dirty="0">
+                <a:latin typeface="Monaco" charset="0"/>
+                <a:ea typeface="Monaco" charset="0"/>
+                <a:cs typeface="Monaco" charset="0"/>
+              </a:rPr>
+              <a:t>(</a:t>
+            </a:r>
+            <a:r>
+              <a:rPr lang="en-US" sz="2400" dirty="0" err="1">
+                <a:latin typeface="Monaco" charset="0"/>
+                <a:ea typeface="Monaco" charset="0"/>
+                <a:cs typeface="Monaco" charset="0"/>
+              </a:rPr>
+              <a:t>p:TreeNode</a:t>
+            </a:r>
+            <a:r>
+              <a:rPr lang="en-US" sz="2400" dirty="0">
+                <a:latin typeface="Monaco" charset="0"/>
+                <a:ea typeface="Monaco" charset="0"/>
+                <a:cs typeface="Monaco" charset="0"/>
+              </a:rPr>
+              <a:t>):</a:t>
+            </a:r>
+          </a:p>
+          <a:p>
+            <a:r>
+              <a:rPr lang="en-US" sz="2400" dirty="0">
+                <a:latin typeface="Monaco" charset="0"/>
+                <a:ea typeface="Monaco" charset="0"/>
+                <a:cs typeface="Monaco" charset="0"/>
+              </a:rPr>
+              <a:t>    if p is None: return</a:t>
+            </a:r>
+          </a:p>
+          <a:p>
+            <a:r>
+              <a:rPr lang="en-US" sz="2400" dirty="0">
+                <a:latin typeface="Monaco" charset="0"/>
+                <a:ea typeface="Monaco" charset="0"/>
+                <a:cs typeface="Monaco" charset="0"/>
+              </a:rPr>
+              <a:t>    print(</a:t>
+            </a:r>
+            <a:r>
+              <a:rPr lang="en-US" sz="2400" dirty="0" err="1">
+                <a:latin typeface="Monaco" charset="0"/>
+                <a:ea typeface="Monaco" charset="0"/>
+                <a:cs typeface="Monaco" charset="0"/>
+              </a:rPr>
+              <a:t>p.value</a:t>
+            </a:r>
+            <a:r>
+              <a:rPr lang="en-US" sz="2400" dirty="0">
+                <a:latin typeface="Monaco" charset="0"/>
+                <a:ea typeface="Monaco" charset="0"/>
+                <a:cs typeface="Monaco" charset="0"/>
+              </a:rPr>
+              <a:t>) # </a:t>
+            </a:r>
+            <a:r>
+              <a:rPr lang="en-US" sz="2400" dirty="0">
+                <a:solidFill>
+                  <a:srgbClr val="00B0F0"/>
+                </a:solidFill>
+                <a:latin typeface="Monaco" charset="0"/>
+                <a:ea typeface="Monaco" charset="0"/>
+                <a:cs typeface="Monaco" charset="0"/>
+              </a:rPr>
+              <a:t>preorder</a:t>
+            </a:r>
+          </a:p>
+          <a:p>
+            <a:r>
+              <a:rPr lang="en-US" sz="2400" dirty="0">
+                <a:latin typeface="Monaco" charset="0"/>
+                <a:ea typeface="Monaco" charset="0"/>
+                <a:cs typeface="Monaco" charset="0"/>
+              </a:rPr>
+              <a:t>    </a:t>
+            </a:r>
+            <a:r>
+              <a:rPr lang="en-US" sz="2400" dirty="0" err="1">
+                <a:latin typeface="Monaco" charset="0"/>
+                <a:ea typeface="Monaco" charset="0"/>
+                <a:cs typeface="Monaco" charset="0"/>
+              </a:rPr>
+              <a:t>walk_tree</a:t>
+            </a:r>
+            <a:r>
+              <a:rPr lang="en-US" sz="2400" dirty="0">
+                <a:latin typeface="Monaco" charset="0"/>
+                <a:ea typeface="Monaco" charset="0"/>
+                <a:cs typeface="Monaco" charset="0"/>
+              </a:rPr>
+              <a:t>(</a:t>
+            </a:r>
+            <a:r>
+              <a:rPr lang="en-US" sz="2400" dirty="0" err="1">
+                <a:latin typeface="Monaco" charset="0"/>
+                <a:ea typeface="Monaco" charset="0"/>
+                <a:cs typeface="Monaco" charset="0"/>
+              </a:rPr>
+              <a:t>p.left</a:t>
+            </a:r>
+            <a:r>
+              <a:rPr lang="en-US" sz="2400" dirty="0">
+                <a:latin typeface="Monaco" charset="0"/>
+                <a:ea typeface="Monaco" charset="0"/>
+                <a:cs typeface="Monaco" charset="0"/>
+              </a:rPr>
+              <a:t>)</a:t>
+            </a:r>
+          </a:p>
+          <a:p>
+            <a:r>
+              <a:rPr lang="en-US" sz="2400" dirty="0">
+                <a:latin typeface="Monaco" charset="0"/>
+                <a:ea typeface="Monaco" charset="0"/>
+                <a:cs typeface="Monaco" charset="0"/>
+              </a:rPr>
+              <a:t>    </a:t>
+            </a:r>
+            <a:r>
+              <a:rPr lang="en-US" sz="2400" dirty="0" err="1">
+                <a:latin typeface="Monaco" charset="0"/>
+                <a:ea typeface="Monaco" charset="0"/>
+                <a:cs typeface="Monaco" charset="0"/>
+              </a:rPr>
+              <a:t>walk_tree</a:t>
+            </a:r>
+            <a:r>
+              <a:rPr lang="en-US" sz="2400" dirty="0">
+                <a:latin typeface="Monaco" charset="0"/>
+                <a:ea typeface="Monaco" charset="0"/>
+                <a:cs typeface="Monaco" charset="0"/>
+              </a:rPr>
+              <a:t>(</a:t>
+            </a:r>
+            <a:r>
+              <a:rPr lang="en-US" sz="2400" dirty="0" err="1">
+                <a:latin typeface="Monaco" charset="0"/>
+                <a:ea typeface="Monaco" charset="0"/>
+                <a:cs typeface="Monaco" charset="0"/>
+              </a:rPr>
+              <a:t>p.right</a:t>
+            </a:r>
+            <a:r>
+              <a:rPr lang="en-US" sz="2400" dirty="0">
+                <a:latin typeface="Monaco" charset="0"/>
+                <a:ea typeface="Monaco" charset="0"/>
+                <a:cs typeface="Monaco" charset="0"/>
+              </a:rPr>
+              <a:t>)</a:t>
+            </a:r>
+          </a:p>
+        </p:txBody>
+      </p:sp>
+      <p:sp>
+        <p:nvSpPr>
+          <p:cNvPr id="7" name="TextBox 6">
+            <a:extLst>
+              <a:ext uri="{FF2B5EF4-FFF2-40B4-BE49-F238E27FC236}">
+                <a16:creationId xmlns:a16="http://schemas.microsoft.com/office/drawing/2014/main" id="{A2B505F6-043A-1D43-B41B-FB41BC4E2AC1}"/>
+              </a:ext>
+            </a:extLst>
+          </p:cNvPr>
+          <p:cNvSpPr txBox="1"/>
+          <p:nvPr/>
+        </p:nvSpPr>
+        <p:spPr>
+          <a:xfrm>
+            <a:off x="6310790" y="3551665"/>
+            <a:ext cx="5680488" cy="1938992"/>
+          </a:xfrm>
+          <a:prstGeom prst="rect">
+            <a:avLst/>
+          </a:prstGeom>
+          <a:noFill/>
+          <a:ln>
+            <a:solidFill>
+              <a:schemeClr val="accent1"/>
+            </a:solidFill>
+          </a:ln>
+        </p:spPr>
+        <p:txBody>
+          <a:bodyPr wrap="square" rtlCol="0">
+            <a:spAutoFit/>
+          </a:bodyPr>
+          <a:lstStyle/>
+          <a:p>
+            <a:r>
+              <a:rPr lang="en-US" sz="2400" dirty="0">
+                <a:latin typeface="Monaco" charset="0"/>
+                <a:ea typeface="Monaco" charset="0"/>
+                <a:cs typeface="Monaco" charset="0"/>
+              </a:rPr>
+              <a:t>def </a:t>
+            </a:r>
+            <a:r>
+              <a:rPr lang="en-US" sz="2400" dirty="0" err="1">
+                <a:latin typeface="Monaco" charset="0"/>
+                <a:ea typeface="Monaco" charset="0"/>
+                <a:cs typeface="Monaco" charset="0"/>
+              </a:rPr>
+              <a:t>walk_tree</a:t>
+            </a:r>
+            <a:r>
+              <a:rPr lang="en-US" sz="2400" dirty="0">
+                <a:latin typeface="Monaco" charset="0"/>
+                <a:ea typeface="Monaco" charset="0"/>
+                <a:cs typeface="Monaco" charset="0"/>
+              </a:rPr>
+              <a:t>(</a:t>
+            </a:r>
+            <a:r>
+              <a:rPr lang="en-US" sz="2400" dirty="0" err="1">
+                <a:latin typeface="Monaco" charset="0"/>
+                <a:ea typeface="Monaco" charset="0"/>
+                <a:cs typeface="Monaco" charset="0"/>
+              </a:rPr>
+              <a:t>p:TreeNode</a:t>
+            </a:r>
+            <a:r>
+              <a:rPr lang="en-US" sz="2400" dirty="0">
+                <a:latin typeface="Monaco" charset="0"/>
+                <a:ea typeface="Monaco" charset="0"/>
+                <a:cs typeface="Monaco" charset="0"/>
+              </a:rPr>
+              <a:t>):</a:t>
+            </a:r>
+          </a:p>
+          <a:p>
+            <a:r>
+              <a:rPr lang="en-US" sz="2400" dirty="0">
+                <a:latin typeface="Monaco" charset="0"/>
+                <a:ea typeface="Monaco" charset="0"/>
+                <a:cs typeface="Monaco" charset="0"/>
+              </a:rPr>
+              <a:t>    if p is None: return</a:t>
+            </a:r>
+          </a:p>
+          <a:p>
+            <a:r>
+              <a:rPr lang="en-US" sz="2400" dirty="0">
+                <a:latin typeface="Monaco" charset="0"/>
+                <a:ea typeface="Monaco" charset="0"/>
+                <a:cs typeface="Monaco" charset="0"/>
+              </a:rPr>
+              <a:t>    </a:t>
+            </a:r>
+            <a:r>
+              <a:rPr lang="en-US" sz="2400" dirty="0" err="1">
+                <a:latin typeface="Monaco" charset="0"/>
+                <a:ea typeface="Monaco" charset="0"/>
+                <a:cs typeface="Monaco" charset="0"/>
+              </a:rPr>
+              <a:t>walk_tree</a:t>
+            </a:r>
+            <a:r>
+              <a:rPr lang="en-US" sz="2400" dirty="0">
+                <a:latin typeface="Monaco" charset="0"/>
+                <a:ea typeface="Monaco" charset="0"/>
+                <a:cs typeface="Monaco" charset="0"/>
+              </a:rPr>
+              <a:t>(</a:t>
+            </a:r>
+            <a:r>
+              <a:rPr lang="en-US" sz="2400" dirty="0" err="1">
+                <a:latin typeface="Monaco" charset="0"/>
+                <a:ea typeface="Monaco" charset="0"/>
+                <a:cs typeface="Monaco" charset="0"/>
+              </a:rPr>
+              <a:t>p.left</a:t>
+            </a:r>
+            <a:r>
+              <a:rPr lang="en-US" sz="2400" dirty="0">
+                <a:latin typeface="Monaco" charset="0"/>
+                <a:ea typeface="Monaco" charset="0"/>
+                <a:cs typeface="Monaco" charset="0"/>
+              </a:rPr>
+              <a:t>)</a:t>
+            </a:r>
+          </a:p>
+          <a:p>
+            <a:r>
+              <a:rPr lang="en-US" sz="2400" dirty="0">
+                <a:latin typeface="Monaco" charset="0"/>
+                <a:ea typeface="Monaco" charset="0"/>
+                <a:cs typeface="Monaco" charset="0"/>
+              </a:rPr>
+              <a:t>    </a:t>
+            </a:r>
+            <a:r>
+              <a:rPr lang="en-US" sz="2400" dirty="0" err="1">
+                <a:latin typeface="Monaco" charset="0"/>
+                <a:ea typeface="Monaco" charset="0"/>
+                <a:cs typeface="Monaco" charset="0"/>
+              </a:rPr>
+              <a:t>walk_tree</a:t>
+            </a:r>
+            <a:r>
+              <a:rPr lang="en-US" sz="2400" dirty="0">
+                <a:latin typeface="Monaco" charset="0"/>
+                <a:ea typeface="Monaco" charset="0"/>
+                <a:cs typeface="Monaco" charset="0"/>
+              </a:rPr>
+              <a:t>(</a:t>
+            </a:r>
+            <a:r>
+              <a:rPr lang="en-US" sz="2400" dirty="0" err="1">
+                <a:latin typeface="Monaco" charset="0"/>
+                <a:ea typeface="Monaco" charset="0"/>
+                <a:cs typeface="Monaco" charset="0"/>
+              </a:rPr>
+              <a:t>p.right</a:t>
+            </a:r>
+            <a:r>
+              <a:rPr lang="en-US" sz="2400" dirty="0">
+                <a:latin typeface="Monaco" charset="0"/>
+                <a:ea typeface="Monaco" charset="0"/>
+                <a:cs typeface="Monaco" charset="0"/>
+              </a:rPr>
+              <a:t>)</a:t>
+            </a:r>
+          </a:p>
+          <a:p>
+            <a:r>
+              <a:rPr lang="en-US" sz="2400" dirty="0">
+                <a:latin typeface="Monaco" charset="0"/>
+                <a:ea typeface="Monaco" charset="0"/>
+                <a:cs typeface="Monaco" charset="0"/>
+              </a:rPr>
+              <a:t>    print(</a:t>
+            </a:r>
+            <a:r>
+              <a:rPr lang="en-US" sz="2400" dirty="0" err="1">
+                <a:latin typeface="Monaco" charset="0"/>
+                <a:ea typeface="Monaco" charset="0"/>
+                <a:cs typeface="Monaco" charset="0"/>
+              </a:rPr>
+              <a:t>p.value</a:t>
+            </a:r>
+            <a:r>
+              <a:rPr lang="en-US" sz="2400" dirty="0">
+                <a:latin typeface="Monaco" charset="0"/>
+                <a:ea typeface="Monaco" charset="0"/>
+                <a:cs typeface="Monaco" charset="0"/>
+              </a:rPr>
+              <a:t>) # </a:t>
+            </a:r>
+            <a:r>
+              <a:rPr lang="en-US" sz="2400" dirty="0" err="1">
+                <a:solidFill>
+                  <a:srgbClr val="00B0F0"/>
+                </a:solidFill>
+                <a:latin typeface="Monaco" charset="0"/>
+                <a:ea typeface="Monaco" charset="0"/>
+                <a:cs typeface="Monaco" charset="0"/>
+              </a:rPr>
+              <a:t>postorder</a:t>
+            </a:r>
+            <a:endParaRPr lang="en-US" sz="2400" dirty="0">
+              <a:solidFill>
+                <a:srgbClr val="00B0F0"/>
+              </a:solidFill>
+              <a:latin typeface="Monaco" charset="0"/>
+              <a:ea typeface="Monaco" charset="0"/>
+              <a:cs typeface="Monaco" charset="0"/>
+            </a:endParaRPr>
           </a:p>
         </p:txBody>
       </p:sp>
       <p:pic>
         <p:nvPicPr>
-          <p:cNvPr id="5" name="Picture 4">
-            <a:extLst>
-              <a:ext uri="{FF2B5EF4-FFF2-40B4-BE49-F238E27FC236}">
-                <a16:creationId xmlns:a16="http://schemas.microsoft.com/office/drawing/2014/main" id="{1792B99B-6506-2E43-A5C8-14B7064BB21C}"/>
+          <p:cNvPr id="8" name="Picture 7">
+            <a:extLst>
+              <a:ext uri="{FF2B5EF4-FFF2-40B4-BE49-F238E27FC236}">
+                <a16:creationId xmlns:a16="http://schemas.microsoft.com/office/drawing/2014/main" id="{95D83D3B-BADF-1C40-8734-3F2D4535B16F}"/>
               </a:ext>
             </a:extLst>
           </p:cNvPr>
@@ -5642,20 +7129,107 @@
         </p:blipFill>
         <p:spPr>
           <a:xfrm>
-            <a:off x="609108" y="3701527"/>
-            <a:ext cx="10973783" cy="2475436"/>
+            <a:off x="9560670" y="25300"/>
+            <a:ext cx="2590800" cy="2438400"/>
           </a:xfrm>
           <a:prstGeom prst="rect">
             <a:avLst/>
           </a:prstGeom>
         </p:spPr>
       </p:pic>
+    </p:spTree>
+    <p:extLst>
+      <p:ext uri="{BB962C8B-B14F-4D97-AF65-F5344CB8AC3E}">
+        <p14:creationId xmlns:p14="http://schemas.microsoft.com/office/powerpoint/2010/main" val="2656387118"/>
+      </p:ext>
+    </p:extLst>
+  </p:cSld>
+  <p:clrMapOvr>
+    <a:masterClrMapping/>
+  </p:clrMapOvr>
+</p:sld>
+</file>
+
+<file path=ppt/slides/slide8.xml><?xml version="1.0" encoding="utf-8"?>
+<p:sld xmlns:a="http://schemas.openxmlformats.org/drawingml/2006/main" xmlns:r="http://schemas.openxmlformats.org/officeDocument/2006/relationships" xmlns:p="http://schemas.openxmlformats.org/presentationml/2006/main">
+  <p:cSld>
+    <p:spTree>
+      <p:nvGrpSpPr>
+        <p:cNvPr id="1" name=""/>
+        <p:cNvGrpSpPr/>
+        <p:nvPr/>
+      </p:nvGrpSpPr>
+      <p:grpSpPr>
+        <a:xfrm>
+          <a:off x="0" y="0"/>
+          <a:ext cx="0" cy="0"/>
+          <a:chOff x="0" y="0"/>
+          <a:chExt cx="0" cy="0"/>
+        </a:xfrm>
+      </p:grpSpPr>
+      <p:sp>
+        <p:nvSpPr>
+          <p:cNvPr id="2" name="Title 1">
+            <a:extLst>
+              <a:ext uri="{FF2B5EF4-FFF2-40B4-BE49-F238E27FC236}">
+                <a16:creationId xmlns:a16="http://schemas.microsoft.com/office/drawing/2014/main" id="{3DA46104-BABD-8643-B0F8-4FD1F89D7951}"/>
+              </a:ext>
+            </a:extLst>
+          </p:cNvPr>
+          <p:cNvSpPr>
+            <a:spLocks noGrp="1"/>
+          </p:cNvSpPr>
+          <p:nvPr>
+            <p:ph type="title"/>
+          </p:nvPr>
+        </p:nvSpPr>
+        <p:spPr/>
+        <p:txBody>
+          <a:bodyPr/>
+          <a:lstStyle/>
+          <a:p>
+            <a:r>
+              <a:rPr lang="en-US" dirty="0"/>
+              <a:t>Recursion tree</a:t>
+            </a:r>
+          </a:p>
+        </p:txBody>
+      </p:sp>
+      <p:pic>
+        <p:nvPicPr>
+          <p:cNvPr id="5" name="Content Placeholder 4">
+            <a:extLst>
+              <a:ext uri="{FF2B5EF4-FFF2-40B4-BE49-F238E27FC236}">
+                <a16:creationId xmlns:a16="http://schemas.microsoft.com/office/drawing/2014/main" id="{C41E703E-A041-ED4A-BA35-1CBA9C435792}"/>
+              </a:ext>
+            </a:extLst>
+          </p:cNvPr>
+          <p:cNvPicPr>
+            <a:picLocks noGrp="1" noChangeAspect="1"/>
+          </p:cNvPicPr>
+          <p:nvPr>
+            <p:ph idx="1"/>
+          </p:nvPr>
+        </p:nvPicPr>
+        <p:blipFill>
+          <a:blip r:embed="rId2"/>
+          <a:stretch>
+            <a:fillRect/>
+          </a:stretch>
+        </p:blipFill>
+        <p:spPr>
+          <a:xfrm>
+            <a:off x="1270205" y="1843514"/>
+            <a:ext cx="9936060" cy="4459200"/>
+          </a:xfrm>
+        </p:spPr>
+      </p:pic>
       <p:sp>
         <p:nvSpPr>
           <p:cNvPr id="6" name="TextBox 5">
             <a:extLst>
               <a:ext uri="{FF2B5EF4-FFF2-40B4-BE49-F238E27FC236}">
-                <a16:creationId xmlns:a16="http://schemas.microsoft.com/office/drawing/2014/main" id="{353E74A1-D948-4C47-B6C7-43C654E6D4A9}"/>
+                <a16:creationId xmlns:a16="http://schemas.microsoft.com/office/drawing/2014/main" id="{07E7CE28-6AF4-4249-A47B-F2A8E1161A5F}"/>
               </a:ext>
             </a:extLst>
           </p:cNvPr>
@@ -5664,8 +7238,8 @@
         </p:nvSpPr>
         <p:spPr>
           <a:xfrm>
-            <a:off x="2998592" y="1576067"/>
-            <a:ext cx="5989274" cy="1938992"/>
+            <a:off x="7555616" y="58410"/>
+            <a:ext cx="4584505" cy="1785104"/>
           </a:xfrm>
           <a:prstGeom prst="rect">
             <a:avLst/>
@@ -5684,23 +7258,85 @@
           <a:lstStyle/>
           <a:p>
             <a:r>
-              <a:rPr lang="en-US" sz="2400" dirty="0">
-                <a:latin typeface="Monaco" charset="0"/>
-                <a:ea typeface="Monaco" charset="0"/>
-                <a:cs typeface="Monaco" charset="0"/>
-              </a:rPr>
-              <a:t>def </a:t>
-            </a:r>
-            <a:r>
-              <a:rPr lang="en-US" sz="2400" dirty="0" err="1">
-                <a:latin typeface="Monaco" charset="0"/>
-                <a:ea typeface="Monaco" charset="0"/>
-                <a:cs typeface="Monaco" charset="0"/>
-              </a:rPr>
-              <a:t>walk_graph</a:t>
-            </a:r>
-            <a:r>
-              <a:rPr lang="en-US" sz="2400" dirty="0">
+              <a:rPr lang="en-US" sz="2200" dirty="0">
+                <a:latin typeface="Monaco" charset="0"/>
+                <a:ea typeface="Monaco" charset="0"/>
+                <a:cs typeface="Monaco" charset="0"/>
+              </a:rPr>
+              <a:t>def walk(</a:t>
+            </a:r>
+            <a:r>
+              <a:rPr lang="en-US" sz="2200" dirty="0" err="1">
+                <a:latin typeface="Monaco" charset="0"/>
+                <a:ea typeface="Monaco" charset="0"/>
+                <a:cs typeface="Monaco" charset="0"/>
+              </a:rPr>
+              <a:t>p:TreeNode</a:t>
+            </a:r>
+            <a:r>
+              <a:rPr lang="en-US" sz="2200" dirty="0">
+                <a:latin typeface="Monaco" charset="0"/>
+                <a:ea typeface="Monaco" charset="0"/>
+                <a:cs typeface="Monaco" charset="0"/>
+              </a:rPr>
+              <a:t>):</a:t>
+            </a:r>
+          </a:p>
+          <a:p>
+            <a:r>
+              <a:rPr lang="en-US" sz="2200" dirty="0">
+                <a:latin typeface="Monaco" charset="0"/>
+                <a:ea typeface="Monaco" charset="0"/>
+                <a:cs typeface="Monaco" charset="0"/>
+              </a:rPr>
+              <a:t>    if p is None: return</a:t>
+            </a:r>
+          </a:p>
+          <a:p>
+            <a:r>
+              <a:rPr lang="en-US" sz="2200" dirty="0">
+                <a:latin typeface="Monaco" charset="0"/>
+                <a:ea typeface="Monaco" charset="0"/>
+                <a:cs typeface="Monaco" charset="0"/>
+              </a:rPr>
+              <a:t>    print(</a:t>
+            </a:r>
+            <a:r>
+              <a:rPr lang="en-US" sz="2200" dirty="0" err="1">
+                <a:latin typeface="Monaco" charset="0"/>
+                <a:ea typeface="Monaco" charset="0"/>
+                <a:cs typeface="Monaco" charset="0"/>
+              </a:rPr>
+              <a:t>p.value</a:t>
+            </a:r>
+            <a:endParaRPr lang="en-US" sz="2200" dirty="0">
+              <a:solidFill>
+                <a:srgbClr val="00B0F0"/>
+              </a:solidFill>
+              <a:latin typeface="Monaco" charset="0"/>
+              <a:ea typeface="Monaco" charset="0"/>
+              <a:cs typeface="Monaco" charset="0"/>
+            </a:endParaRPr>
+          </a:p>
+          <a:p>
+            <a:r>
+              <a:rPr lang="en-US" sz="2200" dirty="0">
+                <a:latin typeface="Monaco" charset="0"/>
+                <a:ea typeface="Monaco" charset="0"/>
+                <a:cs typeface="Monaco" charset="0"/>
+              </a:rPr>
+              <a:t>    </a:t>
+            </a:r>
+            <a:r>
+              <a:rPr lang="en-US" sz="2200" dirty="0" err="1">
+                <a:latin typeface="Monaco" charset="0"/>
+                <a:ea typeface="Monaco" charset="0"/>
+                <a:cs typeface="Monaco" charset="0"/>
+              </a:rPr>
+              <a:t>walk_tree</a:t>
+            </a:r>
+            <a:r>
+              <a:rPr lang="en-US" sz="2200" dirty="0">
                 <a:latin typeface="Monaco" charset="0"/>
                 <a:ea typeface="Monaco" charset="0"/>
                 <a:cs typeface="Monaco" charset="0"/>
@@ -5708,51 +7344,15 @@
               <a:t>(</a:t>
             </a:r>
             <a:r>
-              <a:rPr lang="en-US" sz="2400" dirty="0" err="1">
-                <a:latin typeface="Monaco" charset="0"/>
-                <a:ea typeface="Monaco" charset="0"/>
-                <a:cs typeface="Monaco" charset="0"/>
-              </a:rPr>
-              <a:t>p:Node</a:t>
-            </a:r>
-            <a:r>
-              <a:rPr lang="en-US" sz="2400" dirty="0">
-                <a:latin typeface="Monaco" charset="0"/>
-                <a:ea typeface="Monaco" charset="0"/>
-                <a:cs typeface="Monaco" charset="0"/>
-              </a:rPr>
-              <a:t>) -&gt; None:</a:t>
-            </a:r>
-          </a:p>
-          <a:p>
-            <a:r>
-              <a:rPr lang="en-US" sz="2400" dirty="0">
-                <a:latin typeface="Monaco" charset="0"/>
-                <a:ea typeface="Monaco" charset="0"/>
-                <a:cs typeface="Monaco" charset="0"/>
-              </a:rPr>
-              <a:t>    if p is None: return</a:t>
-            </a:r>
-          </a:p>
-          <a:p>
-            <a:r>
-              <a:rPr lang="en-US" sz="2400" dirty="0">
-                <a:latin typeface="Monaco" charset="0"/>
-                <a:ea typeface="Monaco" charset="0"/>
-                <a:cs typeface="Monaco" charset="0"/>
-              </a:rPr>
-              <a:t>    print(</a:t>
-            </a:r>
-            <a:r>
-              <a:rPr lang="en-US" sz="2400" dirty="0" err="1">
-                <a:latin typeface="Monaco" charset="0"/>
-                <a:ea typeface="Monaco" charset="0"/>
-                <a:cs typeface="Monaco" charset="0"/>
-              </a:rPr>
-              <a:t>p.value</a:t>
-            </a:r>
-            <a:r>
-              <a:rPr lang="en-US" sz="2400" dirty="0">
+              <a:rPr lang="en-US" sz="2200" dirty="0" err="1">
+                <a:latin typeface="Monaco" charset="0"/>
+                <a:ea typeface="Monaco" charset="0"/>
+                <a:cs typeface="Monaco" charset="0"/>
+              </a:rPr>
+              <a:t>p.left</a:t>
+            </a:r>
+            <a:r>
+              <a:rPr lang="en-US" sz="2200" dirty="0">
                 <a:latin typeface="Monaco" charset="0"/>
                 <a:ea typeface="Monaco" charset="0"/>
                 <a:cs typeface="Monaco" charset="0"/>
@@ -5762,54 +7362,44 @@
           </a:p>
           <a:p>
             <a:r>
-              <a:rPr lang="en-US" sz="2400" dirty="0">
-                <a:latin typeface="Monaco" charset="0"/>
-                <a:ea typeface="Monaco" charset="0"/>
-                <a:cs typeface="Monaco" charset="0"/>
-              </a:rPr>
-              <a:t>    for q in </a:t>
-            </a:r>
-            <a:r>
-              <a:rPr lang="en-US" sz="2400" dirty="0" err="1">
-                <a:latin typeface="Monaco" charset="0"/>
-                <a:ea typeface="Monaco" charset="0"/>
-                <a:cs typeface="Monaco" charset="0"/>
-              </a:rPr>
-              <a:t>p.edges</a:t>
-            </a:r>
-            <a:r>
-              <a:rPr lang="en-US" sz="2400" dirty="0">
-                <a:latin typeface="Monaco" charset="0"/>
-                <a:ea typeface="Monaco" charset="0"/>
-                <a:cs typeface="Monaco" charset="0"/>
-              </a:rPr>
-              <a:t>:</a:t>
-            </a:r>
-          </a:p>
-          <a:p>
-            <a:r>
-              <a:rPr lang="en-US" sz="2400" dirty="0">
-                <a:latin typeface="Monaco" charset="0"/>
-                <a:ea typeface="Monaco" charset="0"/>
-                <a:cs typeface="Monaco" charset="0"/>
-              </a:rPr>
-              <a:t>        </a:t>
-            </a:r>
-            <a:r>
-              <a:rPr lang="en-US" sz="2400" dirty="0" err="1">
-                <a:latin typeface="Monaco" charset="0"/>
-                <a:ea typeface="Monaco" charset="0"/>
-                <a:cs typeface="Monaco" charset="0"/>
-              </a:rPr>
-              <a:t>walk_graph</a:t>
-            </a:r>
-            <a:r>
-              <a:rPr lang="en-US" sz="2400" dirty="0">
-                <a:latin typeface="Monaco" charset="0"/>
-                <a:ea typeface="Monaco" charset="0"/>
-                <a:cs typeface="Monaco" charset="0"/>
-              </a:rPr>
-              <a:t>(q)</a:t>
+              <a:rPr lang="en-US" sz="2200" dirty="0">
+                <a:latin typeface="Monaco" charset="0"/>
+                <a:ea typeface="Monaco" charset="0"/>
+                <a:cs typeface="Monaco" charset="0"/>
+              </a:rPr>
+              <a:t>    </a:t>
+            </a:r>
+            <a:r>
+              <a:rPr lang="en-US" sz="2200" dirty="0" err="1">
+                <a:latin typeface="Monaco" charset="0"/>
+                <a:ea typeface="Monaco" charset="0"/>
+                <a:cs typeface="Monaco" charset="0"/>
+              </a:rPr>
+              <a:t>walk_tree</a:t>
+            </a:r>
+            <a:r>
+              <a:rPr lang="en-US" sz="2200" dirty="0">
+                <a:latin typeface="Monaco" charset="0"/>
+                <a:ea typeface="Monaco" charset="0"/>
+                <a:cs typeface="Monaco" charset="0"/>
+              </a:rPr>
+              <a:t>(</a:t>
+            </a:r>
+            <a:r>
+              <a:rPr lang="en-US" sz="2200" dirty="0" err="1">
+                <a:latin typeface="Monaco" charset="0"/>
+                <a:ea typeface="Monaco" charset="0"/>
+                <a:cs typeface="Monaco" charset="0"/>
+              </a:rPr>
+              <a:t>p.right</a:t>
+            </a:r>
+            <a:r>
+              <a:rPr lang="en-US" sz="2200" dirty="0">
+                <a:latin typeface="Monaco" charset="0"/>
+                <a:ea typeface="Monaco" charset="0"/>
+                <a:cs typeface="Monaco" charset="0"/>
+              </a:rPr>
+              <a:t>)</a:t>
             </a:r>
           </a:p>
         </p:txBody>
@@ -5817,7 +7407,340 @@
     </p:spTree>
     <p:extLst>
       <p:ext uri="{BB962C8B-B14F-4D97-AF65-F5344CB8AC3E}">
-        <p14:creationId xmlns:p14="http://schemas.microsoft.com/office/powerpoint/2010/main" val="2871262269"/>
+        <p14:creationId xmlns:p14="http://schemas.microsoft.com/office/powerpoint/2010/main" val="2178768777"/>
+      </p:ext>
+    </p:extLst>
+  </p:cSld>
+  <p:clrMapOvr>
+    <a:masterClrMapping/>
+  </p:clrMapOvr>
+</p:sld>
+</file>
+
+<file path=ppt/slides/slide9.xml><?xml version="1.0" encoding="utf-8"?>
+<p:sld xmlns:a="http://schemas.openxmlformats.org/drawingml/2006/main" xmlns:r="http://schemas.openxmlformats.org/officeDocument/2006/relationships" xmlns:p="http://schemas.openxmlformats.org/presentationml/2006/main">
+  <p:cSld>
+    <p:spTree>
+      <p:nvGrpSpPr>
+        <p:cNvPr id="1" name=""/>
+        <p:cNvGrpSpPr/>
+        <p:nvPr/>
+      </p:nvGrpSpPr>
+      <p:grpSpPr>
+        <a:xfrm>
+          <a:off x="0" y="0"/>
+          <a:ext cx="0" cy="0"/>
+          <a:chOff x="0" y="0"/>
+          <a:chExt cx="0" cy="0"/>
+        </a:xfrm>
+      </p:grpSpPr>
+      <p:sp>
+        <p:nvSpPr>
+          <p:cNvPr id="2" name="Title 1">
+            <a:extLst>
+              <a:ext uri="{FF2B5EF4-FFF2-40B4-BE49-F238E27FC236}">
+                <a16:creationId xmlns:a16="http://schemas.microsoft.com/office/drawing/2014/main" id="{FDAF5562-A444-CF4E-B23D-7623228EA43C}"/>
+              </a:ext>
+            </a:extLst>
+          </p:cNvPr>
+          <p:cNvSpPr>
+            <a:spLocks noGrp="1"/>
+          </p:cNvSpPr>
+          <p:nvPr>
+            <p:ph type="title"/>
+          </p:nvPr>
+        </p:nvSpPr>
+        <p:spPr/>
+        <p:txBody>
+          <a:bodyPr/>
+          <a:lstStyle/>
+          <a:p>
+            <a:r>
+              <a:rPr lang="en-US" dirty="0"/>
+              <a:t>Manual graph construction</a:t>
+            </a:r>
+          </a:p>
+        </p:txBody>
+      </p:sp>
+      <p:sp>
+        <p:nvSpPr>
+          <p:cNvPr id="3" name="Content Placeholder 2">
+            <a:extLst>
+              <a:ext uri="{FF2B5EF4-FFF2-40B4-BE49-F238E27FC236}">
+                <a16:creationId xmlns:a16="http://schemas.microsoft.com/office/drawing/2014/main" id="{7971D18F-9104-CD43-8A7E-913F8568A828}"/>
+              </a:ext>
+            </a:extLst>
+          </p:cNvPr>
+          <p:cNvSpPr>
+            <a:spLocks noGrp="1"/>
+          </p:cNvSpPr>
+          <p:nvPr>
+            <p:ph idx="1"/>
+          </p:nvPr>
+        </p:nvSpPr>
+        <p:spPr/>
+        <p:txBody>
+          <a:bodyPr/>
+          <a:lstStyle/>
+          <a:p>
+            <a:r>
+              <a:rPr lang="en-US" b="1" dirty="0"/>
+              <a:t>Exercise</a:t>
+            </a:r>
+            <a:r>
+              <a:rPr lang="en-US" dirty="0"/>
+              <a:t>: Go to “Constructing graphs” section of link below, play with graph construction code to build different graphs.</a:t>
+            </a:r>
+          </a:p>
+          <a:p>
+            <a:r>
+              <a:rPr lang="en-US" dirty="0"/>
+              <a:t>(You need ”pip install </a:t>
+            </a:r>
+            <a:r>
+              <a:rPr lang="en-US" dirty="0" err="1"/>
+              <a:t>lolviz</a:t>
+            </a:r>
+            <a:r>
+              <a:rPr lang="en-US" dirty="0"/>
+              <a:t>” to visualize.)</a:t>
+            </a:r>
+          </a:p>
+        </p:txBody>
+      </p:sp>
+      <p:sp>
+        <p:nvSpPr>
+          <p:cNvPr id="4" name="Rectangle 3">
+            <a:extLst>
+              <a:ext uri="{FF2B5EF4-FFF2-40B4-BE49-F238E27FC236}">
+                <a16:creationId xmlns:a16="http://schemas.microsoft.com/office/drawing/2014/main" id="{FB6878FE-48C9-114D-AD67-B2A92793F309}"/>
+              </a:ext>
+            </a:extLst>
+          </p:cNvPr>
+          <p:cNvSpPr/>
+          <p:nvPr/>
+        </p:nvSpPr>
+        <p:spPr>
+          <a:xfrm>
+            <a:off x="762000" y="6176963"/>
+            <a:ext cx="7467600" cy="369332"/>
+          </a:xfrm>
+          <a:prstGeom prst="rect">
+            <a:avLst/>
+          </a:prstGeom>
+        </p:spPr>
+        <p:txBody>
+          <a:bodyPr wrap="square">
+            <a:spAutoFit/>
+          </a:bodyPr>
+          <a:lstStyle/>
+          <a:p>
+            <a:r>
+              <a:rPr lang="en-US" dirty="0"/>
+              <a:t>https://</a:t>
+            </a:r>
+            <a:r>
+              <a:rPr lang="en-US" dirty="0" err="1"/>
+              <a:t>github.com</a:t>
+            </a:r>
+            <a:r>
+              <a:rPr lang="en-US" dirty="0"/>
+              <a:t>/</a:t>
+            </a:r>
+            <a:r>
+              <a:rPr lang="en-US" dirty="0" err="1"/>
+              <a:t>parrt</a:t>
+            </a:r>
+            <a:r>
+              <a:rPr lang="en-US" dirty="0"/>
+              <a:t>/msds689/blob/master/notes/</a:t>
+            </a:r>
+            <a:r>
+              <a:rPr lang="en-US" dirty="0" err="1"/>
+              <a:t>walking.ipynb</a:t>
+            </a:r>
+            <a:endParaRPr lang="en-US" dirty="0"/>
+          </a:p>
+        </p:txBody>
+      </p:sp>
+      <p:sp>
+        <p:nvSpPr>
+          <p:cNvPr id="5" name="TextBox 4">
+            <a:extLst>
+              <a:ext uri="{FF2B5EF4-FFF2-40B4-BE49-F238E27FC236}">
+                <a16:creationId xmlns:a16="http://schemas.microsoft.com/office/drawing/2014/main" id="{5E0D579F-9116-314E-A31B-3D37BB7398D6}"/>
+              </a:ext>
+            </a:extLst>
+          </p:cNvPr>
+          <p:cNvSpPr txBox="1"/>
+          <p:nvPr/>
+        </p:nvSpPr>
+        <p:spPr>
+          <a:xfrm>
+            <a:off x="3135271" y="3427039"/>
+            <a:ext cx="5570985" cy="2308324"/>
+          </a:xfrm>
+          <a:prstGeom prst="rect">
+            <a:avLst/>
+          </a:prstGeom>
+          <a:noFill/>
+          <a:ln>
+            <a:solidFill>
+              <a:schemeClr val="accent1"/>
+            </a:solidFill>
+          </a:ln>
+        </p:spPr>
+        <p:txBody>
+          <a:bodyPr wrap="square" rtlCol="0">
+            <a:spAutoFit/>
+          </a:bodyPr>
+          <a:lstStyle/>
+          <a:p>
+            <a:r>
+              <a:rPr lang="en-US" sz="2400" dirty="0">
+                <a:latin typeface="Monaco" charset="0"/>
+                <a:ea typeface="Monaco" charset="0"/>
+                <a:cs typeface="Monaco" charset="0"/>
+              </a:rPr>
+              <a:t>class Node:</a:t>
+            </a:r>
+          </a:p>
+          <a:p>
+            <a:r>
+              <a:rPr lang="en-US" sz="2400" dirty="0">
+                <a:latin typeface="Monaco" charset="0"/>
+                <a:ea typeface="Monaco" charset="0"/>
+                <a:cs typeface="Monaco" charset="0"/>
+              </a:rPr>
+              <a:t>  def __</a:t>
+            </a:r>
+            <a:r>
+              <a:rPr lang="en-US" sz="2400" dirty="0" err="1">
+                <a:latin typeface="Monaco" charset="0"/>
+                <a:ea typeface="Monaco" charset="0"/>
+                <a:cs typeface="Monaco" charset="0"/>
+              </a:rPr>
+              <a:t>init</a:t>
+            </a:r>
+            <a:r>
+              <a:rPr lang="en-US" sz="2400" dirty="0">
+                <a:latin typeface="Monaco" charset="0"/>
+                <a:ea typeface="Monaco" charset="0"/>
+                <a:cs typeface="Monaco" charset="0"/>
+              </a:rPr>
+              <a:t>__(self, value):</a:t>
+            </a:r>
+          </a:p>
+          <a:p>
+            <a:r>
+              <a:rPr lang="en-US" sz="2400" dirty="0">
+                <a:latin typeface="Monaco" charset="0"/>
+                <a:ea typeface="Monaco" charset="0"/>
+                <a:cs typeface="Monaco" charset="0"/>
+              </a:rPr>
+              <a:t>    </a:t>
+            </a:r>
+            <a:r>
+              <a:rPr lang="en-US" sz="2400" dirty="0" err="1">
+                <a:latin typeface="Monaco" charset="0"/>
+                <a:ea typeface="Monaco" charset="0"/>
+                <a:cs typeface="Monaco" charset="0"/>
+              </a:rPr>
+              <a:t>self.value</a:t>
+            </a:r>
+            <a:r>
+              <a:rPr lang="en-US" sz="2400" dirty="0">
+                <a:latin typeface="Monaco" charset="0"/>
+                <a:ea typeface="Monaco" charset="0"/>
+                <a:cs typeface="Monaco" charset="0"/>
+              </a:rPr>
+              <a:t> = value</a:t>
+            </a:r>
+          </a:p>
+          <a:p>
+            <a:r>
+              <a:rPr lang="en-US" sz="2400" dirty="0">
+                <a:latin typeface="Monaco" charset="0"/>
+                <a:ea typeface="Monaco" charset="0"/>
+                <a:cs typeface="Monaco" charset="0"/>
+              </a:rPr>
+              <a:t>    </a:t>
+            </a:r>
+            <a:r>
+              <a:rPr lang="en-US" sz="2400" dirty="0" err="1">
+                <a:latin typeface="Monaco" charset="0"/>
+                <a:ea typeface="Monaco" charset="0"/>
+                <a:cs typeface="Monaco" charset="0"/>
+              </a:rPr>
+              <a:t>self.edges</a:t>
+            </a:r>
+            <a:r>
+              <a:rPr lang="en-US" sz="2400" dirty="0">
+                <a:latin typeface="Monaco" charset="0"/>
+                <a:ea typeface="Monaco" charset="0"/>
+                <a:cs typeface="Monaco" charset="0"/>
+              </a:rPr>
+              <a:t> = []</a:t>
+            </a:r>
+          </a:p>
+          <a:p>
+            <a:r>
+              <a:rPr lang="en-US" sz="2400" dirty="0">
+                <a:latin typeface="Monaco" charset="0"/>
+                <a:ea typeface="Monaco" charset="0"/>
+                <a:cs typeface="Monaco" charset="0"/>
+              </a:rPr>
+              <a:t>  def add(self, </a:t>
+            </a:r>
+            <a:r>
+              <a:rPr lang="en-US" sz="2400" dirty="0" err="1">
+                <a:latin typeface="Monaco" charset="0"/>
+                <a:ea typeface="Monaco" charset="0"/>
+                <a:cs typeface="Monaco" charset="0"/>
+              </a:rPr>
+              <a:t>target:Node</a:t>
+            </a:r>
+            <a:r>
+              <a:rPr lang="en-US" sz="2400" dirty="0">
+                <a:latin typeface="Monaco" charset="0"/>
+                <a:ea typeface="Monaco" charset="0"/>
+                <a:cs typeface="Monaco" charset="0"/>
+              </a:rPr>
+              <a:t>):</a:t>
+            </a:r>
+          </a:p>
+          <a:p>
+            <a:r>
+              <a:rPr lang="en-US" sz="2400" dirty="0">
+                <a:latin typeface="Monaco" charset="0"/>
+                <a:ea typeface="Monaco" charset="0"/>
+                <a:cs typeface="Monaco" charset="0"/>
+              </a:rPr>
+              <a:t>    </a:t>
+            </a:r>
+            <a:r>
+              <a:rPr lang="en-US" sz="2400" dirty="0" err="1">
+                <a:latin typeface="Monaco" charset="0"/>
+                <a:ea typeface="Monaco" charset="0"/>
+                <a:cs typeface="Monaco" charset="0"/>
+              </a:rPr>
+              <a:t>self.edges.append</a:t>
+            </a:r>
+            <a:r>
+              <a:rPr lang="en-US" sz="2400" dirty="0">
+                <a:latin typeface="Monaco" charset="0"/>
+                <a:ea typeface="Monaco" charset="0"/>
+                <a:cs typeface="Monaco" charset="0"/>
+              </a:rPr>
+              <a:t>(target)</a:t>
+            </a:r>
+          </a:p>
+        </p:txBody>
+      </p:sp>
+    </p:spTree>
+    <p:extLst>
+      <p:ext uri="{BB962C8B-B14F-4D97-AF65-F5344CB8AC3E}">
+        <p14:creationId xmlns:p14="http://schemas.microsoft.com/office/powerpoint/2010/main" val="1079673575"/>
       </p:ext>
     </p:extLst>
   </p:cSld>

--- a/notes/walking-structures.pptx
+++ b/notes/walking-structures.pptx
@@ -26,7 +26,7 @@
     <p:sldId id="297" r:id="rId14"/>
   </p:sldIdLst>
   <p:sldSz cx="12192000" cy="6858000"/>
-  <p:notesSz cx="6858000" cy="9144000"/>
+  <p:notesSz cx="9144000" cy="6858000"/>
   <p:defaultTextStyle>
     <a:defPPr>
       <a:defRPr lang="en-US"/>
@@ -168,7 +168,7 @@
         <p:spPr>
           <a:xfrm>
             <a:off x="0" y="0"/>
-            <a:ext cx="2971800" cy="458788"/>
+            <a:ext cx="3962400" cy="344091"/>
           </a:xfrm>
           <a:prstGeom prst="rect">
             <a:avLst/>
@@ -198,8 +198,8 @@
         </p:nvSpPr>
         <p:spPr>
           <a:xfrm>
-            <a:off x="3884613" y="0"/>
-            <a:ext cx="2971800" cy="458788"/>
+            <a:off x="5179484" y="0"/>
+            <a:ext cx="3962400" cy="344091"/>
           </a:xfrm>
           <a:prstGeom prst="rect">
             <a:avLst/>
@@ -233,8 +233,8 @@
         </p:nvSpPr>
         <p:spPr>
           <a:xfrm>
-            <a:off x="0" y="8685213"/>
-            <a:ext cx="2971800" cy="458787"/>
+            <a:off x="0" y="6513910"/>
+            <a:ext cx="3962400" cy="344090"/>
           </a:xfrm>
           <a:prstGeom prst="rect">
             <a:avLst/>
@@ -264,8 +264,8 @@
         </p:nvSpPr>
         <p:spPr>
           <a:xfrm>
-            <a:off x="3884613" y="8685213"/>
-            <a:ext cx="2971800" cy="458787"/>
+            <a:off x="5179484" y="6513910"/>
+            <a:ext cx="3962400" cy="344090"/>
           </a:xfrm>
           <a:prstGeom prst="rect">
             <a:avLst/>
@@ -333,7 +333,7 @@
         <p:spPr>
           <a:xfrm>
             <a:off x="0" y="0"/>
-            <a:ext cx="2971800" cy="458788"/>
+            <a:ext cx="3962400" cy="344091"/>
           </a:xfrm>
           <a:prstGeom prst="rect">
             <a:avLst/>
@@ -363,8 +363,8 @@
         </p:nvSpPr>
         <p:spPr>
           <a:xfrm>
-            <a:off x="3884613" y="0"/>
-            <a:ext cx="2971800" cy="458788"/>
+            <a:off x="5179484" y="0"/>
+            <a:ext cx="3962400" cy="344091"/>
           </a:xfrm>
           <a:prstGeom prst="rect">
             <a:avLst/>
@@ -398,8 +398,8 @@
         </p:nvSpPr>
         <p:spPr>
           <a:xfrm>
-            <a:off x="685800" y="1143000"/>
-            <a:ext cx="5486400" cy="3086100"/>
+            <a:off x="2514600" y="857250"/>
+            <a:ext cx="4114800" cy="2314575"/>
           </a:xfrm>
           <a:prstGeom prst="rect">
             <a:avLst/>
@@ -431,8 +431,8 @@
         </p:nvSpPr>
         <p:spPr>
           <a:xfrm>
-            <a:off x="685800" y="4400550"/>
-            <a:ext cx="5486400" cy="3600450"/>
+            <a:off x="914400" y="3300412"/>
+            <a:ext cx="7315200" cy="2700338"/>
           </a:xfrm>
           <a:prstGeom prst="rect">
             <a:avLst/>
@@ -490,8 +490,8 @@
         </p:nvSpPr>
         <p:spPr>
           <a:xfrm>
-            <a:off x="0" y="8685213"/>
-            <a:ext cx="2971800" cy="458787"/>
+            <a:off x="0" y="6513910"/>
+            <a:ext cx="3962400" cy="344090"/>
           </a:xfrm>
           <a:prstGeom prst="rect">
             <a:avLst/>
@@ -521,8 +521,8 @@
         </p:nvSpPr>
         <p:spPr>
           <a:xfrm>
-            <a:off x="3884613" y="8685213"/>
-            <a:ext cx="2971800" cy="458787"/>
+            <a:off x="5179484" y="6513910"/>
+            <a:ext cx="3962400" cy="344090"/>
           </a:xfrm>
           <a:prstGeom prst="rect">
             <a:avLst/>

--- a/notes/walking-structures.pptx
+++ b/notes/walking-structures.pptx
@@ -2,13 +2,13 @@
 <file path=ppt/presentation.xml><?xml version="1.0" encoding="utf-8"?>
 <p:presentation xmlns:a="http://schemas.openxmlformats.org/drawingml/2006/main" xmlns:r="http://schemas.openxmlformats.org/officeDocument/2006/relationships" xmlns:p="http://schemas.openxmlformats.org/presentationml/2006/main" saveSubsetFonts="1" autoCompressPictures="0">
   <p:sldMasterIdLst>
-    <p:sldMasterId id="2147483648" r:id="rId1"/>
+    <p:sldMasterId id="2147483672" r:id="rId1"/>
   </p:sldMasterIdLst>
   <p:notesMasterIdLst>
-    <p:notesMasterId r:id="rId15"/>
+    <p:notesMasterId r:id="rId17"/>
   </p:notesMasterIdLst>
   <p:handoutMasterIdLst>
-    <p:handoutMasterId r:id="rId16"/>
+    <p:handoutMasterId r:id="rId18"/>
   </p:handoutMasterIdLst>
   <p:sldIdLst>
     <p:sldId id="256" r:id="rId2"/>
@@ -19,11 +19,13 @@
     <p:sldId id="290" r:id="rId7"/>
     <p:sldId id="285" r:id="rId8"/>
     <p:sldId id="294" r:id="rId9"/>
-    <p:sldId id="293" r:id="rId10"/>
-    <p:sldId id="287" r:id="rId11"/>
-    <p:sldId id="295" r:id="rId12"/>
-    <p:sldId id="296" r:id="rId13"/>
-    <p:sldId id="297" r:id="rId14"/>
+    <p:sldId id="298" r:id="rId10"/>
+    <p:sldId id="295" r:id="rId11"/>
+    <p:sldId id="296" r:id="rId12"/>
+    <p:sldId id="293" r:id="rId13"/>
+    <p:sldId id="287" r:id="rId14"/>
+    <p:sldId id="299" r:id="rId15"/>
+    <p:sldId id="297" r:id="rId16"/>
   </p:sldIdLst>
   <p:sldSz cx="12192000" cy="6858000"/>
   <p:notesSz cx="9144000" cy="6858000"/>
@@ -137,9 +139,12 @@
 <p:handoutMaster xmlns:a="http://schemas.openxmlformats.org/drawingml/2006/main" xmlns:r="http://schemas.openxmlformats.org/officeDocument/2006/relationships" xmlns:p="http://schemas.openxmlformats.org/presentationml/2006/main">
   <p:cSld>
     <p:bg>
-      <p:bgRef idx="1001">
-        <a:schemeClr val="bg1"/>
-      </p:bgRef>
+      <p:bgPr>
+        <a:solidFill>
+          <a:schemeClr val="bg1"/>
+        </a:solidFill>
+        <a:effectLst/>
+      </p:bgPr>
     </p:bg>
     <p:spTree>
       <p:nvGrpSpPr>
@@ -215,7 +220,7 @@
           <a:p>
             <a:fld id="{8A1B613A-EFF1-404F-BEE8-EFAE84A4E5E2}" type="datetimeFigureOut">
               <a:rPr lang="en-US" smtClean="0"/>
-              <a:t>2/6/19</a:t>
+              <a:t>2/12/19</a:t>
             </a:fld>
             <a:endParaRPr lang="en-US"/>
           </a:p>
@@ -380,7 +385,7 @@
           <a:p>
             <a:fld id="{690847EA-AC25-3D4E-89E1-FD3F6A9702B6}" type="datetimeFigureOut">
               <a:rPr lang="en-US" smtClean="0"/>
-              <a:t>2/6/19</a:t>
+              <a:t>2/12/19</a:t>
             </a:fld>
             <a:endParaRPr lang="en-US"/>
           </a:p>
@@ -650,36 +655,6 @@
 <file path=ppt/slideLayouts/slideLayout1.xml><?xml version="1.0" encoding="utf-8"?>
 <p:sldLayout xmlns:a="http://schemas.openxmlformats.org/drawingml/2006/main" xmlns:r="http://schemas.openxmlformats.org/officeDocument/2006/relationships" xmlns:p="http://schemas.openxmlformats.org/presentationml/2006/main" type="title" preserve="1">
   <p:cSld name="Title Slide">
-    <p:bg>
-      <p:bgPr>
-        <a:gradFill flip="none" rotWithShape="1">
-          <a:gsLst>
-            <a:gs pos="0">
-              <a:schemeClr val="accent3">
-                <a:lumMod val="0"/>
-                <a:lumOff val="100000"/>
-              </a:schemeClr>
-            </a:gs>
-            <a:gs pos="35000">
-              <a:schemeClr val="accent3">
-                <a:lumMod val="0"/>
-                <a:lumOff val="100000"/>
-              </a:schemeClr>
-            </a:gs>
-            <a:gs pos="100000">
-              <a:schemeClr val="accent3">
-                <a:lumMod val="100000"/>
-              </a:schemeClr>
-            </a:gs>
-          </a:gsLst>
-          <a:path path="circle">
-            <a:fillToRect l="50000" t="-80000" r="50000" b="180000"/>
-          </a:path>
-          <a:tileRect/>
-        </a:gradFill>
-        <a:effectLst/>
-      </p:bgPr>
-    </p:bg>
     <p:spTree>
       <p:nvGrpSpPr>
         <p:cNvPr id="1" name=""/>
@@ -699,7 +674,7 @@
           <p:cNvPr id="2" name="Title 1">
             <a:extLst>
               <a:ext uri="{FF2B5EF4-FFF2-40B4-BE49-F238E27FC236}">
-                <a16:creationId xmlns:a16="http://schemas.microsoft.com/office/drawing/2014/main" id="{7F52FB7A-F12B-CD4D-8559-650F4868E982}"/>
+                <a16:creationId xmlns:a16="http://schemas.microsoft.com/office/drawing/2014/main" id="{FCECE00E-B2E2-4D43-8A21-E17BBDC017E1}"/>
               </a:ext>
             </a:extLst>
           </p:cNvPr>
@@ -728,7 +703,6 @@
               <a:rPr lang="en-US"/>
               <a:t>Click to edit Master title style</a:t>
             </a:r>
-            <a:endParaRPr lang="en-US" dirty="0"/>
           </a:p>
         </p:txBody>
       </p:sp>
@@ -737,7 +711,7 @@
           <p:cNvPr id="3" name="Subtitle 2">
             <a:extLst>
               <a:ext uri="{FF2B5EF4-FFF2-40B4-BE49-F238E27FC236}">
-                <a16:creationId xmlns:a16="http://schemas.microsoft.com/office/drawing/2014/main" id="{688CBB88-B56E-EA42-A61B-D3AB7F012C62}"/>
+                <a16:creationId xmlns:a16="http://schemas.microsoft.com/office/drawing/2014/main" id="{0C4C7E7C-3478-264C-BF00-D75996D63509}"/>
               </a:ext>
             </a:extLst>
           </p:cNvPr>
@@ -799,7 +773,6 @@
               <a:rPr lang="en-US"/>
               <a:t>Click to edit Master subtitle style</a:t>
             </a:r>
-            <a:endParaRPr lang="en-US" dirty="0"/>
           </a:p>
         </p:txBody>
       </p:sp>
@@ -808,7 +781,7 @@
           <p:cNvPr id="4" name="Date Placeholder 3">
             <a:extLst>
               <a:ext uri="{FF2B5EF4-FFF2-40B4-BE49-F238E27FC236}">
-                <a16:creationId xmlns:a16="http://schemas.microsoft.com/office/drawing/2014/main" id="{D39696A1-F8B2-954E-A5DA-2331840D05E7}"/>
+                <a16:creationId xmlns:a16="http://schemas.microsoft.com/office/drawing/2014/main" id="{64E1EB94-602A-4843-8753-4DB51430704B}"/>
               </a:ext>
             </a:extLst>
           </p:cNvPr>
@@ -826,48 +799,18 @@
           <a:p>
             <a:fld id="{BE5295ED-3BAF-1140-8495-3D368771D6B1}" type="datetimeFigureOut">
               <a:rPr lang="en-US" smtClean="0"/>
-              <a:t>2/6/19</a:t>
+              <a:t>2/12/19</a:t>
             </a:fld>
             <a:endParaRPr lang="en-US"/>
           </a:p>
         </p:txBody>
       </p:sp>
-      <p:pic>
-        <p:nvPicPr>
-          <p:cNvPr id="9" name="Picture 8">
-            <a:extLst>
-              <a:ext uri="{FF2B5EF4-FFF2-40B4-BE49-F238E27FC236}">
-                <a16:creationId xmlns:a16="http://schemas.microsoft.com/office/drawing/2014/main" id="{D37D1E7E-83ED-BD4B-A5AF-D8AC09D68B82}"/>
-              </a:ext>
-            </a:extLst>
-          </p:cNvPr>
-          <p:cNvPicPr>
-            <a:picLocks noChangeAspect="1"/>
-          </p:cNvPicPr>
-          <p:nvPr userDrawn="1"/>
-        </p:nvPicPr>
-        <p:blipFill>
-          <a:blip r:embed="rId2"/>
-          <a:stretch>
-            <a:fillRect/>
-          </a:stretch>
-        </p:blipFill>
-        <p:spPr>
-          <a:xfrm>
-            <a:off x="7854462" y="6283599"/>
-            <a:ext cx="4230446" cy="437876"/>
-          </a:xfrm>
-          <a:prstGeom prst="rect">
-            <a:avLst/>
-          </a:prstGeom>
-        </p:spPr>
-      </p:pic>
       <p:sp>
         <p:nvSpPr>
           <p:cNvPr id="5" name="Footer Placeholder 4">
             <a:extLst>
               <a:ext uri="{FF2B5EF4-FFF2-40B4-BE49-F238E27FC236}">
-                <a16:creationId xmlns:a16="http://schemas.microsoft.com/office/drawing/2014/main" id="{09C0CB5C-B84A-514A-A5A0-C5AC9E73E00D}"/>
+                <a16:creationId xmlns:a16="http://schemas.microsoft.com/office/drawing/2014/main" id="{FF136E26-0E46-B848-BBFC-A0D2BFA17F33}"/>
               </a:ext>
             </a:extLst>
           </p:cNvPr>
@@ -892,7 +835,7 @@
           <p:cNvPr id="6" name="Slide Number Placeholder 5">
             <a:extLst>
               <a:ext uri="{FF2B5EF4-FFF2-40B4-BE49-F238E27FC236}">
-                <a16:creationId xmlns:a16="http://schemas.microsoft.com/office/drawing/2014/main" id="{DE574622-2C96-C042-83BF-1A726042196F}"/>
+                <a16:creationId xmlns:a16="http://schemas.microsoft.com/office/drawing/2014/main" id="{CEAD4217-442E-6C4A-8D0F-CADFE9EACB6D}"/>
               </a:ext>
             </a:extLst>
           </p:cNvPr>
@@ -919,7 +862,7 @@
     </p:spTree>
     <p:extLst>
       <p:ext uri="{BB962C8B-B14F-4D97-AF65-F5344CB8AC3E}">
-        <p14:creationId xmlns:p14="http://schemas.microsoft.com/office/powerpoint/2010/main" val="1870774670"/>
+        <p14:creationId xmlns:p14="http://schemas.microsoft.com/office/powerpoint/2010/main" val="3922315868"/>
       </p:ext>
     </p:extLst>
   </p:cSld>
@@ -951,7 +894,7 @@
           <p:cNvPr id="2" name="Title 1">
             <a:extLst>
               <a:ext uri="{FF2B5EF4-FFF2-40B4-BE49-F238E27FC236}">
-                <a16:creationId xmlns:a16="http://schemas.microsoft.com/office/drawing/2014/main" id="{54AD0108-3981-1549-A4CB-4D0FE6FDB89F}"/>
+                <a16:creationId xmlns:a16="http://schemas.microsoft.com/office/drawing/2014/main" id="{F416C72F-B1B5-6442-B3EF-170DEDF83067}"/>
               </a:ext>
             </a:extLst>
           </p:cNvPr>
@@ -979,7 +922,7 @@
           <p:cNvPr id="3" name="Vertical Text Placeholder 2">
             <a:extLst>
               <a:ext uri="{FF2B5EF4-FFF2-40B4-BE49-F238E27FC236}">
-                <a16:creationId xmlns:a16="http://schemas.microsoft.com/office/drawing/2014/main" id="{8BE5A093-2AD2-9349-B50A-B7B88209B5BA}"/>
+                <a16:creationId xmlns:a16="http://schemas.microsoft.com/office/drawing/2014/main" id="{19182C6A-7EA1-C840-86BB-65DF578F4F4B}"/>
               </a:ext>
             </a:extLst>
           </p:cNvPr>
@@ -1036,7 +979,7 @@
           <p:cNvPr id="4" name="Date Placeholder 3">
             <a:extLst>
               <a:ext uri="{FF2B5EF4-FFF2-40B4-BE49-F238E27FC236}">
-                <a16:creationId xmlns:a16="http://schemas.microsoft.com/office/drawing/2014/main" id="{0AF4A06B-5DBB-424F-86C1-EE1F0C6A2ABE}"/>
+                <a16:creationId xmlns:a16="http://schemas.microsoft.com/office/drawing/2014/main" id="{DBCD3C4B-E6D4-B140-8126-90FD013DE38A}"/>
               </a:ext>
             </a:extLst>
           </p:cNvPr>
@@ -1054,7 +997,7 @@
           <a:p>
             <a:fld id="{BE5295ED-3BAF-1140-8495-3D368771D6B1}" type="datetimeFigureOut">
               <a:rPr lang="en-US" smtClean="0"/>
-              <a:t>2/6/19</a:t>
+              <a:t>2/12/19</a:t>
             </a:fld>
             <a:endParaRPr lang="en-US"/>
           </a:p>
@@ -1065,7 +1008,7 @@
           <p:cNvPr id="5" name="Footer Placeholder 4">
             <a:extLst>
               <a:ext uri="{FF2B5EF4-FFF2-40B4-BE49-F238E27FC236}">
-                <a16:creationId xmlns:a16="http://schemas.microsoft.com/office/drawing/2014/main" id="{9613209C-1F52-C646-8EE1-58E8EB857566}"/>
+                <a16:creationId xmlns:a16="http://schemas.microsoft.com/office/drawing/2014/main" id="{E26FD8A5-25AB-2742-9333-F1864AA98C6D}"/>
               </a:ext>
             </a:extLst>
           </p:cNvPr>
@@ -1090,7 +1033,7 @@
           <p:cNvPr id="6" name="Slide Number Placeholder 5">
             <a:extLst>
               <a:ext uri="{FF2B5EF4-FFF2-40B4-BE49-F238E27FC236}">
-                <a16:creationId xmlns:a16="http://schemas.microsoft.com/office/drawing/2014/main" id="{FE82EF7B-DC76-6F4E-8772-BDFDBF4B2998}"/>
+                <a16:creationId xmlns:a16="http://schemas.microsoft.com/office/drawing/2014/main" id="{B4FFBFCA-F2F7-544E-BB46-A887273990B8}"/>
               </a:ext>
             </a:extLst>
           </p:cNvPr>
@@ -1117,7 +1060,7 @@
     </p:spTree>
     <p:extLst>
       <p:ext uri="{BB962C8B-B14F-4D97-AF65-F5344CB8AC3E}">
-        <p14:creationId xmlns:p14="http://schemas.microsoft.com/office/powerpoint/2010/main" val="3503102968"/>
+        <p14:creationId xmlns:p14="http://schemas.microsoft.com/office/powerpoint/2010/main" val="1217018133"/>
       </p:ext>
     </p:extLst>
   </p:cSld>
@@ -1149,7 +1092,7 @@
           <p:cNvPr id="2" name="Vertical Title 1">
             <a:extLst>
               <a:ext uri="{FF2B5EF4-FFF2-40B4-BE49-F238E27FC236}">
-                <a16:creationId xmlns:a16="http://schemas.microsoft.com/office/drawing/2014/main" id="{840C42BC-E1BF-794A-BEEC-437117636224}"/>
+                <a16:creationId xmlns:a16="http://schemas.microsoft.com/office/drawing/2014/main" id="{A54E5286-71CD-184D-922F-2C587370C871}"/>
               </a:ext>
             </a:extLst>
           </p:cNvPr>
@@ -1182,7 +1125,7 @@
           <p:cNvPr id="3" name="Vertical Text Placeholder 2">
             <a:extLst>
               <a:ext uri="{FF2B5EF4-FFF2-40B4-BE49-F238E27FC236}">
-                <a16:creationId xmlns:a16="http://schemas.microsoft.com/office/drawing/2014/main" id="{64FC45AD-B77B-694D-92CA-D4FA914DE835}"/>
+                <a16:creationId xmlns:a16="http://schemas.microsoft.com/office/drawing/2014/main" id="{8E6C93D7-83D1-8740-A256-2B405524A089}"/>
               </a:ext>
             </a:extLst>
           </p:cNvPr>
@@ -1244,7 +1187,7 @@
           <p:cNvPr id="4" name="Date Placeholder 3">
             <a:extLst>
               <a:ext uri="{FF2B5EF4-FFF2-40B4-BE49-F238E27FC236}">
-                <a16:creationId xmlns:a16="http://schemas.microsoft.com/office/drawing/2014/main" id="{B58149C7-B7AF-EE43-98CF-1D7CBDC4C51C}"/>
+                <a16:creationId xmlns:a16="http://schemas.microsoft.com/office/drawing/2014/main" id="{C7CCB8DC-90E9-1D49-B70B-5103FBBD3972}"/>
               </a:ext>
             </a:extLst>
           </p:cNvPr>
@@ -1262,7 +1205,7 @@
           <a:p>
             <a:fld id="{BE5295ED-3BAF-1140-8495-3D368771D6B1}" type="datetimeFigureOut">
               <a:rPr lang="en-US" smtClean="0"/>
-              <a:t>2/6/19</a:t>
+              <a:t>2/12/19</a:t>
             </a:fld>
             <a:endParaRPr lang="en-US"/>
           </a:p>
@@ -1273,7 +1216,7 @@
           <p:cNvPr id="5" name="Footer Placeholder 4">
             <a:extLst>
               <a:ext uri="{FF2B5EF4-FFF2-40B4-BE49-F238E27FC236}">
-                <a16:creationId xmlns:a16="http://schemas.microsoft.com/office/drawing/2014/main" id="{8AE26FA7-F97E-754E-B4CA-D37F6E57F82F}"/>
+                <a16:creationId xmlns:a16="http://schemas.microsoft.com/office/drawing/2014/main" id="{0997D847-8768-9843-9B66-E6B3989BA3D2}"/>
               </a:ext>
             </a:extLst>
           </p:cNvPr>
@@ -1298,7 +1241,7 @@
           <p:cNvPr id="6" name="Slide Number Placeholder 5">
             <a:extLst>
               <a:ext uri="{FF2B5EF4-FFF2-40B4-BE49-F238E27FC236}">
-                <a16:creationId xmlns:a16="http://schemas.microsoft.com/office/drawing/2014/main" id="{B97E1139-0060-E346-9F3F-28F3A5272DF9}"/>
+                <a16:creationId xmlns:a16="http://schemas.microsoft.com/office/drawing/2014/main" id="{8E82CB94-E0A6-3E47-9F30-8DEB64C2027C}"/>
               </a:ext>
             </a:extLst>
           </p:cNvPr>
@@ -1325,7 +1268,7 @@
     </p:spTree>
     <p:extLst>
       <p:ext uri="{BB962C8B-B14F-4D97-AF65-F5344CB8AC3E}">
-        <p14:creationId xmlns:p14="http://schemas.microsoft.com/office/powerpoint/2010/main" val="3473483324"/>
+        <p14:creationId xmlns:p14="http://schemas.microsoft.com/office/powerpoint/2010/main" val="281686381"/>
       </p:ext>
     </p:extLst>
   </p:cSld>
@@ -1357,7 +1300,7 @@
           <p:cNvPr id="2" name="Title 1">
             <a:extLst>
               <a:ext uri="{FF2B5EF4-FFF2-40B4-BE49-F238E27FC236}">
-                <a16:creationId xmlns:a16="http://schemas.microsoft.com/office/drawing/2014/main" id="{DE8803A6-7D46-8F41-8AFA-F2DCEB5BCD6E}"/>
+                <a16:creationId xmlns:a16="http://schemas.microsoft.com/office/drawing/2014/main" id="{B8842375-E5EF-4D4E-AFD0-A94090E7DB29}"/>
               </a:ext>
             </a:extLst>
           </p:cNvPr>
@@ -1385,7 +1328,7 @@
           <p:cNvPr id="3" name="Content Placeholder 2">
             <a:extLst>
               <a:ext uri="{FF2B5EF4-FFF2-40B4-BE49-F238E27FC236}">
-                <a16:creationId xmlns:a16="http://schemas.microsoft.com/office/drawing/2014/main" id="{66CB9CE8-C78D-C445-BCD6-A816A89CE00B}"/>
+                <a16:creationId xmlns:a16="http://schemas.microsoft.com/office/drawing/2014/main" id="{F366F610-FF9B-2A4B-8E35-314B0D78D9D8}"/>
               </a:ext>
             </a:extLst>
           </p:cNvPr>
@@ -1442,7 +1385,7 @@
           <p:cNvPr id="4" name="Date Placeholder 3">
             <a:extLst>
               <a:ext uri="{FF2B5EF4-FFF2-40B4-BE49-F238E27FC236}">
-                <a16:creationId xmlns:a16="http://schemas.microsoft.com/office/drawing/2014/main" id="{578F461B-9225-E941-B67E-F1CFC15D204F}"/>
+                <a16:creationId xmlns:a16="http://schemas.microsoft.com/office/drawing/2014/main" id="{1561E808-F7D2-E84B-8CD4-83F18272EA72}"/>
               </a:ext>
             </a:extLst>
           </p:cNvPr>
@@ -1460,7 +1403,7 @@
           <a:p>
             <a:fld id="{BE5295ED-3BAF-1140-8495-3D368771D6B1}" type="datetimeFigureOut">
               <a:rPr lang="en-US" smtClean="0"/>
-              <a:t>2/6/19</a:t>
+              <a:t>2/12/19</a:t>
             </a:fld>
             <a:endParaRPr lang="en-US"/>
           </a:p>
@@ -1471,7 +1414,7 @@
           <p:cNvPr id="5" name="Footer Placeholder 4">
             <a:extLst>
               <a:ext uri="{FF2B5EF4-FFF2-40B4-BE49-F238E27FC236}">
-                <a16:creationId xmlns:a16="http://schemas.microsoft.com/office/drawing/2014/main" id="{DEAF1779-EEC5-F146-A237-56494528F2A0}"/>
+                <a16:creationId xmlns:a16="http://schemas.microsoft.com/office/drawing/2014/main" id="{7B3AD9A1-B1EC-984E-A23E-0ECF6F652482}"/>
               </a:ext>
             </a:extLst>
           </p:cNvPr>
@@ -1496,7 +1439,7 @@
           <p:cNvPr id="6" name="Slide Number Placeholder 5">
             <a:extLst>
               <a:ext uri="{FF2B5EF4-FFF2-40B4-BE49-F238E27FC236}">
-                <a16:creationId xmlns:a16="http://schemas.microsoft.com/office/drawing/2014/main" id="{BFDDC0FB-2EE9-7F42-B0DF-CFF627C92561}"/>
+                <a16:creationId xmlns:a16="http://schemas.microsoft.com/office/drawing/2014/main" id="{01BFD94D-9604-2A43-AADF-14B0876B6EBB}"/>
               </a:ext>
             </a:extLst>
           </p:cNvPr>
@@ -1523,7 +1466,7 @@
     </p:spTree>
     <p:extLst>
       <p:ext uri="{BB962C8B-B14F-4D97-AF65-F5344CB8AC3E}">
-        <p14:creationId xmlns:p14="http://schemas.microsoft.com/office/powerpoint/2010/main" val="1599390684"/>
+        <p14:creationId xmlns:p14="http://schemas.microsoft.com/office/powerpoint/2010/main" val="262241414"/>
       </p:ext>
     </p:extLst>
   </p:cSld>
@@ -1555,7 +1498,7 @@
           <p:cNvPr id="2" name="Title 1">
             <a:extLst>
               <a:ext uri="{FF2B5EF4-FFF2-40B4-BE49-F238E27FC236}">
-                <a16:creationId xmlns:a16="http://schemas.microsoft.com/office/drawing/2014/main" id="{F356AC19-07B6-0644-A04B-3160E5287583}"/>
+                <a16:creationId xmlns:a16="http://schemas.microsoft.com/office/drawing/2014/main" id="{771589AC-2242-B445-BBEA-95D500596EE6}"/>
               </a:ext>
             </a:extLst>
           </p:cNvPr>
@@ -1592,7 +1535,7 @@
           <p:cNvPr id="3" name="Text Placeholder 2">
             <a:extLst>
               <a:ext uri="{FF2B5EF4-FFF2-40B4-BE49-F238E27FC236}">
-                <a16:creationId xmlns:a16="http://schemas.microsoft.com/office/drawing/2014/main" id="{47B01923-58A4-F843-9053-52A8CD139D11}"/>
+                <a16:creationId xmlns:a16="http://schemas.microsoft.com/office/drawing/2014/main" id="{255D194C-D171-4B45-BA38-8D16CD1C3449}"/>
               </a:ext>
             </a:extLst>
           </p:cNvPr>
@@ -1717,7 +1660,7 @@
           <p:cNvPr id="4" name="Date Placeholder 3">
             <a:extLst>
               <a:ext uri="{FF2B5EF4-FFF2-40B4-BE49-F238E27FC236}">
-                <a16:creationId xmlns:a16="http://schemas.microsoft.com/office/drawing/2014/main" id="{BC87314D-7828-F741-9D95-55EC91A61391}"/>
+                <a16:creationId xmlns:a16="http://schemas.microsoft.com/office/drawing/2014/main" id="{68A38244-2F9E-AB4A-B300-488462389FF9}"/>
               </a:ext>
             </a:extLst>
           </p:cNvPr>
@@ -1735,7 +1678,7 @@
           <a:p>
             <a:fld id="{BE5295ED-3BAF-1140-8495-3D368771D6B1}" type="datetimeFigureOut">
               <a:rPr lang="en-US" smtClean="0"/>
-              <a:t>2/6/19</a:t>
+              <a:t>2/12/19</a:t>
             </a:fld>
             <a:endParaRPr lang="en-US"/>
           </a:p>
@@ -1746,7 +1689,7 @@
           <p:cNvPr id="5" name="Footer Placeholder 4">
             <a:extLst>
               <a:ext uri="{FF2B5EF4-FFF2-40B4-BE49-F238E27FC236}">
-                <a16:creationId xmlns:a16="http://schemas.microsoft.com/office/drawing/2014/main" id="{C32D0851-13E6-424D-9C2E-1FAE4644C813}"/>
+                <a16:creationId xmlns:a16="http://schemas.microsoft.com/office/drawing/2014/main" id="{B33A7B5A-1475-C94F-AD18-1726D2BA89C2}"/>
               </a:ext>
             </a:extLst>
           </p:cNvPr>
@@ -1771,7 +1714,7 @@
           <p:cNvPr id="6" name="Slide Number Placeholder 5">
             <a:extLst>
               <a:ext uri="{FF2B5EF4-FFF2-40B4-BE49-F238E27FC236}">
-                <a16:creationId xmlns:a16="http://schemas.microsoft.com/office/drawing/2014/main" id="{E90D49C9-EC39-7F42-A3C5-326D1EF2DF29}"/>
+                <a16:creationId xmlns:a16="http://schemas.microsoft.com/office/drawing/2014/main" id="{8069DDF6-CCE5-3946-8A72-14D318AB4D22}"/>
               </a:ext>
             </a:extLst>
           </p:cNvPr>
@@ -1798,7 +1741,7 @@
     </p:spTree>
     <p:extLst>
       <p:ext uri="{BB962C8B-B14F-4D97-AF65-F5344CB8AC3E}">
-        <p14:creationId xmlns:p14="http://schemas.microsoft.com/office/powerpoint/2010/main" val="2025852139"/>
+        <p14:creationId xmlns:p14="http://schemas.microsoft.com/office/powerpoint/2010/main" val="3211843983"/>
       </p:ext>
     </p:extLst>
   </p:cSld>
@@ -1830,7 +1773,7 @@
           <p:cNvPr id="2" name="Title 1">
             <a:extLst>
               <a:ext uri="{FF2B5EF4-FFF2-40B4-BE49-F238E27FC236}">
-                <a16:creationId xmlns:a16="http://schemas.microsoft.com/office/drawing/2014/main" id="{07AA3E1F-D8B9-BF42-8A66-0B4BB621D4EE}"/>
+                <a16:creationId xmlns:a16="http://schemas.microsoft.com/office/drawing/2014/main" id="{AC1D2791-2196-8F4F-AD62-59B19A8810A3}"/>
               </a:ext>
             </a:extLst>
           </p:cNvPr>
@@ -1858,7 +1801,7 @@
           <p:cNvPr id="3" name="Content Placeholder 2">
             <a:extLst>
               <a:ext uri="{FF2B5EF4-FFF2-40B4-BE49-F238E27FC236}">
-                <a16:creationId xmlns:a16="http://schemas.microsoft.com/office/drawing/2014/main" id="{98FF2411-0A6B-CE40-888E-DF6851057E2E}"/>
+                <a16:creationId xmlns:a16="http://schemas.microsoft.com/office/drawing/2014/main" id="{3962F23A-0A28-6141-B0BF-D7B92C213877}"/>
               </a:ext>
             </a:extLst>
           </p:cNvPr>
@@ -1920,7 +1863,7 @@
           <p:cNvPr id="4" name="Content Placeholder 3">
             <a:extLst>
               <a:ext uri="{FF2B5EF4-FFF2-40B4-BE49-F238E27FC236}">
-                <a16:creationId xmlns:a16="http://schemas.microsoft.com/office/drawing/2014/main" id="{9BA4D581-7115-1543-BEFA-9BDA990CC539}"/>
+                <a16:creationId xmlns:a16="http://schemas.microsoft.com/office/drawing/2014/main" id="{C36DF3E7-529D-1C40-B815-3C505F4D107E}"/>
               </a:ext>
             </a:extLst>
           </p:cNvPr>
@@ -1982,7 +1925,7 @@
           <p:cNvPr id="5" name="Date Placeholder 4">
             <a:extLst>
               <a:ext uri="{FF2B5EF4-FFF2-40B4-BE49-F238E27FC236}">
-                <a16:creationId xmlns:a16="http://schemas.microsoft.com/office/drawing/2014/main" id="{0E2641F9-C3D3-084B-B988-17CA1EABF878}"/>
+                <a16:creationId xmlns:a16="http://schemas.microsoft.com/office/drawing/2014/main" id="{ECFEE966-F172-8C42-A9F6-013C2A368C90}"/>
               </a:ext>
             </a:extLst>
           </p:cNvPr>
@@ -2000,7 +1943,7 @@
           <a:p>
             <a:fld id="{BE5295ED-3BAF-1140-8495-3D368771D6B1}" type="datetimeFigureOut">
               <a:rPr lang="en-US" smtClean="0"/>
-              <a:t>2/6/19</a:t>
+              <a:t>2/12/19</a:t>
             </a:fld>
             <a:endParaRPr lang="en-US"/>
           </a:p>
@@ -2011,7 +1954,7 @@
           <p:cNvPr id="6" name="Footer Placeholder 5">
             <a:extLst>
               <a:ext uri="{FF2B5EF4-FFF2-40B4-BE49-F238E27FC236}">
-                <a16:creationId xmlns:a16="http://schemas.microsoft.com/office/drawing/2014/main" id="{AAD4858C-8C04-8743-B0F9-F00677985506}"/>
+                <a16:creationId xmlns:a16="http://schemas.microsoft.com/office/drawing/2014/main" id="{54FDED73-DCFA-6648-B65F-CBEDB1D3556B}"/>
               </a:ext>
             </a:extLst>
           </p:cNvPr>
@@ -2036,7 +1979,7 @@
           <p:cNvPr id="7" name="Slide Number Placeholder 6">
             <a:extLst>
               <a:ext uri="{FF2B5EF4-FFF2-40B4-BE49-F238E27FC236}">
-                <a16:creationId xmlns:a16="http://schemas.microsoft.com/office/drawing/2014/main" id="{39361CAC-0734-F24D-9D05-BAA72489F4AF}"/>
+                <a16:creationId xmlns:a16="http://schemas.microsoft.com/office/drawing/2014/main" id="{F3D072AD-ADC5-2943-B36C-F14AE6555C55}"/>
               </a:ext>
             </a:extLst>
           </p:cNvPr>
@@ -2063,7 +2006,7 @@
     </p:spTree>
     <p:extLst>
       <p:ext uri="{BB962C8B-B14F-4D97-AF65-F5344CB8AC3E}">
-        <p14:creationId xmlns:p14="http://schemas.microsoft.com/office/powerpoint/2010/main" val="1475799953"/>
+        <p14:creationId xmlns:p14="http://schemas.microsoft.com/office/powerpoint/2010/main" val="3021358687"/>
       </p:ext>
     </p:extLst>
   </p:cSld>
@@ -2095,7 +2038,7 @@
           <p:cNvPr id="2" name="Title 1">
             <a:extLst>
               <a:ext uri="{FF2B5EF4-FFF2-40B4-BE49-F238E27FC236}">
-                <a16:creationId xmlns:a16="http://schemas.microsoft.com/office/drawing/2014/main" id="{3C8E1E6B-81D0-B64C-A830-30B6E4083065}"/>
+                <a16:creationId xmlns:a16="http://schemas.microsoft.com/office/drawing/2014/main" id="{478E3FB4-66D6-9040-98CF-3DE68ABAAB18}"/>
               </a:ext>
             </a:extLst>
           </p:cNvPr>
@@ -2128,7 +2071,7 @@
           <p:cNvPr id="3" name="Text Placeholder 2">
             <a:extLst>
               <a:ext uri="{FF2B5EF4-FFF2-40B4-BE49-F238E27FC236}">
-                <a16:creationId xmlns:a16="http://schemas.microsoft.com/office/drawing/2014/main" id="{29B405A4-EAA4-5447-AAB9-39AC9B0B5FB4}"/>
+                <a16:creationId xmlns:a16="http://schemas.microsoft.com/office/drawing/2014/main" id="{C3B9CBA2-D589-E342-B02C-AFD0528E353B}"/>
               </a:ext>
             </a:extLst>
           </p:cNvPr>
@@ -2199,7 +2142,7 @@
           <p:cNvPr id="4" name="Content Placeholder 3">
             <a:extLst>
               <a:ext uri="{FF2B5EF4-FFF2-40B4-BE49-F238E27FC236}">
-                <a16:creationId xmlns:a16="http://schemas.microsoft.com/office/drawing/2014/main" id="{BC6A46CB-5940-1340-AE42-99C42BBA88F7}"/>
+                <a16:creationId xmlns:a16="http://schemas.microsoft.com/office/drawing/2014/main" id="{F570E95A-9A57-7F42-A0D4-A9C36B16D13C}"/>
               </a:ext>
             </a:extLst>
           </p:cNvPr>
@@ -2261,7 +2204,7 @@
           <p:cNvPr id="5" name="Text Placeholder 4">
             <a:extLst>
               <a:ext uri="{FF2B5EF4-FFF2-40B4-BE49-F238E27FC236}">
-                <a16:creationId xmlns:a16="http://schemas.microsoft.com/office/drawing/2014/main" id="{5AABB1F0-6F50-BD42-93D9-BCBB5339B228}"/>
+                <a16:creationId xmlns:a16="http://schemas.microsoft.com/office/drawing/2014/main" id="{B6A72F40-C7A9-CC45-82FB-CCCE1FE08B0B}"/>
               </a:ext>
             </a:extLst>
           </p:cNvPr>
@@ -2332,7 +2275,7 @@
           <p:cNvPr id="6" name="Content Placeholder 5">
             <a:extLst>
               <a:ext uri="{FF2B5EF4-FFF2-40B4-BE49-F238E27FC236}">
-                <a16:creationId xmlns:a16="http://schemas.microsoft.com/office/drawing/2014/main" id="{026D6CE6-9799-C543-AE82-CE9E9ED9B5AC}"/>
+                <a16:creationId xmlns:a16="http://schemas.microsoft.com/office/drawing/2014/main" id="{9FDA6D2A-2E9D-714C-B9CB-D0F9D788FCD3}"/>
               </a:ext>
             </a:extLst>
           </p:cNvPr>
@@ -2394,7 +2337,7 @@
           <p:cNvPr id="7" name="Date Placeholder 6">
             <a:extLst>
               <a:ext uri="{FF2B5EF4-FFF2-40B4-BE49-F238E27FC236}">
-                <a16:creationId xmlns:a16="http://schemas.microsoft.com/office/drawing/2014/main" id="{95E3C5AE-6923-5E44-AA54-47980E1298C1}"/>
+                <a16:creationId xmlns:a16="http://schemas.microsoft.com/office/drawing/2014/main" id="{1B7F3C0C-4D75-9C49-9075-FA8B3D33CF9B}"/>
               </a:ext>
             </a:extLst>
           </p:cNvPr>
@@ -2412,7 +2355,7 @@
           <a:p>
             <a:fld id="{BE5295ED-3BAF-1140-8495-3D368771D6B1}" type="datetimeFigureOut">
               <a:rPr lang="en-US" smtClean="0"/>
-              <a:t>2/6/19</a:t>
+              <a:t>2/12/19</a:t>
             </a:fld>
             <a:endParaRPr lang="en-US"/>
           </a:p>
@@ -2423,7 +2366,7 @@
           <p:cNvPr id="8" name="Footer Placeholder 7">
             <a:extLst>
               <a:ext uri="{FF2B5EF4-FFF2-40B4-BE49-F238E27FC236}">
-                <a16:creationId xmlns:a16="http://schemas.microsoft.com/office/drawing/2014/main" id="{F4AFB1E3-6828-E94D-AAA8-F7B6244938AD}"/>
+                <a16:creationId xmlns:a16="http://schemas.microsoft.com/office/drawing/2014/main" id="{9788C8FA-359A-5447-AA0E-98D16ECCC92D}"/>
               </a:ext>
             </a:extLst>
           </p:cNvPr>
@@ -2448,7 +2391,7 @@
           <p:cNvPr id="9" name="Slide Number Placeholder 8">
             <a:extLst>
               <a:ext uri="{FF2B5EF4-FFF2-40B4-BE49-F238E27FC236}">
-                <a16:creationId xmlns:a16="http://schemas.microsoft.com/office/drawing/2014/main" id="{D81DD239-2AB5-E34B-9A56-32C9F61E1CE1}"/>
+                <a16:creationId xmlns:a16="http://schemas.microsoft.com/office/drawing/2014/main" id="{3D69C8CD-0DF6-4E4C-A412-31B03845FA24}"/>
               </a:ext>
             </a:extLst>
           </p:cNvPr>
@@ -2475,7 +2418,7 @@
     </p:spTree>
     <p:extLst>
       <p:ext uri="{BB962C8B-B14F-4D97-AF65-F5344CB8AC3E}">
-        <p14:creationId xmlns:p14="http://schemas.microsoft.com/office/powerpoint/2010/main" val="3737698256"/>
+        <p14:creationId xmlns:p14="http://schemas.microsoft.com/office/powerpoint/2010/main" val="1893173265"/>
       </p:ext>
     </p:extLst>
   </p:cSld>
@@ -2507,7 +2450,7 @@
           <p:cNvPr id="2" name="Title 1">
             <a:extLst>
               <a:ext uri="{FF2B5EF4-FFF2-40B4-BE49-F238E27FC236}">
-                <a16:creationId xmlns:a16="http://schemas.microsoft.com/office/drawing/2014/main" id="{80FD57B6-4625-2149-BB04-012454937A75}"/>
+                <a16:creationId xmlns:a16="http://schemas.microsoft.com/office/drawing/2014/main" id="{13C48C8E-A743-0B4F-AB6E-AB828F1218C8}"/>
               </a:ext>
             </a:extLst>
           </p:cNvPr>
@@ -2535,7 +2478,7 @@
           <p:cNvPr id="3" name="Date Placeholder 2">
             <a:extLst>
               <a:ext uri="{FF2B5EF4-FFF2-40B4-BE49-F238E27FC236}">
-                <a16:creationId xmlns:a16="http://schemas.microsoft.com/office/drawing/2014/main" id="{7067FAF0-5A46-1542-A59B-4155824CAB3A}"/>
+                <a16:creationId xmlns:a16="http://schemas.microsoft.com/office/drawing/2014/main" id="{70FAB17F-6D86-B147-9346-A9B5242FC803}"/>
               </a:ext>
             </a:extLst>
           </p:cNvPr>
@@ -2553,7 +2496,7 @@
           <a:p>
             <a:fld id="{BE5295ED-3BAF-1140-8495-3D368771D6B1}" type="datetimeFigureOut">
               <a:rPr lang="en-US" smtClean="0"/>
-              <a:t>2/6/19</a:t>
+              <a:t>2/12/19</a:t>
             </a:fld>
             <a:endParaRPr lang="en-US"/>
           </a:p>
@@ -2564,7 +2507,7 @@
           <p:cNvPr id="4" name="Footer Placeholder 3">
             <a:extLst>
               <a:ext uri="{FF2B5EF4-FFF2-40B4-BE49-F238E27FC236}">
-                <a16:creationId xmlns:a16="http://schemas.microsoft.com/office/drawing/2014/main" id="{6561CD37-7AB8-114F-B8A6-411954022946}"/>
+                <a16:creationId xmlns:a16="http://schemas.microsoft.com/office/drawing/2014/main" id="{4B8A6F49-DCD7-7B4B-8496-2547B2A81C83}"/>
               </a:ext>
             </a:extLst>
           </p:cNvPr>
@@ -2589,7 +2532,7 @@
           <p:cNvPr id="5" name="Slide Number Placeholder 4">
             <a:extLst>
               <a:ext uri="{FF2B5EF4-FFF2-40B4-BE49-F238E27FC236}">
-                <a16:creationId xmlns:a16="http://schemas.microsoft.com/office/drawing/2014/main" id="{874264D7-8895-EE45-9658-C5FF8F42DA51}"/>
+                <a16:creationId xmlns:a16="http://schemas.microsoft.com/office/drawing/2014/main" id="{D4D1F89D-8541-BB4B-A145-D0DC66605C91}"/>
               </a:ext>
             </a:extLst>
           </p:cNvPr>
@@ -2616,7 +2559,7 @@
     </p:spTree>
     <p:extLst>
       <p:ext uri="{BB962C8B-B14F-4D97-AF65-F5344CB8AC3E}">
-        <p14:creationId xmlns:p14="http://schemas.microsoft.com/office/powerpoint/2010/main" val="2533307103"/>
+        <p14:creationId xmlns:p14="http://schemas.microsoft.com/office/powerpoint/2010/main" val="3749689027"/>
       </p:ext>
     </p:extLst>
   </p:cSld>
@@ -2648,7 +2591,7 @@
           <p:cNvPr id="2" name="Date Placeholder 1">
             <a:extLst>
               <a:ext uri="{FF2B5EF4-FFF2-40B4-BE49-F238E27FC236}">
-                <a16:creationId xmlns:a16="http://schemas.microsoft.com/office/drawing/2014/main" id="{EF8BB7FA-2258-C64B-9A1D-816834763FBE}"/>
+                <a16:creationId xmlns:a16="http://schemas.microsoft.com/office/drawing/2014/main" id="{AD68AA44-A589-744E-AB85-5B6ED8E7D8C0}"/>
               </a:ext>
             </a:extLst>
           </p:cNvPr>
@@ -2666,7 +2609,7 @@
           <a:p>
             <a:fld id="{BE5295ED-3BAF-1140-8495-3D368771D6B1}" type="datetimeFigureOut">
               <a:rPr lang="en-US" smtClean="0"/>
-              <a:t>2/6/19</a:t>
+              <a:t>2/12/19</a:t>
             </a:fld>
             <a:endParaRPr lang="en-US"/>
           </a:p>
@@ -2677,7 +2620,7 @@
           <p:cNvPr id="3" name="Footer Placeholder 2">
             <a:extLst>
               <a:ext uri="{FF2B5EF4-FFF2-40B4-BE49-F238E27FC236}">
-                <a16:creationId xmlns:a16="http://schemas.microsoft.com/office/drawing/2014/main" id="{307C2AD0-8E67-9E4C-A046-98757BA7AE48}"/>
+                <a16:creationId xmlns:a16="http://schemas.microsoft.com/office/drawing/2014/main" id="{1CA0E6D3-947A-FA4D-8626-2883D14EFE8D}"/>
               </a:ext>
             </a:extLst>
           </p:cNvPr>
@@ -2702,7 +2645,7 @@
           <p:cNvPr id="4" name="Slide Number Placeholder 3">
             <a:extLst>
               <a:ext uri="{FF2B5EF4-FFF2-40B4-BE49-F238E27FC236}">
-                <a16:creationId xmlns:a16="http://schemas.microsoft.com/office/drawing/2014/main" id="{909EE54A-96EF-5D44-ABA5-5EDA7C0F21A7}"/>
+                <a16:creationId xmlns:a16="http://schemas.microsoft.com/office/drawing/2014/main" id="{5BF0953F-E6D0-2240-B174-03015D0856A8}"/>
               </a:ext>
             </a:extLst>
           </p:cNvPr>
@@ -2729,7 +2672,7 @@
     </p:spTree>
     <p:extLst>
       <p:ext uri="{BB962C8B-B14F-4D97-AF65-F5344CB8AC3E}">
-        <p14:creationId xmlns:p14="http://schemas.microsoft.com/office/powerpoint/2010/main" val="3347381413"/>
+        <p14:creationId xmlns:p14="http://schemas.microsoft.com/office/powerpoint/2010/main" val="575761304"/>
       </p:ext>
     </p:extLst>
   </p:cSld>
@@ -2761,7 +2704,7 @@
           <p:cNvPr id="2" name="Title 1">
             <a:extLst>
               <a:ext uri="{FF2B5EF4-FFF2-40B4-BE49-F238E27FC236}">
-                <a16:creationId xmlns:a16="http://schemas.microsoft.com/office/drawing/2014/main" id="{000CAFB7-F9F1-984C-8249-31FF41D0C8D2}"/>
+                <a16:creationId xmlns:a16="http://schemas.microsoft.com/office/drawing/2014/main" id="{26FFD677-FF02-3E4E-8E32-44D146E24D90}"/>
               </a:ext>
             </a:extLst>
           </p:cNvPr>
@@ -2798,7 +2741,7 @@
           <p:cNvPr id="3" name="Content Placeholder 2">
             <a:extLst>
               <a:ext uri="{FF2B5EF4-FFF2-40B4-BE49-F238E27FC236}">
-                <a16:creationId xmlns:a16="http://schemas.microsoft.com/office/drawing/2014/main" id="{06B2E12F-F459-C348-A8E3-36E8F0A40AD4}"/>
+                <a16:creationId xmlns:a16="http://schemas.microsoft.com/office/drawing/2014/main" id="{9942170F-E10D-1348-86CE-8E869B806F9B}"/>
               </a:ext>
             </a:extLst>
           </p:cNvPr>
@@ -2888,7 +2831,7 @@
           <p:cNvPr id="4" name="Text Placeholder 3">
             <a:extLst>
               <a:ext uri="{FF2B5EF4-FFF2-40B4-BE49-F238E27FC236}">
-                <a16:creationId xmlns:a16="http://schemas.microsoft.com/office/drawing/2014/main" id="{4399425A-00AD-904F-AB89-EDD4C258BDD8}"/>
+                <a16:creationId xmlns:a16="http://schemas.microsoft.com/office/drawing/2014/main" id="{80772D86-2794-394C-A208-2D3E234A3A20}"/>
               </a:ext>
             </a:extLst>
           </p:cNvPr>
@@ -2959,7 +2902,7 @@
           <p:cNvPr id="5" name="Date Placeholder 4">
             <a:extLst>
               <a:ext uri="{FF2B5EF4-FFF2-40B4-BE49-F238E27FC236}">
-                <a16:creationId xmlns:a16="http://schemas.microsoft.com/office/drawing/2014/main" id="{293D3BF2-FBC9-5649-9190-E1C778FEB9B3}"/>
+                <a16:creationId xmlns:a16="http://schemas.microsoft.com/office/drawing/2014/main" id="{B5314D31-901A-D944-B06D-3D8106F2A2BC}"/>
               </a:ext>
             </a:extLst>
           </p:cNvPr>
@@ -2977,7 +2920,7 @@
           <a:p>
             <a:fld id="{BE5295ED-3BAF-1140-8495-3D368771D6B1}" type="datetimeFigureOut">
               <a:rPr lang="en-US" smtClean="0"/>
-              <a:t>2/6/19</a:t>
+              <a:t>2/12/19</a:t>
             </a:fld>
             <a:endParaRPr lang="en-US"/>
           </a:p>
@@ -2988,7 +2931,7 @@
           <p:cNvPr id="6" name="Footer Placeholder 5">
             <a:extLst>
               <a:ext uri="{FF2B5EF4-FFF2-40B4-BE49-F238E27FC236}">
-                <a16:creationId xmlns:a16="http://schemas.microsoft.com/office/drawing/2014/main" id="{DE4A4D89-3A9B-2B45-87F5-3F69071351CB}"/>
+                <a16:creationId xmlns:a16="http://schemas.microsoft.com/office/drawing/2014/main" id="{BFFC6519-9D04-AC45-BB37-9DD413CC741D}"/>
               </a:ext>
             </a:extLst>
           </p:cNvPr>
@@ -3013,7 +2956,7 @@
           <p:cNvPr id="7" name="Slide Number Placeholder 6">
             <a:extLst>
               <a:ext uri="{FF2B5EF4-FFF2-40B4-BE49-F238E27FC236}">
-                <a16:creationId xmlns:a16="http://schemas.microsoft.com/office/drawing/2014/main" id="{0977A05E-3521-3141-96F8-AC86CB2FDB94}"/>
+                <a16:creationId xmlns:a16="http://schemas.microsoft.com/office/drawing/2014/main" id="{856ACFF3-3C93-FA41-80F3-4708944F9A8C}"/>
               </a:ext>
             </a:extLst>
           </p:cNvPr>
@@ -3040,7 +2983,7 @@
     </p:spTree>
     <p:extLst>
       <p:ext uri="{BB962C8B-B14F-4D97-AF65-F5344CB8AC3E}">
-        <p14:creationId xmlns:p14="http://schemas.microsoft.com/office/powerpoint/2010/main" val="4124050046"/>
+        <p14:creationId xmlns:p14="http://schemas.microsoft.com/office/powerpoint/2010/main" val="718813025"/>
       </p:ext>
     </p:extLst>
   </p:cSld>
@@ -3072,7 +3015,7 @@
           <p:cNvPr id="2" name="Title 1">
             <a:extLst>
               <a:ext uri="{FF2B5EF4-FFF2-40B4-BE49-F238E27FC236}">
-                <a16:creationId xmlns:a16="http://schemas.microsoft.com/office/drawing/2014/main" id="{B159E5D8-D804-C44E-9873-BF2EF3C22647}"/>
+                <a16:creationId xmlns:a16="http://schemas.microsoft.com/office/drawing/2014/main" id="{52F7D6A8-4C7A-ED44-A821-97E76FB58748}"/>
               </a:ext>
             </a:extLst>
           </p:cNvPr>
@@ -3109,7 +3052,7 @@
           <p:cNvPr id="3" name="Picture Placeholder 2">
             <a:extLst>
               <a:ext uri="{FF2B5EF4-FFF2-40B4-BE49-F238E27FC236}">
-                <a16:creationId xmlns:a16="http://schemas.microsoft.com/office/drawing/2014/main" id="{8DE226E2-A399-FD45-ACF1-DBE31FCC2871}"/>
+                <a16:creationId xmlns:a16="http://schemas.microsoft.com/office/drawing/2014/main" id="{FFA0AABB-AB65-FB40-8DCA-227F017E16C5}"/>
               </a:ext>
             </a:extLst>
           </p:cNvPr>
@@ -3167,10 +3110,7 @@
             </a:lvl9pPr>
           </a:lstStyle>
           <a:p>
-            <a:r>
-              <a:rPr lang="en-US"/>
-              <a:t>Click icon to add picture</a:t>
-            </a:r>
+            <a:endParaRPr lang="en-US"/>
           </a:p>
         </p:txBody>
       </p:sp>
@@ -3179,7 +3119,7 @@
           <p:cNvPr id="4" name="Text Placeholder 3">
             <a:extLst>
               <a:ext uri="{FF2B5EF4-FFF2-40B4-BE49-F238E27FC236}">
-                <a16:creationId xmlns:a16="http://schemas.microsoft.com/office/drawing/2014/main" id="{45132876-E772-7942-AF60-F9248CEB991E}"/>
+                <a16:creationId xmlns:a16="http://schemas.microsoft.com/office/drawing/2014/main" id="{67AC3EE9-FB8F-F642-BB10-A468CFF85E6A}"/>
               </a:ext>
             </a:extLst>
           </p:cNvPr>
@@ -3250,7 +3190,7 @@
           <p:cNvPr id="5" name="Date Placeholder 4">
             <a:extLst>
               <a:ext uri="{FF2B5EF4-FFF2-40B4-BE49-F238E27FC236}">
-                <a16:creationId xmlns:a16="http://schemas.microsoft.com/office/drawing/2014/main" id="{19E69457-B63D-0B4C-BD6B-44AC10E73E08}"/>
+                <a16:creationId xmlns:a16="http://schemas.microsoft.com/office/drawing/2014/main" id="{0A0EC8A2-C616-8B40-8C9C-A15442358393}"/>
               </a:ext>
             </a:extLst>
           </p:cNvPr>
@@ -3268,7 +3208,7 @@
           <a:p>
             <a:fld id="{BE5295ED-3BAF-1140-8495-3D368771D6B1}" type="datetimeFigureOut">
               <a:rPr lang="en-US" smtClean="0"/>
-              <a:t>2/6/19</a:t>
+              <a:t>2/12/19</a:t>
             </a:fld>
             <a:endParaRPr lang="en-US"/>
           </a:p>
@@ -3279,7 +3219,7 @@
           <p:cNvPr id="6" name="Footer Placeholder 5">
             <a:extLst>
               <a:ext uri="{FF2B5EF4-FFF2-40B4-BE49-F238E27FC236}">
-                <a16:creationId xmlns:a16="http://schemas.microsoft.com/office/drawing/2014/main" id="{B58CAADF-CF61-2C42-B5B5-FB24616F2E9E}"/>
+                <a16:creationId xmlns:a16="http://schemas.microsoft.com/office/drawing/2014/main" id="{AA229EC7-73FC-4D43-8916-C76404AC37DC}"/>
               </a:ext>
             </a:extLst>
           </p:cNvPr>
@@ -3304,7 +3244,7 @@
           <p:cNvPr id="7" name="Slide Number Placeholder 6">
             <a:extLst>
               <a:ext uri="{FF2B5EF4-FFF2-40B4-BE49-F238E27FC236}">
-                <a16:creationId xmlns:a16="http://schemas.microsoft.com/office/drawing/2014/main" id="{65966FA6-0481-E74C-B020-CE2EC5AD4553}"/>
+                <a16:creationId xmlns:a16="http://schemas.microsoft.com/office/drawing/2014/main" id="{D84430E4-67BB-3342-B2B8-DFBE758CFA59}"/>
               </a:ext>
             </a:extLst>
           </p:cNvPr>
@@ -3331,7 +3271,7 @@
     </p:spTree>
     <p:extLst>
       <p:ext uri="{BB962C8B-B14F-4D97-AF65-F5344CB8AC3E}">
-        <p14:creationId xmlns:p14="http://schemas.microsoft.com/office/powerpoint/2010/main" val="1363498318"/>
+        <p14:creationId xmlns:p14="http://schemas.microsoft.com/office/powerpoint/2010/main" val="584440204"/>
       </p:ext>
     </p:extLst>
   </p:cSld>
@@ -3345,34 +3285,9 @@
 <p:sldMaster xmlns:a="http://schemas.openxmlformats.org/drawingml/2006/main" xmlns:r="http://schemas.openxmlformats.org/officeDocument/2006/relationships" xmlns:p="http://schemas.openxmlformats.org/presentationml/2006/main">
   <p:cSld>
     <p:bg>
-      <p:bgPr>
-        <a:gradFill flip="none" rotWithShape="1">
-          <a:gsLst>
-            <a:gs pos="0">
-              <a:schemeClr val="accent3">
-                <a:lumMod val="0"/>
-                <a:lumOff val="100000"/>
-              </a:schemeClr>
-            </a:gs>
-            <a:gs pos="35000">
-              <a:schemeClr val="accent3">
-                <a:lumMod val="0"/>
-                <a:lumOff val="100000"/>
-              </a:schemeClr>
-            </a:gs>
-            <a:gs pos="100000">
-              <a:schemeClr val="accent3">
-                <a:lumMod val="100000"/>
-              </a:schemeClr>
-            </a:gs>
-          </a:gsLst>
-          <a:path path="circle">
-            <a:fillToRect l="50000" t="-80000" r="50000" b="180000"/>
-          </a:path>
-          <a:tileRect/>
-        </a:gradFill>
-        <a:effectLst/>
-      </p:bgPr>
+      <p:bgRef idx="1001">
+        <a:schemeClr val="bg1"/>
+      </p:bgRef>
     </p:bg>
     <p:spTree>
       <p:nvGrpSpPr>
@@ -3393,7 +3308,7 @@
           <p:cNvPr id="2" name="Title Placeholder 1">
             <a:extLst>
               <a:ext uri="{FF2B5EF4-FFF2-40B4-BE49-F238E27FC236}">
-                <a16:creationId xmlns:a16="http://schemas.microsoft.com/office/drawing/2014/main" id="{CD2DEF36-CDDB-4C49-A6CD-A99D898F90A8}"/>
+                <a16:creationId xmlns:a16="http://schemas.microsoft.com/office/drawing/2014/main" id="{ED530927-E202-4648-95ED-A701F648A289}"/>
               </a:ext>
             </a:extLst>
           </p:cNvPr>
@@ -3423,7 +3338,6 @@
               <a:rPr lang="en-US"/>
               <a:t>Click to edit Master title style</a:t>
             </a:r>
-            <a:endParaRPr lang="en-US" dirty="0"/>
           </a:p>
         </p:txBody>
       </p:sp>
@@ -3432,7 +3346,7 @@
           <p:cNvPr id="3" name="Text Placeholder 2">
             <a:extLst>
               <a:ext uri="{FF2B5EF4-FFF2-40B4-BE49-F238E27FC236}">
-                <a16:creationId xmlns:a16="http://schemas.microsoft.com/office/drawing/2014/main" id="{064B4B30-356C-9846-B509-AC7C68F5C235}"/>
+                <a16:creationId xmlns:a16="http://schemas.microsoft.com/office/drawing/2014/main" id="{F00E1E3E-B2FE-5A47-8C43-849DE842741B}"/>
               </a:ext>
             </a:extLst>
           </p:cNvPr>
@@ -3460,35 +3374,35 @@
           <a:p>
             <a:pPr lvl="0"/>
             <a:r>
-              <a:rPr lang="en-US" dirty="0"/>
+              <a:rPr lang="en-US"/>
               <a:t>Edit Master text styles</a:t>
             </a:r>
           </a:p>
           <a:p>
             <a:pPr lvl="1"/>
             <a:r>
-              <a:rPr lang="en-US" dirty="0"/>
+              <a:rPr lang="en-US"/>
               <a:t>Second level</a:t>
             </a:r>
           </a:p>
           <a:p>
             <a:pPr lvl="2"/>
             <a:r>
-              <a:rPr lang="en-US" dirty="0"/>
+              <a:rPr lang="en-US"/>
               <a:t>Third level</a:t>
             </a:r>
           </a:p>
           <a:p>
             <a:pPr lvl="3"/>
             <a:r>
-              <a:rPr lang="en-US" dirty="0"/>
+              <a:rPr lang="en-US"/>
               <a:t>Fourth level</a:t>
             </a:r>
           </a:p>
           <a:p>
             <a:pPr lvl="4"/>
             <a:r>
-              <a:rPr lang="en-US" dirty="0"/>
+              <a:rPr lang="en-US"/>
               <a:t>Fifth level</a:t>
             </a:r>
           </a:p>
@@ -3499,7 +3413,7 @@
           <p:cNvPr id="4" name="Date Placeholder 3">
             <a:extLst>
               <a:ext uri="{FF2B5EF4-FFF2-40B4-BE49-F238E27FC236}">
-                <a16:creationId xmlns:a16="http://schemas.microsoft.com/office/drawing/2014/main" id="{B31B3BF9-B9A0-8240-889B-D82F503CEA58}"/>
+                <a16:creationId xmlns:a16="http://schemas.microsoft.com/office/drawing/2014/main" id="{A51822C1-C9FC-554F-B744-0FF8DD0A61C0}"/>
               </a:ext>
             </a:extLst>
           </p:cNvPr>
@@ -3535,7 +3449,7 @@
           <a:p>
             <a:fld id="{BE5295ED-3BAF-1140-8495-3D368771D6B1}" type="datetimeFigureOut">
               <a:rPr lang="en-US" smtClean="0"/>
-              <a:t>2/6/19</a:t>
+              <a:t>2/12/19</a:t>
             </a:fld>
             <a:endParaRPr lang="en-US"/>
           </a:p>
@@ -3546,7 +3460,7 @@
           <p:cNvPr id="5" name="Footer Placeholder 4">
             <a:extLst>
               <a:ext uri="{FF2B5EF4-FFF2-40B4-BE49-F238E27FC236}">
-                <a16:creationId xmlns:a16="http://schemas.microsoft.com/office/drawing/2014/main" id="{A7B03E69-EC06-8B44-9E5D-DAAB988B584E}"/>
+                <a16:creationId xmlns:a16="http://schemas.microsoft.com/office/drawing/2014/main" id="{AA4916E3-9D5B-B647-A5DA-A5B78525EFFB}"/>
               </a:ext>
             </a:extLst>
           </p:cNvPr>
@@ -3589,7 +3503,7 @@
           <p:cNvPr id="6" name="Slide Number Placeholder 5">
             <a:extLst>
               <a:ext uri="{FF2B5EF4-FFF2-40B4-BE49-F238E27FC236}">
-                <a16:creationId xmlns:a16="http://schemas.microsoft.com/office/drawing/2014/main" id="{7CC6A4C2-258B-1E46-850A-BA76C2CB7B7E}"/>
+                <a16:creationId xmlns:a16="http://schemas.microsoft.com/office/drawing/2014/main" id="{11872E83-B77B-9647-AE80-95985B60F4F0}"/>
               </a:ext>
             </a:extLst>
           </p:cNvPr>
@@ -3636,7 +3550,7 @@
           <p:cNvPr id="7" name="Picture 6">
             <a:extLst>
               <a:ext uri="{FF2B5EF4-FFF2-40B4-BE49-F238E27FC236}">
-                <a16:creationId xmlns:a16="http://schemas.microsoft.com/office/drawing/2014/main" id="{F606D4DA-1395-A54D-AB1D-F496808E6208}"/>
+                <a16:creationId xmlns:a16="http://schemas.microsoft.com/office/drawing/2014/main" id="{F0F46825-E66D-B247-B71A-C48424207597}"/>
               </a:ext>
             </a:extLst>
           </p:cNvPr>
@@ -3653,8 +3567,8 @@
         </p:blipFill>
         <p:spPr>
           <a:xfrm>
-            <a:off x="7854462" y="6283599"/>
-            <a:ext cx="4230446" cy="437876"/>
+            <a:off x="7843577" y="6327977"/>
+            <a:ext cx="4075793" cy="421869"/>
           </a:xfrm>
           <a:prstGeom prst="rect">
             <a:avLst/>
@@ -3664,23 +3578,23 @@
     </p:spTree>
     <p:extLst>
       <p:ext uri="{BB962C8B-B14F-4D97-AF65-F5344CB8AC3E}">
-        <p14:creationId xmlns:p14="http://schemas.microsoft.com/office/powerpoint/2010/main" val="3185880746"/>
+        <p14:creationId xmlns:p14="http://schemas.microsoft.com/office/powerpoint/2010/main" val="3950742029"/>
       </p:ext>
     </p:extLst>
   </p:cSld>
   <p:clrMap bg1="lt1" tx1="dk1" bg2="lt2" tx2="dk2" accent1="accent1" accent2="accent2" accent3="accent3" accent4="accent4" accent5="accent5" accent6="accent6" hlink="hlink" folHlink="folHlink"/>
   <p:sldLayoutIdLst>
-    <p:sldLayoutId id="2147483649" r:id="rId1"/>
-    <p:sldLayoutId id="2147483650" r:id="rId2"/>
-    <p:sldLayoutId id="2147483651" r:id="rId3"/>
-    <p:sldLayoutId id="2147483652" r:id="rId4"/>
-    <p:sldLayoutId id="2147483653" r:id="rId5"/>
-    <p:sldLayoutId id="2147483654" r:id="rId6"/>
-    <p:sldLayoutId id="2147483655" r:id="rId7"/>
-    <p:sldLayoutId id="2147483656" r:id="rId8"/>
-    <p:sldLayoutId id="2147483657" r:id="rId9"/>
-    <p:sldLayoutId id="2147483658" r:id="rId10"/>
-    <p:sldLayoutId id="2147483659" r:id="rId11"/>
+    <p:sldLayoutId id="2147483673" r:id="rId1"/>
+    <p:sldLayoutId id="2147483674" r:id="rId2"/>
+    <p:sldLayoutId id="2147483675" r:id="rId3"/>
+    <p:sldLayoutId id="2147483676" r:id="rId4"/>
+    <p:sldLayoutId id="2147483677" r:id="rId5"/>
+    <p:sldLayoutId id="2147483678" r:id="rId6"/>
+    <p:sldLayoutId id="2147483679" r:id="rId7"/>
+    <p:sldLayoutId id="2147483680" r:id="rId8"/>
+    <p:sldLayoutId id="2147483681" r:id="rId9"/>
+    <p:sldLayoutId id="2147483682" r:id="rId10"/>
+    <p:sldLayoutId id="2147483683" r:id="rId11"/>
   </p:sldLayoutIdLst>
   <p:txStyles>
     <p:titleStyle>
@@ -4130,7 +4044,7 @@
           <p:cNvPr id="2" name="Title 1">
             <a:extLst>
               <a:ext uri="{FF2B5EF4-FFF2-40B4-BE49-F238E27FC236}">
-                <a16:creationId xmlns:a16="http://schemas.microsoft.com/office/drawing/2014/main" id="{A28C248F-1DBF-8444-B7E1-A5C580E64CAD}"/>
+                <a16:creationId xmlns:a16="http://schemas.microsoft.com/office/drawing/2014/main" id="{EAE72307-F0A3-F246-A4C9-C72FD485831F}"/>
               </a:ext>
             </a:extLst>
           </p:cNvPr>
@@ -4141,28 +4055,130 @@
             <p:ph type="title"/>
           </p:nvPr>
         </p:nvSpPr>
+        <p:spPr>
+          <a:xfrm>
+            <a:off x="838199" y="365125"/>
+            <a:ext cx="10863943" cy="1325563"/>
+          </a:xfrm>
+        </p:spPr>
+        <p:txBody>
+          <a:bodyPr/>
+          <a:lstStyle/>
+          <a:p>
+            <a:r>
+              <a:rPr lang="en-US" dirty="0"/>
+              <a:t>Now restrict to </a:t>
+            </a:r>
+            <a:r>
+              <a:rPr lang="en-US" i="1" dirty="0"/>
+              <a:t>binary search tree </a:t>
+            </a:r>
+            <a:r>
+              <a:rPr lang="en-US" dirty="0"/>
+              <a:t>structure</a:t>
+            </a:r>
+          </a:p>
+        </p:txBody>
+      </p:sp>
+      <p:sp>
+        <p:nvSpPr>
+          <p:cNvPr id="3" name="Content Placeholder 2">
+            <a:extLst>
+              <a:ext uri="{FF2B5EF4-FFF2-40B4-BE49-F238E27FC236}">
+                <a16:creationId xmlns:a16="http://schemas.microsoft.com/office/drawing/2014/main" id="{CF58338C-C6C8-294D-89F7-36D43D1B1631}"/>
+              </a:ext>
+            </a:extLst>
+          </p:cNvPr>
+          <p:cNvSpPr>
+            <a:spLocks noGrp="1"/>
+          </p:cNvSpPr>
+          <p:nvPr>
+            <p:ph idx="1"/>
+          </p:nvPr>
+        </p:nvSpPr>
         <p:spPr/>
         <p:txBody>
           <a:bodyPr/>
           <a:lstStyle/>
           <a:p>
             <a:r>
-              <a:rPr lang="en-US" i="1" dirty="0"/>
-              <a:t>Depth-first</a:t>
+              <a:rPr lang="en-US" b="1" dirty="0"/>
+              <a:t>Exercise</a:t>
             </a:r>
             <a:r>
               <a:rPr lang="en-US" dirty="0"/>
-              <a:t> graph walk, compare to tree</a:t>
-            </a:r>
+              <a:t>: go to “Constructing Binary Search Tree” section of notebook linked at bottom; try creating different trees</a:t>
+            </a:r>
+          </a:p>
+          <a:p>
+            <a:r>
+              <a:rPr lang="en-US" dirty="0"/>
+              <a:t>Restricted walk: search using node values</a:t>
+            </a:r>
+          </a:p>
+        </p:txBody>
+      </p:sp>
+      <p:sp>
+        <p:nvSpPr>
+          <p:cNvPr id="5" name="Rectangle 4">
+            <a:extLst>
+              <a:ext uri="{FF2B5EF4-FFF2-40B4-BE49-F238E27FC236}">
+                <a16:creationId xmlns:a16="http://schemas.microsoft.com/office/drawing/2014/main" id="{5541B33F-3D79-7A45-AAD5-2AEE55FE1C53}"/>
+              </a:ext>
+            </a:extLst>
+          </p:cNvPr>
+          <p:cNvSpPr/>
+          <p:nvPr/>
+        </p:nvSpPr>
+        <p:spPr>
+          <a:xfrm>
+            <a:off x="762000" y="6176963"/>
+            <a:ext cx="7467600" cy="369332"/>
+          </a:xfrm>
+          <a:prstGeom prst="rect">
+            <a:avLst/>
+          </a:prstGeom>
+        </p:spPr>
+        <p:txBody>
+          <a:bodyPr wrap="square">
+            <a:spAutoFit/>
+          </a:bodyPr>
+          <a:lstStyle/>
+          <a:p>
+            <a:r>
+              <a:rPr lang="en-US" dirty="0"/>
+              <a:t>https://</a:t>
+            </a:r>
+            <a:r>
+              <a:rPr lang="en-US" dirty="0" err="1"/>
+              <a:t>github.com</a:t>
+            </a:r>
+            <a:r>
+              <a:rPr lang="en-US" dirty="0"/>
+              <a:t>/</a:t>
+            </a:r>
+            <a:r>
+              <a:rPr lang="en-US" dirty="0" err="1"/>
+              <a:t>parrt</a:t>
+            </a:r>
+            <a:r>
+              <a:rPr lang="en-US" dirty="0"/>
+              <a:t>/msds689/blob/master/notes/</a:t>
+            </a:r>
+            <a:r>
+              <a:rPr lang="en-US" dirty="0" err="1"/>
+              <a:t>walking.ipynb</a:t>
+            </a:r>
+            <a:endParaRPr lang="en-US" dirty="0"/>
           </a:p>
         </p:txBody>
       </p:sp>
       <p:pic>
         <p:nvPicPr>
-          <p:cNvPr id="5" name="Picture 4">
-            <a:extLst>
-              <a:ext uri="{FF2B5EF4-FFF2-40B4-BE49-F238E27FC236}">
-                <a16:creationId xmlns:a16="http://schemas.microsoft.com/office/drawing/2014/main" id="{1792B99B-6506-2E43-A5C8-14B7064BB21C}"/>
+          <p:cNvPr id="8" name="Picture 7">
+            <a:extLst>
+              <a:ext uri="{FF2B5EF4-FFF2-40B4-BE49-F238E27FC236}">
+                <a16:creationId xmlns:a16="http://schemas.microsoft.com/office/drawing/2014/main" id="{C4B37E53-FE07-4247-8265-F3599A6BFE77}"/>
               </a:ext>
             </a:extLst>
           </p:cNvPr>
@@ -4179,8 +4195,8 @@
         </p:blipFill>
         <p:spPr>
           <a:xfrm>
-            <a:off x="609108" y="3701527"/>
-            <a:ext cx="10973783" cy="2475436"/>
+            <a:off x="7266096" y="3259834"/>
+            <a:ext cx="4261181" cy="2678853"/>
           </a:xfrm>
           <a:prstGeom prst="rect">
             <a:avLst/>
@@ -4189,10 +4205,10 @@
       </p:pic>
       <p:sp>
         <p:nvSpPr>
-          <p:cNvPr id="6" name="TextBox 5">
-            <a:extLst>
-              <a:ext uri="{FF2B5EF4-FFF2-40B4-BE49-F238E27FC236}">
-                <a16:creationId xmlns:a16="http://schemas.microsoft.com/office/drawing/2014/main" id="{353E74A1-D948-4C47-B6C7-43C654E6D4A9}"/>
+          <p:cNvPr id="9" name="TextBox 8">
+            <a:extLst>
+              <a:ext uri="{FF2B5EF4-FFF2-40B4-BE49-F238E27FC236}">
+                <a16:creationId xmlns:a16="http://schemas.microsoft.com/office/drawing/2014/main" id="{B9D469A2-660F-3D45-AFA7-7168560CCB8E}"/>
               </a:ext>
             </a:extLst>
           </p:cNvPr>
@@ -4201,8 +4217,8 @@
         </p:nvSpPr>
         <p:spPr>
           <a:xfrm>
-            <a:off x="609108" y="1556611"/>
-            <a:ext cx="4828654" cy="1938992"/>
+            <a:off x="917875" y="3259834"/>
+            <a:ext cx="6268546" cy="2677656"/>
           </a:xfrm>
           <a:prstGeom prst="rect">
             <a:avLst/>
@@ -4226,7 +4242,7 @@
                 <a:ea typeface="Monaco" charset="0"/>
                 <a:cs typeface="Monaco" charset="0"/>
               </a:rPr>
-              <a:t>def </a:t>
+              <a:t>def search(</a:t>
             </a:r>
             <a:r>
               <a:rPr lang="en-US" sz="2400" dirty="0" err="1">
@@ -4234,26 +4250,51 @@
                 <a:ea typeface="Monaco" charset="0"/>
                 <a:cs typeface="Monaco" charset="0"/>
               </a:rPr>
-              <a:t>walk_</a:t>
+              <a:t>p:TreeNode</a:t>
+            </a:r>
+            <a:r>
+              <a:rPr lang="en-US" sz="2400" dirty="0">
+                <a:latin typeface="Monaco" charset="0"/>
+                <a:ea typeface="Monaco" charset="0"/>
+                <a:cs typeface="Monaco" charset="0"/>
+              </a:rPr>
+              <a:t>, </a:t>
             </a:r>
             <a:r>
               <a:rPr lang="en-US" sz="2400" dirty="0" err="1">
-                <a:solidFill>
-                  <a:srgbClr val="00B0F0"/>
-                </a:solidFill>
-                <a:latin typeface="Monaco" charset="0"/>
-                <a:ea typeface="Monaco" charset="0"/>
-                <a:cs typeface="Monaco" charset="0"/>
-              </a:rPr>
-              <a:t>graph</a:t>
-            </a:r>
-            <a:r>
-              <a:rPr lang="en-US" sz="2400" dirty="0">
-                <a:latin typeface="Monaco" charset="0"/>
-                <a:ea typeface="Monaco" charset="0"/>
-                <a:cs typeface="Monaco" charset="0"/>
-              </a:rPr>
-              <a:t>(</a:t>
+                <a:latin typeface="Monaco" charset="0"/>
+                <a:ea typeface="Monaco" charset="0"/>
+                <a:cs typeface="Monaco" charset="0"/>
+              </a:rPr>
+              <a:t>x:object</a:t>
+            </a:r>
+            <a:r>
+              <a:rPr lang="en-US" sz="2400" dirty="0">
+                <a:latin typeface="Monaco" charset="0"/>
+                <a:ea typeface="Monaco" charset="0"/>
+                <a:cs typeface="Monaco" charset="0"/>
+              </a:rPr>
+              <a:t>):</a:t>
+            </a:r>
+          </a:p>
+          <a:p>
+            <a:r>
+              <a:rPr lang="en-US" sz="2400" dirty="0">
+                <a:latin typeface="Monaco" charset="0"/>
+                <a:ea typeface="Monaco" charset="0"/>
+                <a:cs typeface="Monaco" charset="0"/>
+              </a:rPr>
+              <a:t>    if p is None: return None</a:t>
+            </a:r>
+          </a:p>
+          <a:p>
+            <a:r>
+              <a:rPr lang="en-US" sz="2400" dirty="0">
+                <a:latin typeface="Monaco" charset="0"/>
+                <a:ea typeface="Monaco" charset="0"/>
+                <a:cs typeface="Monaco" charset="0"/>
+              </a:rPr>
+              <a:t>    if x&lt;</a:t>
             </a:r>
             <a:r>
               <a:rPr lang="en-US" sz="2400" dirty="0" err="1">
@@ -4261,35 +4302,25 @@
                 <a:ea typeface="Monaco" charset="0"/>
                 <a:cs typeface="Monaco" charset="0"/>
               </a:rPr>
-              <a:t>p:Node</a:t>
-            </a:r>
-            <a:r>
-              <a:rPr lang="en-US" sz="2400" dirty="0">
-                <a:latin typeface="Monaco" charset="0"/>
-                <a:ea typeface="Monaco" charset="0"/>
-                <a:cs typeface="Monaco" charset="0"/>
-              </a:rPr>
-              <a:t>):</a:t>
-            </a:r>
-          </a:p>
-          <a:p>
-            <a:r>
-              <a:rPr lang="en-US" sz="2400" dirty="0">
-                <a:latin typeface="Monaco" charset="0"/>
-                <a:ea typeface="Monaco" charset="0"/>
-                <a:cs typeface="Monaco" charset="0"/>
-              </a:rPr>
-              <a:t>    if p is None: return</a:t>
-            </a:r>
-          </a:p>
-          <a:p>
-            <a:r>
-              <a:rPr lang="en-US" sz="2400" dirty="0">
-                <a:latin typeface="Monaco" charset="0"/>
-                <a:ea typeface="Monaco" charset="0"/>
-                <a:cs typeface="Monaco" charset="0"/>
-              </a:rPr>
-              <a:t>    print(</a:t>
+              <a:t>p.value</a:t>
+            </a:r>
+            <a:r>
+              <a:rPr lang="en-US" sz="2400" dirty="0">
+                <a:latin typeface="Monaco" charset="0"/>
+                <a:ea typeface="Monaco" charset="0"/>
+                <a:cs typeface="Monaco" charset="0"/>
+              </a:rPr>
+              <a:t>:</a:t>
+            </a:r>
+          </a:p>
+          <a:p>
+            <a:r>
+              <a:rPr lang="en-US" sz="2400" dirty="0">
+                <a:latin typeface="Monaco" charset="0"/>
+                <a:ea typeface="Monaco" charset="0"/>
+                <a:cs typeface="Monaco" charset="0"/>
+              </a:rPr>
+              <a:t>        return search(</a:t>
             </a:r>
             <a:r>
               <a:rPr lang="en-US" sz="2400" dirty="0" err="1">
@@ -4297,6 +4328,32 @@
                 <a:ea typeface="Monaco" charset="0"/>
                 <a:cs typeface="Monaco" charset="0"/>
               </a:rPr>
+              <a:t>p.left</a:t>
+            </a:r>
+            <a:r>
+              <a:rPr lang="en-US" sz="2400" dirty="0">
+                <a:latin typeface="Monaco" charset="0"/>
+                <a:ea typeface="Monaco" charset="0"/>
+                <a:cs typeface="Monaco" charset="0"/>
+              </a:rPr>
+              <a:t>, x)</a:t>
+            </a:r>
+          </a:p>
+          <a:p>
+            <a:r>
+              <a:rPr lang="en-US" sz="2400" dirty="0">
+                <a:latin typeface="Monaco" charset="0"/>
+                <a:ea typeface="Monaco" charset="0"/>
+                <a:cs typeface="Monaco" charset="0"/>
+              </a:rPr>
+              <a:t>    if x&gt;</a:t>
+            </a:r>
+            <a:r>
+              <a:rPr lang="en-US" sz="2400" dirty="0" err="1">
+                <a:latin typeface="Monaco" charset="0"/>
+                <a:ea typeface="Monaco" charset="0"/>
+                <a:cs typeface="Monaco" charset="0"/>
+              </a:rPr>
               <a:t>p.value</a:t>
             </a:r>
             <a:r>
@@ -4305,17 +4362,17 @@
                 <a:ea typeface="Monaco" charset="0"/>
                 <a:cs typeface="Monaco" charset="0"/>
               </a:rPr>
-              <a:t>)</a:t>
-            </a:r>
-          </a:p>
-          <a:p>
-            <a:r>
-              <a:rPr lang="en-US" sz="2400" dirty="0">
-                <a:latin typeface="Monaco" charset="0"/>
-                <a:ea typeface="Monaco" charset="0"/>
-                <a:cs typeface="Monaco" charset="0"/>
-              </a:rPr>
-              <a:t>    for q in </a:t>
+              <a:t>:</a:t>
+            </a:r>
+          </a:p>
+          <a:p>
+            <a:r>
+              <a:rPr lang="en-US" sz="2400" dirty="0">
+                <a:latin typeface="Monaco" charset="0"/>
+                <a:ea typeface="Monaco" charset="0"/>
+                <a:cs typeface="Monaco" charset="0"/>
+              </a:rPr>
+              <a:t>        return search(</a:t>
             </a:r>
             <a:r>
               <a:rPr lang="en-US" sz="2400" dirty="0" err="1">
@@ -4323,239 +4380,6 @@
                 <a:ea typeface="Monaco" charset="0"/>
                 <a:cs typeface="Monaco" charset="0"/>
               </a:rPr>
-              <a:t>p.edges</a:t>
-            </a:r>
-            <a:r>
-              <a:rPr lang="en-US" sz="2400" dirty="0">
-                <a:latin typeface="Monaco" charset="0"/>
-                <a:ea typeface="Monaco" charset="0"/>
-                <a:cs typeface="Monaco" charset="0"/>
-              </a:rPr>
-              <a:t>:</a:t>
-            </a:r>
-          </a:p>
-          <a:p>
-            <a:r>
-              <a:rPr lang="en-US" sz="2400" dirty="0">
-                <a:latin typeface="Monaco" charset="0"/>
-                <a:ea typeface="Monaco" charset="0"/>
-                <a:cs typeface="Monaco" charset="0"/>
-              </a:rPr>
-              <a:t>        </a:t>
-            </a:r>
-            <a:r>
-              <a:rPr lang="en-US" sz="2400" dirty="0" err="1">
-                <a:latin typeface="Monaco" charset="0"/>
-                <a:ea typeface="Monaco" charset="0"/>
-                <a:cs typeface="Monaco" charset="0"/>
-              </a:rPr>
-              <a:t>walk_graph</a:t>
-            </a:r>
-            <a:r>
-              <a:rPr lang="en-US" sz="2400" dirty="0">
-                <a:latin typeface="Monaco" charset="0"/>
-                <a:ea typeface="Monaco" charset="0"/>
-                <a:cs typeface="Monaco" charset="0"/>
-              </a:rPr>
-              <a:t>(q)</a:t>
-            </a:r>
-          </a:p>
-        </p:txBody>
-      </p:sp>
-      <p:sp>
-        <p:nvSpPr>
-          <p:cNvPr id="7" name="TextBox 6">
-            <a:extLst>
-              <a:ext uri="{FF2B5EF4-FFF2-40B4-BE49-F238E27FC236}">
-                <a16:creationId xmlns:a16="http://schemas.microsoft.com/office/drawing/2014/main" id="{D71F8171-1B83-C549-BA34-BF89159BCF31}"/>
-              </a:ext>
-            </a:extLst>
-          </p:cNvPr>
-          <p:cNvSpPr txBox="1"/>
-          <p:nvPr/>
-        </p:nvSpPr>
-        <p:spPr>
-          <a:xfrm>
-            <a:off x="6648191" y="1556611"/>
-            <a:ext cx="4934700" cy="1938992"/>
-          </a:xfrm>
-          <a:prstGeom prst="rect">
-            <a:avLst/>
-          </a:prstGeom>
-          <a:noFill/>
-          <a:ln>
-            <a:solidFill>
-              <a:schemeClr val="accent1"/>
-            </a:solidFill>
-          </a:ln>
-        </p:spPr>
-        <p:txBody>
-          <a:bodyPr wrap="square" rtlCol="0">
-            <a:spAutoFit/>
-          </a:bodyPr>
-          <a:lstStyle/>
-          <a:p>
-            <a:r>
-              <a:rPr lang="en-US" sz="2400" dirty="0">
-                <a:latin typeface="Monaco" charset="0"/>
-                <a:ea typeface="Monaco" charset="0"/>
-                <a:cs typeface="Monaco" charset="0"/>
-              </a:rPr>
-              <a:t>def </a:t>
-            </a:r>
-            <a:r>
-              <a:rPr lang="en-US" sz="2400" dirty="0" err="1">
-                <a:latin typeface="Monaco" charset="0"/>
-                <a:ea typeface="Monaco" charset="0"/>
-                <a:cs typeface="Monaco" charset="0"/>
-              </a:rPr>
-              <a:t>walk_</a:t>
-            </a:r>
-            <a:r>
-              <a:rPr lang="en-US" sz="2400" dirty="0" err="1">
-                <a:solidFill>
-                  <a:srgbClr val="00B0F0"/>
-                </a:solidFill>
-                <a:latin typeface="Monaco" charset="0"/>
-                <a:ea typeface="Monaco" charset="0"/>
-                <a:cs typeface="Monaco" charset="0"/>
-              </a:rPr>
-              <a:t>tree</a:t>
-            </a:r>
-            <a:r>
-              <a:rPr lang="en-US" sz="2400" dirty="0">
-                <a:latin typeface="Monaco" charset="0"/>
-                <a:ea typeface="Monaco" charset="0"/>
-                <a:cs typeface="Monaco" charset="0"/>
-              </a:rPr>
-              <a:t>(</a:t>
-            </a:r>
-            <a:r>
-              <a:rPr lang="en-US" sz="2400" dirty="0" err="1">
-                <a:latin typeface="Monaco" charset="0"/>
-                <a:ea typeface="Monaco" charset="0"/>
-                <a:cs typeface="Monaco" charset="0"/>
-              </a:rPr>
-              <a:t>p:TreeNode</a:t>
-            </a:r>
-            <a:r>
-              <a:rPr lang="en-US" sz="2400" dirty="0">
-                <a:latin typeface="Monaco" charset="0"/>
-                <a:ea typeface="Monaco" charset="0"/>
-                <a:cs typeface="Monaco" charset="0"/>
-              </a:rPr>
-              <a:t>):</a:t>
-            </a:r>
-          </a:p>
-          <a:p>
-            <a:r>
-              <a:rPr lang="en-US" sz="2400" dirty="0">
-                <a:latin typeface="Monaco" charset="0"/>
-                <a:ea typeface="Monaco" charset="0"/>
-                <a:cs typeface="Monaco" charset="0"/>
-              </a:rPr>
-              <a:t>    if p is None: return</a:t>
-            </a:r>
-          </a:p>
-          <a:p>
-            <a:r>
-              <a:rPr lang="en-US" sz="2400" dirty="0">
-                <a:latin typeface="Monaco" charset="0"/>
-                <a:ea typeface="Monaco" charset="0"/>
-                <a:cs typeface="Monaco" charset="0"/>
-              </a:rPr>
-              <a:t>    print(</a:t>
-            </a:r>
-            <a:r>
-              <a:rPr lang="en-US" sz="2400" dirty="0" err="1">
-                <a:latin typeface="Monaco" charset="0"/>
-                <a:ea typeface="Monaco" charset="0"/>
-                <a:cs typeface="Monaco" charset="0"/>
-              </a:rPr>
-              <a:t>p.value</a:t>
-            </a:r>
-            <a:endParaRPr lang="en-US" sz="2400" dirty="0">
-              <a:solidFill>
-                <a:srgbClr val="00B0F0"/>
-              </a:solidFill>
-              <a:latin typeface="Monaco" charset="0"/>
-              <a:ea typeface="Monaco" charset="0"/>
-              <a:cs typeface="Monaco" charset="0"/>
-            </a:endParaRPr>
-          </a:p>
-          <a:p>
-            <a:r>
-              <a:rPr lang="en-US" sz="2400" dirty="0">
-                <a:latin typeface="Monaco" charset="0"/>
-                <a:ea typeface="Monaco" charset="0"/>
-                <a:cs typeface="Monaco" charset="0"/>
-              </a:rPr>
-              <a:t>    </a:t>
-            </a:r>
-            <a:r>
-              <a:rPr lang="en-US" sz="2400" dirty="0" err="1">
-                <a:latin typeface="Monaco" charset="0"/>
-                <a:ea typeface="Monaco" charset="0"/>
-                <a:cs typeface="Monaco" charset="0"/>
-              </a:rPr>
-              <a:t>walk_tree</a:t>
-            </a:r>
-            <a:r>
-              <a:rPr lang="en-US" sz="2400" dirty="0">
-                <a:latin typeface="Monaco" charset="0"/>
-                <a:ea typeface="Monaco" charset="0"/>
-                <a:cs typeface="Monaco" charset="0"/>
-              </a:rPr>
-              <a:t>(</a:t>
-            </a:r>
-            <a:r>
-              <a:rPr lang="en-US" sz="2400" dirty="0" err="1">
-                <a:latin typeface="Monaco" charset="0"/>
-                <a:ea typeface="Monaco" charset="0"/>
-                <a:cs typeface="Monaco" charset="0"/>
-              </a:rPr>
-              <a:t>p.left</a:t>
-            </a:r>
-            <a:r>
-              <a:rPr lang="en-US" sz="2400" dirty="0">
-                <a:latin typeface="Monaco" charset="0"/>
-                <a:ea typeface="Monaco" charset="0"/>
-                <a:cs typeface="Monaco" charset="0"/>
-              </a:rPr>
-              <a:t>)</a:t>
-            </a:r>
-          </a:p>
-          <a:p>
-            <a:r>
-              <a:rPr lang="en-US" sz="2400" dirty="0">
-                <a:latin typeface="Monaco" charset="0"/>
-                <a:ea typeface="Monaco" charset="0"/>
-                <a:cs typeface="Monaco" charset="0"/>
-              </a:rPr>
-              <a:t>    </a:t>
-            </a:r>
-            <a:r>
-              <a:rPr lang="en-US" sz="2400" dirty="0" err="1">
-                <a:latin typeface="Monaco" charset="0"/>
-                <a:ea typeface="Monaco" charset="0"/>
-                <a:cs typeface="Monaco" charset="0"/>
-              </a:rPr>
-              <a:t>walk_tree</a:t>
-            </a:r>
-            <a:r>
-              <a:rPr lang="en-US" sz="2400" dirty="0">
-                <a:latin typeface="Monaco" charset="0"/>
-                <a:ea typeface="Monaco" charset="0"/>
-                <a:cs typeface="Monaco" charset="0"/>
-              </a:rPr>
-              <a:t>(</a:t>
-            </a:r>
-            <a:r>
-              <a:rPr lang="en-US" sz="2400" dirty="0" err="1">
-                <a:latin typeface="Monaco" charset="0"/>
-                <a:ea typeface="Monaco" charset="0"/>
-                <a:cs typeface="Monaco" charset="0"/>
-              </a:rPr>
               <a:t>p.right</a:t>
             </a:r>
             <a:r>
@@ -4564,7 +4388,17 @@
                 <a:ea typeface="Monaco" charset="0"/>
                 <a:cs typeface="Monaco" charset="0"/>
               </a:rPr>
-              <a:t>)</a:t>
+              <a:t>, x)</a:t>
+            </a:r>
+          </a:p>
+          <a:p>
+            <a:r>
+              <a:rPr lang="en-US" sz="2400" dirty="0">
+                <a:latin typeface="Monaco" charset="0"/>
+                <a:ea typeface="Monaco" charset="0"/>
+                <a:cs typeface="Monaco" charset="0"/>
+              </a:rPr>
+              <a:t>    return p</a:t>
             </a:r>
           </a:p>
         </p:txBody>
@@ -4572,7 +4406,7 @@
     </p:spTree>
     <p:extLst>
       <p:ext uri="{BB962C8B-B14F-4D97-AF65-F5344CB8AC3E}">
-        <p14:creationId xmlns:p14="http://schemas.microsoft.com/office/powerpoint/2010/main" val="2871262269"/>
+        <p14:creationId xmlns:p14="http://schemas.microsoft.com/office/powerpoint/2010/main" val="799568180"/>
       </p:ext>
     </p:extLst>
   </p:cSld>
@@ -4604,7 +4438,7 @@
           <p:cNvPr id="2" name="Title 1">
             <a:extLst>
               <a:ext uri="{FF2B5EF4-FFF2-40B4-BE49-F238E27FC236}">
-                <a16:creationId xmlns:a16="http://schemas.microsoft.com/office/drawing/2014/main" id="{EAE72307-F0A3-F246-A4C9-C72FD485831F}"/>
+                <a16:creationId xmlns:a16="http://schemas.microsoft.com/office/drawing/2014/main" id="{8ED93FDD-7934-4E40-A163-AB384FB63A32}"/>
               </a:ext>
             </a:extLst>
           </p:cNvPr>
@@ -4622,7 +4456,7 @@
           <a:p>
             <a:r>
               <a:rPr lang="en-US" dirty="0"/>
-              <a:t>Now restrict to binary search tree structure</a:t>
+              <a:t>Compare BST search to tree walk</a:t>
             </a:r>
           </a:p>
         </p:txBody>
@@ -4632,7 +4466,7 @@
           <p:cNvPr id="3" name="Content Placeholder 2">
             <a:extLst>
               <a:ext uri="{FF2B5EF4-FFF2-40B4-BE49-F238E27FC236}">
-                <a16:creationId xmlns:a16="http://schemas.microsoft.com/office/drawing/2014/main" id="{CF58338C-C6C8-294D-89F7-36D43D1B1631}"/>
+                <a16:creationId xmlns:a16="http://schemas.microsoft.com/office/drawing/2014/main" id="{79B023F9-519C-E64B-9569-6057414B47B0}"/>
               </a:ext>
             </a:extLst>
           </p:cNvPr>
@@ -4649,122 +4483,239 @@
           <a:lstStyle/>
           <a:p>
             <a:r>
-              <a:rPr lang="en-US" b="1" dirty="0"/>
-              <a:t>Exercise</a:t>
-            </a:r>
-            <a:r>
               <a:rPr lang="en-US" dirty="0"/>
-              <a:t>: go to “Constructing Binary Search Tree” section of notebook linked at bottom; try creating different trees</a:t>
-            </a:r>
-          </a:p>
-          <a:p>
+              <a:t>Conditional recursion; we only </a:t>
+            </a:r>
+            <a:r>
+              <a:rPr lang="en-US" dirty="0" err="1"/>
+              <a:t>recurse</a:t>
+            </a:r>
             <a:r>
               <a:rPr lang="en-US" dirty="0"/>
-              <a:t>Restricted walk: search using node values</a:t>
-            </a:r>
-          </a:p>
-        </p:txBody>
-      </p:sp>
-      <p:sp>
-        <p:nvSpPr>
-          <p:cNvPr id="5" name="Rectangle 4">
-            <a:extLst>
-              <a:ext uri="{FF2B5EF4-FFF2-40B4-BE49-F238E27FC236}">
-                <a16:creationId xmlns:a16="http://schemas.microsoft.com/office/drawing/2014/main" id="{5541B33F-3D79-7A45-AAD5-2AEE55FE1C53}"/>
-              </a:ext>
-            </a:extLst>
-          </p:cNvPr>
-          <p:cNvSpPr/>
+              <a:t> to ONE child not both</a:t>
+            </a:r>
+          </a:p>
+        </p:txBody>
+      </p:sp>
+      <p:sp>
+        <p:nvSpPr>
+          <p:cNvPr id="4" name="TextBox 3">
+            <a:extLst>
+              <a:ext uri="{FF2B5EF4-FFF2-40B4-BE49-F238E27FC236}">
+                <a16:creationId xmlns:a16="http://schemas.microsoft.com/office/drawing/2014/main" id="{F9A960AF-A022-814B-8DD8-5D00D98DE247}"/>
+              </a:ext>
+            </a:extLst>
+          </p:cNvPr>
+          <p:cNvSpPr txBox="1"/>
           <p:nvPr/>
         </p:nvSpPr>
         <p:spPr>
           <a:xfrm>
-            <a:off x="762000" y="6176963"/>
-            <a:ext cx="7467600" cy="369332"/>
+            <a:off x="83383" y="2997189"/>
+            <a:ext cx="5680488" cy="1938992"/>
           </a:xfrm>
           <a:prstGeom prst="rect">
             <a:avLst/>
           </a:prstGeom>
+          <a:noFill/>
+          <a:ln>
+            <a:solidFill>
+              <a:schemeClr val="accent1"/>
+            </a:solidFill>
+          </a:ln>
         </p:spPr>
         <p:txBody>
-          <a:bodyPr wrap="square">
+          <a:bodyPr wrap="square" rtlCol="0">
             <a:spAutoFit/>
           </a:bodyPr>
           <a:lstStyle/>
           <a:p>
             <a:r>
-              <a:rPr lang="en-US" dirty="0"/>
-              <a:t>https://</a:t>
-            </a:r>
-            <a:r>
-              <a:rPr lang="en-US" dirty="0" err="1"/>
-              <a:t>github.com</a:t>
-            </a:r>
-            <a:r>
-              <a:rPr lang="en-US" dirty="0"/>
-              <a:t>/</a:t>
-            </a:r>
-            <a:r>
-              <a:rPr lang="en-US" dirty="0" err="1"/>
-              <a:t>parrt</a:t>
-            </a:r>
-            <a:r>
-              <a:rPr lang="en-US" dirty="0"/>
-              <a:t>/msds689/blob/master/notes/</a:t>
-            </a:r>
-            <a:r>
-              <a:rPr lang="en-US" dirty="0" err="1"/>
-              <a:t>walking.ipynb</a:t>
-            </a:r>
-            <a:endParaRPr lang="en-US" dirty="0"/>
-          </a:p>
-        </p:txBody>
-      </p:sp>
-      <p:pic>
-        <p:nvPicPr>
-          <p:cNvPr id="8" name="Picture 7">
-            <a:extLst>
-              <a:ext uri="{FF2B5EF4-FFF2-40B4-BE49-F238E27FC236}">
-                <a16:creationId xmlns:a16="http://schemas.microsoft.com/office/drawing/2014/main" id="{C4B37E53-FE07-4247-8265-F3599A6BFE77}"/>
-              </a:ext>
-            </a:extLst>
-          </p:cNvPr>
-          <p:cNvPicPr>
-            <a:picLocks noChangeAspect="1"/>
-          </p:cNvPicPr>
+              <a:rPr lang="en-US" sz="2400" dirty="0">
+                <a:latin typeface="Monaco" charset="0"/>
+                <a:ea typeface="Monaco" charset="0"/>
+                <a:cs typeface="Monaco" charset="0"/>
+              </a:rPr>
+              <a:t>def </a:t>
+            </a:r>
+            <a:r>
+              <a:rPr lang="en-US" sz="2400" dirty="0" err="1">
+                <a:latin typeface="Monaco" charset="0"/>
+                <a:ea typeface="Monaco" charset="0"/>
+                <a:cs typeface="Monaco" charset="0"/>
+              </a:rPr>
+              <a:t>walk_tree</a:t>
+            </a:r>
+            <a:r>
+              <a:rPr lang="en-US" sz="2400" dirty="0">
+                <a:latin typeface="Monaco" charset="0"/>
+                <a:ea typeface="Monaco" charset="0"/>
+                <a:cs typeface="Monaco" charset="0"/>
+              </a:rPr>
+              <a:t>(</a:t>
+            </a:r>
+            <a:r>
+              <a:rPr lang="en-US" sz="2400" dirty="0" err="1">
+                <a:latin typeface="Monaco" charset="0"/>
+                <a:ea typeface="Monaco" charset="0"/>
+                <a:cs typeface="Monaco" charset="0"/>
+              </a:rPr>
+              <a:t>p:TreeNode</a:t>
+            </a:r>
+            <a:r>
+              <a:rPr lang="en-US" sz="2400" dirty="0">
+                <a:latin typeface="Monaco" charset="0"/>
+                <a:ea typeface="Monaco" charset="0"/>
+                <a:cs typeface="Monaco" charset="0"/>
+              </a:rPr>
+              <a:t>):</a:t>
+            </a:r>
+          </a:p>
+          <a:p>
+            <a:r>
+              <a:rPr lang="en-US" sz="2400" dirty="0">
+                <a:latin typeface="Monaco" charset="0"/>
+                <a:ea typeface="Monaco" charset="0"/>
+                <a:cs typeface="Monaco" charset="0"/>
+              </a:rPr>
+              <a:t>    if p is None: return</a:t>
+            </a:r>
+          </a:p>
+          <a:p>
+            <a:r>
+              <a:rPr lang="en-US" sz="2400" dirty="0">
+                <a:latin typeface="Monaco" charset="0"/>
+                <a:ea typeface="Monaco" charset="0"/>
+                <a:cs typeface="Monaco" charset="0"/>
+              </a:rPr>
+              <a:t>    print(</a:t>
+            </a:r>
+            <a:r>
+              <a:rPr lang="en-US" sz="2400" dirty="0" err="1">
+                <a:latin typeface="Monaco" charset="0"/>
+                <a:ea typeface="Monaco" charset="0"/>
+                <a:cs typeface="Monaco" charset="0"/>
+              </a:rPr>
+              <a:t>p.value</a:t>
+            </a:r>
+            <a:r>
+              <a:rPr lang="en-US" sz="2400" dirty="0">
+                <a:latin typeface="Monaco" charset="0"/>
+                <a:ea typeface="Monaco" charset="0"/>
+                <a:cs typeface="Monaco" charset="0"/>
+              </a:rPr>
+              <a:t>)</a:t>
+            </a:r>
+            <a:endParaRPr lang="en-US" sz="2400" dirty="0">
+              <a:solidFill>
+                <a:srgbClr val="00B0F0"/>
+              </a:solidFill>
+              <a:latin typeface="Monaco" charset="0"/>
+              <a:ea typeface="Monaco" charset="0"/>
+              <a:cs typeface="Monaco" charset="0"/>
+            </a:endParaRPr>
+          </a:p>
+          <a:p>
+            <a:r>
+              <a:rPr lang="en-US" sz="2400" dirty="0">
+                <a:latin typeface="Monaco" charset="0"/>
+                <a:ea typeface="Monaco" charset="0"/>
+                <a:cs typeface="Monaco" charset="0"/>
+              </a:rPr>
+              <a:t>    </a:t>
+            </a:r>
+            <a:r>
+              <a:rPr lang="en-US" sz="2400" dirty="0" err="1">
+                <a:latin typeface="Monaco" charset="0"/>
+                <a:ea typeface="Monaco" charset="0"/>
+                <a:cs typeface="Monaco" charset="0"/>
+              </a:rPr>
+              <a:t>walk_tree</a:t>
+            </a:r>
+            <a:r>
+              <a:rPr lang="en-US" sz="2400" dirty="0">
+                <a:latin typeface="Monaco" charset="0"/>
+                <a:ea typeface="Monaco" charset="0"/>
+                <a:cs typeface="Monaco" charset="0"/>
+              </a:rPr>
+              <a:t>(</a:t>
+            </a:r>
+            <a:r>
+              <a:rPr lang="en-US" sz="2400" dirty="0" err="1">
+                <a:latin typeface="Monaco" charset="0"/>
+                <a:ea typeface="Monaco" charset="0"/>
+                <a:cs typeface="Monaco" charset="0"/>
+              </a:rPr>
+              <a:t>p.left</a:t>
+            </a:r>
+            <a:r>
+              <a:rPr lang="en-US" sz="2400" dirty="0">
+                <a:latin typeface="Monaco" charset="0"/>
+                <a:ea typeface="Monaco" charset="0"/>
+                <a:cs typeface="Monaco" charset="0"/>
+              </a:rPr>
+              <a:t>)</a:t>
+            </a:r>
+          </a:p>
+          <a:p>
+            <a:r>
+              <a:rPr lang="en-US" sz="2400" dirty="0">
+                <a:latin typeface="Monaco" charset="0"/>
+                <a:ea typeface="Monaco" charset="0"/>
+                <a:cs typeface="Monaco" charset="0"/>
+              </a:rPr>
+              <a:t>    </a:t>
+            </a:r>
+            <a:r>
+              <a:rPr lang="en-US" sz="2400" dirty="0" err="1">
+                <a:latin typeface="Monaco" charset="0"/>
+                <a:ea typeface="Monaco" charset="0"/>
+                <a:cs typeface="Monaco" charset="0"/>
+              </a:rPr>
+              <a:t>walk_tree</a:t>
+            </a:r>
+            <a:r>
+              <a:rPr lang="en-US" sz="2400" dirty="0">
+                <a:latin typeface="Monaco" charset="0"/>
+                <a:ea typeface="Monaco" charset="0"/>
+                <a:cs typeface="Monaco" charset="0"/>
+              </a:rPr>
+              <a:t>(</a:t>
+            </a:r>
+            <a:r>
+              <a:rPr lang="en-US" sz="2400" dirty="0" err="1">
+                <a:latin typeface="Monaco" charset="0"/>
+                <a:ea typeface="Monaco" charset="0"/>
+                <a:cs typeface="Monaco" charset="0"/>
+              </a:rPr>
+              <a:t>p.right</a:t>
+            </a:r>
+            <a:r>
+              <a:rPr lang="en-US" sz="2400" dirty="0">
+                <a:latin typeface="Monaco" charset="0"/>
+                <a:ea typeface="Monaco" charset="0"/>
+                <a:cs typeface="Monaco" charset="0"/>
+              </a:rPr>
+              <a:t>)</a:t>
+            </a:r>
+          </a:p>
+        </p:txBody>
+      </p:sp>
+      <p:sp>
+        <p:nvSpPr>
+          <p:cNvPr id="5" name="TextBox 4">
+            <a:extLst>
+              <a:ext uri="{FF2B5EF4-FFF2-40B4-BE49-F238E27FC236}">
+                <a16:creationId xmlns:a16="http://schemas.microsoft.com/office/drawing/2014/main" id="{C3FB2FFF-DEF2-1142-B192-1951F3C9926F}"/>
+              </a:ext>
+            </a:extLst>
+          </p:cNvPr>
+          <p:cNvSpPr txBox="1"/>
           <p:nvPr/>
-        </p:nvPicPr>
-        <p:blipFill>
-          <a:blip r:embed="rId2"/>
-          <a:stretch>
-            <a:fillRect/>
-          </a:stretch>
-        </p:blipFill>
+        </p:nvSpPr>
         <p:spPr>
           <a:xfrm>
-            <a:off x="7266096" y="3259834"/>
-            <a:ext cx="4261181" cy="2678853"/>
-          </a:xfrm>
-          <a:prstGeom prst="rect">
-            <a:avLst/>
-          </a:prstGeom>
-        </p:spPr>
-      </p:pic>
-      <p:sp>
-        <p:nvSpPr>
-          <p:cNvPr id="9" name="TextBox 8">
-            <a:extLst>
-              <a:ext uri="{FF2B5EF4-FFF2-40B4-BE49-F238E27FC236}">
-                <a16:creationId xmlns:a16="http://schemas.microsoft.com/office/drawing/2014/main" id="{B9D469A2-660F-3D45-AFA7-7168560CCB8E}"/>
-              </a:ext>
-            </a:extLst>
-          </p:cNvPr>
-          <p:cNvSpPr txBox="1"/>
-          <p:nvPr/>
-        </p:nvSpPr>
-        <p:spPr>
-          <a:xfrm>
-            <a:off x="917875" y="3259834"/>
+            <a:off x="5840071" y="2997189"/>
             <a:ext cx="6268546" cy="2677656"/>
           </a:xfrm>
           <a:prstGeom prst="rect">
@@ -4953,7 +4904,7 @@
     </p:spTree>
     <p:extLst>
       <p:ext uri="{BB962C8B-B14F-4D97-AF65-F5344CB8AC3E}">
-        <p14:creationId xmlns:p14="http://schemas.microsoft.com/office/powerpoint/2010/main" val="2617941640"/>
+        <p14:creationId xmlns:p14="http://schemas.microsoft.com/office/powerpoint/2010/main" val="1475782895"/>
       </p:ext>
     </p:extLst>
   </p:cSld>
@@ -4985,7 +4936,7 @@
           <p:cNvPr id="2" name="Title 1">
             <a:extLst>
               <a:ext uri="{FF2B5EF4-FFF2-40B4-BE49-F238E27FC236}">
-                <a16:creationId xmlns:a16="http://schemas.microsoft.com/office/drawing/2014/main" id="{8ED93FDD-7934-4E40-A163-AB384FB63A32}"/>
+                <a16:creationId xmlns:a16="http://schemas.microsoft.com/office/drawing/2014/main" id="{FDAF5562-A444-CF4E-B23D-7623228EA43C}"/>
               </a:ext>
             </a:extLst>
           </p:cNvPr>
@@ -5003,7 +4954,7 @@
           <a:p>
             <a:r>
               <a:rPr lang="en-US" dirty="0"/>
-              <a:t>Compare BST search to tree walk</a:t>
+              <a:t>Manual graph construction</a:t>
             </a:r>
           </a:p>
         </p:txBody>
@@ -5013,7 +4964,7 @@
           <p:cNvPr id="3" name="Content Placeholder 2">
             <a:extLst>
               <a:ext uri="{FF2B5EF4-FFF2-40B4-BE49-F238E27FC236}">
-                <a16:creationId xmlns:a16="http://schemas.microsoft.com/office/drawing/2014/main" id="{79B023F9-519C-E64B-9569-6057414B47B0}"/>
+                <a16:creationId xmlns:a16="http://schemas.microsoft.com/office/drawing/2014/main" id="{7971D18F-9104-CD43-8A7E-913F8568A828}"/>
               </a:ext>
             </a:extLst>
           </p:cNvPr>
@@ -5030,26 +4981,91 @@
           <a:lstStyle/>
           <a:p>
             <a:r>
+              <a:rPr lang="en-US" b="1" dirty="0"/>
+              <a:t>Exercise</a:t>
+            </a:r>
+            <a:r>
               <a:rPr lang="en-US" dirty="0"/>
-              <a:t>Conditional recursion; we only </a:t>
+              <a:t>: Go to “Constructing graphs” section of link below, play with graph construction code to build different graphs.</a:t>
+            </a:r>
+          </a:p>
+          <a:p>
+            <a:r>
+              <a:rPr lang="en-US" dirty="0"/>
+              <a:t>(You need ”pip install </a:t>
             </a:r>
             <a:r>
               <a:rPr lang="en-US" dirty="0" err="1"/>
-              <a:t>recurse</a:t>
+              <a:t>lolviz</a:t>
             </a:r>
             <a:r>
               <a:rPr lang="en-US" dirty="0"/>
-              <a:t> to ONE child not both</a:t>
-            </a:r>
-          </a:p>
-        </p:txBody>
-      </p:sp>
-      <p:sp>
-        <p:nvSpPr>
-          <p:cNvPr id="4" name="TextBox 3">
-            <a:extLst>
-              <a:ext uri="{FF2B5EF4-FFF2-40B4-BE49-F238E27FC236}">
-                <a16:creationId xmlns:a16="http://schemas.microsoft.com/office/drawing/2014/main" id="{F9A960AF-A022-814B-8DD8-5D00D98DE247}"/>
+              <a:t>” to visualize.)</a:t>
+            </a:r>
+          </a:p>
+        </p:txBody>
+      </p:sp>
+      <p:sp>
+        <p:nvSpPr>
+          <p:cNvPr id="4" name="Rectangle 3">
+            <a:extLst>
+              <a:ext uri="{FF2B5EF4-FFF2-40B4-BE49-F238E27FC236}">
+                <a16:creationId xmlns:a16="http://schemas.microsoft.com/office/drawing/2014/main" id="{FB6878FE-48C9-114D-AD67-B2A92793F309}"/>
+              </a:ext>
+            </a:extLst>
+          </p:cNvPr>
+          <p:cNvSpPr/>
+          <p:nvPr/>
+        </p:nvSpPr>
+        <p:spPr>
+          <a:xfrm>
+            <a:off x="762000" y="6176963"/>
+            <a:ext cx="7467600" cy="369332"/>
+          </a:xfrm>
+          <a:prstGeom prst="rect">
+            <a:avLst/>
+          </a:prstGeom>
+        </p:spPr>
+        <p:txBody>
+          <a:bodyPr wrap="square">
+            <a:spAutoFit/>
+          </a:bodyPr>
+          <a:lstStyle/>
+          <a:p>
+            <a:r>
+              <a:rPr lang="en-US" dirty="0"/>
+              <a:t>https://</a:t>
+            </a:r>
+            <a:r>
+              <a:rPr lang="en-US" dirty="0" err="1"/>
+              <a:t>github.com</a:t>
+            </a:r>
+            <a:r>
+              <a:rPr lang="en-US" dirty="0"/>
+              <a:t>/</a:t>
+            </a:r>
+            <a:r>
+              <a:rPr lang="en-US" dirty="0" err="1"/>
+              <a:t>parrt</a:t>
+            </a:r>
+            <a:r>
+              <a:rPr lang="en-US" dirty="0"/>
+              <a:t>/msds689/blob/master/notes/</a:t>
+            </a:r>
+            <a:r>
+              <a:rPr lang="en-US" dirty="0" err="1"/>
+              <a:t>walking.ipynb</a:t>
+            </a:r>
+            <a:endParaRPr lang="en-US" dirty="0"/>
+          </a:p>
+        </p:txBody>
+      </p:sp>
+      <p:sp>
+        <p:nvSpPr>
+          <p:cNvPr id="5" name="TextBox 4">
+            <a:extLst>
+              <a:ext uri="{FF2B5EF4-FFF2-40B4-BE49-F238E27FC236}">
+                <a16:creationId xmlns:a16="http://schemas.microsoft.com/office/drawing/2014/main" id="{5E0D579F-9116-314E-A31B-3D37BB7398D6}"/>
               </a:ext>
             </a:extLst>
           </p:cNvPr>
@@ -5058,8 +5074,8 @@
         </p:nvSpPr>
         <p:spPr>
           <a:xfrm>
-            <a:off x="83383" y="2997189"/>
-            <a:ext cx="5680488" cy="1938992"/>
+            <a:off x="3135271" y="3427039"/>
+            <a:ext cx="5570985" cy="2308324"/>
           </a:xfrm>
           <a:prstGeom prst="rect">
             <a:avLst/>
@@ -5083,7 +5099,17 @@
                 <a:ea typeface="Monaco" charset="0"/>
                 <a:cs typeface="Monaco" charset="0"/>
               </a:rPr>
-              <a:t>def </a:t>
+              <a:t>class Node:</a:t>
+            </a:r>
+          </a:p>
+          <a:p>
+            <a:r>
+              <a:rPr lang="en-US" sz="2400" dirty="0">
+                <a:latin typeface="Monaco" charset="0"/>
+                <a:ea typeface="Monaco" charset="0"/>
+                <a:cs typeface="Monaco" charset="0"/>
+              </a:rPr>
+              <a:t>  def __</a:t>
             </a:r>
             <a:r>
               <a:rPr lang="en-US" sz="2400" dirty="0" err="1">
@@ -5091,15 +5117,25 @@
                 <a:ea typeface="Monaco" charset="0"/>
                 <a:cs typeface="Monaco" charset="0"/>
               </a:rPr>
-              <a:t>walk_tree</a:t>
-            </a:r>
-            <a:r>
-              <a:rPr lang="en-US" sz="2400" dirty="0">
-                <a:latin typeface="Monaco" charset="0"/>
-                <a:ea typeface="Monaco" charset="0"/>
-                <a:cs typeface="Monaco" charset="0"/>
-              </a:rPr>
-              <a:t>(</a:t>
+              <a:t>init</a:t>
+            </a:r>
+            <a:r>
+              <a:rPr lang="en-US" sz="2400" dirty="0">
+                <a:latin typeface="Monaco" charset="0"/>
+                <a:ea typeface="Monaco" charset="0"/>
+                <a:cs typeface="Monaco" charset="0"/>
+              </a:rPr>
+              <a:t>__(self, value):</a:t>
+            </a:r>
+          </a:p>
+          <a:p>
+            <a:r>
+              <a:rPr lang="en-US" sz="2400" dirty="0">
+                <a:latin typeface="Monaco" charset="0"/>
+                <a:ea typeface="Monaco" charset="0"/>
+                <a:cs typeface="Monaco" charset="0"/>
+              </a:rPr>
+              <a:t>    </a:t>
             </a:r>
             <a:r>
               <a:rPr lang="en-US" sz="2400" dirty="0" err="1">
@@ -5107,7 +5143,59 @@
                 <a:ea typeface="Monaco" charset="0"/>
                 <a:cs typeface="Monaco" charset="0"/>
               </a:rPr>
-              <a:t>p:TreeNode</a:t>
+              <a:t>self.value</a:t>
+            </a:r>
+            <a:r>
+              <a:rPr lang="en-US" sz="2400" dirty="0">
+                <a:latin typeface="Monaco" charset="0"/>
+                <a:ea typeface="Monaco" charset="0"/>
+                <a:cs typeface="Monaco" charset="0"/>
+              </a:rPr>
+              <a:t> = value</a:t>
+            </a:r>
+          </a:p>
+          <a:p>
+            <a:r>
+              <a:rPr lang="en-US" sz="2400" dirty="0">
+                <a:latin typeface="Monaco" charset="0"/>
+                <a:ea typeface="Monaco" charset="0"/>
+                <a:cs typeface="Monaco" charset="0"/>
+              </a:rPr>
+              <a:t>    </a:t>
+            </a:r>
+            <a:r>
+              <a:rPr lang="en-US" sz="2400" dirty="0" err="1">
+                <a:latin typeface="Monaco" charset="0"/>
+                <a:ea typeface="Monaco" charset="0"/>
+                <a:cs typeface="Monaco" charset="0"/>
+              </a:rPr>
+              <a:t>self.edges</a:t>
+            </a:r>
+            <a:r>
+              <a:rPr lang="en-US" sz="2400" dirty="0">
+                <a:latin typeface="Monaco" charset="0"/>
+                <a:ea typeface="Monaco" charset="0"/>
+                <a:cs typeface="Monaco" charset="0"/>
+              </a:rPr>
+              <a:t> = []</a:t>
+            </a:r>
+          </a:p>
+          <a:p>
+            <a:r>
+              <a:rPr lang="en-US" sz="2400" dirty="0">
+                <a:latin typeface="Monaco" charset="0"/>
+                <a:ea typeface="Monaco" charset="0"/>
+                <a:cs typeface="Monaco" charset="0"/>
+              </a:rPr>
+              <a:t>  def add(self, </a:t>
+            </a:r>
+            <a:r>
+              <a:rPr lang="en-US" sz="2400" dirty="0" err="1">
+                <a:latin typeface="Monaco" charset="0"/>
+                <a:ea typeface="Monaco" charset="0"/>
+                <a:cs typeface="Monaco" charset="0"/>
+              </a:rPr>
+              <a:t>target:Node</a:t>
             </a:r>
             <a:r>
               <a:rPr lang="en-US" sz="2400" dirty="0">
@@ -5125,17 +5213,7 @@
                 <a:ea typeface="Monaco" charset="0"/>
                 <a:cs typeface="Monaco" charset="0"/>
               </a:rPr>
-              <a:t>    if p is None: return</a:t>
-            </a:r>
-          </a:p>
-          <a:p>
-            <a:r>
-              <a:rPr lang="en-US" sz="2400" dirty="0">
-                <a:latin typeface="Monaco" charset="0"/>
-                <a:ea typeface="Monaco" charset="0"/>
-                <a:cs typeface="Monaco" charset="0"/>
-              </a:rPr>
-              <a:t>    print(</a:t>
+              <a:t>    </a:t>
             </a:r>
             <a:r>
               <a:rPr lang="en-US" sz="2400" dirty="0" err="1">
@@ -5143,307 +5221,15 @@
                 <a:ea typeface="Monaco" charset="0"/>
                 <a:cs typeface="Monaco" charset="0"/>
               </a:rPr>
-              <a:t>p.value</a:t>
-            </a:r>
-            <a:r>
-              <a:rPr lang="en-US" sz="2400" dirty="0">
-                <a:latin typeface="Monaco" charset="0"/>
-                <a:ea typeface="Monaco" charset="0"/>
-                <a:cs typeface="Monaco" charset="0"/>
-              </a:rPr>
-              <a:t>)</a:t>
-            </a:r>
-            <a:endParaRPr lang="en-US" sz="2400" dirty="0">
-              <a:solidFill>
-                <a:srgbClr val="00B0F0"/>
-              </a:solidFill>
-              <a:latin typeface="Monaco" charset="0"/>
-              <a:ea typeface="Monaco" charset="0"/>
-              <a:cs typeface="Monaco" charset="0"/>
-            </a:endParaRPr>
-          </a:p>
-          <a:p>
-            <a:r>
-              <a:rPr lang="en-US" sz="2400" dirty="0">
-                <a:latin typeface="Monaco" charset="0"/>
-                <a:ea typeface="Monaco" charset="0"/>
-                <a:cs typeface="Monaco" charset="0"/>
-              </a:rPr>
-              <a:t>    </a:t>
-            </a:r>
-            <a:r>
-              <a:rPr lang="en-US" sz="2400" dirty="0" err="1">
-                <a:latin typeface="Monaco" charset="0"/>
-                <a:ea typeface="Monaco" charset="0"/>
-                <a:cs typeface="Monaco" charset="0"/>
-              </a:rPr>
-              <a:t>walk_tree</a:t>
-            </a:r>
-            <a:r>
-              <a:rPr lang="en-US" sz="2400" dirty="0">
-                <a:latin typeface="Monaco" charset="0"/>
-                <a:ea typeface="Monaco" charset="0"/>
-                <a:cs typeface="Monaco" charset="0"/>
-              </a:rPr>
-              <a:t>(</a:t>
-            </a:r>
-            <a:r>
-              <a:rPr lang="en-US" sz="2400" dirty="0" err="1">
-                <a:latin typeface="Monaco" charset="0"/>
-                <a:ea typeface="Monaco" charset="0"/>
-                <a:cs typeface="Monaco" charset="0"/>
-              </a:rPr>
-              <a:t>p.left</a:t>
-            </a:r>
-            <a:r>
-              <a:rPr lang="en-US" sz="2400" dirty="0">
-                <a:latin typeface="Monaco" charset="0"/>
-                <a:ea typeface="Monaco" charset="0"/>
-                <a:cs typeface="Monaco" charset="0"/>
-              </a:rPr>
-              <a:t>)</a:t>
-            </a:r>
-          </a:p>
-          <a:p>
-            <a:r>
-              <a:rPr lang="en-US" sz="2400" dirty="0">
-                <a:latin typeface="Monaco" charset="0"/>
-                <a:ea typeface="Monaco" charset="0"/>
-                <a:cs typeface="Monaco" charset="0"/>
-              </a:rPr>
-              <a:t>    </a:t>
-            </a:r>
-            <a:r>
-              <a:rPr lang="en-US" sz="2400" dirty="0" err="1">
-                <a:latin typeface="Monaco" charset="0"/>
-                <a:ea typeface="Monaco" charset="0"/>
-                <a:cs typeface="Monaco" charset="0"/>
-              </a:rPr>
-              <a:t>walk_tree</a:t>
-            </a:r>
-            <a:r>
-              <a:rPr lang="en-US" sz="2400" dirty="0">
-                <a:latin typeface="Monaco" charset="0"/>
-                <a:ea typeface="Monaco" charset="0"/>
-                <a:cs typeface="Monaco" charset="0"/>
-              </a:rPr>
-              <a:t>(</a:t>
-            </a:r>
-            <a:r>
-              <a:rPr lang="en-US" sz="2400" dirty="0" err="1">
-                <a:latin typeface="Monaco" charset="0"/>
-                <a:ea typeface="Monaco" charset="0"/>
-                <a:cs typeface="Monaco" charset="0"/>
-              </a:rPr>
-              <a:t>p.right</a:t>
-            </a:r>
-            <a:r>
-              <a:rPr lang="en-US" sz="2400" dirty="0">
-                <a:latin typeface="Monaco" charset="0"/>
-                <a:ea typeface="Monaco" charset="0"/>
-                <a:cs typeface="Monaco" charset="0"/>
-              </a:rPr>
-              <a:t>)</a:t>
-            </a:r>
-          </a:p>
-        </p:txBody>
-      </p:sp>
-      <p:sp>
-        <p:nvSpPr>
-          <p:cNvPr id="5" name="TextBox 4">
-            <a:extLst>
-              <a:ext uri="{FF2B5EF4-FFF2-40B4-BE49-F238E27FC236}">
-                <a16:creationId xmlns:a16="http://schemas.microsoft.com/office/drawing/2014/main" id="{C3FB2FFF-DEF2-1142-B192-1951F3C9926F}"/>
-              </a:ext>
-            </a:extLst>
-          </p:cNvPr>
-          <p:cNvSpPr txBox="1"/>
-          <p:nvPr/>
-        </p:nvSpPr>
-        <p:spPr>
-          <a:xfrm>
-            <a:off x="5840071" y="2997189"/>
-            <a:ext cx="6268546" cy="2677656"/>
-          </a:xfrm>
-          <a:prstGeom prst="rect">
-            <a:avLst/>
-          </a:prstGeom>
-          <a:noFill/>
-          <a:ln>
-            <a:solidFill>
-              <a:schemeClr val="accent1"/>
-            </a:solidFill>
-          </a:ln>
-        </p:spPr>
-        <p:txBody>
-          <a:bodyPr wrap="square" rtlCol="0">
-            <a:spAutoFit/>
-          </a:bodyPr>
-          <a:lstStyle/>
-          <a:p>
-            <a:r>
-              <a:rPr lang="en-US" sz="2400" dirty="0">
-                <a:latin typeface="Monaco" charset="0"/>
-                <a:ea typeface="Monaco" charset="0"/>
-                <a:cs typeface="Monaco" charset="0"/>
-              </a:rPr>
-              <a:t>def search(</a:t>
-            </a:r>
-            <a:r>
-              <a:rPr lang="en-US" sz="2400" dirty="0" err="1">
-                <a:latin typeface="Monaco" charset="0"/>
-                <a:ea typeface="Monaco" charset="0"/>
-                <a:cs typeface="Monaco" charset="0"/>
-              </a:rPr>
-              <a:t>p:TreeNode</a:t>
-            </a:r>
-            <a:r>
-              <a:rPr lang="en-US" sz="2400" dirty="0">
-                <a:latin typeface="Monaco" charset="0"/>
-                <a:ea typeface="Monaco" charset="0"/>
-                <a:cs typeface="Monaco" charset="0"/>
-              </a:rPr>
-              <a:t>, </a:t>
-            </a:r>
-            <a:r>
-              <a:rPr lang="en-US" sz="2400" dirty="0" err="1">
-                <a:latin typeface="Monaco" charset="0"/>
-                <a:ea typeface="Monaco" charset="0"/>
-                <a:cs typeface="Monaco" charset="0"/>
-              </a:rPr>
-              <a:t>x:object</a:t>
-            </a:r>
-            <a:r>
-              <a:rPr lang="en-US" sz="2400" dirty="0">
-                <a:latin typeface="Monaco" charset="0"/>
-                <a:ea typeface="Monaco" charset="0"/>
-                <a:cs typeface="Monaco" charset="0"/>
-              </a:rPr>
-              <a:t>):</a:t>
-            </a:r>
-          </a:p>
-          <a:p>
-            <a:r>
-              <a:rPr lang="en-US" sz="2400" dirty="0">
-                <a:latin typeface="Monaco" charset="0"/>
-                <a:ea typeface="Monaco" charset="0"/>
-                <a:cs typeface="Monaco" charset="0"/>
-              </a:rPr>
-              <a:t>    if p is None: return None</a:t>
-            </a:r>
-          </a:p>
-          <a:p>
-            <a:r>
-              <a:rPr lang="en-US" sz="2400" dirty="0">
-                <a:latin typeface="Monaco" charset="0"/>
-                <a:ea typeface="Monaco" charset="0"/>
-                <a:cs typeface="Monaco" charset="0"/>
-              </a:rPr>
-              <a:t>    if x&lt;</a:t>
-            </a:r>
-            <a:r>
-              <a:rPr lang="en-US" sz="2400" dirty="0" err="1">
-                <a:latin typeface="Monaco" charset="0"/>
-                <a:ea typeface="Monaco" charset="0"/>
-                <a:cs typeface="Monaco" charset="0"/>
-              </a:rPr>
-              <a:t>p.value</a:t>
-            </a:r>
-            <a:r>
-              <a:rPr lang="en-US" sz="2400" dirty="0">
-                <a:latin typeface="Monaco" charset="0"/>
-                <a:ea typeface="Monaco" charset="0"/>
-                <a:cs typeface="Monaco" charset="0"/>
-              </a:rPr>
-              <a:t>:</a:t>
-            </a:r>
-          </a:p>
-          <a:p>
-            <a:r>
-              <a:rPr lang="en-US" sz="2400" dirty="0">
-                <a:latin typeface="Monaco" charset="0"/>
-                <a:ea typeface="Monaco" charset="0"/>
-                <a:cs typeface="Monaco" charset="0"/>
-              </a:rPr>
-              <a:t>        return search(</a:t>
-            </a:r>
-            <a:r>
-              <a:rPr lang="en-US" sz="2400" dirty="0" err="1">
-                <a:latin typeface="Monaco" charset="0"/>
-                <a:ea typeface="Monaco" charset="0"/>
-                <a:cs typeface="Monaco" charset="0"/>
-              </a:rPr>
-              <a:t>p.left</a:t>
-            </a:r>
-            <a:r>
-              <a:rPr lang="en-US" sz="2400" dirty="0">
-                <a:latin typeface="Monaco" charset="0"/>
-                <a:ea typeface="Monaco" charset="0"/>
-                <a:cs typeface="Monaco" charset="0"/>
-              </a:rPr>
-              <a:t>, x)</a:t>
-            </a:r>
-          </a:p>
-          <a:p>
-            <a:r>
-              <a:rPr lang="en-US" sz="2400" dirty="0">
-                <a:latin typeface="Monaco" charset="0"/>
-                <a:ea typeface="Monaco" charset="0"/>
-                <a:cs typeface="Monaco" charset="0"/>
-              </a:rPr>
-              <a:t>    if x&gt;</a:t>
-            </a:r>
-            <a:r>
-              <a:rPr lang="en-US" sz="2400" dirty="0" err="1">
-                <a:latin typeface="Monaco" charset="0"/>
-                <a:ea typeface="Monaco" charset="0"/>
-                <a:cs typeface="Monaco" charset="0"/>
-              </a:rPr>
-              <a:t>p.value</a:t>
-            </a:r>
-            <a:r>
-              <a:rPr lang="en-US" sz="2400" dirty="0">
-                <a:latin typeface="Monaco" charset="0"/>
-                <a:ea typeface="Monaco" charset="0"/>
-                <a:cs typeface="Monaco" charset="0"/>
-              </a:rPr>
-              <a:t>:</a:t>
-            </a:r>
-          </a:p>
-          <a:p>
-            <a:r>
-              <a:rPr lang="en-US" sz="2400" dirty="0">
-                <a:latin typeface="Monaco" charset="0"/>
-                <a:ea typeface="Monaco" charset="0"/>
-                <a:cs typeface="Monaco" charset="0"/>
-              </a:rPr>
-              <a:t>        return search(</a:t>
-            </a:r>
-            <a:r>
-              <a:rPr lang="en-US" sz="2400" dirty="0" err="1">
-                <a:latin typeface="Monaco" charset="0"/>
-                <a:ea typeface="Monaco" charset="0"/>
-                <a:cs typeface="Monaco" charset="0"/>
-              </a:rPr>
-              <a:t>p.right</a:t>
-            </a:r>
-            <a:r>
-              <a:rPr lang="en-US" sz="2400" dirty="0">
-                <a:latin typeface="Monaco" charset="0"/>
-                <a:ea typeface="Monaco" charset="0"/>
-                <a:cs typeface="Monaco" charset="0"/>
-              </a:rPr>
-              <a:t>, x)</a:t>
-            </a:r>
-          </a:p>
-          <a:p>
-            <a:r>
-              <a:rPr lang="en-US" sz="2400" dirty="0">
-                <a:latin typeface="Monaco" charset="0"/>
-                <a:ea typeface="Monaco" charset="0"/>
-                <a:cs typeface="Monaco" charset="0"/>
-              </a:rPr>
-              <a:t>    return p</a:t>
+              <a:t>self.edges.append</a:t>
+            </a:r>
+            <a:r>
+              <a:rPr lang="en-US" sz="2400" dirty="0">
+                <a:latin typeface="Monaco" charset="0"/>
+                <a:ea typeface="Monaco" charset="0"/>
+                <a:cs typeface="Monaco" charset="0"/>
+              </a:rPr>
+              <a:t>(target)</a:t>
             </a:r>
           </a:p>
         </p:txBody>
@@ -5451,7 +5237,7 @@
     </p:spTree>
     <p:extLst>
       <p:ext uri="{BB962C8B-B14F-4D97-AF65-F5344CB8AC3E}">
-        <p14:creationId xmlns:p14="http://schemas.microsoft.com/office/powerpoint/2010/main" val="1080483656"/>
+        <p14:creationId xmlns:p14="http://schemas.microsoft.com/office/powerpoint/2010/main" val="1079673575"/>
       </p:ext>
     </p:extLst>
   </p:cSld>
@@ -5483,6 +5269,825 @@
           <p:cNvPr id="2" name="Title 1">
             <a:extLst>
               <a:ext uri="{FF2B5EF4-FFF2-40B4-BE49-F238E27FC236}">
+                <a16:creationId xmlns:a16="http://schemas.microsoft.com/office/drawing/2014/main" id="{A28C248F-1DBF-8444-B7E1-A5C580E64CAD}"/>
+              </a:ext>
+            </a:extLst>
+          </p:cNvPr>
+          <p:cNvSpPr>
+            <a:spLocks noGrp="1"/>
+          </p:cNvSpPr>
+          <p:nvPr>
+            <p:ph type="title"/>
+          </p:nvPr>
+        </p:nvSpPr>
+        <p:spPr/>
+        <p:txBody>
+          <a:bodyPr/>
+          <a:lstStyle/>
+          <a:p>
+            <a:r>
+              <a:rPr lang="en-US" i="1" dirty="0"/>
+              <a:t>Depth-first</a:t>
+            </a:r>
+            <a:r>
+              <a:rPr lang="en-US" dirty="0"/>
+              <a:t> graph walk*, compare to tree</a:t>
+            </a:r>
+          </a:p>
+        </p:txBody>
+      </p:sp>
+      <p:pic>
+        <p:nvPicPr>
+          <p:cNvPr id="5" name="Picture 4">
+            <a:extLst>
+              <a:ext uri="{FF2B5EF4-FFF2-40B4-BE49-F238E27FC236}">
+                <a16:creationId xmlns:a16="http://schemas.microsoft.com/office/drawing/2014/main" id="{1792B99B-6506-2E43-A5C8-14B7064BB21C}"/>
+              </a:ext>
+            </a:extLst>
+          </p:cNvPr>
+          <p:cNvPicPr>
+            <a:picLocks noChangeAspect="1"/>
+          </p:cNvPicPr>
+          <p:nvPr/>
+        </p:nvPicPr>
+        <p:blipFill>
+          <a:blip r:embed="rId2"/>
+          <a:stretch>
+            <a:fillRect/>
+          </a:stretch>
+        </p:blipFill>
+        <p:spPr>
+          <a:xfrm>
+            <a:off x="609108" y="3701527"/>
+            <a:ext cx="10973783" cy="2475436"/>
+          </a:xfrm>
+          <a:prstGeom prst="rect">
+            <a:avLst/>
+          </a:prstGeom>
+        </p:spPr>
+      </p:pic>
+      <p:sp>
+        <p:nvSpPr>
+          <p:cNvPr id="6" name="TextBox 5">
+            <a:extLst>
+              <a:ext uri="{FF2B5EF4-FFF2-40B4-BE49-F238E27FC236}">
+                <a16:creationId xmlns:a16="http://schemas.microsoft.com/office/drawing/2014/main" id="{353E74A1-D948-4C47-B6C7-43C654E6D4A9}"/>
+              </a:ext>
+            </a:extLst>
+          </p:cNvPr>
+          <p:cNvSpPr txBox="1"/>
+          <p:nvPr/>
+        </p:nvSpPr>
+        <p:spPr>
+          <a:xfrm>
+            <a:off x="609108" y="1556611"/>
+            <a:ext cx="4828654" cy="1938992"/>
+          </a:xfrm>
+          <a:prstGeom prst="rect">
+            <a:avLst/>
+          </a:prstGeom>
+          <a:noFill/>
+          <a:ln>
+            <a:solidFill>
+              <a:schemeClr val="accent1"/>
+            </a:solidFill>
+          </a:ln>
+        </p:spPr>
+        <p:txBody>
+          <a:bodyPr wrap="square" rtlCol="0">
+            <a:spAutoFit/>
+          </a:bodyPr>
+          <a:lstStyle/>
+          <a:p>
+            <a:r>
+              <a:rPr lang="en-US" sz="2400" dirty="0">
+                <a:latin typeface="Monaco" charset="0"/>
+                <a:ea typeface="Monaco" charset="0"/>
+                <a:cs typeface="Monaco" charset="0"/>
+              </a:rPr>
+              <a:t>def </a:t>
+            </a:r>
+            <a:r>
+              <a:rPr lang="en-US" sz="2400" dirty="0" err="1">
+                <a:latin typeface="Monaco" charset="0"/>
+                <a:ea typeface="Monaco" charset="0"/>
+                <a:cs typeface="Monaco" charset="0"/>
+              </a:rPr>
+              <a:t>walk_</a:t>
+            </a:r>
+            <a:r>
+              <a:rPr lang="en-US" sz="2400" dirty="0" err="1">
+                <a:solidFill>
+                  <a:srgbClr val="00B0F0"/>
+                </a:solidFill>
+                <a:latin typeface="Monaco" charset="0"/>
+                <a:ea typeface="Monaco" charset="0"/>
+                <a:cs typeface="Monaco" charset="0"/>
+              </a:rPr>
+              <a:t>graph</a:t>
+            </a:r>
+            <a:r>
+              <a:rPr lang="en-US" sz="2400" dirty="0">
+                <a:latin typeface="Monaco" charset="0"/>
+                <a:ea typeface="Monaco" charset="0"/>
+                <a:cs typeface="Monaco" charset="0"/>
+              </a:rPr>
+              <a:t>(</a:t>
+            </a:r>
+            <a:r>
+              <a:rPr lang="en-US" sz="2400" dirty="0" err="1">
+                <a:latin typeface="Monaco" charset="0"/>
+                <a:ea typeface="Monaco" charset="0"/>
+                <a:cs typeface="Monaco" charset="0"/>
+              </a:rPr>
+              <a:t>p:Node</a:t>
+            </a:r>
+            <a:r>
+              <a:rPr lang="en-US" sz="2400" dirty="0">
+                <a:latin typeface="Monaco" charset="0"/>
+                <a:ea typeface="Monaco" charset="0"/>
+                <a:cs typeface="Monaco" charset="0"/>
+              </a:rPr>
+              <a:t>):</a:t>
+            </a:r>
+          </a:p>
+          <a:p>
+            <a:r>
+              <a:rPr lang="en-US" sz="2400" dirty="0">
+                <a:latin typeface="Monaco" charset="0"/>
+                <a:ea typeface="Monaco" charset="0"/>
+                <a:cs typeface="Monaco" charset="0"/>
+              </a:rPr>
+              <a:t>    if p is None: return</a:t>
+            </a:r>
+          </a:p>
+          <a:p>
+            <a:r>
+              <a:rPr lang="en-US" sz="2400" dirty="0">
+                <a:latin typeface="Monaco" charset="0"/>
+                <a:ea typeface="Monaco" charset="0"/>
+                <a:cs typeface="Monaco" charset="0"/>
+              </a:rPr>
+              <a:t>    print(</a:t>
+            </a:r>
+            <a:r>
+              <a:rPr lang="en-US" sz="2400" dirty="0" err="1">
+                <a:latin typeface="Monaco" charset="0"/>
+                <a:ea typeface="Monaco" charset="0"/>
+                <a:cs typeface="Monaco" charset="0"/>
+              </a:rPr>
+              <a:t>p.value</a:t>
+            </a:r>
+            <a:r>
+              <a:rPr lang="en-US" sz="2400" dirty="0">
+                <a:latin typeface="Monaco" charset="0"/>
+                <a:ea typeface="Monaco" charset="0"/>
+                <a:cs typeface="Monaco" charset="0"/>
+              </a:rPr>
+              <a:t>)</a:t>
+            </a:r>
+          </a:p>
+          <a:p>
+            <a:r>
+              <a:rPr lang="en-US" sz="2400" dirty="0">
+                <a:latin typeface="Monaco" charset="0"/>
+                <a:ea typeface="Monaco" charset="0"/>
+                <a:cs typeface="Monaco" charset="0"/>
+              </a:rPr>
+              <a:t>    for q in </a:t>
+            </a:r>
+            <a:r>
+              <a:rPr lang="en-US" sz="2400" dirty="0" err="1">
+                <a:latin typeface="Monaco" charset="0"/>
+                <a:ea typeface="Monaco" charset="0"/>
+                <a:cs typeface="Monaco" charset="0"/>
+              </a:rPr>
+              <a:t>p.edges</a:t>
+            </a:r>
+            <a:r>
+              <a:rPr lang="en-US" sz="2400" dirty="0">
+                <a:latin typeface="Monaco" charset="0"/>
+                <a:ea typeface="Monaco" charset="0"/>
+                <a:cs typeface="Monaco" charset="0"/>
+              </a:rPr>
+              <a:t>:</a:t>
+            </a:r>
+          </a:p>
+          <a:p>
+            <a:r>
+              <a:rPr lang="en-US" sz="2400" dirty="0">
+                <a:latin typeface="Monaco" charset="0"/>
+                <a:ea typeface="Monaco" charset="0"/>
+                <a:cs typeface="Monaco" charset="0"/>
+              </a:rPr>
+              <a:t>        </a:t>
+            </a:r>
+            <a:r>
+              <a:rPr lang="en-US" sz="2400" dirty="0" err="1">
+                <a:latin typeface="Monaco" charset="0"/>
+                <a:ea typeface="Monaco" charset="0"/>
+                <a:cs typeface="Monaco" charset="0"/>
+              </a:rPr>
+              <a:t>walk_graph</a:t>
+            </a:r>
+            <a:r>
+              <a:rPr lang="en-US" sz="2400" dirty="0">
+                <a:latin typeface="Monaco" charset="0"/>
+                <a:ea typeface="Monaco" charset="0"/>
+                <a:cs typeface="Monaco" charset="0"/>
+              </a:rPr>
+              <a:t>(q)</a:t>
+            </a:r>
+          </a:p>
+        </p:txBody>
+      </p:sp>
+      <p:sp>
+        <p:nvSpPr>
+          <p:cNvPr id="7" name="TextBox 6">
+            <a:extLst>
+              <a:ext uri="{FF2B5EF4-FFF2-40B4-BE49-F238E27FC236}">
+                <a16:creationId xmlns:a16="http://schemas.microsoft.com/office/drawing/2014/main" id="{D71F8171-1B83-C549-BA34-BF89159BCF31}"/>
+              </a:ext>
+            </a:extLst>
+          </p:cNvPr>
+          <p:cNvSpPr txBox="1"/>
+          <p:nvPr/>
+        </p:nvSpPr>
+        <p:spPr>
+          <a:xfrm>
+            <a:off x="6648191" y="1556611"/>
+            <a:ext cx="4934700" cy="1938992"/>
+          </a:xfrm>
+          <a:prstGeom prst="rect">
+            <a:avLst/>
+          </a:prstGeom>
+          <a:noFill/>
+          <a:ln>
+            <a:solidFill>
+              <a:schemeClr val="accent1"/>
+            </a:solidFill>
+          </a:ln>
+        </p:spPr>
+        <p:txBody>
+          <a:bodyPr wrap="square" rtlCol="0">
+            <a:spAutoFit/>
+          </a:bodyPr>
+          <a:lstStyle/>
+          <a:p>
+            <a:r>
+              <a:rPr lang="en-US" sz="2400" dirty="0">
+                <a:latin typeface="Monaco" charset="0"/>
+                <a:ea typeface="Monaco" charset="0"/>
+                <a:cs typeface="Monaco" charset="0"/>
+              </a:rPr>
+              <a:t>def </a:t>
+            </a:r>
+            <a:r>
+              <a:rPr lang="en-US" sz="2400" dirty="0" err="1">
+                <a:latin typeface="Monaco" charset="0"/>
+                <a:ea typeface="Monaco" charset="0"/>
+                <a:cs typeface="Monaco" charset="0"/>
+              </a:rPr>
+              <a:t>walk_</a:t>
+            </a:r>
+            <a:r>
+              <a:rPr lang="en-US" sz="2400" dirty="0" err="1">
+                <a:solidFill>
+                  <a:srgbClr val="00B0F0"/>
+                </a:solidFill>
+                <a:latin typeface="Monaco" charset="0"/>
+                <a:ea typeface="Monaco" charset="0"/>
+                <a:cs typeface="Monaco" charset="0"/>
+              </a:rPr>
+              <a:t>tree</a:t>
+            </a:r>
+            <a:r>
+              <a:rPr lang="en-US" sz="2400" dirty="0">
+                <a:latin typeface="Monaco" charset="0"/>
+                <a:ea typeface="Monaco" charset="0"/>
+                <a:cs typeface="Monaco" charset="0"/>
+              </a:rPr>
+              <a:t>(</a:t>
+            </a:r>
+            <a:r>
+              <a:rPr lang="en-US" sz="2400" dirty="0" err="1">
+                <a:latin typeface="Monaco" charset="0"/>
+                <a:ea typeface="Monaco" charset="0"/>
+                <a:cs typeface="Monaco" charset="0"/>
+              </a:rPr>
+              <a:t>p:TreeNode</a:t>
+            </a:r>
+            <a:r>
+              <a:rPr lang="en-US" sz="2400" dirty="0">
+                <a:latin typeface="Monaco" charset="0"/>
+                <a:ea typeface="Monaco" charset="0"/>
+                <a:cs typeface="Monaco" charset="0"/>
+              </a:rPr>
+              <a:t>):</a:t>
+            </a:r>
+          </a:p>
+          <a:p>
+            <a:r>
+              <a:rPr lang="en-US" sz="2400" dirty="0">
+                <a:latin typeface="Monaco" charset="0"/>
+                <a:ea typeface="Monaco" charset="0"/>
+                <a:cs typeface="Monaco" charset="0"/>
+              </a:rPr>
+              <a:t>    if p is None: return</a:t>
+            </a:r>
+          </a:p>
+          <a:p>
+            <a:r>
+              <a:rPr lang="en-US" sz="2400" dirty="0">
+                <a:latin typeface="Monaco" charset="0"/>
+                <a:ea typeface="Monaco" charset="0"/>
+                <a:cs typeface="Monaco" charset="0"/>
+              </a:rPr>
+              <a:t>    print(</a:t>
+            </a:r>
+            <a:r>
+              <a:rPr lang="en-US" sz="2400" dirty="0" err="1">
+                <a:latin typeface="Monaco" charset="0"/>
+                <a:ea typeface="Monaco" charset="0"/>
+                <a:cs typeface="Monaco" charset="0"/>
+              </a:rPr>
+              <a:t>p.value</a:t>
+            </a:r>
+            <a:endParaRPr lang="en-US" sz="2400" dirty="0">
+              <a:solidFill>
+                <a:srgbClr val="00B0F0"/>
+              </a:solidFill>
+              <a:latin typeface="Monaco" charset="0"/>
+              <a:ea typeface="Monaco" charset="0"/>
+              <a:cs typeface="Monaco" charset="0"/>
+            </a:endParaRPr>
+          </a:p>
+          <a:p>
+            <a:r>
+              <a:rPr lang="en-US" sz="2400" dirty="0">
+                <a:latin typeface="Monaco" charset="0"/>
+                <a:ea typeface="Monaco" charset="0"/>
+                <a:cs typeface="Monaco" charset="0"/>
+              </a:rPr>
+              <a:t>    </a:t>
+            </a:r>
+            <a:r>
+              <a:rPr lang="en-US" sz="2400" dirty="0" err="1">
+                <a:latin typeface="Monaco" charset="0"/>
+                <a:ea typeface="Monaco" charset="0"/>
+                <a:cs typeface="Monaco" charset="0"/>
+              </a:rPr>
+              <a:t>walk_tree</a:t>
+            </a:r>
+            <a:r>
+              <a:rPr lang="en-US" sz="2400" dirty="0">
+                <a:latin typeface="Monaco" charset="0"/>
+                <a:ea typeface="Monaco" charset="0"/>
+                <a:cs typeface="Monaco" charset="0"/>
+              </a:rPr>
+              <a:t>(</a:t>
+            </a:r>
+            <a:r>
+              <a:rPr lang="en-US" sz="2400" dirty="0" err="1">
+                <a:latin typeface="Monaco" charset="0"/>
+                <a:ea typeface="Monaco" charset="0"/>
+                <a:cs typeface="Monaco" charset="0"/>
+              </a:rPr>
+              <a:t>p.left</a:t>
+            </a:r>
+            <a:r>
+              <a:rPr lang="en-US" sz="2400" dirty="0">
+                <a:latin typeface="Monaco" charset="0"/>
+                <a:ea typeface="Monaco" charset="0"/>
+                <a:cs typeface="Monaco" charset="0"/>
+              </a:rPr>
+              <a:t>)</a:t>
+            </a:r>
+          </a:p>
+          <a:p>
+            <a:r>
+              <a:rPr lang="en-US" sz="2400" dirty="0">
+                <a:latin typeface="Monaco" charset="0"/>
+                <a:ea typeface="Monaco" charset="0"/>
+                <a:cs typeface="Monaco" charset="0"/>
+              </a:rPr>
+              <a:t>    </a:t>
+            </a:r>
+            <a:r>
+              <a:rPr lang="en-US" sz="2400" dirty="0" err="1">
+                <a:latin typeface="Monaco" charset="0"/>
+                <a:ea typeface="Monaco" charset="0"/>
+                <a:cs typeface="Monaco" charset="0"/>
+              </a:rPr>
+              <a:t>walk_tree</a:t>
+            </a:r>
+            <a:r>
+              <a:rPr lang="en-US" sz="2400" dirty="0">
+                <a:latin typeface="Monaco" charset="0"/>
+                <a:ea typeface="Monaco" charset="0"/>
+                <a:cs typeface="Monaco" charset="0"/>
+              </a:rPr>
+              <a:t>(</a:t>
+            </a:r>
+            <a:r>
+              <a:rPr lang="en-US" sz="2400" dirty="0" err="1">
+                <a:latin typeface="Monaco" charset="0"/>
+                <a:ea typeface="Monaco" charset="0"/>
+                <a:cs typeface="Monaco" charset="0"/>
+              </a:rPr>
+              <a:t>p.right</a:t>
+            </a:r>
+            <a:r>
+              <a:rPr lang="en-US" sz="2400" dirty="0">
+                <a:latin typeface="Monaco" charset="0"/>
+                <a:ea typeface="Monaco" charset="0"/>
+                <a:cs typeface="Monaco" charset="0"/>
+              </a:rPr>
+              <a:t>)</a:t>
+            </a:r>
+          </a:p>
+        </p:txBody>
+      </p:sp>
+      <p:sp>
+        <p:nvSpPr>
+          <p:cNvPr id="3" name="TextBox 2">
+            <a:extLst>
+              <a:ext uri="{FF2B5EF4-FFF2-40B4-BE49-F238E27FC236}">
+                <a16:creationId xmlns:a16="http://schemas.microsoft.com/office/drawing/2014/main" id="{F7062F48-5902-1540-A51C-A2CF700930C9}"/>
+              </a:ext>
+            </a:extLst>
+          </p:cNvPr>
+          <p:cNvSpPr txBox="1"/>
+          <p:nvPr/>
+        </p:nvSpPr>
+        <p:spPr>
+          <a:xfrm>
+            <a:off x="435429" y="6198221"/>
+            <a:ext cx="3583032" cy="369332"/>
+          </a:xfrm>
+          <a:prstGeom prst="rect">
+            <a:avLst/>
+          </a:prstGeom>
+          <a:noFill/>
+        </p:spPr>
+        <p:txBody>
+          <a:bodyPr wrap="none" rtlCol="0">
+            <a:spAutoFit/>
+          </a:bodyPr>
+          <a:lstStyle/>
+          <a:p>
+            <a:r>
+              <a:rPr lang="en-US" dirty="0"/>
+              <a:t>*This function is missing a key bit</a:t>
+            </a:r>
+          </a:p>
+        </p:txBody>
+      </p:sp>
+    </p:spTree>
+    <p:extLst>
+      <p:ext uri="{BB962C8B-B14F-4D97-AF65-F5344CB8AC3E}">
+        <p14:creationId xmlns:p14="http://schemas.microsoft.com/office/powerpoint/2010/main" val="2871262269"/>
+      </p:ext>
+    </p:extLst>
+  </p:cSld>
+  <p:clrMapOvr>
+    <a:masterClrMapping/>
+  </p:clrMapOvr>
+</p:sld>
+</file>
+
+<file path=ppt/slides/slide14.xml><?xml version="1.0" encoding="utf-8"?>
+<p:sld xmlns:a="http://schemas.openxmlformats.org/drawingml/2006/main" xmlns:r="http://schemas.openxmlformats.org/officeDocument/2006/relationships" xmlns:p="http://schemas.openxmlformats.org/presentationml/2006/main">
+  <p:cSld>
+    <p:spTree>
+      <p:nvGrpSpPr>
+        <p:cNvPr id="1" name=""/>
+        <p:cNvGrpSpPr/>
+        <p:nvPr/>
+      </p:nvGrpSpPr>
+      <p:grpSpPr>
+        <a:xfrm>
+          <a:off x="0" y="0"/>
+          <a:ext cx="0" cy="0"/>
+          <a:chOff x="0" y="0"/>
+          <a:chExt cx="0" cy="0"/>
+        </a:xfrm>
+      </p:grpSpPr>
+      <p:sp>
+        <p:nvSpPr>
+          <p:cNvPr id="2" name="Title 1">
+            <a:extLst>
+              <a:ext uri="{FF2B5EF4-FFF2-40B4-BE49-F238E27FC236}">
+                <a16:creationId xmlns:a16="http://schemas.microsoft.com/office/drawing/2014/main" id="{0F18A787-0CC6-3D4D-9B6F-E8F74CF230E8}"/>
+              </a:ext>
+            </a:extLst>
+          </p:cNvPr>
+          <p:cNvSpPr>
+            <a:spLocks noGrp="1"/>
+          </p:cNvSpPr>
+          <p:nvPr>
+            <p:ph type="title"/>
+          </p:nvPr>
+        </p:nvSpPr>
+        <p:spPr/>
+        <p:txBody>
+          <a:bodyPr/>
+          <a:lstStyle/>
+          <a:p>
+            <a:r>
+              <a:rPr lang="en-US" i="1" dirty="0"/>
+              <a:t>Depth-first</a:t>
+            </a:r>
+            <a:r>
+              <a:rPr lang="en-US" dirty="0"/>
+              <a:t> graph walk avoiding cycles</a:t>
+            </a:r>
+          </a:p>
+        </p:txBody>
+      </p:sp>
+      <p:sp>
+        <p:nvSpPr>
+          <p:cNvPr id="3" name="Content Placeholder 2">
+            <a:extLst>
+              <a:ext uri="{FF2B5EF4-FFF2-40B4-BE49-F238E27FC236}">
+                <a16:creationId xmlns:a16="http://schemas.microsoft.com/office/drawing/2014/main" id="{B2182F01-0003-DC46-8EBF-C32D4B61CDFB}"/>
+              </a:ext>
+            </a:extLst>
+          </p:cNvPr>
+          <p:cNvSpPr>
+            <a:spLocks noGrp="1"/>
+          </p:cNvSpPr>
+          <p:nvPr>
+            <p:ph idx="1"/>
+          </p:nvPr>
+        </p:nvSpPr>
+        <p:spPr>
+          <a:xfrm>
+            <a:off x="838200" y="1578429"/>
+            <a:ext cx="10515600" cy="4778828"/>
+          </a:xfrm>
+        </p:spPr>
+        <p:txBody>
+          <a:bodyPr>
+            <a:normAutofit lnSpcReduction="10000"/>
+          </a:bodyPr>
+          <a:lstStyle/>
+          <a:p>
+            <a:r>
+              <a:rPr lang="en-US" dirty="0"/>
+              <a:t>Maintain a set of already seen nodes; mark nodes as we encounter them and add “gate” at start of function</a:t>
+            </a:r>
+          </a:p>
+          <a:p>
+            <a:endParaRPr lang="en-US" dirty="0"/>
+          </a:p>
+          <a:p>
+            <a:endParaRPr lang="en-US" dirty="0"/>
+          </a:p>
+          <a:p>
+            <a:endParaRPr lang="en-US" dirty="0"/>
+          </a:p>
+          <a:p>
+            <a:endParaRPr lang="en-US" dirty="0"/>
+          </a:p>
+          <a:p>
+            <a:endParaRPr lang="en-US" dirty="0"/>
+          </a:p>
+          <a:p>
+            <a:endParaRPr lang="en-US" dirty="0"/>
+          </a:p>
+          <a:p>
+            <a:endParaRPr lang="en-US" dirty="0"/>
+          </a:p>
+          <a:p>
+            <a:r>
+              <a:rPr lang="en-US" dirty="0"/>
+              <a:t>walk_graph2() should take </a:t>
+            </a:r>
+            <a:r>
+              <a:rPr lang="en-US" b="1" dirty="0"/>
+              <a:t>seen</a:t>
+            </a:r>
+            <a:r>
+              <a:rPr lang="en-US" dirty="0"/>
+              <a:t> as parameter</a:t>
+            </a:r>
+          </a:p>
+        </p:txBody>
+      </p:sp>
+      <p:sp>
+        <p:nvSpPr>
+          <p:cNvPr id="4" name="TextBox 3">
+            <a:extLst>
+              <a:ext uri="{FF2B5EF4-FFF2-40B4-BE49-F238E27FC236}">
+                <a16:creationId xmlns:a16="http://schemas.microsoft.com/office/drawing/2014/main" id="{15368C9B-01DB-BD48-B437-681E9C29166D}"/>
+              </a:ext>
+            </a:extLst>
+          </p:cNvPr>
+          <p:cNvSpPr txBox="1"/>
+          <p:nvPr/>
+        </p:nvSpPr>
+        <p:spPr>
+          <a:xfrm>
+            <a:off x="1893622" y="2444349"/>
+            <a:ext cx="7914408" cy="3046988"/>
+          </a:xfrm>
+          <a:prstGeom prst="rect">
+            <a:avLst/>
+          </a:prstGeom>
+          <a:noFill/>
+          <a:ln>
+            <a:solidFill>
+              <a:schemeClr val="accent1"/>
+            </a:solidFill>
+          </a:ln>
+        </p:spPr>
+        <p:txBody>
+          <a:bodyPr wrap="square" rtlCol="0">
+            <a:spAutoFit/>
+          </a:bodyPr>
+          <a:lstStyle/>
+          <a:p>
+            <a:r>
+              <a:rPr lang="en-US" sz="2400" dirty="0">
+                <a:latin typeface="Monaco" charset="0"/>
+                <a:ea typeface="Monaco" charset="0"/>
+                <a:cs typeface="Monaco" charset="0"/>
+              </a:rPr>
+              <a:t>seen=set() # naughty but simple</a:t>
+            </a:r>
+          </a:p>
+          <a:p>
+            <a:r>
+              <a:rPr lang="en-US" sz="2400" dirty="0">
+                <a:latin typeface="Monaco" charset="0"/>
+                <a:ea typeface="Monaco" charset="0"/>
+                <a:cs typeface="Monaco" charset="0"/>
+              </a:rPr>
+              <a:t>def walk_graph2(</a:t>
+            </a:r>
+            <a:r>
+              <a:rPr lang="en-US" sz="2400" dirty="0" err="1">
+                <a:latin typeface="Monaco" charset="0"/>
+                <a:ea typeface="Monaco" charset="0"/>
+                <a:cs typeface="Monaco" charset="0"/>
+              </a:rPr>
+              <a:t>p:Node</a:t>
+            </a:r>
+            <a:r>
+              <a:rPr lang="en-US" sz="2400" dirty="0">
+                <a:latin typeface="Monaco" charset="0"/>
+                <a:ea typeface="Monaco" charset="0"/>
+                <a:cs typeface="Monaco" charset="0"/>
+              </a:rPr>
+              <a:t>) -&gt; None:</a:t>
+            </a:r>
+          </a:p>
+          <a:p>
+            <a:r>
+              <a:rPr lang="en-US" sz="2400" dirty="0">
+                <a:latin typeface="Monaco" charset="0"/>
+                <a:ea typeface="Monaco" charset="0"/>
+                <a:cs typeface="Monaco" charset="0"/>
+              </a:rPr>
+              <a:t>    if p is None: return</a:t>
+            </a:r>
+          </a:p>
+          <a:p>
+            <a:r>
+              <a:rPr lang="en-US" sz="2400" dirty="0">
+                <a:latin typeface="Monaco" charset="0"/>
+                <a:ea typeface="Monaco" charset="0"/>
+                <a:cs typeface="Monaco" charset="0"/>
+              </a:rPr>
+              <a:t>    if p in seen: return</a:t>
+            </a:r>
+          </a:p>
+          <a:p>
+            <a:r>
+              <a:rPr lang="en-US" sz="2400" dirty="0">
+                <a:latin typeface="Monaco" charset="0"/>
+                <a:ea typeface="Monaco" charset="0"/>
+                <a:cs typeface="Monaco" charset="0"/>
+              </a:rPr>
+              <a:t>    </a:t>
+            </a:r>
+            <a:r>
+              <a:rPr lang="en-US" sz="2400" dirty="0" err="1">
+                <a:latin typeface="Monaco" charset="0"/>
+                <a:ea typeface="Monaco" charset="0"/>
+                <a:cs typeface="Monaco" charset="0"/>
+              </a:rPr>
+              <a:t>seen.add</a:t>
+            </a:r>
+            <a:r>
+              <a:rPr lang="en-US" sz="2400" dirty="0">
+                <a:latin typeface="Monaco" charset="0"/>
+                <a:ea typeface="Monaco" charset="0"/>
+                <a:cs typeface="Monaco" charset="0"/>
+              </a:rPr>
+              <a:t>(p)</a:t>
+            </a:r>
+          </a:p>
+          <a:p>
+            <a:r>
+              <a:rPr lang="en-US" sz="2400" dirty="0">
+                <a:latin typeface="Monaco" charset="0"/>
+                <a:ea typeface="Monaco" charset="0"/>
+                <a:cs typeface="Monaco" charset="0"/>
+              </a:rPr>
+              <a:t>    print(</a:t>
+            </a:r>
+            <a:r>
+              <a:rPr lang="en-US" sz="2400" dirty="0" err="1">
+                <a:latin typeface="Monaco" charset="0"/>
+                <a:ea typeface="Monaco" charset="0"/>
+                <a:cs typeface="Monaco" charset="0"/>
+              </a:rPr>
+              <a:t>p.value</a:t>
+            </a:r>
+            <a:r>
+              <a:rPr lang="en-US" sz="2400" dirty="0">
+                <a:latin typeface="Monaco" charset="0"/>
+                <a:ea typeface="Monaco" charset="0"/>
+                <a:cs typeface="Monaco" charset="0"/>
+              </a:rPr>
+              <a:t>)</a:t>
+            </a:r>
+          </a:p>
+          <a:p>
+            <a:r>
+              <a:rPr lang="en-US" sz="2400" dirty="0">
+                <a:latin typeface="Monaco" charset="0"/>
+                <a:ea typeface="Monaco" charset="0"/>
+                <a:cs typeface="Monaco" charset="0"/>
+              </a:rPr>
+              <a:t>    for q in </a:t>
+            </a:r>
+            <a:r>
+              <a:rPr lang="en-US" sz="2400" dirty="0" err="1">
+                <a:latin typeface="Monaco" charset="0"/>
+                <a:ea typeface="Monaco" charset="0"/>
+                <a:cs typeface="Monaco" charset="0"/>
+              </a:rPr>
+              <a:t>p.edges</a:t>
+            </a:r>
+            <a:r>
+              <a:rPr lang="en-US" sz="2400" dirty="0">
+                <a:latin typeface="Monaco" charset="0"/>
+                <a:ea typeface="Monaco" charset="0"/>
+                <a:cs typeface="Monaco" charset="0"/>
+              </a:rPr>
+              <a:t>:</a:t>
+            </a:r>
+          </a:p>
+          <a:p>
+            <a:r>
+              <a:rPr lang="en-US" sz="2400" dirty="0">
+                <a:latin typeface="Monaco" charset="0"/>
+                <a:ea typeface="Monaco" charset="0"/>
+                <a:cs typeface="Monaco" charset="0"/>
+              </a:rPr>
+              <a:t>        walk_graph2(q)</a:t>
+            </a:r>
+          </a:p>
+        </p:txBody>
+      </p:sp>
+    </p:spTree>
+    <p:extLst>
+      <p:ext uri="{BB962C8B-B14F-4D97-AF65-F5344CB8AC3E}">
+        <p14:creationId xmlns:p14="http://schemas.microsoft.com/office/powerpoint/2010/main" val="2799585922"/>
+      </p:ext>
+    </p:extLst>
+  </p:cSld>
+  <p:clrMapOvr>
+    <a:masterClrMapping/>
+  </p:clrMapOvr>
+</p:sld>
+</file>
+
+<file path=ppt/slides/slide15.xml><?xml version="1.0" encoding="utf-8"?>
+<p:sld xmlns:a="http://schemas.openxmlformats.org/drawingml/2006/main" xmlns:r="http://schemas.openxmlformats.org/officeDocument/2006/relationships" xmlns:p="http://schemas.openxmlformats.org/presentationml/2006/main">
+  <p:cSld>
+    <p:spTree>
+      <p:nvGrpSpPr>
+        <p:cNvPr id="1" name=""/>
+        <p:cNvGrpSpPr/>
+        <p:nvPr/>
+      </p:nvGrpSpPr>
+      <p:grpSpPr>
+        <a:xfrm>
+          <a:off x="0" y="0"/>
+          <a:ext cx="0" cy="0"/>
+          <a:chOff x="0" y="0"/>
+          <a:chExt cx="0" cy="0"/>
+        </a:xfrm>
+      </p:grpSpPr>
+      <p:sp>
+        <p:nvSpPr>
+          <p:cNvPr id="2" name="Title 1">
+            <a:extLst>
+              <a:ext uri="{FF2B5EF4-FFF2-40B4-BE49-F238E27FC236}">
                 <a16:creationId xmlns:a16="http://schemas.microsoft.com/office/drawing/2014/main" id="{09BF4226-D458-3D42-8613-ED818265D961}"/>
               </a:ext>
             </a:extLst>
@@ -5547,7 +6152,7 @@
           <a:p>
             <a:r>
               <a:rPr lang="en-US" dirty="0"/>
-              <a:t>In the context of walking dead structures, dynamic programming or </a:t>
+              <a:t>In the context of walking data structures, dynamic programming or </a:t>
             </a:r>
             <a:r>
               <a:rPr lang="en-US" dirty="0" err="1"/>
@@ -5561,7 +6166,7 @@
           <a:p>
             <a:r>
               <a:rPr lang="en-US" dirty="0"/>
-              <a:t>Binary tree and graph walks are almost identical in code</a:t>
+              <a:t>Binary tree and graph walks are very similar in code, but have to transition to more children and must deal with cycles</a:t>
             </a:r>
           </a:p>
           <a:p>
@@ -5659,13 +6264,18 @@
           <a:p>
             <a:r>
               <a:rPr lang="en-US" dirty="0"/>
-              <a:t>Think of walking an entire data structure as the foundation</a:t>
-            </a:r>
+              <a:t>Think of walking an entire data structure as the foundational </a:t>
+            </a:r>
+            <a:r>
+              <a:rPr lang="en-US" dirty="0" err="1"/>
+              <a:t>alg</a:t>
+            </a:r>
+            <a:endParaRPr lang="en-US" dirty="0"/>
           </a:p>
           <a:p>
             <a:r>
               <a:rPr lang="en-US" dirty="0"/>
-              <a:t>The algorithm then typically compute something during the walk and often avoids part of the data structure to reduce computation time</a:t>
+              <a:t>The algorithm then typically computes something during the walk and often avoids part of the data structure to reduce computation time</a:t>
             </a:r>
           </a:p>
         </p:txBody>
@@ -5746,7 +6356,9 @@
         </p:nvSpPr>
         <p:spPr/>
         <p:txBody>
-          <a:bodyPr/>
+          <a:bodyPr>
+            <a:normAutofit fontScale="92500" lnSpcReduction="10000"/>
+          </a:bodyPr>
           <a:lstStyle/>
           <a:p>
             <a:r>
@@ -5777,19 +6389,34 @@
             </a:r>
             <a:r>
               <a:rPr lang="en-US" dirty="0"/>
-              <a:t> based data structures are typically not random access; we need to walk through the structure to access items</a:t>
-            </a:r>
-          </a:p>
-          <a:p>
-            <a:r>
+              <a:t> based data structures are typically not random access; we need to walk through the structure to access items; e.g.,</a:t>
+            </a:r>
+            <a:br>
               <a:rPr lang="en-US" dirty="0"/>
-              <a:t>Incrementing/decrementing a pointer most common walk</a:t>
-            </a:r>
-          </a:p>
-          <a:p>
+            </a:br>
             <a:r>
               <a:rPr lang="en-US" dirty="0"/>
-              <a:t>Walking the entire array is our basis functionality</a:t>
+              <a:t>linked lists don’t have random access to </a:t>
+            </a:r>
+            <a:r>
+              <a:rPr lang="en-US" dirty="0" err="1"/>
+              <a:t>ith</a:t>
+            </a:r>
+            <a:r>
+              <a:rPr lang="en-US" dirty="0"/>
+              <a:t> element</a:t>
+            </a:r>
+          </a:p>
+          <a:p>
+            <a:r>
+              <a:rPr lang="en-US" dirty="0"/>
+              <a:t>Incrementing/decrementing a pointer or index is most common walk</a:t>
+            </a:r>
+          </a:p>
+          <a:p>
+            <a:r>
+              <a:rPr lang="en-US" dirty="0"/>
+              <a:t>Walking the entire array is our base functionality</a:t>
             </a:r>
           </a:p>
           <a:p>
@@ -5917,7 +6544,7 @@
         </p:nvSpPr>
         <p:spPr>
           <a:xfrm>
-            <a:off x="966141" y="2701536"/>
+            <a:off x="966141" y="2438888"/>
             <a:ext cx="5804310" cy="1569660"/>
           </a:xfrm>
           <a:prstGeom prst="rect">
@@ -6071,7 +6698,7 @@
         </p:nvSpPr>
         <p:spPr>
           <a:xfrm>
-            <a:off x="7373426" y="2701536"/>
+            <a:off x="7373426" y="2438888"/>
             <a:ext cx="3502097" cy="1938992"/>
           </a:xfrm>
           <a:prstGeom prst="rect">
@@ -6137,6 +6764,176 @@
                 <a:cs typeface="Monaco" charset="0"/>
               </a:rPr>
               <a:t> [0, 1, 1, 1, 1]]</a:t>
+            </a:r>
+          </a:p>
+        </p:txBody>
+      </p:sp>
+      <p:sp>
+        <p:nvSpPr>
+          <p:cNvPr id="6" name="TextBox 5">
+            <a:extLst>
+              <a:ext uri="{FF2B5EF4-FFF2-40B4-BE49-F238E27FC236}">
+                <a16:creationId xmlns:a16="http://schemas.microsoft.com/office/drawing/2014/main" id="{F22DB4C6-F659-DD44-A076-965D496EF053}"/>
+              </a:ext>
+            </a:extLst>
+          </p:cNvPr>
+          <p:cNvSpPr txBox="1"/>
+          <p:nvPr/>
+        </p:nvSpPr>
+        <p:spPr>
+          <a:xfrm>
+            <a:off x="966140" y="4640528"/>
+            <a:ext cx="7312097" cy="1569660"/>
+          </a:xfrm>
+          <a:prstGeom prst="rect">
+            <a:avLst/>
+          </a:prstGeom>
+          <a:noFill/>
+          <a:ln>
+            <a:solidFill>
+              <a:schemeClr val="accent1"/>
+            </a:solidFill>
+          </a:ln>
+        </p:spPr>
+        <p:txBody>
+          <a:bodyPr wrap="square" rtlCol="0">
+            <a:spAutoFit/>
+          </a:bodyPr>
+          <a:lstStyle/>
+          <a:p>
+            <a:r>
+              <a:rPr lang="en-US" sz="2400" dirty="0">
+                <a:latin typeface="Monaco" charset="0"/>
+                <a:ea typeface="Monaco" charset="0"/>
+                <a:cs typeface="Monaco" charset="0"/>
+              </a:rPr>
+              <a:t>def </a:t>
+            </a:r>
+            <a:r>
+              <a:rPr lang="en-US" sz="2400" dirty="0" err="1">
+                <a:latin typeface="Monaco" charset="0"/>
+                <a:ea typeface="Monaco" charset="0"/>
+                <a:cs typeface="Monaco" charset="0"/>
+              </a:rPr>
+              <a:t>walk_lower_triangle</a:t>
+            </a:r>
+            <a:r>
+              <a:rPr lang="en-US" sz="2400" dirty="0">
+                <a:latin typeface="Monaco" charset="0"/>
+                <a:ea typeface="Monaco" charset="0"/>
+                <a:cs typeface="Monaco" charset="0"/>
+              </a:rPr>
+              <a:t>(</a:t>
+            </a:r>
+            <a:r>
+              <a:rPr lang="en-US" sz="2400" dirty="0" err="1">
+                <a:latin typeface="Monaco" charset="0"/>
+                <a:ea typeface="Monaco" charset="0"/>
+                <a:cs typeface="Monaco" charset="0"/>
+              </a:rPr>
+              <a:t>A,nrows,ncols</a:t>
+            </a:r>
+            <a:r>
+              <a:rPr lang="en-US" sz="2400" dirty="0">
+                <a:latin typeface="Monaco" charset="0"/>
+                <a:ea typeface="Monaco" charset="0"/>
+                <a:cs typeface="Monaco" charset="0"/>
+              </a:rPr>
+              <a:t>):</a:t>
+            </a:r>
+          </a:p>
+          <a:p>
+            <a:r>
+              <a:rPr lang="en-US" sz="2400" dirty="0">
+                <a:latin typeface="Monaco" charset="0"/>
+                <a:ea typeface="Monaco" charset="0"/>
+                <a:cs typeface="Monaco" charset="0"/>
+              </a:rPr>
+              <a:t>    for </a:t>
+            </a:r>
+            <a:r>
+              <a:rPr lang="en-US" sz="2400" dirty="0" err="1">
+                <a:latin typeface="Monaco" charset="0"/>
+                <a:ea typeface="Monaco" charset="0"/>
+                <a:cs typeface="Monaco" charset="0"/>
+              </a:rPr>
+              <a:t>i</a:t>
+            </a:r>
+            <a:r>
+              <a:rPr lang="en-US" sz="2400" dirty="0">
+                <a:latin typeface="Monaco" charset="0"/>
+                <a:ea typeface="Monaco" charset="0"/>
+                <a:cs typeface="Monaco" charset="0"/>
+              </a:rPr>
+              <a:t> in range(</a:t>
+            </a:r>
+            <a:r>
+              <a:rPr lang="en-US" sz="2400" dirty="0" err="1">
+                <a:latin typeface="Monaco" charset="0"/>
+                <a:ea typeface="Monaco" charset="0"/>
+                <a:cs typeface="Monaco" charset="0"/>
+              </a:rPr>
+              <a:t>nrows</a:t>
+            </a:r>
+            <a:r>
+              <a:rPr lang="en-US" sz="2400" dirty="0">
+                <a:latin typeface="Monaco" charset="0"/>
+                <a:ea typeface="Monaco" charset="0"/>
+                <a:cs typeface="Monaco" charset="0"/>
+              </a:rPr>
+              <a:t>):</a:t>
+            </a:r>
+          </a:p>
+          <a:p>
+            <a:r>
+              <a:rPr lang="en-US" sz="2400" dirty="0">
+                <a:latin typeface="Monaco" charset="0"/>
+                <a:ea typeface="Monaco" charset="0"/>
+                <a:cs typeface="Monaco" charset="0"/>
+              </a:rPr>
+              <a:t>        for j in range(</a:t>
+            </a:r>
+            <a:r>
+              <a:rPr lang="en-US" sz="2400" dirty="0" err="1">
+                <a:latin typeface="Monaco" charset="0"/>
+                <a:ea typeface="Monaco" charset="0"/>
+                <a:cs typeface="Monaco" charset="0"/>
+              </a:rPr>
+              <a:t>i</a:t>
+            </a:r>
+            <a:r>
+              <a:rPr lang="en-US" sz="2400" dirty="0">
+                <a:latin typeface="Monaco" charset="0"/>
+                <a:ea typeface="Monaco" charset="0"/>
+                <a:cs typeface="Monaco" charset="0"/>
+              </a:rPr>
+              <a:t>):</a:t>
+            </a:r>
+          </a:p>
+          <a:p>
+            <a:r>
+              <a:rPr lang="en-US" sz="2400" dirty="0">
+                <a:latin typeface="Monaco" charset="0"/>
+                <a:ea typeface="Monaco" charset="0"/>
+                <a:cs typeface="Monaco" charset="0"/>
+              </a:rPr>
+              <a:t>            # process A[</a:t>
+            </a:r>
+            <a:r>
+              <a:rPr lang="en-US" sz="2400" dirty="0" err="1">
+                <a:latin typeface="Monaco" charset="0"/>
+                <a:ea typeface="Monaco" charset="0"/>
+                <a:cs typeface="Monaco" charset="0"/>
+              </a:rPr>
+              <a:t>i</a:t>
+            </a:r>
+            <a:r>
+              <a:rPr lang="en-US" sz="2400" dirty="0">
+                <a:latin typeface="Monaco" charset="0"/>
+                <a:ea typeface="Monaco" charset="0"/>
+                <a:cs typeface="Monaco" charset="0"/>
+              </a:rPr>
+              <a:t>][j]</a:t>
             </a:r>
           </a:p>
         </p:txBody>
@@ -6232,7 +7029,15 @@
               <a:rPr lang="en-US" dirty="0">
                 <a:hlinkClick r:id="rId2"/>
               </a:rPr>
-              <a:t>https://goo.gl/i68EzJ uses pythontutor.com</a:t>
+              <a:t>https://goo.gl/i68EzJ</a:t>
+            </a:r>
+            <a:r>
+              <a:rPr lang="en-US" dirty="0"/>
+              <a:t> uses </a:t>
+            </a:r>
+            <a:r>
+              <a:rPr lang="en-US" dirty="0" err="1"/>
+              <a:t>pythontutor.com</a:t>
             </a:r>
             <a:r>
               <a:rPr lang="en-US" dirty="0"/>
@@ -6254,8 +7059,85 @@
           <a:p>
             <a:r>
               <a:rPr lang="en-US" dirty="0"/>
-              <a:t>Write that function from scratch without looking until you can do it easily and quickly (and correctly)</a:t>
-            </a:r>
+              <a:t>Write that code until you can do it easily and quickly (and correctly) without looking</a:t>
+            </a:r>
+          </a:p>
+        </p:txBody>
+      </p:sp>
+      <p:sp>
+        <p:nvSpPr>
+          <p:cNvPr id="6" name="TextBox 5">
+            <a:extLst>
+              <a:ext uri="{FF2B5EF4-FFF2-40B4-BE49-F238E27FC236}">
+                <a16:creationId xmlns:a16="http://schemas.microsoft.com/office/drawing/2014/main" id="{5C0F2C5E-76E4-6048-A43C-88465D30CCC7}"/>
+              </a:ext>
+            </a:extLst>
+          </p:cNvPr>
+          <p:cNvSpPr txBox="1"/>
+          <p:nvPr/>
+        </p:nvSpPr>
+        <p:spPr>
+          <a:xfrm>
+            <a:off x="3688334" y="5115133"/>
+            <a:ext cx="4043604" cy="1200329"/>
+          </a:xfrm>
+          <a:prstGeom prst="rect">
+            <a:avLst/>
+          </a:prstGeom>
+          <a:noFill/>
+          <a:ln>
+            <a:solidFill>
+              <a:schemeClr val="accent1"/>
+            </a:solidFill>
+          </a:ln>
+        </p:spPr>
+        <p:txBody>
+          <a:bodyPr wrap="square" rtlCol="0">
+            <a:spAutoFit/>
+          </a:bodyPr>
+          <a:lstStyle/>
+          <a:p>
+            <a:r>
+              <a:rPr lang="en-US" sz="2400" dirty="0">
+                <a:latin typeface="Monaco" charset="0"/>
+                <a:ea typeface="Monaco" charset="0"/>
+                <a:cs typeface="Monaco" charset="0"/>
+              </a:rPr>
+              <a:t>p = head</a:t>
+            </a:r>
+          </a:p>
+          <a:p>
+            <a:r>
+              <a:rPr lang="en-US" sz="2400" dirty="0">
+                <a:latin typeface="Monaco" charset="0"/>
+                <a:ea typeface="Monaco" charset="0"/>
+                <a:cs typeface="Monaco" charset="0"/>
+              </a:rPr>
+              <a:t>while p is not None:</a:t>
+            </a:r>
+          </a:p>
+          <a:p>
+            <a:r>
+              <a:rPr lang="en-US" sz="2400" dirty="0">
+                <a:latin typeface="Monaco" charset="0"/>
+                <a:ea typeface="Monaco" charset="0"/>
+                <a:cs typeface="Monaco" charset="0"/>
+              </a:rPr>
+              <a:t>    p = </a:t>
+            </a:r>
+            <a:r>
+              <a:rPr lang="en-US" sz="2400" dirty="0" err="1">
+                <a:latin typeface="Monaco" charset="0"/>
+                <a:ea typeface="Monaco" charset="0"/>
+                <a:cs typeface="Monaco" charset="0"/>
+              </a:rPr>
+              <a:t>p.next</a:t>
+            </a:r>
+            <a:endParaRPr lang="en-US" sz="2400" dirty="0">
+              <a:latin typeface="Monaco" charset="0"/>
+              <a:ea typeface="Monaco" charset="0"/>
+              <a:cs typeface="Monaco" charset="0"/>
+            </a:endParaRPr>
           </a:p>
         </p:txBody>
       </p:sp>
@@ -6269,6 +7151,84 @@
   <p:clrMapOvr>
     <a:masterClrMapping/>
   </p:clrMapOvr>
+  <p:timing>
+    <p:tnLst>
+      <p:par>
+        <p:cTn id="1" dur="indefinite" restart="never" nodeType="tmRoot">
+          <p:childTnLst>
+            <p:seq concurrent="1" nextAc="seek">
+              <p:cTn id="2" dur="indefinite" nodeType="mainSeq">
+                <p:childTnLst>
+                  <p:par>
+                    <p:cTn id="3" fill="hold">
+                      <p:stCondLst>
+                        <p:cond delay="indefinite"/>
+                      </p:stCondLst>
+                      <p:childTnLst>
+                        <p:par>
+                          <p:cTn id="4" fill="hold">
+                            <p:stCondLst>
+                              <p:cond delay="0"/>
+                            </p:stCondLst>
+                            <p:childTnLst>
+                              <p:par>
+                                <p:cTn id="5" presetID="1" presetClass="entr" presetSubtype="0" fill="hold" grpId="0" nodeType="clickEffect">
+                                  <p:stCondLst>
+                                    <p:cond delay="0"/>
+                                  </p:stCondLst>
+                                  <p:childTnLst>
+                                    <p:set>
+                                      <p:cBhvr>
+                                        <p:cTn id="6" dur="1" fill="hold">
+                                          <p:stCondLst>
+                                            <p:cond delay="0"/>
+                                          </p:stCondLst>
+                                        </p:cTn>
+                                        <p:tgtEl>
+                                          <p:spTgt spid="6"/>
+                                        </p:tgtEl>
+                                        <p:attrNameLst>
+                                          <p:attrName>style.visibility</p:attrName>
+                                        </p:attrNameLst>
+                                      </p:cBhvr>
+                                      <p:to>
+                                        <p:strVal val="visible"/>
+                                      </p:to>
+                                    </p:set>
+                                  </p:childTnLst>
+                                </p:cTn>
+                              </p:par>
+                            </p:childTnLst>
+                          </p:cTn>
+                        </p:par>
+                      </p:childTnLst>
+                    </p:cTn>
+                  </p:par>
+                </p:childTnLst>
+              </p:cTn>
+              <p:prevCondLst>
+                <p:cond evt="onPrev" delay="0">
+                  <p:tgtEl>
+                    <p:sldTgt/>
+                  </p:tgtEl>
+                </p:cond>
+              </p:prevCondLst>
+              <p:nextCondLst>
+                <p:cond evt="onNext" delay="0">
+                  <p:tgtEl>
+                    <p:sldTgt/>
+                  </p:tgtEl>
+                </p:cond>
+              </p:nextCondLst>
+            </p:seq>
+          </p:childTnLst>
+        </p:cTn>
+      </p:par>
+    </p:tnLst>
+    <p:bldLst>
+      <p:bldP spid="6" grpId="0" animBg="1"/>
+    </p:bldLst>
+  </p:timing>
 </p:sld>
 </file>
 
@@ -7219,8 +8179,8 @@
         </p:blipFill>
         <p:spPr>
           <a:xfrm>
-            <a:off x="1270205" y="1843514"/>
-            <a:ext cx="9936060" cy="4459200"/>
+            <a:off x="2686050" y="2470944"/>
+            <a:ext cx="6819900" cy="3060700"/>
           </a:xfrm>
         </p:spPr>
       </p:pic>
@@ -7238,8 +8198,8 @@
         </p:nvSpPr>
         <p:spPr>
           <a:xfrm>
-            <a:off x="7555616" y="58410"/>
-            <a:ext cx="4584505" cy="1785104"/>
+            <a:off x="7653588" y="135354"/>
+            <a:ext cx="4364241" cy="1785104"/>
           </a:xfrm>
           <a:prstGeom prst="rect">
             <a:avLst/>
@@ -7325,7 +8285,7 @@
                 <a:ea typeface="Monaco" charset="0"/>
                 <a:cs typeface="Monaco" charset="0"/>
               </a:rPr>
-              <a:t>    </a:t>
+              <a:t>    walk(</a:t>
             </a:r>
             <a:r>
               <a:rPr lang="en-US" sz="2200" dirty="0" err="1">
@@ -7333,7 +8293,7 @@
                 <a:ea typeface="Monaco" charset="0"/>
                 <a:cs typeface="Monaco" charset="0"/>
               </a:rPr>
-              <a:t>walk_tree</a:t>
+              <a:t>p.left</a:t>
             </a:r>
             <a:r>
               <a:rPr lang="en-US" sz="2200" dirty="0">
@@ -7341,49 +8301,17 @@
                 <a:ea typeface="Monaco" charset="0"/>
                 <a:cs typeface="Monaco" charset="0"/>
               </a:rPr>
-              <a:t>(</a:t>
-            </a:r>
-            <a:r>
-              <a:rPr lang="en-US" sz="2200" dirty="0" err="1">
-                <a:latin typeface="Monaco" charset="0"/>
-                <a:ea typeface="Monaco" charset="0"/>
-                <a:cs typeface="Monaco" charset="0"/>
-              </a:rPr>
-              <a:t>p.left</a:t>
-            </a:r>
+              <a:t>)</a:t>
+            </a:r>
+          </a:p>
+          <a:p>
             <a:r>
               <a:rPr lang="en-US" sz="2200" dirty="0">
                 <a:latin typeface="Monaco" charset="0"/>
                 <a:ea typeface="Monaco" charset="0"/>
                 <a:cs typeface="Monaco" charset="0"/>
               </a:rPr>
-              <a:t>)</a:t>
-            </a:r>
-          </a:p>
-          <a:p>
-            <a:r>
-              <a:rPr lang="en-US" sz="2200" dirty="0">
-                <a:latin typeface="Monaco" charset="0"/>
-                <a:ea typeface="Monaco" charset="0"/>
-                <a:cs typeface="Monaco" charset="0"/>
-              </a:rPr>
-              <a:t>    </a:t>
-            </a:r>
-            <a:r>
-              <a:rPr lang="en-US" sz="2200" dirty="0" err="1">
-                <a:latin typeface="Monaco" charset="0"/>
-                <a:ea typeface="Monaco" charset="0"/>
-                <a:cs typeface="Monaco" charset="0"/>
-              </a:rPr>
-              <a:t>walk_tree</a:t>
-            </a:r>
-            <a:r>
-              <a:rPr lang="en-US" sz="2200" dirty="0">
-                <a:latin typeface="Monaco" charset="0"/>
-                <a:ea typeface="Monaco" charset="0"/>
-                <a:cs typeface="Monaco" charset="0"/>
-              </a:rPr>
-              <a:t>(</a:t>
+              <a:t>    walk(</a:t>
             </a:r>
             <a:r>
               <a:rPr lang="en-US" sz="2200" dirty="0" err="1">
@@ -7439,7 +8367,7 @@
           <p:cNvPr id="2" name="Title 1">
             <a:extLst>
               <a:ext uri="{FF2B5EF4-FFF2-40B4-BE49-F238E27FC236}">
-                <a16:creationId xmlns:a16="http://schemas.microsoft.com/office/drawing/2014/main" id="{FDAF5562-A444-CF4E-B23D-7623228EA43C}"/>
+                <a16:creationId xmlns:a16="http://schemas.microsoft.com/office/drawing/2014/main" id="{AF8FCCB1-9CF0-064B-AAD9-7D75DBBA0C06}"/>
               </a:ext>
             </a:extLst>
           </p:cNvPr>
@@ -7448,34 +8376,6 @@
           </p:cNvSpPr>
           <p:nvPr>
             <p:ph type="title"/>
-          </p:nvPr>
-        </p:nvSpPr>
-        <p:spPr/>
-        <p:txBody>
-          <a:bodyPr/>
-          <a:lstStyle/>
-          <a:p>
-            <a:r>
-              <a:rPr lang="en-US" dirty="0"/>
-              <a:t>Manual graph construction</a:t>
-            </a:r>
-          </a:p>
-        </p:txBody>
-      </p:sp>
-      <p:sp>
-        <p:nvSpPr>
-          <p:cNvPr id="3" name="Content Placeholder 2">
-            <a:extLst>
-              <a:ext uri="{FF2B5EF4-FFF2-40B4-BE49-F238E27FC236}">
-                <a16:creationId xmlns:a16="http://schemas.microsoft.com/office/drawing/2014/main" id="{7971D18F-9104-CD43-8A7E-913F8568A828}"/>
-              </a:ext>
-            </a:extLst>
-          </p:cNvPr>
-          <p:cNvSpPr>
-            <a:spLocks noGrp="1"/>
-          </p:cNvSpPr>
-          <p:nvPr>
-            <p:ph idx="1"/>
           </p:nvPr>
         </p:nvSpPr>
         <p:spPr/>
@@ -7489,96 +8389,141 @@
             </a:r>
             <a:r>
               <a:rPr lang="en-US" dirty="0"/>
-              <a:t>: Go to “Constructing graphs” section of link below, play with graph construction code to build different graphs.</a:t>
-            </a:r>
-          </a:p>
+              <a:t>: Searching in binary tree</a:t>
+            </a:r>
+          </a:p>
+        </p:txBody>
+      </p:sp>
+      <p:sp>
+        <p:nvSpPr>
+          <p:cNvPr id="3" name="Content Placeholder 2">
+            <a:extLst>
+              <a:ext uri="{FF2B5EF4-FFF2-40B4-BE49-F238E27FC236}">
+                <a16:creationId xmlns:a16="http://schemas.microsoft.com/office/drawing/2014/main" id="{67465B82-072D-2149-AFDA-E7AA5817C5DF}"/>
+              </a:ext>
+            </a:extLst>
+          </p:cNvPr>
+          <p:cNvSpPr>
+            <a:spLocks noGrp="1"/>
+          </p:cNvSpPr>
+          <p:nvPr>
+            <p:ph idx="1"/>
+          </p:nvPr>
+        </p:nvSpPr>
+        <p:spPr/>
+        <p:txBody>
+          <a:bodyPr/>
+          <a:lstStyle/>
           <a:p>
             <a:r>
               <a:rPr lang="en-US" dirty="0"/>
-              <a:t>(You need ”pip install </a:t>
-            </a:r>
-            <a:r>
-              <a:rPr lang="en-US" dirty="0" err="1"/>
-              <a:t>lolviz</a:t>
-            </a:r>
-            <a:r>
+              <a:t>See if you modify the tree walker to search for an element</a:t>
+            </a:r>
+            <a:br>
               <a:rPr lang="en-US" dirty="0"/>
-              <a:t>” to visualize.)</a:t>
-            </a:r>
-          </a:p>
-        </p:txBody>
-      </p:sp>
-      <p:sp>
-        <p:nvSpPr>
-          <p:cNvPr id="4" name="Rectangle 3">
-            <a:extLst>
-              <a:ext uri="{FF2B5EF4-FFF2-40B4-BE49-F238E27FC236}">
-                <a16:creationId xmlns:a16="http://schemas.microsoft.com/office/drawing/2014/main" id="{FB6878FE-48C9-114D-AD67-B2A92793F309}"/>
-              </a:ext>
-            </a:extLst>
-          </p:cNvPr>
-          <p:cNvSpPr/>
+            </a:br>
+            <a:r>
+              <a:rPr lang="en-US" dirty="0">
+                <a:latin typeface="Monaco" charset="0"/>
+                <a:ea typeface="Monaco" charset="0"/>
+                <a:cs typeface="Monaco" charset="0"/>
+              </a:rPr>
+              <a:t>d</a:t>
+            </a:r>
+            <a:r>
+              <a:rPr lang="en-US" sz="2400" dirty="0">
+                <a:latin typeface="Monaco" charset="0"/>
+                <a:ea typeface="Monaco" charset="0"/>
+                <a:cs typeface="Monaco" charset="0"/>
+              </a:rPr>
+              <a:t>ef </a:t>
+            </a:r>
+            <a:r>
+              <a:rPr lang="en-US" sz="2400" dirty="0" err="1">
+                <a:latin typeface="Monaco" charset="0"/>
+                <a:ea typeface="Monaco" charset="0"/>
+                <a:cs typeface="Monaco" charset="0"/>
+              </a:rPr>
+              <a:t>search_tree</a:t>
+            </a:r>
+            <a:r>
+              <a:rPr lang="en-US" sz="2400" dirty="0">
+                <a:latin typeface="Monaco" charset="0"/>
+                <a:ea typeface="Monaco" charset="0"/>
+                <a:cs typeface="Monaco" charset="0"/>
+              </a:rPr>
+              <a:t>(</a:t>
+            </a:r>
+            <a:r>
+              <a:rPr lang="en-US" sz="2400" dirty="0" err="1">
+                <a:latin typeface="Monaco" charset="0"/>
+                <a:ea typeface="Monaco" charset="0"/>
+                <a:cs typeface="Monaco" charset="0"/>
+              </a:rPr>
+              <a:t>p:TreeNode</a:t>
+            </a:r>
+            <a:r>
+              <a:rPr lang="en-US" sz="2400" dirty="0">
+                <a:latin typeface="Monaco" charset="0"/>
+                <a:ea typeface="Monaco" charset="0"/>
+                <a:cs typeface="Monaco" charset="0"/>
+              </a:rPr>
+              <a:t>, </a:t>
+            </a:r>
+            <a:r>
+              <a:rPr lang="en-US" sz="2400" dirty="0" err="1">
+                <a:latin typeface="Monaco" charset="0"/>
+                <a:ea typeface="Monaco" charset="0"/>
+                <a:cs typeface="Monaco" charset="0"/>
+              </a:rPr>
+              <a:t>x:object</a:t>
+            </a:r>
+            <a:r>
+              <a:rPr lang="en-US" sz="2400" dirty="0">
+                <a:latin typeface="Monaco" charset="0"/>
+                <a:ea typeface="Monaco" charset="0"/>
+                <a:cs typeface="Monaco" charset="0"/>
+              </a:rPr>
+              <a:t>) -&gt; </a:t>
+            </a:r>
+            <a:r>
+              <a:rPr lang="en-US" sz="2400" dirty="0" err="1">
+                <a:latin typeface="Monaco" charset="0"/>
+                <a:ea typeface="Monaco" charset="0"/>
+                <a:cs typeface="Monaco" charset="0"/>
+              </a:rPr>
+              <a:t>TreeNode</a:t>
+            </a:r>
+            <a:r>
+              <a:rPr lang="en-US" sz="2400" dirty="0">
+                <a:latin typeface="Monaco" charset="0"/>
+                <a:ea typeface="Monaco" charset="0"/>
+                <a:cs typeface="Monaco" charset="0"/>
+              </a:rPr>
+              <a:t>:…</a:t>
+            </a:r>
+          </a:p>
+          <a:p>
+            <a:endParaRPr lang="en-US" dirty="0"/>
+          </a:p>
+        </p:txBody>
+      </p:sp>
+      <p:sp>
+        <p:nvSpPr>
+          <p:cNvPr id="4" name="TextBox 3">
+            <a:extLst>
+              <a:ext uri="{FF2B5EF4-FFF2-40B4-BE49-F238E27FC236}">
+                <a16:creationId xmlns:a16="http://schemas.microsoft.com/office/drawing/2014/main" id="{4130125C-DF0D-9A4F-8BCB-5E47F824ED9B}"/>
+              </a:ext>
+            </a:extLst>
+          </p:cNvPr>
+          <p:cNvSpPr txBox="1"/>
           <p:nvPr/>
         </p:nvSpPr>
         <p:spPr>
           <a:xfrm>
-            <a:off x="762000" y="6176963"/>
-            <a:ext cx="7467600" cy="369332"/>
-          </a:xfrm>
-          <a:prstGeom prst="rect">
-            <a:avLst/>
-          </a:prstGeom>
-        </p:spPr>
-        <p:txBody>
-          <a:bodyPr wrap="square">
-            <a:spAutoFit/>
-          </a:bodyPr>
-          <a:lstStyle/>
-          <a:p>
-            <a:r>
-              <a:rPr lang="en-US" dirty="0"/>
-              <a:t>https://</a:t>
-            </a:r>
-            <a:r>
-              <a:rPr lang="en-US" dirty="0" err="1"/>
-              <a:t>github.com</a:t>
-            </a:r>
-            <a:r>
-              <a:rPr lang="en-US" dirty="0"/>
-              <a:t>/</a:t>
-            </a:r>
-            <a:r>
-              <a:rPr lang="en-US" dirty="0" err="1"/>
-              <a:t>parrt</a:t>
-            </a:r>
-            <a:r>
-              <a:rPr lang="en-US" dirty="0"/>
-              <a:t>/msds689/blob/master/notes/</a:t>
-            </a:r>
-            <a:r>
-              <a:rPr lang="en-US" dirty="0" err="1"/>
-              <a:t>walking.ipynb</a:t>
-            </a:r>
-            <a:endParaRPr lang="en-US" dirty="0"/>
-          </a:p>
-        </p:txBody>
-      </p:sp>
-      <p:sp>
-        <p:nvSpPr>
-          <p:cNvPr id="5" name="TextBox 4">
-            <a:extLst>
-              <a:ext uri="{FF2B5EF4-FFF2-40B4-BE49-F238E27FC236}">
-                <a16:creationId xmlns:a16="http://schemas.microsoft.com/office/drawing/2014/main" id="{5E0D579F-9116-314E-A31B-3D37BB7398D6}"/>
-              </a:ext>
-            </a:extLst>
-          </p:cNvPr>
-          <p:cNvSpPr txBox="1"/>
-          <p:nvPr/>
-        </p:nvSpPr>
-        <p:spPr>
-          <a:xfrm>
-            <a:off x="3135271" y="3427039"/>
-            <a:ext cx="5570985" cy="2308324"/>
+            <a:off x="1540793" y="3216012"/>
+            <a:ext cx="8696755" cy="2123658"/>
           </a:xfrm>
           <a:prstGeom prst="rect">
             <a:avLst/>
@@ -7597,142 +8542,249 @@
           <a:lstStyle/>
           <a:p>
             <a:r>
-              <a:rPr lang="en-US" sz="2400" dirty="0">
-                <a:latin typeface="Monaco" charset="0"/>
-                <a:ea typeface="Monaco" charset="0"/>
-                <a:cs typeface="Monaco" charset="0"/>
-              </a:rPr>
-              <a:t>class Node:</a:t>
-            </a:r>
-          </a:p>
-          <a:p>
-            <a:r>
-              <a:rPr lang="en-US" sz="2400" dirty="0">
-                <a:latin typeface="Monaco" charset="0"/>
-                <a:ea typeface="Monaco" charset="0"/>
-                <a:cs typeface="Monaco" charset="0"/>
-              </a:rPr>
-              <a:t>  def __</a:t>
-            </a:r>
-            <a:r>
-              <a:rPr lang="en-US" sz="2400" dirty="0" err="1">
-                <a:latin typeface="Monaco" charset="0"/>
-                <a:ea typeface="Monaco" charset="0"/>
-                <a:cs typeface="Monaco" charset="0"/>
-              </a:rPr>
-              <a:t>init</a:t>
-            </a:r>
-            <a:r>
-              <a:rPr lang="en-US" sz="2400" dirty="0">
-                <a:latin typeface="Monaco" charset="0"/>
-                <a:ea typeface="Monaco" charset="0"/>
-                <a:cs typeface="Monaco" charset="0"/>
-              </a:rPr>
-              <a:t>__(self, value):</a:t>
-            </a:r>
-          </a:p>
-          <a:p>
-            <a:r>
-              <a:rPr lang="en-US" sz="2400" dirty="0">
-                <a:latin typeface="Monaco" charset="0"/>
-                <a:ea typeface="Monaco" charset="0"/>
-                <a:cs typeface="Monaco" charset="0"/>
-              </a:rPr>
-              <a:t>    </a:t>
-            </a:r>
-            <a:r>
-              <a:rPr lang="en-US" sz="2400" dirty="0" err="1">
-                <a:latin typeface="Monaco" charset="0"/>
-                <a:ea typeface="Monaco" charset="0"/>
-                <a:cs typeface="Monaco" charset="0"/>
-              </a:rPr>
-              <a:t>self.value</a:t>
-            </a:r>
-            <a:r>
-              <a:rPr lang="en-US" sz="2400" dirty="0">
-                <a:latin typeface="Monaco" charset="0"/>
-                <a:ea typeface="Monaco" charset="0"/>
-                <a:cs typeface="Monaco" charset="0"/>
-              </a:rPr>
-              <a:t> = value</a:t>
-            </a:r>
-          </a:p>
-          <a:p>
-            <a:r>
-              <a:rPr lang="en-US" sz="2400" dirty="0">
-                <a:latin typeface="Monaco" charset="0"/>
-                <a:ea typeface="Monaco" charset="0"/>
-                <a:cs typeface="Monaco" charset="0"/>
-              </a:rPr>
-              <a:t>    </a:t>
-            </a:r>
-            <a:r>
-              <a:rPr lang="en-US" sz="2400" dirty="0" err="1">
-                <a:latin typeface="Monaco" charset="0"/>
-                <a:ea typeface="Monaco" charset="0"/>
-                <a:cs typeface="Monaco" charset="0"/>
-              </a:rPr>
-              <a:t>self.edges</a:t>
-            </a:r>
-            <a:r>
-              <a:rPr lang="en-US" sz="2400" dirty="0">
-                <a:latin typeface="Monaco" charset="0"/>
-                <a:ea typeface="Monaco" charset="0"/>
-                <a:cs typeface="Monaco" charset="0"/>
-              </a:rPr>
-              <a:t> = []</a:t>
-            </a:r>
-          </a:p>
-          <a:p>
-            <a:r>
-              <a:rPr lang="en-US" sz="2400" dirty="0">
-                <a:latin typeface="Monaco" charset="0"/>
-                <a:ea typeface="Monaco" charset="0"/>
-                <a:cs typeface="Monaco" charset="0"/>
-              </a:rPr>
-              <a:t>  def add(self, </a:t>
-            </a:r>
-            <a:r>
-              <a:rPr lang="en-US" sz="2400" dirty="0" err="1">
-                <a:latin typeface="Monaco" charset="0"/>
-                <a:ea typeface="Monaco" charset="0"/>
-                <a:cs typeface="Monaco" charset="0"/>
-              </a:rPr>
-              <a:t>target:Node</a:t>
-            </a:r>
-            <a:r>
-              <a:rPr lang="en-US" sz="2400" dirty="0">
-                <a:latin typeface="Monaco" charset="0"/>
-                <a:ea typeface="Monaco" charset="0"/>
-                <a:cs typeface="Monaco" charset="0"/>
-              </a:rPr>
-              <a:t>):</a:t>
-            </a:r>
-          </a:p>
-          <a:p>
-            <a:r>
-              <a:rPr lang="en-US" sz="2400" dirty="0">
-                <a:latin typeface="Monaco" charset="0"/>
-                <a:ea typeface="Monaco" charset="0"/>
-                <a:cs typeface="Monaco" charset="0"/>
-              </a:rPr>
-              <a:t>    </a:t>
-            </a:r>
-            <a:r>
-              <a:rPr lang="en-US" sz="2400" dirty="0" err="1">
-                <a:latin typeface="Monaco" charset="0"/>
-                <a:ea typeface="Monaco" charset="0"/>
-                <a:cs typeface="Monaco" charset="0"/>
-              </a:rPr>
-              <a:t>self.edges.append</a:t>
-            </a:r>
-            <a:r>
-              <a:rPr lang="en-US" sz="2400" dirty="0">
-                <a:latin typeface="Monaco" charset="0"/>
-                <a:ea typeface="Monaco" charset="0"/>
-                <a:cs typeface="Monaco" charset="0"/>
-              </a:rPr>
-              <a:t>(target)</a:t>
+              <a:rPr lang="en-US" sz="2200" dirty="0">
+                <a:latin typeface="Monaco" charset="0"/>
+                <a:ea typeface="Monaco" charset="0"/>
+                <a:cs typeface="Monaco" charset="0"/>
+              </a:rPr>
+              <a:t>def </a:t>
+            </a:r>
+            <a:r>
+              <a:rPr lang="en-US" sz="2200" dirty="0" err="1">
+                <a:latin typeface="Monaco" charset="0"/>
+                <a:ea typeface="Monaco" charset="0"/>
+                <a:cs typeface="Monaco" charset="0"/>
+              </a:rPr>
+              <a:t>search_tree</a:t>
+            </a:r>
+            <a:r>
+              <a:rPr lang="en-US" sz="2200" dirty="0">
+                <a:latin typeface="Monaco" charset="0"/>
+                <a:ea typeface="Monaco" charset="0"/>
+                <a:cs typeface="Monaco" charset="0"/>
+              </a:rPr>
+              <a:t>(</a:t>
+            </a:r>
+            <a:r>
+              <a:rPr lang="en-US" sz="2200" dirty="0" err="1">
+                <a:latin typeface="Monaco" charset="0"/>
+                <a:ea typeface="Monaco" charset="0"/>
+                <a:cs typeface="Monaco" charset="0"/>
+              </a:rPr>
+              <a:t>p:TreeNode</a:t>
+            </a:r>
+            <a:r>
+              <a:rPr lang="en-US" sz="2200" dirty="0">
+                <a:latin typeface="Monaco" charset="0"/>
+                <a:ea typeface="Monaco" charset="0"/>
+                <a:cs typeface="Monaco" charset="0"/>
+              </a:rPr>
+              <a:t>, </a:t>
+            </a:r>
+            <a:r>
+              <a:rPr lang="en-US" sz="2200" dirty="0" err="1">
+                <a:latin typeface="Monaco" charset="0"/>
+                <a:ea typeface="Monaco" charset="0"/>
+                <a:cs typeface="Monaco" charset="0"/>
+              </a:rPr>
+              <a:t>x:object</a:t>
+            </a:r>
+            <a:r>
+              <a:rPr lang="en-US" sz="2200" dirty="0">
+                <a:latin typeface="Monaco" charset="0"/>
+                <a:ea typeface="Monaco" charset="0"/>
+                <a:cs typeface="Monaco" charset="0"/>
+              </a:rPr>
+              <a:t>) -&gt; </a:t>
+            </a:r>
+            <a:r>
+              <a:rPr lang="en-US" sz="2200" dirty="0" err="1">
+                <a:latin typeface="Monaco" charset="0"/>
+                <a:ea typeface="Monaco" charset="0"/>
+                <a:cs typeface="Monaco" charset="0"/>
+              </a:rPr>
+              <a:t>TreeNode</a:t>
+            </a:r>
+            <a:r>
+              <a:rPr lang="en-US" sz="2200" dirty="0">
+                <a:latin typeface="Monaco" charset="0"/>
+                <a:ea typeface="Monaco" charset="0"/>
+                <a:cs typeface="Monaco" charset="0"/>
+              </a:rPr>
+              <a:t>:</a:t>
+            </a:r>
+          </a:p>
+          <a:p>
+            <a:r>
+              <a:rPr lang="en-US" sz="2200" dirty="0">
+                <a:latin typeface="Monaco" charset="0"/>
+                <a:ea typeface="Monaco" charset="0"/>
+                <a:cs typeface="Monaco" charset="0"/>
+              </a:rPr>
+              <a:t>    if p is None: return None</a:t>
+            </a:r>
+          </a:p>
+          <a:p>
+            <a:r>
+              <a:rPr lang="en-US" sz="2200" dirty="0">
+                <a:latin typeface="Monaco" charset="0"/>
+                <a:ea typeface="Monaco" charset="0"/>
+                <a:cs typeface="Monaco" charset="0"/>
+              </a:rPr>
+              <a:t>    if x==</a:t>
+            </a:r>
+            <a:r>
+              <a:rPr lang="en-US" sz="2200" dirty="0" err="1">
+                <a:latin typeface="Monaco" charset="0"/>
+                <a:ea typeface="Monaco" charset="0"/>
+                <a:cs typeface="Monaco" charset="0"/>
+              </a:rPr>
+              <a:t>p.value</a:t>
+            </a:r>
+            <a:r>
+              <a:rPr lang="en-US" sz="2200" dirty="0">
+                <a:latin typeface="Monaco" charset="0"/>
+                <a:ea typeface="Monaco" charset="0"/>
+                <a:cs typeface="Monaco" charset="0"/>
+              </a:rPr>
+              <a:t>: return p</a:t>
+            </a:r>
+          </a:p>
+          <a:p>
+            <a:r>
+              <a:rPr lang="en-US" sz="2200" dirty="0">
+                <a:latin typeface="Monaco" charset="0"/>
+                <a:ea typeface="Monaco" charset="0"/>
+                <a:cs typeface="Monaco" charset="0"/>
+              </a:rPr>
+              <a:t>    q = </a:t>
+            </a:r>
+            <a:r>
+              <a:rPr lang="en-US" sz="2200" dirty="0" err="1">
+                <a:latin typeface="Monaco" charset="0"/>
+                <a:ea typeface="Monaco" charset="0"/>
+                <a:cs typeface="Monaco" charset="0"/>
+              </a:rPr>
+              <a:t>search_tree</a:t>
+            </a:r>
+            <a:r>
+              <a:rPr lang="en-US" sz="2200" dirty="0">
+                <a:latin typeface="Monaco" charset="0"/>
+                <a:ea typeface="Monaco" charset="0"/>
+                <a:cs typeface="Monaco" charset="0"/>
+              </a:rPr>
+              <a:t>(</a:t>
+            </a:r>
+            <a:r>
+              <a:rPr lang="en-US" sz="2200" dirty="0" err="1">
+                <a:latin typeface="Monaco" charset="0"/>
+                <a:ea typeface="Monaco" charset="0"/>
+                <a:cs typeface="Monaco" charset="0"/>
+              </a:rPr>
+              <a:t>p.left</a:t>
+            </a:r>
+            <a:r>
+              <a:rPr lang="en-US" sz="2200" dirty="0">
+                <a:latin typeface="Monaco" charset="0"/>
+                <a:ea typeface="Monaco" charset="0"/>
+                <a:cs typeface="Monaco" charset="0"/>
+              </a:rPr>
+              <a:t>, x)</a:t>
+            </a:r>
+          </a:p>
+          <a:p>
+            <a:r>
+              <a:rPr lang="en-US" sz="2200" dirty="0">
+                <a:latin typeface="Monaco" charset="0"/>
+                <a:ea typeface="Monaco" charset="0"/>
+                <a:cs typeface="Monaco" charset="0"/>
+              </a:rPr>
+              <a:t>    if q is not None: return q</a:t>
+            </a:r>
+          </a:p>
+          <a:p>
+            <a:r>
+              <a:rPr lang="en-US" sz="2200" dirty="0">
+                <a:latin typeface="Monaco" charset="0"/>
+                <a:ea typeface="Monaco" charset="0"/>
+                <a:cs typeface="Monaco" charset="0"/>
+              </a:rPr>
+              <a:t>    return </a:t>
+            </a:r>
+            <a:r>
+              <a:rPr lang="en-US" sz="2200" dirty="0" err="1">
+                <a:latin typeface="Monaco" charset="0"/>
+                <a:ea typeface="Monaco" charset="0"/>
+                <a:cs typeface="Monaco" charset="0"/>
+              </a:rPr>
+              <a:t>search_tree</a:t>
+            </a:r>
+            <a:r>
+              <a:rPr lang="en-US" sz="2200" dirty="0">
+                <a:latin typeface="Monaco" charset="0"/>
+                <a:ea typeface="Monaco" charset="0"/>
+                <a:cs typeface="Monaco" charset="0"/>
+              </a:rPr>
+              <a:t>(</a:t>
+            </a:r>
+            <a:r>
+              <a:rPr lang="en-US" sz="2200" dirty="0" err="1">
+                <a:latin typeface="Monaco" charset="0"/>
+                <a:ea typeface="Monaco" charset="0"/>
+                <a:cs typeface="Monaco" charset="0"/>
+              </a:rPr>
+              <a:t>p.right</a:t>
+            </a:r>
+            <a:r>
+              <a:rPr lang="en-US" sz="2200" dirty="0">
+                <a:latin typeface="Monaco" charset="0"/>
+                <a:ea typeface="Monaco" charset="0"/>
+                <a:cs typeface="Monaco" charset="0"/>
+              </a:rPr>
+              <a:t>, x)</a:t>
+            </a:r>
+          </a:p>
+        </p:txBody>
+      </p:sp>
+      <p:sp>
+        <p:nvSpPr>
+          <p:cNvPr id="5" name="TextBox 4">
+            <a:extLst>
+              <a:ext uri="{FF2B5EF4-FFF2-40B4-BE49-F238E27FC236}">
+                <a16:creationId xmlns:a16="http://schemas.microsoft.com/office/drawing/2014/main" id="{D1764F08-D874-EF40-B858-1FC7B8F0D234}"/>
+              </a:ext>
+            </a:extLst>
+          </p:cNvPr>
+          <p:cNvSpPr txBox="1"/>
+          <p:nvPr/>
+        </p:nvSpPr>
+        <p:spPr>
+          <a:xfrm>
+            <a:off x="1540793" y="5715298"/>
+            <a:ext cx="4181786" cy="461665"/>
+          </a:xfrm>
+          <a:prstGeom prst="rect">
+            <a:avLst/>
+          </a:prstGeom>
+          <a:noFill/>
+        </p:spPr>
+        <p:txBody>
+          <a:bodyPr wrap="none" rtlCol="0">
+            <a:spAutoFit/>
+          </a:bodyPr>
+          <a:lstStyle/>
+          <a:p>
+            <a:r>
+              <a:rPr lang="en-US" sz="2400" dirty="0"/>
+              <a:t>What is T(n) for </a:t>
+            </a:r>
+            <a:r>
+              <a:rPr lang="en-US" sz="2400" dirty="0" err="1"/>
+              <a:t>search_tree</a:t>
+            </a:r>
+            <a:r>
+              <a:rPr lang="en-US" sz="2400" dirty="0"/>
+              <a:t>?</a:t>
             </a:r>
           </a:p>
         </p:txBody>
@@ -7740,13 +8792,91 @@
     </p:spTree>
     <p:extLst>
       <p:ext uri="{BB962C8B-B14F-4D97-AF65-F5344CB8AC3E}">
-        <p14:creationId xmlns:p14="http://schemas.microsoft.com/office/powerpoint/2010/main" val="1079673575"/>
+        <p14:creationId xmlns:p14="http://schemas.microsoft.com/office/powerpoint/2010/main" val="3674178913"/>
       </p:ext>
     </p:extLst>
   </p:cSld>
   <p:clrMapOvr>
     <a:masterClrMapping/>
   </p:clrMapOvr>
+  <p:timing>
+    <p:tnLst>
+      <p:par>
+        <p:cTn id="1" dur="indefinite" restart="never" nodeType="tmRoot">
+          <p:childTnLst>
+            <p:seq concurrent="1" nextAc="seek">
+              <p:cTn id="2" dur="indefinite" nodeType="mainSeq">
+                <p:childTnLst>
+                  <p:par>
+                    <p:cTn id="3" fill="hold">
+                      <p:stCondLst>
+                        <p:cond delay="indefinite"/>
+                      </p:stCondLst>
+                      <p:childTnLst>
+                        <p:par>
+                          <p:cTn id="4" fill="hold">
+                            <p:stCondLst>
+                              <p:cond delay="0"/>
+                            </p:stCondLst>
+                            <p:childTnLst>
+                              <p:par>
+                                <p:cTn id="5" presetID="1" presetClass="entr" presetSubtype="0" fill="hold" grpId="0" nodeType="clickEffect">
+                                  <p:stCondLst>
+                                    <p:cond delay="0"/>
+                                  </p:stCondLst>
+                                  <p:childTnLst>
+                                    <p:set>
+                                      <p:cBhvr>
+                                        <p:cTn id="6" dur="1" fill="hold">
+                                          <p:stCondLst>
+                                            <p:cond delay="0"/>
+                                          </p:stCondLst>
+                                        </p:cTn>
+                                        <p:tgtEl>
+                                          <p:spTgt spid="4"/>
+                                        </p:tgtEl>
+                                        <p:attrNameLst>
+                                          <p:attrName>style.visibility</p:attrName>
+                                        </p:attrNameLst>
+                                      </p:cBhvr>
+                                      <p:to>
+                                        <p:strVal val="visible"/>
+                                      </p:to>
+                                    </p:set>
+                                  </p:childTnLst>
+                                </p:cTn>
+                              </p:par>
+                            </p:childTnLst>
+                          </p:cTn>
+                        </p:par>
+                      </p:childTnLst>
+                    </p:cTn>
+                  </p:par>
+                </p:childTnLst>
+              </p:cTn>
+              <p:prevCondLst>
+                <p:cond evt="onPrev" delay="0">
+                  <p:tgtEl>
+                    <p:sldTgt/>
+                  </p:tgtEl>
+                </p:cond>
+              </p:prevCondLst>
+              <p:nextCondLst>
+                <p:cond evt="onNext" delay="0">
+                  <p:tgtEl>
+                    <p:sldTgt/>
+                  </p:tgtEl>
+                </p:cond>
+              </p:nextCondLst>
+            </p:seq>
+          </p:childTnLst>
+        </p:cTn>
+      </p:par>
+    </p:tnLst>
+    <p:bldLst>
+      <p:bldP spid="4" grpId="0" animBg="1"/>
+    </p:bldLst>
+  </p:timing>
 </p:sld>
 </file>
 
@@ -8005,7 +9135,7 @@
   <a:extraClrSchemeLst/>
   <a:extLst>
     <a:ext uri="{05A4C25C-085E-4340-85A3-A5531E510DB2}">
-      <thm15:themeFamily xmlns:thm15="http://schemas.microsoft.com/office/thememl/2012/main" name="usf" id="{C80F6EB9-5778-9C4D-A840-A4AB693D7AA4}" vid="{C836E528-BEDE-6642-9509-C7A5085C994C}"/>
+      <thm15:themeFamily xmlns:thm15="http://schemas.microsoft.com/office/thememl/2012/main" name="Office Theme" id="{62F939B6-93AF-4DB8-9C6B-D6C7DFDC589F}" vid="{4A3C46E8-61CC-4603-A589-7422A47A8E4A}"/>
     </a:ext>
   </a:extLst>
 </a:theme>

--- a/notes/walking-structures.pptx
+++ b/notes/walking-structures.pptx
@@ -220,7 +220,7 @@
           <a:p>
             <a:fld id="{8A1B613A-EFF1-404F-BEE8-EFAE84A4E5E2}" type="datetimeFigureOut">
               <a:rPr lang="en-US" smtClean="0"/>
-              <a:t>2/12/19</a:t>
+              <a:t>2/14/19</a:t>
             </a:fld>
             <a:endParaRPr lang="en-US"/>
           </a:p>
@@ -385,7 +385,7 @@
           <a:p>
             <a:fld id="{690847EA-AC25-3D4E-89E1-FD3F6A9702B6}" type="datetimeFigureOut">
               <a:rPr lang="en-US" smtClean="0"/>
-              <a:t>2/12/19</a:t>
+              <a:t>2/14/19</a:t>
             </a:fld>
             <a:endParaRPr lang="en-US"/>
           </a:p>
@@ -799,7 +799,7 @@
           <a:p>
             <a:fld id="{BE5295ED-3BAF-1140-8495-3D368771D6B1}" type="datetimeFigureOut">
               <a:rPr lang="en-US" smtClean="0"/>
-              <a:t>2/12/19</a:t>
+              <a:t>2/14/19</a:t>
             </a:fld>
             <a:endParaRPr lang="en-US"/>
           </a:p>
@@ -997,7 +997,7 @@
           <a:p>
             <a:fld id="{BE5295ED-3BAF-1140-8495-3D368771D6B1}" type="datetimeFigureOut">
               <a:rPr lang="en-US" smtClean="0"/>
-              <a:t>2/12/19</a:t>
+              <a:t>2/14/19</a:t>
             </a:fld>
             <a:endParaRPr lang="en-US"/>
           </a:p>
@@ -1205,7 +1205,7 @@
           <a:p>
             <a:fld id="{BE5295ED-3BAF-1140-8495-3D368771D6B1}" type="datetimeFigureOut">
               <a:rPr lang="en-US" smtClean="0"/>
-              <a:t>2/12/19</a:t>
+              <a:t>2/14/19</a:t>
             </a:fld>
             <a:endParaRPr lang="en-US"/>
           </a:p>
@@ -1403,7 +1403,7 @@
           <a:p>
             <a:fld id="{BE5295ED-3BAF-1140-8495-3D368771D6B1}" type="datetimeFigureOut">
               <a:rPr lang="en-US" smtClean="0"/>
-              <a:t>2/12/19</a:t>
+              <a:t>2/14/19</a:t>
             </a:fld>
             <a:endParaRPr lang="en-US"/>
           </a:p>
@@ -1678,7 +1678,7 @@
           <a:p>
             <a:fld id="{BE5295ED-3BAF-1140-8495-3D368771D6B1}" type="datetimeFigureOut">
               <a:rPr lang="en-US" smtClean="0"/>
-              <a:t>2/12/19</a:t>
+              <a:t>2/14/19</a:t>
             </a:fld>
             <a:endParaRPr lang="en-US"/>
           </a:p>
@@ -1943,7 +1943,7 @@
           <a:p>
             <a:fld id="{BE5295ED-3BAF-1140-8495-3D368771D6B1}" type="datetimeFigureOut">
               <a:rPr lang="en-US" smtClean="0"/>
-              <a:t>2/12/19</a:t>
+              <a:t>2/14/19</a:t>
             </a:fld>
             <a:endParaRPr lang="en-US"/>
           </a:p>
@@ -2355,7 +2355,7 @@
           <a:p>
             <a:fld id="{BE5295ED-3BAF-1140-8495-3D368771D6B1}" type="datetimeFigureOut">
               <a:rPr lang="en-US" smtClean="0"/>
-              <a:t>2/12/19</a:t>
+              <a:t>2/14/19</a:t>
             </a:fld>
             <a:endParaRPr lang="en-US"/>
           </a:p>
@@ -2496,7 +2496,7 @@
           <a:p>
             <a:fld id="{BE5295ED-3BAF-1140-8495-3D368771D6B1}" type="datetimeFigureOut">
               <a:rPr lang="en-US" smtClean="0"/>
-              <a:t>2/12/19</a:t>
+              <a:t>2/14/19</a:t>
             </a:fld>
             <a:endParaRPr lang="en-US"/>
           </a:p>
@@ -2609,7 +2609,7 @@
           <a:p>
             <a:fld id="{BE5295ED-3BAF-1140-8495-3D368771D6B1}" type="datetimeFigureOut">
               <a:rPr lang="en-US" smtClean="0"/>
-              <a:t>2/12/19</a:t>
+              <a:t>2/14/19</a:t>
             </a:fld>
             <a:endParaRPr lang="en-US"/>
           </a:p>
@@ -2920,7 +2920,7 @@
           <a:p>
             <a:fld id="{BE5295ED-3BAF-1140-8495-3D368771D6B1}" type="datetimeFigureOut">
               <a:rPr lang="en-US" smtClean="0"/>
-              <a:t>2/12/19</a:t>
+              <a:t>2/14/19</a:t>
             </a:fld>
             <a:endParaRPr lang="en-US"/>
           </a:p>
@@ -3208,7 +3208,7 @@
           <a:p>
             <a:fld id="{BE5295ED-3BAF-1140-8495-3D368771D6B1}" type="datetimeFigureOut">
               <a:rPr lang="en-US" smtClean="0"/>
-              <a:t>2/12/19</a:t>
+              <a:t>2/14/19</a:t>
             </a:fld>
             <a:endParaRPr lang="en-US"/>
           </a:p>
@@ -3449,7 +3449,7 @@
           <a:p>
             <a:fld id="{BE5295ED-3BAF-1140-8495-3D368771D6B1}" type="datetimeFigureOut">
               <a:rPr lang="en-US" smtClean="0"/>
-              <a:t>2/12/19</a:t>
+              <a:t>2/14/19</a:t>
             </a:fld>
             <a:endParaRPr lang="en-US"/>
           </a:p>
@@ -4901,6 +4901,76 @@
           </a:p>
         </p:txBody>
       </p:sp>
+      <p:sp>
+        <p:nvSpPr>
+          <p:cNvPr id="6" name="TextBox 5">
+            <a:extLst>
+              <a:ext uri="{FF2B5EF4-FFF2-40B4-BE49-F238E27FC236}">
+                <a16:creationId xmlns:a16="http://schemas.microsoft.com/office/drawing/2014/main" id="{69EE4EAC-4B7A-154C-947E-A26E42D666E8}"/>
+              </a:ext>
+            </a:extLst>
+          </p:cNvPr>
+          <p:cNvSpPr txBox="1"/>
+          <p:nvPr/>
+        </p:nvSpPr>
+        <p:spPr>
+          <a:xfrm>
+            <a:off x="1626637" y="5715298"/>
+            <a:ext cx="2593980" cy="461665"/>
+          </a:xfrm>
+          <a:prstGeom prst="rect">
+            <a:avLst/>
+          </a:prstGeom>
+          <a:noFill/>
+        </p:spPr>
+        <p:txBody>
+          <a:bodyPr wrap="none" rtlCol="0">
+            <a:spAutoFit/>
+          </a:bodyPr>
+          <a:lstStyle/>
+          <a:p>
+            <a:r>
+              <a:rPr lang="en-US" sz="2400" dirty="0"/>
+              <a:t>T(n) = k + 2T(n/2)</a:t>
+            </a:r>
+          </a:p>
+        </p:txBody>
+      </p:sp>
+      <p:sp>
+        <p:nvSpPr>
+          <p:cNvPr id="7" name="TextBox 6">
+            <a:extLst>
+              <a:ext uri="{FF2B5EF4-FFF2-40B4-BE49-F238E27FC236}">
+                <a16:creationId xmlns:a16="http://schemas.microsoft.com/office/drawing/2014/main" id="{3BA83E13-0EC4-0243-8892-224BF3C0B7C4}"/>
+              </a:ext>
+            </a:extLst>
+          </p:cNvPr>
+          <p:cNvSpPr txBox="1"/>
+          <p:nvPr/>
+        </p:nvSpPr>
+        <p:spPr>
+          <a:xfrm>
+            <a:off x="7677354" y="5706240"/>
+            <a:ext cx="2416880" cy="461665"/>
+          </a:xfrm>
+          <a:prstGeom prst="rect">
+            <a:avLst/>
+          </a:prstGeom>
+          <a:noFill/>
+        </p:spPr>
+        <p:txBody>
+          <a:bodyPr wrap="none" rtlCol="0">
+            <a:spAutoFit/>
+          </a:bodyPr>
+          <a:lstStyle/>
+          <a:p>
+            <a:r>
+              <a:rPr lang="en-US" sz="2400" dirty="0"/>
+              <a:t>T(n) = k + T(n/2)</a:t>
+            </a:r>
+          </a:p>
+        </p:txBody>
+      </p:sp>
     </p:spTree>
     <p:extLst>
       <p:ext uri="{BB962C8B-B14F-4D97-AF65-F5344CB8AC3E}">
@@ -8150,7 +8220,7 @@
           <a:p>
             <a:r>
               <a:rPr lang="en-US" dirty="0"/>
-              <a:t>Recursion tree</a:t>
+              <a:t>Recursion tree vs tree</a:t>
             </a:r>
           </a:p>
         </p:txBody>
@@ -8268,6 +8338,14 @@
                 <a:cs typeface="Monaco" charset="0"/>
               </a:rPr>
               <a:t>p.value</a:t>
+            </a:r>
+            <a:r>
+              <a:rPr lang="en-US" sz="2200" dirty="0">
+                <a:latin typeface="Monaco" charset="0"/>
+                <a:ea typeface="Monaco" charset="0"/>
+                <a:cs typeface="Monaco" charset="0"/>
+              </a:rPr>
+              <a:t>)</a:t>
             </a:r>
             <a:endParaRPr lang="en-US" sz="2200" dirty="0">
               <a:solidFill>

--- a/notes/walking-structures.pptx
+++ b/notes/walking-structures.pptx
@@ -220,7 +220,7 @@
           <a:p>
             <a:fld id="{8A1B613A-EFF1-404F-BEE8-EFAE84A4E5E2}" type="datetimeFigureOut">
               <a:rPr lang="en-US" smtClean="0"/>
-              <a:t>2/14/19</a:t>
+              <a:t>2/25/19</a:t>
             </a:fld>
             <a:endParaRPr lang="en-US"/>
           </a:p>
@@ -385,7 +385,7 @@
           <a:p>
             <a:fld id="{690847EA-AC25-3D4E-89E1-FD3F6A9702B6}" type="datetimeFigureOut">
               <a:rPr lang="en-US" smtClean="0"/>
-              <a:t>2/14/19</a:t>
+              <a:t>2/25/19</a:t>
             </a:fld>
             <a:endParaRPr lang="en-US"/>
           </a:p>
@@ -674,7 +674,7 @@
           <p:cNvPr id="2" name="Title 1">
             <a:extLst>
               <a:ext uri="{FF2B5EF4-FFF2-40B4-BE49-F238E27FC236}">
-                <a16:creationId xmlns:a16="http://schemas.microsoft.com/office/drawing/2014/main" id="{FCECE00E-B2E2-4D43-8A21-E17BBDC017E1}"/>
+                <a16:creationId xmlns:a16="http://schemas.microsoft.com/office/drawing/2014/main" xmlns="" id="{FCECE00E-B2E2-4D43-8A21-E17BBDC017E1}"/>
               </a:ext>
             </a:extLst>
           </p:cNvPr>
@@ -711,7 +711,7 @@
           <p:cNvPr id="3" name="Subtitle 2">
             <a:extLst>
               <a:ext uri="{FF2B5EF4-FFF2-40B4-BE49-F238E27FC236}">
-                <a16:creationId xmlns:a16="http://schemas.microsoft.com/office/drawing/2014/main" id="{0C4C7E7C-3478-264C-BF00-D75996D63509}"/>
+                <a16:creationId xmlns:a16="http://schemas.microsoft.com/office/drawing/2014/main" xmlns="" id="{0C4C7E7C-3478-264C-BF00-D75996D63509}"/>
               </a:ext>
             </a:extLst>
           </p:cNvPr>
@@ -781,7 +781,7 @@
           <p:cNvPr id="4" name="Date Placeholder 3">
             <a:extLst>
               <a:ext uri="{FF2B5EF4-FFF2-40B4-BE49-F238E27FC236}">
-                <a16:creationId xmlns:a16="http://schemas.microsoft.com/office/drawing/2014/main" id="{64E1EB94-602A-4843-8753-4DB51430704B}"/>
+                <a16:creationId xmlns:a16="http://schemas.microsoft.com/office/drawing/2014/main" xmlns="" id="{64E1EB94-602A-4843-8753-4DB51430704B}"/>
               </a:ext>
             </a:extLst>
           </p:cNvPr>
@@ -799,7 +799,7 @@
           <a:p>
             <a:fld id="{BE5295ED-3BAF-1140-8495-3D368771D6B1}" type="datetimeFigureOut">
               <a:rPr lang="en-US" smtClean="0"/>
-              <a:t>2/14/19</a:t>
+              <a:t>2/25/19</a:t>
             </a:fld>
             <a:endParaRPr lang="en-US"/>
           </a:p>
@@ -810,7 +810,7 @@
           <p:cNvPr id="5" name="Footer Placeholder 4">
             <a:extLst>
               <a:ext uri="{FF2B5EF4-FFF2-40B4-BE49-F238E27FC236}">
-                <a16:creationId xmlns:a16="http://schemas.microsoft.com/office/drawing/2014/main" id="{FF136E26-0E46-B848-BBFC-A0D2BFA17F33}"/>
+                <a16:creationId xmlns:a16="http://schemas.microsoft.com/office/drawing/2014/main" xmlns="" id="{FF136E26-0E46-B848-BBFC-A0D2BFA17F33}"/>
               </a:ext>
             </a:extLst>
           </p:cNvPr>
@@ -835,7 +835,7 @@
           <p:cNvPr id="6" name="Slide Number Placeholder 5">
             <a:extLst>
               <a:ext uri="{FF2B5EF4-FFF2-40B4-BE49-F238E27FC236}">
-                <a16:creationId xmlns:a16="http://schemas.microsoft.com/office/drawing/2014/main" id="{CEAD4217-442E-6C4A-8D0F-CADFE9EACB6D}"/>
+                <a16:creationId xmlns:a16="http://schemas.microsoft.com/office/drawing/2014/main" xmlns="" id="{CEAD4217-442E-6C4A-8D0F-CADFE9EACB6D}"/>
               </a:ext>
             </a:extLst>
           </p:cNvPr>
@@ -894,7 +894,7 @@
           <p:cNvPr id="2" name="Title 1">
             <a:extLst>
               <a:ext uri="{FF2B5EF4-FFF2-40B4-BE49-F238E27FC236}">
-                <a16:creationId xmlns:a16="http://schemas.microsoft.com/office/drawing/2014/main" id="{F416C72F-B1B5-6442-B3EF-170DEDF83067}"/>
+                <a16:creationId xmlns:a16="http://schemas.microsoft.com/office/drawing/2014/main" xmlns="" id="{F416C72F-B1B5-6442-B3EF-170DEDF83067}"/>
               </a:ext>
             </a:extLst>
           </p:cNvPr>
@@ -922,7 +922,7 @@
           <p:cNvPr id="3" name="Vertical Text Placeholder 2">
             <a:extLst>
               <a:ext uri="{FF2B5EF4-FFF2-40B4-BE49-F238E27FC236}">
-                <a16:creationId xmlns:a16="http://schemas.microsoft.com/office/drawing/2014/main" id="{19182C6A-7EA1-C840-86BB-65DF578F4F4B}"/>
+                <a16:creationId xmlns:a16="http://schemas.microsoft.com/office/drawing/2014/main" xmlns="" id="{19182C6A-7EA1-C840-86BB-65DF578F4F4B}"/>
               </a:ext>
             </a:extLst>
           </p:cNvPr>
@@ -979,7 +979,7 @@
           <p:cNvPr id="4" name="Date Placeholder 3">
             <a:extLst>
               <a:ext uri="{FF2B5EF4-FFF2-40B4-BE49-F238E27FC236}">
-                <a16:creationId xmlns:a16="http://schemas.microsoft.com/office/drawing/2014/main" id="{DBCD3C4B-E6D4-B140-8126-90FD013DE38A}"/>
+                <a16:creationId xmlns:a16="http://schemas.microsoft.com/office/drawing/2014/main" xmlns="" id="{DBCD3C4B-E6D4-B140-8126-90FD013DE38A}"/>
               </a:ext>
             </a:extLst>
           </p:cNvPr>
@@ -997,7 +997,7 @@
           <a:p>
             <a:fld id="{BE5295ED-3BAF-1140-8495-3D368771D6B1}" type="datetimeFigureOut">
               <a:rPr lang="en-US" smtClean="0"/>
-              <a:t>2/14/19</a:t>
+              <a:t>2/25/19</a:t>
             </a:fld>
             <a:endParaRPr lang="en-US"/>
           </a:p>
@@ -1008,7 +1008,7 @@
           <p:cNvPr id="5" name="Footer Placeholder 4">
             <a:extLst>
               <a:ext uri="{FF2B5EF4-FFF2-40B4-BE49-F238E27FC236}">
-                <a16:creationId xmlns:a16="http://schemas.microsoft.com/office/drawing/2014/main" id="{E26FD8A5-25AB-2742-9333-F1864AA98C6D}"/>
+                <a16:creationId xmlns:a16="http://schemas.microsoft.com/office/drawing/2014/main" xmlns="" id="{E26FD8A5-25AB-2742-9333-F1864AA98C6D}"/>
               </a:ext>
             </a:extLst>
           </p:cNvPr>
@@ -1033,7 +1033,7 @@
           <p:cNvPr id="6" name="Slide Number Placeholder 5">
             <a:extLst>
               <a:ext uri="{FF2B5EF4-FFF2-40B4-BE49-F238E27FC236}">
-                <a16:creationId xmlns:a16="http://schemas.microsoft.com/office/drawing/2014/main" id="{B4FFBFCA-F2F7-544E-BB46-A887273990B8}"/>
+                <a16:creationId xmlns:a16="http://schemas.microsoft.com/office/drawing/2014/main" xmlns="" id="{B4FFBFCA-F2F7-544E-BB46-A887273990B8}"/>
               </a:ext>
             </a:extLst>
           </p:cNvPr>
@@ -1092,7 +1092,7 @@
           <p:cNvPr id="2" name="Vertical Title 1">
             <a:extLst>
               <a:ext uri="{FF2B5EF4-FFF2-40B4-BE49-F238E27FC236}">
-                <a16:creationId xmlns:a16="http://schemas.microsoft.com/office/drawing/2014/main" id="{A54E5286-71CD-184D-922F-2C587370C871}"/>
+                <a16:creationId xmlns:a16="http://schemas.microsoft.com/office/drawing/2014/main" xmlns="" id="{A54E5286-71CD-184D-922F-2C587370C871}"/>
               </a:ext>
             </a:extLst>
           </p:cNvPr>
@@ -1125,7 +1125,7 @@
           <p:cNvPr id="3" name="Vertical Text Placeholder 2">
             <a:extLst>
               <a:ext uri="{FF2B5EF4-FFF2-40B4-BE49-F238E27FC236}">
-                <a16:creationId xmlns:a16="http://schemas.microsoft.com/office/drawing/2014/main" id="{8E6C93D7-83D1-8740-A256-2B405524A089}"/>
+                <a16:creationId xmlns:a16="http://schemas.microsoft.com/office/drawing/2014/main" xmlns="" id="{8E6C93D7-83D1-8740-A256-2B405524A089}"/>
               </a:ext>
             </a:extLst>
           </p:cNvPr>
@@ -1187,7 +1187,7 @@
           <p:cNvPr id="4" name="Date Placeholder 3">
             <a:extLst>
               <a:ext uri="{FF2B5EF4-FFF2-40B4-BE49-F238E27FC236}">
-                <a16:creationId xmlns:a16="http://schemas.microsoft.com/office/drawing/2014/main" id="{C7CCB8DC-90E9-1D49-B70B-5103FBBD3972}"/>
+                <a16:creationId xmlns:a16="http://schemas.microsoft.com/office/drawing/2014/main" xmlns="" id="{C7CCB8DC-90E9-1D49-B70B-5103FBBD3972}"/>
               </a:ext>
             </a:extLst>
           </p:cNvPr>
@@ -1205,7 +1205,7 @@
           <a:p>
             <a:fld id="{BE5295ED-3BAF-1140-8495-3D368771D6B1}" type="datetimeFigureOut">
               <a:rPr lang="en-US" smtClean="0"/>
-              <a:t>2/14/19</a:t>
+              <a:t>2/25/19</a:t>
             </a:fld>
             <a:endParaRPr lang="en-US"/>
           </a:p>
@@ -1216,7 +1216,7 @@
           <p:cNvPr id="5" name="Footer Placeholder 4">
             <a:extLst>
               <a:ext uri="{FF2B5EF4-FFF2-40B4-BE49-F238E27FC236}">
-                <a16:creationId xmlns:a16="http://schemas.microsoft.com/office/drawing/2014/main" id="{0997D847-8768-9843-9B66-E6B3989BA3D2}"/>
+                <a16:creationId xmlns:a16="http://schemas.microsoft.com/office/drawing/2014/main" xmlns="" id="{0997D847-8768-9843-9B66-E6B3989BA3D2}"/>
               </a:ext>
             </a:extLst>
           </p:cNvPr>
@@ -1241,7 +1241,7 @@
           <p:cNvPr id="6" name="Slide Number Placeholder 5">
             <a:extLst>
               <a:ext uri="{FF2B5EF4-FFF2-40B4-BE49-F238E27FC236}">
-                <a16:creationId xmlns:a16="http://schemas.microsoft.com/office/drawing/2014/main" id="{8E82CB94-E0A6-3E47-9F30-8DEB64C2027C}"/>
+                <a16:creationId xmlns:a16="http://schemas.microsoft.com/office/drawing/2014/main" xmlns="" id="{8E82CB94-E0A6-3E47-9F30-8DEB64C2027C}"/>
               </a:ext>
             </a:extLst>
           </p:cNvPr>
@@ -1300,7 +1300,7 @@
           <p:cNvPr id="2" name="Title 1">
             <a:extLst>
               <a:ext uri="{FF2B5EF4-FFF2-40B4-BE49-F238E27FC236}">
-                <a16:creationId xmlns:a16="http://schemas.microsoft.com/office/drawing/2014/main" id="{B8842375-E5EF-4D4E-AFD0-A94090E7DB29}"/>
+                <a16:creationId xmlns:a16="http://schemas.microsoft.com/office/drawing/2014/main" xmlns="" id="{B8842375-E5EF-4D4E-AFD0-A94090E7DB29}"/>
               </a:ext>
             </a:extLst>
           </p:cNvPr>
@@ -1328,7 +1328,7 @@
           <p:cNvPr id="3" name="Content Placeholder 2">
             <a:extLst>
               <a:ext uri="{FF2B5EF4-FFF2-40B4-BE49-F238E27FC236}">
-                <a16:creationId xmlns:a16="http://schemas.microsoft.com/office/drawing/2014/main" id="{F366F610-FF9B-2A4B-8E35-314B0D78D9D8}"/>
+                <a16:creationId xmlns:a16="http://schemas.microsoft.com/office/drawing/2014/main" xmlns="" id="{F366F610-FF9B-2A4B-8E35-314B0D78D9D8}"/>
               </a:ext>
             </a:extLst>
           </p:cNvPr>
@@ -1385,7 +1385,7 @@
           <p:cNvPr id="4" name="Date Placeholder 3">
             <a:extLst>
               <a:ext uri="{FF2B5EF4-FFF2-40B4-BE49-F238E27FC236}">
-                <a16:creationId xmlns:a16="http://schemas.microsoft.com/office/drawing/2014/main" id="{1561E808-F7D2-E84B-8CD4-83F18272EA72}"/>
+                <a16:creationId xmlns:a16="http://schemas.microsoft.com/office/drawing/2014/main" xmlns="" id="{1561E808-F7D2-E84B-8CD4-83F18272EA72}"/>
               </a:ext>
             </a:extLst>
           </p:cNvPr>
@@ -1403,7 +1403,7 @@
           <a:p>
             <a:fld id="{BE5295ED-3BAF-1140-8495-3D368771D6B1}" type="datetimeFigureOut">
               <a:rPr lang="en-US" smtClean="0"/>
-              <a:t>2/14/19</a:t>
+              <a:t>2/25/19</a:t>
             </a:fld>
             <a:endParaRPr lang="en-US"/>
           </a:p>
@@ -1414,7 +1414,7 @@
           <p:cNvPr id="5" name="Footer Placeholder 4">
             <a:extLst>
               <a:ext uri="{FF2B5EF4-FFF2-40B4-BE49-F238E27FC236}">
-                <a16:creationId xmlns:a16="http://schemas.microsoft.com/office/drawing/2014/main" id="{7B3AD9A1-B1EC-984E-A23E-0ECF6F652482}"/>
+                <a16:creationId xmlns:a16="http://schemas.microsoft.com/office/drawing/2014/main" xmlns="" id="{7B3AD9A1-B1EC-984E-A23E-0ECF6F652482}"/>
               </a:ext>
             </a:extLst>
           </p:cNvPr>
@@ -1439,7 +1439,7 @@
           <p:cNvPr id="6" name="Slide Number Placeholder 5">
             <a:extLst>
               <a:ext uri="{FF2B5EF4-FFF2-40B4-BE49-F238E27FC236}">
-                <a16:creationId xmlns:a16="http://schemas.microsoft.com/office/drawing/2014/main" id="{01BFD94D-9604-2A43-AADF-14B0876B6EBB}"/>
+                <a16:creationId xmlns:a16="http://schemas.microsoft.com/office/drawing/2014/main" xmlns="" id="{01BFD94D-9604-2A43-AADF-14B0876B6EBB}"/>
               </a:ext>
             </a:extLst>
           </p:cNvPr>
@@ -1498,7 +1498,7 @@
           <p:cNvPr id="2" name="Title 1">
             <a:extLst>
               <a:ext uri="{FF2B5EF4-FFF2-40B4-BE49-F238E27FC236}">
-                <a16:creationId xmlns:a16="http://schemas.microsoft.com/office/drawing/2014/main" id="{771589AC-2242-B445-BBEA-95D500596EE6}"/>
+                <a16:creationId xmlns:a16="http://schemas.microsoft.com/office/drawing/2014/main" xmlns="" id="{771589AC-2242-B445-BBEA-95D500596EE6}"/>
               </a:ext>
             </a:extLst>
           </p:cNvPr>
@@ -1535,7 +1535,7 @@
           <p:cNvPr id="3" name="Text Placeholder 2">
             <a:extLst>
               <a:ext uri="{FF2B5EF4-FFF2-40B4-BE49-F238E27FC236}">
-                <a16:creationId xmlns:a16="http://schemas.microsoft.com/office/drawing/2014/main" id="{255D194C-D171-4B45-BA38-8D16CD1C3449}"/>
+                <a16:creationId xmlns:a16="http://schemas.microsoft.com/office/drawing/2014/main" xmlns="" id="{255D194C-D171-4B45-BA38-8D16CD1C3449}"/>
               </a:ext>
             </a:extLst>
           </p:cNvPr>
@@ -1660,7 +1660,7 @@
           <p:cNvPr id="4" name="Date Placeholder 3">
             <a:extLst>
               <a:ext uri="{FF2B5EF4-FFF2-40B4-BE49-F238E27FC236}">
-                <a16:creationId xmlns:a16="http://schemas.microsoft.com/office/drawing/2014/main" id="{68A38244-2F9E-AB4A-B300-488462389FF9}"/>
+                <a16:creationId xmlns:a16="http://schemas.microsoft.com/office/drawing/2014/main" xmlns="" id="{68A38244-2F9E-AB4A-B300-488462389FF9}"/>
               </a:ext>
             </a:extLst>
           </p:cNvPr>
@@ -1678,7 +1678,7 @@
           <a:p>
             <a:fld id="{BE5295ED-3BAF-1140-8495-3D368771D6B1}" type="datetimeFigureOut">
               <a:rPr lang="en-US" smtClean="0"/>
-              <a:t>2/14/19</a:t>
+              <a:t>2/25/19</a:t>
             </a:fld>
             <a:endParaRPr lang="en-US"/>
           </a:p>
@@ -1689,7 +1689,7 @@
           <p:cNvPr id="5" name="Footer Placeholder 4">
             <a:extLst>
               <a:ext uri="{FF2B5EF4-FFF2-40B4-BE49-F238E27FC236}">
-                <a16:creationId xmlns:a16="http://schemas.microsoft.com/office/drawing/2014/main" id="{B33A7B5A-1475-C94F-AD18-1726D2BA89C2}"/>
+                <a16:creationId xmlns:a16="http://schemas.microsoft.com/office/drawing/2014/main" xmlns="" id="{B33A7B5A-1475-C94F-AD18-1726D2BA89C2}"/>
               </a:ext>
             </a:extLst>
           </p:cNvPr>
@@ -1714,7 +1714,7 @@
           <p:cNvPr id="6" name="Slide Number Placeholder 5">
             <a:extLst>
               <a:ext uri="{FF2B5EF4-FFF2-40B4-BE49-F238E27FC236}">
-                <a16:creationId xmlns:a16="http://schemas.microsoft.com/office/drawing/2014/main" id="{8069DDF6-CCE5-3946-8A72-14D318AB4D22}"/>
+                <a16:creationId xmlns:a16="http://schemas.microsoft.com/office/drawing/2014/main" xmlns="" id="{8069DDF6-CCE5-3946-8A72-14D318AB4D22}"/>
               </a:ext>
             </a:extLst>
           </p:cNvPr>
@@ -1773,7 +1773,7 @@
           <p:cNvPr id="2" name="Title 1">
             <a:extLst>
               <a:ext uri="{FF2B5EF4-FFF2-40B4-BE49-F238E27FC236}">
-                <a16:creationId xmlns:a16="http://schemas.microsoft.com/office/drawing/2014/main" id="{AC1D2791-2196-8F4F-AD62-59B19A8810A3}"/>
+                <a16:creationId xmlns:a16="http://schemas.microsoft.com/office/drawing/2014/main" xmlns="" id="{AC1D2791-2196-8F4F-AD62-59B19A8810A3}"/>
               </a:ext>
             </a:extLst>
           </p:cNvPr>
@@ -1801,7 +1801,7 @@
           <p:cNvPr id="3" name="Content Placeholder 2">
             <a:extLst>
               <a:ext uri="{FF2B5EF4-FFF2-40B4-BE49-F238E27FC236}">
-                <a16:creationId xmlns:a16="http://schemas.microsoft.com/office/drawing/2014/main" id="{3962F23A-0A28-6141-B0BF-D7B92C213877}"/>
+                <a16:creationId xmlns:a16="http://schemas.microsoft.com/office/drawing/2014/main" xmlns="" id="{3962F23A-0A28-6141-B0BF-D7B92C213877}"/>
               </a:ext>
             </a:extLst>
           </p:cNvPr>
@@ -1863,7 +1863,7 @@
           <p:cNvPr id="4" name="Content Placeholder 3">
             <a:extLst>
               <a:ext uri="{FF2B5EF4-FFF2-40B4-BE49-F238E27FC236}">
-                <a16:creationId xmlns:a16="http://schemas.microsoft.com/office/drawing/2014/main" id="{C36DF3E7-529D-1C40-B815-3C505F4D107E}"/>
+                <a16:creationId xmlns:a16="http://schemas.microsoft.com/office/drawing/2014/main" xmlns="" id="{C36DF3E7-529D-1C40-B815-3C505F4D107E}"/>
               </a:ext>
             </a:extLst>
           </p:cNvPr>
@@ -1925,7 +1925,7 @@
           <p:cNvPr id="5" name="Date Placeholder 4">
             <a:extLst>
               <a:ext uri="{FF2B5EF4-FFF2-40B4-BE49-F238E27FC236}">
-                <a16:creationId xmlns:a16="http://schemas.microsoft.com/office/drawing/2014/main" id="{ECFEE966-F172-8C42-A9F6-013C2A368C90}"/>
+                <a16:creationId xmlns:a16="http://schemas.microsoft.com/office/drawing/2014/main" xmlns="" id="{ECFEE966-F172-8C42-A9F6-013C2A368C90}"/>
               </a:ext>
             </a:extLst>
           </p:cNvPr>
@@ -1943,7 +1943,7 @@
           <a:p>
             <a:fld id="{BE5295ED-3BAF-1140-8495-3D368771D6B1}" type="datetimeFigureOut">
               <a:rPr lang="en-US" smtClean="0"/>
-              <a:t>2/14/19</a:t>
+              <a:t>2/25/19</a:t>
             </a:fld>
             <a:endParaRPr lang="en-US"/>
           </a:p>
@@ -1954,7 +1954,7 @@
           <p:cNvPr id="6" name="Footer Placeholder 5">
             <a:extLst>
               <a:ext uri="{FF2B5EF4-FFF2-40B4-BE49-F238E27FC236}">
-                <a16:creationId xmlns:a16="http://schemas.microsoft.com/office/drawing/2014/main" id="{54FDED73-DCFA-6648-B65F-CBEDB1D3556B}"/>
+                <a16:creationId xmlns:a16="http://schemas.microsoft.com/office/drawing/2014/main" xmlns="" id="{54FDED73-DCFA-6648-B65F-CBEDB1D3556B}"/>
               </a:ext>
             </a:extLst>
           </p:cNvPr>
@@ -1979,7 +1979,7 @@
           <p:cNvPr id="7" name="Slide Number Placeholder 6">
             <a:extLst>
               <a:ext uri="{FF2B5EF4-FFF2-40B4-BE49-F238E27FC236}">
-                <a16:creationId xmlns:a16="http://schemas.microsoft.com/office/drawing/2014/main" id="{F3D072AD-ADC5-2943-B36C-F14AE6555C55}"/>
+                <a16:creationId xmlns:a16="http://schemas.microsoft.com/office/drawing/2014/main" xmlns="" id="{F3D072AD-ADC5-2943-B36C-F14AE6555C55}"/>
               </a:ext>
             </a:extLst>
           </p:cNvPr>
@@ -2038,7 +2038,7 @@
           <p:cNvPr id="2" name="Title 1">
             <a:extLst>
               <a:ext uri="{FF2B5EF4-FFF2-40B4-BE49-F238E27FC236}">
-                <a16:creationId xmlns:a16="http://schemas.microsoft.com/office/drawing/2014/main" id="{478E3FB4-66D6-9040-98CF-3DE68ABAAB18}"/>
+                <a16:creationId xmlns:a16="http://schemas.microsoft.com/office/drawing/2014/main" xmlns="" id="{478E3FB4-66D6-9040-98CF-3DE68ABAAB18}"/>
               </a:ext>
             </a:extLst>
           </p:cNvPr>
@@ -2071,7 +2071,7 @@
           <p:cNvPr id="3" name="Text Placeholder 2">
             <a:extLst>
               <a:ext uri="{FF2B5EF4-FFF2-40B4-BE49-F238E27FC236}">
-                <a16:creationId xmlns:a16="http://schemas.microsoft.com/office/drawing/2014/main" id="{C3B9CBA2-D589-E342-B02C-AFD0528E353B}"/>
+                <a16:creationId xmlns:a16="http://schemas.microsoft.com/office/drawing/2014/main" xmlns="" id="{C3B9CBA2-D589-E342-B02C-AFD0528E353B}"/>
               </a:ext>
             </a:extLst>
           </p:cNvPr>
@@ -2142,7 +2142,7 @@
           <p:cNvPr id="4" name="Content Placeholder 3">
             <a:extLst>
               <a:ext uri="{FF2B5EF4-FFF2-40B4-BE49-F238E27FC236}">
-                <a16:creationId xmlns:a16="http://schemas.microsoft.com/office/drawing/2014/main" id="{F570E95A-9A57-7F42-A0D4-A9C36B16D13C}"/>
+                <a16:creationId xmlns:a16="http://schemas.microsoft.com/office/drawing/2014/main" xmlns="" id="{F570E95A-9A57-7F42-A0D4-A9C36B16D13C}"/>
               </a:ext>
             </a:extLst>
           </p:cNvPr>
@@ -2204,7 +2204,7 @@
           <p:cNvPr id="5" name="Text Placeholder 4">
             <a:extLst>
               <a:ext uri="{FF2B5EF4-FFF2-40B4-BE49-F238E27FC236}">
-                <a16:creationId xmlns:a16="http://schemas.microsoft.com/office/drawing/2014/main" id="{B6A72F40-C7A9-CC45-82FB-CCCE1FE08B0B}"/>
+                <a16:creationId xmlns:a16="http://schemas.microsoft.com/office/drawing/2014/main" xmlns="" id="{B6A72F40-C7A9-CC45-82FB-CCCE1FE08B0B}"/>
               </a:ext>
             </a:extLst>
           </p:cNvPr>
@@ -2275,7 +2275,7 @@
           <p:cNvPr id="6" name="Content Placeholder 5">
             <a:extLst>
               <a:ext uri="{FF2B5EF4-FFF2-40B4-BE49-F238E27FC236}">
-                <a16:creationId xmlns:a16="http://schemas.microsoft.com/office/drawing/2014/main" id="{9FDA6D2A-2E9D-714C-B9CB-D0F9D788FCD3}"/>
+                <a16:creationId xmlns:a16="http://schemas.microsoft.com/office/drawing/2014/main" xmlns="" id="{9FDA6D2A-2E9D-714C-B9CB-D0F9D788FCD3}"/>
               </a:ext>
             </a:extLst>
           </p:cNvPr>
@@ -2337,7 +2337,7 @@
           <p:cNvPr id="7" name="Date Placeholder 6">
             <a:extLst>
               <a:ext uri="{FF2B5EF4-FFF2-40B4-BE49-F238E27FC236}">
-                <a16:creationId xmlns:a16="http://schemas.microsoft.com/office/drawing/2014/main" id="{1B7F3C0C-4D75-9C49-9075-FA8B3D33CF9B}"/>
+                <a16:creationId xmlns:a16="http://schemas.microsoft.com/office/drawing/2014/main" xmlns="" id="{1B7F3C0C-4D75-9C49-9075-FA8B3D33CF9B}"/>
               </a:ext>
             </a:extLst>
           </p:cNvPr>
@@ -2355,7 +2355,7 @@
           <a:p>
             <a:fld id="{BE5295ED-3BAF-1140-8495-3D368771D6B1}" type="datetimeFigureOut">
               <a:rPr lang="en-US" smtClean="0"/>
-              <a:t>2/14/19</a:t>
+              <a:t>2/25/19</a:t>
             </a:fld>
             <a:endParaRPr lang="en-US"/>
           </a:p>
@@ -2366,7 +2366,7 @@
           <p:cNvPr id="8" name="Footer Placeholder 7">
             <a:extLst>
               <a:ext uri="{FF2B5EF4-FFF2-40B4-BE49-F238E27FC236}">
-                <a16:creationId xmlns:a16="http://schemas.microsoft.com/office/drawing/2014/main" id="{9788C8FA-359A-5447-AA0E-98D16ECCC92D}"/>
+                <a16:creationId xmlns:a16="http://schemas.microsoft.com/office/drawing/2014/main" xmlns="" id="{9788C8FA-359A-5447-AA0E-98D16ECCC92D}"/>
               </a:ext>
             </a:extLst>
           </p:cNvPr>
@@ -2391,7 +2391,7 @@
           <p:cNvPr id="9" name="Slide Number Placeholder 8">
             <a:extLst>
               <a:ext uri="{FF2B5EF4-FFF2-40B4-BE49-F238E27FC236}">
-                <a16:creationId xmlns:a16="http://schemas.microsoft.com/office/drawing/2014/main" id="{3D69C8CD-0DF6-4E4C-A412-31B03845FA24}"/>
+                <a16:creationId xmlns:a16="http://schemas.microsoft.com/office/drawing/2014/main" xmlns="" id="{3D69C8CD-0DF6-4E4C-A412-31B03845FA24}"/>
               </a:ext>
             </a:extLst>
           </p:cNvPr>
@@ -2450,7 +2450,7 @@
           <p:cNvPr id="2" name="Title 1">
             <a:extLst>
               <a:ext uri="{FF2B5EF4-FFF2-40B4-BE49-F238E27FC236}">
-                <a16:creationId xmlns:a16="http://schemas.microsoft.com/office/drawing/2014/main" id="{13C48C8E-A743-0B4F-AB6E-AB828F1218C8}"/>
+                <a16:creationId xmlns:a16="http://schemas.microsoft.com/office/drawing/2014/main" xmlns="" id="{13C48C8E-A743-0B4F-AB6E-AB828F1218C8}"/>
               </a:ext>
             </a:extLst>
           </p:cNvPr>
@@ -2478,7 +2478,7 @@
           <p:cNvPr id="3" name="Date Placeholder 2">
             <a:extLst>
               <a:ext uri="{FF2B5EF4-FFF2-40B4-BE49-F238E27FC236}">
-                <a16:creationId xmlns:a16="http://schemas.microsoft.com/office/drawing/2014/main" id="{70FAB17F-6D86-B147-9346-A9B5242FC803}"/>
+                <a16:creationId xmlns:a16="http://schemas.microsoft.com/office/drawing/2014/main" xmlns="" id="{70FAB17F-6D86-B147-9346-A9B5242FC803}"/>
               </a:ext>
             </a:extLst>
           </p:cNvPr>
@@ -2496,7 +2496,7 @@
           <a:p>
             <a:fld id="{BE5295ED-3BAF-1140-8495-3D368771D6B1}" type="datetimeFigureOut">
               <a:rPr lang="en-US" smtClean="0"/>
-              <a:t>2/14/19</a:t>
+              <a:t>2/25/19</a:t>
             </a:fld>
             <a:endParaRPr lang="en-US"/>
           </a:p>
@@ -2507,7 +2507,7 @@
           <p:cNvPr id="4" name="Footer Placeholder 3">
             <a:extLst>
               <a:ext uri="{FF2B5EF4-FFF2-40B4-BE49-F238E27FC236}">
-                <a16:creationId xmlns:a16="http://schemas.microsoft.com/office/drawing/2014/main" id="{4B8A6F49-DCD7-7B4B-8496-2547B2A81C83}"/>
+                <a16:creationId xmlns:a16="http://schemas.microsoft.com/office/drawing/2014/main" xmlns="" id="{4B8A6F49-DCD7-7B4B-8496-2547B2A81C83}"/>
               </a:ext>
             </a:extLst>
           </p:cNvPr>
@@ -2532,7 +2532,7 @@
           <p:cNvPr id="5" name="Slide Number Placeholder 4">
             <a:extLst>
               <a:ext uri="{FF2B5EF4-FFF2-40B4-BE49-F238E27FC236}">
-                <a16:creationId xmlns:a16="http://schemas.microsoft.com/office/drawing/2014/main" id="{D4D1F89D-8541-BB4B-A145-D0DC66605C91}"/>
+                <a16:creationId xmlns:a16="http://schemas.microsoft.com/office/drawing/2014/main" xmlns="" id="{D4D1F89D-8541-BB4B-A145-D0DC66605C91}"/>
               </a:ext>
             </a:extLst>
           </p:cNvPr>
@@ -2591,7 +2591,7 @@
           <p:cNvPr id="2" name="Date Placeholder 1">
             <a:extLst>
               <a:ext uri="{FF2B5EF4-FFF2-40B4-BE49-F238E27FC236}">
-                <a16:creationId xmlns:a16="http://schemas.microsoft.com/office/drawing/2014/main" id="{AD68AA44-A589-744E-AB85-5B6ED8E7D8C0}"/>
+                <a16:creationId xmlns:a16="http://schemas.microsoft.com/office/drawing/2014/main" xmlns="" id="{AD68AA44-A589-744E-AB85-5B6ED8E7D8C0}"/>
               </a:ext>
             </a:extLst>
           </p:cNvPr>
@@ -2609,7 +2609,7 @@
           <a:p>
             <a:fld id="{BE5295ED-3BAF-1140-8495-3D368771D6B1}" type="datetimeFigureOut">
               <a:rPr lang="en-US" smtClean="0"/>
-              <a:t>2/14/19</a:t>
+              <a:t>2/25/19</a:t>
             </a:fld>
             <a:endParaRPr lang="en-US"/>
           </a:p>
@@ -2620,7 +2620,7 @@
           <p:cNvPr id="3" name="Footer Placeholder 2">
             <a:extLst>
               <a:ext uri="{FF2B5EF4-FFF2-40B4-BE49-F238E27FC236}">
-                <a16:creationId xmlns:a16="http://schemas.microsoft.com/office/drawing/2014/main" id="{1CA0E6D3-947A-FA4D-8626-2883D14EFE8D}"/>
+                <a16:creationId xmlns:a16="http://schemas.microsoft.com/office/drawing/2014/main" xmlns="" id="{1CA0E6D3-947A-FA4D-8626-2883D14EFE8D}"/>
               </a:ext>
             </a:extLst>
           </p:cNvPr>
@@ -2645,7 +2645,7 @@
           <p:cNvPr id="4" name="Slide Number Placeholder 3">
             <a:extLst>
               <a:ext uri="{FF2B5EF4-FFF2-40B4-BE49-F238E27FC236}">
-                <a16:creationId xmlns:a16="http://schemas.microsoft.com/office/drawing/2014/main" id="{5BF0953F-E6D0-2240-B174-03015D0856A8}"/>
+                <a16:creationId xmlns:a16="http://schemas.microsoft.com/office/drawing/2014/main" xmlns="" id="{5BF0953F-E6D0-2240-B174-03015D0856A8}"/>
               </a:ext>
             </a:extLst>
           </p:cNvPr>
@@ -2704,7 +2704,7 @@
           <p:cNvPr id="2" name="Title 1">
             <a:extLst>
               <a:ext uri="{FF2B5EF4-FFF2-40B4-BE49-F238E27FC236}">
-                <a16:creationId xmlns:a16="http://schemas.microsoft.com/office/drawing/2014/main" id="{26FFD677-FF02-3E4E-8E32-44D146E24D90}"/>
+                <a16:creationId xmlns:a16="http://schemas.microsoft.com/office/drawing/2014/main" xmlns="" id="{26FFD677-FF02-3E4E-8E32-44D146E24D90}"/>
               </a:ext>
             </a:extLst>
           </p:cNvPr>
@@ -2741,7 +2741,7 @@
           <p:cNvPr id="3" name="Content Placeholder 2">
             <a:extLst>
               <a:ext uri="{FF2B5EF4-FFF2-40B4-BE49-F238E27FC236}">
-                <a16:creationId xmlns:a16="http://schemas.microsoft.com/office/drawing/2014/main" id="{9942170F-E10D-1348-86CE-8E869B806F9B}"/>
+                <a16:creationId xmlns:a16="http://schemas.microsoft.com/office/drawing/2014/main" xmlns="" id="{9942170F-E10D-1348-86CE-8E869B806F9B}"/>
               </a:ext>
             </a:extLst>
           </p:cNvPr>
@@ -2831,7 +2831,7 @@
           <p:cNvPr id="4" name="Text Placeholder 3">
             <a:extLst>
               <a:ext uri="{FF2B5EF4-FFF2-40B4-BE49-F238E27FC236}">
-                <a16:creationId xmlns:a16="http://schemas.microsoft.com/office/drawing/2014/main" id="{80772D86-2794-394C-A208-2D3E234A3A20}"/>
+                <a16:creationId xmlns:a16="http://schemas.microsoft.com/office/drawing/2014/main" xmlns="" id="{80772D86-2794-394C-A208-2D3E234A3A20}"/>
               </a:ext>
             </a:extLst>
           </p:cNvPr>
@@ -2902,7 +2902,7 @@
           <p:cNvPr id="5" name="Date Placeholder 4">
             <a:extLst>
               <a:ext uri="{FF2B5EF4-FFF2-40B4-BE49-F238E27FC236}">
-                <a16:creationId xmlns:a16="http://schemas.microsoft.com/office/drawing/2014/main" id="{B5314D31-901A-D944-B06D-3D8106F2A2BC}"/>
+                <a16:creationId xmlns:a16="http://schemas.microsoft.com/office/drawing/2014/main" xmlns="" id="{B5314D31-901A-D944-B06D-3D8106F2A2BC}"/>
               </a:ext>
             </a:extLst>
           </p:cNvPr>
@@ -2920,7 +2920,7 @@
           <a:p>
             <a:fld id="{BE5295ED-3BAF-1140-8495-3D368771D6B1}" type="datetimeFigureOut">
               <a:rPr lang="en-US" smtClean="0"/>
-              <a:t>2/14/19</a:t>
+              <a:t>2/25/19</a:t>
             </a:fld>
             <a:endParaRPr lang="en-US"/>
           </a:p>
@@ -2931,7 +2931,7 @@
           <p:cNvPr id="6" name="Footer Placeholder 5">
             <a:extLst>
               <a:ext uri="{FF2B5EF4-FFF2-40B4-BE49-F238E27FC236}">
-                <a16:creationId xmlns:a16="http://schemas.microsoft.com/office/drawing/2014/main" id="{BFFC6519-9D04-AC45-BB37-9DD413CC741D}"/>
+                <a16:creationId xmlns:a16="http://schemas.microsoft.com/office/drawing/2014/main" xmlns="" id="{BFFC6519-9D04-AC45-BB37-9DD413CC741D}"/>
               </a:ext>
             </a:extLst>
           </p:cNvPr>
@@ -2956,7 +2956,7 @@
           <p:cNvPr id="7" name="Slide Number Placeholder 6">
             <a:extLst>
               <a:ext uri="{FF2B5EF4-FFF2-40B4-BE49-F238E27FC236}">
-                <a16:creationId xmlns:a16="http://schemas.microsoft.com/office/drawing/2014/main" id="{856ACFF3-3C93-FA41-80F3-4708944F9A8C}"/>
+                <a16:creationId xmlns:a16="http://schemas.microsoft.com/office/drawing/2014/main" xmlns="" id="{856ACFF3-3C93-FA41-80F3-4708944F9A8C}"/>
               </a:ext>
             </a:extLst>
           </p:cNvPr>
@@ -3015,7 +3015,7 @@
           <p:cNvPr id="2" name="Title 1">
             <a:extLst>
               <a:ext uri="{FF2B5EF4-FFF2-40B4-BE49-F238E27FC236}">
-                <a16:creationId xmlns:a16="http://schemas.microsoft.com/office/drawing/2014/main" id="{52F7D6A8-4C7A-ED44-A821-97E76FB58748}"/>
+                <a16:creationId xmlns:a16="http://schemas.microsoft.com/office/drawing/2014/main" xmlns="" id="{52F7D6A8-4C7A-ED44-A821-97E76FB58748}"/>
               </a:ext>
             </a:extLst>
           </p:cNvPr>
@@ -3052,7 +3052,7 @@
           <p:cNvPr id="3" name="Picture Placeholder 2">
             <a:extLst>
               <a:ext uri="{FF2B5EF4-FFF2-40B4-BE49-F238E27FC236}">
-                <a16:creationId xmlns:a16="http://schemas.microsoft.com/office/drawing/2014/main" id="{FFA0AABB-AB65-FB40-8DCA-227F017E16C5}"/>
+                <a16:creationId xmlns:a16="http://schemas.microsoft.com/office/drawing/2014/main" xmlns="" id="{FFA0AABB-AB65-FB40-8DCA-227F017E16C5}"/>
               </a:ext>
             </a:extLst>
           </p:cNvPr>
@@ -3119,7 +3119,7 @@
           <p:cNvPr id="4" name="Text Placeholder 3">
             <a:extLst>
               <a:ext uri="{FF2B5EF4-FFF2-40B4-BE49-F238E27FC236}">
-                <a16:creationId xmlns:a16="http://schemas.microsoft.com/office/drawing/2014/main" id="{67AC3EE9-FB8F-F642-BB10-A468CFF85E6A}"/>
+                <a16:creationId xmlns:a16="http://schemas.microsoft.com/office/drawing/2014/main" xmlns="" id="{67AC3EE9-FB8F-F642-BB10-A468CFF85E6A}"/>
               </a:ext>
             </a:extLst>
           </p:cNvPr>
@@ -3190,7 +3190,7 @@
           <p:cNvPr id="5" name="Date Placeholder 4">
             <a:extLst>
               <a:ext uri="{FF2B5EF4-FFF2-40B4-BE49-F238E27FC236}">
-                <a16:creationId xmlns:a16="http://schemas.microsoft.com/office/drawing/2014/main" id="{0A0EC8A2-C616-8B40-8C9C-A15442358393}"/>
+                <a16:creationId xmlns:a16="http://schemas.microsoft.com/office/drawing/2014/main" xmlns="" id="{0A0EC8A2-C616-8B40-8C9C-A15442358393}"/>
               </a:ext>
             </a:extLst>
           </p:cNvPr>
@@ -3208,7 +3208,7 @@
           <a:p>
             <a:fld id="{BE5295ED-3BAF-1140-8495-3D368771D6B1}" type="datetimeFigureOut">
               <a:rPr lang="en-US" smtClean="0"/>
-              <a:t>2/14/19</a:t>
+              <a:t>2/25/19</a:t>
             </a:fld>
             <a:endParaRPr lang="en-US"/>
           </a:p>
@@ -3219,7 +3219,7 @@
           <p:cNvPr id="6" name="Footer Placeholder 5">
             <a:extLst>
               <a:ext uri="{FF2B5EF4-FFF2-40B4-BE49-F238E27FC236}">
-                <a16:creationId xmlns:a16="http://schemas.microsoft.com/office/drawing/2014/main" id="{AA229EC7-73FC-4D43-8916-C76404AC37DC}"/>
+                <a16:creationId xmlns:a16="http://schemas.microsoft.com/office/drawing/2014/main" xmlns="" id="{AA229EC7-73FC-4D43-8916-C76404AC37DC}"/>
               </a:ext>
             </a:extLst>
           </p:cNvPr>
@@ -3244,7 +3244,7 @@
           <p:cNvPr id="7" name="Slide Number Placeholder 6">
             <a:extLst>
               <a:ext uri="{FF2B5EF4-FFF2-40B4-BE49-F238E27FC236}">
-                <a16:creationId xmlns:a16="http://schemas.microsoft.com/office/drawing/2014/main" id="{D84430E4-67BB-3342-B2B8-DFBE758CFA59}"/>
+                <a16:creationId xmlns:a16="http://schemas.microsoft.com/office/drawing/2014/main" xmlns="" id="{D84430E4-67BB-3342-B2B8-DFBE758CFA59}"/>
               </a:ext>
             </a:extLst>
           </p:cNvPr>
@@ -3308,7 +3308,7 @@
           <p:cNvPr id="2" name="Title Placeholder 1">
             <a:extLst>
               <a:ext uri="{FF2B5EF4-FFF2-40B4-BE49-F238E27FC236}">
-                <a16:creationId xmlns:a16="http://schemas.microsoft.com/office/drawing/2014/main" id="{ED530927-E202-4648-95ED-A701F648A289}"/>
+                <a16:creationId xmlns:a16="http://schemas.microsoft.com/office/drawing/2014/main" xmlns="" id="{ED530927-E202-4648-95ED-A701F648A289}"/>
               </a:ext>
             </a:extLst>
           </p:cNvPr>
@@ -3346,7 +3346,7 @@
           <p:cNvPr id="3" name="Text Placeholder 2">
             <a:extLst>
               <a:ext uri="{FF2B5EF4-FFF2-40B4-BE49-F238E27FC236}">
-                <a16:creationId xmlns:a16="http://schemas.microsoft.com/office/drawing/2014/main" id="{F00E1E3E-B2FE-5A47-8C43-849DE842741B}"/>
+                <a16:creationId xmlns:a16="http://schemas.microsoft.com/office/drawing/2014/main" xmlns="" id="{F00E1E3E-B2FE-5A47-8C43-849DE842741B}"/>
               </a:ext>
             </a:extLst>
           </p:cNvPr>
@@ -3413,7 +3413,7 @@
           <p:cNvPr id="4" name="Date Placeholder 3">
             <a:extLst>
               <a:ext uri="{FF2B5EF4-FFF2-40B4-BE49-F238E27FC236}">
-                <a16:creationId xmlns:a16="http://schemas.microsoft.com/office/drawing/2014/main" id="{A51822C1-C9FC-554F-B744-0FF8DD0A61C0}"/>
+                <a16:creationId xmlns:a16="http://schemas.microsoft.com/office/drawing/2014/main" xmlns="" id="{A51822C1-C9FC-554F-B744-0FF8DD0A61C0}"/>
               </a:ext>
             </a:extLst>
           </p:cNvPr>
@@ -3449,7 +3449,7 @@
           <a:p>
             <a:fld id="{BE5295ED-3BAF-1140-8495-3D368771D6B1}" type="datetimeFigureOut">
               <a:rPr lang="en-US" smtClean="0"/>
-              <a:t>2/14/19</a:t>
+              <a:t>2/25/19</a:t>
             </a:fld>
             <a:endParaRPr lang="en-US"/>
           </a:p>
@@ -3460,7 +3460,7 @@
           <p:cNvPr id="5" name="Footer Placeholder 4">
             <a:extLst>
               <a:ext uri="{FF2B5EF4-FFF2-40B4-BE49-F238E27FC236}">
-                <a16:creationId xmlns:a16="http://schemas.microsoft.com/office/drawing/2014/main" id="{AA4916E3-9D5B-B647-A5DA-A5B78525EFFB}"/>
+                <a16:creationId xmlns:a16="http://schemas.microsoft.com/office/drawing/2014/main" xmlns="" id="{AA4916E3-9D5B-B647-A5DA-A5B78525EFFB}"/>
               </a:ext>
             </a:extLst>
           </p:cNvPr>
@@ -3503,7 +3503,7 @@
           <p:cNvPr id="6" name="Slide Number Placeholder 5">
             <a:extLst>
               <a:ext uri="{FF2B5EF4-FFF2-40B4-BE49-F238E27FC236}">
-                <a16:creationId xmlns:a16="http://schemas.microsoft.com/office/drawing/2014/main" id="{11872E83-B77B-9647-AE80-95985B60F4F0}"/>
+                <a16:creationId xmlns:a16="http://schemas.microsoft.com/office/drawing/2014/main" xmlns="" id="{11872E83-B77B-9647-AE80-95985B60F4F0}"/>
               </a:ext>
             </a:extLst>
           </p:cNvPr>
@@ -3550,7 +3550,7 @@
           <p:cNvPr id="7" name="Picture 6">
             <a:extLst>
               <a:ext uri="{FF2B5EF4-FFF2-40B4-BE49-F238E27FC236}">
-                <a16:creationId xmlns:a16="http://schemas.microsoft.com/office/drawing/2014/main" id="{F0F46825-E66D-B247-B71A-C48424207597}"/>
+                <a16:creationId xmlns:a16="http://schemas.microsoft.com/office/drawing/2014/main" xmlns="" id="{F0F46825-E66D-B247-B71A-C48424207597}"/>
               </a:ext>
             </a:extLst>
           </p:cNvPr>
@@ -3901,7 +3901,7 @@
           <p:cNvPr id="2" name="Title 1">
             <a:extLst>
               <a:ext uri="{FF2B5EF4-FFF2-40B4-BE49-F238E27FC236}">
-                <a16:creationId xmlns:a16="http://schemas.microsoft.com/office/drawing/2014/main" id="{DDB4A5C5-CE37-5241-A9FF-85F98EF1E91E}"/>
+                <a16:creationId xmlns:a16="http://schemas.microsoft.com/office/drawing/2014/main" xmlns="" id="{DDB4A5C5-CE37-5241-A9FF-85F98EF1E91E}"/>
               </a:ext>
             </a:extLst>
           </p:cNvPr>
@@ -3933,7 +3933,7 @@
           <p:cNvPr id="3" name="Subtitle 2">
             <a:extLst>
               <a:ext uri="{FF2B5EF4-FFF2-40B4-BE49-F238E27FC236}">
-                <a16:creationId xmlns:a16="http://schemas.microsoft.com/office/drawing/2014/main" id="{5EF75859-F09F-414F-8571-4D3854CD3C44}"/>
+                <a16:creationId xmlns:a16="http://schemas.microsoft.com/office/drawing/2014/main" xmlns="" id="{5EF75859-F09F-414F-8571-4D3854CD3C44}"/>
               </a:ext>
             </a:extLst>
           </p:cNvPr>
@@ -3966,7 +3966,7 @@
           <p:cNvPr id="5" name="Rectangle 4">
             <a:extLst>
               <a:ext uri="{FF2B5EF4-FFF2-40B4-BE49-F238E27FC236}">
-                <a16:creationId xmlns:a16="http://schemas.microsoft.com/office/drawing/2014/main" id="{39D37F11-0EC0-C645-ADE9-CE8BFDF0B2D4}"/>
+                <a16:creationId xmlns:a16="http://schemas.microsoft.com/office/drawing/2014/main" xmlns="" id="{39D37F11-0EC0-C645-ADE9-CE8BFDF0B2D4}"/>
               </a:ext>
             </a:extLst>
           </p:cNvPr>
@@ -4044,7 +4044,7 @@
           <p:cNvPr id="2" name="Title 1">
             <a:extLst>
               <a:ext uri="{FF2B5EF4-FFF2-40B4-BE49-F238E27FC236}">
-                <a16:creationId xmlns:a16="http://schemas.microsoft.com/office/drawing/2014/main" id="{EAE72307-F0A3-F246-A4C9-C72FD485831F}"/>
+                <a16:creationId xmlns:a16="http://schemas.microsoft.com/office/drawing/2014/main" xmlns="" id="{EAE72307-F0A3-F246-A4C9-C72FD485831F}"/>
               </a:ext>
             </a:extLst>
           </p:cNvPr>
@@ -4085,7 +4085,7 @@
           <p:cNvPr id="3" name="Content Placeholder 2">
             <a:extLst>
               <a:ext uri="{FF2B5EF4-FFF2-40B4-BE49-F238E27FC236}">
-                <a16:creationId xmlns:a16="http://schemas.microsoft.com/office/drawing/2014/main" id="{CF58338C-C6C8-294D-89F7-36D43D1B1631}"/>
+                <a16:creationId xmlns:a16="http://schemas.microsoft.com/office/drawing/2014/main" xmlns="" id="{CF58338C-C6C8-294D-89F7-36D43D1B1631}"/>
               </a:ext>
             </a:extLst>
           </p:cNvPr>
@@ -4123,7 +4123,7 @@
           <p:cNvPr id="5" name="Rectangle 4">
             <a:extLst>
               <a:ext uri="{FF2B5EF4-FFF2-40B4-BE49-F238E27FC236}">
-                <a16:creationId xmlns:a16="http://schemas.microsoft.com/office/drawing/2014/main" id="{5541B33F-3D79-7A45-AAD5-2AEE55FE1C53}"/>
+                <a16:creationId xmlns:a16="http://schemas.microsoft.com/office/drawing/2014/main" xmlns="" id="{5541B33F-3D79-7A45-AAD5-2AEE55FE1C53}"/>
               </a:ext>
             </a:extLst>
           </p:cNvPr>
@@ -4178,7 +4178,7 @@
           <p:cNvPr id="8" name="Picture 7">
             <a:extLst>
               <a:ext uri="{FF2B5EF4-FFF2-40B4-BE49-F238E27FC236}">
-                <a16:creationId xmlns:a16="http://schemas.microsoft.com/office/drawing/2014/main" id="{C4B37E53-FE07-4247-8265-F3599A6BFE77}"/>
+                <a16:creationId xmlns:a16="http://schemas.microsoft.com/office/drawing/2014/main" xmlns="" id="{C4B37E53-FE07-4247-8265-F3599A6BFE77}"/>
               </a:ext>
             </a:extLst>
           </p:cNvPr>
@@ -4208,7 +4208,7 @@
           <p:cNvPr id="9" name="TextBox 8">
             <a:extLst>
               <a:ext uri="{FF2B5EF4-FFF2-40B4-BE49-F238E27FC236}">
-                <a16:creationId xmlns:a16="http://schemas.microsoft.com/office/drawing/2014/main" id="{B9D469A2-660F-3D45-AFA7-7168560CCB8E}"/>
+                <a16:creationId xmlns:a16="http://schemas.microsoft.com/office/drawing/2014/main" xmlns="" id="{B9D469A2-660F-3D45-AFA7-7168560CCB8E}"/>
               </a:ext>
             </a:extLst>
           </p:cNvPr>
@@ -4438,7 +4438,7 @@
           <p:cNvPr id="2" name="Title 1">
             <a:extLst>
               <a:ext uri="{FF2B5EF4-FFF2-40B4-BE49-F238E27FC236}">
-                <a16:creationId xmlns:a16="http://schemas.microsoft.com/office/drawing/2014/main" id="{8ED93FDD-7934-4E40-A163-AB384FB63A32}"/>
+                <a16:creationId xmlns:a16="http://schemas.microsoft.com/office/drawing/2014/main" xmlns="" id="{8ED93FDD-7934-4E40-A163-AB384FB63A32}"/>
               </a:ext>
             </a:extLst>
           </p:cNvPr>
@@ -4466,7 +4466,7 @@
           <p:cNvPr id="3" name="Content Placeholder 2">
             <a:extLst>
               <a:ext uri="{FF2B5EF4-FFF2-40B4-BE49-F238E27FC236}">
-                <a16:creationId xmlns:a16="http://schemas.microsoft.com/office/drawing/2014/main" id="{79B023F9-519C-E64B-9569-6057414B47B0}"/>
+                <a16:creationId xmlns:a16="http://schemas.microsoft.com/office/drawing/2014/main" xmlns="" id="{79B023F9-519C-E64B-9569-6057414B47B0}"/>
               </a:ext>
             </a:extLst>
           </p:cNvPr>
@@ -4502,7 +4502,7 @@
           <p:cNvPr id="4" name="TextBox 3">
             <a:extLst>
               <a:ext uri="{FF2B5EF4-FFF2-40B4-BE49-F238E27FC236}">
-                <a16:creationId xmlns:a16="http://schemas.microsoft.com/office/drawing/2014/main" id="{F9A960AF-A022-814B-8DD8-5D00D98DE247}"/>
+                <a16:creationId xmlns:a16="http://schemas.microsoft.com/office/drawing/2014/main" xmlns="" id="{F9A960AF-A022-814B-8DD8-5D00D98DE247}"/>
               </a:ext>
             </a:extLst>
           </p:cNvPr>
@@ -4706,7 +4706,7 @@
           <p:cNvPr id="5" name="TextBox 4">
             <a:extLst>
               <a:ext uri="{FF2B5EF4-FFF2-40B4-BE49-F238E27FC236}">
-                <a16:creationId xmlns:a16="http://schemas.microsoft.com/office/drawing/2014/main" id="{C3FB2FFF-DEF2-1142-B192-1951F3C9926F}"/>
+                <a16:creationId xmlns:a16="http://schemas.microsoft.com/office/drawing/2014/main" xmlns="" id="{C3FB2FFF-DEF2-1142-B192-1951F3C9926F}"/>
               </a:ext>
             </a:extLst>
           </p:cNvPr>
@@ -4906,7 +4906,7 @@
           <p:cNvPr id="6" name="TextBox 5">
             <a:extLst>
               <a:ext uri="{FF2B5EF4-FFF2-40B4-BE49-F238E27FC236}">
-                <a16:creationId xmlns:a16="http://schemas.microsoft.com/office/drawing/2014/main" id="{69EE4EAC-4B7A-154C-947E-A26E42D666E8}"/>
+                <a16:creationId xmlns:a16="http://schemas.microsoft.com/office/drawing/2014/main" xmlns="" id="{69EE4EAC-4B7A-154C-947E-A26E42D666E8}"/>
               </a:ext>
             </a:extLst>
           </p:cNvPr>
@@ -4941,7 +4941,7 @@
           <p:cNvPr id="7" name="TextBox 6">
             <a:extLst>
               <a:ext uri="{FF2B5EF4-FFF2-40B4-BE49-F238E27FC236}">
-                <a16:creationId xmlns:a16="http://schemas.microsoft.com/office/drawing/2014/main" id="{3BA83E13-0EC4-0243-8892-224BF3C0B7C4}"/>
+                <a16:creationId xmlns:a16="http://schemas.microsoft.com/office/drawing/2014/main" xmlns="" id="{3BA83E13-0EC4-0243-8892-224BF3C0B7C4}"/>
               </a:ext>
             </a:extLst>
           </p:cNvPr>
@@ -5006,7 +5006,7 @@
           <p:cNvPr id="2" name="Title 1">
             <a:extLst>
               <a:ext uri="{FF2B5EF4-FFF2-40B4-BE49-F238E27FC236}">
-                <a16:creationId xmlns:a16="http://schemas.microsoft.com/office/drawing/2014/main" id="{FDAF5562-A444-CF4E-B23D-7623228EA43C}"/>
+                <a16:creationId xmlns:a16="http://schemas.microsoft.com/office/drawing/2014/main" xmlns="" id="{FDAF5562-A444-CF4E-B23D-7623228EA43C}"/>
               </a:ext>
             </a:extLst>
           </p:cNvPr>
@@ -5034,7 +5034,7 @@
           <p:cNvPr id="3" name="Content Placeholder 2">
             <a:extLst>
               <a:ext uri="{FF2B5EF4-FFF2-40B4-BE49-F238E27FC236}">
-                <a16:creationId xmlns:a16="http://schemas.microsoft.com/office/drawing/2014/main" id="{7971D18F-9104-CD43-8A7E-913F8568A828}"/>
+                <a16:creationId xmlns:a16="http://schemas.microsoft.com/office/drawing/2014/main" xmlns="" id="{7971D18F-9104-CD43-8A7E-913F8568A828}"/>
               </a:ext>
             </a:extLst>
           </p:cNvPr>
@@ -5080,7 +5080,7 @@
           <p:cNvPr id="4" name="Rectangle 3">
             <a:extLst>
               <a:ext uri="{FF2B5EF4-FFF2-40B4-BE49-F238E27FC236}">
-                <a16:creationId xmlns:a16="http://schemas.microsoft.com/office/drawing/2014/main" id="{FB6878FE-48C9-114D-AD67-B2A92793F309}"/>
+                <a16:creationId xmlns:a16="http://schemas.microsoft.com/office/drawing/2014/main" xmlns="" id="{FB6878FE-48C9-114D-AD67-B2A92793F309}"/>
               </a:ext>
             </a:extLst>
           </p:cNvPr>
@@ -5135,7 +5135,7 @@
           <p:cNvPr id="5" name="TextBox 4">
             <a:extLst>
               <a:ext uri="{FF2B5EF4-FFF2-40B4-BE49-F238E27FC236}">
-                <a16:creationId xmlns:a16="http://schemas.microsoft.com/office/drawing/2014/main" id="{5E0D579F-9116-314E-A31B-3D37BB7398D6}"/>
+                <a16:creationId xmlns:a16="http://schemas.microsoft.com/office/drawing/2014/main" xmlns="" id="{5E0D579F-9116-314E-A31B-3D37BB7398D6}"/>
               </a:ext>
             </a:extLst>
           </p:cNvPr>
@@ -5339,7 +5339,7 @@
           <p:cNvPr id="2" name="Title 1">
             <a:extLst>
               <a:ext uri="{FF2B5EF4-FFF2-40B4-BE49-F238E27FC236}">
-                <a16:creationId xmlns:a16="http://schemas.microsoft.com/office/drawing/2014/main" id="{A28C248F-1DBF-8444-B7E1-A5C580E64CAD}"/>
+                <a16:creationId xmlns:a16="http://schemas.microsoft.com/office/drawing/2014/main" xmlns="" id="{A28C248F-1DBF-8444-B7E1-A5C580E64CAD}"/>
               </a:ext>
             </a:extLst>
           </p:cNvPr>
@@ -5371,7 +5371,7 @@
           <p:cNvPr id="5" name="Picture 4">
             <a:extLst>
               <a:ext uri="{FF2B5EF4-FFF2-40B4-BE49-F238E27FC236}">
-                <a16:creationId xmlns:a16="http://schemas.microsoft.com/office/drawing/2014/main" id="{1792B99B-6506-2E43-A5C8-14B7064BB21C}"/>
+                <a16:creationId xmlns:a16="http://schemas.microsoft.com/office/drawing/2014/main" xmlns="" id="{1792B99B-6506-2E43-A5C8-14B7064BB21C}"/>
               </a:ext>
             </a:extLst>
           </p:cNvPr>
@@ -5401,7 +5401,7 @@
           <p:cNvPr id="6" name="TextBox 5">
             <a:extLst>
               <a:ext uri="{FF2B5EF4-FFF2-40B4-BE49-F238E27FC236}">
-                <a16:creationId xmlns:a16="http://schemas.microsoft.com/office/drawing/2014/main" id="{353E74A1-D948-4C47-B6C7-43C654E6D4A9}"/>
+                <a16:creationId xmlns:a16="http://schemas.microsoft.com/office/drawing/2014/main" xmlns="" id="{353E74A1-D948-4C47-B6C7-43C654E6D4A9}"/>
               </a:ext>
             </a:extLst>
           </p:cNvPr>
@@ -5576,7 +5576,7 @@
           <p:cNvPr id="7" name="TextBox 6">
             <a:extLst>
               <a:ext uri="{FF2B5EF4-FFF2-40B4-BE49-F238E27FC236}">
-                <a16:creationId xmlns:a16="http://schemas.microsoft.com/office/drawing/2014/main" id="{D71F8171-1B83-C549-BA34-BF89159BCF31}"/>
+                <a16:creationId xmlns:a16="http://schemas.microsoft.com/office/drawing/2014/main" xmlns="" id="{D71F8171-1B83-C549-BA34-BF89159BCF31}"/>
               </a:ext>
             </a:extLst>
           </p:cNvPr>
@@ -5783,7 +5783,7 @@
           <p:cNvPr id="3" name="TextBox 2">
             <a:extLst>
               <a:ext uri="{FF2B5EF4-FFF2-40B4-BE49-F238E27FC236}">
-                <a16:creationId xmlns:a16="http://schemas.microsoft.com/office/drawing/2014/main" id="{F7062F48-5902-1540-A51C-A2CF700930C9}"/>
+                <a16:creationId xmlns:a16="http://schemas.microsoft.com/office/drawing/2014/main" xmlns="" id="{F7062F48-5902-1540-A51C-A2CF700930C9}"/>
               </a:ext>
             </a:extLst>
           </p:cNvPr>
@@ -5848,7 +5848,7 @@
           <p:cNvPr id="2" name="Title 1">
             <a:extLst>
               <a:ext uri="{FF2B5EF4-FFF2-40B4-BE49-F238E27FC236}">
-                <a16:creationId xmlns:a16="http://schemas.microsoft.com/office/drawing/2014/main" id="{0F18A787-0CC6-3D4D-9B6F-E8F74CF230E8}"/>
+                <a16:creationId xmlns:a16="http://schemas.microsoft.com/office/drawing/2014/main" xmlns="" id="{0F18A787-0CC6-3D4D-9B6F-E8F74CF230E8}"/>
               </a:ext>
             </a:extLst>
           </p:cNvPr>
@@ -5880,7 +5880,7 @@
           <p:cNvPr id="3" name="Content Placeholder 2">
             <a:extLst>
               <a:ext uri="{FF2B5EF4-FFF2-40B4-BE49-F238E27FC236}">
-                <a16:creationId xmlns:a16="http://schemas.microsoft.com/office/drawing/2014/main" id="{B2182F01-0003-DC46-8EBF-C32D4B61CDFB}"/>
+                <a16:creationId xmlns:a16="http://schemas.microsoft.com/office/drawing/2014/main" xmlns="" id="{B2182F01-0003-DC46-8EBF-C32D4B61CDFB}"/>
               </a:ext>
             </a:extLst>
           </p:cNvPr>
@@ -5950,7 +5950,7 @@
           <p:cNvPr id="4" name="TextBox 3">
             <a:extLst>
               <a:ext uri="{FF2B5EF4-FFF2-40B4-BE49-F238E27FC236}">
-                <a16:creationId xmlns:a16="http://schemas.microsoft.com/office/drawing/2014/main" id="{15368C9B-01DB-BD48-B437-681E9C29166D}"/>
+                <a16:creationId xmlns:a16="http://schemas.microsoft.com/office/drawing/2014/main" xmlns="" id="{15368C9B-01DB-BD48-B437-681E9C29166D}"/>
               </a:ext>
             </a:extLst>
           </p:cNvPr>
@@ -6158,7 +6158,7 @@
           <p:cNvPr id="2" name="Title 1">
             <a:extLst>
               <a:ext uri="{FF2B5EF4-FFF2-40B4-BE49-F238E27FC236}">
-                <a16:creationId xmlns:a16="http://schemas.microsoft.com/office/drawing/2014/main" id="{09BF4226-D458-3D42-8613-ED818265D961}"/>
+                <a16:creationId xmlns:a16="http://schemas.microsoft.com/office/drawing/2014/main" xmlns="" id="{09BF4226-D458-3D42-8613-ED818265D961}"/>
               </a:ext>
             </a:extLst>
           </p:cNvPr>
@@ -6186,7 +6186,7 @@
           <p:cNvPr id="3" name="Content Placeholder 2">
             <a:extLst>
               <a:ext uri="{FF2B5EF4-FFF2-40B4-BE49-F238E27FC236}">
-                <a16:creationId xmlns:a16="http://schemas.microsoft.com/office/drawing/2014/main" id="{1B5D9D48-79D8-E441-87C9-BCC04ED39A68}"/>
+                <a16:creationId xmlns:a16="http://schemas.microsoft.com/office/drawing/2014/main" xmlns="" id="{1B5D9D48-79D8-E441-87C9-BCC04ED39A68}"/>
               </a:ext>
             </a:extLst>
           </p:cNvPr>
@@ -6282,7 +6282,7 @@
           <p:cNvPr id="2" name="Title 1">
             <a:extLst>
               <a:ext uri="{FF2B5EF4-FFF2-40B4-BE49-F238E27FC236}">
-                <a16:creationId xmlns:a16="http://schemas.microsoft.com/office/drawing/2014/main" id="{28E269BC-FCD0-3641-BD6D-5B96C2417018}"/>
+                <a16:creationId xmlns:a16="http://schemas.microsoft.com/office/drawing/2014/main" xmlns="" id="{28E269BC-FCD0-3641-BD6D-5B96C2417018}"/>
               </a:ext>
             </a:extLst>
           </p:cNvPr>
@@ -6310,7 +6310,7 @@
           <p:cNvPr id="3" name="Content Placeholder 2">
             <a:extLst>
               <a:ext uri="{FF2B5EF4-FFF2-40B4-BE49-F238E27FC236}">
-                <a16:creationId xmlns:a16="http://schemas.microsoft.com/office/drawing/2014/main" id="{011453FF-9B1C-204B-BAC3-7506D02A781A}"/>
+                <a16:creationId xmlns:a16="http://schemas.microsoft.com/office/drawing/2014/main" xmlns="" id="{011453FF-9B1C-204B-BAC3-7506D02A781A}"/>
               </a:ext>
             </a:extLst>
           </p:cNvPr>
@@ -6385,7 +6385,7 @@
           <p:cNvPr id="2" name="Title 1">
             <a:extLst>
               <a:ext uri="{FF2B5EF4-FFF2-40B4-BE49-F238E27FC236}">
-                <a16:creationId xmlns:a16="http://schemas.microsoft.com/office/drawing/2014/main" id="{FF8506A6-6CDE-B54B-9108-A30781BCE3D9}"/>
+                <a16:creationId xmlns:a16="http://schemas.microsoft.com/office/drawing/2014/main" xmlns="" id="{FF8506A6-6CDE-B54B-9108-A30781BCE3D9}"/>
               </a:ext>
             </a:extLst>
           </p:cNvPr>
@@ -6413,7 +6413,7 @@
           <p:cNvPr id="3" name="Content Placeholder 2">
             <a:extLst>
               <a:ext uri="{FF2B5EF4-FFF2-40B4-BE49-F238E27FC236}">
-                <a16:creationId xmlns:a16="http://schemas.microsoft.com/office/drawing/2014/main" id="{3DB339B0-94C7-4948-9636-DE5F04B24B16}"/>
+                <a16:creationId xmlns:a16="http://schemas.microsoft.com/office/drawing/2014/main" xmlns="" id="{3DB339B0-94C7-4948-9636-DE5F04B24B16}"/>
               </a:ext>
             </a:extLst>
           </p:cNvPr>
@@ -6549,7 +6549,7 @@
           <p:cNvPr id="2" name="Title 1">
             <a:extLst>
               <a:ext uri="{FF2B5EF4-FFF2-40B4-BE49-F238E27FC236}">
-                <a16:creationId xmlns:a16="http://schemas.microsoft.com/office/drawing/2014/main" id="{E14FDE9A-3A4F-124B-867E-50089B53940C}"/>
+                <a16:creationId xmlns:a16="http://schemas.microsoft.com/office/drawing/2014/main" xmlns="" id="{E14FDE9A-3A4F-124B-867E-50089B53940C}"/>
               </a:ext>
             </a:extLst>
           </p:cNvPr>
@@ -6577,7 +6577,7 @@
           <p:cNvPr id="3" name="Content Placeholder 2">
             <a:extLst>
               <a:ext uri="{FF2B5EF4-FFF2-40B4-BE49-F238E27FC236}">
-                <a16:creationId xmlns:a16="http://schemas.microsoft.com/office/drawing/2014/main" id="{A521CDE9-CFA6-FE40-9AD8-60945829AFD1}"/>
+                <a16:creationId xmlns:a16="http://schemas.microsoft.com/office/drawing/2014/main" xmlns="" id="{A521CDE9-CFA6-FE40-9AD8-60945829AFD1}"/>
               </a:ext>
             </a:extLst>
           </p:cNvPr>
@@ -6605,7 +6605,7 @@
           <p:cNvPr id="4" name="TextBox 3">
             <a:extLst>
               <a:ext uri="{FF2B5EF4-FFF2-40B4-BE49-F238E27FC236}">
-                <a16:creationId xmlns:a16="http://schemas.microsoft.com/office/drawing/2014/main" id="{7EA51DEE-4B36-8844-9444-48364D4297AC}"/>
+                <a16:creationId xmlns:a16="http://schemas.microsoft.com/office/drawing/2014/main" xmlns="" id="{7EA51DEE-4B36-8844-9444-48364D4297AC}"/>
               </a:ext>
             </a:extLst>
           </p:cNvPr>
@@ -6759,7 +6759,7 @@
           <p:cNvPr id="5" name="TextBox 4">
             <a:extLst>
               <a:ext uri="{FF2B5EF4-FFF2-40B4-BE49-F238E27FC236}">
-                <a16:creationId xmlns:a16="http://schemas.microsoft.com/office/drawing/2014/main" id="{4FD3EEFC-CAFF-4A42-AF0E-378D9B81AF1D}"/>
+                <a16:creationId xmlns:a16="http://schemas.microsoft.com/office/drawing/2014/main" xmlns="" id="{4FD3EEFC-CAFF-4A42-AF0E-378D9B81AF1D}"/>
               </a:ext>
             </a:extLst>
           </p:cNvPr>
@@ -6843,7 +6843,7 @@
           <p:cNvPr id="6" name="TextBox 5">
             <a:extLst>
               <a:ext uri="{FF2B5EF4-FFF2-40B4-BE49-F238E27FC236}">
-                <a16:creationId xmlns:a16="http://schemas.microsoft.com/office/drawing/2014/main" id="{F22DB4C6-F659-DD44-A076-965D496EF053}"/>
+                <a16:creationId xmlns:a16="http://schemas.microsoft.com/office/drawing/2014/main" xmlns="" id="{F22DB4C6-F659-DD44-A076-965D496EF053}"/>
               </a:ext>
             </a:extLst>
           </p:cNvPr>
@@ -7043,7 +7043,7 @@
           <p:cNvPr id="2" name="Title 1">
             <a:extLst>
               <a:ext uri="{FF2B5EF4-FFF2-40B4-BE49-F238E27FC236}">
-                <a16:creationId xmlns:a16="http://schemas.microsoft.com/office/drawing/2014/main" id="{FE902CBB-3193-BF4D-BD39-E930CA1BC776}"/>
+                <a16:creationId xmlns:a16="http://schemas.microsoft.com/office/drawing/2014/main" xmlns="" id="{FE902CBB-3193-BF4D-BD39-E930CA1BC776}"/>
               </a:ext>
             </a:extLst>
           </p:cNvPr>
@@ -7075,7 +7075,7 @@
           <p:cNvPr id="3" name="Content Placeholder 2">
             <a:extLst>
               <a:ext uri="{FF2B5EF4-FFF2-40B4-BE49-F238E27FC236}">
-                <a16:creationId xmlns:a16="http://schemas.microsoft.com/office/drawing/2014/main" id="{6E9365B4-5962-9245-A2A7-FC3EF24714D0}"/>
+                <a16:creationId xmlns:a16="http://schemas.microsoft.com/office/drawing/2014/main" xmlns="" id="{6E9365B4-5962-9245-A2A7-FC3EF24714D0}"/>
               </a:ext>
             </a:extLst>
           </p:cNvPr>
@@ -7139,7 +7139,7 @@
           <p:cNvPr id="6" name="TextBox 5">
             <a:extLst>
               <a:ext uri="{FF2B5EF4-FFF2-40B4-BE49-F238E27FC236}">
-                <a16:creationId xmlns:a16="http://schemas.microsoft.com/office/drawing/2014/main" id="{5C0F2C5E-76E4-6048-A43C-88465D30CCC7}"/>
+                <a16:creationId xmlns:a16="http://schemas.microsoft.com/office/drawing/2014/main" xmlns="" id="{5C0F2C5E-76E4-6048-A43C-88465D30CCC7}"/>
               </a:ext>
             </a:extLst>
           </p:cNvPr>
@@ -7324,7 +7324,7 @@
           <p:cNvPr id="2" name="Title 1">
             <a:extLst>
               <a:ext uri="{FF2B5EF4-FFF2-40B4-BE49-F238E27FC236}">
-                <a16:creationId xmlns:a16="http://schemas.microsoft.com/office/drawing/2014/main" id="{89ABC71F-B710-B64E-B1B9-5FAD28A0D576}"/>
+                <a16:creationId xmlns:a16="http://schemas.microsoft.com/office/drawing/2014/main" xmlns="" id="{89ABC71F-B710-B64E-B1B9-5FAD28A0D576}"/>
               </a:ext>
             </a:extLst>
           </p:cNvPr>
@@ -7352,7 +7352,7 @@
           <p:cNvPr id="3" name="Content Placeholder 2">
             <a:extLst>
               <a:ext uri="{FF2B5EF4-FFF2-40B4-BE49-F238E27FC236}">
-                <a16:creationId xmlns:a16="http://schemas.microsoft.com/office/drawing/2014/main" id="{7CDD4592-341E-E14F-8B86-BD6F41EA6AD3}"/>
+                <a16:creationId xmlns:a16="http://schemas.microsoft.com/office/drawing/2014/main" xmlns="" id="{7CDD4592-341E-E14F-8B86-BD6F41EA6AD3}"/>
               </a:ext>
             </a:extLst>
           </p:cNvPr>
@@ -7403,7 +7403,7 @@
           <p:cNvPr id="4" name="Rectangle 3">
             <a:extLst>
               <a:ext uri="{FF2B5EF4-FFF2-40B4-BE49-F238E27FC236}">
-                <a16:creationId xmlns:a16="http://schemas.microsoft.com/office/drawing/2014/main" id="{E0C10E6F-C3F9-4D4E-BE34-C9D81B47AE8E}"/>
+                <a16:creationId xmlns:a16="http://schemas.microsoft.com/office/drawing/2014/main" xmlns="" id="{E0C10E6F-C3F9-4D4E-BE34-C9D81B47AE8E}"/>
               </a:ext>
             </a:extLst>
           </p:cNvPr>
@@ -7458,7 +7458,7 @@
           <p:cNvPr id="5" name="TextBox 4">
             <a:extLst>
               <a:ext uri="{FF2B5EF4-FFF2-40B4-BE49-F238E27FC236}">
-                <a16:creationId xmlns:a16="http://schemas.microsoft.com/office/drawing/2014/main" id="{0974B5D0-B1E2-304D-BA76-F7E99E809E62}"/>
+                <a16:creationId xmlns:a16="http://schemas.microsoft.com/office/drawing/2014/main" xmlns="" id="{0974B5D0-B1E2-304D-BA76-F7E99E809E62}"/>
               </a:ext>
             </a:extLst>
           </p:cNvPr>
@@ -7652,7 +7652,7 @@
           <p:cNvPr id="2" name="Title 1">
             <a:extLst>
               <a:ext uri="{FF2B5EF4-FFF2-40B4-BE49-F238E27FC236}">
-                <a16:creationId xmlns:a16="http://schemas.microsoft.com/office/drawing/2014/main" id="{60D3DC2E-871E-744E-86E0-8032D47C69E9}"/>
+                <a16:creationId xmlns:a16="http://schemas.microsoft.com/office/drawing/2014/main" xmlns="" id="{60D3DC2E-871E-744E-86E0-8032D47C69E9}"/>
               </a:ext>
             </a:extLst>
           </p:cNvPr>
@@ -7680,7 +7680,7 @@
           <p:cNvPr id="3" name="Content Placeholder 2">
             <a:extLst>
               <a:ext uri="{FF2B5EF4-FFF2-40B4-BE49-F238E27FC236}">
-                <a16:creationId xmlns:a16="http://schemas.microsoft.com/office/drawing/2014/main" id="{1F8D8982-1CDC-5948-B25B-15E1D31B41F1}"/>
+                <a16:creationId xmlns:a16="http://schemas.microsoft.com/office/drawing/2014/main" xmlns="" id="{1F8D8982-1CDC-5948-B25B-15E1D31B41F1}"/>
               </a:ext>
             </a:extLst>
           </p:cNvPr>
@@ -7720,7 +7720,7 @@
           <p:cNvPr id="6" name="TextBox 5">
             <a:extLst>
               <a:ext uri="{FF2B5EF4-FFF2-40B4-BE49-F238E27FC236}">
-                <a16:creationId xmlns:a16="http://schemas.microsoft.com/office/drawing/2014/main" id="{489A34D9-44B3-0243-BBF9-5E2AF6580C02}"/>
+                <a16:creationId xmlns:a16="http://schemas.microsoft.com/office/drawing/2014/main" xmlns="" id="{489A34D9-44B3-0243-BBF9-5E2AF6580C02}"/>
               </a:ext>
             </a:extLst>
           </p:cNvPr>
@@ -7927,7 +7927,7 @@
           <p:cNvPr id="7" name="TextBox 6">
             <a:extLst>
               <a:ext uri="{FF2B5EF4-FFF2-40B4-BE49-F238E27FC236}">
-                <a16:creationId xmlns:a16="http://schemas.microsoft.com/office/drawing/2014/main" id="{A2B505F6-043A-1D43-B41B-FB41BC4E2AC1}"/>
+                <a16:creationId xmlns:a16="http://schemas.microsoft.com/office/drawing/2014/main" xmlns="" id="{A2B505F6-043A-1D43-B41B-FB41BC4E2AC1}"/>
               </a:ext>
             </a:extLst>
           </p:cNvPr>
@@ -8142,7 +8142,7 @@
           <p:cNvPr id="8" name="Picture 7">
             <a:extLst>
               <a:ext uri="{FF2B5EF4-FFF2-40B4-BE49-F238E27FC236}">
-                <a16:creationId xmlns:a16="http://schemas.microsoft.com/office/drawing/2014/main" id="{95D83D3B-BADF-1C40-8734-3F2D4535B16F}"/>
+                <a16:creationId xmlns:a16="http://schemas.microsoft.com/office/drawing/2014/main" xmlns="" id="{95D83D3B-BADF-1C40-8734-3F2D4535B16F}"/>
               </a:ext>
             </a:extLst>
           </p:cNvPr>
@@ -8202,7 +8202,7 @@
           <p:cNvPr id="2" name="Title 1">
             <a:extLst>
               <a:ext uri="{FF2B5EF4-FFF2-40B4-BE49-F238E27FC236}">
-                <a16:creationId xmlns:a16="http://schemas.microsoft.com/office/drawing/2014/main" id="{3DA46104-BABD-8643-B0F8-4FD1F89D7951}"/>
+                <a16:creationId xmlns:a16="http://schemas.microsoft.com/office/drawing/2014/main" xmlns="" id="{3DA46104-BABD-8643-B0F8-4FD1F89D7951}"/>
               </a:ext>
             </a:extLst>
           </p:cNvPr>
@@ -8230,7 +8230,7 @@
           <p:cNvPr id="5" name="Content Placeholder 4">
             <a:extLst>
               <a:ext uri="{FF2B5EF4-FFF2-40B4-BE49-F238E27FC236}">
-                <a16:creationId xmlns:a16="http://schemas.microsoft.com/office/drawing/2014/main" id="{C41E703E-A041-ED4A-BA35-1CBA9C435792}"/>
+                <a16:creationId xmlns:a16="http://schemas.microsoft.com/office/drawing/2014/main" xmlns="" id="{C41E703E-A041-ED4A-BA35-1CBA9C435792}"/>
               </a:ext>
             </a:extLst>
           </p:cNvPr>
@@ -8259,7 +8259,7 @@
           <p:cNvPr id="6" name="TextBox 5">
             <a:extLst>
               <a:ext uri="{FF2B5EF4-FFF2-40B4-BE49-F238E27FC236}">
-                <a16:creationId xmlns:a16="http://schemas.microsoft.com/office/drawing/2014/main" id="{07E7CE28-6AF4-4249-A47B-F2A8E1161A5F}"/>
+                <a16:creationId xmlns:a16="http://schemas.microsoft.com/office/drawing/2014/main" xmlns="" id="{07E7CE28-6AF4-4249-A47B-F2A8E1161A5F}"/>
               </a:ext>
             </a:extLst>
           </p:cNvPr>
@@ -8445,7 +8445,7 @@
           <p:cNvPr id="2" name="Title 1">
             <a:extLst>
               <a:ext uri="{FF2B5EF4-FFF2-40B4-BE49-F238E27FC236}">
-                <a16:creationId xmlns:a16="http://schemas.microsoft.com/office/drawing/2014/main" id="{AF8FCCB1-9CF0-064B-AAD9-7D75DBBA0C06}"/>
+                <a16:creationId xmlns:a16="http://schemas.microsoft.com/office/drawing/2014/main" xmlns="" id="{AF8FCCB1-9CF0-064B-AAD9-7D75DBBA0C06}"/>
               </a:ext>
             </a:extLst>
           </p:cNvPr>
@@ -8477,7 +8477,7 @@
           <p:cNvPr id="3" name="Content Placeholder 2">
             <a:extLst>
               <a:ext uri="{FF2B5EF4-FFF2-40B4-BE49-F238E27FC236}">
-                <a16:creationId xmlns:a16="http://schemas.microsoft.com/office/drawing/2014/main" id="{67465B82-072D-2149-AFDA-E7AA5817C5DF}"/>
+                <a16:creationId xmlns:a16="http://schemas.microsoft.com/office/drawing/2014/main" xmlns="" id="{67465B82-072D-2149-AFDA-E7AA5817C5DF}"/>
               </a:ext>
             </a:extLst>
           </p:cNvPr>
@@ -8591,7 +8591,7 @@
           <p:cNvPr id="4" name="TextBox 3">
             <a:extLst>
               <a:ext uri="{FF2B5EF4-FFF2-40B4-BE49-F238E27FC236}">
-                <a16:creationId xmlns:a16="http://schemas.microsoft.com/office/drawing/2014/main" id="{4130125C-DF0D-9A4F-8BCB-5E47F824ED9B}"/>
+                <a16:creationId xmlns:a16="http://schemas.microsoft.com/office/drawing/2014/main" xmlns="" id="{4130125C-DF0D-9A4F-8BCB-5E47F824ED9B}"/>
               </a:ext>
             </a:extLst>
           </p:cNvPr>
@@ -8829,7 +8829,7 @@
           <p:cNvPr id="5" name="TextBox 4">
             <a:extLst>
               <a:ext uri="{FF2B5EF4-FFF2-40B4-BE49-F238E27FC236}">
-                <a16:creationId xmlns:a16="http://schemas.microsoft.com/office/drawing/2014/main" id="{D1764F08-D874-EF40-B858-1FC7B8F0D234}"/>
+                <a16:creationId xmlns:a16="http://schemas.microsoft.com/office/drawing/2014/main" xmlns="" id="{D1764F08-D874-EF40-B858-1FC7B8F0D234}"/>
               </a:ext>
             </a:extLst>
           </p:cNvPr>

--- a/notes/walking-structures.pptx
+++ b/notes/walking-structures.pptx
@@ -220,7 +220,7 @@
           <a:p>
             <a:fld id="{8A1B613A-EFF1-404F-BEE8-EFAE84A4E5E2}" type="datetimeFigureOut">
               <a:rPr lang="en-US" smtClean="0"/>
-              <a:t>2/25/19</a:t>
+              <a:t>11/4/19</a:t>
             </a:fld>
             <a:endParaRPr lang="en-US"/>
           </a:p>
@@ -385,7 +385,7 @@
           <a:p>
             <a:fld id="{690847EA-AC25-3D4E-89E1-FD3F6A9702B6}" type="datetimeFigureOut">
               <a:rPr lang="en-US" smtClean="0"/>
-              <a:t>2/25/19</a:t>
+              <a:t>11/4/19</a:t>
             </a:fld>
             <a:endParaRPr lang="en-US"/>
           </a:p>
@@ -674,7 +674,7 @@
           <p:cNvPr id="2" name="Title 1">
             <a:extLst>
               <a:ext uri="{FF2B5EF4-FFF2-40B4-BE49-F238E27FC236}">
-                <a16:creationId xmlns:a16="http://schemas.microsoft.com/office/drawing/2014/main" xmlns="" id="{FCECE00E-B2E2-4D43-8A21-E17BBDC017E1}"/>
+                <a16:creationId xmlns="" xmlns:a16="http://schemas.microsoft.com/office/drawing/2014/main" id="{FCECE00E-B2E2-4D43-8A21-E17BBDC017E1}"/>
               </a:ext>
             </a:extLst>
           </p:cNvPr>
@@ -711,7 +711,7 @@
           <p:cNvPr id="3" name="Subtitle 2">
             <a:extLst>
               <a:ext uri="{FF2B5EF4-FFF2-40B4-BE49-F238E27FC236}">
-                <a16:creationId xmlns:a16="http://schemas.microsoft.com/office/drawing/2014/main" xmlns="" id="{0C4C7E7C-3478-264C-BF00-D75996D63509}"/>
+                <a16:creationId xmlns="" xmlns:a16="http://schemas.microsoft.com/office/drawing/2014/main" id="{0C4C7E7C-3478-264C-BF00-D75996D63509}"/>
               </a:ext>
             </a:extLst>
           </p:cNvPr>
@@ -781,7 +781,7 @@
           <p:cNvPr id="4" name="Date Placeholder 3">
             <a:extLst>
               <a:ext uri="{FF2B5EF4-FFF2-40B4-BE49-F238E27FC236}">
-                <a16:creationId xmlns:a16="http://schemas.microsoft.com/office/drawing/2014/main" xmlns="" id="{64E1EB94-602A-4843-8753-4DB51430704B}"/>
+                <a16:creationId xmlns="" xmlns:a16="http://schemas.microsoft.com/office/drawing/2014/main" id="{64E1EB94-602A-4843-8753-4DB51430704B}"/>
               </a:ext>
             </a:extLst>
           </p:cNvPr>
@@ -799,7 +799,7 @@
           <a:p>
             <a:fld id="{BE5295ED-3BAF-1140-8495-3D368771D6B1}" type="datetimeFigureOut">
               <a:rPr lang="en-US" smtClean="0"/>
-              <a:t>2/25/19</a:t>
+              <a:t>11/4/19</a:t>
             </a:fld>
             <a:endParaRPr lang="en-US"/>
           </a:p>
@@ -810,7 +810,7 @@
           <p:cNvPr id="5" name="Footer Placeholder 4">
             <a:extLst>
               <a:ext uri="{FF2B5EF4-FFF2-40B4-BE49-F238E27FC236}">
-                <a16:creationId xmlns:a16="http://schemas.microsoft.com/office/drawing/2014/main" xmlns="" id="{FF136E26-0E46-B848-BBFC-A0D2BFA17F33}"/>
+                <a16:creationId xmlns="" xmlns:a16="http://schemas.microsoft.com/office/drawing/2014/main" id="{FF136E26-0E46-B848-BBFC-A0D2BFA17F33}"/>
               </a:ext>
             </a:extLst>
           </p:cNvPr>
@@ -835,7 +835,7 @@
           <p:cNvPr id="6" name="Slide Number Placeholder 5">
             <a:extLst>
               <a:ext uri="{FF2B5EF4-FFF2-40B4-BE49-F238E27FC236}">
-                <a16:creationId xmlns:a16="http://schemas.microsoft.com/office/drawing/2014/main" xmlns="" id="{CEAD4217-442E-6C4A-8D0F-CADFE9EACB6D}"/>
+                <a16:creationId xmlns="" xmlns:a16="http://schemas.microsoft.com/office/drawing/2014/main" id="{CEAD4217-442E-6C4A-8D0F-CADFE9EACB6D}"/>
               </a:ext>
             </a:extLst>
           </p:cNvPr>
@@ -894,7 +894,7 @@
           <p:cNvPr id="2" name="Title 1">
             <a:extLst>
               <a:ext uri="{FF2B5EF4-FFF2-40B4-BE49-F238E27FC236}">
-                <a16:creationId xmlns:a16="http://schemas.microsoft.com/office/drawing/2014/main" xmlns="" id="{F416C72F-B1B5-6442-B3EF-170DEDF83067}"/>
+                <a16:creationId xmlns="" xmlns:a16="http://schemas.microsoft.com/office/drawing/2014/main" id="{F416C72F-B1B5-6442-B3EF-170DEDF83067}"/>
               </a:ext>
             </a:extLst>
           </p:cNvPr>
@@ -922,7 +922,7 @@
           <p:cNvPr id="3" name="Vertical Text Placeholder 2">
             <a:extLst>
               <a:ext uri="{FF2B5EF4-FFF2-40B4-BE49-F238E27FC236}">
-                <a16:creationId xmlns:a16="http://schemas.microsoft.com/office/drawing/2014/main" xmlns="" id="{19182C6A-7EA1-C840-86BB-65DF578F4F4B}"/>
+                <a16:creationId xmlns="" xmlns:a16="http://schemas.microsoft.com/office/drawing/2014/main" id="{19182C6A-7EA1-C840-86BB-65DF578F4F4B}"/>
               </a:ext>
             </a:extLst>
           </p:cNvPr>
@@ -979,7 +979,7 @@
           <p:cNvPr id="4" name="Date Placeholder 3">
             <a:extLst>
               <a:ext uri="{FF2B5EF4-FFF2-40B4-BE49-F238E27FC236}">
-                <a16:creationId xmlns:a16="http://schemas.microsoft.com/office/drawing/2014/main" xmlns="" id="{DBCD3C4B-E6D4-B140-8126-90FD013DE38A}"/>
+                <a16:creationId xmlns="" xmlns:a16="http://schemas.microsoft.com/office/drawing/2014/main" id="{DBCD3C4B-E6D4-B140-8126-90FD013DE38A}"/>
               </a:ext>
             </a:extLst>
           </p:cNvPr>
@@ -997,7 +997,7 @@
           <a:p>
             <a:fld id="{BE5295ED-3BAF-1140-8495-3D368771D6B1}" type="datetimeFigureOut">
               <a:rPr lang="en-US" smtClean="0"/>
-              <a:t>2/25/19</a:t>
+              <a:t>11/4/19</a:t>
             </a:fld>
             <a:endParaRPr lang="en-US"/>
           </a:p>
@@ -1008,7 +1008,7 @@
           <p:cNvPr id="5" name="Footer Placeholder 4">
             <a:extLst>
               <a:ext uri="{FF2B5EF4-FFF2-40B4-BE49-F238E27FC236}">
-                <a16:creationId xmlns:a16="http://schemas.microsoft.com/office/drawing/2014/main" xmlns="" id="{E26FD8A5-25AB-2742-9333-F1864AA98C6D}"/>
+                <a16:creationId xmlns="" xmlns:a16="http://schemas.microsoft.com/office/drawing/2014/main" id="{E26FD8A5-25AB-2742-9333-F1864AA98C6D}"/>
               </a:ext>
             </a:extLst>
           </p:cNvPr>
@@ -1033,7 +1033,7 @@
           <p:cNvPr id="6" name="Slide Number Placeholder 5">
             <a:extLst>
               <a:ext uri="{FF2B5EF4-FFF2-40B4-BE49-F238E27FC236}">
-                <a16:creationId xmlns:a16="http://schemas.microsoft.com/office/drawing/2014/main" xmlns="" id="{B4FFBFCA-F2F7-544E-BB46-A887273990B8}"/>
+                <a16:creationId xmlns="" xmlns:a16="http://schemas.microsoft.com/office/drawing/2014/main" id="{B4FFBFCA-F2F7-544E-BB46-A887273990B8}"/>
               </a:ext>
             </a:extLst>
           </p:cNvPr>
@@ -1092,7 +1092,7 @@
           <p:cNvPr id="2" name="Vertical Title 1">
             <a:extLst>
               <a:ext uri="{FF2B5EF4-FFF2-40B4-BE49-F238E27FC236}">
-                <a16:creationId xmlns:a16="http://schemas.microsoft.com/office/drawing/2014/main" xmlns="" id="{A54E5286-71CD-184D-922F-2C587370C871}"/>
+                <a16:creationId xmlns="" xmlns:a16="http://schemas.microsoft.com/office/drawing/2014/main" id="{A54E5286-71CD-184D-922F-2C587370C871}"/>
               </a:ext>
             </a:extLst>
           </p:cNvPr>
@@ -1125,7 +1125,7 @@
           <p:cNvPr id="3" name="Vertical Text Placeholder 2">
             <a:extLst>
               <a:ext uri="{FF2B5EF4-FFF2-40B4-BE49-F238E27FC236}">
-                <a16:creationId xmlns:a16="http://schemas.microsoft.com/office/drawing/2014/main" xmlns="" id="{8E6C93D7-83D1-8740-A256-2B405524A089}"/>
+                <a16:creationId xmlns="" xmlns:a16="http://schemas.microsoft.com/office/drawing/2014/main" id="{8E6C93D7-83D1-8740-A256-2B405524A089}"/>
               </a:ext>
             </a:extLst>
           </p:cNvPr>
@@ -1187,7 +1187,7 @@
           <p:cNvPr id="4" name="Date Placeholder 3">
             <a:extLst>
               <a:ext uri="{FF2B5EF4-FFF2-40B4-BE49-F238E27FC236}">
-                <a16:creationId xmlns:a16="http://schemas.microsoft.com/office/drawing/2014/main" xmlns="" id="{C7CCB8DC-90E9-1D49-B70B-5103FBBD3972}"/>
+                <a16:creationId xmlns="" xmlns:a16="http://schemas.microsoft.com/office/drawing/2014/main" id="{C7CCB8DC-90E9-1D49-B70B-5103FBBD3972}"/>
               </a:ext>
             </a:extLst>
           </p:cNvPr>
@@ -1205,7 +1205,7 @@
           <a:p>
             <a:fld id="{BE5295ED-3BAF-1140-8495-3D368771D6B1}" type="datetimeFigureOut">
               <a:rPr lang="en-US" smtClean="0"/>
-              <a:t>2/25/19</a:t>
+              <a:t>11/4/19</a:t>
             </a:fld>
             <a:endParaRPr lang="en-US"/>
           </a:p>
@@ -1216,7 +1216,7 @@
           <p:cNvPr id="5" name="Footer Placeholder 4">
             <a:extLst>
               <a:ext uri="{FF2B5EF4-FFF2-40B4-BE49-F238E27FC236}">
-                <a16:creationId xmlns:a16="http://schemas.microsoft.com/office/drawing/2014/main" xmlns="" id="{0997D847-8768-9843-9B66-E6B3989BA3D2}"/>
+                <a16:creationId xmlns="" xmlns:a16="http://schemas.microsoft.com/office/drawing/2014/main" id="{0997D847-8768-9843-9B66-E6B3989BA3D2}"/>
               </a:ext>
             </a:extLst>
           </p:cNvPr>
@@ -1241,7 +1241,7 @@
           <p:cNvPr id="6" name="Slide Number Placeholder 5">
             <a:extLst>
               <a:ext uri="{FF2B5EF4-FFF2-40B4-BE49-F238E27FC236}">
-                <a16:creationId xmlns:a16="http://schemas.microsoft.com/office/drawing/2014/main" xmlns="" id="{8E82CB94-E0A6-3E47-9F30-8DEB64C2027C}"/>
+                <a16:creationId xmlns="" xmlns:a16="http://schemas.microsoft.com/office/drawing/2014/main" id="{8E82CB94-E0A6-3E47-9F30-8DEB64C2027C}"/>
               </a:ext>
             </a:extLst>
           </p:cNvPr>
@@ -1300,7 +1300,7 @@
           <p:cNvPr id="2" name="Title 1">
             <a:extLst>
               <a:ext uri="{FF2B5EF4-FFF2-40B4-BE49-F238E27FC236}">
-                <a16:creationId xmlns:a16="http://schemas.microsoft.com/office/drawing/2014/main" xmlns="" id="{B8842375-E5EF-4D4E-AFD0-A94090E7DB29}"/>
+                <a16:creationId xmlns="" xmlns:a16="http://schemas.microsoft.com/office/drawing/2014/main" id="{B8842375-E5EF-4D4E-AFD0-A94090E7DB29}"/>
               </a:ext>
             </a:extLst>
           </p:cNvPr>
@@ -1328,7 +1328,7 @@
           <p:cNvPr id="3" name="Content Placeholder 2">
             <a:extLst>
               <a:ext uri="{FF2B5EF4-FFF2-40B4-BE49-F238E27FC236}">
-                <a16:creationId xmlns:a16="http://schemas.microsoft.com/office/drawing/2014/main" xmlns="" id="{F366F610-FF9B-2A4B-8E35-314B0D78D9D8}"/>
+                <a16:creationId xmlns="" xmlns:a16="http://schemas.microsoft.com/office/drawing/2014/main" id="{F366F610-FF9B-2A4B-8E35-314B0D78D9D8}"/>
               </a:ext>
             </a:extLst>
           </p:cNvPr>
@@ -1385,7 +1385,7 @@
           <p:cNvPr id="4" name="Date Placeholder 3">
             <a:extLst>
               <a:ext uri="{FF2B5EF4-FFF2-40B4-BE49-F238E27FC236}">
-                <a16:creationId xmlns:a16="http://schemas.microsoft.com/office/drawing/2014/main" xmlns="" id="{1561E808-F7D2-E84B-8CD4-83F18272EA72}"/>
+                <a16:creationId xmlns="" xmlns:a16="http://schemas.microsoft.com/office/drawing/2014/main" id="{1561E808-F7D2-E84B-8CD4-83F18272EA72}"/>
               </a:ext>
             </a:extLst>
           </p:cNvPr>
@@ -1403,7 +1403,7 @@
           <a:p>
             <a:fld id="{BE5295ED-3BAF-1140-8495-3D368771D6B1}" type="datetimeFigureOut">
               <a:rPr lang="en-US" smtClean="0"/>
-              <a:t>2/25/19</a:t>
+              <a:t>11/4/19</a:t>
             </a:fld>
             <a:endParaRPr lang="en-US"/>
           </a:p>
@@ -1414,7 +1414,7 @@
           <p:cNvPr id="5" name="Footer Placeholder 4">
             <a:extLst>
               <a:ext uri="{FF2B5EF4-FFF2-40B4-BE49-F238E27FC236}">
-                <a16:creationId xmlns:a16="http://schemas.microsoft.com/office/drawing/2014/main" xmlns="" id="{7B3AD9A1-B1EC-984E-A23E-0ECF6F652482}"/>
+                <a16:creationId xmlns="" xmlns:a16="http://schemas.microsoft.com/office/drawing/2014/main" id="{7B3AD9A1-B1EC-984E-A23E-0ECF6F652482}"/>
               </a:ext>
             </a:extLst>
           </p:cNvPr>
@@ -1439,7 +1439,7 @@
           <p:cNvPr id="6" name="Slide Number Placeholder 5">
             <a:extLst>
               <a:ext uri="{FF2B5EF4-FFF2-40B4-BE49-F238E27FC236}">
-                <a16:creationId xmlns:a16="http://schemas.microsoft.com/office/drawing/2014/main" xmlns="" id="{01BFD94D-9604-2A43-AADF-14B0876B6EBB}"/>
+                <a16:creationId xmlns="" xmlns:a16="http://schemas.microsoft.com/office/drawing/2014/main" id="{01BFD94D-9604-2A43-AADF-14B0876B6EBB}"/>
               </a:ext>
             </a:extLst>
           </p:cNvPr>
@@ -1498,7 +1498,7 @@
           <p:cNvPr id="2" name="Title 1">
             <a:extLst>
               <a:ext uri="{FF2B5EF4-FFF2-40B4-BE49-F238E27FC236}">
-                <a16:creationId xmlns:a16="http://schemas.microsoft.com/office/drawing/2014/main" xmlns="" id="{771589AC-2242-B445-BBEA-95D500596EE6}"/>
+                <a16:creationId xmlns="" xmlns:a16="http://schemas.microsoft.com/office/drawing/2014/main" id="{771589AC-2242-B445-BBEA-95D500596EE6}"/>
               </a:ext>
             </a:extLst>
           </p:cNvPr>
@@ -1535,7 +1535,7 @@
           <p:cNvPr id="3" name="Text Placeholder 2">
             <a:extLst>
               <a:ext uri="{FF2B5EF4-FFF2-40B4-BE49-F238E27FC236}">
-                <a16:creationId xmlns:a16="http://schemas.microsoft.com/office/drawing/2014/main" xmlns="" id="{255D194C-D171-4B45-BA38-8D16CD1C3449}"/>
+                <a16:creationId xmlns="" xmlns:a16="http://schemas.microsoft.com/office/drawing/2014/main" id="{255D194C-D171-4B45-BA38-8D16CD1C3449}"/>
               </a:ext>
             </a:extLst>
           </p:cNvPr>
@@ -1660,7 +1660,7 @@
           <p:cNvPr id="4" name="Date Placeholder 3">
             <a:extLst>
               <a:ext uri="{FF2B5EF4-FFF2-40B4-BE49-F238E27FC236}">
-                <a16:creationId xmlns:a16="http://schemas.microsoft.com/office/drawing/2014/main" xmlns="" id="{68A38244-2F9E-AB4A-B300-488462389FF9}"/>
+                <a16:creationId xmlns="" xmlns:a16="http://schemas.microsoft.com/office/drawing/2014/main" id="{68A38244-2F9E-AB4A-B300-488462389FF9}"/>
               </a:ext>
             </a:extLst>
           </p:cNvPr>
@@ -1678,7 +1678,7 @@
           <a:p>
             <a:fld id="{BE5295ED-3BAF-1140-8495-3D368771D6B1}" type="datetimeFigureOut">
               <a:rPr lang="en-US" smtClean="0"/>
-              <a:t>2/25/19</a:t>
+              <a:t>11/4/19</a:t>
             </a:fld>
             <a:endParaRPr lang="en-US"/>
           </a:p>
@@ -1689,7 +1689,7 @@
           <p:cNvPr id="5" name="Footer Placeholder 4">
             <a:extLst>
               <a:ext uri="{FF2B5EF4-FFF2-40B4-BE49-F238E27FC236}">
-                <a16:creationId xmlns:a16="http://schemas.microsoft.com/office/drawing/2014/main" xmlns="" id="{B33A7B5A-1475-C94F-AD18-1726D2BA89C2}"/>
+                <a16:creationId xmlns="" xmlns:a16="http://schemas.microsoft.com/office/drawing/2014/main" id="{B33A7B5A-1475-C94F-AD18-1726D2BA89C2}"/>
               </a:ext>
             </a:extLst>
           </p:cNvPr>
@@ -1714,7 +1714,7 @@
           <p:cNvPr id="6" name="Slide Number Placeholder 5">
             <a:extLst>
               <a:ext uri="{FF2B5EF4-FFF2-40B4-BE49-F238E27FC236}">
-                <a16:creationId xmlns:a16="http://schemas.microsoft.com/office/drawing/2014/main" xmlns="" id="{8069DDF6-CCE5-3946-8A72-14D318AB4D22}"/>
+                <a16:creationId xmlns="" xmlns:a16="http://schemas.microsoft.com/office/drawing/2014/main" id="{8069DDF6-CCE5-3946-8A72-14D318AB4D22}"/>
               </a:ext>
             </a:extLst>
           </p:cNvPr>
@@ -1773,7 +1773,7 @@
           <p:cNvPr id="2" name="Title 1">
             <a:extLst>
               <a:ext uri="{FF2B5EF4-FFF2-40B4-BE49-F238E27FC236}">
-                <a16:creationId xmlns:a16="http://schemas.microsoft.com/office/drawing/2014/main" xmlns="" id="{AC1D2791-2196-8F4F-AD62-59B19A8810A3}"/>
+                <a16:creationId xmlns="" xmlns:a16="http://schemas.microsoft.com/office/drawing/2014/main" id="{AC1D2791-2196-8F4F-AD62-59B19A8810A3}"/>
               </a:ext>
             </a:extLst>
           </p:cNvPr>
@@ -1801,7 +1801,7 @@
           <p:cNvPr id="3" name="Content Placeholder 2">
             <a:extLst>
               <a:ext uri="{FF2B5EF4-FFF2-40B4-BE49-F238E27FC236}">
-                <a16:creationId xmlns:a16="http://schemas.microsoft.com/office/drawing/2014/main" xmlns="" id="{3962F23A-0A28-6141-B0BF-D7B92C213877}"/>
+                <a16:creationId xmlns="" xmlns:a16="http://schemas.microsoft.com/office/drawing/2014/main" id="{3962F23A-0A28-6141-B0BF-D7B92C213877}"/>
               </a:ext>
             </a:extLst>
           </p:cNvPr>
@@ -1863,7 +1863,7 @@
           <p:cNvPr id="4" name="Content Placeholder 3">
             <a:extLst>
               <a:ext uri="{FF2B5EF4-FFF2-40B4-BE49-F238E27FC236}">
-                <a16:creationId xmlns:a16="http://schemas.microsoft.com/office/drawing/2014/main" xmlns="" id="{C36DF3E7-529D-1C40-B815-3C505F4D107E}"/>
+                <a16:creationId xmlns="" xmlns:a16="http://schemas.microsoft.com/office/drawing/2014/main" id="{C36DF3E7-529D-1C40-B815-3C505F4D107E}"/>
               </a:ext>
             </a:extLst>
           </p:cNvPr>
@@ -1925,7 +1925,7 @@
           <p:cNvPr id="5" name="Date Placeholder 4">
             <a:extLst>
               <a:ext uri="{FF2B5EF4-FFF2-40B4-BE49-F238E27FC236}">
-                <a16:creationId xmlns:a16="http://schemas.microsoft.com/office/drawing/2014/main" xmlns="" id="{ECFEE966-F172-8C42-A9F6-013C2A368C90}"/>
+                <a16:creationId xmlns="" xmlns:a16="http://schemas.microsoft.com/office/drawing/2014/main" id="{ECFEE966-F172-8C42-A9F6-013C2A368C90}"/>
               </a:ext>
             </a:extLst>
           </p:cNvPr>
@@ -1943,7 +1943,7 @@
           <a:p>
             <a:fld id="{BE5295ED-3BAF-1140-8495-3D368771D6B1}" type="datetimeFigureOut">
               <a:rPr lang="en-US" smtClean="0"/>
-              <a:t>2/25/19</a:t>
+              <a:t>11/4/19</a:t>
             </a:fld>
             <a:endParaRPr lang="en-US"/>
           </a:p>
@@ -1954,7 +1954,7 @@
           <p:cNvPr id="6" name="Footer Placeholder 5">
             <a:extLst>
               <a:ext uri="{FF2B5EF4-FFF2-40B4-BE49-F238E27FC236}">
-                <a16:creationId xmlns:a16="http://schemas.microsoft.com/office/drawing/2014/main" xmlns="" id="{54FDED73-DCFA-6648-B65F-CBEDB1D3556B}"/>
+                <a16:creationId xmlns="" xmlns:a16="http://schemas.microsoft.com/office/drawing/2014/main" id="{54FDED73-DCFA-6648-B65F-CBEDB1D3556B}"/>
               </a:ext>
             </a:extLst>
           </p:cNvPr>
@@ -1979,7 +1979,7 @@
           <p:cNvPr id="7" name="Slide Number Placeholder 6">
             <a:extLst>
               <a:ext uri="{FF2B5EF4-FFF2-40B4-BE49-F238E27FC236}">
-                <a16:creationId xmlns:a16="http://schemas.microsoft.com/office/drawing/2014/main" xmlns="" id="{F3D072AD-ADC5-2943-B36C-F14AE6555C55}"/>
+                <a16:creationId xmlns="" xmlns:a16="http://schemas.microsoft.com/office/drawing/2014/main" id="{F3D072AD-ADC5-2943-B36C-F14AE6555C55}"/>
               </a:ext>
             </a:extLst>
           </p:cNvPr>
@@ -2038,7 +2038,7 @@
           <p:cNvPr id="2" name="Title 1">
             <a:extLst>
               <a:ext uri="{FF2B5EF4-FFF2-40B4-BE49-F238E27FC236}">
-                <a16:creationId xmlns:a16="http://schemas.microsoft.com/office/drawing/2014/main" xmlns="" id="{478E3FB4-66D6-9040-98CF-3DE68ABAAB18}"/>
+                <a16:creationId xmlns="" xmlns:a16="http://schemas.microsoft.com/office/drawing/2014/main" id="{478E3FB4-66D6-9040-98CF-3DE68ABAAB18}"/>
               </a:ext>
             </a:extLst>
           </p:cNvPr>
@@ -2071,7 +2071,7 @@
           <p:cNvPr id="3" name="Text Placeholder 2">
             <a:extLst>
               <a:ext uri="{FF2B5EF4-FFF2-40B4-BE49-F238E27FC236}">
-                <a16:creationId xmlns:a16="http://schemas.microsoft.com/office/drawing/2014/main" xmlns="" id="{C3B9CBA2-D589-E342-B02C-AFD0528E353B}"/>
+                <a16:creationId xmlns="" xmlns:a16="http://schemas.microsoft.com/office/drawing/2014/main" id="{C3B9CBA2-D589-E342-B02C-AFD0528E353B}"/>
               </a:ext>
             </a:extLst>
           </p:cNvPr>
@@ -2142,7 +2142,7 @@
           <p:cNvPr id="4" name="Content Placeholder 3">
             <a:extLst>
               <a:ext uri="{FF2B5EF4-FFF2-40B4-BE49-F238E27FC236}">
-                <a16:creationId xmlns:a16="http://schemas.microsoft.com/office/drawing/2014/main" xmlns="" id="{F570E95A-9A57-7F42-A0D4-A9C36B16D13C}"/>
+                <a16:creationId xmlns="" xmlns:a16="http://schemas.microsoft.com/office/drawing/2014/main" id="{F570E95A-9A57-7F42-A0D4-A9C36B16D13C}"/>
               </a:ext>
             </a:extLst>
           </p:cNvPr>
@@ -2204,7 +2204,7 @@
           <p:cNvPr id="5" name="Text Placeholder 4">
             <a:extLst>
               <a:ext uri="{FF2B5EF4-FFF2-40B4-BE49-F238E27FC236}">
-                <a16:creationId xmlns:a16="http://schemas.microsoft.com/office/drawing/2014/main" xmlns="" id="{B6A72F40-C7A9-CC45-82FB-CCCE1FE08B0B}"/>
+                <a16:creationId xmlns="" xmlns:a16="http://schemas.microsoft.com/office/drawing/2014/main" id="{B6A72F40-C7A9-CC45-82FB-CCCE1FE08B0B}"/>
               </a:ext>
             </a:extLst>
           </p:cNvPr>
@@ -2275,7 +2275,7 @@
           <p:cNvPr id="6" name="Content Placeholder 5">
             <a:extLst>
               <a:ext uri="{FF2B5EF4-FFF2-40B4-BE49-F238E27FC236}">
-                <a16:creationId xmlns:a16="http://schemas.microsoft.com/office/drawing/2014/main" xmlns="" id="{9FDA6D2A-2E9D-714C-B9CB-D0F9D788FCD3}"/>
+                <a16:creationId xmlns="" xmlns:a16="http://schemas.microsoft.com/office/drawing/2014/main" id="{9FDA6D2A-2E9D-714C-B9CB-D0F9D788FCD3}"/>
               </a:ext>
             </a:extLst>
           </p:cNvPr>
@@ -2337,7 +2337,7 @@
           <p:cNvPr id="7" name="Date Placeholder 6">
             <a:extLst>
               <a:ext uri="{FF2B5EF4-FFF2-40B4-BE49-F238E27FC236}">
-                <a16:creationId xmlns:a16="http://schemas.microsoft.com/office/drawing/2014/main" xmlns="" id="{1B7F3C0C-4D75-9C49-9075-FA8B3D33CF9B}"/>
+                <a16:creationId xmlns="" xmlns:a16="http://schemas.microsoft.com/office/drawing/2014/main" id="{1B7F3C0C-4D75-9C49-9075-FA8B3D33CF9B}"/>
               </a:ext>
             </a:extLst>
           </p:cNvPr>
@@ -2355,7 +2355,7 @@
           <a:p>
             <a:fld id="{BE5295ED-3BAF-1140-8495-3D368771D6B1}" type="datetimeFigureOut">
               <a:rPr lang="en-US" smtClean="0"/>
-              <a:t>2/25/19</a:t>
+              <a:t>11/4/19</a:t>
             </a:fld>
             <a:endParaRPr lang="en-US"/>
           </a:p>
@@ -2366,7 +2366,7 @@
           <p:cNvPr id="8" name="Footer Placeholder 7">
             <a:extLst>
               <a:ext uri="{FF2B5EF4-FFF2-40B4-BE49-F238E27FC236}">
-                <a16:creationId xmlns:a16="http://schemas.microsoft.com/office/drawing/2014/main" xmlns="" id="{9788C8FA-359A-5447-AA0E-98D16ECCC92D}"/>
+                <a16:creationId xmlns="" xmlns:a16="http://schemas.microsoft.com/office/drawing/2014/main" id="{9788C8FA-359A-5447-AA0E-98D16ECCC92D}"/>
               </a:ext>
             </a:extLst>
           </p:cNvPr>
@@ -2391,7 +2391,7 @@
           <p:cNvPr id="9" name="Slide Number Placeholder 8">
             <a:extLst>
               <a:ext uri="{FF2B5EF4-FFF2-40B4-BE49-F238E27FC236}">
-                <a16:creationId xmlns:a16="http://schemas.microsoft.com/office/drawing/2014/main" xmlns="" id="{3D69C8CD-0DF6-4E4C-A412-31B03845FA24}"/>
+                <a16:creationId xmlns="" xmlns:a16="http://schemas.microsoft.com/office/drawing/2014/main" id="{3D69C8CD-0DF6-4E4C-A412-31B03845FA24}"/>
               </a:ext>
             </a:extLst>
           </p:cNvPr>
@@ -2450,7 +2450,7 @@
           <p:cNvPr id="2" name="Title 1">
             <a:extLst>
               <a:ext uri="{FF2B5EF4-FFF2-40B4-BE49-F238E27FC236}">
-                <a16:creationId xmlns:a16="http://schemas.microsoft.com/office/drawing/2014/main" xmlns="" id="{13C48C8E-A743-0B4F-AB6E-AB828F1218C8}"/>
+                <a16:creationId xmlns="" xmlns:a16="http://schemas.microsoft.com/office/drawing/2014/main" id="{13C48C8E-A743-0B4F-AB6E-AB828F1218C8}"/>
               </a:ext>
             </a:extLst>
           </p:cNvPr>
@@ -2478,7 +2478,7 @@
           <p:cNvPr id="3" name="Date Placeholder 2">
             <a:extLst>
               <a:ext uri="{FF2B5EF4-FFF2-40B4-BE49-F238E27FC236}">
-                <a16:creationId xmlns:a16="http://schemas.microsoft.com/office/drawing/2014/main" xmlns="" id="{70FAB17F-6D86-B147-9346-A9B5242FC803}"/>
+                <a16:creationId xmlns="" xmlns:a16="http://schemas.microsoft.com/office/drawing/2014/main" id="{70FAB17F-6D86-B147-9346-A9B5242FC803}"/>
               </a:ext>
             </a:extLst>
           </p:cNvPr>
@@ -2496,7 +2496,7 @@
           <a:p>
             <a:fld id="{BE5295ED-3BAF-1140-8495-3D368771D6B1}" type="datetimeFigureOut">
               <a:rPr lang="en-US" smtClean="0"/>
-              <a:t>2/25/19</a:t>
+              <a:t>11/4/19</a:t>
             </a:fld>
             <a:endParaRPr lang="en-US"/>
           </a:p>
@@ -2507,7 +2507,7 @@
           <p:cNvPr id="4" name="Footer Placeholder 3">
             <a:extLst>
               <a:ext uri="{FF2B5EF4-FFF2-40B4-BE49-F238E27FC236}">
-                <a16:creationId xmlns:a16="http://schemas.microsoft.com/office/drawing/2014/main" xmlns="" id="{4B8A6F49-DCD7-7B4B-8496-2547B2A81C83}"/>
+                <a16:creationId xmlns="" xmlns:a16="http://schemas.microsoft.com/office/drawing/2014/main" id="{4B8A6F49-DCD7-7B4B-8496-2547B2A81C83}"/>
               </a:ext>
             </a:extLst>
           </p:cNvPr>
@@ -2532,7 +2532,7 @@
           <p:cNvPr id="5" name="Slide Number Placeholder 4">
             <a:extLst>
               <a:ext uri="{FF2B5EF4-FFF2-40B4-BE49-F238E27FC236}">
-                <a16:creationId xmlns:a16="http://schemas.microsoft.com/office/drawing/2014/main" xmlns="" id="{D4D1F89D-8541-BB4B-A145-D0DC66605C91}"/>
+                <a16:creationId xmlns="" xmlns:a16="http://schemas.microsoft.com/office/drawing/2014/main" id="{D4D1F89D-8541-BB4B-A145-D0DC66605C91}"/>
               </a:ext>
             </a:extLst>
           </p:cNvPr>
@@ -2591,7 +2591,7 @@
           <p:cNvPr id="2" name="Date Placeholder 1">
             <a:extLst>
               <a:ext uri="{FF2B5EF4-FFF2-40B4-BE49-F238E27FC236}">
-                <a16:creationId xmlns:a16="http://schemas.microsoft.com/office/drawing/2014/main" xmlns="" id="{AD68AA44-A589-744E-AB85-5B6ED8E7D8C0}"/>
+                <a16:creationId xmlns="" xmlns:a16="http://schemas.microsoft.com/office/drawing/2014/main" id="{AD68AA44-A589-744E-AB85-5B6ED8E7D8C0}"/>
               </a:ext>
             </a:extLst>
           </p:cNvPr>
@@ -2609,7 +2609,7 @@
           <a:p>
             <a:fld id="{BE5295ED-3BAF-1140-8495-3D368771D6B1}" type="datetimeFigureOut">
               <a:rPr lang="en-US" smtClean="0"/>
-              <a:t>2/25/19</a:t>
+              <a:t>11/4/19</a:t>
             </a:fld>
             <a:endParaRPr lang="en-US"/>
           </a:p>
@@ -2620,7 +2620,7 @@
           <p:cNvPr id="3" name="Footer Placeholder 2">
             <a:extLst>
               <a:ext uri="{FF2B5EF4-FFF2-40B4-BE49-F238E27FC236}">
-                <a16:creationId xmlns:a16="http://schemas.microsoft.com/office/drawing/2014/main" xmlns="" id="{1CA0E6D3-947A-FA4D-8626-2883D14EFE8D}"/>
+                <a16:creationId xmlns="" xmlns:a16="http://schemas.microsoft.com/office/drawing/2014/main" id="{1CA0E6D3-947A-FA4D-8626-2883D14EFE8D}"/>
               </a:ext>
             </a:extLst>
           </p:cNvPr>
@@ -2645,7 +2645,7 @@
           <p:cNvPr id="4" name="Slide Number Placeholder 3">
             <a:extLst>
               <a:ext uri="{FF2B5EF4-FFF2-40B4-BE49-F238E27FC236}">
-                <a16:creationId xmlns:a16="http://schemas.microsoft.com/office/drawing/2014/main" xmlns="" id="{5BF0953F-E6D0-2240-B174-03015D0856A8}"/>
+                <a16:creationId xmlns="" xmlns:a16="http://schemas.microsoft.com/office/drawing/2014/main" id="{5BF0953F-E6D0-2240-B174-03015D0856A8}"/>
               </a:ext>
             </a:extLst>
           </p:cNvPr>
@@ -2704,7 +2704,7 @@
           <p:cNvPr id="2" name="Title 1">
             <a:extLst>
               <a:ext uri="{FF2B5EF4-FFF2-40B4-BE49-F238E27FC236}">
-                <a16:creationId xmlns:a16="http://schemas.microsoft.com/office/drawing/2014/main" xmlns="" id="{26FFD677-FF02-3E4E-8E32-44D146E24D90}"/>
+                <a16:creationId xmlns="" xmlns:a16="http://schemas.microsoft.com/office/drawing/2014/main" id="{26FFD677-FF02-3E4E-8E32-44D146E24D90}"/>
               </a:ext>
             </a:extLst>
           </p:cNvPr>
@@ -2741,7 +2741,7 @@
           <p:cNvPr id="3" name="Content Placeholder 2">
             <a:extLst>
               <a:ext uri="{FF2B5EF4-FFF2-40B4-BE49-F238E27FC236}">
-                <a16:creationId xmlns:a16="http://schemas.microsoft.com/office/drawing/2014/main" xmlns="" id="{9942170F-E10D-1348-86CE-8E869B806F9B}"/>
+                <a16:creationId xmlns="" xmlns:a16="http://schemas.microsoft.com/office/drawing/2014/main" id="{9942170F-E10D-1348-86CE-8E869B806F9B}"/>
               </a:ext>
             </a:extLst>
           </p:cNvPr>
@@ -2831,7 +2831,7 @@
           <p:cNvPr id="4" name="Text Placeholder 3">
             <a:extLst>
               <a:ext uri="{FF2B5EF4-FFF2-40B4-BE49-F238E27FC236}">
-                <a16:creationId xmlns:a16="http://schemas.microsoft.com/office/drawing/2014/main" xmlns="" id="{80772D86-2794-394C-A208-2D3E234A3A20}"/>
+                <a16:creationId xmlns="" xmlns:a16="http://schemas.microsoft.com/office/drawing/2014/main" id="{80772D86-2794-394C-A208-2D3E234A3A20}"/>
               </a:ext>
             </a:extLst>
           </p:cNvPr>
@@ -2902,7 +2902,7 @@
           <p:cNvPr id="5" name="Date Placeholder 4">
             <a:extLst>
               <a:ext uri="{FF2B5EF4-FFF2-40B4-BE49-F238E27FC236}">
-                <a16:creationId xmlns:a16="http://schemas.microsoft.com/office/drawing/2014/main" xmlns="" id="{B5314D31-901A-D944-B06D-3D8106F2A2BC}"/>
+                <a16:creationId xmlns="" xmlns:a16="http://schemas.microsoft.com/office/drawing/2014/main" id="{B5314D31-901A-D944-B06D-3D8106F2A2BC}"/>
               </a:ext>
             </a:extLst>
           </p:cNvPr>
@@ -2920,7 +2920,7 @@
           <a:p>
             <a:fld id="{BE5295ED-3BAF-1140-8495-3D368771D6B1}" type="datetimeFigureOut">
               <a:rPr lang="en-US" smtClean="0"/>
-              <a:t>2/25/19</a:t>
+              <a:t>11/4/19</a:t>
             </a:fld>
             <a:endParaRPr lang="en-US"/>
           </a:p>
@@ -2931,7 +2931,7 @@
           <p:cNvPr id="6" name="Footer Placeholder 5">
             <a:extLst>
               <a:ext uri="{FF2B5EF4-FFF2-40B4-BE49-F238E27FC236}">
-                <a16:creationId xmlns:a16="http://schemas.microsoft.com/office/drawing/2014/main" xmlns="" id="{BFFC6519-9D04-AC45-BB37-9DD413CC741D}"/>
+                <a16:creationId xmlns="" xmlns:a16="http://schemas.microsoft.com/office/drawing/2014/main" id="{BFFC6519-9D04-AC45-BB37-9DD413CC741D}"/>
               </a:ext>
             </a:extLst>
           </p:cNvPr>
@@ -2956,7 +2956,7 @@
           <p:cNvPr id="7" name="Slide Number Placeholder 6">
             <a:extLst>
               <a:ext uri="{FF2B5EF4-FFF2-40B4-BE49-F238E27FC236}">
-                <a16:creationId xmlns:a16="http://schemas.microsoft.com/office/drawing/2014/main" xmlns="" id="{856ACFF3-3C93-FA41-80F3-4708944F9A8C}"/>
+                <a16:creationId xmlns="" xmlns:a16="http://schemas.microsoft.com/office/drawing/2014/main" id="{856ACFF3-3C93-FA41-80F3-4708944F9A8C}"/>
               </a:ext>
             </a:extLst>
           </p:cNvPr>
@@ -3015,7 +3015,7 @@
           <p:cNvPr id="2" name="Title 1">
             <a:extLst>
               <a:ext uri="{FF2B5EF4-FFF2-40B4-BE49-F238E27FC236}">
-                <a16:creationId xmlns:a16="http://schemas.microsoft.com/office/drawing/2014/main" xmlns="" id="{52F7D6A8-4C7A-ED44-A821-97E76FB58748}"/>
+                <a16:creationId xmlns="" xmlns:a16="http://schemas.microsoft.com/office/drawing/2014/main" id="{52F7D6A8-4C7A-ED44-A821-97E76FB58748}"/>
               </a:ext>
             </a:extLst>
           </p:cNvPr>
@@ -3052,7 +3052,7 @@
           <p:cNvPr id="3" name="Picture Placeholder 2">
             <a:extLst>
               <a:ext uri="{FF2B5EF4-FFF2-40B4-BE49-F238E27FC236}">
-                <a16:creationId xmlns:a16="http://schemas.microsoft.com/office/drawing/2014/main" xmlns="" id="{FFA0AABB-AB65-FB40-8DCA-227F017E16C5}"/>
+                <a16:creationId xmlns="" xmlns:a16="http://schemas.microsoft.com/office/drawing/2014/main" id="{FFA0AABB-AB65-FB40-8DCA-227F017E16C5}"/>
               </a:ext>
             </a:extLst>
           </p:cNvPr>
@@ -3119,7 +3119,7 @@
           <p:cNvPr id="4" name="Text Placeholder 3">
             <a:extLst>
               <a:ext uri="{FF2B5EF4-FFF2-40B4-BE49-F238E27FC236}">
-                <a16:creationId xmlns:a16="http://schemas.microsoft.com/office/drawing/2014/main" xmlns="" id="{67AC3EE9-FB8F-F642-BB10-A468CFF85E6A}"/>
+                <a16:creationId xmlns="" xmlns:a16="http://schemas.microsoft.com/office/drawing/2014/main" id="{67AC3EE9-FB8F-F642-BB10-A468CFF85E6A}"/>
               </a:ext>
             </a:extLst>
           </p:cNvPr>
@@ -3190,7 +3190,7 @@
           <p:cNvPr id="5" name="Date Placeholder 4">
             <a:extLst>
               <a:ext uri="{FF2B5EF4-FFF2-40B4-BE49-F238E27FC236}">
-                <a16:creationId xmlns:a16="http://schemas.microsoft.com/office/drawing/2014/main" xmlns="" id="{0A0EC8A2-C616-8B40-8C9C-A15442358393}"/>
+                <a16:creationId xmlns="" xmlns:a16="http://schemas.microsoft.com/office/drawing/2014/main" id="{0A0EC8A2-C616-8B40-8C9C-A15442358393}"/>
               </a:ext>
             </a:extLst>
           </p:cNvPr>
@@ -3208,7 +3208,7 @@
           <a:p>
             <a:fld id="{BE5295ED-3BAF-1140-8495-3D368771D6B1}" type="datetimeFigureOut">
               <a:rPr lang="en-US" smtClean="0"/>
-              <a:t>2/25/19</a:t>
+              <a:t>11/4/19</a:t>
             </a:fld>
             <a:endParaRPr lang="en-US"/>
           </a:p>
@@ -3219,7 +3219,7 @@
           <p:cNvPr id="6" name="Footer Placeholder 5">
             <a:extLst>
               <a:ext uri="{FF2B5EF4-FFF2-40B4-BE49-F238E27FC236}">
-                <a16:creationId xmlns:a16="http://schemas.microsoft.com/office/drawing/2014/main" xmlns="" id="{AA229EC7-73FC-4D43-8916-C76404AC37DC}"/>
+                <a16:creationId xmlns="" xmlns:a16="http://schemas.microsoft.com/office/drawing/2014/main" id="{AA229EC7-73FC-4D43-8916-C76404AC37DC}"/>
               </a:ext>
             </a:extLst>
           </p:cNvPr>
@@ -3244,7 +3244,7 @@
           <p:cNvPr id="7" name="Slide Number Placeholder 6">
             <a:extLst>
               <a:ext uri="{FF2B5EF4-FFF2-40B4-BE49-F238E27FC236}">
-                <a16:creationId xmlns:a16="http://schemas.microsoft.com/office/drawing/2014/main" xmlns="" id="{D84430E4-67BB-3342-B2B8-DFBE758CFA59}"/>
+                <a16:creationId xmlns="" xmlns:a16="http://schemas.microsoft.com/office/drawing/2014/main" id="{D84430E4-67BB-3342-B2B8-DFBE758CFA59}"/>
               </a:ext>
             </a:extLst>
           </p:cNvPr>
@@ -3308,7 +3308,7 @@
           <p:cNvPr id="2" name="Title Placeholder 1">
             <a:extLst>
               <a:ext uri="{FF2B5EF4-FFF2-40B4-BE49-F238E27FC236}">
-                <a16:creationId xmlns:a16="http://schemas.microsoft.com/office/drawing/2014/main" xmlns="" id="{ED530927-E202-4648-95ED-A701F648A289}"/>
+                <a16:creationId xmlns="" xmlns:a16="http://schemas.microsoft.com/office/drawing/2014/main" id="{ED530927-E202-4648-95ED-A701F648A289}"/>
               </a:ext>
             </a:extLst>
           </p:cNvPr>
@@ -3346,7 +3346,7 @@
           <p:cNvPr id="3" name="Text Placeholder 2">
             <a:extLst>
               <a:ext uri="{FF2B5EF4-FFF2-40B4-BE49-F238E27FC236}">
-                <a16:creationId xmlns:a16="http://schemas.microsoft.com/office/drawing/2014/main" xmlns="" id="{F00E1E3E-B2FE-5A47-8C43-849DE842741B}"/>
+                <a16:creationId xmlns="" xmlns:a16="http://schemas.microsoft.com/office/drawing/2014/main" id="{F00E1E3E-B2FE-5A47-8C43-849DE842741B}"/>
               </a:ext>
             </a:extLst>
           </p:cNvPr>
@@ -3413,7 +3413,7 @@
           <p:cNvPr id="4" name="Date Placeholder 3">
             <a:extLst>
               <a:ext uri="{FF2B5EF4-FFF2-40B4-BE49-F238E27FC236}">
-                <a16:creationId xmlns:a16="http://schemas.microsoft.com/office/drawing/2014/main" xmlns="" id="{A51822C1-C9FC-554F-B744-0FF8DD0A61C0}"/>
+                <a16:creationId xmlns="" xmlns:a16="http://schemas.microsoft.com/office/drawing/2014/main" id="{A51822C1-C9FC-554F-B744-0FF8DD0A61C0}"/>
               </a:ext>
             </a:extLst>
           </p:cNvPr>
@@ -3449,7 +3449,7 @@
           <a:p>
             <a:fld id="{BE5295ED-3BAF-1140-8495-3D368771D6B1}" type="datetimeFigureOut">
               <a:rPr lang="en-US" smtClean="0"/>
-              <a:t>2/25/19</a:t>
+              <a:t>11/4/19</a:t>
             </a:fld>
             <a:endParaRPr lang="en-US"/>
           </a:p>
@@ -3460,7 +3460,7 @@
           <p:cNvPr id="5" name="Footer Placeholder 4">
             <a:extLst>
               <a:ext uri="{FF2B5EF4-FFF2-40B4-BE49-F238E27FC236}">
-                <a16:creationId xmlns:a16="http://schemas.microsoft.com/office/drawing/2014/main" xmlns="" id="{AA4916E3-9D5B-B647-A5DA-A5B78525EFFB}"/>
+                <a16:creationId xmlns="" xmlns:a16="http://schemas.microsoft.com/office/drawing/2014/main" id="{AA4916E3-9D5B-B647-A5DA-A5B78525EFFB}"/>
               </a:ext>
             </a:extLst>
           </p:cNvPr>
@@ -3503,7 +3503,7 @@
           <p:cNvPr id="6" name="Slide Number Placeholder 5">
             <a:extLst>
               <a:ext uri="{FF2B5EF4-FFF2-40B4-BE49-F238E27FC236}">
-                <a16:creationId xmlns:a16="http://schemas.microsoft.com/office/drawing/2014/main" xmlns="" id="{11872E83-B77B-9647-AE80-95985B60F4F0}"/>
+                <a16:creationId xmlns="" xmlns:a16="http://schemas.microsoft.com/office/drawing/2014/main" id="{11872E83-B77B-9647-AE80-95985B60F4F0}"/>
               </a:ext>
             </a:extLst>
           </p:cNvPr>
@@ -3550,7 +3550,7 @@
           <p:cNvPr id="7" name="Picture 6">
             <a:extLst>
               <a:ext uri="{FF2B5EF4-FFF2-40B4-BE49-F238E27FC236}">
-                <a16:creationId xmlns:a16="http://schemas.microsoft.com/office/drawing/2014/main" xmlns="" id="{F0F46825-E66D-B247-B71A-C48424207597}"/>
+                <a16:creationId xmlns="" xmlns:a16="http://schemas.microsoft.com/office/drawing/2014/main" id="{F0F46825-E66D-B247-B71A-C48424207597}"/>
               </a:ext>
             </a:extLst>
           </p:cNvPr>
@@ -3901,7 +3901,7 @@
           <p:cNvPr id="2" name="Title 1">
             <a:extLst>
               <a:ext uri="{FF2B5EF4-FFF2-40B4-BE49-F238E27FC236}">
-                <a16:creationId xmlns:a16="http://schemas.microsoft.com/office/drawing/2014/main" xmlns="" id="{DDB4A5C5-CE37-5241-A9FF-85F98EF1E91E}"/>
+                <a16:creationId xmlns="" xmlns:a16="http://schemas.microsoft.com/office/drawing/2014/main" id="{DDB4A5C5-CE37-5241-A9FF-85F98EF1E91E}"/>
               </a:ext>
             </a:extLst>
           </p:cNvPr>
@@ -3933,7 +3933,7 @@
           <p:cNvPr id="3" name="Subtitle 2">
             <a:extLst>
               <a:ext uri="{FF2B5EF4-FFF2-40B4-BE49-F238E27FC236}">
-                <a16:creationId xmlns:a16="http://schemas.microsoft.com/office/drawing/2014/main" xmlns="" id="{5EF75859-F09F-414F-8571-4D3854CD3C44}"/>
+                <a16:creationId xmlns="" xmlns:a16="http://schemas.microsoft.com/office/drawing/2014/main" id="{5EF75859-F09F-414F-8571-4D3854CD3C44}"/>
               </a:ext>
             </a:extLst>
           </p:cNvPr>
@@ -3966,7 +3966,7 @@
           <p:cNvPr id="5" name="Rectangle 4">
             <a:extLst>
               <a:ext uri="{FF2B5EF4-FFF2-40B4-BE49-F238E27FC236}">
-                <a16:creationId xmlns:a16="http://schemas.microsoft.com/office/drawing/2014/main" xmlns="" id="{39D37F11-0EC0-C645-ADE9-CE8BFDF0B2D4}"/>
+                <a16:creationId xmlns="" xmlns:a16="http://schemas.microsoft.com/office/drawing/2014/main" id="{39D37F11-0EC0-C645-ADE9-CE8BFDF0B2D4}"/>
               </a:ext>
             </a:extLst>
           </p:cNvPr>
@@ -4044,7 +4044,7 @@
           <p:cNvPr id="2" name="Title 1">
             <a:extLst>
               <a:ext uri="{FF2B5EF4-FFF2-40B4-BE49-F238E27FC236}">
-                <a16:creationId xmlns:a16="http://schemas.microsoft.com/office/drawing/2014/main" xmlns="" id="{EAE72307-F0A3-F246-A4C9-C72FD485831F}"/>
+                <a16:creationId xmlns="" xmlns:a16="http://schemas.microsoft.com/office/drawing/2014/main" id="{EAE72307-F0A3-F246-A4C9-C72FD485831F}"/>
               </a:ext>
             </a:extLst>
           </p:cNvPr>
@@ -4085,7 +4085,7 @@
           <p:cNvPr id="3" name="Content Placeholder 2">
             <a:extLst>
               <a:ext uri="{FF2B5EF4-FFF2-40B4-BE49-F238E27FC236}">
-                <a16:creationId xmlns:a16="http://schemas.microsoft.com/office/drawing/2014/main" xmlns="" id="{CF58338C-C6C8-294D-89F7-36D43D1B1631}"/>
+                <a16:creationId xmlns="" xmlns:a16="http://schemas.microsoft.com/office/drawing/2014/main" id="{CF58338C-C6C8-294D-89F7-36D43D1B1631}"/>
               </a:ext>
             </a:extLst>
           </p:cNvPr>
@@ -4123,7 +4123,7 @@
           <p:cNvPr id="5" name="Rectangle 4">
             <a:extLst>
               <a:ext uri="{FF2B5EF4-FFF2-40B4-BE49-F238E27FC236}">
-                <a16:creationId xmlns:a16="http://schemas.microsoft.com/office/drawing/2014/main" xmlns="" id="{5541B33F-3D79-7A45-AAD5-2AEE55FE1C53}"/>
+                <a16:creationId xmlns="" xmlns:a16="http://schemas.microsoft.com/office/drawing/2014/main" id="{5541B33F-3D79-7A45-AAD5-2AEE55FE1C53}"/>
               </a:ext>
             </a:extLst>
           </p:cNvPr>
@@ -4178,7 +4178,7 @@
           <p:cNvPr id="8" name="Picture 7">
             <a:extLst>
               <a:ext uri="{FF2B5EF4-FFF2-40B4-BE49-F238E27FC236}">
-                <a16:creationId xmlns:a16="http://schemas.microsoft.com/office/drawing/2014/main" xmlns="" id="{C4B37E53-FE07-4247-8265-F3599A6BFE77}"/>
+                <a16:creationId xmlns="" xmlns:a16="http://schemas.microsoft.com/office/drawing/2014/main" id="{C4B37E53-FE07-4247-8265-F3599A6BFE77}"/>
               </a:ext>
             </a:extLst>
           </p:cNvPr>
@@ -4208,7 +4208,7 @@
           <p:cNvPr id="9" name="TextBox 8">
             <a:extLst>
               <a:ext uri="{FF2B5EF4-FFF2-40B4-BE49-F238E27FC236}">
-                <a16:creationId xmlns:a16="http://schemas.microsoft.com/office/drawing/2014/main" xmlns="" id="{B9D469A2-660F-3D45-AFA7-7168560CCB8E}"/>
+                <a16:creationId xmlns="" xmlns:a16="http://schemas.microsoft.com/office/drawing/2014/main" id="{B9D469A2-660F-3D45-AFA7-7168560CCB8E}"/>
               </a:ext>
             </a:extLst>
           </p:cNvPr>
@@ -4413,6 +4413,13 @@
   <p:clrMapOvr>
     <a:masterClrMapping/>
   </p:clrMapOvr>
+  <p:timing>
+    <p:tnLst>
+      <p:par>
+        <p:cTn id="1" dur="indefinite" restart="never" nodeType="tmRoot"/>
+      </p:par>
+    </p:tnLst>
+  </p:timing>
 </p:sld>
 </file>
 
@@ -4438,7 +4445,7 @@
           <p:cNvPr id="2" name="Title 1">
             <a:extLst>
               <a:ext uri="{FF2B5EF4-FFF2-40B4-BE49-F238E27FC236}">
-                <a16:creationId xmlns:a16="http://schemas.microsoft.com/office/drawing/2014/main" xmlns="" id="{8ED93FDD-7934-4E40-A163-AB384FB63A32}"/>
+                <a16:creationId xmlns="" xmlns:a16="http://schemas.microsoft.com/office/drawing/2014/main" id="{8ED93FDD-7934-4E40-A163-AB384FB63A32}"/>
               </a:ext>
             </a:extLst>
           </p:cNvPr>
@@ -4466,7 +4473,7 @@
           <p:cNvPr id="3" name="Content Placeholder 2">
             <a:extLst>
               <a:ext uri="{FF2B5EF4-FFF2-40B4-BE49-F238E27FC236}">
-                <a16:creationId xmlns:a16="http://schemas.microsoft.com/office/drawing/2014/main" xmlns="" id="{79B023F9-519C-E64B-9569-6057414B47B0}"/>
+                <a16:creationId xmlns="" xmlns:a16="http://schemas.microsoft.com/office/drawing/2014/main" id="{79B023F9-519C-E64B-9569-6057414B47B0}"/>
               </a:ext>
             </a:extLst>
           </p:cNvPr>
@@ -4502,7 +4509,7 @@
           <p:cNvPr id="4" name="TextBox 3">
             <a:extLst>
               <a:ext uri="{FF2B5EF4-FFF2-40B4-BE49-F238E27FC236}">
-                <a16:creationId xmlns:a16="http://schemas.microsoft.com/office/drawing/2014/main" xmlns="" id="{F9A960AF-A022-814B-8DD8-5D00D98DE247}"/>
+                <a16:creationId xmlns="" xmlns:a16="http://schemas.microsoft.com/office/drawing/2014/main" id="{F9A960AF-A022-814B-8DD8-5D00D98DE247}"/>
               </a:ext>
             </a:extLst>
           </p:cNvPr>
@@ -4706,7 +4713,7 @@
           <p:cNvPr id="5" name="TextBox 4">
             <a:extLst>
               <a:ext uri="{FF2B5EF4-FFF2-40B4-BE49-F238E27FC236}">
-                <a16:creationId xmlns:a16="http://schemas.microsoft.com/office/drawing/2014/main" xmlns="" id="{C3FB2FFF-DEF2-1142-B192-1951F3C9926F}"/>
+                <a16:creationId xmlns="" xmlns:a16="http://schemas.microsoft.com/office/drawing/2014/main" id="{C3FB2FFF-DEF2-1142-B192-1951F3C9926F}"/>
               </a:ext>
             </a:extLst>
           </p:cNvPr>
@@ -4906,7 +4913,7 @@
           <p:cNvPr id="6" name="TextBox 5">
             <a:extLst>
               <a:ext uri="{FF2B5EF4-FFF2-40B4-BE49-F238E27FC236}">
-                <a16:creationId xmlns:a16="http://schemas.microsoft.com/office/drawing/2014/main" xmlns="" id="{69EE4EAC-4B7A-154C-947E-A26E42D666E8}"/>
+                <a16:creationId xmlns="" xmlns:a16="http://schemas.microsoft.com/office/drawing/2014/main" id="{69EE4EAC-4B7A-154C-947E-A26E42D666E8}"/>
               </a:ext>
             </a:extLst>
           </p:cNvPr>
@@ -4941,7 +4948,7 @@
           <p:cNvPr id="7" name="TextBox 6">
             <a:extLst>
               <a:ext uri="{FF2B5EF4-FFF2-40B4-BE49-F238E27FC236}">
-                <a16:creationId xmlns:a16="http://schemas.microsoft.com/office/drawing/2014/main" xmlns="" id="{3BA83E13-0EC4-0243-8892-224BF3C0B7C4}"/>
+                <a16:creationId xmlns="" xmlns:a16="http://schemas.microsoft.com/office/drawing/2014/main" id="{3BA83E13-0EC4-0243-8892-224BF3C0B7C4}"/>
               </a:ext>
             </a:extLst>
           </p:cNvPr>
@@ -5006,7 +5013,7 @@
           <p:cNvPr id="2" name="Title 1">
             <a:extLst>
               <a:ext uri="{FF2B5EF4-FFF2-40B4-BE49-F238E27FC236}">
-                <a16:creationId xmlns:a16="http://schemas.microsoft.com/office/drawing/2014/main" xmlns="" id="{FDAF5562-A444-CF4E-B23D-7623228EA43C}"/>
+                <a16:creationId xmlns="" xmlns:a16="http://schemas.microsoft.com/office/drawing/2014/main" id="{FDAF5562-A444-CF4E-B23D-7623228EA43C}"/>
               </a:ext>
             </a:extLst>
           </p:cNvPr>
@@ -5034,7 +5041,7 @@
           <p:cNvPr id="3" name="Content Placeholder 2">
             <a:extLst>
               <a:ext uri="{FF2B5EF4-FFF2-40B4-BE49-F238E27FC236}">
-                <a16:creationId xmlns:a16="http://schemas.microsoft.com/office/drawing/2014/main" xmlns="" id="{7971D18F-9104-CD43-8A7E-913F8568A828}"/>
+                <a16:creationId xmlns="" xmlns:a16="http://schemas.microsoft.com/office/drawing/2014/main" id="{7971D18F-9104-CD43-8A7E-913F8568A828}"/>
               </a:ext>
             </a:extLst>
           </p:cNvPr>
@@ -5080,7 +5087,7 @@
           <p:cNvPr id="4" name="Rectangle 3">
             <a:extLst>
               <a:ext uri="{FF2B5EF4-FFF2-40B4-BE49-F238E27FC236}">
-                <a16:creationId xmlns:a16="http://schemas.microsoft.com/office/drawing/2014/main" xmlns="" id="{FB6878FE-48C9-114D-AD67-B2A92793F309}"/>
+                <a16:creationId xmlns="" xmlns:a16="http://schemas.microsoft.com/office/drawing/2014/main" id="{FB6878FE-48C9-114D-AD67-B2A92793F309}"/>
               </a:ext>
             </a:extLst>
           </p:cNvPr>
@@ -5135,7 +5142,7 @@
           <p:cNvPr id="5" name="TextBox 4">
             <a:extLst>
               <a:ext uri="{FF2B5EF4-FFF2-40B4-BE49-F238E27FC236}">
-                <a16:creationId xmlns:a16="http://schemas.microsoft.com/office/drawing/2014/main" xmlns="" id="{5E0D579F-9116-314E-A31B-3D37BB7398D6}"/>
+                <a16:creationId xmlns="" xmlns:a16="http://schemas.microsoft.com/office/drawing/2014/main" id="{5E0D579F-9116-314E-A31B-3D37BB7398D6}"/>
               </a:ext>
             </a:extLst>
           </p:cNvPr>
@@ -5339,7 +5346,7 @@
           <p:cNvPr id="2" name="Title 1">
             <a:extLst>
               <a:ext uri="{FF2B5EF4-FFF2-40B4-BE49-F238E27FC236}">
-                <a16:creationId xmlns:a16="http://schemas.microsoft.com/office/drawing/2014/main" xmlns="" id="{A28C248F-1DBF-8444-B7E1-A5C580E64CAD}"/>
+                <a16:creationId xmlns="" xmlns:a16="http://schemas.microsoft.com/office/drawing/2014/main" id="{A28C248F-1DBF-8444-B7E1-A5C580E64CAD}"/>
               </a:ext>
             </a:extLst>
           </p:cNvPr>
@@ -5371,7 +5378,7 @@
           <p:cNvPr id="5" name="Picture 4">
             <a:extLst>
               <a:ext uri="{FF2B5EF4-FFF2-40B4-BE49-F238E27FC236}">
-                <a16:creationId xmlns:a16="http://schemas.microsoft.com/office/drawing/2014/main" xmlns="" id="{1792B99B-6506-2E43-A5C8-14B7064BB21C}"/>
+                <a16:creationId xmlns="" xmlns:a16="http://schemas.microsoft.com/office/drawing/2014/main" id="{1792B99B-6506-2E43-A5C8-14B7064BB21C}"/>
               </a:ext>
             </a:extLst>
           </p:cNvPr>
@@ -5401,7 +5408,7 @@
           <p:cNvPr id="6" name="TextBox 5">
             <a:extLst>
               <a:ext uri="{FF2B5EF4-FFF2-40B4-BE49-F238E27FC236}">
-                <a16:creationId xmlns:a16="http://schemas.microsoft.com/office/drawing/2014/main" xmlns="" id="{353E74A1-D948-4C47-B6C7-43C654E6D4A9}"/>
+                <a16:creationId xmlns="" xmlns:a16="http://schemas.microsoft.com/office/drawing/2014/main" id="{353E74A1-D948-4C47-B6C7-43C654E6D4A9}"/>
               </a:ext>
             </a:extLst>
           </p:cNvPr>
@@ -5576,7 +5583,7 @@
           <p:cNvPr id="7" name="TextBox 6">
             <a:extLst>
               <a:ext uri="{FF2B5EF4-FFF2-40B4-BE49-F238E27FC236}">
-                <a16:creationId xmlns:a16="http://schemas.microsoft.com/office/drawing/2014/main" xmlns="" id="{D71F8171-1B83-C549-BA34-BF89159BCF31}"/>
+                <a16:creationId xmlns="" xmlns:a16="http://schemas.microsoft.com/office/drawing/2014/main" id="{D71F8171-1B83-C549-BA34-BF89159BCF31}"/>
               </a:ext>
             </a:extLst>
           </p:cNvPr>
@@ -5783,7 +5790,7 @@
           <p:cNvPr id="3" name="TextBox 2">
             <a:extLst>
               <a:ext uri="{FF2B5EF4-FFF2-40B4-BE49-F238E27FC236}">
-                <a16:creationId xmlns:a16="http://schemas.microsoft.com/office/drawing/2014/main" xmlns="" id="{F7062F48-5902-1540-A51C-A2CF700930C9}"/>
+                <a16:creationId xmlns="" xmlns:a16="http://schemas.microsoft.com/office/drawing/2014/main" id="{F7062F48-5902-1540-A51C-A2CF700930C9}"/>
               </a:ext>
             </a:extLst>
           </p:cNvPr>
@@ -5848,7 +5855,7 @@
           <p:cNvPr id="2" name="Title 1">
             <a:extLst>
               <a:ext uri="{FF2B5EF4-FFF2-40B4-BE49-F238E27FC236}">
-                <a16:creationId xmlns:a16="http://schemas.microsoft.com/office/drawing/2014/main" xmlns="" id="{0F18A787-0CC6-3D4D-9B6F-E8F74CF230E8}"/>
+                <a16:creationId xmlns="" xmlns:a16="http://schemas.microsoft.com/office/drawing/2014/main" id="{0F18A787-0CC6-3D4D-9B6F-E8F74CF230E8}"/>
               </a:ext>
             </a:extLst>
           </p:cNvPr>
@@ -5880,7 +5887,7 @@
           <p:cNvPr id="3" name="Content Placeholder 2">
             <a:extLst>
               <a:ext uri="{FF2B5EF4-FFF2-40B4-BE49-F238E27FC236}">
-                <a16:creationId xmlns:a16="http://schemas.microsoft.com/office/drawing/2014/main" xmlns="" id="{B2182F01-0003-DC46-8EBF-C32D4B61CDFB}"/>
+                <a16:creationId xmlns="" xmlns:a16="http://schemas.microsoft.com/office/drawing/2014/main" id="{B2182F01-0003-DC46-8EBF-C32D4B61CDFB}"/>
               </a:ext>
             </a:extLst>
           </p:cNvPr>
@@ -5950,7 +5957,7 @@
           <p:cNvPr id="4" name="TextBox 3">
             <a:extLst>
               <a:ext uri="{FF2B5EF4-FFF2-40B4-BE49-F238E27FC236}">
-                <a16:creationId xmlns:a16="http://schemas.microsoft.com/office/drawing/2014/main" xmlns="" id="{15368C9B-01DB-BD48-B437-681E9C29166D}"/>
+                <a16:creationId xmlns="" xmlns:a16="http://schemas.microsoft.com/office/drawing/2014/main" id="{15368C9B-01DB-BD48-B437-681E9C29166D}"/>
               </a:ext>
             </a:extLst>
           </p:cNvPr>
@@ -6158,7 +6165,7 @@
           <p:cNvPr id="2" name="Title 1">
             <a:extLst>
               <a:ext uri="{FF2B5EF4-FFF2-40B4-BE49-F238E27FC236}">
-                <a16:creationId xmlns:a16="http://schemas.microsoft.com/office/drawing/2014/main" xmlns="" id="{09BF4226-D458-3D42-8613-ED818265D961}"/>
+                <a16:creationId xmlns="" xmlns:a16="http://schemas.microsoft.com/office/drawing/2014/main" id="{09BF4226-D458-3D42-8613-ED818265D961}"/>
               </a:ext>
             </a:extLst>
           </p:cNvPr>
@@ -6186,7 +6193,7 @@
           <p:cNvPr id="3" name="Content Placeholder 2">
             <a:extLst>
               <a:ext uri="{FF2B5EF4-FFF2-40B4-BE49-F238E27FC236}">
-                <a16:creationId xmlns:a16="http://schemas.microsoft.com/office/drawing/2014/main" xmlns="" id="{1B5D9D48-79D8-E441-87C9-BCC04ED39A68}"/>
+                <a16:creationId xmlns="" xmlns:a16="http://schemas.microsoft.com/office/drawing/2014/main" id="{1B5D9D48-79D8-E441-87C9-BCC04ED39A68}"/>
               </a:ext>
             </a:extLst>
           </p:cNvPr>
@@ -6282,7 +6289,7 @@
           <p:cNvPr id="2" name="Title 1">
             <a:extLst>
               <a:ext uri="{FF2B5EF4-FFF2-40B4-BE49-F238E27FC236}">
-                <a16:creationId xmlns:a16="http://schemas.microsoft.com/office/drawing/2014/main" xmlns="" id="{28E269BC-FCD0-3641-BD6D-5B96C2417018}"/>
+                <a16:creationId xmlns="" xmlns:a16="http://schemas.microsoft.com/office/drawing/2014/main" id="{28E269BC-FCD0-3641-BD6D-5B96C2417018}"/>
               </a:ext>
             </a:extLst>
           </p:cNvPr>
@@ -6310,7 +6317,7 @@
           <p:cNvPr id="3" name="Content Placeholder 2">
             <a:extLst>
               <a:ext uri="{FF2B5EF4-FFF2-40B4-BE49-F238E27FC236}">
-                <a16:creationId xmlns:a16="http://schemas.microsoft.com/office/drawing/2014/main" xmlns="" id="{011453FF-9B1C-204B-BAC3-7506D02A781A}"/>
+                <a16:creationId xmlns="" xmlns:a16="http://schemas.microsoft.com/office/drawing/2014/main" id="{011453FF-9B1C-204B-BAC3-7506D02A781A}"/>
               </a:ext>
             </a:extLst>
           </p:cNvPr>
@@ -6385,7 +6392,7 @@
           <p:cNvPr id="2" name="Title 1">
             <a:extLst>
               <a:ext uri="{FF2B5EF4-FFF2-40B4-BE49-F238E27FC236}">
-                <a16:creationId xmlns:a16="http://schemas.microsoft.com/office/drawing/2014/main" xmlns="" id="{FF8506A6-6CDE-B54B-9108-A30781BCE3D9}"/>
+                <a16:creationId xmlns="" xmlns:a16="http://schemas.microsoft.com/office/drawing/2014/main" id="{FF8506A6-6CDE-B54B-9108-A30781BCE3D9}"/>
               </a:ext>
             </a:extLst>
           </p:cNvPr>
@@ -6413,7 +6420,7 @@
           <p:cNvPr id="3" name="Content Placeholder 2">
             <a:extLst>
               <a:ext uri="{FF2B5EF4-FFF2-40B4-BE49-F238E27FC236}">
-                <a16:creationId xmlns:a16="http://schemas.microsoft.com/office/drawing/2014/main" xmlns="" id="{3DB339B0-94C7-4948-9636-DE5F04B24B16}"/>
+                <a16:creationId xmlns="" xmlns:a16="http://schemas.microsoft.com/office/drawing/2014/main" id="{3DB339B0-94C7-4948-9636-DE5F04B24B16}"/>
               </a:ext>
             </a:extLst>
           </p:cNvPr>
@@ -6549,7 +6556,7 @@
           <p:cNvPr id="2" name="Title 1">
             <a:extLst>
               <a:ext uri="{FF2B5EF4-FFF2-40B4-BE49-F238E27FC236}">
-                <a16:creationId xmlns:a16="http://schemas.microsoft.com/office/drawing/2014/main" xmlns="" id="{E14FDE9A-3A4F-124B-867E-50089B53940C}"/>
+                <a16:creationId xmlns="" xmlns:a16="http://schemas.microsoft.com/office/drawing/2014/main" id="{E14FDE9A-3A4F-124B-867E-50089B53940C}"/>
               </a:ext>
             </a:extLst>
           </p:cNvPr>
@@ -6577,7 +6584,7 @@
           <p:cNvPr id="3" name="Content Placeholder 2">
             <a:extLst>
               <a:ext uri="{FF2B5EF4-FFF2-40B4-BE49-F238E27FC236}">
-                <a16:creationId xmlns:a16="http://schemas.microsoft.com/office/drawing/2014/main" xmlns="" id="{A521CDE9-CFA6-FE40-9AD8-60945829AFD1}"/>
+                <a16:creationId xmlns="" xmlns:a16="http://schemas.microsoft.com/office/drawing/2014/main" id="{A521CDE9-CFA6-FE40-9AD8-60945829AFD1}"/>
               </a:ext>
             </a:extLst>
           </p:cNvPr>
@@ -6605,7 +6612,7 @@
           <p:cNvPr id="4" name="TextBox 3">
             <a:extLst>
               <a:ext uri="{FF2B5EF4-FFF2-40B4-BE49-F238E27FC236}">
-                <a16:creationId xmlns:a16="http://schemas.microsoft.com/office/drawing/2014/main" xmlns="" id="{7EA51DEE-4B36-8844-9444-48364D4297AC}"/>
+                <a16:creationId xmlns="" xmlns:a16="http://schemas.microsoft.com/office/drawing/2014/main" id="{7EA51DEE-4B36-8844-9444-48364D4297AC}"/>
               </a:ext>
             </a:extLst>
           </p:cNvPr>
@@ -6759,7 +6766,7 @@
           <p:cNvPr id="5" name="TextBox 4">
             <a:extLst>
               <a:ext uri="{FF2B5EF4-FFF2-40B4-BE49-F238E27FC236}">
-                <a16:creationId xmlns:a16="http://schemas.microsoft.com/office/drawing/2014/main" xmlns="" id="{4FD3EEFC-CAFF-4A42-AF0E-378D9B81AF1D}"/>
+                <a16:creationId xmlns="" xmlns:a16="http://schemas.microsoft.com/office/drawing/2014/main" id="{4FD3EEFC-CAFF-4A42-AF0E-378D9B81AF1D}"/>
               </a:ext>
             </a:extLst>
           </p:cNvPr>
@@ -6843,7 +6850,7 @@
           <p:cNvPr id="6" name="TextBox 5">
             <a:extLst>
               <a:ext uri="{FF2B5EF4-FFF2-40B4-BE49-F238E27FC236}">
-                <a16:creationId xmlns:a16="http://schemas.microsoft.com/office/drawing/2014/main" xmlns="" id="{F22DB4C6-F659-DD44-A076-965D496EF053}"/>
+                <a16:creationId xmlns="" xmlns:a16="http://schemas.microsoft.com/office/drawing/2014/main" id="{F22DB4C6-F659-DD44-A076-965D496EF053}"/>
               </a:ext>
             </a:extLst>
           </p:cNvPr>
@@ -7043,7 +7050,7 @@
           <p:cNvPr id="2" name="Title 1">
             <a:extLst>
               <a:ext uri="{FF2B5EF4-FFF2-40B4-BE49-F238E27FC236}">
-                <a16:creationId xmlns:a16="http://schemas.microsoft.com/office/drawing/2014/main" xmlns="" id="{FE902CBB-3193-BF4D-BD39-E930CA1BC776}"/>
+                <a16:creationId xmlns="" xmlns:a16="http://schemas.microsoft.com/office/drawing/2014/main" id="{FE902CBB-3193-BF4D-BD39-E930CA1BC776}"/>
               </a:ext>
             </a:extLst>
           </p:cNvPr>
@@ -7075,7 +7082,7 @@
           <p:cNvPr id="3" name="Content Placeholder 2">
             <a:extLst>
               <a:ext uri="{FF2B5EF4-FFF2-40B4-BE49-F238E27FC236}">
-                <a16:creationId xmlns:a16="http://schemas.microsoft.com/office/drawing/2014/main" xmlns="" id="{6E9365B4-5962-9245-A2A7-FC3EF24714D0}"/>
+                <a16:creationId xmlns="" xmlns:a16="http://schemas.microsoft.com/office/drawing/2014/main" id="{6E9365B4-5962-9245-A2A7-FC3EF24714D0}"/>
               </a:ext>
             </a:extLst>
           </p:cNvPr>
@@ -7139,7 +7146,7 @@
           <p:cNvPr id="6" name="TextBox 5">
             <a:extLst>
               <a:ext uri="{FF2B5EF4-FFF2-40B4-BE49-F238E27FC236}">
-                <a16:creationId xmlns:a16="http://schemas.microsoft.com/office/drawing/2014/main" xmlns="" id="{5C0F2C5E-76E4-6048-A43C-88465D30CCC7}"/>
+                <a16:creationId xmlns="" xmlns:a16="http://schemas.microsoft.com/office/drawing/2014/main" id="{5C0F2C5E-76E4-6048-A43C-88465D30CCC7}"/>
               </a:ext>
             </a:extLst>
           </p:cNvPr>
@@ -7324,7 +7331,7 @@
           <p:cNvPr id="2" name="Title 1">
             <a:extLst>
               <a:ext uri="{FF2B5EF4-FFF2-40B4-BE49-F238E27FC236}">
-                <a16:creationId xmlns:a16="http://schemas.microsoft.com/office/drawing/2014/main" xmlns="" id="{89ABC71F-B710-B64E-B1B9-5FAD28A0D576}"/>
+                <a16:creationId xmlns="" xmlns:a16="http://schemas.microsoft.com/office/drawing/2014/main" id="{89ABC71F-B710-B64E-B1B9-5FAD28A0D576}"/>
               </a:ext>
             </a:extLst>
           </p:cNvPr>
@@ -7352,7 +7359,7 @@
           <p:cNvPr id="3" name="Content Placeholder 2">
             <a:extLst>
               <a:ext uri="{FF2B5EF4-FFF2-40B4-BE49-F238E27FC236}">
-                <a16:creationId xmlns:a16="http://schemas.microsoft.com/office/drawing/2014/main" xmlns="" id="{7CDD4592-341E-E14F-8B86-BD6F41EA6AD3}"/>
+                <a16:creationId xmlns="" xmlns:a16="http://schemas.microsoft.com/office/drawing/2014/main" id="{7CDD4592-341E-E14F-8B86-BD6F41EA6AD3}"/>
               </a:ext>
             </a:extLst>
           </p:cNvPr>
@@ -7403,7 +7410,7 @@
           <p:cNvPr id="4" name="Rectangle 3">
             <a:extLst>
               <a:ext uri="{FF2B5EF4-FFF2-40B4-BE49-F238E27FC236}">
-                <a16:creationId xmlns:a16="http://schemas.microsoft.com/office/drawing/2014/main" xmlns="" id="{E0C10E6F-C3F9-4D4E-BE34-C9D81B47AE8E}"/>
+                <a16:creationId xmlns="" xmlns:a16="http://schemas.microsoft.com/office/drawing/2014/main" id="{E0C10E6F-C3F9-4D4E-BE34-C9D81B47AE8E}"/>
               </a:ext>
             </a:extLst>
           </p:cNvPr>
@@ -7458,7 +7465,7 @@
           <p:cNvPr id="5" name="TextBox 4">
             <a:extLst>
               <a:ext uri="{FF2B5EF4-FFF2-40B4-BE49-F238E27FC236}">
-                <a16:creationId xmlns:a16="http://schemas.microsoft.com/office/drawing/2014/main" xmlns="" id="{0974B5D0-B1E2-304D-BA76-F7E99E809E62}"/>
+                <a16:creationId xmlns="" xmlns:a16="http://schemas.microsoft.com/office/drawing/2014/main" id="{0974B5D0-B1E2-304D-BA76-F7E99E809E62}"/>
               </a:ext>
             </a:extLst>
           </p:cNvPr>
@@ -7652,7 +7659,7 @@
           <p:cNvPr id="2" name="Title 1">
             <a:extLst>
               <a:ext uri="{FF2B5EF4-FFF2-40B4-BE49-F238E27FC236}">
-                <a16:creationId xmlns:a16="http://schemas.microsoft.com/office/drawing/2014/main" xmlns="" id="{60D3DC2E-871E-744E-86E0-8032D47C69E9}"/>
+                <a16:creationId xmlns="" xmlns:a16="http://schemas.microsoft.com/office/drawing/2014/main" id="{60D3DC2E-871E-744E-86E0-8032D47C69E9}"/>
               </a:ext>
             </a:extLst>
           </p:cNvPr>
@@ -7680,7 +7687,7 @@
           <p:cNvPr id="3" name="Content Placeholder 2">
             <a:extLst>
               <a:ext uri="{FF2B5EF4-FFF2-40B4-BE49-F238E27FC236}">
-                <a16:creationId xmlns:a16="http://schemas.microsoft.com/office/drawing/2014/main" xmlns="" id="{1F8D8982-1CDC-5948-B25B-15E1D31B41F1}"/>
+                <a16:creationId xmlns="" xmlns:a16="http://schemas.microsoft.com/office/drawing/2014/main" id="{1F8D8982-1CDC-5948-B25B-15E1D31B41F1}"/>
               </a:ext>
             </a:extLst>
           </p:cNvPr>
@@ -7720,7 +7727,7 @@
           <p:cNvPr id="6" name="TextBox 5">
             <a:extLst>
               <a:ext uri="{FF2B5EF4-FFF2-40B4-BE49-F238E27FC236}">
-                <a16:creationId xmlns:a16="http://schemas.microsoft.com/office/drawing/2014/main" xmlns="" id="{489A34D9-44B3-0243-BBF9-5E2AF6580C02}"/>
+                <a16:creationId xmlns="" xmlns:a16="http://schemas.microsoft.com/office/drawing/2014/main" id="{489A34D9-44B3-0243-BBF9-5E2AF6580C02}"/>
               </a:ext>
             </a:extLst>
           </p:cNvPr>
@@ -7927,7 +7934,7 @@
           <p:cNvPr id="7" name="TextBox 6">
             <a:extLst>
               <a:ext uri="{FF2B5EF4-FFF2-40B4-BE49-F238E27FC236}">
-                <a16:creationId xmlns:a16="http://schemas.microsoft.com/office/drawing/2014/main" xmlns="" id="{A2B505F6-043A-1D43-B41B-FB41BC4E2AC1}"/>
+                <a16:creationId xmlns="" xmlns:a16="http://schemas.microsoft.com/office/drawing/2014/main" id="{A2B505F6-043A-1D43-B41B-FB41BC4E2AC1}"/>
               </a:ext>
             </a:extLst>
           </p:cNvPr>
@@ -8142,7 +8149,7 @@
           <p:cNvPr id="8" name="Picture 7">
             <a:extLst>
               <a:ext uri="{FF2B5EF4-FFF2-40B4-BE49-F238E27FC236}">
-                <a16:creationId xmlns:a16="http://schemas.microsoft.com/office/drawing/2014/main" xmlns="" id="{95D83D3B-BADF-1C40-8734-3F2D4535B16F}"/>
+                <a16:creationId xmlns="" xmlns:a16="http://schemas.microsoft.com/office/drawing/2014/main" id="{95D83D3B-BADF-1C40-8734-3F2D4535B16F}"/>
               </a:ext>
             </a:extLst>
           </p:cNvPr>
@@ -8202,7 +8209,7 @@
           <p:cNvPr id="2" name="Title 1">
             <a:extLst>
               <a:ext uri="{FF2B5EF4-FFF2-40B4-BE49-F238E27FC236}">
-                <a16:creationId xmlns:a16="http://schemas.microsoft.com/office/drawing/2014/main" xmlns="" id="{3DA46104-BABD-8643-B0F8-4FD1F89D7951}"/>
+                <a16:creationId xmlns="" xmlns:a16="http://schemas.microsoft.com/office/drawing/2014/main" id="{3DA46104-BABD-8643-B0F8-4FD1F89D7951}"/>
               </a:ext>
             </a:extLst>
           </p:cNvPr>
@@ -8230,7 +8237,7 @@
           <p:cNvPr id="5" name="Content Placeholder 4">
             <a:extLst>
               <a:ext uri="{FF2B5EF4-FFF2-40B4-BE49-F238E27FC236}">
-                <a16:creationId xmlns:a16="http://schemas.microsoft.com/office/drawing/2014/main" xmlns="" id="{C41E703E-A041-ED4A-BA35-1CBA9C435792}"/>
+                <a16:creationId xmlns="" xmlns:a16="http://schemas.microsoft.com/office/drawing/2014/main" id="{C41E703E-A041-ED4A-BA35-1CBA9C435792}"/>
               </a:ext>
             </a:extLst>
           </p:cNvPr>
@@ -8259,7 +8266,7 @@
           <p:cNvPr id="6" name="TextBox 5">
             <a:extLst>
               <a:ext uri="{FF2B5EF4-FFF2-40B4-BE49-F238E27FC236}">
-                <a16:creationId xmlns:a16="http://schemas.microsoft.com/office/drawing/2014/main" xmlns="" id="{07E7CE28-6AF4-4249-A47B-F2A8E1161A5F}"/>
+                <a16:creationId xmlns="" xmlns:a16="http://schemas.microsoft.com/office/drawing/2014/main" id="{07E7CE28-6AF4-4249-A47B-F2A8E1161A5F}"/>
               </a:ext>
             </a:extLst>
           </p:cNvPr>
@@ -8410,6 +8417,35 @@
           </a:p>
         </p:txBody>
       </p:sp>
+      <p:sp>
+        <p:nvSpPr>
+          <p:cNvPr id="7" name="TextBox 6"/>
+          <p:cNvSpPr txBox="1"/>
+          <p:nvPr/>
+        </p:nvSpPr>
+        <p:spPr>
+          <a:xfrm>
+            <a:off x="925552" y="6205834"/>
+            <a:ext cx="4362092" cy="461665"/>
+          </a:xfrm>
+          <a:prstGeom prst="rect">
+            <a:avLst/>
+          </a:prstGeom>
+          <a:noFill/>
+        </p:spPr>
+        <p:txBody>
+          <a:bodyPr wrap="none" rtlCol="0">
+            <a:spAutoFit/>
+          </a:bodyPr>
+          <a:lstStyle/>
+          <a:p>
+            <a:r>
+              <a:rPr lang="en-US" sz="2400" dirty="0"/>
+              <a:t>Exhaustive search of all nodes</a:t>
+            </a:r>
+          </a:p>
+        </p:txBody>
+      </p:sp>
     </p:spTree>
     <p:extLst>
       <p:ext uri="{BB962C8B-B14F-4D97-AF65-F5344CB8AC3E}">
@@ -8420,6 +8456,13 @@
   <p:clrMapOvr>
     <a:masterClrMapping/>
   </p:clrMapOvr>
+  <p:timing>
+    <p:tnLst>
+      <p:par>
+        <p:cTn id="1" dur="indefinite" restart="never" nodeType="tmRoot"/>
+      </p:par>
+    </p:tnLst>
+  </p:timing>
 </p:sld>
 </file>
 
@@ -8445,7 +8488,7 @@
           <p:cNvPr id="2" name="Title 1">
             <a:extLst>
               <a:ext uri="{FF2B5EF4-FFF2-40B4-BE49-F238E27FC236}">
-                <a16:creationId xmlns:a16="http://schemas.microsoft.com/office/drawing/2014/main" xmlns="" id="{AF8FCCB1-9CF0-064B-AAD9-7D75DBBA0C06}"/>
+                <a16:creationId xmlns="" xmlns:a16="http://schemas.microsoft.com/office/drawing/2014/main" id="{AF8FCCB1-9CF0-064B-AAD9-7D75DBBA0C06}"/>
               </a:ext>
             </a:extLst>
           </p:cNvPr>
@@ -8477,7 +8520,7 @@
           <p:cNvPr id="3" name="Content Placeholder 2">
             <a:extLst>
               <a:ext uri="{FF2B5EF4-FFF2-40B4-BE49-F238E27FC236}">
-                <a16:creationId xmlns:a16="http://schemas.microsoft.com/office/drawing/2014/main" xmlns="" id="{67465B82-072D-2149-AFDA-E7AA5817C5DF}"/>
+                <a16:creationId xmlns="" xmlns:a16="http://schemas.microsoft.com/office/drawing/2014/main" id="{67465B82-072D-2149-AFDA-E7AA5817C5DF}"/>
               </a:ext>
             </a:extLst>
           </p:cNvPr>
@@ -8588,10 +8631,10 @@
       </p:sp>
       <p:sp>
         <p:nvSpPr>
-          <p:cNvPr id="4" name="TextBox 3">
-            <a:extLst>
-              <a:ext uri="{FF2B5EF4-FFF2-40B4-BE49-F238E27FC236}">
-                <a16:creationId xmlns:a16="http://schemas.microsoft.com/office/drawing/2014/main" xmlns="" id="{4130125C-DF0D-9A4F-8BCB-5E47F824ED9B}"/>
+          <p:cNvPr id="5" name="TextBox 4">
+            <a:extLst>
+              <a:ext uri="{FF2B5EF4-FFF2-40B4-BE49-F238E27FC236}">
+                <a16:creationId xmlns="" xmlns:a16="http://schemas.microsoft.com/office/drawing/2014/main" id="{D1764F08-D874-EF40-B858-1FC7B8F0D234}"/>
               </a:ext>
             </a:extLst>
           </p:cNvPr>
@@ -8600,8 +8643,51 @@
         </p:nvSpPr>
         <p:spPr>
           <a:xfrm>
-            <a:off x="1540793" y="3216012"/>
-            <a:ext cx="8696755" cy="2123658"/>
+            <a:off x="1540793" y="5715298"/>
+            <a:ext cx="4181786" cy="461665"/>
+          </a:xfrm>
+          <a:prstGeom prst="rect">
+            <a:avLst/>
+          </a:prstGeom>
+          <a:noFill/>
+        </p:spPr>
+        <p:txBody>
+          <a:bodyPr wrap="none" rtlCol="0">
+            <a:spAutoFit/>
+          </a:bodyPr>
+          <a:lstStyle/>
+          <a:p>
+            <a:r>
+              <a:rPr lang="en-US" sz="2400" dirty="0"/>
+              <a:t>What is T(n) for </a:t>
+            </a:r>
+            <a:r>
+              <a:rPr lang="en-US" sz="2400" dirty="0" err="1"/>
+              <a:t>search_tree</a:t>
+            </a:r>
+            <a:r>
+              <a:rPr lang="en-US" sz="2400" dirty="0"/>
+              <a:t>?</a:t>
+            </a:r>
+          </a:p>
+        </p:txBody>
+      </p:sp>
+      <p:sp>
+        <p:nvSpPr>
+          <p:cNvPr id="6" name="TextBox 5">
+            <a:extLst>
+              <a:ext uri="{FF2B5EF4-FFF2-40B4-BE49-F238E27FC236}">
+                <a16:creationId xmlns:a16="http://schemas.microsoft.com/office/drawing/2014/main" xmlns="" id="{4130125C-DF0D-9A4F-8BCB-5E47F824ED9B}"/>
+              </a:ext>
+            </a:extLst>
+          </p:cNvPr>
+          <p:cNvSpPr txBox="1"/>
+          <p:nvPr/>
+        </p:nvSpPr>
+        <p:spPr>
+          <a:xfrm>
+            <a:off x="5889016" y="3285230"/>
+            <a:ext cx="5832772" cy="2462213"/>
           </a:xfrm>
           <a:prstGeom prst="rect">
             <a:avLst/>
@@ -8625,7 +8711,7 @@
                 <a:ea typeface="Monaco" charset="0"/>
                 <a:cs typeface="Monaco" charset="0"/>
               </a:rPr>
-              <a:t>def </a:t>
+              <a:t>def search(</a:t>
             </a:r>
             <a:r>
               <a:rPr lang="en-US" sz="2200" dirty="0" err="1">
@@ -8633,7 +8719,7 @@
                 <a:ea typeface="Monaco" charset="0"/>
                 <a:cs typeface="Monaco" charset="0"/>
               </a:rPr>
-              <a:t>search_tree</a:t>
+              <a:t>p:TreeNode</a:t>
             </a:r>
             <a:r>
               <a:rPr lang="en-US" sz="2200" dirty="0">
@@ -8641,7 +8727,7 @@
                 <a:ea typeface="Monaco" charset="0"/>
                 <a:cs typeface="Monaco" charset="0"/>
               </a:rPr>
-              <a:t>(</a:t>
+              <a:t>, </a:t>
             </a:r>
             <a:r>
               <a:rPr lang="en-US" sz="2200" dirty="0" err="1">
@@ -8649,7 +8735,7 @@
                 <a:ea typeface="Monaco" charset="0"/>
                 <a:cs typeface="Monaco" charset="0"/>
               </a:rPr>
-              <a:t>p:TreeNode</a:t>
+              <a:t>x:object</a:t>
             </a:r>
             <a:r>
               <a:rPr lang="en-US" sz="2200" dirty="0">
@@ -8657,7 +8743,27 @@
                 <a:ea typeface="Monaco" charset="0"/>
                 <a:cs typeface="Monaco" charset="0"/>
               </a:rPr>
-              <a:t>, </a:t>
+              <a:t>):</a:t>
+            </a:r>
+          </a:p>
+          <a:p>
+            <a:r>
+              <a:rPr lang="en-US" sz="2200" dirty="0">
+                <a:latin typeface="Monaco" charset="0"/>
+                <a:ea typeface="Monaco" charset="0"/>
+                <a:cs typeface="Monaco" charset="0"/>
+              </a:rPr>
+              <a:t>    if p is None: return None</a:t>
+            </a:r>
+          </a:p>
+          <a:p>
+            <a:r>
+              <a:rPr lang="en-US" sz="2200" dirty="0">
+                <a:latin typeface="Monaco" charset="0"/>
+                <a:ea typeface="Monaco" charset="0"/>
+                <a:cs typeface="Monaco" charset="0"/>
+              </a:rPr>
+              <a:t>    if x==</a:t>
             </a:r>
             <a:r>
               <a:rPr lang="en-US" sz="2200" dirty="0" err="1">
@@ -8665,7 +8771,7 @@
                 <a:ea typeface="Monaco" charset="0"/>
                 <a:cs typeface="Monaco" charset="0"/>
               </a:rPr>
-              <a:t>x:object</a:t>
+              <a:t>p.value</a:t>
             </a:r>
             <a:r>
               <a:rPr lang="en-US" sz="2200" dirty="0">
@@ -8673,7 +8779,17 @@
                 <a:ea typeface="Monaco" charset="0"/>
                 <a:cs typeface="Monaco" charset="0"/>
               </a:rPr>
-              <a:t>) -&gt; </a:t>
+              <a:t>: return p</a:t>
+            </a:r>
+          </a:p>
+          <a:p>
+            <a:r>
+              <a:rPr lang="en-US" sz="2200" dirty="0">
+                <a:latin typeface="Monaco" charset="0"/>
+                <a:ea typeface="Monaco" charset="0"/>
+                <a:cs typeface="Monaco" charset="0"/>
+              </a:rPr>
+              <a:t>    q = search(</a:t>
             </a:r>
             <a:r>
               <a:rPr lang="en-US" sz="2200" dirty="0" err="1">
@@ -8681,7 +8797,7 @@
                 <a:ea typeface="Monaco" charset="0"/>
                 <a:cs typeface="Monaco" charset="0"/>
               </a:rPr>
-              <a:t>TreeNode</a:t>
+              <a:t>p.left</a:t>
             </a:r>
             <a:r>
               <a:rPr lang="en-US" sz="2200" dirty="0">
@@ -8689,7 +8805,7 @@
                 <a:ea typeface="Monaco" charset="0"/>
                 <a:cs typeface="Monaco" charset="0"/>
               </a:rPr>
-              <a:t>:</a:t>
+              <a:t>, x)</a:t>
             </a:r>
           </a:p>
           <a:p>
@@ -8699,7 +8815,7 @@
                 <a:ea typeface="Monaco" charset="0"/>
                 <a:cs typeface="Monaco" charset="0"/>
               </a:rPr>
-              <a:t>    if p is None: return None</a:t>
+              <a:t>    if q is not None: return q</a:t>
             </a:r>
           </a:p>
           <a:p>
@@ -8709,7 +8825,7 @@
                 <a:ea typeface="Monaco" charset="0"/>
                 <a:cs typeface="Monaco" charset="0"/>
               </a:rPr>
-              <a:t>    if x==</a:t>
+              <a:t>    q = search(</a:t>
             </a:r>
             <a:r>
               <a:rPr lang="en-US" sz="2200" dirty="0" err="1">
@@ -8717,7 +8833,7 @@
                 <a:ea typeface="Monaco" charset="0"/>
                 <a:cs typeface="Monaco" charset="0"/>
               </a:rPr>
-              <a:t>p.value</a:t>
+              <a:t>p.right</a:t>
             </a:r>
             <a:r>
               <a:rPr lang="en-US" sz="2200" dirty="0">
@@ -8725,7 +8841,7 @@
                 <a:ea typeface="Monaco" charset="0"/>
                 <a:cs typeface="Monaco" charset="0"/>
               </a:rPr>
-              <a:t>: return p</a:t>
+              <a:t>, x)</a:t>
             </a:r>
           </a:p>
           <a:p>
@@ -8735,101 +8851,17 @@
                 <a:ea typeface="Monaco" charset="0"/>
                 <a:cs typeface="Monaco" charset="0"/>
               </a:rPr>
-              <a:t>    q = </a:t>
-            </a:r>
-            <a:r>
-              <a:rPr lang="en-US" sz="2200" dirty="0" err="1">
-                <a:latin typeface="Monaco" charset="0"/>
-                <a:ea typeface="Monaco" charset="0"/>
-                <a:cs typeface="Monaco" charset="0"/>
-              </a:rPr>
-              <a:t>search_tree</a:t>
-            </a:r>
-            <a:r>
-              <a:rPr lang="en-US" sz="2200" dirty="0">
-                <a:latin typeface="Monaco" charset="0"/>
-                <a:ea typeface="Monaco" charset="0"/>
-                <a:cs typeface="Monaco" charset="0"/>
-              </a:rPr>
-              <a:t>(</a:t>
-            </a:r>
-            <a:r>
-              <a:rPr lang="en-US" sz="2200" dirty="0" err="1">
-                <a:latin typeface="Monaco" charset="0"/>
-                <a:ea typeface="Monaco" charset="0"/>
-                <a:cs typeface="Monaco" charset="0"/>
-              </a:rPr>
-              <a:t>p.left</a:t>
-            </a:r>
-            <a:r>
-              <a:rPr lang="en-US" sz="2200" dirty="0">
-                <a:latin typeface="Monaco" charset="0"/>
-                <a:ea typeface="Monaco" charset="0"/>
-                <a:cs typeface="Monaco" charset="0"/>
-              </a:rPr>
-              <a:t>, x)</a:t>
-            </a:r>
-          </a:p>
-          <a:p>
-            <a:r>
-              <a:rPr lang="en-US" sz="2200" dirty="0">
-                <a:latin typeface="Monaco" charset="0"/>
-                <a:ea typeface="Monaco" charset="0"/>
-                <a:cs typeface="Monaco" charset="0"/>
-              </a:rPr>
-              <a:t>    if q is not None: return q</a:t>
-            </a:r>
-          </a:p>
-          <a:p>
-            <a:r>
-              <a:rPr lang="en-US" sz="2200" dirty="0">
-                <a:latin typeface="Monaco" charset="0"/>
-                <a:ea typeface="Monaco" charset="0"/>
-                <a:cs typeface="Monaco" charset="0"/>
-              </a:rPr>
-              <a:t>    return </a:t>
-            </a:r>
-            <a:r>
-              <a:rPr lang="en-US" sz="2200" dirty="0" err="1">
-                <a:latin typeface="Monaco" charset="0"/>
-                <a:ea typeface="Monaco" charset="0"/>
-                <a:cs typeface="Monaco" charset="0"/>
-              </a:rPr>
-              <a:t>search_tree</a:t>
-            </a:r>
-            <a:r>
-              <a:rPr lang="en-US" sz="2200" dirty="0">
-                <a:latin typeface="Monaco" charset="0"/>
-                <a:ea typeface="Monaco" charset="0"/>
-                <a:cs typeface="Monaco" charset="0"/>
-              </a:rPr>
-              <a:t>(</a:t>
-            </a:r>
-            <a:r>
-              <a:rPr lang="en-US" sz="2200" dirty="0" err="1">
-                <a:latin typeface="Monaco" charset="0"/>
-                <a:ea typeface="Monaco" charset="0"/>
-                <a:cs typeface="Monaco" charset="0"/>
-              </a:rPr>
-              <a:t>p.right</a:t>
-            </a:r>
-            <a:r>
-              <a:rPr lang="en-US" sz="2200" dirty="0">
-                <a:latin typeface="Monaco" charset="0"/>
-                <a:ea typeface="Monaco" charset="0"/>
-                <a:cs typeface="Monaco" charset="0"/>
-              </a:rPr>
-              <a:t>, x)</a:t>
-            </a:r>
-          </a:p>
-        </p:txBody>
-      </p:sp>
-      <p:sp>
-        <p:nvSpPr>
-          <p:cNvPr id="5" name="TextBox 4">
-            <a:extLst>
-              <a:ext uri="{FF2B5EF4-FFF2-40B4-BE49-F238E27FC236}">
-                <a16:creationId xmlns:a16="http://schemas.microsoft.com/office/drawing/2014/main" xmlns="" id="{D1764F08-D874-EF40-B858-1FC7B8F0D234}"/>
+              <a:t>    return q</a:t>
+            </a:r>
+          </a:p>
+        </p:txBody>
+      </p:sp>
+      <p:sp>
+        <p:nvSpPr>
+          <p:cNvPr id="7" name="TextBox 6">
+            <a:extLst>
+              <a:ext uri="{FF2B5EF4-FFF2-40B4-BE49-F238E27FC236}">
+                <a16:creationId xmlns:a16="http://schemas.microsoft.com/office/drawing/2014/main" xmlns="" id="{443560E5-2A9B-CB4B-9164-52C2B689F75C}"/>
               </a:ext>
             </a:extLst>
           </p:cNvPr>
@@ -8838,32 +8870,379 @@
         </p:nvSpPr>
         <p:spPr>
           <a:xfrm>
-            <a:off x="1540793" y="5715298"/>
-            <a:ext cx="4181786" cy="461665"/>
+            <a:off x="470212" y="3285230"/>
+            <a:ext cx="4789559" cy="1446550"/>
           </a:xfrm>
           <a:prstGeom prst="rect">
             <a:avLst/>
           </a:prstGeom>
           <a:noFill/>
+          <a:ln>
+            <a:solidFill>
+              <a:schemeClr val="accent1"/>
+            </a:solidFill>
+          </a:ln>
         </p:spPr>
         <p:txBody>
-          <a:bodyPr wrap="none" rtlCol="0">
+          <a:bodyPr wrap="square" rtlCol="0">
             <a:spAutoFit/>
           </a:bodyPr>
           <a:lstStyle/>
           <a:p>
             <a:r>
-              <a:rPr lang="en-US" sz="2400" dirty="0"/>
-              <a:t>What is T(n) for </a:t>
-            </a:r>
-            <a:r>
-              <a:rPr lang="en-US" sz="2400" dirty="0" err="1"/>
-              <a:t>search_tree</a:t>
-            </a:r>
-            <a:r>
-              <a:rPr lang="en-US" sz="2400" dirty="0"/>
-              <a:t>?</a:t>
-            </a:r>
+              <a:rPr lang="en-US" sz="2200" dirty="0">
+                <a:latin typeface="Monaco" charset="0"/>
+                <a:ea typeface="Monaco" charset="0"/>
+                <a:cs typeface="Monaco" charset="0"/>
+              </a:rPr>
+              <a:t>def walk(</a:t>
+            </a:r>
+            <a:r>
+              <a:rPr lang="en-US" sz="2200" dirty="0" err="1">
+                <a:latin typeface="Monaco" charset="0"/>
+                <a:ea typeface="Monaco" charset="0"/>
+                <a:cs typeface="Monaco" charset="0"/>
+              </a:rPr>
+              <a:t>p:TreeNode</a:t>
+            </a:r>
+            <a:r>
+              <a:rPr lang="en-US" sz="2200" dirty="0">
+                <a:latin typeface="Monaco" charset="0"/>
+                <a:ea typeface="Monaco" charset="0"/>
+                <a:cs typeface="Monaco" charset="0"/>
+              </a:rPr>
+              <a:t>):</a:t>
+            </a:r>
+          </a:p>
+          <a:p>
+            <a:r>
+              <a:rPr lang="en-US" sz="2200" dirty="0">
+                <a:latin typeface="Monaco" charset="0"/>
+                <a:ea typeface="Monaco" charset="0"/>
+                <a:cs typeface="Monaco" charset="0"/>
+              </a:rPr>
+              <a:t>    if p is None: return</a:t>
+            </a:r>
+          </a:p>
+          <a:p>
+            <a:r>
+              <a:rPr lang="en-US" sz="2200" dirty="0">
+                <a:latin typeface="Monaco" charset="0"/>
+                <a:ea typeface="Monaco" charset="0"/>
+                <a:cs typeface="Monaco" charset="0"/>
+              </a:rPr>
+              <a:t>    walk(</a:t>
+            </a:r>
+            <a:r>
+              <a:rPr lang="en-US" sz="2200" dirty="0" err="1">
+                <a:latin typeface="Monaco" charset="0"/>
+                <a:ea typeface="Monaco" charset="0"/>
+                <a:cs typeface="Monaco" charset="0"/>
+              </a:rPr>
+              <a:t>p.left</a:t>
+            </a:r>
+            <a:r>
+              <a:rPr lang="en-US" sz="2200" dirty="0">
+                <a:latin typeface="Monaco" charset="0"/>
+                <a:ea typeface="Monaco" charset="0"/>
+                <a:cs typeface="Monaco" charset="0"/>
+              </a:rPr>
+              <a:t>)</a:t>
+            </a:r>
+          </a:p>
+          <a:p>
+            <a:r>
+              <a:rPr lang="en-US" sz="2200" dirty="0">
+                <a:latin typeface="Monaco" charset="0"/>
+                <a:ea typeface="Monaco" charset="0"/>
+                <a:cs typeface="Monaco" charset="0"/>
+              </a:rPr>
+              <a:t>    walk(</a:t>
+            </a:r>
+            <a:r>
+              <a:rPr lang="en-US" sz="2200" dirty="0" err="1">
+                <a:latin typeface="Monaco" charset="0"/>
+                <a:ea typeface="Monaco" charset="0"/>
+                <a:cs typeface="Monaco" charset="0"/>
+              </a:rPr>
+              <a:t>p.right</a:t>
+            </a:r>
+            <a:r>
+              <a:rPr lang="en-US" sz="2200" dirty="0">
+                <a:latin typeface="Monaco" charset="0"/>
+                <a:ea typeface="Monaco" charset="0"/>
+                <a:cs typeface="Monaco" charset="0"/>
+              </a:rPr>
+              <a:t>)</a:t>
+            </a:r>
+          </a:p>
+        </p:txBody>
+      </p:sp>
+      <p:cxnSp>
+        <p:nvCxnSpPr>
+          <p:cNvPr id="8" name="Straight Arrow Connector 7">
+            <a:extLst>
+              <a:ext uri="{FF2B5EF4-FFF2-40B4-BE49-F238E27FC236}">
+                <a16:creationId xmlns:a16="http://schemas.microsoft.com/office/drawing/2014/main" xmlns="" id="{10E78C0A-801D-6845-8F0E-4F40DD316705}"/>
+              </a:ext>
+            </a:extLst>
+          </p:cNvPr>
+          <p:cNvCxnSpPr>
+            <a:cxnSpLocks/>
+          </p:cNvCxnSpPr>
+          <p:nvPr/>
+        </p:nvCxnSpPr>
+        <p:spPr>
+          <a:xfrm>
+            <a:off x="4679004" y="3822970"/>
+            <a:ext cx="1838528" cy="0"/>
+          </a:xfrm>
+          <a:prstGeom prst="straightConnector1">
+            <a:avLst/>
+          </a:prstGeom>
+          <a:ln>
+            <a:tailEnd type="triangle"/>
+          </a:ln>
+        </p:spPr>
+        <p:style>
+          <a:lnRef idx="1">
+            <a:schemeClr val="accent1"/>
+          </a:lnRef>
+          <a:fillRef idx="0">
+            <a:schemeClr val="accent1"/>
+          </a:fillRef>
+          <a:effectRef idx="0">
+            <a:schemeClr val="accent1"/>
+          </a:effectRef>
+          <a:fontRef idx="minor">
+            <a:schemeClr val="tx1"/>
+          </a:fontRef>
+        </p:style>
+      </p:cxnSp>
+      <p:cxnSp>
+        <p:nvCxnSpPr>
+          <p:cNvPr id="9" name="Straight Arrow Connector 8">
+            <a:extLst>
+              <a:ext uri="{FF2B5EF4-FFF2-40B4-BE49-F238E27FC236}">
+                <a16:creationId xmlns:a16="http://schemas.microsoft.com/office/drawing/2014/main" xmlns="" id="{2CF23F97-82B8-E344-824E-D233F93A531A}"/>
+              </a:ext>
+            </a:extLst>
+          </p:cNvPr>
+          <p:cNvCxnSpPr>
+            <a:cxnSpLocks/>
+          </p:cNvCxnSpPr>
+          <p:nvPr/>
+        </p:nvCxnSpPr>
+        <p:spPr>
+          <a:xfrm>
+            <a:off x="4679004" y="3822970"/>
+            <a:ext cx="1838528" cy="365243"/>
+          </a:xfrm>
+          <a:prstGeom prst="straightConnector1">
+            <a:avLst/>
+          </a:prstGeom>
+          <a:ln>
+            <a:tailEnd type="triangle"/>
+          </a:ln>
+        </p:spPr>
+        <p:style>
+          <a:lnRef idx="1">
+            <a:schemeClr val="accent1"/>
+          </a:lnRef>
+          <a:fillRef idx="0">
+            <a:schemeClr val="accent1"/>
+          </a:fillRef>
+          <a:effectRef idx="0">
+            <a:schemeClr val="accent1"/>
+          </a:effectRef>
+          <a:fontRef idx="minor">
+            <a:schemeClr val="tx1"/>
+          </a:fontRef>
+        </p:style>
+      </p:cxnSp>
+      <p:cxnSp>
+        <p:nvCxnSpPr>
+          <p:cNvPr id="10" name="Straight Arrow Connector 9">
+            <a:extLst>
+              <a:ext uri="{FF2B5EF4-FFF2-40B4-BE49-F238E27FC236}">
+                <a16:creationId xmlns:a16="http://schemas.microsoft.com/office/drawing/2014/main" xmlns="" id="{29481ED9-A3B0-2F4C-9D4D-0E2F6B8B4317}"/>
+              </a:ext>
+            </a:extLst>
+          </p:cNvPr>
+          <p:cNvCxnSpPr>
+            <a:cxnSpLocks/>
+          </p:cNvCxnSpPr>
+          <p:nvPr/>
+        </p:nvCxnSpPr>
+        <p:spPr>
+          <a:xfrm>
+            <a:off x="3284706" y="4204426"/>
+            <a:ext cx="3232826" cy="311910"/>
+          </a:xfrm>
+          <a:prstGeom prst="straightConnector1">
+            <a:avLst/>
+          </a:prstGeom>
+          <a:ln>
+            <a:tailEnd type="triangle"/>
+          </a:ln>
+        </p:spPr>
+        <p:style>
+          <a:lnRef idx="1">
+            <a:schemeClr val="accent1"/>
+          </a:lnRef>
+          <a:fillRef idx="0">
+            <a:schemeClr val="accent1"/>
+          </a:fillRef>
+          <a:effectRef idx="0">
+            <a:schemeClr val="accent1"/>
+          </a:effectRef>
+          <a:fontRef idx="minor">
+            <a:schemeClr val="tx1"/>
+          </a:fontRef>
+        </p:style>
+      </p:cxnSp>
+      <p:cxnSp>
+        <p:nvCxnSpPr>
+          <p:cNvPr id="11" name="Straight Arrow Connector 10">
+            <a:extLst>
+              <a:ext uri="{FF2B5EF4-FFF2-40B4-BE49-F238E27FC236}">
+                <a16:creationId xmlns:a16="http://schemas.microsoft.com/office/drawing/2014/main" xmlns="" id="{66A3D61D-1C4C-6546-B370-72B89EA87364}"/>
+              </a:ext>
+            </a:extLst>
+          </p:cNvPr>
+          <p:cNvCxnSpPr>
+            <a:cxnSpLocks/>
+          </p:cNvCxnSpPr>
+          <p:nvPr/>
+        </p:nvCxnSpPr>
+        <p:spPr>
+          <a:xfrm>
+            <a:off x="3446834" y="4525972"/>
+            <a:ext cx="3070698" cy="743548"/>
+          </a:xfrm>
+          <a:prstGeom prst="straightConnector1">
+            <a:avLst/>
+          </a:prstGeom>
+          <a:ln>
+            <a:tailEnd type="triangle"/>
+          </a:ln>
+        </p:spPr>
+        <p:style>
+          <a:lnRef idx="1">
+            <a:schemeClr val="accent1"/>
+          </a:lnRef>
+          <a:fillRef idx="0">
+            <a:schemeClr val="accent1"/>
+          </a:fillRef>
+          <a:effectRef idx="0">
+            <a:schemeClr val="accent1"/>
+          </a:effectRef>
+          <a:fontRef idx="minor">
+            <a:schemeClr val="tx1"/>
+          </a:fontRef>
+        </p:style>
+      </p:cxnSp>
+      <p:sp>
+        <p:nvSpPr>
+          <p:cNvPr id="12" name="Rectangle 11">
+            <a:extLst>
+              <a:ext uri="{FF2B5EF4-FFF2-40B4-BE49-F238E27FC236}">
+                <a16:creationId xmlns:a16="http://schemas.microsoft.com/office/drawing/2014/main" xmlns="" id="{6383B2CB-2721-304C-A6BD-AA7CCCFB9CD7}"/>
+              </a:ext>
+            </a:extLst>
+          </p:cNvPr>
+          <p:cNvSpPr/>
+          <p:nvPr/>
+        </p:nvSpPr>
+        <p:spPr>
+          <a:xfrm>
+            <a:off x="6619708" y="4686433"/>
+            <a:ext cx="4479552" cy="352495"/>
+          </a:xfrm>
+          <a:prstGeom prst="rect">
+            <a:avLst/>
+          </a:prstGeom>
+          <a:noFill/>
+          <a:ln>
+            <a:solidFill>
+              <a:srgbClr val="E4754F"/>
+            </a:solidFill>
+          </a:ln>
+        </p:spPr>
+        <p:style>
+          <a:lnRef idx="2">
+            <a:schemeClr val="accent1">
+              <a:shade val="50000"/>
+            </a:schemeClr>
+          </a:lnRef>
+          <a:fillRef idx="1">
+            <a:schemeClr val="accent1"/>
+          </a:fillRef>
+          <a:effectRef idx="0">
+            <a:schemeClr val="accent1"/>
+          </a:effectRef>
+          <a:fontRef idx="minor">
+            <a:schemeClr val="lt1"/>
+          </a:fontRef>
+        </p:style>
+        <p:txBody>
+          <a:bodyPr rtlCol="0" anchor="ctr"/>
+          <a:lstStyle/>
+          <a:p>
+            <a:pPr algn="ctr"/>
+            <a:endParaRPr lang="en-US"/>
+          </a:p>
+        </p:txBody>
+      </p:sp>
+      <p:sp>
+        <p:nvSpPr>
+          <p:cNvPr id="13" name="Rectangle 12">
+            <a:extLst>
+              <a:ext uri="{FF2B5EF4-FFF2-40B4-BE49-F238E27FC236}">
+                <a16:creationId xmlns:a16="http://schemas.microsoft.com/office/drawing/2014/main" xmlns="" id="{06E261F4-D887-5847-A368-79BEAC259C78}"/>
+              </a:ext>
+            </a:extLst>
+          </p:cNvPr>
+          <p:cNvSpPr/>
+          <p:nvPr/>
+        </p:nvSpPr>
+        <p:spPr>
+          <a:xfrm>
+            <a:off x="6625373" y="5383789"/>
+            <a:ext cx="1438857" cy="326347"/>
+          </a:xfrm>
+          <a:prstGeom prst="rect">
+            <a:avLst/>
+          </a:prstGeom>
+          <a:noFill/>
+          <a:ln>
+            <a:solidFill>
+              <a:srgbClr val="E4754F"/>
+            </a:solidFill>
+          </a:ln>
+        </p:spPr>
+        <p:style>
+          <a:lnRef idx="2">
+            <a:schemeClr val="accent1">
+              <a:shade val="50000"/>
+            </a:schemeClr>
+          </a:lnRef>
+          <a:fillRef idx="1">
+            <a:schemeClr val="accent1"/>
+          </a:fillRef>
+          <a:effectRef idx="0">
+            <a:schemeClr val="accent1"/>
+          </a:effectRef>
+          <a:fontRef idx="minor">
+            <a:schemeClr val="lt1"/>
+          </a:fontRef>
+        </p:style>
+        <p:txBody>
+          <a:bodyPr rtlCol="0" anchor="ctr"/>
+          <a:lstStyle/>
+          <a:p>
+            <a:pPr algn="ctr"/>
+            <a:endParaRPr lang="en-US"/>
           </a:p>
         </p:txBody>
       </p:sp>
@@ -8911,7 +9290,169 @@
                                           </p:stCondLst>
                                         </p:cTn>
                                         <p:tgtEl>
-                                          <p:spTgt spid="4"/>
+                                          <p:spTgt spid="6"/>
+                                        </p:tgtEl>
+                                        <p:attrNameLst>
+                                          <p:attrName>style.visibility</p:attrName>
+                                        </p:attrNameLst>
+                                      </p:cBhvr>
+                                      <p:to>
+                                        <p:strVal val="visible"/>
+                                      </p:to>
+                                    </p:set>
+                                  </p:childTnLst>
+                                </p:cTn>
+                              </p:par>
+                              <p:par>
+                                <p:cTn id="7" presetID="1" presetClass="entr" presetSubtype="0" fill="hold" nodeType="withEffect">
+                                  <p:stCondLst>
+                                    <p:cond delay="0"/>
+                                  </p:stCondLst>
+                                  <p:childTnLst>
+                                    <p:set>
+                                      <p:cBhvr>
+                                        <p:cTn id="8" dur="1" fill="hold">
+                                          <p:stCondLst>
+                                            <p:cond delay="0"/>
+                                          </p:stCondLst>
+                                        </p:cTn>
+                                        <p:tgtEl>
+                                          <p:spTgt spid="8"/>
+                                        </p:tgtEl>
+                                        <p:attrNameLst>
+                                          <p:attrName>style.visibility</p:attrName>
+                                        </p:attrNameLst>
+                                      </p:cBhvr>
+                                      <p:to>
+                                        <p:strVal val="visible"/>
+                                      </p:to>
+                                    </p:set>
+                                  </p:childTnLst>
+                                </p:cTn>
+                              </p:par>
+                              <p:par>
+                                <p:cTn id="9" presetID="1" presetClass="entr" presetSubtype="0" fill="hold" nodeType="withEffect">
+                                  <p:stCondLst>
+                                    <p:cond delay="0"/>
+                                  </p:stCondLst>
+                                  <p:childTnLst>
+                                    <p:set>
+                                      <p:cBhvr>
+                                        <p:cTn id="10" dur="1" fill="hold">
+                                          <p:stCondLst>
+                                            <p:cond delay="0"/>
+                                          </p:stCondLst>
+                                        </p:cTn>
+                                        <p:tgtEl>
+                                          <p:spTgt spid="9"/>
+                                        </p:tgtEl>
+                                        <p:attrNameLst>
+                                          <p:attrName>style.visibility</p:attrName>
+                                        </p:attrNameLst>
+                                      </p:cBhvr>
+                                      <p:to>
+                                        <p:strVal val="visible"/>
+                                      </p:to>
+                                    </p:set>
+                                  </p:childTnLst>
+                                </p:cTn>
+                              </p:par>
+                              <p:par>
+                                <p:cTn id="11" presetID="1" presetClass="entr" presetSubtype="0" fill="hold" nodeType="withEffect">
+                                  <p:stCondLst>
+                                    <p:cond delay="0"/>
+                                  </p:stCondLst>
+                                  <p:childTnLst>
+                                    <p:set>
+                                      <p:cBhvr>
+                                        <p:cTn id="12" dur="1" fill="hold">
+                                          <p:stCondLst>
+                                            <p:cond delay="0"/>
+                                          </p:stCondLst>
+                                        </p:cTn>
+                                        <p:tgtEl>
+                                          <p:spTgt spid="10"/>
+                                        </p:tgtEl>
+                                        <p:attrNameLst>
+                                          <p:attrName>style.visibility</p:attrName>
+                                        </p:attrNameLst>
+                                      </p:cBhvr>
+                                      <p:to>
+                                        <p:strVal val="visible"/>
+                                      </p:to>
+                                    </p:set>
+                                  </p:childTnLst>
+                                </p:cTn>
+                              </p:par>
+                              <p:par>
+                                <p:cTn id="13" presetID="1" presetClass="entr" presetSubtype="0" fill="hold" nodeType="withEffect">
+                                  <p:stCondLst>
+                                    <p:cond delay="0"/>
+                                  </p:stCondLst>
+                                  <p:childTnLst>
+                                    <p:set>
+                                      <p:cBhvr>
+                                        <p:cTn id="14" dur="1" fill="hold">
+                                          <p:stCondLst>
+                                            <p:cond delay="0"/>
+                                          </p:stCondLst>
+                                        </p:cTn>
+                                        <p:tgtEl>
+                                          <p:spTgt spid="11"/>
+                                        </p:tgtEl>
+                                        <p:attrNameLst>
+                                          <p:attrName>style.visibility</p:attrName>
+                                        </p:attrNameLst>
+                                      </p:cBhvr>
+                                      <p:to>
+                                        <p:strVal val="visible"/>
+                                      </p:to>
+                                    </p:set>
+                                  </p:childTnLst>
+                                </p:cTn>
+                              </p:par>
+                              <p:par>
+                                <p:cTn id="15" presetID="1" presetClass="entr" presetSubtype="0" fill="hold" grpId="0" nodeType="withEffect">
+                                  <p:stCondLst>
+                                    <p:cond delay="0"/>
+                                  </p:stCondLst>
+                                  <p:childTnLst>
+                                    <p:set>
+                                      <p:cBhvr>
+                                        <p:cTn id="16" dur="1" fill="hold">
+                                          <p:stCondLst>
+                                            <p:cond delay="0"/>
+                                          </p:stCondLst>
+                                        </p:cTn>
+                                        <p:tgtEl>
+                                          <p:spTgt spid="12"/>
+                                        </p:tgtEl>
+                                        <p:attrNameLst>
+                                          <p:attrName>style.visibility</p:attrName>
+                                        </p:attrNameLst>
+                                      </p:cBhvr>
+                                      <p:to>
+                                        <p:strVal val="visible"/>
+                                      </p:to>
+                                    </p:set>
+                                  </p:childTnLst>
+                                </p:cTn>
+                              </p:par>
+                              <p:par>
+                                <p:cTn id="17" presetID="1" presetClass="entr" presetSubtype="0" fill="hold" grpId="0" nodeType="withEffect">
+                                  <p:stCondLst>
+                                    <p:cond delay="0"/>
+                                  </p:stCondLst>
+                                  <p:childTnLst>
+                                    <p:set>
+                                      <p:cBhvr>
+                                        <p:cTn id="18" dur="1" fill="hold">
+                                          <p:stCondLst>
+                                            <p:cond delay="0"/>
+                                          </p:stCondLst>
+                                        </p:cTn>
+                                        <p:tgtEl>
+                                          <p:spTgt spid="13"/>
                                         </p:tgtEl>
                                         <p:attrNameLst>
                                           <p:attrName>style.visibility</p:attrName>
@@ -8952,7 +9493,9 @@
       </p:par>
     </p:tnLst>
     <p:bldLst>
-      <p:bldP spid="4" grpId="0" animBg="1"/>
+      <p:bldP spid="6" grpId="0" animBg="1"/>
+      <p:bldP spid="12" grpId="0" animBg="1"/>
+      <p:bldP spid="13" grpId="0" animBg="1"/>
     </p:bldLst>
   </p:timing>
 </p:sld>

--- a/notes/walking-structures.pptx
+++ b/notes/walking-structures.pptx
@@ -5,10 +5,10 @@
     <p:sldMasterId id="2147483672" r:id="rId1"/>
   </p:sldMasterIdLst>
   <p:notesMasterIdLst>
-    <p:notesMasterId r:id="rId17"/>
+    <p:notesMasterId r:id="rId15"/>
   </p:notesMasterIdLst>
   <p:handoutMasterIdLst>
-    <p:handoutMasterId r:id="rId18"/>
+    <p:handoutMasterId r:id="rId16"/>
   </p:handoutMasterIdLst>
   <p:sldIdLst>
     <p:sldId id="256" r:id="rId2"/>
@@ -16,16 +16,14 @@
     <p:sldId id="291" r:id="rId4"/>
     <p:sldId id="292" r:id="rId5"/>
     <p:sldId id="289" r:id="rId6"/>
-    <p:sldId id="290" r:id="rId7"/>
-    <p:sldId id="285" r:id="rId8"/>
-    <p:sldId id="294" r:id="rId9"/>
-    <p:sldId id="298" r:id="rId10"/>
-    <p:sldId id="295" r:id="rId11"/>
-    <p:sldId id="296" r:id="rId12"/>
-    <p:sldId id="293" r:id="rId13"/>
-    <p:sldId id="287" r:id="rId14"/>
-    <p:sldId id="299" r:id="rId15"/>
-    <p:sldId id="297" r:id="rId16"/>
+    <p:sldId id="285" r:id="rId7"/>
+    <p:sldId id="294" r:id="rId8"/>
+    <p:sldId id="298" r:id="rId9"/>
+    <p:sldId id="296" r:id="rId10"/>
+    <p:sldId id="293" r:id="rId11"/>
+    <p:sldId id="287" r:id="rId12"/>
+    <p:sldId id="299" r:id="rId13"/>
+    <p:sldId id="297" r:id="rId14"/>
   </p:sldIdLst>
   <p:sldSz cx="12192000" cy="6858000"/>
   <p:notesSz cx="9144000" cy="6858000"/>
@@ -220,7 +218,7 @@
           <a:p>
             <a:fld id="{8A1B613A-EFF1-404F-BEE8-EFAE84A4E5E2}" type="datetimeFigureOut">
               <a:rPr lang="en-US" smtClean="0"/>
-              <a:t>11/4/19</a:t>
+              <a:t>2/5/20</a:t>
             </a:fld>
             <a:endParaRPr lang="en-US"/>
           </a:p>
@@ -385,7 +383,7 @@
           <a:p>
             <a:fld id="{690847EA-AC25-3D4E-89E1-FD3F6A9702B6}" type="datetimeFigureOut">
               <a:rPr lang="en-US" smtClean="0"/>
-              <a:t>11/4/19</a:t>
+              <a:t>2/5/20</a:t>
             </a:fld>
             <a:endParaRPr lang="en-US"/>
           </a:p>
@@ -674,7 +672,7 @@
           <p:cNvPr id="2" name="Title 1">
             <a:extLst>
               <a:ext uri="{FF2B5EF4-FFF2-40B4-BE49-F238E27FC236}">
-                <a16:creationId xmlns="" xmlns:a16="http://schemas.microsoft.com/office/drawing/2014/main" id="{FCECE00E-B2E2-4D43-8A21-E17BBDC017E1}"/>
+                <a16:creationId xmlns:a16="http://schemas.microsoft.com/office/drawing/2014/main" id="{FCECE00E-B2E2-4D43-8A21-E17BBDC017E1}"/>
               </a:ext>
             </a:extLst>
           </p:cNvPr>
@@ -711,7 +709,7 @@
           <p:cNvPr id="3" name="Subtitle 2">
             <a:extLst>
               <a:ext uri="{FF2B5EF4-FFF2-40B4-BE49-F238E27FC236}">
-                <a16:creationId xmlns="" xmlns:a16="http://schemas.microsoft.com/office/drawing/2014/main" id="{0C4C7E7C-3478-264C-BF00-D75996D63509}"/>
+                <a16:creationId xmlns:a16="http://schemas.microsoft.com/office/drawing/2014/main" id="{0C4C7E7C-3478-264C-BF00-D75996D63509}"/>
               </a:ext>
             </a:extLst>
           </p:cNvPr>
@@ -781,7 +779,7 @@
           <p:cNvPr id="4" name="Date Placeholder 3">
             <a:extLst>
               <a:ext uri="{FF2B5EF4-FFF2-40B4-BE49-F238E27FC236}">
-                <a16:creationId xmlns="" xmlns:a16="http://schemas.microsoft.com/office/drawing/2014/main" id="{64E1EB94-602A-4843-8753-4DB51430704B}"/>
+                <a16:creationId xmlns:a16="http://schemas.microsoft.com/office/drawing/2014/main" id="{64E1EB94-602A-4843-8753-4DB51430704B}"/>
               </a:ext>
             </a:extLst>
           </p:cNvPr>
@@ -799,7 +797,7 @@
           <a:p>
             <a:fld id="{BE5295ED-3BAF-1140-8495-3D368771D6B1}" type="datetimeFigureOut">
               <a:rPr lang="en-US" smtClean="0"/>
-              <a:t>11/4/19</a:t>
+              <a:t>2/5/20</a:t>
             </a:fld>
             <a:endParaRPr lang="en-US"/>
           </a:p>
@@ -810,7 +808,7 @@
           <p:cNvPr id="5" name="Footer Placeholder 4">
             <a:extLst>
               <a:ext uri="{FF2B5EF4-FFF2-40B4-BE49-F238E27FC236}">
-                <a16:creationId xmlns="" xmlns:a16="http://schemas.microsoft.com/office/drawing/2014/main" id="{FF136E26-0E46-B848-BBFC-A0D2BFA17F33}"/>
+                <a16:creationId xmlns:a16="http://schemas.microsoft.com/office/drawing/2014/main" id="{FF136E26-0E46-B848-BBFC-A0D2BFA17F33}"/>
               </a:ext>
             </a:extLst>
           </p:cNvPr>
@@ -835,7 +833,7 @@
           <p:cNvPr id="6" name="Slide Number Placeholder 5">
             <a:extLst>
               <a:ext uri="{FF2B5EF4-FFF2-40B4-BE49-F238E27FC236}">
-                <a16:creationId xmlns="" xmlns:a16="http://schemas.microsoft.com/office/drawing/2014/main" id="{CEAD4217-442E-6C4A-8D0F-CADFE9EACB6D}"/>
+                <a16:creationId xmlns:a16="http://schemas.microsoft.com/office/drawing/2014/main" id="{CEAD4217-442E-6C4A-8D0F-CADFE9EACB6D}"/>
               </a:ext>
             </a:extLst>
           </p:cNvPr>
@@ -894,7 +892,7 @@
           <p:cNvPr id="2" name="Title 1">
             <a:extLst>
               <a:ext uri="{FF2B5EF4-FFF2-40B4-BE49-F238E27FC236}">
-                <a16:creationId xmlns="" xmlns:a16="http://schemas.microsoft.com/office/drawing/2014/main" id="{F416C72F-B1B5-6442-B3EF-170DEDF83067}"/>
+                <a16:creationId xmlns:a16="http://schemas.microsoft.com/office/drawing/2014/main" id="{F416C72F-B1B5-6442-B3EF-170DEDF83067}"/>
               </a:ext>
             </a:extLst>
           </p:cNvPr>
@@ -922,7 +920,7 @@
           <p:cNvPr id="3" name="Vertical Text Placeholder 2">
             <a:extLst>
               <a:ext uri="{FF2B5EF4-FFF2-40B4-BE49-F238E27FC236}">
-                <a16:creationId xmlns="" xmlns:a16="http://schemas.microsoft.com/office/drawing/2014/main" id="{19182C6A-7EA1-C840-86BB-65DF578F4F4B}"/>
+                <a16:creationId xmlns:a16="http://schemas.microsoft.com/office/drawing/2014/main" id="{19182C6A-7EA1-C840-86BB-65DF578F4F4B}"/>
               </a:ext>
             </a:extLst>
           </p:cNvPr>
@@ -979,7 +977,7 @@
           <p:cNvPr id="4" name="Date Placeholder 3">
             <a:extLst>
               <a:ext uri="{FF2B5EF4-FFF2-40B4-BE49-F238E27FC236}">
-                <a16:creationId xmlns="" xmlns:a16="http://schemas.microsoft.com/office/drawing/2014/main" id="{DBCD3C4B-E6D4-B140-8126-90FD013DE38A}"/>
+                <a16:creationId xmlns:a16="http://schemas.microsoft.com/office/drawing/2014/main" id="{DBCD3C4B-E6D4-B140-8126-90FD013DE38A}"/>
               </a:ext>
             </a:extLst>
           </p:cNvPr>
@@ -997,7 +995,7 @@
           <a:p>
             <a:fld id="{BE5295ED-3BAF-1140-8495-3D368771D6B1}" type="datetimeFigureOut">
               <a:rPr lang="en-US" smtClean="0"/>
-              <a:t>11/4/19</a:t>
+              <a:t>2/5/20</a:t>
             </a:fld>
             <a:endParaRPr lang="en-US"/>
           </a:p>
@@ -1008,7 +1006,7 @@
           <p:cNvPr id="5" name="Footer Placeholder 4">
             <a:extLst>
               <a:ext uri="{FF2B5EF4-FFF2-40B4-BE49-F238E27FC236}">
-                <a16:creationId xmlns="" xmlns:a16="http://schemas.microsoft.com/office/drawing/2014/main" id="{E26FD8A5-25AB-2742-9333-F1864AA98C6D}"/>
+                <a16:creationId xmlns:a16="http://schemas.microsoft.com/office/drawing/2014/main" id="{E26FD8A5-25AB-2742-9333-F1864AA98C6D}"/>
               </a:ext>
             </a:extLst>
           </p:cNvPr>
@@ -1033,7 +1031,7 @@
           <p:cNvPr id="6" name="Slide Number Placeholder 5">
             <a:extLst>
               <a:ext uri="{FF2B5EF4-FFF2-40B4-BE49-F238E27FC236}">
-                <a16:creationId xmlns="" xmlns:a16="http://schemas.microsoft.com/office/drawing/2014/main" id="{B4FFBFCA-F2F7-544E-BB46-A887273990B8}"/>
+                <a16:creationId xmlns:a16="http://schemas.microsoft.com/office/drawing/2014/main" id="{B4FFBFCA-F2F7-544E-BB46-A887273990B8}"/>
               </a:ext>
             </a:extLst>
           </p:cNvPr>
@@ -1092,7 +1090,7 @@
           <p:cNvPr id="2" name="Vertical Title 1">
             <a:extLst>
               <a:ext uri="{FF2B5EF4-FFF2-40B4-BE49-F238E27FC236}">
-                <a16:creationId xmlns="" xmlns:a16="http://schemas.microsoft.com/office/drawing/2014/main" id="{A54E5286-71CD-184D-922F-2C587370C871}"/>
+                <a16:creationId xmlns:a16="http://schemas.microsoft.com/office/drawing/2014/main" id="{A54E5286-71CD-184D-922F-2C587370C871}"/>
               </a:ext>
             </a:extLst>
           </p:cNvPr>
@@ -1125,7 +1123,7 @@
           <p:cNvPr id="3" name="Vertical Text Placeholder 2">
             <a:extLst>
               <a:ext uri="{FF2B5EF4-FFF2-40B4-BE49-F238E27FC236}">
-                <a16:creationId xmlns="" xmlns:a16="http://schemas.microsoft.com/office/drawing/2014/main" id="{8E6C93D7-83D1-8740-A256-2B405524A089}"/>
+                <a16:creationId xmlns:a16="http://schemas.microsoft.com/office/drawing/2014/main" id="{8E6C93D7-83D1-8740-A256-2B405524A089}"/>
               </a:ext>
             </a:extLst>
           </p:cNvPr>
@@ -1187,7 +1185,7 @@
           <p:cNvPr id="4" name="Date Placeholder 3">
             <a:extLst>
               <a:ext uri="{FF2B5EF4-FFF2-40B4-BE49-F238E27FC236}">
-                <a16:creationId xmlns="" xmlns:a16="http://schemas.microsoft.com/office/drawing/2014/main" id="{C7CCB8DC-90E9-1D49-B70B-5103FBBD3972}"/>
+                <a16:creationId xmlns:a16="http://schemas.microsoft.com/office/drawing/2014/main" id="{C7CCB8DC-90E9-1D49-B70B-5103FBBD3972}"/>
               </a:ext>
             </a:extLst>
           </p:cNvPr>
@@ -1205,7 +1203,7 @@
           <a:p>
             <a:fld id="{BE5295ED-3BAF-1140-8495-3D368771D6B1}" type="datetimeFigureOut">
               <a:rPr lang="en-US" smtClean="0"/>
-              <a:t>11/4/19</a:t>
+              <a:t>2/5/20</a:t>
             </a:fld>
             <a:endParaRPr lang="en-US"/>
           </a:p>
@@ -1216,7 +1214,7 @@
           <p:cNvPr id="5" name="Footer Placeholder 4">
             <a:extLst>
               <a:ext uri="{FF2B5EF4-FFF2-40B4-BE49-F238E27FC236}">
-                <a16:creationId xmlns="" xmlns:a16="http://schemas.microsoft.com/office/drawing/2014/main" id="{0997D847-8768-9843-9B66-E6B3989BA3D2}"/>
+                <a16:creationId xmlns:a16="http://schemas.microsoft.com/office/drawing/2014/main" id="{0997D847-8768-9843-9B66-E6B3989BA3D2}"/>
               </a:ext>
             </a:extLst>
           </p:cNvPr>
@@ -1241,7 +1239,7 @@
           <p:cNvPr id="6" name="Slide Number Placeholder 5">
             <a:extLst>
               <a:ext uri="{FF2B5EF4-FFF2-40B4-BE49-F238E27FC236}">
-                <a16:creationId xmlns="" xmlns:a16="http://schemas.microsoft.com/office/drawing/2014/main" id="{8E82CB94-E0A6-3E47-9F30-8DEB64C2027C}"/>
+                <a16:creationId xmlns:a16="http://schemas.microsoft.com/office/drawing/2014/main" id="{8E82CB94-E0A6-3E47-9F30-8DEB64C2027C}"/>
               </a:ext>
             </a:extLst>
           </p:cNvPr>
@@ -1300,7 +1298,7 @@
           <p:cNvPr id="2" name="Title 1">
             <a:extLst>
               <a:ext uri="{FF2B5EF4-FFF2-40B4-BE49-F238E27FC236}">
-                <a16:creationId xmlns="" xmlns:a16="http://schemas.microsoft.com/office/drawing/2014/main" id="{B8842375-E5EF-4D4E-AFD0-A94090E7DB29}"/>
+                <a16:creationId xmlns:a16="http://schemas.microsoft.com/office/drawing/2014/main" id="{B8842375-E5EF-4D4E-AFD0-A94090E7DB29}"/>
               </a:ext>
             </a:extLst>
           </p:cNvPr>
@@ -1328,7 +1326,7 @@
           <p:cNvPr id="3" name="Content Placeholder 2">
             <a:extLst>
               <a:ext uri="{FF2B5EF4-FFF2-40B4-BE49-F238E27FC236}">
-                <a16:creationId xmlns="" xmlns:a16="http://schemas.microsoft.com/office/drawing/2014/main" id="{F366F610-FF9B-2A4B-8E35-314B0D78D9D8}"/>
+                <a16:creationId xmlns:a16="http://schemas.microsoft.com/office/drawing/2014/main" id="{F366F610-FF9B-2A4B-8E35-314B0D78D9D8}"/>
               </a:ext>
             </a:extLst>
           </p:cNvPr>
@@ -1385,7 +1383,7 @@
           <p:cNvPr id="4" name="Date Placeholder 3">
             <a:extLst>
               <a:ext uri="{FF2B5EF4-FFF2-40B4-BE49-F238E27FC236}">
-                <a16:creationId xmlns="" xmlns:a16="http://schemas.microsoft.com/office/drawing/2014/main" id="{1561E808-F7D2-E84B-8CD4-83F18272EA72}"/>
+                <a16:creationId xmlns:a16="http://schemas.microsoft.com/office/drawing/2014/main" id="{1561E808-F7D2-E84B-8CD4-83F18272EA72}"/>
               </a:ext>
             </a:extLst>
           </p:cNvPr>
@@ -1403,7 +1401,7 @@
           <a:p>
             <a:fld id="{BE5295ED-3BAF-1140-8495-3D368771D6B1}" type="datetimeFigureOut">
               <a:rPr lang="en-US" smtClean="0"/>
-              <a:t>11/4/19</a:t>
+              <a:t>2/5/20</a:t>
             </a:fld>
             <a:endParaRPr lang="en-US"/>
           </a:p>
@@ -1414,7 +1412,7 @@
           <p:cNvPr id="5" name="Footer Placeholder 4">
             <a:extLst>
               <a:ext uri="{FF2B5EF4-FFF2-40B4-BE49-F238E27FC236}">
-                <a16:creationId xmlns="" xmlns:a16="http://schemas.microsoft.com/office/drawing/2014/main" id="{7B3AD9A1-B1EC-984E-A23E-0ECF6F652482}"/>
+                <a16:creationId xmlns:a16="http://schemas.microsoft.com/office/drawing/2014/main" id="{7B3AD9A1-B1EC-984E-A23E-0ECF6F652482}"/>
               </a:ext>
             </a:extLst>
           </p:cNvPr>
@@ -1439,7 +1437,7 @@
           <p:cNvPr id="6" name="Slide Number Placeholder 5">
             <a:extLst>
               <a:ext uri="{FF2B5EF4-FFF2-40B4-BE49-F238E27FC236}">
-                <a16:creationId xmlns="" xmlns:a16="http://schemas.microsoft.com/office/drawing/2014/main" id="{01BFD94D-9604-2A43-AADF-14B0876B6EBB}"/>
+                <a16:creationId xmlns:a16="http://schemas.microsoft.com/office/drawing/2014/main" id="{01BFD94D-9604-2A43-AADF-14B0876B6EBB}"/>
               </a:ext>
             </a:extLst>
           </p:cNvPr>
@@ -1498,7 +1496,7 @@
           <p:cNvPr id="2" name="Title 1">
             <a:extLst>
               <a:ext uri="{FF2B5EF4-FFF2-40B4-BE49-F238E27FC236}">
-                <a16:creationId xmlns="" xmlns:a16="http://schemas.microsoft.com/office/drawing/2014/main" id="{771589AC-2242-B445-BBEA-95D500596EE6}"/>
+                <a16:creationId xmlns:a16="http://schemas.microsoft.com/office/drawing/2014/main" id="{771589AC-2242-B445-BBEA-95D500596EE6}"/>
               </a:ext>
             </a:extLst>
           </p:cNvPr>
@@ -1535,7 +1533,7 @@
           <p:cNvPr id="3" name="Text Placeholder 2">
             <a:extLst>
               <a:ext uri="{FF2B5EF4-FFF2-40B4-BE49-F238E27FC236}">
-                <a16:creationId xmlns="" xmlns:a16="http://schemas.microsoft.com/office/drawing/2014/main" id="{255D194C-D171-4B45-BA38-8D16CD1C3449}"/>
+                <a16:creationId xmlns:a16="http://schemas.microsoft.com/office/drawing/2014/main" id="{255D194C-D171-4B45-BA38-8D16CD1C3449}"/>
               </a:ext>
             </a:extLst>
           </p:cNvPr>
@@ -1660,7 +1658,7 @@
           <p:cNvPr id="4" name="Date Placeholder 3">
             <a:extLst>
               <a:ext uri="{FF2B5EF4-FFF2-40B4-BE49-F238E27FC236}">
-                <a16:creationId xmlns="" xmlns:a16="http://schemas.microsoft.com/office/drawing/2014/main" id="{68A38244-2F9E-AB4A-B300-488462389FF9}"/>
+                <a16:creationId xmlns:a16="http://schemas.microsoft.com/office/drawing/2014/main" id="{68A38244-2F9E-AB4A-B300-488462389FF9}"/>
               </a:ext>
             </a:extLst>
           </p:cNvPr>
@@ -1678,7 +1676,7 @@
           <a:p>
             <a:fld id="{BE5295ED-3BAF-1140-8495-3D368771D6B1}" type="datetimeFigureOut">
               <a:rPr lang="en-US" smtClean="0"/>
-              <a:t>11/4/19</a:t>
+              <a:t>2/5/20</a:t>
             </a:fld>
             <a:endParaRPr lang="en-US"/>
           </a:p>
@@ -1689,7 +1687,7 @@
           <p:cNvPr id="5" name="Footer Placeholder 4">
             <a:extLst>
               <a:ext uri="{FF2B5EF4-FFF2-40B4-BE49-F238E27FC236}">
-                <a16:creationId xmlns="" xmlns:a16="http://schemas.microsoft.com/office/drawing/2014/main" id="{B33A7B5A-1475-C94F-AD18-1726D2BA89C2}"/>
+                <a16:creationId xmlns:a16="http://schemas.microsoft.com/office/drawing/2014/main" id="{B33A7B5A-1475-C94F-AD18-1726D2BA89C2}"/>
               </a:ext>
             </a:extLst>
           </p:cNvPr>
@@ -1714,7 +1712,7 @@
           <p:cNvPr id="6" name="Slide Number Placeholder 5">
             <a:extLst>
               <a:ext uri="{FF2B5EF4-FFF2-40B4-BE49-F238E27FC236}">
-                <a16:creationId xmlns="" xmlns:a16="http://schemas.microsoft.com/office/drawing/2014/main" id="{8069DDF6-CCE5-3946-8A72-14D318AB4D22}"/>
+                <a16:creationId xmlns:a16="http://schemas.microsoft.com/office/drawing/2014/main" id="{8069DDF6-CCE5-3946-8A72-14D318AB4D22}"/>
               </a:ext>
             </a:extLst>
           </p:cNvPr>
@@ -1773,7 +1771,7 @@
           <p:cNvPr id="2" name="Title 1">
             <a:extLst>
               <a:ext uri="{FF2B5EF4-FFF2-40B4-BE49-F238E27FC236}">
-                <a16:creationId xmlns="" xmlns:a16="http://schemas.microsoft.com/office/drawing/2014/main" id="{AC1D2791-2196-8F4F-AD62-59B19A8810A3}"/>
+                <a16:creationId xmlns:a16="http://schemas.microsoft.com/office/drawing/2014/main" id="{AC1D2791-2196-8F4F-AD62-59B19A8810A3}"/>
               </a:ext>
             </a:extLst>
           </p:cNvPr>
@@ -1801,7 +1799,7 @@
           <p:cNvPr id="3" name="Content Placeholder 2">
             <a:extLst>
               <a:ext uri="{FF2B5EF4-FFF2-40B4-BE49-F238E27FC236}">
-                <a16:creationId xmlns="" xmlns:a16="http://schemas.microsoft.com/office/drawing/2014/main" id="{3962F23A-0A28-6141-B0BF-D7B92C213877}"/>
+                <a16:creationId xmlns:a16="http://schemas.microsoft.com/office/drawing/2014/main" id="{3962F23A-0A28-6141-B0BF-D7B92C213877}"/>
               </a:ext>
             </a:extLst>
           </p:cNvPr>
@@ -1863,7 +1861,7 @@
           <p:cNvPr id="4" name="Content Placeholder 3">
             <a:extLst>
               <a:ext uri="{FF2B5EF4-FFF2-40B4-BE49-F238E27FC236}">
-                <a16:creationId xmlns="" xmlns:a16="http://schemas.microsoft.com/office/drawing/2014/main" id="{C36DF3E7-529D-1C40-B815-3C505F4D107E}"/>
+                <a16:creationId xmlns:a16="http://schemas.microsoft.com/office/drawing/2014/main" id="{C36DF3E7-529D-1C40-B815-3C505F4D107E}"/>
               </a:ext>
             </a:extLst>
           </p:cNvPr>
@@ -1925,7 +1923,7 @@
           <p:cNvPr id="5" name="Date Placeholder 4">
             <a:extLst>
               <a:ext uri="{FF2B5EF4-FFF2-40B4-BE49-F238E27FC236}">
-                <a16:creationId xmlns="" xmlns:a16="http://schemas.microsoft.com/office/drawing/2014/main" id="{ECFEE966-F172-8C42-A9F6-013C2A368C90}"/>
+                <a16:creationId xmlns:a16="http://schemas.microsoft.com/office/drawing/2014/main" id="{ECFEE966-F172-8C42-A9F6-013C2A368C90}"/>
               </a:ext>
             </a:extLst>
           </p:cNvPr>
@@ -1943,7 +1941,7 @@
           <a:p>
             <a:fld id="{BE5295ED-3BAF-1140-8495-3D368771D6B1}" type="datetimeFigureOut">
               <a:rPr lang="en-US" smtClean="0"/>
-              <a:t>11/4/19</a:t>
+              <a:t>2/5/20</a:t>
             </a:fld>
             <a:endParaRPr lang="en-US"/>
           </a:p>
@@ -1954,7 +1952,7 @@
           <p:cNvPr id="6" name="Footer Placeholder 5">
             <a:extLst>
               <a:ext uri="{FF2B5EF4-FFF2-40B4-BE49-F238E27FC236}">
-                <a16:creationId xmlns="" xmlns:a16="http://schemas.microsoft.com/office/drawing/2014/main" id="{54FDED73-DCFA-6648-B65F-CBEDB1D3556B}"/>
+                <a16:creationId xmlns:a16="http://schemas.microsoft.com/office/drawing/2014/main" id="{54FDED73-DCFA-6648-B65F-CBEDB1D3556B}"/>
               </a:ext>
             </a:extLst>
           </p:cNvPr>
@@ -1979,7 +1977,7 @@
           <p:cNvPr id="7" name="Slide Number Placeholder 6">
             <a:extLst>
               <a:ext uri="{FF2B5EF4-FFF2-40B4-BE49-F238E27FC236}">
-                <a16:creationId xmlns="" xmlns:a16="http://schemas.microsoft.com/office/drawing/2014/main" id="{F3D072AD-ADC5-2943-B36C-F14AE6555C55}"/>
+                <a16:creationId xmlns:a16="http://schemas.microsoft.com/office/drawing/2014/main" id="{F3D072AD-ADC5-2943-B36C-F14AE6555C55}"/>
               </a:ext>
             </a:extLst>
           </p:cNvPr>
@@ -2038,7 +2036,7 @@
           <p:cNvPr id="2" name="Title 1">
             <a:extLst>
               <a:ext uri="{FF2B5EF4-FFF2-40B4-BE49-F238E27FC236}">
-                <a16:creationId xmlns="" xmlns:a16="http://schemas.microsoft.com/office/drawing/2014/main" id="{478E3FB4-66D6-9040-98CF-3DE68ABAAB18}"/>
+                <a16:creationId xmlns:a16="http://schemas.microsoft.com/office/drawing/2014/main" id="{478E3FB4-66D6-9040-98CF-3DE68ABAAB18}"/>
               </a:ext>
             </a:extLst>
           </p:cNvPr>
@@ -2071,7 +2069,7 @@
           <p:cNvPr id="3" name="Text Placeholder 2">
             <a:extLst>
               <a:ext uri="{FF2B5EF4-FFF2-40B4-BE49-F238E27FC236}">
-                <a16:creationId xmlns="" xmlns:a16="http://schemas.microsoft.com/office/drawing/2014/main" id="{C3B9CBA2-D589-E342-B02C-AFD0528E353B}"/>
+                <a16:creationId xmlns:a16="http://schemas.microsoft.com/office/drawing/2014/main" id="{C3B9CBA2-D589-E342-B02C-AFD0528E353B}"/>
               </a:ext>
             </a:extLst>
           </p:cNvPr>
@@ -2142,7 +2140,7 @@
           <p:cNvPr id="4" name="Content Placeholder 3">
             <a:extLst>
               <a:ext uri="{FF2B5EF4-FFF2-40B4-BE49-F238E27FC236}">
-                <a16:creationId xmlns="" xmlns:a16="http://schemas.microsoft.com/office/drawing/2014/main" id="{F570E95A-9A57-7F42-A0D4-A9C36B16D13C}"/>
+                <a16:creationId xmlns:a16="http://schemas.microsoft.com/office/drawing/2014/main" id="{F570E95A-9A57-7F42-A0D4-A9C36B16D13C}"/>
               </a:ext>
             </a:extLst>
           </p:cNvPr>
@@ -2204,7 +2202,7 @@
           <p:cNvPr id="5" name="Text Placeholder 4">
             <a:extLst>
               <a:ext uri="{FF2B5EF4-FFF2-40B4-BE49-F238E27FC236}">
-                <a16:creationId xmlns="" xmlns:a16="http://schemas.microsoft.com/office/drawing/2014/main" id="{B6A72F40-C7A9-CC45-82FB-CCCE1FE08B0B}"/>
+                <a16:creationId xmlns:a16="http://schemas.microsoft.com/office/drawing/2014/main" id="{B6A72F40-C7A9-CC45-82FB-CCCE1FE08B0B}"/>
               </a:ext>
             </a:extLst>
           </p:cNvPr>
@@ -2275,7 +2273,7 @@
           <p:cNvPr id="6" name="Content Placeholder 5">
             <a:extLst>
               <a:ext uri="{FF2B5EF4-FFF2-40B4-BE49-F238E27FC236}">
-                <a16:creationId xmlns="" xmlns:a16="http://schemas.microsoft.com/office/drawing/2014/main" id="{9FDA6D2A-2E9D-714C-B9CB-D0F9D788FCD3}"/>
+                <a16:creationId xmlns:a16="http://schemas.microsoft.com/office/drawing/2014/main" id="{9FDA6D2A-2E9D-714C-B9CB-D0F9D788FCD3}"/>
               </a:ext>
             </a:extLst>
           </p:cNvPr>
@@ -2337,7 +2335,7 @@
           <p:cNvPr id="7" name="Date Placeholder 6">
             <a:extLst>
               <a:ext uri="{FF2B5EF4-FFF2-40B4-BE49-F238E27FC236}">
-                <a16:creationId xmlns="" xmlns:a16="http://schemas.microsoft.com/office/drawing/2014/main" id="{1B7F3C0C-4D75-9C49-9075-FA8B3D33CF9B}"/>
+                <a16:creationId xmlns:a16="http://schemas.microsoft.com/office/drawing/2014/main" id="{1B7F3C0C-4D75-9C49-9075-FA8B3D33CF9B}"/>
               </a:ext>
             </a:extLst>
           </p:cNvPr>
@@ -2355,7 +2353,7 @@
           <a:p>
             <a:fld id="{BE5295ED-3BAF-1140-8495-3D368771D6B1}" type="datetimeFigureOut">
               <a:rPr lang="en-US" smtClean="0"/>
-              <a:t>11/4/19</a:t>
+              <a:t>2/5/20</a:t>
             </a:fld>
             <a:endParaRPr lang="en-US"/>
           </a:p>
@@ -2366,7 +2364,7 @@
           <p:cNvPr id="8" name="Footer Placeholder 7">
             <a:extLst>
               <a:ext uri="{FF2B5EF4-FFF2-40B4-BE49-F238E27FC236}">
-                <a16:creationId xmlns="" xmlns:a16="http://schemas.microsoft.com/office/drawing/2014/main" id="{9788C8FA-359A-5447-AA0E-98D16ECCC92D}"/>
+                <a16:creationId xmlns:a16="http://schemas.microsoft.com/office/drawing/2014/main" id="{9788C8FA-359A-5447-AA0E-98D16ECCC92D}"/>
               </a:ext>
             </a:extLst>
           </p:cNvPr>
@@ -2391,7 +2389,7 @@
           <p:cNvPr id="9" name="Slide Number Placeholder 8">
             <a:extLst>
               <a:ext uri="{FF2B5EF4-FFF2-40B4-BE49-F238E27FC236}">
-                <a16:creationId xmlns="" xmlns:a16="http://schemas.microsoft.com/office/drawing/2014/main" id="{3D69C8CD-0DF6-4E4C-A412-31B03845FA24}"/>
+                <a16:creationId xmlns:a16="http://schemas.microsoft.com/office/drawing/2014/main" id="{3D69C8CD-0DF6-4E4C-A412-31B03845FA24}"/>
               </a:ext>
             </a:extLst>
           </p:cNvPr>
@@ -2450,7 +2448,7 @@
           <p:cNvPr id="2" name="Title 1">
             <a:extLst>
               <a:ext uri="{FF2B5EF4-FFF2-40B4-BE49-F238E27FC236}">
-                <a16:creationId xmlns="" xmlns:a16="http://schemas.microsoft.com/office/drawing/2014/main" id="{13C48C8E-A743-0B4F-AB6E-AB828F1218C8}"/>
+                <a16:creationId xmlns:a16="http://schemas.microsoft.com/office/drawing/2014/main" id="{13C48C8E-A743-0B4F-AB6E-AB828F1218C8}"/>
               </a:ext>
             </a:extLst>
           </p:cNvPr>
@@ -2478,7 +2476,7 @@
           <p:cNvPr id="3" name="Date Placeholder 2">
             <a:extLst>
               <a:ext uri="{FF2B5EF4-FFF2-40B4-BE49-F238E27FC236}">
-                <a16:creationId xmlns="" xmlns:a16="http://schemas.microsoft.com/office/drawing/2014/main" id="{70FAB17F-6D86-B147-9346-A9B5242FC803}"/>
+                <a16:creationId xmlns:a16="http://schemas.microsoft.com/office/drawing/2014/main" id="{70FAB17F-6D86-B147-9346-A9B5242FC803}"/>
               </a:ext>
             </a:extLst>
           </p:cNvPr>
@@ -2496,7 +2494,7 @@
           <a:p>
             <a:fld id="{BE5295ED-3BAF-1140-8495-3D368771D6B1}" type="datetimeFigureOut">
               <a:rPr lang="en-US" smtClean="0"/>
-              <a:t>11/4/19</a:t>
+              <a:t>2/5/20</a:t>
             </a:fld>
             <a:endParaRPr lang="en-US"/>
           </a:p>
@@ -2507,7 +2505,7 @@
           <p:cNvPr id="4" name="Footer Placeholder 3">
             <a:extLst>
               <a:ext uri="{FF2B5EF4-FFF2-40B4-BE49-F238E27FC236}">
-                <a16:creationId xmlns="" xmlns:a16="http://schemas.microsoft.com/office/drawing/2014/main" id="{4B8A6F49-DCD7-7B4B-8496-2547B2A81C83}"/>
+                <a16:creationId xmlns:a16="http://schemas.microsoft.com/office/drawing/2014/main" id="{4B8A6F49-DCD7-7B4B-8496-2547B2A81C83}"/>
               </a:ext>
             </a:extLst>
           </p:cNvPr>
@@ -2532,7 +2530,7 @@
           <p:cNvPr id="5" name="Slide Number Placeholder 4">
             <a:extLst>
               <a:ext uri="{FF2B5EF4-FFF2-40B4-BE49-F238E27FC236}">
-                <a16:creationId xmlns="" xmlns:a16="http://schemas.microsoft.com/office/drawing/2014/main" id="{D4D1F89D-8541-BB4B-A145-D0DC66605C91}"/>
+                <a16:creationId xmlns:a16="http://schemas.microsoft.com/office/drawing/2014/main" id="{D4D1F89D-8541-BB4B-A145-D0DC66605C91}"/>
               </a:ext>
             </a:extLst>
           </p:cNvPr>
@@ -2591,7 +2589,7 @@
           <p:cNvPr id="2" name="Date Placeholder 1">
             <a:extLst>
               <a:ext uri="{FF2B5EF4-FFF2-40B4-BE49-F238E27FC236}">
-                <a16:creationId xmlns="" xmlns:a16="http://schemas.microsoft.com/office/drawing/2014/main" id="{AD68AA44-A589-744E-AB85-5B6ED8E7D8C0}"/>
+                <a16:creationId xmlns:a16="http://schemas.microsoft.com/office/drawing/2014/main" id="{AD68AA44-A589-744E-AB85-5B6ED8E7D8C0}"/>
               </a:ext>
             </a:extLst>
           </p:cNvPr>
@@ -2609,7 +2607,7 @@
           <a:p>
             <a:fld id="{BE5295ED-3BAF-1140-8495-3D368771D6B1}" type="datetimeFigureOut">
               <a:rPr lang="en-US" smtClean="0"/>
-              <a:t>11/4/19</a:t>
+              <a:t>2/5/20</a:t>
             </a:fld>
             <a:endParaRPr lang="en-US"/>
           </a:p>
@@ -2620,7 +2618,7 @@
           <p:cNvPr id="3" name="Footer Placeholder 2">
             <a:extLst>
               <a:ext uri="{FF2B5EF4-FFF2-40B4-BE49-F238E27FC236}">
-                <a16:creationId xmlns="" xmlns:a16="http://schemas.microsoft.com/office/drawing/2014/main" id="{1CA0E6D3-947A-FA4D-8626-2883D14EFE8D}"/>
+                <a16:creationId xmlns:a16="http://schemas.microsoft.com/office/drawing/2014/main" id="{1CA0E6D3-947A-FA4D-8626-2883D14EFE8D}"/>
               </a:ext>
             </a:extLst>
           </p:cNvPr>
@@ -2645,7 +2643,7 @@
           <p:cNvPr id="4" name="Slide Number Placeholder 3">
             <a:extLst>
               <a:ext uri="{FF2B5EF4-FFF2-40B4-BE49-F238E27FC236}">
-                <a16:creationId xmlns="" xmlns:a16="http://schemas.microsoft.com/office/drawing/2014/main" id="{5BF0953F-E6D0-2240-B174-03015D0856A8}"/>
+                <a16:creationId xmlns:a16="http://schemas.microsoft.com/office/drawing/2014/main" id="{5BF0953F-E6D0-2240-B174-03015D0856A8}"/>
               </a:ext>
             </a:extLst>
           </p:cNvPr>
@@ -2704,7 +2702,7 @@
           <p:cNvPr id="2" name="Title 1">
             <a:extLst>
               <a:ext uri="{FF2B5EF4-FFF2-40B4-BE49-F238E27FC236}">
-                <a16:creationId xmlns="" xmlns:a16="http://schemas.microsoft.com/office/drawing/2014/main" id="{26FFD677-FF02-3E4E-8E32-44D146E24D90}"/>
+                <a16:creationId xmlns:a16="http://schemas.microsoft.com/office/drawing/2014/main" id="{26FFD677-FF02-3E4E-8E32-44D146E24D90}"/>
               </a:ext>
             </a:extLst>
           </p:cNvPr>
@@ -2741,7 +2739,7 @@
           <p:cNvPr id="3" name="Content Placeholder 2">
             <a:extLst>
               <a:ext uri="{FF2B5EF4-FFF2-40B4-BE49-F238E27FC236}">
-                <a16:creationId xmlns="" xmlns:a16="http://schemas.microsoft.com/office/drawing/2014/main" id="{9942170F-E10D-1348-86CE-8E869B806F9B}"/>
+                <a16:creationId xmlns:a16="http://schemas.microsoft.com/office/drawing/2014/main" id="{9942170F-E10D-1348-86CE-8E869B806F9B}"/>
               </a:ext>
             </a:extLst>
           </p:cNvPr>
@@ -2831,7 +2829,7 @@
           <p:cNvPr id="4" name="Text Placeholder 3">
             <a:extLst>
               <a:ext uri="{FF2B5EF4-FFF2-40B4-BE49-F238E27FC236}">
-                <a16:creationId xmlns="" xmlns:a16="http://schemas.microsoft.com/office/drawing/2014/main" id="{80772D86-2794-394C-A208-2D3E234A3A20}"/>
+                <a16:creationId xmlns:a16="http://schemas.microsoft.com/office/drawing/2014/main" id="{80772D86-2794-394C-A208-2D3E234A3A20}"/>
               </a:ext>
             </a:extLst>
           </p:cNvPr>
@@ -2902,7 +2900,7 @@
           <p:cNvPr id="5" name="Date Placeholder 4">
             <a:extLst>
               <a:ext uri="{FF2B5EF4-FFF2-40B4-BE49-F238E27FC236}">
-                <a16:creationId xmlns="" xmlns:a16="http://schemas.microsoft.com/office/drawing/2014/main" id="{B5314D31-901A-D944-B06D-3D8106F2A2BC}"/>
+                <a16:creationId xmlns:a16="http://schemas.microsoft.com/office/drawing/2014/main" id="{B5314D31-901A-D944-B06D-3D8106F2A2BC}"/>
               </a:ext>
             </a:extLst>
           </p:cNvPr>
@@ -2920,7 +2918,7 @@
           <a:p>
             <a:fld id="{BE5295ED-3BAF-1140-8495-3D368771D6B1}" type="datetimeFigureOut">
               <a:rPr lang="en-US" smtClean="0"/>
-              <a:t>11/4/19</a:t>
+              <a:t>2/5/20</a:t>
             </a:fld>
             <a:endParaRPr lang="en-US"/>
           </a:p>
@@ -2931,7 +2929,7 @@
           <p:cNvPr id="6" name="Footer Placeholder 5">
             <a:extLst>
               <a:ext uri="{FF2B5EF4-FFF2-40B4-BE49-F238E27FC236}">
-                <a16:creationId xmlns="" xmlns:a16="http://schemas.microsoft.com/office/drawing/2014/main" id="{BFFC6519-9D04-AC45-BB37-9DD413CC741D}"/>
+                <a16:creationId xmlns:a16="http://schemas.microsoft.com/office/drawing/2014/main" id="{BFFC6519-9D04-AC45-BB37-9DD413CC741D}"/>
               </a:ext>
             </a:extLst>
           </p:cNvPr>
@@ -2956,7 +2954,7 @@
           <p:cNvPr id="7" name="Slide Number Placeholder 6">
             <a:extLst>
               <a:ext uri="{FF2B5EF4-FFF2-40B4-BE49-F238E27FC236}">
-                <a16:creationId xmlns="" xmlns:a16="http://schemas.microsoft.com/office/drawing/2014/main" id="{856ACFF3-3C93-FA41-80F3-4708944F9A8C}"/>
+                <a16:creationId xmlns:a16="http://schemas.microsoft.com/office/drawing/2014/main" id="{856ACFF3-3C93-FA41-80F3-4708944F9A8C}"/>
               </a:ext>
             </a:extLst>
           </p:cNvPr>
@@ -3015,7 +3013,7 @@
           <p:cNvPr id="2" name="Title 1">
             <a:extLst>
               <a:ext uri="{FF2B5EF4-FFF2-40B4-BE49-F238E27FC236}">
-                <a16:creationId xmlns="" xmlns:a16="http://schemas.microsoft.com/office/drawing/2014/main" id="{52F7D6A8-4C7A-ED44-A821-97E76FB58748}"/>
+                <a16:creationId xmlns:a16="http://schemas.microsoft.com/office/drawing/2014/main" id="{52F7D6A8-4C7A-ED44-A821-97E76FB58748}"/>
               </a:ext>
             </a:extLst>
           </p:cNvPr>
@@ -3052,7 +3050,7 @@
           <p:cNvPr id="3" name="Picture Placeholder 2">
             <a:extLst>
               <a:ext uri="{FF2B5EF4-FFF2-40B4-BE49-F238E27FC236}">
-                <a16:creationId xmlns="" xmlns:a16="http://schemas.microsoft.com/office/drawing/2014/main" id="{FFA0AABB-AB65-FB40-8DCA-227F017E16C5}"/>
+                <a16:creationId xmlns:a16="http://schemas.microsoft.com/office/drawing/2014/main" id="{FFA0AABB-AB65-FB40-8DCA-227F017E16C5}"/>
               </a:ext>
             </a:extLst>
           </p:cNvPr>
@@ -3119,7 +3117,7 @@
           <p:cNvPr id="4" name="Text Placeholder 3">
             <a:extLst>
               <a:ext uri="{FF2B5EF4-FFF2-40B4-BE49-F238E27FC236}">
-                <a16:creationId xmlns="" xmlns:a16="http://schemas.microsoft.com/office/drawing/2014/main" id="{67AC3EE9-FB8F-F642-BB10-A468CFF85E6A}"/>
+                <a16:creationId xmlns:a16="http://schemas.microsoft.com/office/drawing/2014/main" id="{67AC3EE9-FB8F-F642-BB10-A468CFF85E6A}"/>
               </a:ext>
             </a:extLst>
           </p:cNvPr>
@@ -3190,7 +3188,7 @@
           <p:cNvPr id="5" name="Date Placeholder 4">
             <a:extLst>
               <a:ext uri="{FF2B5EF4-FFF2-40B4-BE49-F238E27FC236}">
-                <a16:creationId xmlns="" xmlns:a16="http://schemas.microsoft.com/office/drawing/2014/main" id="{0A0EC8A2-C616-8B40-8C9C-A15442358393}"/>
+                <a16:creationId xmlns:a16="http://schemas.microsoft.com/office/drawing/2014/main" id="{0A0EC8A2-C616-8B40-8C9C-A15442358393}"/>
               </a:ext>
             </a:extLst>
           </p:cNvPr>
@@ -3208,7 +3206,7 @@
           <a:p>
             <a:fld id="{BE5295ED-3BAF-1140-8495-3D368771D6B1}" type="datetimeFigureOut">
               <a:rPr lang="en-US" smtClean="0"/>
-              <a:t>11/4/19</a:t>
+              <a:t>2/5/20</a:t>
             </a:fld>
             <a:endParaRPr lang="en-US"/>
           </a:p>
@@ -3219,7 +3217,7 @@
           <p:cNvPr id="6" name="Footer Placeholder 5">
             <a:extLst>
               <a:ext uri="{FF2B5EF4-FFF2-40B4-BE49-F238E27FC236}">
-                <a16:creationId xmlns="" xmlns:a16="http://schemas.microsoft.com/office/drawing/2014/main" id="{AA229EC7-73FC-4D43-8916-C76404AC37DC}"/>
+                <a16:creationId xmlns:a16="http://schemas.microsoft.com/office/drawing/2014/main" id="{AA229EC7-73FC-4D43-8916-C76404AC37DC}"/>
               </a:ext>
             </a:extLst>
           </p:cNvPr>
@@ -3244,7 +3242,7 @@
           <p:cNvPr id="7" name="Slide Number Placeholder 6">
             <a:extLst>
               <a:ext uri="{FF2B5EF4-FFF2-40B4-BE49-F238E27FC236}">
-                <a16:creationId xmlns="" xmlns:a16="http://schemas.microsoft.com/office/drawing/2014/main" id="{D84430E4-67BB-3342-B2B8-DFBE758CFA59}"/>
+                <a16:creationId xmlns:a16="http://schemas.microsoft.com/office/drawing/2014/main" id="{D84430E4-67BB-3342-B2B8-DFBE758CFA59}"/>
               </a:ext>
             </a:extLst>
           </p:cNvPr>
@@ -3308,7 +3306,7 @@
           <p:cNvPr id="2" name="Title Placeholder 1">
             <a:extLst>
               <a:ext uri="{FF2B5EF4-FFF2-40B4-BE49-F238E27FC236}">
-                <a16:creationId xmlns="" xmlns:a16="http://schemas.microsoft.com/office/drawing/2014/main" id="{ED530927-E202-4648-95ED-A701F648A289}"/>
+                <a16:creationId xmlns:a16="http://schemas.microsoft.com/office/drawing/2014/main" id="{ED530927-E202-4648-95ED-A701F648A289}"/>
               </a:ext>
             </a:extLst>
           </p:cNvPr>
@@ -3346,7 +3344,7 @@
           <p:cNvPr id="3" name="Text Placeholder 2">
             <a:extLst>
               <a:ext uri="{FF2B5EF4-FFF2-40B4-BE49-F238E27FC236}">
-                <a16:creationId xmlns="" xmlns:a16="http://schemas.microsoft.com/office/drawing/2014/main" id="{F00E1E3E-B2FE-5A47-8C43-849DE842741B}"/>
+                <a16:creationId xmlns:a16="http://schemas.microsoft.com/office/drawing/2014/main" id="{F00E1E3E-B2FE-5A47-8C43-849DE842741B}"/>
               </a:ext>
             </a:extLst>
           </p:cNvPr>
@@ -3413,7 +3411,7 @@
           <p:cNvPr id="4" name="Date Placeholder 3">
             <a:extLst>
               <a:ext uri="{FF2B5EF4-FFF2-40B4-BE49-F238E27FC236}">
-                <a16:creationId xmlns="" xmlns:a16="http://schemas.microsoft.com/office/drawing/2014/main" id="{A51822C1-C9FC-554F-B744-0FF8DD0A61C0}"/>
+                <a16:creationId xmlns:a16="http://schemas.microsoft.com/office/drawing/2014/main" id="{A51822C1-C9FC-554F-B744-0FF8DD0A61C0}"/>
               </a:ext>
             </a:extLst>
           </p:cNvPr>
@@ -3449,7 +3447,7 @@
           <a:p>
             <a:fld id="{BE5295ED-3BAF-1140-8495-3D368771D6B1}" type="datetimeFigureOut">
               <a:rPr lang="en-US" smtClean="0"/>
-              <a:t>11/4/19</a:t>
+              <a:t>2/5/20</a:t>
             </a:fld>
             <a:endParaRPr lang="en-US"/>
           </a:p>
@@ -3460,7 +3458,7 @@
           <p:cNvPr id="5" name="Footer Placeholder 4">
             <a:extLst>
               <a:ext uri="{FF2B5EF4-FFF2-40B4-BE49-F238E27FC236}">
-                <a16:creationId xmlns="" xmlns:a16="http://schemas.microsoft.com/office/drawing/2014/main" id="{AA4916E3-9D5B-B647-A5DA-A5B78525EFFB}"/>
+                <a16:creationId xmlns:a16="http://schemas.microsoft.com/office/drawing/2014/main" id="{AA4916E3-9D5B-B647-A5DA-A5B78525EFFB}"/>
               </a:ext>
             </a:extLst>
           </p:cNvPr>
@@ -3503,7 +3501,7 @@
           <p:cNvPr id="6" name="Slide Number Placeholder 5">
             <a:extLst>
               <a:ext uri="{FF2B5EF4-FFF2-40B4-BE49-F238E27FC236}">
-                <a16:creationId xmlns="" xmlns:a16="http://schemas.microsoft.com/office/drawing/2014/main" id="{11872E83-B77B-9647-AE80-95985B60F4F0}"/>
+                <a16:creationId xmlns:a16="http://schemas.microsoft.com/office/drawing/2014/main" id="{11872E83-B77B-9647-AE80-95985B60F4F0}"/>
               </a:ext>
             </a:extLst>
           </p:cNvPr>
@@ -3550,7 +3548,7 @@
           <p:cNvPr id="7" name="Picture 6">
             <a:extLst>
               <a:ext uri="{FF2B5EF4-FFF2-40B4-BE49-F238E27FC236}">
-                <a16:creationId xmlns="" xmlns:a16="http://schemas.microsoft.com/office/drawing/2014/main" id="{F0F46825-E66D-B247-B71A-C48424207597}"/>
+                <a16:creationId xmlns:a16="http://schemas.microsoft.com/office/drawing/2014/main" id="{F0F46825-E66D-B247-B71A-C48424207597}"/>
               </a:ext>
             </a:extLst>
           </p:cNvPr>
@@ -3901,7 +3899,7 @@
           <p:cNvPr id="2" name="Title 1">
             <a:extLst>
               <a:ext uri="{FF2B5EF4-FFF2-40B4-BE49-F238E27FC236}">
-                <a16:creationId xmlns="" xmlns:a16="http://schemas.microsoft.com/office/drawing/2014/main" id="{DDB4A5C5-CE37-5241-A9FF-85F98EF1E91E}"/>
+                <a16:creationId xmlns:a16="http://schemas.microsoft.com/office/drawing/2014/main" id="{DDB4A5C5-CE37-5241-A9FF-85F98EF1E91E}"/>
               </a:ext>
             </a:extLst>
           </p:cNvPr>
@@ -3933,7 +3931,7 @@
           <p:cNvPr id="3" name="Subtitle 2">
             <a:extLst>
               <a:ext uri="{FF2B5EF4-FFF2-40B4-BE49-F238E27FC236}">
-                <a16:creationId xmlns="" xmlns:a16="http://schemas.microsoft.com/office/drawing/2014/main" id="{5EF75859-F09F-414F-8571-4D3854CD3C44}"/>
+                <a16:creationId xmlns:a16="http://schemas.microsoft.com/office/drawing/2014/main" id="{5EF75859-F09F-414F-8571-4D3854CD3C44}"/>
               </a:ext>
             </a:extLst>
           </p:cNvPr>
@@ -3966,7 +3964,7 @@
           <p:cNvPr id="5" name="Rectangle 4">
             <a:extLst>
               <a:ext uri="{FF2B5EF4-FFF2-40B4-BE49-F238E27FC236}">
-                <a16:creationId xmlns="" xmlns:a16="http://schemas.microsoft.com/office/drawing/2014/main" id="{39D37F11-0EC0-C645-ADE9-CE8BFDF0B2D4}"/>
+                <a16:creationId xmlns:a16="http://schemas.microsoft.com/office/drawing/2014/main" id="{39D37F11-0EC0-C645-ADE9-CE8BFDF0B2D4}"/>
               </a:ext>
             </a:extLst>
           </p:cNvPr>
@@ -4044,7 +4042,7 @@
           <p:cNvPr id="2" name="Title 1">
             <a:extLst>
               <a:ext uri="{FF2B5EF4-FFF2-40B4-BE49-F238E27FC236}">
-                <a16:creationId xmlns="" xmlns:a16="http://schemas.microsoft.com/office/drawing/2014/main" id="{EAE72307-F0A3-F246-A4C9-C72FD485831F}"/>
+                <a16:creationId xmlns:a16="http://schemas.microsoft.com/office/drawing/2014/main" id="{FDAF5562-A444-CF4E-B23D-7623228EA43C}"/>
               </a:ext>
             </a:extLst>
           </p:cNvPr>
@@ -4055,27 +4053,14 @@
             <p:ph type="title"/>
           </p:nvPr>
         </p:nvSpPr>
-        <p:spPr>
-          <a:xfrm>
-            <a:off x="838199" y="365125"/>
-            <a:ext cx="10863943" cy="1325563"/>
-          </a:xfrm>
-        </p:spPr>
+        <p:spPr/>
         <p:txBody>
           <a:bodyPr/>
           <a:lstStyle/>
           <a:p>
             <a:r>
               <a:rPr lang="en-US" dirty="0"/>
-              <a:t>Now restrict to </a:t>
-            </a:r>
-            <a:r>
-              <a:rPr lang="en-US" i="1" dirty="0"/>
-              <a:t>binary search tree </a:t>
-            </a:r>
-            <a:r>
-              <a:rPr lang="en-US" dirty="0"/>
-              <a:t>structure</a:t>
+              <a:t>Manual graph construction</a:t>
             </a:r>
           </a:p>
         </p:txBody>
@@ -4085,7 +4070,7 @@
           <p:cNvPr id="3" name="Content Placeholder 2">
             <a:extLst>
               <a:ext uri="{FF2B5EF4-FFF2-40B4-BE49-F238E27FC236}">
-                <a16:creationId xmlns="" xmlns:a16="http://schemas.microsoft.com/office/drawing/2014/main" id="{CF58338C-C6C8-294D-89F7-36D43D1B1631}"/>
+                <a16:creationId xmlns:a16="http://schemas.microsoft.com/office/drawing/2014/main" id="{7971D18F-9104-CD43-8A7E-913F8568A828}"/>
               </a:ext>
             </a:extLst>
           </p:cNvPr>
@@ -4107,23 +4092,31 @@
             </a:r>
             <a:r>
               <a:rPr lang="en-US" dirty="0"/>
-              <a:t>: go to “Constructing Binary Search Tree” section of notebook linked at bottom; try creating different trees</a:t>
+              <a:t>: Go to “Constructing graphs” section of link below, play with graph construction code to build different graphs.</a:t>
             </a:r>
           </a:p>
           <a:p>
             <a:r>
               <a:rPr lang="en-US" dirty="0"/>
-              <a:t>Restricted walk: search using node values</a:t>
-            </a:r>
-          </a:p>
-        </p:txBody>
-      </p:sp>
-      <p:sp>
-        <p:nvSpPr>
-          <p:cNvPr id="5" name="Rectangle 4">
-            <a:extLst>
-              <a:ext uri="{FF2B5EF4-FFF2-40B4-BE49-F238E27FC236}">
-                <a16:creationId xmlns="" xmlns:a16="http://schemas.microsoft.com/office/drawing/2014/main" id="{5541B33F-3D79-7A45-AAD5-2AEE55FE1C53}"/>
+              <a:t>(You need ”pip install </a:t>
+            </a:r>
+            <a:r>
+              <a:rPr lang="en-US" dirty="0" err="1"/>
+              <a:t>lolviz</a:t>
+            </a:r>
+            <a:r>
+              <a:rPr lang="en-US" dirty="0"/>
+              <a:t>” to visualize.)</a:t>
+            </a:r>
+          </a:p>
+        </p:txBody>
+      </p:sp>
+      <p:sp>
+        <p:nvSpPr>
+          <p:cNvPr id="4" name="Rectangle 3">
+            <a:extLst>
+              <a:ext uri="{FF2B5EF4-FFF2-40B4-BE49-F238E27FC236}">
+                <a16:creationId xmlns:a16="http://schemas.microsoft.com/office/drawing/2014/main" id="{FB6878FE-48C9-114D-AD67-B2A92793F309}"/>
               </a:ext>
             </a:extLst>
           </p:cNvPr>
@@ -4173,52 +4166,22 @@
           </a:p>
         </p:txBody>
       </p:sp>
-      <p:pic>
-        <p:nvPicPr>
-          <p:cNvPr id="8" name="Picture 7">
-            <a:extLst>
-              <a:ext uri="{FF2B5EF4-FFF2-40B4-BE49-F238E27FC236}">
-                <a16:creationId xmlns="" xmlns:a16="http://schemas.microsoft.com/office/drawing/2014/main" id="{C4B37E53-FE07-4247-8265-F3599A6BFE77}"/>
-              </a:ext>
-            </a:extLst>
-          </p:cNvPr>
-          <p:cNvPicPr>
-            <a:picLocks noChangeAspect="1"/>
-          </p:cNvPicPr>
+      <p:sp>
+        <p:nvSpPr>
+          <p:cNvPr id="5" name="TextBox 4">
+            <a:extLst>
+              <a:ext uri="{FF2B5EF4-FFF2-40B4-BE49-F238E27FC236}">
+                <a16:creationId xmlns:a16="http://schemas.microsoft.com/office/drawing/2014/main" id="{5E0D579F-9116-314E-A31B-3D37BB7398D6}"/>
+              </a:ext>
+            </a:extLst>
+          </p:cNvPr>
+          <p:cNvSpPr txBox="1"/>
           <p:nvPr/>
-        </p:nvPicPr>
-        <p:blipFill>
-          <a:blip r:embed="rId2"/>
-          <a:stretch>
-            <a:fillRect/>
-          </a:stretch>
-        </p:blipFill>
+        </p:nvSpPr>
         <p:spPr>
           <a:xfrm>
-            <a:off x="7266096" y="3259834"/>
-            <a:ext cx="4261181" cy="2678853"/>
-          </a:xfrm>
-          <a:prstGeom prst="rect">
-            <a:avLst/>
-          </a:prstGeom>
-        </p:spPr>
-      </p:pic>
-      <p:sp>
-        <p:nvSpPr>
-          <p:cNvPr id="9" name="TextBox 8">
-            <a:extLst>
-              <a:ext uri="{FF2B5EF4-FFF2-40B4-BE49-F238E27FC236}">
-                <a16:creationId xmlns="" xmlns:a16="http://schemas.microsoft.com/office/drawing/2014/main" id="{B9D469A2-660F-3D45-AFA7-7168560CCB8E}"/>
-              </a:ext>
-            </a:extLst>
-          </p:cNvPr>
-          <p:cNvSpPr txBox="1"/>
-          <p:nvPr/>
-        </p:nvSpPr>
-        <p:spPr>
-          <a:xfrm>
-            <a:off x="917875" y="3259834"/>
-            <a:ext cx="6268546" cy="2677656"/>
+            <a:off x="3135271" y="3427039"/>
+            <a:ext cx="5570985" cy="2308324"/>
           </a:xfrm>
           <a:prstGeom prst="rect">
             <a:avLst/>
@@ -4242,7 +4205,17 @@
                 <a:ea typeface="Monaco" charset="0"/>
                 <a:cs typeface="Monaco" charset="0"/>
               </a:rPr>
-              <a:t>def search(</a:t>
+              <a:t>class Node:</a:t>
+            </a:r>
+          </a:p>
+          <a:p>
+            <a:r>
+              <a:rPr lang="en-US" sz="2400" dirty="0">
+                <a:latin typeface="Monaco" charset="0"/>
+                <a:ea typeface="Monaco" charset="0"/>
+                <a:cs typeface="Monaco" charset="0"/>
+              </a:rPr>
+              <a:t>  def __</a:t>
             </a:r>
             <a:r>
               <a:rPr lang="en-US" sz="2400" dirty="0" err="1">
@@ -4250,15 +4223,25 @@
                 <a:ea typeface="Monaco" charset="0"/>
                 <a:cs typeface="Monaco" charset="0"/>
               </a:rPr>
-              <a:t>p:TreeNode</a:t>
-            </a:r>
-            <a:r>
-              <a:rPr lang="en-US" sz="2400" dirty="0">
-                <a:latin typeface="Monaco" charset="0"/>
-                <a:ea typeface="Monaco" charset="0"/>
-                <a:cs typeface="Monaco" charset="0"/>
-              </a:rPr>
-              <a:t>, </a:t>
+              <a:t>init</a:t>
+            </a:r>
+            <a:r>
+              <a:rPr lang="en-US" sz="2400" dirty="0">
+                <a:latin typeface="Monaco" charset="0"/>
+                <a:ea typeface="Monaco" charset="0"/>
+                <a:cs typeface="Monaco" charset="0"/>
+              </a:rPr>
+              <a:t>__(self, value):</a:t>
+            </a:r>
+          </a:p>
+          <a:p>
+            <a:r>
+              <a:rPr lang="en-US" sz="2400" dirty="0">
+                <a:latin typeface="Monaco" charset="0"/>
+                <a:ea typeface="Monaco" charset="0"/>
+                <a:cs typeface="Monaco" charset="0"/>
+              </a:rPr>
+              <a:t>    </a:t>
             </a:r>
             <a:r>
               <a:rPr lang="en-US" sz="2400" dirty="0" err="1">
@@ -4266,7 +4249,59 @@
                 <a:ea typeface="Monaco" charset="0"/>
                 <a:cs typeface="Monaco" charset="0"/>
               </a:rPr>
-              <a:t>x:object</a:t>
+              <a:t>self.value</a:t>
+            </a:r>
+            <a:r>
+              <a:rPr lang="en-US" sz="2400" dirty="0">
+                <a:latin typeface="Monaco" charset="0"/>
+                <a:ea typeface="Monaco" charset="0"/>
+                <a:cs typeface="Monaco" charset="0"/>
+              </a:rPr>
+              <a:t> = value</a:t>
+            </a:r>
+          </a:p>
+          <a:p>
+            <a:r>
+              <a:rPr lang="en-US" sz="2400" dirty="0">
+                <a:latin typeface="Monaco" charset="0"/>
+                <a:ea typeface="Monaco" charset="0"/>
+                <a:cs typeface="Monaco" charset="0"/>
+              </a:rPr>
+              <a:t>    </a:t>
+            </a:r>
+            <a:r>
+              <a:rPr lang="en-US" sz="2400" dirty="0" err="1">
+                <a:latin typeface="Monaco" charset="0"/>
+                <a:ea typeface="Monaco" charset="0"/>
+                <a:cs typeface="Monaco" charset="0"/>
+              </a:rPr>
+              <a:t>self.edges</a:t>
+            </a:r>
+            <a:r>
+              <a:rPr lang="en-US" sz="2400" dirty="0">
+                <a:latin typeface="Monaco" charset="0"/>
+                <a:ea typeface="Monaco" charset="0"/>
+                <a:cs typeface="Monaco" charset="0"/>
+              </a:rPr>
+              <a:t> = []</a:t>
+            </a:r>
+          </a:p>
+          <a:p>
+            <a:r>
+              <a:rPr lang="en-US" sz="2400" dirty="0">
+                <a:latin typeface="Monaco" charset="0"/>
+                <a:ea typeface="Monaco" charset="0"/>
+                <a:cs typeface="Monaco" charset="0"/>
+              </a:rPr>
+              <a:t>  def add(self, </a:t>
+            </a:r>
+            <a:r>
+              <a:rPr lang="en-US" sz="2400" dirty="0" err="1">
+                <a:latin typeface="Monaco" charset="0"/>
+                <a:ea typeface="Monaco" charset="0"/>
+                <a:cs typeface="Monaco" charset="0"/>
+              </a:rPr>
+              <a:t>target:Node</a:t>
             </a:r>
             <a:r>
               <a:rPr lang="en-US" sz="2400" dirty="0">
@@ -4284,17 +4319,7 @@
                 <a:ea typeface="Monaco" charset="0"/>
                 <a:cs typeface="Monaco" charset="0"/>
               </a:rPr>
-              <a:t>    if p is None: return None</a:t>
-            </a:r>
-          </a:p>
-          <a:p>
-            <a:r>
-              <a:rPr lang="en-US" sz="2400" dirty="0">
-                <a:latin typeface="Monaco" charset="0"/>
-                <a:ea typeface="Monaco" charset="0"/>
-                <a:cs typeface="Monaco" charset="0"/>
-              </a:rPr>
-              <a:t>    if x&lt;</a:t>
+              <a:t>    </a:t>
             </a:r>
             <a:r>
               <a:rPr lang="en-US" sz="2400" dirty="0" err="1">
@@ -4302,103 +4327,15 @@
                 <a:ea typeface="Monaco" charset="0"/>
                 <a:cs typeface="Monaco" charset="0"/>
               </a:rPr>
-              <a:t>p.value</a:t>
-            </a:r>
-            <a:r>
-              <a:rPr lang="en-US" sz="2400" dirty="0">
-                <a:latin typeface="Monaco" charset="0"/>
-                <a:ea typeface="Monaco" charset="0"/>
-                <a:cs typeface="Monaco" charset="0"/>
-              </a:rPr>
-              <a:t>:</a:t>
-            </a:r>
-          </a:p>
-          <a:p>
-            <a:r>
-              <a:rPr lang="en-US" sz="2400" dirty="0">
-                <a:latin typeface="Monaco" charset="0"/>
-                <a:ea typeface="Monaco" charset="0"/>
-                <a:cs typeface="Monaco" charset="0"/>
-              </a:rPr>
-              <a:t>        return search(</a:t>
-            </a:r>
-            <a:r>
-              <a:rPr lang="en-US" sz="2400" dirty="0" err="1">
-                <a:latin typeface="Monaco" charset="0"/>
-                <a:ea typeface="Monaco" charset="0"/>
-                <a:cs typeface="Monaco" charset="0"/>
-              </a:rPr>
-              <a:t>p.left</a:t>
-            </a:r>
-            <a:r>
-              <a:rPr lang="en-US" sz="2400" dirty="0">
-                <a:latin typeface="Monaco" charset="0"/>
-                <a:ea typeface="Monaco" charset="0"/>
-                <a:cs typeface="Monaco" charset="0"/>
-              </a:rPr>
-              <a:t>, x)</a:t>
-            </a:r>
-          </a:p>
-          <a:p>
-            <a:r>
-              <a:rPr lang="en-US" sz="2400" dirty="0">
-                <a:latin typeface="Monaco" charset="0"/>
-                <a:ea typeface="Monaco" charset="0"/>
-                <a:cs typeface="Monaco" charset="0"/>
-              </a:rPr>
-              <a:t>    if x&gt;</a:t>
-            </a:r>
-            <a:r>
-              <a:rPr lang="en-US" sz="2400" dirty="0" err="1">
-                <a:latin typeface="Monaco" charset="0"/>
-                <a:ea typeface="Monaco" charset="0"/>
-                <a:cs typeface="Monaco" charset="0"/>
-              </a:rPr>
-              <a:t>p.value</a:t>
-            </a:r>
-            <a:r>
-              <a:rPr lang="en-US" sz="2400" dirty="0">
-                <a:latin typeface="Monaco" charset="0"/>
-                <a:ea typeface="Monaco" charset="0"/>
-                <a:cs typeface="Monaco" charset="0"/>
-              </a:rPr>
-              <a:t>:</a:t>
-            </a:r>
-          </a:p>
-          <a:p>
-            <a:r>
-              <a:rPr lang="en-US" sz="2400" dirty="0">
-                <a:latin typeface="Monaco" charset="0"/>
-                <a:ea typeface="Monaco" charset="0"/>
-                <a:cs typeface="Monaco" charset="0"/>
-              </a:rPr>
-              <a:t>        return search(</a:t>
-            </a:r>
-            <a:r>
-              <a:rPr lang="en-US" sz="2400" dirty="0" err="1">
-                <a:latin typeface="Monaco" charset="0"/>
-                <a:ea typeface="Monaco" charset="0"/>
-                <a:cs typeface="Monaco" charset="0"/>
-              </a:rPr>
-              <a:t>p.right</a:t>
-            </a:r>
-            <a:r>
-              <a:rPr lang="en-US" sz="2400" dirty="0">
-                <a:latin typeface="Monaco" charset="0"/>
-                <a:ea typeface="Monaco" charset="0"/>
-                <a:cs typeface="Monaco" charset="0"/>
-              </a:rPr>
-              <a:t>, x)</a:t>
-            </a:r>
-          </a:p>
-          <a:p>
-            <a:r>
-              <a:rPr lang="en-US" sz="2400" dirty="0">
-                <a:latin typeface="Monaco" charset="0"/>
-                <a:ea typeface="Monaco" charset="0"/>
-                <a:cs typeface="Monaco" charset="0"/>
-              </a:rPr>
-              <a:t>    return p</a:t>
+              <a:t>self.edges.append</a:t>
+            </a:r>
+            <a:r>
+              <a:rPr lang="en-US" sz="2400" dirty="0">
+                <a:latin typeface="Monaco" charset="0"/>
+                <a:ea typeface="Monaco" charset="0"/>
+                <a:cs typeface="Monaco" charset="0"/>
+              </a:rPr>
+              <a:t>(target)</a:t>
             </a:r>
           </a:p>
         </p:txBody>
@@ -4406,20 +4343,13 @@
     </p:spTree>
     <p:extLst>
       <p:ext uri="{BB962C8B-B14F-4D97-AF65-F5344CB8AC3E}">
-        <p14:creationId xmlns:p14="http://schemas.microsoft.com/office/powerpoint/2010/main" val="799568180"/>
+        <p14:creationId xmlns:p14="http://schemas.microsoft.com/office/powerpoint/2010/main" val="1079673575"/>
       </p:ext>
     </p:extLst>
   </p:cSld>
   <p:clrMapOvr>
     <a:masterClrMapping/>
   </p:clrMapOvr>
-  <p:timing>
-    <p:tnLst>
-      <p:par>
-        <p:cTn id="1" dur="indefinite" restart="never" nodeType="tmRoot"/>
-      </p:par>
-    </p:tnLst>
-  </p:timing>
 </p:sld>
 </file>
 
@@ -4445,7 +4375,7 @@
           <p:cNvPr id="2" name="Title 1">
             <a:extLst>
               <a:ext uri="{FF2B5EF4-FFF2-40B4-BE49-F238E27FC236}">
-                <a16:creationId xmlns="" xmlns:a16="http://schemas.microsoft.com/office/drawing/2014/main" id="{8ED93FDD-7934-4E40-A163-AB384FB63A32}"/>
+                <a16:creationId xmlns:a16="http://schemas.microsoft.com/office/drawing/2014/main" id="{A28C248F-1DBF-8444-B7E1-A5C580E64CAD}"/>
               </a:ext>
             </a:extLst>
           </p:cNvPr>
@@ -4462,54 +4392,52 @@
           <a:lstStyle/>
           <a:p>
             <a:r>
+              <a:rPr lang="en-US" i="1" dirty="0"/>
+              <a:t>Depth-first</a:t>
+            </a:r>
+            <a:r>
               <a:rPr lang="en-US" dirty="0"/>
-              <a:t>Compare BST search to tree walk</a:t>
-            </a:r>
-          </a:p>
-        </p:txBody>
-      </p:sp>
-      <p:sp>
-        <p:nvSpPr>
-          <p:cNvPr id="3" name="Content Placeholder 2">
-            <a:extLst>
-              <a:ext uri="{FF2B5EF4-FFF2-40B4-BE49-F238E27FC236}">
-                <a16:creationId xmlns="" xmlns:a16="http://schemas.microsoft.com/office/drawing/2014/main" id="{79B023F9-519C-E64B-9569-6057414B47B0}"/>
-              </a:ext>
-            </a:extLst>
-          </p:cNvPr>
-          <p:cNvSpPr>
-            <a:spLocks noGrp="1"/>
-          </p:cNvSpPr>
-          <p:nvPr>
-            <p:ph idx="1"/>
-          </p:nvPr>
-        </p:nvSpPr>
-        <p:spPr/>
-        <p:txBody>
-          <a:bodyPr/>
-          <a:lstStyle/>
-          <a:p>
-            <a:r>
-              <a:rPr lang="en-US" dirty="0"/>
-              <a:t>Conditional recursion; we only </a:t>
-            </a:r>
-            <a:r>
-              <a:rPr lang="en-US" dirty="0" err="1"/>
-              <a:t>recurse</a:t>
-            </a:r>
-            <a:r>
-              <a:rPr lang="en-US" dirty="0"/>
-              <a:t> to ONE child not both</a:t>
-            </a:r>
-          </a:p>
-        </p:txBody>
-      </p:sp>
-      <p:sp>
-        <p:nvSpPr>
-          <p:cNvPr id="4" name="TextBox 3">
-            <a:extLst>
-              <a:ext uri="{FF2B5EF4-FFF2-40B4-BE49-F238E27FC236}">
-                <a16:creationId xmlns="" xmlns:a16="http://schemas.microsoft.com/office/drawing/2014/main" id="{F9A960AF-A022-814B-8DD8-5D00D98DE247}"/>
+              <a:t> graph walk*, compare to tree</a:t>
+            </a:r>
+          </a:p>
+        </p:txBody>
+      </p:sp>
+      <p:pic>
+        <p:nvPicPr>
+          <p:cNvPr id="5" name="Picture 4">
+            <a:extLst>
+              <a:ext uri="{FF2B5EF4-FFF2-40B4-BE49-F238E27FC236}">
+                <a16:creationId xmlns:a16="http://schemas.microsoft.com/office/drawing/2014/main" id="{1792B99B-6506-2E43-A5C8-14B7064BB21C}"/>
+              </a:ext>
+            </a:extLst>
+          </p:cNvPr>
+          <p:cNvPicPr>
+            <a:picLocks noChangeAspect="1"/>
+          </p:cNvPicPr>
+          <p:nvPr/>
+        </p:nvPicPr>
+        <p:blipFill>
+          <a:blip r:embed="rId2"/>
+          <a:stretch>
+            <a:fillRect/>
+          </a:stretch>
+        </p:blipFill>
+        <p:spPr>
+          <a:xfrm>
+            <a:off x="609108" y="3701527"/>
+            <a:ext cx="10973783" cy="2475436"/>
+          </a:xfrm>
+          <a:prstGeom prst="rect">
+            <a:avLst/>
+          </a:prstGeom>
+        </p:spPr>
+      </p:pic>
+      <p:sp>
+        <p:nvSpPr>
+          <p:cNvPr id="6" name="TextBox 5">
+            <a:extLst>
+              <a:ext uri="{FF2B5EF4-FFF2-40B4-BE49-F238E27FC236}">
+                <a16:creationId xmlns:a16="http://schemas.microsoft.com/office/drawing/2014/main" id="{353E74A1-D948-4C47-B6C7-43C654E6D4A9}"/>
               </a:ext>
             </a:extLst>
           </p:cNvPr>
@@ -4518,8 +4446,8 @@
         </p:nvSpPr>
         <p:spPr>
           <a:xfrm>
-            <a:off x="83383" y="2997189"/>
-            <a:ext cx="5680488" cy="1938992"/>
+            <a:off x="609108" y="1556611"/>
+            <a:ext cx="4828654" cy="1938992"/>
           </a:xfrm>
           <a:prstGeom prst="rect">
             <a:avLst/>
@@ -4551,7 +4479,18 @@
                 <a:ea typeface="Monaco" charset="0"/>
                 <a:cs typeface="Monaco" charset="0"/>
               </a:rPr>
-              <a:t>walk_tree</a:t>
+              <a:t>walk_</a:t>
+            </a:r>
+            <a:r>
+              <a:rPr lang="en-US" sz="2400" dirty="0" err="1">
+                <a:solidFill>
+                  <a:srgbClr val="00B0F0"/>
+                </a:solidFill>
+                <a:latin typeface="Monaco" charset="0"/>
+                <a:ea typeface="Monaco" charset="0"/>
+                <a:cs typeface="Monaco" charset="0"/>
+              </a:rPr>
+              <a:t>graph</a:t>
             </a:r>
             <a:r>
               <a:rPr lang="en-US" sz="2400" dirty="0">
@@ -4567,7 +4506,7 @@
                 <a:ea typeface="Monaco" charset="0"/>
                 <a:cs typeface="Monaco" charset="0"/>
               </a:rPr>
-              <a:t>p:TreeNode</a:t>
+              <a:t>p:Node</a:t>
             </a:r>
             <a:r>
               <a:rPr lang="en-US" sz="2400" dirty="0">
@@ -4613,23 +4552,15 @@
               </a:rPr>
               <a:t>)</a:t>
             </a:r>
-            <a:endParaRPr lang="en-US" sz="2400" dirty="0">
-              <a:solidFill>
-                <a:srgbClr val="00B0F0"/>
-              </a:solidFill>
-              <a:latin typeface="Monaco" charset="0"/>
-              <a:ea typeface="Monaco" charset="0"/>
-              <a:cs typeface="Monaco" charset="0"/>
-            </a:endParaRPr>
-          </a:p>
-          <a:p>
-            <a:r>
-              <a:rPr lang="en-US" sz="2400" dirty="0">
-                <a:latin typeface="Monaco" charset="0"/>
-                <a:ea typeface="Monaco" charset="0"/>
-                <a:cs typeface="Monaco" charset="0"/>
-              </a:rPr>
-              <a:t>    </a:t>
+          </a:p>
+          <a:p>
+            <a:r>
+              <a:rPr lang="en-US" sz="2400" dirty="0">
+                <a:latin typeface="Monaco" charset="0"/>
+                <a:ea typeface="Monaco" charset="0"/>
+                <a:cs typeface="Monaco" charset="0"/>
+              </a:rPr>
+              <a:t>    for q in </a:t>
             </a:r>
             <a:r>
               <a:rPr lang="en-US" sz="2400" dirty="0" err="1">
@@ -4637,15 +4568,25 @@
                 <a:ea typeface="Monaco" charset="0"/>
                 <a:cs typeface="Monaco" charset="0"/>
               </a:rPr>
-              <a:t>walk_tree</a:t>
-            </a:r>
-            <a:r>
-              <a:rPr lang="en-US" sz="2400" dirty="0">
-                <a:latin typeface="Monaco" charset="0"/>
-                <a:ea typeface="Monaco" charset="0"/>
-                <a:cs typeface="Monaco" charset="0"/>
-              </a:rPr>
-              <a:t>(</a:t>
+              <a:t>p.edges</a:t>
+            </a:r>
+            <a:r>
+              <a:rPr lang="en-US" sz="2400" dirty="0">
+                <a:latin typeface="Monaco" charset="0"/>
+                <a:ea typeface="Monaco" charset="0"/>
+                <a:cs typeface="Monaco" charset="0"/>
+              </a:rPr>
+              <a:t>:</a:t>
+            </a:r>
+          </a:p>
+          <a:p>
+            <a:r>
+              <a:rPr lang="en-US" sz="2400" dirty="0">
+                <a:latin typeface="Monaco" charset="0"/>
+                <a:ea typeface="Monaco" charset="0"/>
+                <a:cs typeface="Monaco" charset="0"/>
+              </a:rPr>
+              <a:t>        </a:t>
             </a:r>
             <a:r>
               <a:rPr lang="en-US" sz="2400" dirty="0" err="1">
@@ -4653,67 +4594,25 @@
                 <a:ea typeface="Monaco" charset="0"/>
                 <a:cs typeface="Monaco" charset="0"/>
               </a:rPr>
-              <a:t>p.left</a:t>
-            </a:r>
-            <a:r>
-              <a:rPr lang="en-US" sz="2400" dirty="0">
-                <a:latin typeface="Monaco" charset="0"/>
-                <a:ea typeface="Monaco" charset="0"/>
-                <a:cs typeface="Monaco" charset="0"/>
-              </a:rPr>
-              <a:t>)</a:t>
-            </a:r>
-          </a:p>
-          <a:p>
-            <a:r>
-              <a:rPr lang="en-US" sz="2400" dirty="0">
-                <a:latin typeface="Monaco" charset="0"/>
-                <a:ea typeface="Monaco" charset="0"/>
-                <a:cs typeface="Monaco" charset="0"/>
-              </a:rPr>
-              <a:t>    </a:t>
-            </a:r>
-            <a:r>
-              <a:rPr lang="en-US" sz="2400" dirty="0" err="1">
-                <a:latin typeface="Monaco" charset="0"/>
-                <a:ea typeface="Monaco" charset="0"/>
-                <a:cs typeface="Monaco" charset="0"/>
-              </a:rPr>
-              <a:t>walk_tree</a:t>
-            </a:r>
-            <a:r>
-              <a:rPr lang="en-US" sz="2400" dirty="0">
-                <a:latin typeface="Monaco" charset="0"/>
-                <a:ea typeface="Monaco" charset="0"/>
-                <a:cs typeface="Monaco" charset="0"/>
-              </a:rPr>
-              <a:t>(</a:t>
-            </a:r>
-            <a:r>
-              <a:rPr lang="en-US" sz="2400" dirty="0" err="1">
-                <a:latin typeface="Monaco" charset="0"/>
-                <a:ea typeface="Monaco" charset="0"/>
-                <a:cs typeface="Monaco" charset="0"/>
-              </a:rPr>
-              <a:t>p.right</a:t>
-            </a:r>
-            <a:r>
-              <a:rPr lang="en-US" sz="2400" dirty="0">
-                <a:latin typeface="Monaco" charset="0"/>
-                <a:ea typeface="Monaco" charset="0"/>
-                <a:cs typeface="Monaco" charset="0"/>
-              </a:rPr>
-              <a:t>)</a:t>
-            </a:r>
-          </a:p>
-        </p:txBody>
-      </p:sp>
-      <p:sp>
-        <p:nvSpPr>
-          <p:cNvPr id="5" name="TextBox 4">
-            <a:extLst>
-              <a:ext uri="{FF2B5EF4-FFF2-40B4-BE49-F238E27FC236}">
-                <a16:creationId xmlns="" xmlns:a16="http://schemas.microsoft.com/office/drawing/2014/main" id="{C3FB2FFF-DEF2-1142-B192-1951F3C9926F}"/>
+              <a:t>walk_graph</a:t>
+            </a:r>
+            <a:r>
+              <a:rPr lang="en-US" sz="2400" dirty="0">
+                <a:latin typeface="Monaco" charset="0"/>
+                <a:ea typeface="Monaco" charset="0"/>
+                <a:cs typeface="Monaco" charset="0"/>
+              </a:rPr>
+              <a:t>(q)</a:t>
+            </a:r>
+          </a:p>
+        </p:txBody>
+      </p:sp>
+      <p:sp>
+        <p:nvSpPr>
+          <p:cNvPr id="7" name="TextBox 6">
+            <a:extLst>
+              <a:ext uri="{FF2B5EF4-FFF2-40B4-BE49-F238E27FC236}">
+                <a16:creationId xmlns:a16="http://schemas.microsoft.com/office/drawing/2014/main" id="{D71F8171-1B83-C549-BA34-BF89159BCF31}"/>
               </a:ext>
             </a:extLst>
           </p:cNvPr>
@@ -4722,8 +4621,8 @@
         </p:nvSpPr>
         <p:spPr>
           <a:xfrm>
-            <a:off x="5840071" y="2997189"/>
-            <a:ext cx="6268546" cy="2677656"/>
+            <a:off x="6648191" y="1556611"/>
+            <a:ext cx="4934700" cy="1938992"/>
           </a:xfrm>
           <a:prstGeom prst="rect">
             <a:avLst/>
@@ -4747,7 +4646,7 @@
                 <a:ea typeface="Monaco" charset="0"/>
                 <a:cs typeface="Monaco" charset="0"/>
               </a:rPr>
-              <a:t>def search(</a:t>
+              <a:t>def </a:t>
             </a:r>
             <a:r>
               <a:rPr lang="en-US" sz="2400" dirty="0" err="1">
@@ -4755,6 +4654,33 @@
                 <a:ea typeface="Monaco" charset="0"/>
                 <a:cs typeface="Monaco" charset="0"/>
               </a:rPr>
+              <a:t>walk_</a:t>
+            </a:r>
+            <a:r>
+              <a:rPr lang="en-US" sz="2400" dirty="0" err="1">
+                <a:solidFill>
+                  <a:srgbClr val="00B0F0"/>
+                </a:solidFill>
+                <a:latin typeface="Monaco" charset="0"/>
+                <a:ea typeface="Monaco" charset="0"/>
+                <a:cs typeface="Monaco" charset="0"/>
+              </a:rPr>
+              <a:t>tree</a:t>
+            </a:r>
+            <a:r>
+              <a:rPr lang="en-US" sz="2400" dirty="0">
+                <a:latin typeface="Monaco" charset="0"/>
+                <a:ea typeface="Monaco" charset="0"/>
+                <a:cs typeface="Monaco" charset="0"/>
+              </a:rPr>
+              <a:t>(</a:t>
+            </a:r>
+            <a:r>
+              <a:rPr lang="en-US" sz="2400" dirty="0" err="1">
+                <a:latin typeface="Monaco" charset="0"/>
+                <a:ea typeface="Monaco" charset="0"/>
+                <a:cs typeface="Monaco" charset="0"/>
+              </a:rPr>
               <a:t>p:TreeNode</a:t>
             </a:r>
             <a:r>
@@ -4763,7 +4689,27 @@
                 <a:ea typeface="Monaco" charset="0"/>
                 <a:cs typeface="Monaco" charset="0"/>
               </a:rPr>
-              <a:t>, </a:t>
+              <a:t>):</a:t>
+            </a:r>
+          </a:p>
+          <a:p>
+            <a:r>
+              <a:rPr lang="en-US" sz="2400" dirty="0">
+                <a:latin typeface="Monaco" charset="0"/>
+                <a:ea typeface="Monaco" charset="0"/>
+                <a:cs typeface="Monaco" charset="0"/>
+              </a:rPr>
+              <a:t>    if p is None: return</a:t>
+            </a:r>
+          </a:p>
+          <a:p>
+            <a:r>
+              <a:rPr lang="en-US" sz="2400" dirty="0">
+                <a:latin typeface="Monaco" charset="0"/>
+                <a:ea typeface="Monaco" charset="0"/>
+                <a:cs typeface="Monaco" charset="0"/>
+              </a:rPr>
+              <a:t>    print(</a:t>
             </a:r>
             <a:r>
               <a:rPr lang="en-US" sz="2400" dirty="0" err="1">
@@ -4771,35 +4717,25 @@
                 <a:ea typeface="Monaco" charset="0"/>
                 <a:cs typeface="Monaco" charset="0"/>
               </a:rPr>
-              <a:t>x:object</a:t>
-            </a:r>
-            <a:r>
-              <a:rPr lang="en-US" sz="2400" dirty="0">
-                <a:latin typeface="Monaco" charset="0"/>
-                <a:ea typeface="Monaco" charset="0"/>
-                <a:cs typeface="Monaco" charset="0"/>
-              </a:rPr>
-              <a:t>):</a:t>
-            </a:r>
-          </a:p>
-          <a:p>
-            <a:r>
-              <a:rPr lang="en-US" sz="2400" dirty="0">
-                <a:latin typeface="Monaco" charset="0"/>
-                <a:ea typeface="Monaco" charset="0"/>
-                <a:cs typeface="Monaco" charset="0"/>
-              </a:rPr>
-              <a:t>    if p is None: return None</a:t>
-            </a:r>
-          </a:p>
-          <a:p>
-            <a:r>
-              <a:rPr lang="en-US" sz="2400" dirty="0">
-                <a:latin typeface="Monaco" charset="0"/>
-                <a:ea typeface="Monaco" charset="0"/>
-                <a:cs typeface="Monaco" charset="0"/>
-              </a:rPr>
-              <a:t>    if x&lt;</a:t>
+              <a:t>p.value</a:t>
+            </a:r>
+            <a:endParaRPr lang="en-US" sz="2400" dirty="0">
+              <a:solidFill>
+                <a:srgbClr val="00B0F0"/>
+              </a:solidFill>
+              <a:latin typeface="Monaco" charset="0"/>
+              <a:ea typeface="Monaco" charset="0"/>
+              <a:cs typeface="Monaco" charset="0"/>
+            </a:endParaRPr>
+          </a:p>
+          <a:p>
+            <a:r>
+              <a:rPr lang="en-US" sz="2400" dirty="0">
+                <a:latin typeface="Monaco" charset="0"/>
+                <a:ea typeface="Monaco" charset="0"/>
+                <a:cs typeface="Monaco" charset="0"/>
+              </a:rPr>
+              <a:t>    </a:t>
             </a:r>
             <a:r>
               <a:rPr lang="en-US" sz="2400" dirty="0" err="1">
@@ -4807,25 +4743,15 @@
                 <a:ea typeface="Monaco" charset="0"/>
                 <a:cs typeface="Monaco" charset="0"/>
               </a:rPr>
-              <a:t>p.value</a:t>
-            </a:r>
-            <a:r>
-              <a:rPr lang="en-US" sz="2400" dirty="0">
-                <a:latin typeface="Monaco" charset="0"/>
-                <a:ea typeface="Monaco" charset="0"/>
-                <a:cs typeface="Monaco" charset="0"/>
-              </a:rPr>
-              <a:t>:</a:t>
-            </a:r>
-          </a:p>
-          <a:p>
-            <a:r>
-              <a:rPr lang="en-US" sz="2400" dirty="0">
-                <a:latin typeface="Monaco" charset="0"/>
-                <a:ea typeface="Monaco" charset="0"/>
-                <a:cs typeface="Monaco" charset="0"/>
-              </a:rPr>
-              <a:t>        return search(</a:t>
+              <a:t>walk_tree</a:t>
+            </a:r>
+            <a:r>
+              <a:rPr lang="en-US" sz="2400" dirty="0">
+                <a:latin typeface="Monaco" charset="0"/>
+                <a:ea typeface="Monaco" charset="0"/>
+                <a:cs typeface="Monaco" charset="0"/>
+              </a:rPr>
+              <a:t>(</a:t>
             </a:r>
             <a:r>
               <a:rPr lang="en-US" sz="2400" dirty="0" err="1">
@@ -4841,17 +4767,17 @@
                 <a:ea typeface="Monaco" charset="0"/>
                 <a:cs typeface="Monaco" charset="0"/>
               </a:rPr>
-              <a:t>, x)</a:t>
-            </a:r>
-          </a:p>
-          <a:p>
-            <a:r>
-              <a:rPr lang="en-US" sz="2400" dirty="0">
-                <a:latin typeface="Monaco" charset="0"/>
-                <a:ea typeface="Monaco" charset="0"/>
-                <a:cs typeface="Monaco" charset="0"/>
-              </a:rPr>
-              <a:t>    if x&gt;</a:t>
+              <a:t>)</a:t>
+            </a:r>
+          </a:p>
+          <a:p>
+            <a:r>
+              <a:rPr lang="en-US" sz="2400" dirty="0">
+                <a:latin typeface="Monaco" charset="0"/>
+                <a:ea typeface="Monaco" charset="0"/>
+                <a:cs typeface="Monaco" charset="0"/>
+              </a:rPr>
+              <a:t>    </a:t>
             </a:r>
             <a:r>
               <a:rPr lang="en-US" sz="2400" dirty="0" err="1">
@@ -4859,25 +4785,15 @@
                 <a:ea typeface="Monaco" charset="0"/>
                 <a:cs typeface="Monaco" charset="0"/>
               </a:rPr>
-              <a:t>p.value</a:t>
-            </a:r>
-            <a:r>
-              <a:rPr lang="en-US" sz="2400" dirty="0">
-                <a:latin typeface="Monaco" charset="0"/>
-                <a:ea typeface="Monaco" charset="0"/>
-                <a:cs typeface="Monaco" charset="0"/>
-              </a:rPr>
-              <a:t>:</a:t>
-            </a:r>
-          </a:p>
-          <a:p>
-            <a:r>
-              <a:rPr lang="en-US" sz="2400" dirty="0">
-                <a:latin typeface="Monaco" charset="0"/>
-                <a:ea typeface="Monaco" charset="0"/>
-                <a:cs typeface="Monaco" charset="0"/>
-              </a:rPr>
-              <a:t>        return search(</a:t>
+              <a:t>walk_tree</a:t>
+            </a:r>
+            <a:r>
+              <a:rPr lang="en-US" sz="2400" dirty="0">
+                <a:latin typeface="Monaco" charset="0"/>
+                <a:ea typeface="Monaco" charset="0"/>
+                <a:cs typeface="Monaco" charset="0"/>
+              </a:rPr>
+              <a:t>(</a:t>
             </a:r>
             <a:r>
               <a:rPr lang="en-US" sz="2400" dirty="0" err="1">
@@ -4893,27 +4809,17 @@
                 <a:ea typeface="Monaco" charset="0"/>
                 <a:cs typeface="Monaco" charset="0"/>
               </a:rPr>
-              <a:t>, x)</a:t>
-            </a:r>
-          </a:p>
-          <a:p>
-            <a:r>
-              <a:rPr lang="en-US" sz="2400" dirty="0">
-                <a:latin typeface="Monaco" charset="0"/>
-                <a:ea typeface="Monaco" charset="0"/>
-                <a:cs typeface="Monaco" charset="0"/>
-              </a:rPr>
-              <a:t>    return p</a:t>
-            </a:r>
-          </a:p>
-        </p:txBody>
-      </p:sp>
-      <p:sp>
-        <p:nvSpPr>
-          <p:cNvPr id="6" name="TextBox 5">
-            <a:extLst>
-              <a:ext uri="{FF2B5EF4-FFF2-40B4-BE49-F238E27FC236}">
-                <a16:creationId xmlns="" xmlns:a16="http://schemas.microsoft.com/office/drawing/2014/main" id="{69EE4EAC-4B7A-154C-947E-A26E42D666E8}"/>
+              <a:t>)</a:t>
+            </a:r>
+          </a:p>
+        </p:txBody>
+      </p:sp>
+      <p:sp>
+        <p:nvSpPr>
+          <p:cNvPr id="3" name="TextBox 2">
+            <a:extLst>
+              <a:ext uri="{FF2B5EF4-FFF2-40B4-BE49-F238E27FC236}">
+                <a16:creationId xmlns:a16="http://schemas.microsoft.com/office/drawing/2014/main" id="{F7062F48-5902-1540-A51C-A2CF700930C9}"/>
               </a:ext>
             </a:extLst>
           </p:cNvPr>
@@ -4922,8 +4828,8 @@
         </p:nvSpPr>
         <p:spPr>
           <a:xfrm>
-            <a:off x="1626637" y="5715298"/>
-            <a:ext cx="2593980" cy="461665"/>
+            <a:off x="435429" y="6198221"/>
+            <a:ext cx="3583032" cy="369332"/>
           </a:xfrm>
           <a:prstGeom prst="rect">
             <a:avLst/>
@@ -4937,43 +4843,8 @@
           <a:lstStyle/>
           <a:p>
             <a:r>
-              <a:rPr lang="en-US" sz="2400" dirty="0"/>
-              <a:t>T(n) = k + 2T(n/2)</a:t>
-            </a:r>
-          </a:p>
-        </p:txBody>
-      </p:sp>
-      <p:sp>
-        <p:nvSpPr>
-          <p:cNvPr id="7" name="TextBox 6">
-            <a:extLst>
-              <a:ext uri="{FF2B5EF4-FFF2-40B4-BE49-F238E27FC236}">
-                <a16:creationId xmlns="" xmlns:a16="http://schemas.microsoft.com/office/drawing/2014/main" id="{3BA83E13-0EC4-0243-8892-224BF3C0B7C4}"/>
-              </a:ext>
-            </a:extLst>
-          </p:cNvPr>
-          <p:cNvSpPr txBox="1"/>
-          <p:nvPr/>
-        </p:nvSpPr>
-        <p:spPr>
-          <a:xfrm>
-            <a:off x="7677354" y="5706240"/>
-            <a:ext cx="2416880" cy="461665"/>
-          </a:xfrm>
-          <a:prstGeom prst="rect">
-            <a:avLst/>
-          </a:prstGeom>
-          <a:noFill/>
-        </p:spPr>
-        <p:txBody>
-          <a:bodyPr wrap="none" rtlCol="0">
-            <a:spAutoFit/>
-          </a:bodyPr>
-          <a:lstStyle/>
-          <a:p>
-            <a:r>
-              <a:rPr lang="en-US" sz="2400" dirty="0"/>
-              <a:t>T(n) = k + T(n/2)</a:t>
+              <a:rPr lang="en-US" dirty="0"/>
+              <a:t>*This function is missing a key bit</a:t>
             </a:r>
           </a:p>
         </p:txBody>
@@ -4981,7 +4852,7 @@
     </p:spTree>
     <p:extLst>
       <p:ext uri="{BB962C8B-B14F-4D97-AF65-F5344CB8AC3E}">
-        <p14:creationId xmlns:p14="http://schemas.microsoft.com/office/powerpoint/2010/main" val="1475782895"/>
+        <p14:creationId xmlns:p14="http://schemas.microsoft.com/office/powerpoint/2010/main" val="2871262269"/>
       </p:ext>
     </p:extLst>
   </p:cSld>
@@ -5013,7 +4884,7 @@
           <p:cNvPr id="2" name="Title 1">
             <a:extLst>
               <a:ext uri="{FF2B5EF4-FFF2-40B4-BE49-F238E27FC236}">
-                <a16:creationId xmlns="" xmlns:a16="http://schemas.microsoft.com/office/drawing/2014/main" id="{FDAF5562-A444-CF4E-B23D-7623228EA43C}"/>
+                <a16:creationId xmlns:a16="http://schemas.microsoft.com/office/drawing/2014/main" id="{0F18A787-0CC6-3D4D-9B6F-E8F74CF230E8}"/>
               </a:ext>
             </a:extLst>
           </p:cNvPr>
@@ -5030,8 +4901,12 @@
           <a:lstStyle/>
           <a:p>
             <a:r>
+              <a:rPr lang="en-US" i="1" dirty="0"/>
+              <a:t>Depth-first</a:t>
+            </a:r>
+            <a:r>
               <a:rPr lang="en-US" dirty="0"/>
-              <a:t>Manual graph construction</a:t>
+              <a:t> graph walk avoiding cycles</a:t>
             </a:r>
           </a:p>
         </p:txBody>
@@ -5041,7 +4916,7 @@
           <p:cNvPr id="3" name="Content Placeholder 2">
             <a:extLst>
               <a:ext uri="{FF2B5EF4-FFF2-40B4-BE49-F238E27FC236}">
-                <a16:creationId xmlns="" xmlns:a16="http://schemas.microsoft.com/office/drawing/2014/main" id="{7971D18F-9104-CD43-8A7E-913F8568A828}"/>
+                <a16:creationId xmlns:a16="http://schemas.microsoft.com/office/drawing/2014/main" id="{B2182F01-0003-DC46-8EBF-C32D4B61CDFB}"/>
               </a:ext>
             </a:extLst>
           </p:cNvPr>
@@ -5051,98 +4926,67 @@
           <p:nvPr>
             <p:ph idx="1"/>
           </p:nvPr>
-        </p:nvSpPr>
-        <p:spPr/>
-        <p:txBody>
-          <a:bodyPr/>
-          <a:lstStyle/>
-          <a:p>
-            <a:r>
-              <a:rPr lang="en-US" b="1" dirty="0"/>
-              <a:t>Exercise</a:t>
-            </a:r>
-            <a:r>
-              <a:rPr lang="en-US" dirty="0"/>
-              <a:t>: Go to “Constructing graphs” section of link below, play with graph construction code to build different graphs.</a:t>
-            </a:r>
-          </a:p>
-          <a:p>
-            <a:r>
-              <a:rPr lang="en-US" dirty="0"/>
-              <a:t>(You need ”pip install </a:t>
-            </a:r>
-            <a:r>
-              <a:rPr lang="en-US" dirty="0" err="1"/>
-              <a:t>lolviz</a:t>
-            </a:r>
-            <a:r>
-              <a:rPr lang="en-US" dirty="0"/>
-              <a:t>” to visualize.)</a:t>
-            </a:r>
-          </a:p>
-        </p:txBody>
-      </p:sp>
-      <p:sp>
-        <p:nvSpPr>
-          <p:cNvPr id="4" name="Rectangle 3">
-            <a:extLst>
-              <a:ext uri="{FF2B5EF4-FFF2-40B4-BE49-F238E27FC236}">
-                <a16:creationId xmlns="" xmlns:a16="http://schemas.microsoft.com/office/drawing/2014/main" id="{FB6878FE-48C9-114D-AD67-B2A92793F309}"/>
-              </a:ext>
-            </a:extLst>
-          </p:cNvPr>
-          <p:cNvSpPr/>
-          <p:nvPr/>
         </p:nvSpPr>
         <p:spPr>
           <a:xfrm>
-            <a:off x="762000" y="6176963"/>
-            <a:ext cx="7467600" cy="369332"/>
+            <a:off x="838200" y="1578429"/>
+            <a:ext cx="10515600" cy="4778828"/>
           </a:xfrm>
-          <a:prstGeom prst="rect">
-            <a:avLst/>
-          </a:prstGeom>
         </p:spPr>
         <p:txBody>
-          <a:bodyPr wrap="square">
-            <a:spAutoFit/>
+          <a:bodyPr>
+            <a:normAutofit lnSpcReduction="10000"/>
           </a:bodyPr>
           <a:lstStyle/>
           <a:p>
             <a:r>
               <a:rPr lang="en-US" dirty="0"/>
-              <a:t>https://</a:t>
-            </a:r>
-            <a:r>
-              <a:rPr lang="en-US" dirty="0" err="1"/>
-              <a:t>github.com</a:t>
-            </a:r>
+              <a:t>Maintain a set of already seen nodes; mark nodes as we encounter them and add “gate” at start of function</a:t>
+            </a:r>
+          </a:p>
+          <a:p>
+            <a:endParaRPr lang="en-US" dirty="0"/>
+          </a:p>
+          <a:p>
+            <a:endParaRPr lang="en-US" dirty="0"/>
+          </a:p>
+          <a:p>
+            <a:endParaRPr lang="en-US" dirty="0"/>
+          </a:p>
+          <a:p>
+            <a:endParaRPr lang="en-US" dirty="0"/>
+          </a:p>
+          <a:p>
+            <a:endParaRPr lang="en-US" dirty="0"/>
+          </a:p>
+          <a:p>
+            <a:endParaRPr lang="en-US" dirty="0"/>
+          </a:p>
+          <a:p>
+            <a:endParaRPr lang="en-US" dirty="0"/>
+          </a:p>
+          <a:p>
             <a:r>
               <a:rPr lang="en-US" dirty="0"/>
-              <a:t>/</a:t>
-            </a:r>
-            <a:r>
-              <a:rPr lang="en-US" dirty="0" err="1"/>
-              <a:t>parrt</a:t>
+              <a:t>(walk_graph2() should take </a:t>
+            </a:r>
+            <a:r>
+              <a:rPr lang="en-US" b="1" dirty="0"/>
+              <a:t>seen</a:t>
             </a:r>
             <a:r>
               <a:rPr lang="en-US" dirty="0"/>
-              <a:t>/msds689/blob/master/notes/</a:t>
-            </a:r>
-            <a:r>
-              <a:rPr lang="en-US" dirty="0" err="1"/>
-              <a:t>walking.ipynb</a:t>
-            </a:r>
-            <a:endParaRPr lang="en-US" dirty="0"/>
-          </a:p>
-        </p:txBody>
-      </p:sp>
-      <p:sp>
-        <p:nvSpPr>
-          <p:cNvPr id="5" name="TextBox 4">
-            <a:extLst>
-              <a:ext uri="{FF2B5EF4-FFF2-40B4-BE49-F238E27FC236}">
-                <a16:creationId xmlns="" xmlns:a16="http://schemas.microsoft.com/office/drawing/2014/main" id="{5E0D579F-9116-314E-A31B-3D37BB7398D6}"/>
+              <a:t> as parameter)</a:t>
+            </a:r>
+          </a:p>
+        </p:txBody>
+      </p:sp>
+      <p:sp>
+        <p:nvSpPr>
+          <p:cNvPr id="4" name="TextBox 3">
+            <a:extLst>
+              <a:ext uri="{FF2B5EF4-FFF2-40B4-BE49-F238E27FC236}">
+                <a16:creationId xmlns:a16="http://schemas.microsoft.com/office/drawing/2014/main" id="{15368C9B-01DB-BD48-B437-681E9C29166D}"/>
               </a:ext>
             </a:extLst>
           </p:cNvPr>
@@ -5151,8 +4995,8 @@
         </p:nvSpPr>
         <p:spPr>
           <a:xfrm>
-            <a:off x="3135271" y="3427039"/>
-            <a:ext cx="5570985" cy="2308324"/>
+            <a:off x="1893622" y="2444349"/>
+            <a:ext cx="7914408" cy="3046988"/>
           </a:xfrm>
           <a:prstGeom prst="rect">
             <a:avLst/>
@@ -5176,17 +5020,17 @@
                 <a:ea typeface="Monaco" charset="0"/>
                 <a:cs typeface="Monaco" charset="0"/>
               </a:rPr>
-              <a:t>class Node:</a:t>
-            </a:r>
-          </a:p>
-          <a:p>
-            <a:r>
-              <a:rPr lang="en-US" sz="2400" dirty="0">
-                <a:latin typeface="Monaco" charset="0"/>
-                <a:ea typeface="Monaco" charset="0"/>
-                <a:cs typeface="Monaco" charset="0"/>
-              </a:rPr>
-              <a:t>  def __</a:t>
+              <a:t>seen=set() # naughty but simple</a:t>
+            </a:r>
+          </a:p>
+          <a:p>
+            <a:r>
+              <a:rPr lang="en-US" sz="2400" dirty="0">
+                <a:latin typeface="Monaco" charset="0"/>
+                <a:ea typeface="Monaco" charset="0"/>
+                <a:cs typeface="Monaco" charset="0"/>
+              </a:rPr>
+              <a:t>def walk_graph2(</a:t>
             </a:r>
             <a:r>
               <a:rPr lang="en-US" sz="2400" dirty="0" err="1">
@@ -5194,15 +5038,35 @@
                 <a:ea typeface="Monaco" charset="0"/>
                 <a:cs typeface="Monaco" charset="0"/>
               </a:rPr>
-              <a:t>init</a:t>
-            </a:r>
-            <a:r>
-              <a:rPr lang="en-US" sz="2400" dirty="0">
-                <a:latin typeface="Monaco" charset="0"/>
-                <a:ea typeface="Monaco" charset="0"/>
-                <a:cs typeface="Monaco" charset="0"/>
-              </a:rPr>
-              <a:t>__(self, value):</a:t>
+              <a:t>p:Node</a:t>
+            </a:r>
+            <a:r>
+              <a:rPr lang="en-US" sz="2400" dirty="0">
+                <a:latin typeface="Monaco" charset="0"/>
+                <a:ea typeface="Monaco" charset="0"/>
+                <a:cs typeface="Monaco" charset="0"/>
+              </a:rPr>
+              <a:t>) -&gt; None:</a:t>
+            </a:r>
+          </a:p>
+          <a:p>
+            <a:r>
+              <a:rPr lang="en-US" sz="2400" dirty="0">
+                <a:latin typeface="Monaco" charset="0"/>
+                <a:ea typeface="Monaco" charset="0"/>
+                <a:cs typeface="Monaco" charset="0"/>
+              </a:rPr>
+              <a:t>    if p is None: return</a:t>
+            </a:r>
+          </a:p>
+          <a:p>
+            <a:r>
+              <a:rPr lang="en-US" sz="2400" dirty="0">
+                <a:latin typeface="Monaco" charset="0"/>
+                <a:ea typeface="Monaco" charset="0"/>
+                <a:cs typeface="Monaco" charset="0"/>
+              </a:rPr>
+              <a:t>    if p in seen: return</a:t>
             </a:r>
           </a:p>
           <a:p>
@@ -5220,25 +5084,25 @@
                 <a:ea typeface="Monaco" charset="0"/>
                 <a:cs typeface="Monaco" charset="0"/>
               </a:rPr>
-              <a:t>self.value</a:t>
-            </a:r>
-            <a:r>
-              <a:rPr lang="en-US" sz="2400" dirty="0">
-                <a:latin typeface="Monaco" charset="0"/>
-                <a:ea typeface="Monaco" charset="0"/>
-                <a:cs typeface="Monaco" charset="0"/>
-              </a:rPr>
-              <a:t> = value</a:t>
-            </a:r>
-          </a:p>
-          <a:p>
-            <a:r>
-              <a:rPr lang="en-US" sz="2400" dirty="0">
-                <a:latin typeface="Monaco" charset="0"/>
-                <a:ea typeface="Monaco" charset="0"/>
-                <a:cs typeface="Monaco" charset="0"/>
-              </a:rPr>
-              <a:t>    </a:t>
+              <a:t>seen.add</a:t>
+            </a:r>
+            <a:r>
+              <a:rPr lang="en-US" sz="2400" dirty="0">
+                <a:latin typeface="Monaco" charset="0"/>
+                <a:ea typeface="Monaco" charset="0"/>
+                <a:cs typeface="Monaco" charset="0"/>
+              </a:rPr>
+              <a:t>(p)</a:t>
+            </a:r>
+          </a:p>
+          <a:p>
+            <a:r>
+              <a:rPr lang="en-US" sz="2400" dirty="0">
+                <a:latin typeface="Monaco" charset="0"/>
+                <a:ea typeface="Monaco" charset="0"/>
+                <a:cs typeface="Monaco" charset="0"/>
+              </a:rPr>
+              <a:t>    print(</a:t>
             </a:r>
             <a:r>
               <a:rPr lang="en-US" sz="2400" dirty="0" err="1">
@@ -5246,25 +5110,25 @@
                 <a:ea typeface="Monaco" charset="0"/>
                 <a:cs typeface="Monaco" charset="0"/>
               </a:rPr>
-              <a:t>self.edges</a:t>
-            </a:r>
-            <a:r>
-              <a:rPr lang="en-US" sz="2400" dirty="0">
-                <a:latin typeface="Monaco" charset="0"/>
-                <a:ea typeface="Monaco" charset="0"/>
-                <a:cs typeface="Monaco" charset="0"/>
-              </a:rPr>
-              <a:t> = []</a:t>
-            </a:r>
-          </a:p>
-          <a:p>
-            <a:r>
-              <a:rPr lang="en-US" sz="2400" dirty="0">
-                <a:latin typeface="Monaco" charset="0"/>
-                <a:ea typeface="Monaco" charset="0"/>
-                <a:cs typeface="Monaco" charset="0"/>
-              </a:rPr>
-              <a:t>  def add(self, </a:t>
+              <a:t>p.value</a:t>
+            </a:r>
+            <a:r>
+              <a:rPr lang="en-US" sz="2400" dirty="0">
+                <a:latin typeface="Monaco" charset="0"/>
+                <a:ea typeface="Monaco" charset="0"/>
+                <a:cs typeface="Monaco" charset="0"/>
+              </a:rPr>
+              <a:t>)</a:t>
+            </a:r>
+          </a:p>
+          <a:p>
+            <a:r>
+              <a:rPr lang="en-US" sz="2400" dirty="0">
+                <a:latin typeface="Monaco" charset="0"/>
+                <a:ea typeface="Monaco" charset="0"/>
+                <a:cs typeface="Monaco" charset="0"/>
+              </a:rPr>
+              <a:t>    for q in </a:t>
             </a:r>
             <a:r>
               <a:rPr lang="en-US" sz="2400" dirty="0" err="1">
@@ -5272,41 +5136,25 @@
                 <a:ea typeface="Monaco" charset="0"/>
                 <a:cs typeface="Monaco" charset="0"/>
               </a:rPr>
-              <a:t>target:Node</a:t>
-            </a:r>
-            <a:r>
-              <a:rPr lang="en-US" sz="2400" dirty="0">
-                <a:latin typeface="Monaco" charset="0"/>
-                <a:ea typeface="Monaco" charset="0"/>
-                <a:cs typeface="Monaco" charset="0"/>
-              </a:rPr>
-              <a:t>):</a:t>
-            </a:r>
-          </a:p>
-          <a:p>
-            <a:r>
-              <a:rPr lang="en-US" sz="2400" dirty="0">
-                <a:latin typeface="Monaco" charset="0"/>
-                <a:ea typeface="Monaco" charset="0"/>
-                <a:cs typeface="Monaco" charset="0"/>
-              </a:rPr>
-              <a:t>    </a:t>
-            </a:r>
-            <a:r>
-              <a:rPr lang="en-US" sz="2400" dirty="0" err="1">
-                <a:latin typeface="Monaco" charset="0"/>
-                <a:ea typeface="Monaco" charset="0"/>
-                <a:cs typeface="Monaco" charset="0"/>
-              </a:rPr>
-              <a:t>self.edges.append</a:t>
-            </a:r>
-            <a:r>
-              <a:rPr lang="en-US" sz="2400" dirty="0">
-                <a:latin typeface="Monaco" charset="0"/>
-                <a:ea typeface="Monaco" charset="0"/>
-                <a:cs typeface="Monaco" charset="0"/>
-              </a:rPr>
-              <a:t>(target)</a:t>
+              <a:t>p.edges</a:t>
+            </a:r>
+            <a:r>
+              <a:rPr lang="en-US" sz="2400" dirty="0">
+                <a:latin typeface="Monaco" charset="0"/>
+                <a:ea typeface="Monaco" charset="0"/>
+                <a:cs typeface="Monaco" charset="0"/>
+              </a:rPr>
+              <a:t>:</a:t>
+            </a:r>
+          </a:p>
+          <a:p>
+            <a:r>
+              <a:rPr lang="en-US" sz="2400" dirty="0">
+                <a:latin typeface="Monaco" charset="0"/>
+                <a:ea typeface="Monaco" charset="0"/>
+                <a:cs typeface="Monaco" charset="0"/>
+              </a:rPr>
+              <a:t>        walk_graph2(q)</a:t>
             </a:r>
           </a:p>
         </p:txBody>
@@ -5314,7 +5162,7 @@
     </p:spTree>
     <p:extLst>
       <p:ext uri="{BB962C8B-B14F-4D97-AF65-F5344CB8AC3E}">
-        <p14:creationId xmlns:p14="http://schemas.microsoft.com/office/powerpoint/2010/main" val="1079673575"/>
+        <p14:creationId xmlns:p14="http://schemas.microsoft.com/office/powerpoint/2010/main" val="2799585922"/>
       </p:ext>
     </p:extLst>
   </p:cSld>
@@ -5346,826 +5194,7 @@
           <p:cNvPr id="2" name="Title 1">
             <a:extLst>
               <a:ext uri="{FF2B5EF4-FFF2-40B4-BE49-F238E27FC236}">
-                <a16:creationId xmlns="" xmlns:a16="http://schemas.microsoft.com/office/drawing/2014/main" id="{A28C248F-1DBF-8444-B7E1-A5C580E64CAD}"/>
-              </a:ext>
-            </a:extLst>
-          </p:cNvPr>
-          <p:cNvSpPr>
-            <a:spLocks noGrp="1"/>
-          </p:cNvSpPr>
-          <p:nvPr>
-            <p:ph type="title"/>
-          </p:nvPr>
-        </p:nvSpPr>
-        <p:spPr/>
-        <p:txBody>
-          <a:bodyPr/>
-          <a:lstStyle/>
-          <a:p>
-            <a:r>
-              <a:rPr lang="en-US" i="1" dirty="0"/>
-              <a:t>Depth-first</a:t>
-            </a:r>
-            <a:r>
-              <a:rPr lang="en-US" dirty="0"/>
-              <a:t> graph walk*, compare to tree</a:t>
-            </a:r>
-          </a:p>
-        </p:txBody>
-      </p:sp>
-      <p:pic>
-        <p:nvPicPr>
-          <p:cNvPr id="5" name="Picture 4">
-            <a:extLst>
-              <a:ext uri="{FF2B5EF4-FFF2-40B4-BE49-F238E27FC236}">
-                <a16:creationId xmlns="" xmlns:a16="http://schemas.microsoft.com/office/drawing/2014/main" id="{1792B99B-6506-2E43-A5C8-14B7064BB21C}"/>
-              </a:ext>
-            </a:extLst>
-          </p:cNvPr>
-          <p:cNvPicPr>
-            <a:picLocks noChangeAspect="1"/>
-          </p:cNvPicPr>
-          <p:nvPr/>
-        </p:nvPicPr>
-        <p:blipFill>
-          <a:blip r:embed="rId2"/>
-          <a:stretch>
-            <a:fillRect/>
-          </a:stretch>
-        </p:blipFill>
-        <p:spPr>
-          <a:xfrm>
-            <a:off x="609108" y="3701527"/>
-            <a:ext cx="10973783" cy="2475436"/>
-          </a:xfrm>
-          <a:prstGeom prst="rect">
-            <a:avLst/>
-          </a:prstGeom>
-        </p:spPr>
-      </p:pic>
-      <p:sp>
-        <p:nvSpPr>
-          <p:cNvPr id="6" name="TextBox 5">
-            <a:extLst>
-              <a:ext uri="{FF2B5EF4-FFF2-40B4-BE49-F238E27FC236}">
-                <a16:creationId xmlns="" xmlns:a16="http://schemas.microsoft.com/office/drawing/2014/main" id="{353E74A1-D948-4C47-B6C7-43C654E6D4A9}"/>
-              </a:ext>
-            </a:extLst>
-          </p:cNvPr>
-          <p:cNvSpPr txBox="1"/>
-          <p:nvPr/>
-        </p:nvSpPr>
-        <p:spPr>
-          <a:xfrm>
-            <a:off x="609108" y="1556611"/>
-            <a:ext cx="4828654" cy="1938992"/>
-          </a:xfrm>
-          <a:prstGeom prst="rect">
-            <a:avLst/>
-          </a:prstGeom>
-          <a:noFill/>
-          <a:ln>
-            <a:solidFill>
-              <a:schemeClr val="accent1"/>
-            </a:solidFill>
-          </a:ln>
-        </p:spPr>
-        <p:txBody>
-          <a:bodyPr wrap="square" rtlCol="0">
-            <a:spAutoFit/>
-          </a:bodyPr>
-          <a:lstStyle/>
-          <a:p>
-            <a:r>
-              <a:rPr lang="en-US" sz="2400" dirty="0">
-                <a:latin typeface="Monaco" charset="0"/>
-                <a:ea typeface="Monaco" charset="0"/>
-                <a:cs typeface="Monaco" charset="0"/>
-              </a:rPr>
-              <a:t>def </a:t>
-            </a:r>
-            <a:r>
-              <a:rPr lang="en-US" sz="2400" dirty="0" err="1">
-                <a:latin typeface="Monaco" charset="0"/>
-                <a:ea typeface="Monaco" charset="0"/>
-                <a:cs typeface="Monaco" charset="0"/>
-              </a:rPr>
-              <a:t>walk_</a:t>
-            </a:r>
-            <a:r>
-              <a:rPr lang="en-US" sz="2400" dirty="0" err="1">
-                <a:solidFill>
-                  <a:srgbClr val="00B0F0"/>
-                </a:solidFill>
-                <a:latin typeface="Monaco" charset="0"/>
-                <a:ea typeface="Monaco" charset="0"/>
-                <a:cs typeface="Monaco" charset="0"/>
-              </a:rPr>
-              <a:t>graph</a:t>
-            </a:r>
-            <a:r>
-              <a:rPr lang="en-US" sz="2400" dirty="0">
-                <a:latin typeface="Monaco" charset="0"/>
-                <a:ea typeface="Monaco" charset="0"/>
-                <a:cs typeface="Monaco" charset="0"/>
-              </a:rPr>
-              <a:t>(</a:t>
-            </a:r>
-            <a:r>
-              <a:rPr lang="en-US" sz="2400" dirty="0" err="1">
-                <a:latin typeface="Monaco" charset="0"/>
-                <a:ea typeface="Monaco" charset="0"/>
-                <a:cs typeface="Monaco" charset="0"/>
-              </a:rPr>
-              <a:t>p:Node</a:t>
-            </a:r>
-            <a:r>
-              <a:rPr lang="en-US" sz="2400" dirty="0">
-                <a:latin typeface="Monaco" charset="0"/>
-                <a:ea typeface="Monaco" charset="0"/>
-                <a:cs typeface="Monaco" charset="0"/>
-              </a:rPr>
-              <a:t>):</a:t>
-            </a:r>
-          </a:p>
-          <a:p>
-            <a:r>
-              <a:rPr lang="en-US" sz="2400" dirty="0">
-                <a:latin typeface="Monaco" charset="0"/>
-                <a:ea typeface="Monaco" charset="0"/>
-                <a:cs typeface="Monaco" charset="0"/>
-              </a:rPr>
-              <a:t>    if p is None: return</a:t>
-            </a:r>
-          </a:p>
-          <a:p>
-            <a:r>
-              <a:rPr lang="en-US" sz="2400" dirty="0">
-                <a:latin typeface="Monaco" charset="0"/>
-                <a:ea typeface="Monaco" charset="0"/>
-                <a:cs typeface="Monaco" charset="0"/>
-              </a:rPr>
-              <a:t>    print(</a:t>
-            </a:r>
-            <a:r>
-              <a:rPr lang="en-US" sz="2400" dirty="0" err="1">
-                <a:latin typeface="Monaco" charset="0"/>
-                <a:ea typeface="Monaco" charset="0"/>
-                <a:cs typeface="Monaco" charset="0"/>
-              </a:rPr>
-              <a:t>p.value</a:t>
-            </a:r>
-            <a:r>
-              <a:rPr lang="en-US" sz="2400" dirty="0">
-                <a:latin typeface="Monaco" charset="0"/>
-                <a:ea typeface="Monaco" charset="0"/>
-                <a:cs typeface="Monaco" charset="0"/>
-              </a:rPr>
-              <a:t>)</a:t>
-            </a:r>
-          </a:p>
-          <a:p>
-            <a:r>
-              <a:rPr lang="en-US" sz="2400" dirty="0">
-                <a:latin typeface="Monaco" charset="0"/>
-                <a:ea typeface="Monaco" charset="0"/>
-                <a:cs typeface="Monaco" charset="0"/>
-              </a:rPr>
-              <a:t>    for q in </a:t>
-            </a:r>
-            <a:r>
-              <a:rPr lang="en-US" sz="2400" dirty="0" err="1">
-                <a:latin typeface="Monaco" charset="0"/>
-                <a:ea typeface="Monaco" charset="0"/>
-                <a:cs typeface="Monaco" charset="0"/>
-              </a:rPr>
-              <a:t>p.edges</a:t>
-            </a:r>
-            <a:r>
-              <a:rPr lang="en-US" sz="2400" dirty="0">
-                <a:latin typeface="Monaco" charset="0"/>
-                <a:ea typeface="Monaco" charset="0"/>
-                <a:cs typeface="Monaco" charset="0"/>
-              </a:rPr>
-              <a:t>:</a:t>
-            </a:r>
-          </a:p>
-          <a:p>
-            <a:r>
-              <a:rPr lang="en-US" sz="2400" dirty="0">
-                <a:latin typeface="Monaco" charset="0"/>
-                <a:ea typeface="Monaco" charset="0"/>
-                <a:cs typeface="Monaco" charset="0"/>
-              </a:rPr>
-              <a:t>        </a:t>
-            </a:r>
-            <a:r>
-              <a:rPr lang="en-US" sz="2400" dirty="0" err="1">
-                <a:latin typeface="Monaco" charset="0"/>
-                <a:ea typeface="Monaco" charset="0"/>
-                <a:cs typeface="Monaco" charset="0"/>
-              </a:rPr>
-              <a:t>walk_graph</a:t>
-            </a:r>
-            <a:r>
-              <a:rPr lang="en-US" sz="2400" dirty="0">
-                <a:latin typeface="Monaco" charset="0"/>
-                <a:ea typeface="Monaco" charset="0"/>
-                <a:cs typeface="Monaco" charset="0"/>
-              </a:rPr>
-              <a:t>(q)</a:t>
-            </a:r>
-          </a:p>
-        </p:txBody>
-      </p:sp>
-      <p:sp>
-        <p:nvSpPr>
-          <p:cNvPr id="7" name="TextBox 6">
-            <a:extLst>
-              <a:ext uri="{FF2B5EF4-FFF2-40B4-BE49-F238E27FC236}">
-                <a16:creationId xmlns="" xmlns:a16="http://schemas.microsoft.com/office/drawing/2014/main" id="{D71F8171-1B83-C549-BA34-BF89159BCF31}"/>
-              </a:ext>
-            </a:extLst>
-          </p:cNvPr>
-          <p:cNvSpPr txBox="1"/>
-          <p:nvPr/>
-        </p:nvSpPr>
-        <p:spPr>
-          <a:xfrm>
-            <a:off x="6648191" y="1556611"/>
-            <a:ext cx="4934700" cy="1938992"/>
-          </a:xfrm>
-          <a:prstGeom prst="rect">
-            <a:avLst/>
-          </a:prstGeom>
-          <a:noFill/>
-          <a:ln>
-            <a:solidFill>
-              <a:schemeClr val="accent1"/>
-            </a:solidFill>
-          </a:ln>
-        </p:spPr>
-        <p:txBody>
-          <a:bodyPr wrap="square" rtlCol="0">
-            <a:spAutoFit/>
-          </a:bodyPr>
-          <a:lstStyle/>
-          <a:p>
-            <a:r>
-              <a:rPr lang="en-US" sz="2400" dirty="0">
-                <a:latin typeface="Monaco" charset="0"/>
-                <a:ea typeface="Monaco" charset="0"/>
-                <a:cs typeface="Monaco" charset="0"/>
-              </a:rPr>
-              <a:t>def </a:t>
-            </a:r>
-            <a:r>
-              <a:rPr lang="en-US" sz="2400" dirty="0" err="1">
-                <a:latin typeface="Monaco" charset="0"/>
-                <a:ea typeface="Monaco" charset="0"/>
-                <a:cs typeface="Monaco" charset="0"/>
-              </a:rPr>
-              <a:t>walk_</a:t>
-            </a:r>
-            <a:r>
-              <a:rPr lang="en-US" sz="2400" dirty="0" err="1">
-                <a:solidFill>
-                  <a:srgbClr val="00B0F0"/>
-                </a:solidFill>
-                <a:latin typeface="Monaco" charset="0"/>
-                <a:ea typeface="Monaco" charset="0"/>
-                <a:cs typeface="Monaco" charset="0"/>
-              </a:rPr>
-              <a:t>tree</a:t>
-            </a:r>
-            <a:r>
-              <a:rPr lang="en-US" sz="2400" dirty="0">
-                <a:latin typeface="Monaco" charset="0"/>
-                <a:ea typeface="Monaco" charset="0"/>
-                <a:cs typeface="Monaco" charset="0"/>
-              </a:rPr>
-              <a:t>(</a:t>
-            </a:r>
-            <a:r>
-              <a:rPr lang="en-US" sz="2400" dirty="0" err="1">
-                <a:latin typeface="Monaco" charset="0"/>
-                <a:ea typeface="Monaco" charset="0"/>
-                <a:cs typeface="Monaco" charset="0"/>
-              </a:rPr>
-              <a:t>p:TreeNode</a:t>
-            </a:r>
-            <a:r>
-              <a:rPr lang="en-US" sz="2400" dirty="0">
-                <a:latin typeface="Monaco" charset="0"/>
-                <a:ea typeface="Monaco" charset="0"/>
-                <a:cs typeface="Monaco" charset="0"/>
-              </a:rPr>
-              <a:t>):</a:t>
-            </a:r>
-          </a:p>
-          <a:p>
-            <a:r>
-              <a:rPr lang="en-US" sz="2400" dirty="0">
-                <a:latin typeface="Monaco" charset="0"/>
-                <a:ea typeface="Monaco" charset="0"/>
-                <a:cs typeface="Monaco" charset="0"/>
-              </a:rPr>
-              <a:t>    if p is None: return</a:t>
-            </a:r>
-          </a:p>
-          <a:p>
-            <a:r>
-              <a:rPr lang="en-US" sz="2400" dirty="0">
-                <a:latin typeface="Monaco" charset="0"/>
-                <a:ea typeface="Monaco" charset="0"/>
-                <a:cs typeface="Monaco" charset="0"/>
-              </a:rPr>
-              <a:t>    print(</a:t>
-            </a:r>
-            <a:r>
-              <a:rPr lang="en-US" sz="2400" dirty="0" err="1">
-                <a:latin typeface="Monaco" charset="0"/>
-                <a:ea typeface="Monaco" charset="0"/>
-                <a:cs typeface="Monaco" charset="0"/>
-              </a:rPr>
-              <a:t>p.value</a:t>
-            </a:r>
-            <a:endParaRPr lang="en-US" sz="2400" dirty="0">
-              <a:solidFill>
-                <a:srgbClr val="00B0F0"/>
-              </a:solidFill>
-              <a:latin typeface="Monaco" charset="0"/>
-              <a:ea typeface="Monaco" charset="0"/>
-              <a:cs typeface="Monaco" charset="0"/>
-            </a:endParaRPr>
-          </a:p>
-          <a:p>
-            <a:r>
-              <a:rPr lang="en-US" sz="2400" dirty="0">
-                <a:latin typeface="Monaco" charset="0"/>
-                <a:ea typeface="Monaco" charset="0"/>
-                <a:cs typeface="Monaco" charset="0"/>
-              </a:rPr>
-              <a:t>    </a:t>
-            </a:r>
-            <a:r>
-              <a:rPr lang="en-US" sz="2400" dirty="0" err="1">
-                <a:latin typeface="Monaco" charset="0"/>
-                <a:ea typeface="Monaco" charset="0"/>
-                <a:cs typeface="Monaco" charset="0"/>
-              </a:rPr>
-              <a:t>walk_tree</a:t>
-            </a:r>
-            <a:r>
-              <a:rPr lang="en-US" sz="2400" dirty="0">
-                <a:latin typeface="Monaco" charset="0"/>
-                <a:ea typeface="Monaco" charset="0"/>
-                <a:cs typeface="Monaco" charset="0"/>
-              </a:rPr>
-              <a:t>(</a:t>
-            </a:r>
-            <a:r>
-              <a:rPr lang="en-US" sz="2400" dirty="0" err="1">
-                <a:latin typeface="Monaco" charset="0"/>
-                <a:ea typeface="Monaco" charset="0"/>
-                <a:cs typeface="Monaco" charset="0"/>
-              </a:rPr>
-              <a:t>p.left</a:t>
-            </a:r>
-            <a:r>
-              <a:rPr lang="en-US" sz="2400" dirty="0">
-                <a:latin typeface="Monaco" charset="0"/>
-                <a:ea typeface="Monaco" charset="0"/>
-                <a:cs typeface="Monaco" charset="0"/>
-              </a:rPr>
-              <a:t>)</a:t>
-            </a:r>
-          </a:p>
-          <a:p>
-            <a:r>
-              <a:rPr lang="en-US" sz="2400" dirty="0">
-                <a:latin typeface="Monaco" charset="0"/>
-                <a:ea typeface="Monaco" charset="0"/>
-                <a:cs typeface="Monaco" charset="0"/>
-              </a:rPr>
-              <a:t>    </a:t>
-            </a:r>
-            <a:r>
-              <a:rPr lang="en-US" sz="2400" dirty="0" err="1">
-                <a:latin typeface="Monaco" charset="0"/>
-                <a:ea typeface="Monaco" charset="0"/>
-                <a:cs typeface="Monaco" charset="0"/>
-              </a:rPr>
-              <a:t>walk_tree</a:t>
-            </a:r>
-            <a:r>
-              <a:rPr lang="en-US" sz="2400" dirty="0">
-                <a:latin typeface="Monaco" charset="0"/>
-                <a:ea typeface="Monaco" charset="0"/>
-                <a:cs typeface="Monaco" charset="0"/>
-              </a:rPr>
-              <a:t>(</a:t>
-            </a:r>
-            <a:r>
-              <a:rPr lang="en-US" sz="2400" dirty="0" err="1">
-                <a:latin typeface="Monaco" charset="0"/>
-                <a:ea typeface="Monaco" charset="0"/>
-                <a:cs typeface="Monaco" charset="0"/>
-              </a:rPr>
-              <a:t>p.right</a:t>
-            </a:r>
-            <a:r>
-              <a:rPr lang="en-US" sz="2400" dirty="0">
-                <a:latin typeface="Monaco" charset="0"/>
-                <a:ea typeface="Monaco" charset="0"/>
-                <a:cs typeface="Monaco" charset="0"/>
-              </a:rPr>
-              <a:t>)</a:t>
-            </a:r>
-          </a:p>
-        </p:txBody>
-      </p:sp>
-      <p:sp>
-        <p:nvSpPr>
-          <p:cNvPr id="3" name="TextBox 2">
-            <a:extLst>
-              <a:ext uri="{FF2B5EF4-FFF2-40B4-BE49-F238E27FC236}">
-                <a16:creationId xmlns="" xmlns:a16="http://schemas.microsoft.com/office/drawing/2014/main" id="{F7062F48-5902-1540-A51C-A2CF700930C9}"/>
-              </a:ext>
-            </a:extLst>
-          </p:cNvPr>
-          <p:cNvSpPr txBox="1"/>
-          <p:nvPr/>
-        </p:nvSpPr>
-        <p:spPr>
-          <a:xfrm>
-            <a:off x="435429" y="6198221"/>
-            <a:ext cx="3583032" cy="369332"/>
-          </a:xfrm>
-          <a:prstGeom prst="rect">
-            <a:avLst/>
-          </a:prstGeom>
-          <a:noFill/>
-        </p:spPr>
-        <p:txBody>
-          <a:bodyPr wrap="none" rtlCol="0">
-            <a:spAutoFit/>
-          </a:bodyPr>
-          <a:lstStyle/>
-          <a:p>
-            <a:r>
-              <a:rPr lang="en-US" dirty="0"/>
-              <a:t>*This function is missing a key bit</a:t>
-            </a:r>
-          </a:p>
-        </p:txBody>
-      </p:sp>
-    </p:spTree>
-    <p:extLst>
-      <p:ext uri="{BB962C8B-B14F-4D97-AF65-F5344CB8AC3E}">
-        <p14:creationId xmlns:p14="http://schemas.microsoft.com/office/powerpoint/2010/main" val="2871262269"/>
-      </p:ext>
-    </p:extLst>
-  </p:cSld>
-  <p:clrMapOvr>
-    <a:masterClrMapping/>
-  </p:clrMapOvr>
-</p:sld>
-</file>
-
-<file path=ppt/slides/slide14.xml><?xml version="1.0" encoding="utf-8"?>
-<p:sld xmlns:a="http://schemas.openxmlformats.org/drawingml/2006/main" xmlns:r="http://schemas.openxmlformats.org/officeDocument/2006/relationships" xmlns:p="http://schemas.openxmlformats.org/presentationml/2006/main">
-  <p:cSld>
-    <p:spTree>
-      <p:nvGrpSpPr>
-        <p:cNvPr id="1" name=""/>
-        <p:cNvGrpSpPr/>
-        <p:nvPr/>
-      </p:nvGrpSpPr>
-      <p:grpSpPr>
-        <a:xfrm>
-          <a:off x="0" y="0"/>
-          <a:ext cx="0" cy="0"/>
-          <a:chOff x="0" y="0"/>
-          <a:chExt cx="0" cy="0"/>
-        </a:xfrm>
-      </p:grpSpPr>
-      <p:sp>
-        <p:nvSpPr>
-          <p:cNvPr id="2" name="Title 1">
-            <a:extLst>
-              <a:ext uri="{FF2B5EF4-FFF2-40B4-BE49-F238E27FC236}">
-                <a16:creationId xmlns="" xmlns:a16="http://schemas.microsoft.com/office/drawing/2014/main" id="{0F18A787-0CC6-3D4D-9B6F-E8F74CF230E8}"/>
-              </a:ext>
-            </a:extLst>
-          </p:cNvPr>
-          <p:cNvSpPr>
-            <a:spLocks noGrp="1"/>
-          </p:cNvSpPr>
-          <p:nvPr>
-            <p:ph type="title"/>
-          </p:nvPr>
-        </p:nvSpPr>
-        <p:spPr/>
-        <p:txBody>
-          <a:bodyPr/>
-          <a:lstStyle/>
-          <a:p>
-            <a:r>
-              <a:rPr lang="en-US" i="1" dirty="0"/>
-              <a:t>Depth-first</a:t>
-            </a:r>
-            <a:r>
-              <a:rPr lang="en-US" dirty="0"/>
-              <a:t> graph walk avoiding cycles</a:t>
-            </a:r>
-          </a:p>
-        </p:txBody>
-      </p:sp>
-      <p:sp>
-        <p:nvSpPr>
-          <p:cNvPr id="3" name="Content Placeholder 2">
-            <a:extLst>
-              <a:ext uri="{FF2B5EF4-FFF2-40B4-BE49-F238E27FC236}">
-                <a16:creationId xmlns="" xmlns:a16="http://schemas.microsoft.com/office/drawing/2014/main" id="{B2182F01-0003-DC46-8EBF-C32D4B61CDFB}"/>
-              </a:ext>
-            </a:extLst>
-          </p:cNvPr>
-          <p:cNvSpPr>
-            <a:spLocks noGrp="1"/>
-          </p:cNvSpPr>
-          <p:nvPr>
-            <p:ph idx="1"/>
-          </p:nvPr>
-        </p:nvSpPr>
-        <p:spPr>
-          <a:xfrm>
-            <a:off x="838200" y="1578429"/>
-            <a:ext cx="10515600" cy="4778828"/>
-          </a:xfrm>
-        </p:spPr>
-        <p:txBody>
-          <a:bodyPr>
-            <a:normAutofit lnSpcReduction="10000"/>
-          </a:bodyPr>
-          <a:lstStyle/>
-          <a:p>
-            <a:r>
-              <a:rPr lang="en-US" dirty="0"/>
-              <a:t>Maintain a set of already seen nodes; mark nodes as we encounter them and add “gate” at start of function</a:t>
-            </a:r>
-          </a:p>
-          <a:p>
-            <a:endParaRPr lang="en-US" dirty="0"/>
-          </a:p>
-          <a:p>
-            <a:endParaRPr lang="en-US" dirty="0"/>
-          </a:p>
-          <a:p>
-            <a:endParaRPr lang="en-US" dirty="0"/>
-          </a:p>
-          <a:p>
-            <a:endParaRPr lang="en-US" dirty="0"/>
-          </a:p>
-          <a:p>
-            <a:endParaRPr lang="en-US" dirty="0"/>
-          </a:p>
-          <a:p>
-            <a:endParaRPr lang="en-US" dirty="0"/>
-          </a:p>
-          <a:p>
-            <a:endParaRPr lang="en-US" dirty="0"/>
-          </a:p>
-          <a:p>
-            <a:r>
-              <a:rPr lang="en-US" dirty="0"/>
-              <a:t>walk_graph2() should take </a:t>
-            </a:r>
-            <a:r>
-              <a:rPr lang="en-US" b="1" dirty="0"/>
-              <a:t>seen</a:t>
-            </a:r>
-            <a:r>
-              <a:rPr lang="en-US" dirty="0"/>
-              <a:t> as parameter</a:t>
-            </a:r>
-          </a:p>
-        </p:txBody>
-      </p:sp>
-      <p:sp>
-        <p:nvSpPr>
-          <p:cNvPr id="4" name="TextBox 3">
-            <a:extLst>
-              <a:ext uri="{FF2B5EF4-FFF2-40B4-BE49-F238E27FC236}">
-                <a16:creationId xmlns="" xmlns:a16="http://schemas.microsoft.com/office/drawing/2014/main" id="{15368C9B-01DB-BD48-B437-681E9C29166D}"/>
-              </a:ext>
-            </a:extLst>
-          </p:cNvPr>
-          <p:cNvSpPr txBox="1"/>
-          <p:nvPr/>
-        </p:nvSpPr>
-        <p:spPr>
-          <a:xfrm>
-            <a:off x="1893622" y="2444349"/>
-            <a:ext cx="7914408" cy="3046988"/>
-          </a:xfrm>
-          <a:prstGeom prst="rect">
-            <a:avLst/>
-          </a:prstGeom>
-          <a:noFill/>
-          <a:ln>
-            <a:solidFill>
-              <a:schemeClr val="accent1"/>
-            </a:solidFill>
-          </a:ln>
-        </p:spPr>
-        <p:txBody>
-          <a:bodyPr wrap="square" rtlCol="0">
-            <a:spAutoFit/>
-          </a:bodyPr>
-          <a:lstStyle/>
-          <a:p>
-            <a:r>
-              <a:rPr lang="en-US" sz="2400" dirty="0">
-                <a:latin typeface="Monaco" charset="0"/>
-                <a:ea typeface="Monaco" charset="0"/>
-                <a:cs typeface="Monaco" charset="0"/>
-              </a:rPr>
-              <a:t>seen=set() # naughty but simple</a:t>
-            </a:r>
-          </a:p>
-          <a:p>
-            <a:r>
-              <a:rPr lang="en-US" sz="2400" dirty="0">
-                <a:latin typeface="Monaco" charset="0"/>
-                <a:ea typeface="Monaco" charset="0"/>
-                <a:cs typeface="Monaco" charset="0"/>
-              </a:rPr>
-              <a:t>def walk_graph2(</a:t>
-            </a:r>
-            <a:r>
-              <a:rPr lang="en-US" sz="2400" dirty="0" err="1">
-                <a:latin typeface="Monaco" charset="0"/>
-                <a:ea typeface="Monaco" charset="0"/>
-                <a:cs typeface="Monaco" charset="0"/>
-              </a:rPr>
-              <a:t>p:Node</a:t>
-            </a:r>
-            <a:r>
-              <a:rPr lang="en-US" sz="2400" dirty="0">
-                <a:latin typeface="Monaco" charset="0"/>
-                <a:ea typeface="Monaco" charset="0"/>
-                <a:cs typeface="Monaco" charset="0"/>
-              </a:rPr>
-              <a:t>) -&gt; None:</a:t>
-            </a:r>
-          </a:p>
-          <a:p>
-            <a:r>
-              <a:rPr lang="en-US" sz="2400" dirty="0">
-                <a:latin typeface="Monaco" charset="0"/>
-                <a:ea typeface="Monaco" charset="0"/>
-                <a:cs typeface="Monaco" charset="0"/>
-              </a:rPr>
-              <a:t>    if p is None: return</a:t>
-            </a:r>
-          </a:p>
-          <a:p>
-            <a:r>
-              <a:rPr lang="en-US" sz="2400" dirty="0">
-                <a:latin typeface="Monaco" charset="0"/>
-                <a:ea typeface="Monaco" charset="0"/>
-                <a:cs typeface="Monaco" charset="0"/>
-              </a:rPr>
-              <a:t>    if p in seen: return</a:t>
-            </a:r>
-          </a:p>
-          <a:p>
-            <a:r>
-              <a:rPr lang="en-US" sz="2400" dirty="0">
-                <a:latin typeface="Monaco" charset="0"/>
-                <a:ea typeface="Monaco" charset="0"/>
-                <a:cs typeface="Monaco" charset="0"/>
-              </a:rPr>
-              <a:t>    </a:t>
-            </a:r>
-            <a:r>
-              <a:rPr lang="en-US" sz="2400" dirty="0" err="1">
-                <a:latin typeface="Monaco" charset="0"/>
-                <a:ea typeface="Monaco" charset="0"/>
-                <a:cs typeface="Monaco" charset="0"/>
-              </a:rPr>
-              <a:t>seen.add</a:t>
-            </a:r>
-            <a:r>
-              <a:rPr lang="en-US" sz="2400" dirty="0">
-                <a:latin typeface="Monaco" charset="0"/>
-                <a:ea typeface="Monaco" charset="0"/>
-                <a:cs typeface="Monaco" charset="0"/>
-              </a:rPr>
-              <a:t>(p)</a:t>
-            </a:r>
-          </a:p>
-          <a:p>
-            <a:r>
-              <a:rPr lang="en-US" sz="2400" dirty="0">
-                <a:latin typeface="Monaco" charset="0"/>
-                <a:ea typeface="Monaco" charset="0"/>
-                <a:cs typeface="Monaco" charset="0"/>
-              </a:rPr>
-              <a:t>    print(</a:t>
-            </a:r>
-            <a:r>
-              <a:rPr lang="en-US" sz="2400" dirty="0" err="1">
-                <a:latin typeface="Monaco" charset="0"/>
-                <a:ea typeface="Monaco" charset="0"/>
-                <a:cs typeface="Monaco" charset="0"/>
-              </a:rPr>
-              <a:t>p.value</a:t>
-            </a:r>
-            <a:r>
-              <a:rPr lang="en-US" sz="2400" dirty="0">
-                <a:latin typeface="Monaco" charset="0"/>
-                <a:ea typeface="Monaco" charset="0"/>
-                <a:cs typeface="Monaco" charset="0"/>
-              </a:rPr>
-              <a:t>)</a:t>
-            </a:r>
-          </a:p>
-          <a:p>
-            <a:r>
-              <a:rPr lang="en-US" sz="2400" dirty="0">
-                <a:latin typeface="Monaco" charset="0"/>
-                <a:ea typeface="Monaco" charset="0"/>
-                <a:cs typeface="Monaco" charset="0"/>
-              </a:rPr>
-              <a:t>    for q in </a:t>
-            </a:r>
-            <a:r>
-              <a:rPr lang="en-US" sz="2400" dirty="0" err="1">
-                <a:latin typeface="Monaco" charset="0"/>
-                <a:ea typeface="Monaco" charset="0"/>
-                <a:cs typeface="Monaco" charset="0"/>
-              </a:rPr>
-              <a:t>p.edges</a:t>
-            </a:r>
-            <a:r>
-              <a:rPr lang="en-US" sz="2400" dirty="0">
-                <a:latin typeface="Monaco" charset="0"/>
-                <a:ea typeface="Monaco" charset="0"/>
-                <a:cs typeface="Monaco" charset="0"/>
-              </a:rPr>
-              <a:t>:</a:t>
-            </a:r>
-          </a:p>
-          <a:p>
-            <a:r>
-              <a:rPr lang="en-US" sz="2400" dirty="0">
-                <a:latin typeface="Monaco" charset="0"/>
-                <a:ea typeface="Monaco" charset="0"/>
-                <a:cs typeface="Monaco" charset="0"/>
-              </a:rPr>
-              <a:t>        walk_graph2(q)</a:t>
-            </a:r>
-          </a:p>
-        </p:txBody>
-      </p:sp>
-    </p:spTree>
-    <p:extLst>
-      <p:ext uri="{BB962C8B-B14F-4D97-AF65-F5344CB8AC3E}">
-        <p14:creationId xmlns:p14="http://schemas.microsoft.com/office/powerpoint/2010/main" val="2799585922"/>
-      </p:ext>
-    </p:extLst>
-  </p:cSld>
-  <p:clrMapOvr>
-    <a:masterClrMapping/>
-  </p:clrMapOvr>
-</p:sld>
-</file>
-
-<file path=ppt/slides/slide15.xml><?xml version="1.0" encoding="utf-8"?>
-<p:sld xmlns:a="http://schemas.openxmlformats.org/drawingml/2006/main" xmlns:r="http://schemas.openxmlformats.org/officeDocument/2006/relationships" xmlns:p="http://schemas.openxmlformats.org/presentationml/2006/main">
-  <p:cSld>
-    <p:spTree>
-      <p:nvGrpSpPr>
-        <p:cNvPr id="1" name=""/>
-        <p:cNvGrpSpPr/>
-        <p:nvPr/>
-      </p:nvGrpSpPr>
-      <p:grpSpPr>
-        <a:xfrm>
-          <a:off x="0" y="0"/>
-          <a:ext cx="0" cy="0"/>
-          <a:chOff x="0" y="0"/>
-          <a:chExt cx="0" cy="0"/>
-        </a:xfrm>
-      </p:grpSpPr>
-      <p:sp>
-        <p:nvSpPr>
-          <p:cNvPr id="2" name="Title 1">
-            <a:extLst>
-              <a:ext uri="{FF2B5EF4-FFF2-40B4-BE49-F238E27FC236}">
-                <a16:creationId xmlns="" xmlns:a16="http://schemas.microsoft.com/office/drawing/2014/main" id="{09BF4226-D458-3D42-8613-ED818265D961}"/>
+                <a16:creationId xmlns:a16="http://schemas.microsoft.com/office/drawing/2014/main" id="{09BF4226-D458-3D42-8613-ED818265D961}"/>
               </a:ext>
             </a:extLst>
           </p:cNvPr>
@@ -6193,7 +5222,7 @@
           <p:cNvPr id="3" name="Content Placeholder 2">
             <a:extLst>
               <a:ext uri="{FF2B5EF4-FFF2-40B4-BE49-F238E27FC236}">
-                <a16:creationId xmlns="" xmlns:a16="http://schemas.microsoft.com/office/drawing/2014/main" id="{1B5D9D48-79D8-E441-87C9-BCC04ED39A68}"/>
+                <a16:creationId xmlns:a16="http://schemas.microsoft.com/office/drawing/2014/main" id="{1B5D9D48-79D8-E441-87C9-BCC04ED39A68}"/>
               </a:ext>
             </a:extLst>
           </p:cNvPr>
@@ -6289,7 +5318,7 @@
           <p:cNvPr id="2" name="Title 1">
             <a:extLst>
               <a:ext uri="{FF2B5EF4-FFF2-40B4-BE49-F238E27FC236}">
-                <a16:creationId xmlns="" xmlns:a16="http://schemas.microsoft.com/office/drawing/2014/main" id="{28E269BC-FCD0-3641-BD6D-5B96C2417018}"/>
+                <a16:creationId xmlns:a16="http://schemas.microsoft.com/office/drawing/2014/main" id="{28E269BC-FCD0-3641-BD6D-5B96C2417018}"/>
               </a:ext>
             </a:extLst>
           </p:cNvPr>
@@ -6317,7 +5346,7 @@
           <p:cNvPr id="3" name="Content Placeholder 2">
             <a:extLst>
               <a:ext uri="{FF2B5EF4-FFF2-40B4-BE49-F238E27FC236}">
-                <a16:creationId xmlns="" xmlns:a16="http://schemas.microsoft.com/office/drawing/2014/main" id="{011453FF-9B1C-204B-BAC3-7506D02A781A}"/>
+                <a16:creationId xmlns:a16="http://schemas.microsoft.com/office/drawing/2014/main" id="{011453FF-9B1C-204B-BAC3-7506D02A781A}"/>
               </a:ext>
             </a:extLst>
           </p:cNvPr>
@@ -6352,7 +5381,7 @@
           <a:p>
             <a:r>
               <a:rPr lang="en-US" dirty="0"/>
-              <a:t>The algorithm then typically computes something during the walk and often avoids part of the data structure to reduce computation time</a:t>
+              <a:t>An algorithm then typically computes something during the walk and often avoids part of the data structure to reduce computation time</a:t>
             </a:r>
           </a:p>
         </p:txBody>
@@ -6392,7 +5421,7 @@
           <p:cNvPr id="2" name="Title 1">
             <a:extLst>
               <a:ext uri="{FF2B5EF4-FFF2-40B4-BE49-F238E27FC236}">
-                <a16:creationId xmlns="" xmlns:a16="http://schemas.microsoft.com/office/drawing/2014/main" id="{FF8506A6-6CDE-B54B-9108-A30781BCE3D9}"/>
+                <a16:creationId xmlns:a16="http://schemas.microsoft.com/office/drawing/2014/main" id="{FF8506A6-6CDE-B54B-9108-A30781BCE3D9}"/>
               </a:ext>
             </a:extLst>
           </p:cNvPr>
@@ -6420,7 +5449,7 @@
           <p:cNvPr id="3" name="Content Placeholder 2">
             <a:extLst>
               <a:ext uri="{FF2B5EF4-FFF2-40B4-BE49-F238E27FC236}">
-                <a16:creationId xmlns="" xmlns:a16="http://schemas.microsoft.com/office/drawing/2014/main" id="{3DB339B0-94C7-4948-9636-DE5F04B24B16}"/>
+                <a16:creationId xmlns:a16="http://schemas.microsoft.com/office/drawing/2014/main" id="{3DB339B0-94C7-4948-9636-DE5F04B24B16}"/>
               </a:ext>
             </a:extLst>
           </p:cNvPr>
@@ -6556,7 +5585,7 @@
           <p:cNvPr id="2" name="Title 1">
             <a:extLst>
               <a:ext uri="{FF2B5EF4-FFF2-40B4-BE49-F238E27FC236}">
-                <a16:creationId xmlns="" xmlns:a16="http://schemas.microsoft.com/office/drawing/2014/main" id="{E14FDE9A-3A4F-124B-867E-50089B53940C}"/>
+                <a16:creationId xmlns:a16="http://schemas.microsoft.com/office/drawing/2014/main" id="{E14FDE9A-3A4F-124B-867E-50089B53940C}"/>
               </a:ext>
             </a:extLst>
           </p:cNvPr>
@@ -6584,7 +5613,7 @@
           <p:cNvPr id="3" name="Content Placeholder 2">
             <a:extLst>
               <a:ext uri="{FF2B5EF4-FFF2-40B4-BE49-F238E27FC236}">
-                <a16:creationId xmlns="" xmlns:a16="http://schemas.microsoft.com/office/drawing/2014/main" id="{A521CDE9-CFA6-FE40-9AD8-60945829AFD1}"/>
+                <a16:creationId xmlns:a16="http://schemas.microsoft.com/office/drawing/2014/main" id="{A521CDE9-CFA6-FE40-9AD8-60945829AFD1}"/>
               </a:ext>
             </a:extLst>
           </p:cNvPr>
@@ -6612,7 +5641,7 @@
           <p:cNvPr id="4" name="TextBox 3">
             <a:extLst>
               <a:ext uri="{FF2B5EF4-FFF2-40B4-BE49-F238E27FC236}">
-                <a16:creationId xmlns="" xmlns:a16="http://schemas.microsoft.com/office/drawing/2014/main" id="{7EA51DEE-4B36-8844-9444-48364D4297AC}"/>
+                <a16:creationId xmlns:a16="http://schemas.microsoft.com/office/drawing/2014/main" id="{7EA51DEE-4B36-8844-9444-48364D4297AC}"/>
               </a:ext>
             </a:extLst>
           </p:cNvPr>
@@ -6766,7 +5795,7 @@
           <p:cNvPr id="5" name="TextBox 4">
             <a:extLst>
               <a:ext uri="{FF2B5EF4-FFF2-40B4-BE49-F238E27FC236}">
-                <a16:creationId xmlns="" xmlns:a16="http://schemas.microsoft.com/office/drawing/2014/main" id="{4FD3EEFC-CAFF-4A42-AF0E-378D9B81AF1D}"/>
+                <a16:creationId xmlns:a16="http://schemas.microsoft.com/office/drawing/2014/main" id="{4FD3EEFC-CAFF-4A42-AF0E-378D9B81AF1D}"/>
               </a:ext>
             </a:extLst>
           </p:cNvPr>
@@ -6850,7 +5879,7 @@
           <p:cNvPr id="6" name="TextBox 5">
             <a:extLst>
               <a:ext uri="{FF2B5EF4-FFF2-40B4-BE49-F238E27FC236}">
-                <a16:creationId xmlns="" xmlns:a16="http://schemas.microsoft.com/office/drawing/2014/main" id="{F22DB4C6-F659-DD44-A076-965D496EF053}"/>
+                <a16:creationId xmlns:a16="http://schemas.microsoft.com/office/drawing/2014/main" id="{F22DB4C6-F659-DD44-A076-965D496EF053}"/>
               </a:ext>
             </a:extLst>
           </p:cNvPr>
@@ -7050,7 +6079,7 @@
           <p:cNvPr id="2" name="Title 1">
             <a:extLst>
               <a:ext uri="{FF2B5EF4-FFF2-40B4-BE49-F238E27FC236}">
-                <a16:creationId xmlns="" xmlns:a16="http://schemas.microsoft.com/office/drawing/2014/main" id="{FE902CBB-3193-BF4D-BD39-E930CA1BC776}"/>
+                <a16:creationId xmlns:a16="http://schemas.microsoft.com/office/drawing/2014/main" id="{FE902CBB-3193-BF4D-BD39-E930CA1BC776}"/>
               </a:ext>
             </a:extLst>
           </p:cNvPr>
@@ -7082,7 +6111,7 @@
           <p:cNvPr id="3" name="Content Placeholder 2">
             <a:extLst>
               <a:ext uri="{FF2B5EF4-FFF2-40B4-BE49-F238E27FC236}">
-                <a16:creationId xmlns="" xmlns:a16="http://schemas.microsoft.com/office/drawing/2014/main" id="{6E9365B4-5962-9245-A2A7-FC3EF24714D0}"/>
+                <a16:creationId xmlns:a16="http://schemas.microsoft.com/office/drawing/2014/main" id="{6E9365B4-5962-9245-A2A7-FC3EF24714D0}"/>
               </a:ext>
             </a:extLst>
           </p:cNvPr>
@@ -7146,7 +6175,7 @@
           <p:cNvPr id="6" name="TextBox 5">
             <a:extLst>
               <a:ext uri="{FF2B5EF4-FFF2-40B4-BE49-F238E27FC236}">
-                <a16:creationId xmlns="" xmlns:a16="http://schemas.microsoft.com/office/drawing/2014/main" id="{5C0F2C5E-76E4-6048-A43C-88465D30CCC7}"/>
+                <a16:creationId xmlns:a16="http://schemas.microsoft.com/office/drawing/2014/main" id="{5C0F2C5E-76E4-6048-A43C-88465D30CCC7}"/>
               </a:ext>
             </a:extLst>
           </p:cNvPr>
@@ -7331,7 +6360,7 @@
           <p:cNvPr id="2" name="Title 1">
             <a:extLst>
               <a:ext uri="{FF2B5EF4-FFF2-40B4-BE49-F238E27FC236}">
-                <a16:creationId xmlns="" xmlns:a16="http://schemas.microsoft.com/office/drawing/2014/main" id="{89ABC71F-B710-B64E-B1B9-5FAD28A0D576}"/>
+                <a16:creationId xmlns:a16="http://schemas.microsoft.com/office/drawing/2014/main" id="{60D3DC2E-871E-744E-86E0-8032D47C69E9}"/>
               </a:ext>
             </a:extLst>
           </p:cNvPr>
@@ -7349,7 +6378,7 @@
           <a:p>
             <a:r>
               <a:rPr lang="en-US" dirty="0"/>
-              <a:t>Building binary trees</a:t>
+              <a:t>Recursive tree walk is most natural</a:t>
             </a:r>
           </a:p>
         </p:txBody>
@@ -7359,335 +6388,7 @@
           <p:cNvPr id="3" name="Content Placeholder 2">
             <a:extLst>
               <a:ext uri="{FF2B5EF4-FFF2-40B4-BE49-F238E27FC236}">
-                <a16:creationId xmlns="" xmlns:a16="http://schemas.microsoft.com/office/drawing/2014/main" id="{7CDD4592-341E-E14F-8B86-BD6F41EA6AD3}"/>
-              </a:ext>
-            </a:extLst>
-          </p:cNvPr>
-          <p:cNvSpPr>
-            <a:spLocks noGrp="1"/>
-          </p:cNvSpPr>
-          <p:nvPr>
-            <p:ph idx="1"/>
-          </p:nvPr>
-        </p:nvSpPr>
-        <p:spPr/>
-        <p:txBody>
-          <a:bodyPr/>
-          <a:lstStyle/>
-          <a:p>
-            <a:r>
-              <a:rPr lang="en-US" dirty="0"/>
-              <a:t>Manual construction is a simple matter of creating nodes and setting left/right child pointers</a:t>
-            </a:r>
-          </a:p>
-          <a:p>
-            <a:r>
-              <a:rPr lang="en-US" dirty="0"/>
-              <a:t>Construction of decision trees from data requires an algorithm that decides what nodes to create and hook up but it’s important to learn manual construction</a:t>
-            </a:r>
-          </a:p>
-          <a:p>
-            <a:r>
-              <a:rPr lang="en-US" b="1" dirty="0"/>
-              <a:t>Exercise</a:t>
-            </a:r>
-            <a:r>
-              <a:rPr lang="en-US" dirty="0"/>
-              <a:t>: go to notebook linked below and step through “Constructing binary tree” section;</a:t>
-            </a:r>
-            <a:br>
-              <a:rPr lang="en-US" dirty="0"/>
-            </a:br>
-            <a:r>
-              <a:rPr lang="en-US" dirty="0"/>
-              <a:t>try modifying the node addition sequence to get different trees</a:t>
-            </a:r>
-          </a:p>
-        </p:txBody>
-      </p:sp>
-      <p:sp>
-        <p:nvSpPr>
-          <p:cNvPr id="4" name="Rectangle 3">
-            <a:extLst>
-              <a:ext uri="{FF2B5EF4-FFF2-40B4-BE49-F238E27FC236}">
-                <a16:creationId xmlns="" xmlns:a16="http://schemas.microsoft.com/office/drawing/2014/main" id="{E0C10E6F-C3F9-4D4E-BE34-C9D81B47AE8E}"/>
-              </a:ext>
-            </a:extLst>
-          </p:cNvPr>
-          <p:cNvSpPr/>
-          <p:nvPr/>
-        </p:nvSpPr>
-        <p:spPr>
-          <a:xfrm>
-            <a:off x="762000" y="6176963"/>
-            <a:ext cx="7467600" cy="369332"/>
-          </a:xfrm>
-          <a:prstGeom prst="rect">
-            <a:avLst/>
-          </a:prstGeom>
-        </p:spPr>
-        <p:txBody>
-          <a:bodyPr wrap="square">
-            <a:spAutoFit/>
-          </a:bodyPr>
-          <a:lstStyle/>
-          <a:p>
-            <a:r>
-              <a:rPr lang="en-US" dirty="0"/>
-              <a:t>https://</a:t>
-            </a:r>
-            <a:r>
-              <a:rPr lang="en-US" dirty="0" err="1"/>
-              <a:t>github.com</a:t>
-            </a:r>
-            <a:r>
-              <a:rPr lang="en-US" dirty="0"/>
-              <a:t>/</a:t>
-            </a:r>
-            <a:r>
-              <a:rPr lang="en-US" dirty="0" err="1"/>
-              <a:t>parrt</a:t>
-            </a:r>
-            <a:r>
-              <a:rPr lang="en-US" dirty="0"/>
-              <a:t>/msds689/blob/master/notes/</a:t>
-            </a:r>
-            <a:r>
-              <a:rPr lang="en-US" dirty="0" err="1"/>
-              <a:t>walking.ipynb</a:t>
-            </a:r>
-            <a:endParaRPr lang="en-US" dirty="0"/>
-          </a:p>
-        </p:txBody>
-      </p:sp>
-      <p:sp>
-        <p:nvSpPr>
-          <p:cNvPr id="5" name="TextBox 4">
-            <a:extLst>
-              <a:ext uri="{FF2B5EF4-FFF2-40B4-BE49-F238E27FC236}">
-                <a16:creationId xmlns="" xmlns:a16="http://schemas.microsoft.com/office/drawing/2014/main" id="{0974B5D0-B1E2-304D-BA76-F7E99E809E62}"/>
-              </a:ext>
-            </a:extLst>
-          </p:cNvPr>
-          <p:cNvSpPr txBox="1"/>
-          <p:nvPr/>
-        </p:nvSpPr>
-        <p:spPr>
-          <a:xfrm>
-            <a:off x="6209486" y="252272"/>
-            <a:ext cx="5914418" cy="1477328"/>
-          </a:xfrm>
-          <a:prstGeom prst="rect">
-            <a:avLst/>
-          </a:prstGeom>
-          <a:noFill/>
-          <a:ln>
-            <a:solidFill>
-              <a:schemeClr val="accent1"/>
-            </a:solidFill>
-          </a:ln>
-        </p:spPr>
-        <p:txBody>
-          <a:bodyPr wrap="square" rtlCol="0">
-            <a:spAutoFit/>
-          </a:bodyPr>
-          <a:lstStyle/>
-          <a:p>
-            <a:r>
-              <a:rPr lang="en-US" dirty="0">
-                <a:latin typeface="Monaco" charset="0"/>
-                <a:ea typeface="Monaco" charset="0"/>
-                <a:cs typeface="Monaco" charset="0"/>
-              </a:rPr>
-              <a:t>class </a:t>
-            </a:r>
-            <a:r>
-              <a:rPr lang="en-US" dirty="0" err="1">
-                <a:latin typeface="Monaco" charset="0"/>
-                <a:ea typeface="Monaco" charset="0"/>
-                <a:cs typeface="Monaco" charset="0"/>
-              </a:rPr>
-              <a:t>TreeNode</a:t>
-            </a:r>
-            <a:r>
-              <a:rPr lang="en-US" dirty="0">
-                <a:latin typeface="Monaco" charset="0"/>
-                <a:ea typeface="Monaco" charset="0"/>
-                <a:cs typeface="Monaco" charset="0"/>
-              </a:rPr>
-              <a:t>:</a:t>
-            </a:r>
-          </a:p>
-          <a:p>
-            <a:r>
-              <a:rPr lang="en-US" dirty="0">
-                <a:latin typeface="Monaco" charset="0"/>
-                <a:ea typeface="Monaco" charset="0"/>
-                <a:cs typeface="Monaco" charset="0"/>
-              </a:rPr>
-              <a:t>  def __</a:t>
-            </a:r>
-            <a:r>
-              <a:rPr lang="en-US" dirty="0" err="1">
-                <a:latin typeface="Monaco" charset="0"/>
-                <a:ea typeface="Monaco" charset="0"/>
-                <a:cs typeface="Monaco" charset="0"/>
-              </a:rPr>
-              <a:t>init</a:t>
-            </a:r>
-            <a:r>
-              <a:rPr lang="en-US" dirty="0">
-                <a:latin typeface="Monaco" charset="0"/>
-                <a:ea typeface="Monaco" charset="0"/>
-                <a:cs typeface="Monaco" charset="0"/>
-              </a:rPr>
-              <a:t>__(self, value, left, right):</a:t>
-            </a:r>
-          </a:p>
-          <a:p>
-            <a:r>
-              <a:rPr lang="en-US" dirty="0">
-                <a:latin typeface="Monaco" charset="0"/>
-                <a:ea typeface="Monaco" charset="0"/>
-                <a:cs typeface="Monaco" charset="0"/>
-              </a:rPr>
-              <a:t>    </a:t>
-            </a:r>
-            <a:r>
-              <a:rPr lang="en-US" dirty="0" err="1">
-                <a:latin typeface="Monaco" charset="0"/>
-                <a:ea typeface="Monaco" charset="0"/>
-                <a:cs typeface="Monaco" charset="0"/>
-              </a:rPr>
-              <a:t>self.value</a:t>
-            </a:r>
-            <a:r>
-              <a:rPr lang="en-US" dirty="0">
-                <a:latin typeface="Monaco" charset="0"/>
-                <a:ea typeface="Monaco" charset="0"/>
-                <a:cs typeface="Monaco" charset="0"/>
-              </a:rPr>
-              <a:t> = value</a:t>
-            </a:r>
-          </a:p>
-          <a:p>
-            <a:r>
-              <a:rPr lang="en-US" dirty="0">
-                <a:latin typeface="Monaco" charset="0"/>
-                <a:ea typeface="Monaco" charset="0"/>
-                <a:cs typeface="Monaco" charset="0"/>
-              </a:rPr>
-              <a:t>    </a:t>
-            </a:r>
-            <a:r>
-              <a:rPr lang="en-US" dirty="0" err="1">
-                <a:latin typeface="Monaco" charset="0"/>
-                <a:ea typeface="Monaco" charset="0"/>
-                <a:cs typeface="Monaco" charset="0"/>
-              </a:rPr>
-              <a:t>self.left</a:t>
-            </a:r>
-            <a:r>
-              <a:rPr lang="en-US" dirty="0">
-                <a:latin typeface="Monaco" charset="0"/>
-                <a:ea typeface="Monaco" charset="0"/>
-                <a:cs typeface="Monaco" charset="0"/>
-              </a:rPr>
-              <a:t> = left</a:t>
-            </a:r>
-          </a:p>
-          <a:p>
-            <a:r>
-              <a:rPr lang="en-US" dirty="0">
-                <a:latin typeface="Monaco" charset="0"/>
-                <a:ea typeface="Monaco" charset="0"/>
-                <a:cs typeface="Monaco" charset="0"/>
-              </a:rPr>
-              <a:t>    </a:t>
-            </a:r>
-            <a:r>
-              <a:rPr lang="en-US" dirty="0" err="1">
-                <a:latin typeface="Monaco" charset="0"/>
-                <a:ea typeface="Monaco" charset="0"/>
-                <a:cs typeface="Monaco" charset="0"/>
-              </a:rPr>
-              <a:t>self.right</a:t>
-            </a:r>
-            <a:r>
-              <a:rPr lang="en-US" dirty="0">
-                <a:latin typeface="Monaco" charset="0"/>
-                <a:ea typeface="Monaco" charset="0"/>
-                <a:cs typeface="Monaco" charset="0"/>
-              </a:rPr>
-              <a:t> = right</a:t>
-            </a:r>
-          </a:p>
-        </p:txBody>
-      </p:sp>
-    </p:spTree>
-    <p:extLst>
-      <p:ext uri="{BB962C8B-B14F-4D97-AF65-F5344CB8AC3E}">
-        <p14:creationId xmlns:p14="http://schemas.microsoft.com/office/powerpoint/2010/main" val="3854827189"/>
-      </p:ext>
-    </p:extLst>
-  </p:cSld>
-  <p:clrMapOvr>
-    <a:masterClrMapping/>
-  </p:clrMapOvr>
-</p:sld>
-</file>
-
-<file path=ppt/slides/slide7.xml><?xml version="1.0" encoding="utf-8"?>
-<p:sld xmlns:a="http://schemas.openxmlformats.org/drawingml/2006/main" xmlns:r="http://schemas.openxmlformats.org/officeDocument/2006/relationships" xmlns:p="http://schemas.openxmlformats.org/presentationml/2006/main">
-  <p:cSld>
-    <p:spTree>
-      <p:nvGrpSpPr>
-        <p:cNvPr id="1" name=""/>
-        <p:cNvGrpSpPr/>
-        <p:nvPr/>
-      </p:nvGrpSpPr>
-      <p:grpSpPr>
-        <a:xfrm>
-          <a:off x="0" y="0"/>
-          <a:ext cx="0" cy="0"/>
-          <a:chOff x="0" y="0"/>
-          <a:chExt cx="0" cy="0"/>
-        </a:xfrm>
-      </p:grpSpPr>
-      <p:sp>
-        <p:nvSpPr>
-          <p:cNvPr id="2" name="Title 1">
-            <a:extLst>
-              <a:ext uri="{FF2B5EF4-FFF2-40B4-BE49-F238E27FC236}">
-                <a16:creationId xmlns="" xmlns:a16="http://schemas.microsoft.com/office/drawing/2014/main" id="{60D3DC2E-871E-744E-86E0-8032D47C69E9}"/>
-              </a:ext>
-            </a:extLst>
-          </p:cNvPr>
-          <p:cNvSpPr>
-            <a:spLocks noGrp="1"/>
-          </p:cNvSpPr>
-          <p:nvPr>
-            <p:ph type="title"/>
-          </p:nvPr>
-        </p:nvSpPr>
-        <p:spPr/>
-        <p:txBody>
-          <a:bodyPr/>
-          <a:lstStyle/>
-          <a:p>
-            <a:r>
-              <a:rPr lang="en-US" dirty="0"/>
-              <a:t>Recursive walk is the most natural</a:t>
-            </a:r>
-          </a:p>
-        </p:txBody>
-      </p:sp>
-      <p:sp>
-        <p:nvSpPr>
-          <p:cNvPr id="3" name="Content Placeholder 2">
-            <a:extLst>
-              <a:ext uri="{FF2B5EF4-FFF2-40B4-BE49-F238E27FC236}">
-                <a16:creationId xmlns="" xmlns:a16="http://schemas.microsoft.com/office/drawing/2014/main" id="{1F8D8982-1CDC-5948-B25B-15E1D31B41F1}"/>
+                <a16:creationId xmlns:a16="http://schemas.microsoft.com/office/drawing/2014/main" id="{1F8D8982-1CDC-5948-B25B-15E1D31B41F1}"/>
               </a:ext>
             </a:extLst>
           </p:cNvPr>
@@ -7727,7 +6428,7 @@
           <p:cNvPr id="6" name="TextBox 5">
             <a:extLst>
               <a:ext uri="{FF2B5EF4-FFF2-40B4-BE49-F238E27FC236}">
-                <a16:creationId xmlns="" xmlns:a16="http://schemas.microsoft.com/office/drawing/2014/main" id="{489A34D9-44B3-0243-BBF9-5E2AF6580C02}"/>
+                <a16:creationId xmlns:a16="http://schemas.microsoft.com/office/drawing/2014/main" id="{489A34D9-44B3-0243-BBF9-5E2AF6580C02}"/>
               </a:ext>
             </a:extLst>
           </p:cNvPr>
@@ -7934,7 +6635,7 @@
           <p:cNvPr id="7" name="TextBox 6">
             <a:extLst>
               <a:ext uri="{FF2B5EF4-FFF2-40B4-BE49-F238E27FC236}">
-                <a16:creationId xmlns="" xmlns:a16="http://schemas.microsoft.com/office/drawing/2014/main" id="{A2B505F6-043A-1D43-B41B-FB41BC4E2AC1}"/>
+                <a16:creationId xmlns:a16="http://schemas.microsoft.com/office/drawing/2014/main" id="{A2B505F6-043A-1D43-B41B-FB41BC4E2AC1}"/>
               </a:ext>
             </a:extLst>
           </p:cNvPr>
@@ -8149,7 +6850,7 @@
           <p:cNvPr id="8" name="Picture 7">
             <a:extLst>
               <a:ext uri="{FF2B5EF4-FFF2-40B4-BE49-F238E27FC236}">
-                <a16:creationId xmlns="" xmlns:a16="http://schemas.microsoft.com/office/drawing/2014/main" id="{95D83D3B-BADF-1C40-8734-3F2D4535B16F}"/>
+                <a16:creationId xmlns:a16="http://schemas.microsoft.com/office/drawing/2014/main" id="{95D83D3B-BADF-1C40-8734-3F2D4535B16F}"/>
               </a:ext>
             </a:extLst>
           </p:cNvPr>
@@ -8187,6 +6888,278 @@
 </p:sld>
 </file>
 
+<file path=ppt/slides/slide7.xml><?xml version="1.0" encoding="utf-8"?>
+<p:sld xmlns:a="http://schemas.openxmlformats.org/drawingml/2006/main" xmlns:r="http://schemas.openxmlformats.org/officeDocument/2006/relationships" xmlns:p="http://schemas.openxmlformats.org/presentationml/2006/main">
+  <p:cSld>
+    <p:spTree>
+      <p:nvGrpSpPr>
+        <p:cNvPr id="1" name=""/>
+        <p:cNvGrpSpPr/>
+        <p:nvPr/>
+      </p:nvGrpSpPr>
+      <p:grpSpPr>
+        <a:xfrm>
+          <a:off x="0" y="0"/>
+          <a:ext cx="0" cy="0"/>
+          <a:chOff x="0" y="0"/>
+          <a:chExt cx="0" cy="0"/>
+        </a:xfrm>
+      </p:grpSpPr>
+      <p:sp>
+        <p:nvSpPr>
+          <p:cNvPr id="2" name="Title 1">
+            <a:extLst>
+              <a:ext uri="{FF2B5EF4-FFF2-40B4-BE49-F238E27FC236}">
+                <a16:creationId xmlns:a16="http://schemas.microsoft.com/office/drawing/2014/main" id="{3DA46104-BABD-8643-B0F8-4FD1F89D7951}"/>
+              </a:ext>
+            </a:extLst>
+          </p:cNvPr>
+          <p:cNvSpPr>
+            <a:spLocks noGrp="1"/>
+          </p:cNvSpPr>
+          <p:nvPr>
+            <p:ph type="title"/>
+          </p:nvPr>
+        </p:nvSpPr>
+        <p:spPr/>
+        <p:txBody>
+          <a:bodyPr/>
+          <a:lstStyle/>
+          <a:p>
+            <a:r>
+              <a:rPr lang="en-US" dirty="0"/>
+              <a:t>Recursion tree vs tree</a:t>
+            </a:r>
+          </a:p>
+        </p:txBody>
+      </p:sp>
+      <p:pic>
+        <p:nvPicPr>
+          <p:cNvPr id="5" name="Content Placeholder 4">
+            <a:extLst>
+              <a:ext uri="{FF2B5EF4-FFF2-40B4-BE49-F238E27FC236}">
+                <a16:creationId xmlns:a16="http://schemas.microsoft.com/office/drawing/2014/main" id="{C41E703E-A041-ED4A-BA35-1CBA9C435792}"/>
+              </a:ext>
+            </a:extLst>
+          </p:cNvPr>
+          <p:cNvPicPr>
+            <a:picLocks noGrp="1" noChangeAspect="1"/>
+          </p:cNvPicPr>
+          <p:nvPr>
+            <p:ph idx="1"/>
+          </p:nvPr>
+        </p:nvPicPr>
+        <p:blipFill>
+          <a:blip r:embed="rId2"/>
+          <a:stretch>
+            <a:fillRect/>
+          </a:stretch>
+        </p:blipFill>
+        <p:spPr>
+          <a:xfrm>
+            <a:off x="2686050" y="2470944"/>
+            <a:ext cx="6819900" cy="3060700"/>
+          </a:xfrm>
+        </p:spPr>
+      </p:pic>
+      <p:sp>
+        <p:nvSpPr>
+          <p:cNvPr id="6" name="TextBox 5">
+            <a:extLst>
+              <a:ext uri="{FF2B5EF4-FFF2-40B4-BE49-F238E27FC236}">
+                <a16:creationId xmlns:a16="http://schemas.microsoft.com/office/drawing/2014/main" id="{07E7CE28-6AF4-4249-A47B-F2A8E1161A5F}"/>
+              </a:ext>
+            </a:extLst>
+          </p:cNvPr>
+          <p:cNvSpPr txBox="1"/>
+          <p:nvPr/>
+        </p:nvSpPr>
+        <p:spPr>
+          <a:xfrm>
+            <a:off x="7653588" y="135354"/>
+            <a:ext cx="4364241" cy="1785104"/>
+          </a:xfrm>
+          <a:prstGeom prst="rect">
+            <a:avLst/>
+          </a:prstGeom>
+          <a:noFill/>
+          <a:ln>
+            <a:solidFill>
+              <a:schemeClr val="accent1"/>
+            </a:solidFill>
+          </a:ln>
+        </p:spPr>
+        <p:txBody>
+          <a:bodyPr wrap="square" rtlCol="0">
+            <a:spAutoFit/>
+          </a:bodyPr>
+          <a:lstStyle/>
+          <a:p>
+            <a:r>
+              <a:rPr lang="en-US" sz="2200" dirty="0">
+                <a:latin typeface="Monaco" charset="0"/>
+                <a:ea typeface="Monaco" charset="0"/>
+                <a:cs typeface="Monaco" charset="0"/>
+              </a:rPr>
+              <a:t>def walk(</a:t>
+            </a:r>
+            <a:r>
+              <a:rPr lang="en-US" sz="2200" dirty="0" err="1">
+                <a:latin typeface="Monaco" charset="0"/>
+                <a:ea typeface="Monaco" charset="0"/>
+                <a:cs typeface="Monaco" charset="0"/>
+              </a:rPr>
+              <a:t>p:TreeNode</a:t>
+            </a:r>
+            <a:r>
+              <a:rPr lang="en-US" sz="2200" dirty="0">
+                <a:latin typeface="Monaco" charset="0"/>
+                <a:ea typeface="Monaco" charset="0"/>
+                <a:cs typeface="Monaco" charset="0"/>
+              </a:rPr>
+              <a:t>):</a:t>
+            </a:r>
+          </a:p>
+          <a:p>
+            <a:r>
+              <a:rPr lang="en-US" sz="2200" dirty="0">
+                <a:latin typeface="Monaco" charset="0"/>
+                <a:ea typeface="Monaco" charset="0"/>
+                <a:cs typeface="Monaco" charset="0"/>
+              </a:rPr>
+              <a:t>    if p is None: return</a:t>
+            </a:r>
+          </a:p>
+          <a:p>
+            <a:r>
+              <a:rPr lang="en-US" sz="2200" dirty="0">
+                <a:latin typeface="Monaco" charset="0"/>
+                <a:ea typeface="Monaco" charset="0"/>
+                <a:cs typeface="Monaco" charset="0"/>
+              </a:rPr>
+              <a:t>    print(</a:t>
+            </a:r>
+            <a:r>
+              <a:rPr lang="en-US" sz="2200" dirty="0" err="1">
+                <a:latin typeface="Monaco" charset="0"/>
+                <a:ea typeface="Monaco" charset="0"/>
+                <a:cs typeface="Monaco" charset="0"/>
+              </a:rPr>
+              <a:t>p.value</a:t>
+            </a:r>
+            <a:r>
+              <a:rPr lang="en-US" sz="2200" dirty="0">
+                <a:latin typeface="Monaco" charset="0"/>
+                <a:ea typeface="Monaco" charset="0"/>
+                <a:cs typeface="Monaco" charset="0"/>
+              </a:rPr>
+              <a:t>)</a:t>
+            </a:r>
+            <a:endParaRPr lang="en-US" sz="2200" dirty="0">
+              <a:solidFill>
+                <a:srgbClr val="00B0F0"/>
+              </a:solidFill>
+              <a:latin typeface="Monaco" charset="0"/>
+              <a:ea typeface="Monaco" charset="0"/>
+              <a:cs typeface="Monaco" charset="0"/>
+            </a:endParaRPr>
+          </a:p>
+          <a:p>
+            <a:r>
+              <a:rPr lang="en-US" sz="2200" dirty="0">
+                <a:latin typeface="Monaco" charset="0"/>
+                <a:ea typeface="Monaco" charset="0"/>
+                <a:cs typeface="Monaco" charset="0"/>
+              </a:rPr>
+              <a:t>    walk(</a:t>
+            </a:r>
+            <a:r>
+              <a:rPr lang="en-US" sz="2200" dirty="0" err="1">
+                <a:latin typeface="Monaco" charset="0"/>
+                <a:ea typeface="Monaco" charset="0"/>
+                <a:cs typeface="Monaco" charset="0"/>
+              </a:rPr>
+              <a:t>p.left</a:t>
+            </a:r>
+            <a:r>
+              <a:rPr lang="en-US" sz="2200" dirty="0">
+                <a:latin typeface="Monaco" charset="0"/>
+                <a:ea typeface="Monaco" charset="0"/>
+                <a:cs typeface="Monaco" charset="0"/>
+              </a:rPr>
+              <a:t>)</a:t>
+            </a:r>
+          </a:p>
+          <a:p>
+            <a:r>
+              <a:rPr lang="en-US" sz="2200" dirty="0">
+                <a:latin typeface="Monaco" charset="0"/>
+                <a:ea typeface="Monaco" charset="0"/>
+                <a:cs typeface="Monaco" charset="0"/>
+              </a:rPr>
+              <a:t>    walk(</a:t>
+            </a:r>
+            <a:r>
+              <a:rPr lang="en-US" sz="2200" dirty="0" err="1">
+                <a:latin typeface="Monaco" charset="0"/>
+                <a:ea typeface="Monaco" charset="0"/>
+                <a:cs typeface="Monaco" charset="0"/>
+              </a:rPr>
+              <a:t>p.right</a:t>
+            </a:r>
+            <a:r>
+              <a:rPr lang="en-US" sz="2200" dirty="0">
+                <a:latin typeface="Monaco" charset="0"/>
+                <a:ea typeface="Monaco" charset="0"/>
+                <a:cs typeface="Monaco" charset="0"/>
+              </a:rPr>
+              <a:t>)</a:t>
+            </a:r>
+          </a:p>
+        </p:txBody>
+      </p:sp>
+      <p:sp>
+        <p:nvSpPr>
+          <p:cNvPr id="7" name="TextBox 6"/>
+          <p:cNvSpPr txBox="1"/>
+          <p:nvPr/>
+        </p:nvSpPr>
+        <p:spPr>
+          <a:xfrm>
+            <a:off x="925552" y="6205834"/>
+            <a:ext cx="4362092" cy="461665"/>
+          </a:xfrm>
+          <a:prstGeom prst="rect">
+            <a:avLst/>
+          </a:prstGeom>
+          <a:noFill/>
+        </p:spPr>
+        <p:txBody>
+          <a:bodyPr wrap="none" rtlCol="0">
+            <a:spAutoFit/>
+          </a:bodyPr>
+          <a:lstStyle/>
+          <a:p>
+            <a:r>
+              <a:rPr lang="en-US" sz="2400" dirty="0"/>
+              <a:t>Exhaustive search of all nodes</a:t>
+            </a:r>
+          </a:p>
+        </p:txBody>
+      </p:sp>
+    </p:spTree>
+    <p:extLst>
+      <p:ext uri="{BB962C8B-B14F-4D97-AF65-F5344CB8AC3E}">
+        <p14:creationId xmlns:p14="http://schemas.microsoft.com/office/powerpoint/2010/main" val="2178768777"/>
+      </p:ext>
+    </p:extLst>
+  </p:cSld>
+  <p:clrMapOvr>
+    <a:masterClrMapping/>
+  </p:clrMapOvr>
+</p:sld>
+</file>
+
 <file path=ppt/slides/slide8.xml><?xml version="1.0" encoding="utf-8"?>
 <p:sld xmlns:a="http://schemas.openxmlformats.org/drawingml/2006/main" xmlns:r="http://schemas.openxmlformats.org/officeDocument/2006/relationships" xmlns:p="http://schemas.openxmlformats.org/presentationml/2006/main">
   <p:cSld>
@@ -8209,7 +7182,7 @@
           <p:cNvPr id="2" name="Title 1">
             <a:extLst>
               <a:ext uri="{FF2B5EF4-FFF2-40B4-BE49-F238E27FC236}">
-                <a16:creationId xmlns="" xmlns:a16="http://schemas.microsoft.com/office/drawing/2014/main" id="{3DA46104-BABD-8643-B0F8-4FD1F89D7951}"/>
+                <a16:creationId xmlns:a16="http://schemas.microsoft.com/office/drawing/2014/main" id="{AF8FCCB1-9CF0-064B-AAD9-7D75DBBA0C06}"/>
               </a:ext>
             </a:extLst>
           </p:cNvPr>
@@ -8227,405 +7200,8 @@
           <a:p>
             <a:r>
               <a:rPr lang="en-US" dirty="0"/>
-              <a:t>Recursion tree vs tree</a:t>
-            </a:r>
-          </a:p>
-        </p:txBody>
-      </p:sp>
-      <p:pic>
-        <p:nvPicPr>
-          <p:cNvPr id="5" name="Content Placeholder 4">
-            <a:extLst>
-              <a:ext uri="{FF2B5EF4-FFF2-40B4-BE49-F238E27FC236}">
-                <a16:creationId xmlns="" xmlns:a16="http://schemas.microsoft.com/office/drawing/2014/main" id="{C41E703E-A041-ED4A-BA35-1CBA9C435792}"/>
-              </a:ext>
-            </a:extLst>
-          </p:cNvPr>
-          <p:cNvPicPr>
-            <a:picLocks noGrp="1" noChangeAspect="1"/>
-          </p:cNvPicPr>
-          <p:nvPr>
-            <p:ph idx="1"/>
-          </p:nvPr>
-        </p:nvPicPr>
-        <p:blipFill>
-          <a:blip r:embed="rId2"/>
-          <a:stretch>
-            <a:fillRect/>
-          </a:stretch>
-        </p:blipFill>
-        <p:spPr>
-          <a:xfrm>
-            <a:off x="2686050" y="2470944"/>
-            <a:ext cx="6819900" cy="3060700"/>
-          </a:xfrm>
-        </p:spPr>
-      </p:pic>
-      <p:sp>
-        <p:nvSpPr>
-          <p:cNvPr id="6" name="TextBox 5">
-            <a:extLst>
-              <a:ext uri="{FF2B5EF4-FFF2-40B4-BE49-F238E27FC236}">
-                <a16:creationId xmlns="" xmlns:a16="http://schemas.microsoft.com/office/drawing/2014/main" id="{07E7CE28-6AF4-4249-A47B-F2A8E1161A5F}"/>
-              </a:ext>
-            </a:extLst>
-          </p:cNvPr>
-          <p:cNvSpPr txBox="1"/>
-          <p:nvPr/>
-        </p:nvSpPr>
-        <p:spPr>
-          <a:xfrm>
-            <a:off x="7653588" y="135354"/>
-            <a:ext cx="4364241" cy="1785104"/>
-          </a:xfrm>
-          <a:prstGeom prst="rect">
-            <a:avLst/>
-          </a:prstGeom>
-          <a:noFill/>
-          <a:ln>
-            <a:solidFill>
-              <a:schemeClr val="accent1"/>
-            </a:solidFill>
-          </a:ln>
-        </p:spPr>
-        <p:txBody>
-          <a:bodyPr wrap="square" rtlCol="0">
-            <a:spAutoFit/>
-          </a:bodyPr>
-          <a:lstStyle/>
-          <a:p>
-            <a:r>
-              <a:rPr lang="en-US" sz="2200" dirty="0">
-                <a:latin typeface="Monaco" charset="0"/>
-                <a:ea typeface="Monaco" charset="0"/>
-                <a:cs typeface="Monaco" charset="0"/>
-              </a:rPr>
-              <a:t>def walk(</a:t>
-            </a:r>
-            <a:r>
-              <a:rPr lang="en-US" sz="2200" dirty="0" err="1">
-                <a:latin typeface="Monaco" charset="0"/>
-                <a:ea typeface="Monaco" charset="0"/>
-                <a:cs typeface="Monaco" charset="0"/>
-              </a:rPr>
-              <a:t>p:TreeNode</a:t>
-            </a:r>
-            <a:r>
-              <a:rPr lang="en-US" sz="2200" dirty="0">
-                <a:latin typeface="Monaco" charset="0"/>
-                <a:ea typeface="Monaco" charset="0"/>
-                <a:cs typeface="Monaco" charset="0"/>
-              </a:rPr>
-              <a:t>):</a:t>
-            </a:r>
-          </a:p>
-          <a:p>
-            <a:r>
-              <a:rPr lang="en-US" sz="2200" dirty="0">
-                <a:latin typeface="Monaco" charset="0"/>
-                <a:ea typeface="Monaco" charset="0"/>
-                <a:cs typeface="Monaco" charset="0"/>
-              </a:rPr>
-              <a:t>    if p is None: return</a:t>
-            </a:r>
-          </a:p>
-          <a:p>
-            <a:r>
-              <a:rPr lang="en-US" sz="2200" dirty="0">
-                <a:latin typeface="Monaco" charset="0"/>
-                <a:ea typeface="Monaco" charset="0"/>
-                <a:cs typeface="Monaco" charset="0"/>
-              </a:rPr>
-              <a:t>    print(</a:t>
-            </a:r>
-            <a:r>
-              <a:rPr lang="en-US" sz="2200" dirty="0" err="1">
-                <a:latin typeface="Monaco" charset="0"/>
-                <a:ea typeface="Monaco" charset="0"/>
-                <a:cs typeface="Monaco" charset="0"/>
-              </a:rPr>
-              <a:t>p.value</a:t>
-            </a:r>
-            <a:r>
-              <a:rPr lang="en-US" sz="2200" dirty="0">
-                <a:latin typeface="Monaco" charset="0"/>
-                <a:ea typeface="Monaco" charset="0"/>
-                <a:cs typeface="Monaco" charset="0"/>
-              </a:rPr>
-              <a:t>)</a:t>
-            </a:r>
-            <a:endParaRPr lang="en-US" sz="2200" dirty="0">
-              <a:solidFill>
-                <a:srgbClr val="00B0F0"/>
-              </a:solidFill>
-              <a:latin typeface="Monaco" charset="0"/>
-              <a:ea typeface="Monaco" charset="0"/>
-              <a:cs typeface="Monaco" charset="0"/>
-            </a:endParaRPr>
-          </a:p>
-          <a:p>
-            <a:r>
-              <a:rPr lang="en-US" sz="2200" dirty="0">
-                <a:latin typeface="Monaco" charset="0"/>
-                <a:ea typeface="Monaco" charset="0"/>
-                <a:cs typeface="Monaco" charset="0"/>
-              </a:rPr>
-              <a:t>    walk(</a:t>
-            </a:r>
-            <a:r>
-              <a:rPr lang="en-US" sz="2200" dirty="0" err="1">
-                <a:latin typeface="Monaco" charset="0"/>
-                <a:ea typeface="Monaco" charset="0"/>
-                <a:cs typeface="Monaco" charset="0"/>
-              </a:rPr>
-              <a:t>p.left</a:t>
-            </a:r>
-            <a:r>
-              <a:rPr lang="en-US" sz="2200" dirty="0">
-                <a:latin typeface="Monaco" charset="0"/>
-                <a:ea typeface="Monaco" charset="0"/>
-                <a:cs typeface="Monaco" charset="0"/>
-              </a:rPr>
-              <a:t>)</a:t>
-            </a:r>
-          </a:p>
-          <a:p>
-            <a:r>
-              <a:rPr lang="en-US" sz="2200" dirty="0">
-                <a:latin typeface="Monaco" charset="0"/>
-                <a:ea typeface="Monaco" charset="0"/>
-                <a:cs typeface="Monaco" charset="0"/>
-              </a:rPr>
-              <a:t>    walk(</a:t>
-            </a:r>
-            <a:r>
-              <a:rPr lang="en-US" sz="2200" dirty="0" err="1">
-                <a:latin typeface="Monaco" charset="0"/>
-                <a:ea typeface="Monaco" charset="0"/>
-                <a:cs typeface="Monaco" charset="0"/>
-              </a:rPr>
-              <a:t>p.right</a:t>
-            </a:r>
-            <a:r>
-              <a:rPr lang="en-US" sz="2200" dirty="0">
-                <a:latin typeface="Monaco" charset="0"/>
-                <a:ea typeface="Monaco" charset="0"/>
-                <a:cs typeface="Monaco" charset="0"/>
-              </a:rPr>
-              <a:t>)</a:t>
-            </a:r>
-          </a:p>
-        </p:txBody>
-      </p:sp>
-      <p:sp>
-        <p:nvSpPr>
-          <p:cNvPr id="7" name="TextBox 6"/>
-          <p:cNvSpPr txBox="1"/>
-          <p:nvPr/>
-        </p:nvSpPr>
-        <p:spPr>
-          <a:xfrm>
-            <a:off x="925552" y="6205834"/>
-            <a:ext cx="4362092" cy="461665"/>
-          </a:xfrm>
-          <a:prstGeom prst="rect">
-            <a:avLst/>
-          </a:prstGeom>
-          <a:noFill/>
-        </p:spPr>
-        <p:txBody>
-          <a:bodyPr wrap="none" rtlCol="0">
-            <a:spAutoFit/>
-          </a:bodyPr>
-          <a:lstStyle/>
-          <a:p>
-            <a:r>
-              <a:rPr lang="en-US" sz="2400" dirty="0"/>
-              <a:t>Exhaustive search of all nodes</a:t>
-            </a:r>
-          </a:p>
-        </p:txBody>
-      </p:sp>
-    </p:spTree>
-    <p:extLst>
-      <p:ext uri="{BB962C8B-B14F-4D97-AF65-F5344CB8AC3E}">
-        <p14:creationId xmlns:p14="http://schemas.microsoft.com/office/powerpoint/2010/main" val="2178768777"/>
-      </p:ext>
-    </p:extLst>
-  </p:cSld>
-  <p:clrMapOvr>
-    <a:masterClrMapping/>
-  </p:clrMapOvr>
-  <p:timing>
-    <p:tnLst>
-      <p:par>
-        <p:cTn id="1" dur="indefinite" restart="never" nodeType="tmRoot"/>
-      </p:par>
-    </p:tnLst>
-  </p:timing>
-</p:sld>
-</file>
-
-<file path=ppt/slides/slide9.xml><?xml version="1.0" encoding="utf-8"?>
-<p:sld xmlns:a="http://schemas.openxmlformats.org/drawingml/2006/main" xmlns:r="http://schemas.openxmlformats.org/officeDocument/2006/relationships" xmlns:p="http://schemas.openxmlformats.org/presentationml/2006/main">
-  <p:cSld>
-    <p:spTree>
-      <p:nvGrpSpPr>
-        <p:cNvPr id="1" name=""/>
-        <p:cNvGrpSpPr/>
-        <p:nvPr/>
-      </p:nvGrpSpPr>
-      <p:grpSpPr>
-        <a:xfrm>
-          <a:off x="0" y="0"/>
-          <a:ext cx="0" cy="0"/>
-          <a:chOff x="0" y="0"/>
-          <a:chExt cx="0" cy="0"/>
-        </a:xfrm>
-      </p:grpSpPr>
-      <p:sp>
-        <p:nvSpPr>
-          <p:cNvPr id="2" name="Title 1">
-            <a:extLst>
-              <a:ext uri="{FF2B5EF4-FFF2-40B4-BE49-F238E27FC236}">
-                <a16:creationId xmlns="" xmlns:a16="http://schemas.microsoft.com/office/drawing/2014/main" id="{AF8FCCB1-9CF0-064B-AAD9-7D75DBBA0C06}"/>
-              </a:ext>
-            </a:extLst>
-          </p:cNvPr>
-          <p:cNvSpPr>
-            <a:spLocks noGrp="1"/>
-          </p:cNvSpPr>
-          <p:nvPr>
-            <p:ph type="title"/>
-          </p:nvPr>
-        </p:nvSpPr>
-        <p:spPr/>
-        <p:txBody>
-          <a:bodyPr/>
-          <a:lstStyle/>
-          <a:p>
-            <a:r>
-              <a:rPr lang="en-US" b="1" dirty="0"/>
-              <a:t>Exercise</a:t>
-            </a:r>
-            <a:r>
-              <a:rPr lang="en-US" dirty="0"/>
-              <a:t>: Searching in binary tree</a:t>
-            </a:r>
-          </a:p>
-        </p:txBody>
-      </p:sp>
-      <p:sp>
-        <p:nvSpPr>
-          <p:cNvPr id="3" name="Content Placeholder 2">
-            <a:extLst>
-              <a:ext uri="{FF2B5EF4-FFF2-40B4-BE49-F238E27FC236}">
-                <a16:creationId xmlns="" xmlns:a16="http://schemas.microsoft.com/office/drawing/2014/main" id="{67465B82-072D-2149-AFDA-E7AA5817C5DF}"/>
-              </a:ext>
-            </a:extLst>
-          </p:cNvPr>
-          <p:cNvSpPr>
-            <a:spLocks noGrp="1"/>
-          </p:cNvSpPr>
-          <p:nvPr>
-            <p:ph idx="1"/>
-          </p:nvPr>
-        </p:nvSpPr>
-        <p:spPr/>
-        <p:txBody>
-          <a:bodyPr/>
-          <a:lstStyle/>
-          <a:p>
-            <a:r>
-              <a:rPr lang="en-US" dirty="0"/>
-              <a:t>See if you modify the tree walker to search for an element</a:t>
-            </a:r>
-            <a:br>
-              <a:rPr lang="en-US" dirty="0"/>
-            </a:br>
-            <a:r>
-              <a:rPr lang="en-US" dirty="0">
-                <a:latin typeface="Monaco" charset="0"/>
-                <a:ea typeface="Monaco" charset="0"/>
-                <a:cs typeface="Monaco" charset="0"/>
-              </a:rPr>
-              <a:t>d</a:t>
-            </a:r>
-            <a:r>
-              <a:rPr lang="en-US" sz="2400" dirty="0">
-                <a:latin typeface="Monaco" charset="0"/>
-                <a:ea typeface="Monaco" charset="0"/>
-                <a:cs typeface="Monaco" charset="0"/>
-              </a:rPr>
-              <a:t>ef </a:t>
-            </a:r>
-            <a:r>
-              <a:rPr lang="en-US" sz="2400" dirty="0" err="1">
-                <a:latin typeface="Monaco" charset="0"/>
-                <a:ea typeface="Monaco" charset="0"/>
-                <a:cs typeface="Monaco" charset="0"/>
-              </a:rPr>
-              <a:t>search_tree</a:t>
-            </a:r>
-            <a:r>
-              <a:rPr lang="en-US" sz="2400" dirty="0">
-                <a:latin typeface="Monaco" charset="0"/>
-                <a:ea typeface="Monaco" charset="0"/>
-                <a:cs typeface="Monaco" charset="0"/>
-              </a:rPr>
-              <a:t>(</a:t>
-            </a:r>
-            <a:r>
-              <a:rPr lang="en-US" sz="2400" dirty="0" err="1">
-                <a:latin typeface="Monaco" charset="0"/>
-                <a:ea typeface="Monaco" charset="0"/>
-                <a:cs typeface="Monaco" charset="0"/>
-              </a:rPr>
-              <a:t>p:TreeNode</a:t>
-            </a:r>
-            <a:r>
-              <a:rPr lang="en-US" sz="2400" dirty="0">
-                <a:latin typeface="Monaco" charset="0"/>
-                <a:ea typeface="Monaco" charset="0"/>
-                <a:cs typeface="Monaco" charset="0"/>
-              </a:rPr>
-              <a:t>, </a:t>
-            </a:r>
-            <a:r>
-              <a:rPr lang="en-US" sz="2400" dirty="0" err="1">
-                <a:latin typeface="Monaco" charset="0"/>
-                <a:ea typeface="Monaco" charset="0"/>
-                <a:cs typeface="Monaco" charset="0"/>
-              </a:rPr>
-              <a:t>x:object</a:t>
-            </a:r>
-            <a:r>
-              <a:rPr lang="en-US" sz="2400" dirty="0">
-                <a:latin typeface="Monaco" charset="0"/>
-                <a:ea typeface="Monaco" charset="0"/>
-                <a:cs typeface="Monaco" charset="0"/>
-              </a:rPr>
-              <a:t>) -&gt; </a:t>
-            </a:r>
-            <a:r>
-              <a:rPr lang="en-US" sz="2400" dirty="0" err="1">
-                <a:latin typeface="Monaco" charset="0"/>
-                <a:ea typeface="Monaco" charset="0"/>
-                <a:cs typeface="Monaco" charset="0"/>
-              </a:rPr>
-              <a:t>TreeNode</a:t>
-            </a:r>
-            <a:r>
-              <a:rPr lang="en-US" sz="2400" dirty="0">
-                <a:latin typeface="Monaco" charset="0"/>
-                <a:ea typeface="Monaco" charset="0"/>
-                <a:cs typeface="Monaco" charset="0"/>
-              </a:rPr>
-              <a:t>:…</a:t>
-            </a:r>
-          </a:p>
-          <a:p>
-            <a:endParaRPr lang="en-US" dirty="0"/>
+              <a:t>Search in binary tree</a:t>
+            </a:r>
           </a:p>
         </p:txBody>
       </p:sp>
@@ -8634,7 +7210,7 @@
           <p:cNvPr id="5" name="TextBox 4">
             <a:extLst>
               <a:ext uri="{FF2B5EF4-FFF2-40B4-BE49-F238E27FC236}">
-                <a16:creationId xmlns="" xmlns:a16="http://schemas.microsoft.com/office/drawing/2014/main" id="{D1764F08-D874-EF40-B858-1FC7B8F0D234}"/>
+                <a16:creationId xmlns:a16="http://schemas.microsoft.com/office/drawing/2014/main" id="{D1764F08-D874-EF40-B858-1FC7B8F0D234}"/>
               </a:ext>
             </a:extLst>
           </p:cNvPr>
@@ -8677,7 +7253,7 @@
           <p:cNvPr id="6" name="TextBox 5">
             <a:extLst>
               <a:ext uri="{FF2B5EF4-FFF2-40B4-BE49-F238E27FC236}">
-                <a16:creationId xmlns:a16="http://schemas.microsoft.com/office/drawing/2014/main" xmlns="" id="{4130125C-DF0D-9A4F-8BCB-5E47F824ED9B}"/>
+                <a16:creationId xmlns:a16="http://schemas.microsoft.com/office/drawing/2014/main" id="{4130125C-DF0D-9A4F-8BCB-5E47F824ED9B}"/>
               </a:ext>
             </a:extLst>
           </p:cNvPr>
@@ -8861,7 +7437,7 @@
           <p:cNvPr id="7" name="TextBox 6">
             <a:extLst>
               <a:ext uri="{FF2B5EF4-FFF2-40B4-BE49-F238E27FC236}">
-                <a16:creationId xmlns:a16="http://schemas.microsoft.com/office/drawing/2014/main" xmlns="" id="{443560E5-2A9B-CB4B-9164-52C2B689F75C}"/>
+                <a16:creationId xmlns:a16="http://schemas.microsoft.com/office/drawing/2014/main" id="{443560E5-2A9B-CB4B-9164-52C2B689F75C}"/>
               </a:ext>
             </a:extLst>
           </p:cNvPr>
@@ -8983,7 +7559,7 @@
           <p:cNvPr id="8" name="Straight Arrow Connector 7">
             <a:extLst>
               <a:ext uri="{FF2B5EF4-FFF2-40B4-BE49-F238E27FC236}">
-                <a16:creationId xmlns:a16="http://schemas.microsoft.com/office/drawing/2014/main" xmlns="" id="{10E78C0A-801D-6845-8F0E-4F40DD316705}"/>
+                <a16:creationId xmlns:a16="http://schemas.microsoft.com/office/drawing/2014/main" id="{10E78C0A-801D-6845-8F0E-4F40DD316705}"/>
               </a:ext>
             </a:extLst>
           </p:cNvPr>
@@ -9024,7 +7600,7 @@
           <p:cNvPr id="9" name="Straight Arrow Connector 8">
             <a:extLst>
               <a:ext uri="{FF2B5EF4-FFF2-40B4-BE49-F238E27FC236}">
-                <a16:creationId xmlns:a16="http://schemas.microsoft.com/office/drawing/2014/main" xmlns="" id="{2CF23F97-82B8-E344-824E-D233F93A531A}"/>
+                <a16:creationId xmlns:a16="http://schemas.microsoft.com/office/drawing/2014/main" id="{2CF23F97-82B8-E344-824E-D233F93A531A}"/>
               </a:ext>
             </a:extLst>
           </p:cNvPr>
@@ -9065,7 +7641,7 @@
           <p:cNvPr id="10" name="Straight Arrow Connector 9">
             <a:extLst>
               <a:ext uri="{FF2B5EF4-FFF2-40B4-BE49-F238E27FC236}">
-                <a16:creationId xmlns:a16="http://schemas.microsoft.com/office/drawing/2014/main" xmlns="" id="{29481ED9-A3B0-2F4C-9D4D-0E2F6B8B4317}"/>
+                <a16:creationId xmlns:a16="http://schemas.microsoft.com/office/drawing/2014/main" id="{29481ED9-A3B0-2F4C-9D4D-0E2F6B8B4317}"/>
               </a:ext>
             </a:extLst>
           </p:cNvPr>
@@ -9106,7 +7682,7 @@
           <p:cNvPr id="11" name="Straight Arrow Connector 10">
             <a:extLst>
               <a:ext uri="{FF2B5EF4-FFF2-40B4-BE49-F238E27FC236}">
-                <a16:creationId xmlns:a16="http://schemas.microsoft.com/office/drawing/2014/main" xmlns="" id="{66A3D61D-1C4C-6546-B370-72B89EA87364}"/>
+                <a16:creationId xmlns:a16="http://schemas.microsoft.com/office/drawing/2014/main" id="{66A3D61D-1C4C-6546-B370-72B89EA87364}"/>
               </a:ext>
             </a:extLst>
           </p:cNvPr>
@@ -9147,7 +7723,7 @@
           <p:cNvPr id="12" name="Rectangle 11">
             <a:extLst>
               <a:ext uri="{FF2B5EF4-FFF2-40B4-BE49-F238E27FC236}">
-                <a16:creationId xmlns:a16="http://schemas.microsoft.com/office/drawing/2014/main" xmlns="" id="{6383B2CB-2721-304C-A6BD-AA7CCCFB9CD7}"/>
+                <a16:creationId xmlns:a16="http://schemas.microsoft.com/office/drawing/2014/main" id="{6383B2CB-2721-304C-A6BD-AA7CCCFB9CD7}"/>
               </a:ext>
             </a:extLst>
           </p:cNvPr>
@@ -9199,7 +7775,7 @@
           <p:cNvPr id="13" name="Rectangle 12">
             <a:extLst>
               <a:ext uri="{FF2B5EF4-FFF2-40B4-BE49-F238E27FC236}">
-                <a16:creationId xmlns:a16="http://schemas.microsoft.com/office/drawing/2014/main" xmlns="" id="{06E261F4-D887-5847-A368-79BEAC259C78}"/>
+                <a16:creationId xmlns:a16="http://schemas.microsoft.com/office/drawing/2014/main" id="{06E261F4-D887-5847-A368-79BEAC259C78}"/>
               </a:ext>
             </a:extLst>
           </p:cNvPr>
@@ -9256,248 +7832,582 @@
   <p:clrMapOvr>
     <a:masterClrMapping/>
   </p:clrMapOvr>
-  <p:timing>
-    <p:tnLst>
-      <p:par>
-        <p:cTn id="1" dur="indefinite" restart="never" nodeType="tmRoot">
-          <p:childTnLst>
-            <p:seq concurrent="1" nextAc="seek">
-              <p:cTn id="2" dur="indefinite" nodeType="mainSeq">
-                <p:childTnLst>
-                  <p:par>
-                    <p:cTn id="3" fill="hold">
-                      <p:stCondLst>
-                        <p:cond delay="indefinite"/>
-                      </p:stCondLst>
-                      <p:childTnLst>
-                        <p:par>
-                          <p:cTn id="4" fill="hold">
-                            <p:stCondLst>
-                              <p:cond delay="0"/>
-                            </p:stCondLst>
-                            <p:childTnLst>
-                              <p:par>
-                                <p:cTn id="5" presetID="1" presetClass="entr" presetSubtype="0" fill="hold" grpId="0" nodeType="clickEffect">
-                                  <p:stCondLst>
-                                    <p:cond delay="0"/>
-                                  </p:stCondLst>
-                                  <p:childTnLst>
-                                    <p:set>
-                                      <p:cBhvr>
-                                        <p:cTn id="6" dur="1" fill="hold">
-                                          <p:stCondLst>
-                                            <p:cond delay="0"/>
-                                          </p:stCondLst>
-                                        </p:cTn>
-                                        <p:tgtEl>
-                                          <p:spTgt spid="6"/>
-                                        </p:tgtEl>
-                                        <p:attrNameLst>
-                                          <p:attrName>style.visibility</p:attrName>
-                                        </p:attrNameLst>
-                                      </p:cBhvr>
-                                      <p:to>
-                                        <p:strVal val="visible"/>
-                                      </p:to>
-                                    </p:set>
-                                  </p:childTnLst>
-                                </p:cTn>
-                              </p:par>
-                              <p:par>
-                                <p:cTn id="7" presetID="1" presetClass="entr" presetSubtype="0" fill="hold" nodeType="withEffect">
-                                  <p:stCondLst>
-                                    <p:cond delay="0"/>
-                                  </p:stCondLst>
-                                  <p:childTnLst>
-                                    <p:set>
-                                      <p:cBhvr>
-                                        <p:cTn id="8" dur="1" fill="hold">
-                                          <p:stCondLst>
-                                            <p:cond delay="0"/>
-                                          </p:stCondLst>
-                                        </p:cTn>
-                                        <p:tgtEl>
-                                          <p:spTgt spid="8"/>
-                                        </p:tgtEl>
-                                        <p:attrNameLst>
-                                          <p:attrName>style.visibility</p:attrName>
-                                        </p:attrNameLst>
-                                      </p:cBhvr>
-                                      <p:to>
-                                        <p:strVal val="visible"/>
-                                      </p:to>
-                                    </p:set>
-                                  </p:childTnLst>
-                                </p:cTn>
-                              </p:par>
-                              <p:par>
-                                <p:cTn id="9" presetID="1" presetClass="entr" presetSubtype="0" fill="hold" nodeType="withEffect">
-                                  <p:stCondLst>
-                                    <p:cond delay="0"/>
-                                  </p:stCondLst>
-                                  <p:childTnLst>
-                                    <p:set>
-                                      <p:cBhvr>
-                                        <p:cTn id="10" dur="1" fill="hold">
-                                          <p:stCondLst>
-                                            <p:cond delay="0"/>
-                                          </p:stCondLst>
-                                        </p:cTn>
-                                        <p:tgtEl>
-                                          <p:spTgt spid="9"/>
-                                        </p:tgtEl>
-                                        <p:attrNameLst>
-                                          <p:attrName>style.visibility</p:attrName>
-                                        </p:attrNameLst>
-                                      </p:cBhvr>
-                                      <p:to>
-                                        <p:strVal val="visible"/>
-                                      </p:to>
-                                    </p:set>
-                                  </p:childTnLst>
-                                </p:cTn>
-                              </p:par>
-                              <p:par>
-                                <p:cTn id="11" presetID="1" presetClass="entr" presetSubtype="0" fill="hold" nodeType="withEffect">
-                                  <p:stCondLst>
-                                    <p:cond delay="0"/>
-                                  </p:stCondLst>
-                                  <p:childTnLst>
-                                    <p:set>
-                                      <p:cBhvr>
-                                        <p:cTn id="12" dur="1" fill="hold">
-                                          <p:stCondLst>
-                                            <p:cond delay="0"/>
-                                          </p:stCondLst>
-                                        </p:cTn>
-                                        <p:tgtEl>
-                                          <p:spTgt spid="10"/>
-                                        </p:tgtEl>
-                                        <p:attrNameLst>
-                                          <p:attrName>style.visibility</p:attrName>
-                                        </p:attrNameLst>
-                                      </p:cBhvr>
-                                      <p:to>
-                                        <p:strVal val="visible"/>
-                                      </p:to>
-                                    </p:set>
-                                  </p:childTnLst>
-                                </p:cTn>
-                              </p:par>
-                              <p:par>
-                                <p:cTn id="13" presetID="1" presetClass="entr" presetSubtype="0" fill="hold" nodeType="withEffect">
-                                  <p:stCondLst>
-                                    <p:cond delay="0"/>
-                                  </p:stCondLst>
-                                  <p:childTnLst>
-                                    <p:set>
-                                      <p:cBhvr>
-                                        <p:cTn id="14" dur="1" fill="hold">
-                                          <p:stCondLst>
-                                            <p:cond delay="0"/>
-                                          </p:stCondLst>
-                                        </p:cTn>
-                                        <p:tgtEl>
-                                          <p:spTgt spid="11"/>
-                                        </p:tgtEl>
-                                        <p:attrNameLst>
-                                          <p:attrName>style.visibility</p:attrName>
-                                        </p:attrNameLst>
-                                      </p:cBhvr>
-                                      <p:to>
-                                        <p:strVal val="visible"/>
-                                      </p:to>
-                                    </p:set>
-                                  </p:childTnLst>
-                                </p:cTn>
-                              </p:par>
-                              <p:par>
-                                <p:cTn id="15" presetID="1" presetClass="entr" presetSubtype="0" fill="hold" grpId="0" nodeType="withEffect">
-                                  <p:stCondLst>
-                                    <p:cond delay="0"/>
-                                  </p:stCondLst>
-                                  <p:childTnLst>
-                                    <p:set>
-                                      <p:cBhvr>
-                                        <p:cTn id="16" dur="1" fill="hold">
-                                          <p:stCondLst>
-                                            <p:cond delay="0"/>
-                                          </p:stCondLst>
-                                        </p:cTn>
-                                        <p:tgtEl>
-                                          <p:spTgt spid="12"/>
-                                        </p:tgtEl>
-                                        <p:attrNameLst>
-                                          <p:attrName>style.visibility</p:attrName>
-                                        </p:attrNameLst>
-                                      </p:cBhvr>
-                                      <p:to>
-                                        <p:strVal val="visible"/>
-                                      </p:to>
-                                    </p:set>
-                                  </p:childTnLst>
-                                </p:cTn>
-                              </p:par>
-                              <p:par>
-                                <p:cTn id="17" presetID="1" presetClass="entr" presetSubtype="0" fill="hold" grpId="0" nodeType="withEffect">
-                                  <p:stCondLst>
-                                    <p:cond delay="0"/>
-                                  </p:stCondLst>
-                                  <p:childTnLst>
-                                    <p:set>
-                                      <p:cBhvr>
-                                        <p:cTn id="18" dur="1" fill="hold">
-                                          <p:stCondLst>
-                                            <p:cond delay="0"/>
-                                          </p:stCondLst>
-                                        </p:cTn>
-                                        <p:tgtEl>
-                                          <p:spTgt spid="13"/>
-                                        </p:tgtEl>
-                                        <p:attrNameLst>
-                                          <p:attrName>style.visibility</p:attrName>
-                                        </p:attrNameLst>
-                                      </p:cBhvr>
-                                      <p:to>
-                                        <p:strVal val="visible"/>
-                                      </p:to>
-                                    </p:set>
-                                  </p:childTnLst>
-                                </p:cTn>
-                              </p:par>
-                            </p:childTnLst>
-                          </p:cTn>
-                        </p:par>
-                      </p:childTnLst>
-                    </p:cTn>
-                  </p:par>
-                </p:childTnLst>
-              </p:cTn>
-              <p:prevCondLst>
-                <p:cond evt="onPrev" delay="0">
-                  <p:tgtEl>
-                    <p:sldTgt/>
-                  </p:tgtEl>
-                </p:cond>
-              </p:prevCondLst>
-              <p:nextCondLst>
-                <p:cond evt="onNext" delay="0">
-                  <p:tgtEl>
-                    <p:sldTgt/>
-                  </p:tgtEl>
-                </p:cond>
-              </p:nextCondLst>
-            </p:seq>
-          </p:childTnLst>
-        </p:cTn>
-      </p:par>
-    </p:tnLst>
-    <p:bldLst>
-      <p:bldP spid="6" grpId="0" animBg="1"/>
-      <p:bldP spid="12" grpId="0" animBg="1"/>
-      <p:bldP spid="13" grpId="0" animBg="1"/>
-    </p:bldLst>
-  </p:timing>
+</p:sld>
+</file>
+
+<file path=ppt/slides/slide9.xml><?xml version="1.0" encoding="utf-8"?>
+<p:sld xmlns:a="http://schemas.openxmlformats.org/drawingml/2006/main" xmlns:r="http://schemas.openxmlformats.org/officeDocument/2006/relationships" xmlns:p="http://schemas.openxmlformats.org/presentationml/2006/main">
+  <p:cSld>
+    <p:spTree>
+      <p:nvGrpSpPr>
+        <p:cNvPr id="1" name=""/>
+        <p:cNvGrpSpPr/>
+        <p:nvPr/>
+      </p:nvGrpSpPr>
+      <p:grpSpPr>
+        <a:xfrm>
+          <a:off x="0" y="0"/>
+          <a:ext cx="0" cy="0"/>
+          <a:chOff x="0" y="0"/>
+          <a:chExt cx="0" cy="0"/>
+        </a:xfrm>
+      </p:grpSpPr>
+      <p:sp>
+        <p:nvSpPr>
+          <p:cNvPr id="2" name="Title 1">
+            <a:extLst>
+              <a:ext uri="{FF2B5EF4-FFF2-40B4-BE49-F238E27FC236}">
+                <a16:creationId xmlns:a16="http://schemas.microsoft.com/office/drawing/2014/main" id="{8ED93FDD-7934-4E40-A163-AB384FB63A32}"/>
+              </a:ext>
+            </a:extLst>
+          </p:cNvPr>
+          <p:cNvSpPr>
+            <a:spLocks noGrp="1"/>
+          </p:cNvSpPr>
+          <p:nvPr>
+            <p:ph type="title"/>
+          </p:nvPr>
+        </p:nvSpPr>
+        <p:spPr/>
+        <p:txBody>
+          <a:bodyPr/>
+          <a:lstStyle/>
+          <a:p>
+            <a:r>
+              <a:rPr lang="en-US" dirty="0"/>
+              <a:t>Compare tree walk with BST search</a:t>
+            </a:r>
+          </a:p>
+        </p:txBody>
+      </p:sp>
+      <p:sp>
+        <p:nvSpPr>
+          <p:cNvPr id="3" name="Content Placeholder 2">
+            <a:extLst>
+              <a:ext uri="{FF2B5EF4-FFF2-40B4-BE49-F238E27FC236}">
+                <a16:creationId xmlns:a16="http://schemas.microsoft.com/office/drawing/2014/main" id="{79B023F9-519C-E64B-9569-6057414B47B0}"/>
+              </a:ext>
+            </a:extLst>
+          </p:cNvPr>
+          <p:cNvSpPr>
+            <a:spLocks noGrp="1"/>
+          </p:cNvSpPr>
+          <p:nvPr>
+            <p:ph idx="1"/>
+          </p:nvPr>
+        </p:nvSpPr>
+        <p:spPr/>
+        <p:txBody>
+          <a:bodyPr/>
+          <a:lstStyle/>
+          <a:p>
+            <a:r>
+              <a:rPr lang="en-US" dirty="0"/>
+              <a:t>Conditional recursion; we only </a:t>
+            </a:r>
+            <a:r>
+              <a:rPr lang="en-US" dirty="0" err="1"/>
+              <a:t>recurse</a:t>
+            </a:r>
+            <a:r>
+              <a:rPr lang="en-US" dirty="0"/>
+              <a:t> to </a:t>
+            </a:r>
+            <a:r>
+              <a:rPr lang="en-US" b="1" dirty="0"/>
+              <a:t>ONE</a:t>
+            </a:r>
+            <a:r>
+              <a:rPr lang="en-US" dirty="0"/>
+              <a:t> child not both</a:t>
+            </a:r>
+          </a:p>
+        </p:txBody>
+      </p:sp>
+      <p:sp>
+        <p:nvSpPr>
+          <p:cNvPr id="4" name="TextBox 3">
+            <a:extLst>
+              <a:ext uri="{FF2B5EF4-FFF2-40B4-BE49-F238E27FC236}">
+                <a16:creationId xmlns:a16="http://schemas.microsoft.com/office/drawing/2014/main" id="{F9A960AF-A022-814B-8DD8-5D00D98DE247}"/>
+              </a:ext>
+            </a:extLst>
+          </p:cNvPr>
+          <p:cNvSpPr txBox="1"/>
+          <p:nvPr/>
+        </p:nvSpPr>
+        <p:spPr>
+          <a:xfrm>
+            <a:off x="83383" y="2997189"/>
+            <a:ext cx="5680488" cy="1938992"/>
+          </a:xfrm>
+          <a:prstGeom prst="rect">
+            <a:avLst/>
+          </a:prstGeom>
+          <a:noFill/>
+          <a:ln>
+            <a:solidFill>
+              <a:schemeClr val="accent1"/>
+            </a:solidFill>
+          </a:ln>
+        </p:spPr>
+        <p:txBody>
+          <a:bodyPr wrap="square" rtlCol="0">
+            <a:spAutoFit/>
+          </a:bodyPr>
+          <a:lstStyle/>
+          <a:p>
+            <a:r>
+              <a:rPr lang="en-US" sz="2400" dirty="0">
+                <a:latin typeface="Monaco" charset="0"/>
+                <a:ea typeface="Monaco" charset="0"/>
+                <a:cs typeface="Monaco" charset="0"/>
+              </a:rPr>
+              <a:t>def </a:t>
+            </a:r>
+            <a:r>
+              <a:rPr lang="en-US" sz="2400" dirty="0" err="1">
+                <a:latin typeface="Monaco" charset="0"/>
+                <a:ea typeface="Monaco" charset="0"/>
+                <a:cs typeface="Monaco" charset="0"/>
+              </a:rPr>
+              <a:t>walk_tree</a:t>
+            </a:r>
+            <a:r>
+              <a:rPr lang="en-US" sz="2400" dirty="0">
+                <a:latin typeface="Monaco" charset="0"/>
+                <a:ea typeface="Monaco" charset="0"/>
+                <a:cs typeface="Monaco" charset="0"/>
+              </a:rPr>
+              <a:t>(</a:t>
+            </a:r>
+            <a:r>
+              <a:rPr lang="en-US" sz="2400" dirty="0" err="1">
+                <a:latin typeface="Monaco" charset="0"/>
+                <a:ea typeface="Monaco" charset="0"/>
+                <a:cs typeface="Monaco" charset="0"/>
+              </a:rPr>
+              <a:t>p:TreeNode</a:t>
+            </a:r>
+            <a:r>
+              <a:rPr lang="en-US" sz="2400" dirty="0">
+                <a:latin typeface="Monaco" charset="0"/>
+                <a:ea typeface="Monaco" charset="0"/>
+                <a:cs typeface="Monaco" charset="0"/>
+              </a:rPr>
+              <a:t>):</a:t>
+            </a:r>
+          </a:p>
+          <a:p>
+            <a:r>
+              <a:rPr lang="en-US" sz="2400" dirty="0">
+                <a:latin typeface="Monaco" charset="0"/>
+                <a:ea typeface="Monaco" charset="0"/>
+                <a:cs typeface="Monaco" charset="0"/>
+              </a:rPr>
+              <a:t>    if p is None: return</a:t>
+            </a:r>
+          </a:p>
+          <a:p>
+            <a:r>
+              <a:rPr lang="en-US" sz="2400" dirty="0">
+                <a:latin typeface="Monaco" charset="0"/>
+                <a:ea typeface="Monaco" charset="0"/>
+                <a:cs typeface="Monaco" charset="0"/>
+              </a:rPr>
+              <a:t>    print(</a:t>
+            </a:r>
+            <a:r>
+              <a:rPr lang="en-US" sz="2400" dirty="0" err="1">
+                <a:latin typeface="Monaco" charset="0"/>
+                <a:ea typeface="Monaco" charset="0"/>
+                <a:cs typeface="Monaco" charset="0"/>
+              </a:rPr>
+              <a:t>p.value</a:t>
+            </a:r>
+            <a:r>
+              <a:rPr lang="en-US" sz="2400" dirty="0">
+                <a:latin typeface="Monaco" charset="0"/>
+                <a:ea typeface="Monaco" charset="0"/>
+                <a:cs typeface="Monaco" charset="0"/>
+              </a:rPr>
+              <a:t>)</a:t>
+            </a:r>
+            <a:endParaRPr lang="en-US" sz="2400" dirty="0">
+              <a:solidFill>
+                <a:srgbClr val="00B0F0"/>
+              </a:solidFill>
+              <a:latin typeface="Monaco" charset="0"/>
+              <a:ea typeface="Monaco" charset="0"/>
+              <a:cs typeface="Monaco" charset="0"/>
+            </a:endParaRPr>
+          </a:p>
+          <a:p>
+            <a:r>
+              <a:rPr lang="en-US" sz="2400" dirty="0">
+                <a:latin typeface="Monaco" charset="0"/>
+                <a:ea typeface="Monaco" charset="0"/>
+                <a:cs typeface="Monaco" charset="0"/>
+              </a:rPr>
+              <a:t>    </a:t>
+            </a:r>
+            <a:r>
+              <a:rPr lang="en-US" sz="2400" dirty="0" err="1">
+                <a:latin typeface="Monaco" charset="0"/>
+                <a:ea typeface="Monaco" charset="0"/>
+                <a:cs typeface="Monaco" charset="0"/>
+              </a:rPr>
+              <a:t>walk_tree</a:t>
+            </a:r>
+            <a:r>
+              <a:rPr lang="en-US" sz="2400" dirty="0">
+                <a:latin typeface="Monaco" charset="0"/>
+                <a:ea typeface="Monaco" charset="0"/>
+                <a:cs typeface="Monaco" charset="0"/>
+              </a:rPr>
+              <a:t>(</a:t>
+            </a:r>
+            <a:r>
+              <a:rPr lang="en-US" sz="2400" dirty="0" err="1">
+                <a:latin typeface="Monaco" charset="0"/>
+                <a:ea typeface="Monaco" charset="0"/>
+                <a:cs typeface="Monaco" charset="0"/>
+              </a:rPr>
+              <a:t>p.left</a:t>
+            </a:r>
+            <a:r>
+              <a:rPr lang="en-US" sz="2400" dirty="0">
+                <a:latin typeface="Monaco" charset="0"/>
+                <a:ea typeface="Monaco" charset="0"/>
+                <a:cs typeface="Monaco" charset="0"/>
+              </a:rPr>
+              <a:t>)</a:t>
+            </a:r>
+          </a:p>
+          <a:p>
+            <a:r>
+              <a:rPr lang="en-US" sz="2400" dirty="0">
+                <a:latin typeface="Monaco" charset="0"/>
+                <a:ea typeface="Monaco" charset="0"/>
+                <a:cs typeface="Monaco" charset="0"/>
+              </a:rPr>
+              <a:t>    </a:t>
+            </a:r>
+            <a:r>
+              <a:rPr lang="en-US" sz="2400" dirty="0" err="1">
+                <a:latin typeface="Monaco" charset="0"/>
+                <a:ea typeface="Monaco" charset="0"/>
+                <a:cs typeface="Monaco" charset="0"/>
+              </a:rPr>
+              <a:t>walk_tree</a:t>
+            </a:r>
+            <a:r>
+              <a:rPr lang="en-US" sz="2400" dirty="0">
+                <a:latin typeface="Monaco" charset="0"/>
+                <a:ea typeface="Monaco" charset="0"/>
+                <a:cs typeface="Monaco" charset="0"/>
+              </a:rPr>
+              <a:t>(</a:t>
+            </a:r>
+            <a:r>
+              <a:rPr lang="en-US" sz="2400" dirty="0" err="1">
+                <a:latin typeface="Monaco" charset="0"/>
+                <a:ea typeface="Monaco" charset="0"/>
+                <a:cs typeface="Monaco" charset="0"/>
+              </a:rPr>
+              <a:t>p.right</a:t>
+            </a:r>
+            <a:r>
+              <a:rPr lang="en-US" sz="2400" dirty="0">
+                <a:latin typeface="Monaco" charset="0"/>
+                <a:ea typeface="Monaco" charset="0"/>
+                <a:cs typeface="Monaco" charset="0"/>
+              </a:rPr>
+              <a:t>)</a:t>
+            </a:r>
+          </a:p>
+        </p:txBody>
+      </p:sp>
+      <p:sp>
+        <p:nvSpPr>
+          <p:cNvPr id="5" name="TextBox 4">
+            <a:extLst>
+              <a:ext uri="{FF2B5EF4-FFF2-40B4-BE49-F238E27FC236}">
+                <a16:creationId xmlns:a16="http://schemas.microsoft.com/office/drawing/2014/main" id="{C3FB2FFF-DEF2-1142-B192-1951F3C9926F}"/>
+              </a:ext>
+            </a:extLst>
+          </p:cNvPr>
+          <p:cNvSpPr txBox="1"/>
+          <p:nvPr/>
+        </p:nvSpPr>
+        <p:spPr>
+          <a:xfrm>
+            <a:off x="5840071" y="2997189"/>
+            <a:ext cx="6268546" cy="2677656"/>
+          </a:xfrm>
+          <a:prstGeom prst="rect">
+            <a:avLst/>
+          </a:prstGeom>
+          <a:noFill/>
+          <a:ln>
+            <a:solidFill>
+              <a:schemeClr val="accent1"/>
+            </a:solidFill>
+          </a:ln>
+        </p:spPr>
+        <p:txBody>
+          <a:bodyPr wrap="square" rtlCol="0">
+            <a:spAutoFit/>
+          </a:bodyPr>
+          <a:lstStyle/>
+          <a:p>
+            <a:r>
+              <a:rPr lang="en-US" sz="2400" dirty="0">
+                <a:latin typeface="Monaco" charset="0"/>
+                <a:ea typeface="Monaco" charset="0"/>
+                <a:cs typeface="Monaco" charset="0"/>
+              </a:rPr>
+              <a:t>def search(</a:t>
+            </a:r>
+            <a:r>
+              <a:rPr lang="en-US" sz="2400" dirty="0" err="1">
+                <a:latin typeface="Monaco" charset="0"/>
+                <a:ea typeface="Monaco" charset="0"/>
+                <a:cs typeface="Monaco" charset="0"/>
+              </a:rPr>
+              <a:t>p:TreeNode</a:t>
+            </a:r>
+            <a:r>
+              <a:rPr lang="en-US" sz="2400" dirty="0">
+                <a:latin typeface="Monaco" charset="0"/>
+                <a:ea typeface="Monaco" charset="0"/>
+                <a:cs typeface="Monaco" charset="0"/>
+              </a:rPr>
+              <a:t>, </a:t>
+            </a:r>
+            <a:r>
+              <a:rPr lang="en-US" sz="2400" dirty="0" err="1">
+                <a:latin typeface="Monaco" charset="0"/>
+                <a:ea typeface="Monaco" charset="0"/>
+                <a:cs typeface="Monaco" charset="0"/>
+              </a:rPr>
+              <a:t>x:object</a:t>
+            </a:r>
+            <a:r>
+              <a:rPr lang="en-US" sz="2400" dirty="0">
+                <a:latin typeface="Monaco" charset="0"/>
+                <a:ea typeface="Monaco" charset="0"/>
+                <a:cs typeface="Monaco" charset="0"/>
+              </a:rPr>
+              <a:t>):</a:t>
+            </a:r>
+          </a:p>
+          <a:p>
+            <a:r>
+              <a:rPr lang="en-US" sz="2400" dirty="0">
+                <a:latin typeface="Monaco" charset="0"/>
+                <a:ea typeface="Monaco" charset="0"/>
+                <a:cs typeface="Monaco" charset="0"/>
+              </a:rPr>
+              <a:t>    if p is None: return None</a:t>
+            </a:r>
+          </a:p>
+          <a:p>
+            <a:r>
+              <a:rPr lang="en-US" sz="2400" dirty="0">
+                <a:latin typeface="Monaco" charset="0"/>
+                <a:ea typeface="Monaco" charset="0"/>
+                <a:cs typeface="Monaco" charset="0"/>
+              </a:rPr>
+              <a:t>    if x&lt;</a:t>
+            </a:r>
+            <a:r>
+              <a:rPr lang="en-US" sz="2400" dirty="0" err="1">
+                <a:latin typeface="Monaco" charset="0"/>
+                <a:ea typeface="Monaco" charset="0"/>
+                <a:cs typeface="Monaco" charset="0"/>
+              </a:rPr>
+              <a:t>p.value</a:t>
+            </a:r>
+            <a:r>
+              <a:rPr lang="en-US" sz="2400" dirty="0">
+                <a:latin typeface="Monaco" charset="0"/>
+                <a:ea typeface="Monaco" charset="0"/>
+                <a:cs typeface="Monaco" charset="0"/>
+              </a:rPr>
+              <a:t>:</a:t>
+            </a:r>
+          </a:p>
+          <a:p>
+            <a:r>
+              <a:rPr lang="en-US" sz="2400" dirty="0">
+                <a:latin typeface="Monaco" charset="0"/>
+                <a:ea typeface="Monaco" charset="0"/>
+                <a:cs typeface="Monaco" charset="0"/>
+              </a:rPr>
+              <a:t>        return search(</a:t>
+            </a:r>
+            <a:r>
+              <a:rPr lang="en-US" sz="2400" dirty="0" err="1">
+                <a:latin typeface="Monaco" charset="0"/>
+                <a:ea typeface="Monaco" charset="0"/>
+                <a:cs typeface="Monaco" charset="0"/>
+              </a:rPr>
+              <a:t>p.left</a:t>
+            </a:r>
+            <a:r>
+              <a:rPr lang="en-US" sz="2400" dirty="0">
+                <a:latin typeface="Monaco" charset="0"/>
+                <a:ea typeface="Monaco" charset="0"/>
+                <a:cs typeface="Monaco" charset="0"/>
+              </a:rPr>
+              <a:t>, x)</a:t>
+            </a:r>
+          </a:p>
+          <a:p>
+            <a:r>
+              <a:rPr lang="en-US" sz="2400" dirty="0">
+                <a:latin typeface="Monaco" charset="0"/>
+                <a:ea typeface="Monaco" charset="0"/>
+                <a:cs typeface="Monaco" charset="0"/>
+              </a:rPr>
+              <a:t>    if x&gt;</a:t>
+            </a:r>
+            <a:r>
+              <a:rPr lang="en-US" sz="2400" dirty="0" err="1">
+                <a:latin typeface="Monaco" charset="0"/>
+                <a:ea typeface="Monaco" charset="0"/>
+                <a:cs typeface="Monaco" charset="0"/>
+              </a:rPr>
+              <a:t>p.value</a:t>
+            </a:r>
+            <a:r>
+              <a:rPr lang="en-US" sz="2400" dirty="0">
+                <a:latin typeface="Monaco" charset="0"/>
+                <a:ea typeface="Monaco" charset="0"/>
+                <a:cs typeface="Monaco" charset="0"/>
+              </a:rPr>
+              <a:t>:</a:t>
+            </a:r>
+          </a:p>
+          <a:p>
+            <a:r>
+              <a:rPr lang="en-US" sz="2400" dirty="0">
+                <a:latin typeface="Monaco" charset="0"/>
+                <a:ea typeface="Monaco" charset="0"/>
+                <a:cs typeface="Monaco" charset="0"/>
+              </a:rPr>
+              <a:t>        return search(</a:t>
+            </a:r>
+            <a:r>
+              <a:rPr lang="en-US" sz="2400" dirty="0" err="1">
+                <a:latin typeface="Monaco" charset="0"/>
+                <a:ea typeface="Monaco" charset="0"/>
+                <a:cs typeface="Monaco" charset="0"/>
+              </a:rPr>
+              <a:t>p.right</a:t>
+            </a:r>
+            <a:r>
+              <a:rPr lang="en-US" sz="2400" dirty="0">
+                <a:latin typeface="Monaco" charset="0"/>
+                <a:ea typeface="Monaco" charset="0"/>
+                <a:cs typeface="Monaco" charset="0"/>
+              </a:rPr>
+              <a:t>, x)</a:t>
+            </a:r>
+          </a:p>
+          <a:p>
+            <a:r>
+              <a:rPr lang="en-US" sz="2400" dirty="0">
+                <a:latin typeface="Monaco" charset="0"/>
+                <a:ea typeface="Monaco" charset="0"/>
+                <a:cs typeface="Monaco" charset="0"/>
+              </a:rPr>
+              <a:t>    return p</a:t>
+            </a:r>
+          </a:p>
+        </p:txBody>
+      </p:sp>
+      <p:sp>
+        <p:nvSpPr>
+          <p:cNvPr id="6" name="TextBox 5">
+            <a:extLst>
+              <a:ext uri="{FF2B5EF4-FFF2-40B4-BE49-F238E27FC236}">
+                <a16:creationId xmlns:a16="http://schemas.microsoft.com/office/drawing/2014/main" id="{69EE4EAC-4B7A-154C-947E-A26E42D666E8}"/>
+              </a:ext>
+            </a:extLst>
+          </p:cNvPr>
+          <p:cNvSpPr txBox="1"/>
+          <p:nvPr/>
+        </p:nvSpPr>
+        <p:spPr>
+          <a:xfrm>
+            <a:off x="1626637" y="5715298"/>
+            <a:ext cx="2593980" cy="461665"/>
+          </a:xfrm>
+          <a:prstGeom prst="rect">
+            <a:avLst/>
+          </a:prstGeom>
+          <a:noFill/>
+        </p:spPr>
+        <p:txBody>
+          <a:bodyPr wrap="none" rtlCol="0">
+            <a:spAutoFit/>
+          </a:bodyPr>
+          <a:lstStyle/>
+          <a:p>
+            <a:r>
+              <a:rPr lang="en-US" sz="2400" dirty="0"/>
+              <a:t>T(n) = k + 2T(n/2)</a:t>
+            </a:r>
+          </a:p>
+        </p:txBody>
+      </p:sp>
+      <p:sp>
+        <p:nvSpPr>
+          <p:cNvPr id="7" name="TextBox 6">
+            <a:extLst>
+              <a:ext uri="{FF2B5EF4-FFF2-40B4-BE49-F238E27FC236}">
+                <a16:creationId xmlns:a16="http://schemas.microsoft.com/office/drawing/2014/main" id="{3BA83E13-0EC4-0243-8892-224BF3C0B7C4}"/>
+              </a:ext>
+            </a:extLst>
+          </p:cNvPr>
+          <p:cNvSpPr txBox="1"/>
+          <p:nvPr/>
+        </p:nvSpPr>
+        <p:spPr>
+          <a:xfrm>
+            <a:off x="7677354" y="5706240"/>
+            <a:ext cx="2416880" cy="461665"/>
+          </a:xfrm>
+          <a:prstGeom prst="rect">
+            <a:avLst/>
+          </a:prstGeom>
+          <a:noFill/>
+        </p:spPr>
+        <p:txBody>
+          <a:bodyPr wrap="none" rtlCol="0">
+            <a:spAutoFit/>
+          </a:bodyPr>
+          <a:lstStyle/>
+          <a:p>
+            <a:r>
+              <a:rPr lang="en-US" sz="2400" dirty="0"/>
+              <a:t>T(n) = k + T(n/2)</a:t>
+            </a:r>
+          </a:p>
+        </p:txBody>
+      </p:sp>
+    </p:spTree>
+    <p:extLst>
+      <p:ext uri="{BB962C8B-B14F-4D97-AF65-F5344CB8AC3E}">
+        <p14:creationId xmlns:p14="http://schemas.microsoft.com/office/powerpoint/2010/main" val="1475782895"/>
+      </p:ext>
+    </p:extLst>
+  </p:cSld>
+  <p:clrMapOvr>
+    <a:masterClrMapping/>
+  </p:clrMapOvr>
 </p:sld>
 </file>
 

--- a/notes/walking-structures.pptx
+++ b/notes/walking-structures.pptx
@@ -218,7 +218,7 @@
           <a:p>
             <a:fld id="{8A1B613A-EFF1-404F-BEE8-EFAE84A4E5E2}" type="datetimeFigureOut">
               <a:rPr lang="en-US" smtClean="0"/>
-              <a:t>2/5/20</a:t>
+              <a:t>2/13/20</a:t>
             </a:fld>
             <a:endParaRPr lang="en-US"/>
           </a:p>
@@ -383,7 +383,7 @@
           <a:p>
             <a:fld id="{690847EA-AC25-3D4E-89E1-FD3F6A9702B6}" type="datetimeFigureOut">
               <a:rPr lang="en-US" smtClean="0"/>
-              <a:t>2/5/20</a:t>
+              <a:t>2/13/20</a:t>
             </a:fld>
             <a:endParaRPr lang="en-US"/>
           </a:p>
@@ -797,7 +797,7 @@
           <a:p>
             <a:fld id="{BE5295ED-3BAF-1140-8495-3D368771D6B1}" type="datetimeFigureOut">
               <a:rPr lang="en-US" smtClean="0"/>
-              <a:t>2/5/20</a:t>
+              <a:t>2/13/20</a:t>
             </a:fld>
             <a:endParaRPr lang="en-US"/>
           </a:p>
@@ -995,7 +995,7 @@
           <a:p>
             <a:fld id="{BE5295ED-3BAF-1140-8495-3D368771D6B1}" type="datetimeFigureOut">
               <a:rPr lang="en-US" smtClean="0"/>
-              <a:t>2/5/20</a:t>
+              <a:t>2/13/20</a:t>
             </a:fld>
             <a:endParaRPr lang="en-US"/>
           </a:p>
@@ -1203,7 +1203,7 @@
           <a:p>
             <a:fld id="{BE5295ED-3BAF-1140-8495-3D368771D6B1}" type="datetimeFigureOut">
               <a:rPr lang="en-US" smtClean="0"/>
-              <a:t>2/5/20</a:t>
+              <a:t>2/13/20</a:t>
             </a:fld>
             <a:endParaRPr lang="en-US"/>
           </a:p>
@@ -1401,7 +1401,7 @@
           <a:p>
             <a:fld id="{BE5295ED-3BAF-1140-8495-3D368771D6B1}" type="datetimeFigureOut">
               <a:rPr lang="en-US" smtClean="0"/>
-              <a:t>2/5/20</a:t>
+              <a:t>2/13/20</a:t>
             </a:fld>
             <a:endParaRPr lang="en-US"/>
           </a:p>
@@ -1676,7 +1676,7 @@
           <a:p>
             <a:fld id="{BE5295ED-3BAF-1140-8495-3D368771D6B1}" type="datetimeFigureOut">
               <a:rPr lang="en-US" smtClean="0"/>
-              <a:t>2/5/20</a:t>
+              <a:t>2/13/20</a:t>
             </a:fld>
             <a:endParaRPr lang="en-US"/>
           </a:p>
@@ -1941,7 +1941,7 @@
           <a:p>
             <a:fld id="{BE5295ED-3BAF-1140-8495-3D368771D6B1}" type="datetimeFigureOut">
               <a:rPr lang="en-US" smtClean="0"/>
-              <a:t>2/5/20</a:t>
+              <a:t>2/13/20</a:t>
             </a:fld>
             <a:endParaRPr lang="en-US"/>
           </a:p>
@@ -2353,7 +2353,7 @@
           <a:p>
             <a:fld id="{BE5295ED-3BAF-1140-8495-3D368771D6B1}" type="datetimeFigureOut">
               <a:rPr lang="en-US" smtClean="0"/>
-              <a:t>2/5/20</a:t>
+              <a:t>2/13/20</a:t>
             </a:fld>
             <a:endParaRPr lang="en-US"/>
           </a:p>
@@ -2494,7 +2494,7 @@
           <a:p>
             <a:fld id="{BE5295ED-3BAF-1140-8495-3D368771D6B1}" type="datetimeFigureOut">
               <a:rPr lang="en-US" smtClean="0"/>
-              <a:t>2/5/20</a:t>
+              <a:t>2/13/20</a:t>
             </a:fld>
             <a:endParaRPr lang="en-US"/>
           </a:p>
@@ -2607,7 +2607,7 @@
           <a:p>
             <a:fld id="{BE5295ED-3BAF-1140-8495-3D368771D6B1}" type="datetimeFigureOut">
               <a:rPr lang="en-US" smtClean="0"/>
-              <a:t>2/5/20</a:t>
+              <a:t>2/13/20</a:t>
             </a:fld>
             <a:endParaRPr lang="en-US"/>
           </a:p>
@@ -2918,7 +2918,7 @@
           <a:p>
             <a:fld id="{BE5295ED-3BAF-1140-8495-3D368771D6B1}" type="datetimeFigureOut">
               <a:rPr lang="en-US" smtClean="0"/>
-              <a:t>2/5/20</a:t>
+              <a:t>2/13/20</a:t>
             </a:fld>
             <a:endParaRPr lang="en-US"/>
           </a:p>
@@ -3206,7 +3206,7 @@
           <a:p>
             <a:fld id="{BE5295ED-3BAF-1140-8495-3D368771D6B1}" type="datetimeFigureOut">
               <a:rPr lang="en-US" smtClean="0"/>
-              <a:t>2/5/20</a:t>
+              <a:t>2/13/20</a:t>
             </a:fld>
             <a:endParaRPr lang="en-US"/>
           </a:p>
@@ -3447,7 +3447,7 @@
           <a:p>
             <a:fld id="{BE5295ED-3BAF-1140-8495-3D368771D6B1}" type="datetimeFigureOut">
               <a:rPr lang="en-US" smtClean="0"/>
-              <a:t>2/5/20</a:t>
+              <a:t>2/13/20</a:t>
             </a:fld>
             <a:endParaRPr lang="en-US"/>
           </a:p>
@@ -4060,8 +4060,13 @@
           <a:p>
             <a:r>
               <a:rPr lang="en-US" dirty="0"/>
-              <a:t>Manual graph construction</a:t>
-            </a:r>
+              <a:t>Graphs: </a:t>
+            </a:r>
+            <a:r>
+              <a:rPr lang="en-US"/>
+              <a:t>Manual construction</a:t>
+            </a:r>
+            <a:endParaRPr lang="en-US" dirty="0"/>
           </a:p>
         </p:txBody>
       </p:sp>
@@ -5384,6 +5389,12 @@
               <a:t>An algorithm then typically computes something during the walk and often avoids part of the data structure to reduce computation time</a:t>
             </a:r>
           </a:p>
+          <a:p>
+            <a:r>
+              <a:rPr lang="en-US" dirty="0"/>
+              <a:t>With dynamic programming (caching), algorithms can avoid often avoid repeated, redundant computations to dramatically improve complexity</a:t>
+            </a:r>
+          </a:p>
         </p:txBody>
       </p:sp>
     </p:spTree>
@@ -6153,8 +6164,13 @@
           <a:p>
             <a:r>
               <a:rPr lang="en-US" dirty="0"/>
-              <a:t>You can step forward and backward</a:t>
-            </a:r>
+              <a:t>You can step forward and backward with </a:t>
+            </a:r>
+            <a:r>
+              <a:rPr lang="en-US" dirty="0" err="1"/>
+              <a:t>pythontutor.com</a:t>
+            </a:r>
+            <a:endParaRPr lang="en-US" dirty="0"/>
           </a:p>
           <a:p>
             <a:r>
@@ -6875,6 +6891,148 @@
           </a:prstGeom>
         </p:spPr>
       </p:pic>
+      <p:sp>
+        <p:nvSpPr>
+          <p:cNvPr id="4" name="TextBox 3">
+            <a:extLst>
+              <a:ext uri="{FF2B5EF4-FFF2-40B4-BE49-F238E27FC236}">
+                <a16:creationId xmlns:a16="http://schemas.microsoft.com/office/drawing/2014/main" id="{2FD98F3E-2256-9446-A6B4-1B3F62DF6D09}"/>
+              </a:ext>
+            </a:extLst>
+          </p:cNvPr>
+          <p:cNvSpPr txBox="1"/>
+          <p:nvPr/>
+        </p:nvSpPr>
+        <p:spPr>
+          <a:xfrm>
+            <a:off x="415512" y="5651888"/>
+            <a:ext cx="1332416" cy="430887"/>
+          </a:xfrm>
+          <a:prstGeom prst="rect">
+            <a:avLst/>
+          </a:prstGeom>
+          <a:noFill/>
+        </p:spPr>
+        <p:txBody>
+          <a:bodyPr wrap="none" rtlCol="0">
+            <a:spAutoFit/>
+          </a:bodyPr>
+          <a:lstStyle/>
+          <a:p>
+            <a:r>
+              <a:rPr lang="en-US" sz="2200" dirty="0"/>
+              <a:t>preorder:</a:t>
+            </a:r>
+          </a:p>
+        </p:txBody>
+      </p:sp>
+      <p:sp>
+        <p:nvSpPr>
+          <p:cNvPr id="5" name="Rectangle 4">
+            <a:extLst>
+              <a:ext uri="{FF2B5EF4-FFF2-40B4-BE49-F238E27FC236}">
+                <a16:creationId xmlns:a16="http://schemas.microsoft.com/office/drawing/2014/main" id="{E6DE7143-841A-C345-8C4D-FC6E93DD2AE3}"/>
+              </a:ext>
+            </a:extLst>
+          </p:cNvPr>
+          <p:cNvSpPr/>
+          <p:nvPr/>
+        </p:nvSpPr>
+        <p:spPr>
+          <a:xfrm>
+            <a:off x="1760071" y="5651888"/>
+            <a:ext cx="2383986" cy="430887"/>
+          </a:xfrm>
+          <a:prstGeom prst="rect">
+            <a:avLst/>
+          </a:prstGeom>
+        </p:spPr>
+        <p:txBody>
+          <a:bodyPr wrap="none">
+            <a:spAutoFit/>
+          </a:bodyPr>
+          <a:lstStyle/>
+          <a:p>
+            <a:r>
+              <a:rPr lang="en-US" sz="2200" dirty="0"/>
+              <a:t>10, 3, 2, 7, 13, 21</a:t>
+            </a:r>
+          </a:p>
+        </p:txBody>
+      </p:sp>
+      <p:sp>
+        <p:nvSpPr>
+          <p:cNvPr id="9" name="TextBox 8">
+            <a:extLst>
+              <a:ext uri="{FF2B5EF4-FFF2-40B4-BE49-F238E27FC236}">
+                <a16:creationId xmlns:a16="http://schemas.microsoft.com/office/drawing/2014/main" id="{D53A100D-61F9-DD46-A44C-60A7D8BCA6E3}"/>
+              </a:ext>
+            </a:extLst>
+          </p:cNvPr>
+          <p:cNvSpPr txBox="1"/>
+          <p:nvPr/>
+        </p:nvSpPr>
+        <p:spPr>
+          <a:xfrm>
+            <a:off x="415512" y="6008614"/>
+            <a:ext cx="1457450" cy="430887"/>
+          </a:xfrm>
+          <a:prstGeom prst="rect">
+            <a:avLst/>
+          </a:prstGeom>
+          <a:noFill/>
+        </p:spPr>
+        <p:txBody>
+          <a:bodyPr wrap="none" rtlCol="0">
+            <a:spAutoFit/>
+          </a:bodyPr>
+          <a:lstStyle/>
+          <a:p>
+            <a:r>
+              <a:rPr lang="en-US" sz="2200" dirty="0" err="1"/>
+              <a:t>postorder</a:t>
+            </a:r>
+            <a:r>
+              <a:rPr lang="en-US" sz="2200" dirty="0"/>
+              <a:t>:</a:t>
+            </a:r>
+          </a:p>
+        </p:txBody>
+      </p:sp>
+      <p:sp>
+        <p:nvSpPr>
+          <p:cNvPr id="10" name="Rectangle 9">
+            <a:extLst>
+              <a:ext uri="{FF2B5EF4-FFF2-40B4-BE49-F238E27FC236}">
+                <a16:creationId xmlns:a16="http://schemas.microsoft.com/office/drawing/2014/main" id="{36C8266B-59A0-D04A-A197-667B42CD4B39}"/>
+              </a:ext>
+            </a:extLst>
+          </p:cNvPr>
+          <p:cNvSpPr/>
+          <p:nvPr/>
+        </p:nvSpPr>
+        <p:spPr>
+          <a:xfrm>
+            <a:off x="1760071" y="6008614"/>
+            <a:ext cx="2462534" cy="430887"/>
+          </a:xfrm>
+          <a:prstGeom prst="rect">
+            <a:avLst/>
+          </a:prstGeom>
+        </p:spPr>
+        <p:txBody>
+          <a:bodyPr wrap="none">
+            <a:spAutoFit/>
+          </a:bodyPr>
+          <a:lstStyle/>
+          <a:p>
+            <a:r>
+              <a:rPr lang="en-US" sz="2200" dirty="0"/>
+              <a:t> 2, 7, 3, 21, 13, 10</a:t>
+            </a:r>
+          </a:p>
+        </p:txBody>
+      </p:sp>
     </p:spTree>
     <p:extLst>
       <p:ext uri="{BB962C8B-B14F-4D97-AF65-F5344CB8AC3E}">
@@ -6885,6 +7043,130 @@
   <p:clrMapOvr>
     <a:masterClrMapping/>
   </p:clrMapOvr>
+  <p:timing>
+    <p:tnLst>
+      <p:par>
+        <p:cTn id="1" dur="indefinite" restart="never" nodeType="tmRoot">
+          <p:childTnLst>
+            <p:seq concurrent="1" nextAc="seek">
+              <p:cTn id="2" dur="indefinite" nodeType="mainSeq">
+                <p:childTnLst>
+                  <p:par>
+                    <p:cTn id="3" fill="hold">
+                      <p:stCondLst>
+                        <p:cond delay="indefinite"/>
+                      </p:stCondLst>
+                      <p:childTnLst>
+                        <p:par>
+                          <p:cTn id="4" fill="hold">
+                            <p:stCondLst>
+                              <p:cond delay="0"/>
+                            </p:stCondLst>
+                            <p:childTnLst>
+                              <p:par>
+                                <p:cTn id="5" presetID="1" presetClass="entr" presetSubtype="0" fill="hold" grpId="0" nodeType="clickEffect">
+                                  <p:stCondLst>
+                                    <p:cond delay="0"/>
+                                  </p:stCondLst>
+                                  <p:childTnLst>
+                                    <p:set>
+                                      <p:cBhvr>
+                                        <p:cTn id="6" dur="1" fill="hold">
+                                          <p:stCondLst>
+                                            <p:cond delay="0"/>
+                                          </p:stCondLst>
+                                        </p:cTn>
+                                        <p:tgtEl>
+                                          <p:spTgt spid="5"/>
+                                        </p:tgtEl>
+                                        <p:attrNameLst>
+                                          <p:attrName>style.visibility</p:attrName>
+                                        </p:attrNameLst>
+                                      </p:cBhvr>
+                                      <p:to>
+                                        <p:strVal val="visible"/>
+                                      </p:to>
+                                    </p:set>
+                                  </p:childTnLst>
+                                </p:cTn>
+                              </p:par>
+                            </p:childTnLst>
+                          </p:cTn>
+                        </p:par>
+                      </p:childTnLst>
+                    </p:cTn>
+                  </p:par>
+                  <p:par>
+                    <p:cTn id="7" fill="hold">
+                      <p:stCondLst>
+                        <p:cond delay="indefinite"/>
+                      </p:stCondLst>
+                      <p:childTnLst>
+                        <p:par>
+                          <p:cTn id="8" fill="hold">
+                            <p:stCondLst>
+                              <p:cond delay="0"/>
+                            </p:stCondLst>
+                            <p:childTnLst>
+                              <p:par>
+                                <p:cTn id="9" presetID="1" presetClass="entr" presetSubtype="0" fill="hold" grpId="0" nodeType="clickEffect">
+                                  <p:stCondLst>
+                                    <p:cond delay="0"/>
+                                  </p:stCondLst>
+                                  <p:childTnLst>
+                                    <p:set>
+                                      <p:cBhvr>
+                                        <p:cTn id="10" dur="1" fill="hold">
+                                          <p:stCondLst>
+                                            <p:cond delay="0"/>
+                                          </p:stCondLst>
+                                        </p:cTn>
+                                        <p:tgtEl>
+                                          <p:spTgt spid="10"/>
+                                        </p:tgtEl>
+                                        <p:attrNameLst>
+                                          <p:attrName>style.visibility</p:attrName>
+                                        </p:attrNameLst>
+                                      </p:cBhvr>
+                                      <p:to>
+                                        <p:strVal val="visible"/>
+                                      </p:to>
+                                    </p:set>
+                                  </p:childTnLst>
+                                </p:cTn>
+                              </p:par>
+                            </p:childTnLst>
+                          </p:cTn>
+                        </p:par>
+                      </p:childTnLst>
+                    </p:cTn>
+                  </p:par>
+                </p:childTnLst>
+              </p:cTn>
+              <p:prevCondLst>
+                <p:cond evt="onPrev" delay="0">
+                  <p:tgtEl>
+                    <p:sldTgt/>
+                  </p:tgtEl>
+                </p:cond>
+              </p:prevCondLst>
+              <p:nextCondLst>
+                <p:cond evt="onNext" delay="0">
+                  <p:tgtEl>
+                    <p:sldTgt/>
+                  </p:tgtEl>
+                </p:cond>
+              </p:nextCondLst>
+            </p:seq>
+          </p:childTnLst>
+        </p:cTn>
+      </p:par>
+    </p:tnLst>
+    <p:bldLst>
+      <p:bldP spid="5" grpId="0"/>
+      <p:bldP spid="10" grpId="0"/>
+    </p:bldLst>
+  </p:timing>
 </p:sld>
 </file>
 
@@ -6928,7 +7210,7 @@
           <a:p>
             <a:r>
               <a:rPr lang="en-US" dirty="0"/>
-              <a:t>Recursion tree vs tree</a:t>
+              <a:t>Recursion tree vs binary tree</a:t>
             </a:r>
           </a:p>
         </p:txBody>
@@ -7822,6 +8104,41 @@
           </a:p>
         </p:txBody>
       </p:sp>
+      <p:sp>
+        <p:nvSpPr>
+          <p:cNvPr id="3" name="TextBox 2">
+            <a:extLst>
+              <a:ext uri="{FF2B5EF4-FFF2-40B4-BE49-F238E27FC236}">
+                <a16:creationId xmlns:a16="http://schemas.microsoft.com/office/drawing/2014/main" id="{A056EC16-2BEF-5243-B1F0-632A43243A7B}"/>
+              </a:ext>
+            </a:extLst>
+          </p:cNvPr>
+          <p:cNvSpPr txBox="1"/>
+          <p:nvPr/>
+        </p:nvSpPr>
+        <p:spPr>
+          <a:xfrm>
+            <a:off x="370390" y="2877675"/>
+            <a:ext cx="2239716" cy="430887"/>
+          </a:xfrm>
+          <a:prstGeom prst="rect">
+            <a:avLst/>
+          </a:prstGeom>
+          <a:noFill/>
+        </p:spPr>
+        <p:txBody>
+          <a:bodyPr wrap="none" rtlCol="0">
+            <a:spAutoFit/>
+          </a:bodyPr>
+          <a:lstStyle/>
+          <a:p>
+            <a:r>
+              <a:rPr lang="en-US" sz="2200" dirty="0"/>
+              <a:t>Exhaustive work</a:t>
+            </a:r>
+          </a:p>
+        </p:txBody>
+      </p:sp>
     </p:spTree>
     <p:extLst>
       <p:ext uri="{BB962C8B-B14F-4D97-AF65-F5344CB8AC3E}">
@@ -7868,14 +8185,19 @@
             <p:ph type="title"/>
           </p:nvPr>
         </p:nvSpPr>
-        <p:spPr/>
+        <p:spPr>
+          <a:xfrm>
+            <a:off x="838199" y="365125"/>
+            <a:ext cx="10898529" cy="1325563"/>
+          </a:xfrm>
+        </p:spPr>
         <p:txBody>
           <a:bodyPr/>
           <a:lstStyle/>
           <a:p>
             <a:r>
               <a:rPr lang="en-US" dirty="0"/>
-              <a:t>Compare tree walk with BST search</a:t>
+              <a:t>Compare binary tree walk with BST search</a:t>
             </a:r>
           </a:p>
         </p:txBody>

--- a/notes/walking-structures.pptx
+++ b/notes/walking-structures.pptx
@@ -4060,13 +4060,15 @@
           <a:p>
             <a:r>
               <a:rPr lang="en-US" dirty="0"/>
-              <a:t>Graphs: </a:t>
-            </a:r>
-            <a:r>
-              <a:rPr lang="en-US"/>
-              <a:t>Manual construction</a:t>
-            </a:r>
-            <a:endParaRPr lang="en-US" dirty="0"/>
+              <a:t>Graphs: Manual construction</a:t>
+            </a:r>
+            <a:br>
+              <a:rPr lang="en-US" dirty="0"/>
+            </a:br>
+            <a:r>
+              <a:rPr lang="en-US" sz="2200" i="1" dirty="0"/>
+              <a:t>(we’ll have full lecture on graphs later)</a:t>
+            </a:r>
           </a:p>
         </p:txBody>
       </p:sp>
@@ -4934,13 +4936,13 @@
         </p:nvSpPr>
         <p:spPr>
           <a:xfrm>
-            <a:off x="838200" y="1578429"/>
-            <a:ext cx="10515600" cy="4778828"/>
+            <a:off x="838199" y="1578429"/>
+            <a:ext cx="10701759" cy="4778828"/>
           </a:xfrm>
         </p:spPr>
         <p:txBody>
           <a:bodyPr>
-            <a:normAutofit lnSpcReduction="10000"/>
+            <a:normAutofit fontScale="92500" lnSpcReduction="10000"/>
           </a:bodyPr>
           <a:lstStyle/>
           <a:p>
@@ -4982,6 +4984,12 @@
             <a:r>
               <a:rPr lang="en-US" dirty="0"/>
               <a:t> as parameter)</a:t>
+            </a:r>
+          </a:p>
+          <a:p>
+            <a:r>
+              <a:rPr lang="en-US" dirty="0"/>
+              <a:t>A form of dynamic programming where we record partial result “seen”</a:t>
             </a:r>
           </a:p>
         </p:txBody>
@@ -5001,7 +5009,7 @@
         <p:spPr>
           <a:xfrm>
             <a:off x="1893622" y="2444349"/>
-            <a:ext cx="7914408" cy="3046988"/>
+            <a:ext cx="8766662" cy="2677656"/>
           </a:xfrm>
           <a:prstGeom prst="rect">
             <a:avLst/>
@@ -5061,17 +5069,7 @@
                 <a:ea typeface="Monaco" charset="0"/>
                 <a:cs typeface="Monaco" charset="0"/>
               </a:rPr>
-              <a:t>    if p is None: return</a:t>
-            </a:r>
-          </a:p>
-          <a:p>
-            <a:r>
-              <a:rPr lang="en-US" sz="2400" dirty="0">
-                <a:latin typeface="Monaco" charset="0"/>
-                <a:ea typeface="Monaco" charset="0"/>
-                <a:cs typeface="Monaco" charset="0"/>
-              </a:rPr>
-              <a:t>    if p in seen: return</a:t>
+              <a:t>    if p is None or p in seen: return</a:t>
             </a:r>
           </a:p>
           <a:p>
@@ -5097,7 +5095,7 @@
                 <a:ea typeface="Monaco" charset="0"/>
                 <a:cs typeface="Monaco" charset="0"/>
               </a:rPr>
-              <a:t>(p)</a:t>
+              <a:t>(p) # must be before recursion step</a:t>
             </a:r>
           </a:p>
           <a:p>
@@ -5257,7 +5255,7 @@
           <a:p>
             <a:r>
               <a:rPr lang="en-US" dirty="0"/>
-              <a:t>Algorithms tend to be restricted or even repeated walks</a:t>
+              <a:t>Algorithms tend to be restricted or repeated walks</a:t>
             </a:r>
           </a:p>
           <a:p>
@@ -5283,8 +5281,13 @@
           <a:p>
             <a:r>
               <a:rPr lang="en-US" dirty="0"/>
-              <a:t>Use recursion to walk trees and graphs</a:t>
-            </a:r>
+              <a:t>Use recursion to walk trees and graphs (can be slow </a:t>
+            </a:r>
+            <a:r>
+              <a:rPr lang="en-US"/>
+              <a:t>in python)</a:t>
+            </a:r>
+            <a:endParaRPr lang="en-US" dirty="0"/>
           </a:p>
         </p:txBody>
       </p:sp>

--- a/notes/walking-structures.pptx
+++ b/notes/walking-structures.pptx
@@ -218,7 +218,7 @@
           <a:p>
             <a:fld id="{8A1B613A-EFF1-404F-BEE8-EFAE84A4E5E2}" type="datetimeFigureOut">
               <a:rPr lang="en-US" smtClean="0"/>
-              <a:t>2/13/20</a:t>
+              <a:t>4/13/21</a:t>
             </a:fld>
             <a:endParaRPr lang="en-US"/>
           </a:p>
@@ -383,7 +383,7 @@
           <a:p>
             <a:fld id="{690847EA-AC25-3D4E-89E1-FD3F6A9702B6}" type="datetimeFigureOut">
               <a:rPr lang="en-US" smtClean="0"/>
-              <a:t>2/13/20</a:t>
+              <a:t>4/13/21</a:t>
             </a:fld>
             <a:endParaRPr lang="en-US"/>
           </a:p>
@@ -797,7 +797,7 @@
           <a:p>
             <a:fld id="{BE5295ED-3BAF-1140-8495-3D368771D6B1}" type="datetimeFigureOut">
               <a:rPr lang="en-US" smtClean="0"/>
-              <a:t>2/13/20</a:t>
+              <a:t>4/13/21</a:t>
             </a:fld>
             <a:endParaRPr lang="en-US"/>
           </a:p>
@@ -995,7 +995,7 @@
           <a:p>
             <a:fld id="{BE5295ED-3BAF-1140-8495-3D368771D6B1}" type="datetimeFigureOut">
               <a:rPr lang="en-US" smtClean="0"/>
-              <a:t>2/13/20</a:t>
+              <a:t>4/13/21</a:t>
             </a:fld>
             <a:endParaRPr lang="en-US"/>
           </a:p>
@@ -1203,7 +1203,7 @@
           <a:p>
             <a:fld id="{BE5295ED-3BAF-1140-8495-3D368771D6B1}" type="datetimeFigureOut">
               <a:rPr lang="en-US" smtClean="0"/>
-              <a:t>2/13/20</a:t>
+              <a:t>4/13/21</a:t>
             </a:fld>
             <a:endParaRPr lang="en-US"/>
           </a:p>
@@ -1401,7 +1401,7 @@
           <a:p>
             <a:fld id="{BE5295ED-3BAF-1140-8495-3D368771D6B1}" type="datetimeFigureOut">
               <a:rPr lang="en-US" smtClean="0"/>
-              <a:t>2/13/20</a:t>
+              <a:t>4/13/21</a:t>
             </a:fld>
             <a:endParaRPr lang="en-US"/>
           </a:p>
@@ -1676,7 +1676,7 @@
           <a:p>
             <a:fld id="{BE5295ED-3BAF-1140-8495-3D368771D6B1}" type="datetimeFigureOut">
               <a:rPr lang="en-US" smtClean="0"/>
-              <a:t>2/13/20</a:t>
+              <a:t>4/13/21</a:t>
             </a:fld>
             <a:endParaRPr lang="en-US"/>
           </a:p>
@@ -1941,7 +1941,7 @@
           <a:p>
             <a:fld id="{BE5295ED-3BAF-1140-8495-3D368771D6B1}" type="datetimeFigureOut">
               <a:rPr lang="en-US" smtClean="0"/>
-              <a:t>2/13/20</a:t>
+              <a:t>4/13/21</a:t>
             </a:fld>
             <a:endParaRPr lang="en-US"/>
           </a:p>
@@ -2353,7 +2353,7 @@
           <a:p>
             <a:fld id="{BE5295ED-3BAF-1140-8495-3D368771D6B1}" type="datetimeFigureOut">
               <a:rPr lang="en-US" smtClean="0"/>
-              <a:t>2/13/20</a:t>
+              <a:t>4/13/21</a:t>
             </a:fld>
             <a:endParaRPr lang="en-US"/>
           </a:p>
@@ -2494,7 +2494,7 @@
           <a:p>
             <a:fld id="{BE5295ED-3BAF-1140-8495-3D368771D6B1}" type="datetimeFigureOut">
               <a:rPr lang="en-US" smtClean="0"/>
-              <a:t>2/13/20</a:t>
+              <a:t>4/13/21</a:t>
             </a:fld>
             <a:endParaRPr lang="en-US"/>
           </a:p>
@@ -2607,7 +2607,7 @@
           <a:p>
             <a:fld id="{BE5295ED-3BAF-1140-8495-3D368771D6B1}" type="datetimeFigureOut">
               <a:rPr lang="en-US" smtClean="0"/>
-              <a:t>2/13/20</a:t>
+              <a:t>4/13/21</a:t>
             </a:fld>
             <a:endParaRPr lang="en-US"/>
           </a:p>
@@ -2918,7 +2918,7 @@
           <a:p>
             <a:fld id="{BE5295ED-3BAF-1140-8495-3D368771D6B1}" type="datetimeFigureOut">
               <a:rPr lang="en-US" smtClean="0"/>
-              <a:t>2/13/20</a:t>
+              <a:t>4/13/21</a:t>
             </a:fld>
             <a:endParaRPr lang="en-US"/>
           </a:p>
@@ -3206,7 +3206,7 @@
           <a:p>
             <a:fld id="{BE5295ED-3BAF-1140-8495-3D368771D6B1}" type="datetimeFigureOut">
               <a:rPr lang="en-US" smtClean="0"/>
-              <a:t>2/13/20</a:t>
+              <a:t>4/13/21</a:t>
             </a:fld>
             <a:endParaRPr lang="en-US"/>
           </a:p>
@@ -3447,7 +3447,7 @@
           <a:p>
             <a:fld id="{BE5295ED-3BAF-1140-8495-3D368771D6B1}" type="datetimeFigureOut">
               <a:rPr lang="en-US" smtClean="0"/>
-              <a:t>2/13/20</a:t>
+              <a:t>4/13/21</a:t>
             </a:fld>
             <a:endParaRPr lang="en-US"/>
           </a:p>
@@ -4146,28 +4146,10 @@
           <a:lstStyle/>
           <a:p>
             <a:r>
-              <a:rPr lang="en-US" dirty="0"/>
-              <a:t>https://</a:t>
-            </a:r>
-            <a:r>
-              <a:rPr lang="en-US" dirty="0" err="1"/>
-              <a:t>github.com</a:t>
-            </a:r>
-            <a:r>
-              <a:rPr lang="en-US" dirty="0"/>
-              <a:t>/</a:t>
-            </a:r>
-            <a:r>
-              <a:rPr lang="en-US" dirty="0" err="1"/>
-              <a:t>parrt</a:t>
-            </a:r>
-            <a:r>
-              <a:rPr lang="en-US" dirty="0"/>
-              <a:t>/msds689/blob/master/notes/</a:t>
-            </a:r>
-            <a:r>
-              <a:rPr lang="en-US" dirty="0" err="1"/>
-              <a:t>walking.ipynb</a:t>
+              <a:rPr lang="en-US" dirty="0">
+                <a:hlinkClick r:id="rId2"/>
+              </a:rPr>
+              <a:t>https://github.com/parrt/msds689/blob/master/notes/walking.ipynb</a:t>
             </a:r>
             <a:endParaRPr lang="en-US" dirty="0"/>
           </a:p>
@@ -4726,6 +4708,14 @@
               </a:rPr>
               <a:t>p.value</a:t>
             </a:r>
+            <a:r>
+              <a:rPr lang="en-US" sz="2400" dirty="0">
+                <a:latin typeface="Monaco" charset="0"/>
+                <a:ea typeface="Monaco" charset="0"/>
+                <a:cs typeface="Monaco" charset="0"/>
+              </a:rPr>
+              <a:t>)</a:t>
+            </a:r>
             <a:endParaRPr lang="en-US" sz="2400" dirty="0">
               <a:solidFill>
                 <a:srgbClr val="00B0F0"/>
@@ -4975,11 +4965,23 @@
           <a:p>
             <a:r>
               <a:rPr lang="en-US" dirty="0"/>
-              <a:t>(walk_graph2() should take </a:t>
+              <a:t>(</a:t>
+            </a:r>
+            <a:r>
+              <a:rPr lang="en-US" dirty="0">
+                <a:latin typeface="Monaco" charset="0"/>
+                <a:ea typeface="Monaco" charset="0"/>
+                <a:cs typeface="Monaco" charset="0"/>
+              </a:rPr>
+              <a:t>walk_graph2</a:t>
+            </a:r>
+            <a:r>
+              <a:rPr lang="en-US" dirty="0"/>
+              <a:t>() should take </a:t>
             </a:r>
             <a:r>
               <a:rPr lang="en-US" b="1" dirty="0"/>
-              <a:t>seen</a:t>
+              <a:t>visited</a:t>
             </a:r>
             <a:r>
               <a:rPr lang="en-US" dirty="0"/>
@@ -5033,7 +5035,7 @@
                 <a:ea typeface="Monaco" charset="0"/>
                 <a:cs typeface="Monaco" charset="0"/>
               </a:rPr>
-              <a:t>seen=set() # naughty but simple</a:t>
+              <a:t>visited=set() # naughty but simple</a:t>
             </a:r>
           </a:p>
           <a:p>
@@ -5069,7 +5071,7 @@
                 <a:ea typeface="Monaco" charset="0"/>
                 <a:cs typeface="Monaco" charset="0"/>
               </a:rPr>
-              <a:t>    if p is None or p in seen: return</a:t>
+              <a:t>    if p is None or p in visited: return</a:t>
             </a:r>
           </a:p>
           <a:p>
@@ -5159,6 +5161,162 @@
               </a:rPr>
               <a:t>        walk_graph2(q)</a:t>
             </a:r>
+          </a:p>
+        </p:txBody>
+      </p:sp>
+      <p:sp>
+        <p:nvSpPr>
+          <p:cNvPr id="6" name="Rectangle 5">
+            <a:extLst>
+              <a:ext uri="{FF2B5EF4-FFF2-40B4-BE49-F238E27FC236}">
+                <a16:creationId xmlns:a16="http://schemas.microsoft.com/office/drawing/2014/main" id="{D4A15D34-7857-524C-AA68-0F6358377D21}"/>
+              </a:ext>
+            </a:extLst>
+          </p:cNvPr>
+          <p:cNvSpPr/>
+          <p:nvPr/>
+        </p:nvSpPr>
+        <p:spPr>
+          <a:xfrm>
+            <a:off x="2693751" y="3606929"/>
+            <a:ext cx="2047214" cy="352495"/>
+          </a:xfrm>
+          <a:prstGeom prst="rect">
+            <a:avLst/>
+          </a:prstGeom>
+          <a:noFill/>
+          <a:ln>
+            <a:solidFill>
+              <a:srgbClr val="E4754F"/>
+            </a:solidFill>
+          </a:ln>
+        </p:spPr>
+        <p:style>
+          <a:lnRef idx="2">
+            <a:schemeClr val="accent1">
+              <a:shade val="50000"/>
+            </a:schemeClr>
+          </a:lnRef>
+          <a:fillRef idx="1">
+            <a:schemeClr val="accent1"/>
+          </a:fillRef>
+          <a:effectRef idx="0">
+            <a:schemeClr val="accent1"/>
+          </a:effectRef>
+          <a:fontRef idx="minor">
+            <a:schemeClr val="lt1"/>
+          </a:fontRef>
+        </p:style>
+        <p:txBody>
+          <a:bodyPr rtlCol="0" anchor="ctr"/>
+          <a:lstStyle/>
+          <a:p>
+            <a:pPr algn="ctr"/>
+            <a:endParaRPr lang="en-US"/>
+          </a:p>
+        </p:txBody>
+      </p:sp>
+      <p:sp>
+        <p:nvSpPr>
+          <p:cNvPr id="7" name="Rectangle 6">
+            <a:extLst>
+              <a:ext uri="{FF2B5EF4-FFF2-40B4-BE49-F238E27FC236}">
+                <a16:creationId xmlns:a16="http://schemas.microsoft.com/office/drawing/2014/main" id="{647E72AA-3827-B340-9364-423FF146D752}"/>
+              </a:ext>
+            </a:extLst>
+          </p:cNvPr>
+          <p:cNvSpPr/>
+          <p:nvPr/>
+        </p:nvSpPr>
+        <p:spPr>
+          <a:xfrm>
+            <a:off x="5049077" y="3248095"/>
+            <a:ext cx="2822713" cy="352495"/>
+          </a:xfrm>
+          <a:prstGeom prst="rect">
+            <a:avLst/>
+          </a:prstGeom>
+          <a:noFill/>
+          <a:ln>
+            <a:solidFill>
+              <a:srgbClr val="E4754F"/>
+            </a:solidFill>
+          </a:ln>
+        </p:spPr>
+        <p:style>
+          <a:lnRef idx="2">
+            <a:schemeClr val="accent1">
+              <a:shade val="50000"/>
+            </a:schemeClr>
+          </a:lnRef>
+          <a:fillRef idx="1">
+            <a:schemeClr val="accent1"/>
+          </a:fillRef>
+          <a:effectRef idx="0">
+            <a:schemeClr val="accent1"/>
+          </a:effectRef>
+          <a:fontRef idx="minor">
+            <a:schemeClr val="lt1"/>
+          </a:fontRef>
+        </p:style>
+        <p:txBody>
+          <a:bodyPr rtlCol="0" anchor="ctr"/>
+          <a:lstStyle/>
+          <a:p>
+            <a:pPr algn="ctr"/>
+            <a:endParaRPr lang="en-US"/>
+          </a:p>
+        </p:txBody>
+      </p:sp>
+      <p:sp>
+        <p:nvSpPr>
+          <p:cNvPr id="8" name="Rectangle 7">
+            <a:extLst>
+              <a:ext uri="{FF2B5EF4-FFF2-40B4-BE49-F238E27FC236}">
+                <a16:creationId xmlns:a16="http://schemas.microsoft.com/office/drawing/2014/main" id="{298C422D-6E64-3F44-B930-2149D1E8FE67}"/>
+              </a:ext>
+            </a:extLst>
+          </p:cNvPr>
+          <p:cNvSpPr/>
+          <p:nvPr/>
+        </p:nvSpPr>
+        <p:spPr>
+          <a:xfrm>
+            <a:off x="1971507" y="2496897"/>
+            <a:ext cx="2411649" cy="352495"/>
+          </a:xfrm>
+          <a:prstGeom prst="rect">
+            <a:avLst/>
+          </a:prstGeom>
+          <a:noFill/>
+          <a:ln>
+            <a:solidFill>
+              <a:srgbClr val="E4754F"/>
+            </a:solidFill>
+          </a:ln>
+        </p:spPr>
+        <p:style>
+          <a:lnRef idx="2">
+            <a:schemeClr val="accent1">
+              <a:shade val="50000"/>
+            </a:schemeClr>
+          </a:lnRef>
+          <a:fillRef idx="1">
+            <a:schemeClr val="accent1"/>
+          </a:fillRef>
+          <a:effectRef idx="0">
+            <a:schemeClr val="accent1"/>
+          </a:effectRef>
+          <a:fontRef idx="minor">
+            <a:schemeClr val="lt1"/>
+          </a:fontRef>
+        </p:style>
+        <p:txBody>
+          <a:bodyPr rtlCol="0" anchor="ctr"/>
+          <a:lstStyle/>
+          <a:p>
+            <a:pPr algn="ctr"/>
+            <a:endParaRPr lang="en-US"/>
           </a:p>
         </p:txBody>
       </p:sp>
@@ -5395,7 +5553,7 @@
           <a:p>
             <a:r>
               <a:rPr lang="en-US" dirty="0"/>
-              <a:t>With dynamic programming (caching), algorithms can avoid often avoid repeated, redundant computations to dramatically improve complexity</a:t>
+              <a:t>With dynamic programming (caching), algorithms can often avoid repeated, redundant computations to dramatically improve complexity</a:t>
             </a:r>
           </a:p>
         </p:txBody>
@@ -5542,7 +5700,7 @@
           <a:p>
             <a:r>
               <a:rPr lang="en-US" dirty="0"/>
-              <a:t>But, often we hope to access fewer items; e.g., binary search bounces around depending on item values (more on this later)</a:t>
+              <a:t>But, often we hope to access fewer items; e.g., binary search bounces around depending on item values</a:t>
             </a:r>
           </a:p>
           <a:p>
@@ -6431,13 +6589,29 @@
           <a:p>
             <a:r>
               <a:rPr lang="en-US" dirty="0"/>
-              <a:t>The visitation order (discover, finish nodes) always same</a:t>
-            </a:r>
-          </a:p>
-          <a:p>
+              <a:t>The </a:t>
+            </a:r>
+            <a:r>
+              <a:rPr lang="en-US" i="1" dirty="0"/>
+              <a:t>visitation</a:t>
+            </a:r>
             <a:r>
               <a:rPr lang="en-US" dirty="0"/>
-              <a:t>Traversal (pre-, in-, post-) order depends on action location</a:t>
+              <a:t> order (discover, finish nodes) always same</a:t>
+            </a:r>
+          </a:p>
+          <a:p>
+            <a:r>
+              <a:rPr lang="en-US" i="1" dirty="0">
+                <a:solidFill>
+                  <a:srgbClr val="00B0F0"/>
+                </a:solidFill>
+              </a:rPr>
+              <a:t>Traversal</a:t>
+            </a:r>
+            <a:r>
+              <a:rPr lang="en-US" dirty="0"/>
+              <a:t> (pre-, in-, post-) order depends on action location</a:t>
             </a:r>
           </a:p>
         </p:txBody>
@@ -6886,8 +7060,8 @@
         </p:blipFill>
         <p:spPr>
           <a:xfrm>
-            <a:off x="9560670" y="25300"/>
-            <a:ext cx="2590800" cy="2438400"/>
+            <a:off x="9819860" y="25300"/>
+            <a:ext cx="2331609" cy="2194456"/>
           </a:xfrm>
           <a:prstGeom prst="rect">
             <a:avLst/>
@@ -7213,7 +7387,14 @@
           <a:p>
             <a:r>
               <a:rPr lang="en-US" dirty="0"/>
-              <a:t>Recursion tree vs binary tree</a:t>
+              <a:t>Recursion tree vs</a:t>
+            </a:r>
+            <a:br>
+              <a:rPr lang="en-US" dirty="0"/>
+            </a:br>
+            <a:r>
+              <a:rPr lang="en-US" dirty="0"/>
+              <a:t>binary tree</a:t>
             </a:r>
           </a:p>
         </p:txBody>
@@ -7504,8 +7685,8 @@
         </p:nvSpPr>
         <p:spPr>
           <a:xfrm>
-            <a:off x="1540793" y="5715298"/>
-            <a:ext cx="4181786" cy="461665"/>
+            <a:off x="7119648" y="5861471"/>
+            <a:ext cx="3479671" cy="461665"/>
           </a:xfrm>
           <a:prstGeom prst="rect">
             <a:avLst/>
@@ -7520,15 +7701,7 @@
           <a:p>
             <a:r>
               <a:rPr lang="en-US" sz="2400" dirty="0"/>
-              <a:t>What is T(n) for </a:t>
-            </a:r>
-            <a:r>
-              <a:rPr lang="en-US" sz="2400" dirty="0" err="1"/>
-              <a:t>search_tree</a:t>
-            </a:r>
-            <a:r>
-              <a:rPr lang="en-US" sz="2400" dirty="0"/>
-              <a:t>?</a:t>
+              <a:t>What is T(n) for search?</a:t>
             </a:r>
           </a:p>
         </p:txBody>
@@ -7978,7 +8151,7 @@
         </p:nvCxnSpPr>
         <p:spPr>
           <a:xfrm>
-            <a:off x="3446834" y="4525972"/>
+            <a:off x="3417017" y="4466338"/>
             <a:ext cx="3070698" cy="743548"/>
           </a:xfrm>
           <a:prstGeom prst="straightConnector1">
@@ -8122,7 +8295,7 @@
         <p:spPr>
           <a:xfrm>
             <a:off x="370390" y="2877675"/>
-            <a:ext cx="2239716" cy="430887"/>
+            <a:ext cx="2207656" cy="430887"/>
           </a:xfrm>
           <a:prstGeom prst="rect">
             <a:avLst/>
@@ -8137,7 +8310,42 @@
           <a:p>
             <a:r>
               <a:rPr lang="en-US" sz="2200" dirty="0"/>
-              <a:t>Exhaustive work</a:t>
+              <a:t>Exhaustive walk</a:t>
+            </a:r>
+          </a:p>
+        </p:txBody>
+      </p:sp>
+      <p:sp>
+        <p:nvSpPr>
+          <p:cNvPr id="14" name="TextBox 13">
+            <a:extLst>
+              <a:ext uri="{FF2B5EF4-FFF2-40B4-BE49-F238E27FC236}">
+                <a16:creationId xmlns:a16="http://schemas.microsoft.com/office/drawing/2014/main" id="{90738762-5F3C-6242-84CE-C467761985BE}"/>
+              </a:ext>
+            </a:extLst>
+          </p:cNvPr>
+          <p:cNvSpPr txBox="1"/>
+          <p:nvPr/>
+        </p:nvSpPr>
+        <p:spPr>
+          <a:xfrm>
+            <a:off x="5790529" y="2893888"/>
+            <a:ext cx="3433953" cy="430887"/>
+          </a:xfrm>
+          <a:prstGeom prst="rect">
+            <a:avLst/>
+          </a:prstGeom>
+          <a:noFill/>
+        </p:spPr>
+        <p:txBody>
+          <a:bodyPr wrap="none" rtlCol="0">
+            <a:spAutoFit/>
+          </a:bodyPr>
+          <a:lstStyle/>
+          <a:p>
+            <a:r>
+              <a:rPr lang="en-US" sz="2200" dirty="0"/>
+              <a:t>Restricted walk for search</a:t>
             </a:r>
           </a:p>
         </p:txBody>
@@ -8720,6 +8928,58 @@
               <a:rPr lang="en-US" sz="2400" dirty="0"/>
               <a:t>T(n) = k + T(n/2)</a:t>
             </a:r>
+          </a:p>
+        </p:txBody>
+      </p:sp>
+      <p:sp>
+        <p:nvSpPr>
+          <p:cNvPr id="8" name="Rectangle 7">
+            <a:extLst>
+              <a:ext uri="{FF2B5EF4-FFF2-40B4-BE49-F238E27FC236}">
+                <a16:creationId xmlns:a16="http://schemas.microsoft.com/office/drawing/2014/main" id="{B59668B9-60E0-2A44-B164-46C4B2370F0D}"/>
+              </a:ext>
+            </a:extLst>
+          </p:cNvPr>
+          <p:cNvSpPr/>
+          <p:nvPr/>
+        </p:nvSpPr>
+        <p:spPr>
+          <a:xfrm>
+            <a:off x="3075791" y="5782956"/>
+            <a:ext cx="233940" cy="326347"/>
+          </a:xfrm>
+          <a:prstGeom prst="rect">
+            <a:avLst/>
+          </a:prstGeom>
+          <a:noFill/>
+          <a:ln>
+            <a:solidFill>
+              <a:srgbClr val="E4754F"/>
+            </a:solidFill>
+          </a:ln>
+        </p:spPr>
+        <p:style>
+          <a:lnRef idx="2">
+            <a:schemeClr val="accent1">
+              <a:shade val="50000"/>
+            </a:schemeClr>
+          </a:lnRef>
+          <a:fillRef idx="1">
+            <a:schemeClr val="accent1"/>
+          </a:fillRef>
+          <a:effectRef idx="0">
+            <a:schemeClr val="accent1"/>
+          </a:effectRef>
+          <a:fontRef idx="minor">
+            <a:schemeClr val="lt1"/>
+          </a:fontRef>
+        </p:style>
+        <p:txBody>
+          <a:bodyPr rtlCol="0" anchor="ctr"/>
+          <a:lstStyle/>
+          <a:p>
+            <a:pPr algn="ctr"/>
+            <a:endParaRPr lang="en-US"/>
           </a:p>
         </p:txBody>
       </p:sp>

--- a/notes/walking-structures.pptx
+++ b/notes/walking-structures.pptx
@@ -4105,15 +4105,15 @@
           <a:p>
             <a:r>
               <a:rPr lang="en-US" dirty="0"/>
-              <a:t>(You need ”pip install </a:t>
-            </a:r>
-            <a:r>
-              <a:rPr lang="en-US" dirty="0" err="1"/>
+              <a:t>(You need install </a:t>
+            </a:r>
+            <a:r>
+              <a:rPr lang="en-US" b="1" dirty="0" err="1"/>
               <a:t>lolviz</a:t>
             </a:r>
             <a:r>
               <a:rPr lang="en-US" dirty="0"/>
-              <a:t>” to visualize.)</a:t>
+              <a:t> package to visualize.)</a:t>
             </a:r>
           </a:p>
         </p:txBody>
@@ -4846,6 +4846,88 @@
           </a:p>
         </p:txBody>
       </p:sp>
+      <p:cxnSp>
+        <p:nvCxnSpPr>
+          <p:cNvPr id="8" name="Straight Arrow Connector 7">
+            <a:extLst>
+              <a:ext uri="{FF2B5EF4-FFF2-40B4-BE49-F238E27FC236}">
+                <a16:creationId xmlns:a16="http://schemas.microsoft.com/office/drawing/2014/main" id="{EDDF3BD8-F346-C34A-8B79-26DA6DD529A5}"/>
+              </a:ext>
+            </a:extLst>
+          </p:cNvPr>
+          <p:cNvCxnSpPr>
+            <a:cxnSpLocks/>
+          </p:cNvCxnSpPr>
+          <p:nvPr/>
+        </p:nvCxnSpPr>
+        <p:spPr>
+          <a:xfrm flipV="1">
+            <a:off x="4770783" y="2882174"/>
+            <a:ext cx="2504660" cy="357983"/>
+          </a:xfrm>
+          <a:prstGeom prst="straightConnector1">
+            <a:avLst/>
+          </a:prstGeom>
+          <a:ln>
+            <a:tailEnd type="triangle"/>
+          </a:ln>
+        </p:spPr>
+        <p:style>
+          <a:lnRef idx="1">
+            <a:schemeClr val="accent1"/>
+          </a:lnRef>
+          <a:fillRef idx="0">
+            <a:schemeClr val="accent1"/>
+          </a:fillRef>
+          <a:effectRef idx="0">
+            <a:schemeClr val="accent1"/>
+          </a:effectRef>
+          <a:fontRef idx="minor">
+            <a:schemeClr val="tx1"/>
+          </a:fontRef>
+        </p:style>
+      </p:cxnSp>
+      <p:cxnSp>
+        <p:nvCxnSpPr>
+          <p:cNvPr id="9" name="Straight Arrow Connector 8">
+            <a:extLst>
+              <a:ext uri="{FF2B5EF4-FFF2-40B4-BE49-F238E27FC236}">
+                <a16:creationId xmlns:a16="http://schemas.microsoft.com/office/drawing/2014/main" id="{689B66DF-4FD3-EB4F-869B-BB506C8FDE05}"/>
+              </a:ext>
+            </a:extLst>
+          </p:cNvPr>
+          <p:cNvCxnSpPr>
+            <a:cxnSpLocks/>
+          </p:cNvCxnSpPr>
+          <p:nvPr/>
+        </p:nvCxnSpPr>
+        <p:spPr>
+          <a:xfrm>
+            <a:off x="4769605" y="3240157"/>
+            <a:ext cx="2495899" cy="0"/>
+          </a:xfrm>
+          <a:prstGeom prst="straightConnector1">
+            <a:avLst/>
+          </a:prstGeom>
+          <a:ln>
+            <a:tailEnd type="triangle"/>
+          </a:ln>
+        </p:spPr>
+        <p:style>
+          <a:lnRef idx="1">
+            <a:schemeClr val="accent1"/>
+          </a:lnRef>
+          <a:fillRef idx="0">
+            <a:schemeClr val="accent1"/>
+          </a:fillRef>
+          <a:effectRef idx="0">
+            <a:schemeClr val="accent1"/>
+          </a:effectRef>
+          <a:fontRef idx="minor">
+            <a:schemeClr val="tx1"/>
+          </a:fontRef>
+        </p:style>
+      </p:cxnSp>
     </p:spTree>
     <p:extLst>
       <p:ext uri="{BB962C8B-B14F-4D97-AF65-F5344CB8AC3E}">
@@ -5011,7 +5093,7 @@
         <p:spPr>
           <a:xfrm>
             <a:off x="1893622" y="2444349"/>
-            <a:ext cx="8766662" cy="2677656"/>
+            <a:ext cx="9460178" cy="2677656"/>
           </a:xfrm>
           <a:prstGeom prst="rect">
             <a:avLst/>
@@ -5089,7 +5171,7 @@
                 <a:ea typeface="Monaco" charset="0"/>
                 <a:cs typeface="Monaco" charset="0"/>
               </a:rPr>
-              <a:t>seen.add</a:t>
+              <a:t>visited.add</a:t>
             </a:r>
             <a:r>
               <a:rPr lang="en-US" sz="2400" dirty="0">
@@ -5179,7 +5261,7 @@
         <p:spPr>
           <a:xfrm>
             <a:off x="2693751" y="3606929"/>
-            <a:ext cx="2047214" cy="352495"/>
+            <a:ext cx="2593866" cy="352495"/>
           </a:xfrm>
           <a:prstGeom prst="rect">
             <a:avLst/>
@@ -5230,7 +5312,7 @@
         </p:nvSpPr>
         <p:spPr>
           <a:xfrm>
-            <a:off x="5049077" y="3248095"/>
+            <a:off x="5049077" y="3228217"/>
             <a:ext cx="2822713" cy="352495"/>
           </a:xfrm>
           <a:prstGeom prst="rect">
@@ -6550,12 +6632,14 @@
         </p:nvSpPr>
         <p:spPr/>
         <p:txBody>
-          <a:bodyPr/>
-          <a:lstStyle/>
-          <a:p>
-            <a:r>
-              <a:rPr lang="en-US" dirty="0"/>
-              <a:t>Recursive tree walk is most natural</a:t>
+          <a:bodyPr>
+            <a:normAutofit/>
+          </a:bodyPr>
+          <a:lstStyle/>
+          <a:p>
+            <a:r>
+              <a:rPr lang="en-US" sz="4000" dirty="0"/>
+              <a:t>Trees: Recursive walk is most natural</a:t>
             </a:r>
           </a:p>
         </p:txBody>
@@ -7685,8 +7769,8 @@
         </p:nvSpPr>
         <p:spPr>
           <a:xfrm>
-            <a:off x="7119648" y="5861471"/>
-            <a:ext cx="3479671" cy="461665"/>
+            <a:off x="6930805" y="5293958"/>
+            <a:ext cx="4008661" cy="461665"/>
           </a:xfrm>
           <a:prstGeom prst="rect">
             <a:avLst/>
@@ -7700,8 +7784,12 @@
           <a:lstStyle/>
           <a:p>
             <a:r>
+              <a:rPr lang="en-US" sz="2400" b="1" dirty="0"/>
+              <a:t>Ex:</a:t>
+            </a:r>
+            <a:r>
               <a:rPr lang="en-US" sz="2400" dirty="0"/>
-              <a:t>What is T(n) for search?</a:t>
+              <a:t> What is T(n) for search?</a:t>
             </a:r>
           </a:p>
         </p:txBody>
@@ -7720,7 +7808,7 @@
         </p:nvSpPr>
         <p:spPr>
           <a:xfrm>
-            <a:off x="5889016" y="3285230"/>
+            <a:off x="5889016" y="2440403"/>
             <a:ext cx="5832772" cy="2462213"/>
           </a:xfrm>
           <a:prstGeom prst="rect">
@@ -7904,7 +7992,7 @@
         </p:nvSpPr>
         <p:spPr>
           <a:xfrm>
-            <a:off x="470212" y="3285230"/>
+            <a:off x="470212" y="2440403"/>
             <a:ext cx="4789559" cy="1446550"/>
           </a:xfrm>
           <a:prstGeom prst="rect">
@@ -8028,7 +8116,7 @@
         </p:nvCxnSpPr>
         <p:spPr>
           <a:xfrm>
-            <a:off x="4679004" y="3822970"/>
+            <a:off x="4679004" y="2978143"/>
             <a:ext cx="1838528" cy="0"/>
           </a:xfrm>
           <a:prstGeom prst="straightConnector1">
@@ -8069,7 +8157,7 @@
         </p:nvCxnSpPr>
         <p:spPr>
           <a:xfrm>
-            <a:off x="4679004" y="3822970"/>
+            <a:off x="4679004" y="2978143"/>
             <a:ext cx="1838528" cy="365243"/>
           </a:xfrm>
           <a:prstGeom prst="straightConnector1">
@@ -8110,7 +8198,7 @@
         </p:nvCxnSpPr>
         <p:spPr>
           <a:xfrm>
-            <a:off x="3284706" y="4204426"/>
+            <a:off x="3284706" y="3359599"/>
             <a:ext cx="3232826" cy="311910"/>
           </a:xfrm>
           <a:prstGeom prst="straightConnector1">
@@ -8151,7 +8239,7 @@
         </p:nvCxnSpPr>
         <p:spPr>
           <a:xfrm>
-            <a:off x="3417017" y="4466338"/>
+            <a:off x="3417017" y="3621511"/>
             <a:ext cx="3070698" cy="743548"/>
           </a:xfrm>
           <a:prstGeom prst="straightConnector1">
@@ -8190,7 +8278,7 @@
         </p:nvSpPr>
         <p:spPr>
           <a:xfrm>
-            <a:off x="6619708" y="4686433"/>
+            <a:off x="6619708" y="3841606"/>
             <a:ext cx="4479552" cy="352495"/>
           </a:xfrm>
           <a:prstGeom prst="rect">
@@ -8242,7 +8330,7 @@
         </p:nvSpPr>
         <p:spPr>
           <a:xfrm>
-            <a:off x="6625373" y="5383789"/>
+            <a:off x="6625373" y="4538962"/>
             <a:ext cx="1438857" cy="326347"/>
           </a:xfrm>
           <a:prstGeom prst="rect">
@@ -8294,7 +8382,7 @@
         </p:nvSpPr>
         <p:spPr>
           <a:xfrm>
-            <a:off x="370390" y="2877675"/>
+            <a:off x="370390" y="2032848"/>
             <a:ext cx="2207656" cy="430887"/>
           </a:xfrm>
           <a:prstGeom prst="rect">
@@ -8329,7 +8417,7 @@
         </p:nvSpPr>
         <p:spPr>
           <a:xfrm>
-            <a:off x="5790529" y="2893888"/>
+            <a:off x="5790529" y="2049061"/>
             <a:ext cx="3433953" cy="430887"/>
           </a:xfrm>
           <a:prstGeom prst="rect">
@@ -8360,6 +8448,304 @@
   <p:clrMapOvr>
     <a:masterClrMapping/>
   </p:clrMapOvr>
+  <p:timing>
+    <p:tnLst>
+      <p:par>
+        <p:cTn id="1" dur="indefinite" restart="never" nodeType="tmRoot">
+          <p:childTnLst>
+            <p:seq concurrent="1" nextAc="seek">
+              <p:cTn id="2" dur="indefinite" nodeType="mainSeq">
+                <p:childTnLst>
+                  <p:par>
+                    <p:cTn id="3" fill="hold">
+                      <p:stCondLst>
+                        <p:cond delay="indefinite"/>
+                      </p:stCondLst>
+                      <p:childTnLst>
+                        <p:par>
+                          <p:cTn id="4" fill="hold">
+                            <p:stCondLst>
+                              <p:cond delay="0"/>
+                            </p:stCondLst>
+                            <p:childTnLst>
+                              <p:par>
+                                <p:cTn id="5" presetID="1" presetClass="entr" presetSubtype="0" fill="hold" grpId="0" nodeType="clickEffect">
+                                  <p:stCondLst>
+                                    <p:cond delay="0"/>
+                                  </p:stCondLst>
+                                  <p:childTnLst>
+                                    <p:set>
+                                      <p:cBhvr>
+                                        <p:cTn id="6" dur="1" fill="hold">
+                                          <p:stCondLst>
+                                            <p:cond delay="0"/>
+                                          </p:stCondLst>
+                                        </p:cTn>
+                                        <p:tgtEl>
+                                          <p:spTgt spid="5"/>
+                                        </p:tgtEl>
+                                        <p:attrNameLst>
+                                          <p:attrName>style.visibility</p:attrName>
+                                        </p:attrNameLst>
+                                      </p:cBhvr>
+                                      <p:to>
+                                        <p:strVal val="visible"/>
+                                      </p:to>
+                                    </p:set>
+                                  </p:childTnLst>
+                                </p:cTn>
+                              </p:par>
+                              <p:par>
+                                <p:cTn id="7" presetID="1" presetClass="entr" presetSubtype="0" fill="hold" grpId="0" nodeType="withEffect">
+                                  <p:stCondLst>
+                                    <p:cond delay="0"/>
+                                  </p:stCondLst>
+                                  <p:childTnLst>
+                                    <p:set>
+                                      <p:cBhvr>
+                                        <p:cTn id="8" dur="1" fill="hold">
+                                          <p:stCondLst>
+                                            <p:cond delay="0"/>
+                                          </p:stCondLst>
+                                        </p:cTn>
+                                        <p:tgtEl>
+                                          <p:spTgt spid="6"/>
+                                        </p:tgtEl>
+                                        <p:attrNameLst>
+                                          <p:attrName>style.visibility</p:attrName>
+                                        </p:attrNameLst>
+                                      </p:cBhvr>
+                                      <p:to>
+                                        <p:strVal val="visible"/>
+                                      </p:to>
+                                    </p:set>
+                                  </p:childTnLst>
+                                </p:cTn>
+                              </p:par>
+                              <p:par>
+                                <p:cTn id="9" presetID="1" presetClass="entr" presetSubtype="0" fill="hold" grpId="0" nodeType="withEffect">
+                                  <p:stCondLst>
+                                    <p:cond delay="0"/>
+                                  </p:stCondLst>
+                                  <p:childTnLst>
+                                    <p:set>
+                                      <p:cBhvr>
+                                        <p:cTn id="10" dur="1" fill="hold">
+                                          <p:stCondLst>
+                                            <p:cond delay="0"/>
+                                          </p:stCondLst>
+                                        </p:cTn>
+                                        <p:tgtEl>
+                                          <p:spTgt spid="12"/>
+                                        </p:tgtEl>
+                                        <p:attrNameLst>
+                                          <p:attrName>style.visibility</p:attrName>
+                                        </p:attrNameLst>
+                                      </p:cBhvr>
+                                      <p:to>
+                                        <p:strVal val="visible"/>
+                                      </p:to>
+                                    </p:set>
+                                  </p:childTnLst>
+                                </p:cTn>
+                              </p:par>
+                              <p:par>
+                                <p:cTn id="11" presetID="1" presetClass="entr" presetSubtype="0" fill="hold" grpId="0" nodeType="withEffect">
+                                  <p:stCondLst>
+                                    <p:cond delay="0"/>
+                                  </p:stCondLst>
+                                  <p:childTnLst>
+                                    <p:set>
+                                      <p:cBhvr>
+                                        <p:cTn id="12" dur="1" fill="hold">
+                                          <p:stCondLst>
+                                            <p:cond delay="0"/>
+                                          </p:stCondLst>
+                                        </p:cTn>
+                                        <p:tgtEl>
+                                          <p:spTgt spid="13"/>
+                                        </p:tgtEl>
+                                        <p:attrNameLst>
+                                          <p:attrName>style.visibility</p:attrName>
+                                        </p:attrNameLst>
+                                      </p:cBhvr>
+                                      <p:to>
+                                        <p:strVal val="visible"/>
+                                      </p:to>
+                                    </p:set>
+                                  </p:childTnLst>
+                                </p:cTn>
+                              </p:par>
+                              <p:par>
+                                <p:cTn id="13" presetID="1" presetClass="entr" presetSubtype="0" fill="hold" grpId="0" nodeType="withEffect">
+                                  <p:stCondLst>
+                                    <p:cond delay="0"/>
+                                  </p:stCondLst>
+                                  <p:childTnLst>
+                                    <p:set>
+                                      <p:cBhvr>
+                                        <p:cTn id="14" dur="1" fill="hold">
+                                          <p:stCondLst>
+                                            <p:cond delay="0"/>
+                                          </p:stCondLst>
+                                        </p:cTn>
+                                        <p:tgtEl>
+                                          <p:spTgt spid="14"/>
+                                        </p:tgtEl>
+                                        <p:attrNameLst>
+                                          <p:attrName>style.visibility</p:attrName>
+                                        </p:attrNameLst>
+                                      </p:cBhvr>
+                                      <p:to>
+                                        <p:strVal val="visible"/>
+                                      </p:to>
+                                    </p:set>
+                                  </p:childTnLst>
+                                </p:cTn>
+                              </p:par>
+                              <p:par>
+                                <p:cTn id="15" presetID="1" presetClass="entr" presetSubtype="0" fill="hold" nodeType="withEffect">
+                                  <p:stCondLst>
+                                    <p:cond delay="0"/>
+                                  </p:stCondLst>
+                                  <p:childTnLst>
+                                    <p:set>
+                                      <p:cBhvr>
+                                        <p:cTn id="16" dur="1" fill="hold">
+                                          <p:stCondLst>
+                                            <p:cond delay="0"/>
+                                          </p:stCondLst>
+                                        </p:cTn>
+                                        <p:tgtEl>
+                                          <p:spTgt spid="8"/>
+                                        </p:tgtEl>
+                                        <p:attrNameLst>
+                                          <p:attrName>style.visibility</p:attrName>
+                                        </p:attrNameLst>
+                                      </p:cBhvr>
+                                      <p:to>
+                                        <p:strVal val="visible"/>
+                                      </p:to>
+                                    </p:set>
+                                  </p:childTnLst>
+                                </p:cTn>
+                              </p:par>
+                              <p:par>
+                                <p:cTn id="17" presetID="1" presetClass="entr" presetSubtype="0" fill="hold" nodeType="withEffect">
+                                  <p:stCondLst>
+                                    <p:cond delay="0"/>
+                                  </p:stCondLst>
+                                  <p:childTnLst>
+                                    <p:set>
+                                      <p:cBhvr>
+                                        <p:cTn id="18" dur="1" fill="hold">
+                                          <p:stCondLst>
+                                            <p:cond delay="0"/>
+                                          </p:stCondLst>
+                                        </p:cTn>
+                                        <p:tgtEl>
+                                          <p:spTgt spid="9"/>
+                                        </p:tgtEl>
+                                        <p:attrNameLst>
+                                          <p:attrName>style.visibility</p:attrName>
+                                        </p:attrNameLst>
+                                      </p:cBhvr>
+                                      <p:to>
+                                        <p:strVal val="visible"/>
+                                      </p:to>
+                                    </p:set>
+                                  </p:childTnLst>
+                                </p:cTn>
+                              </p:par>
+                              <p:par>
+                                <p:cTn id="19" presetID="1" presetClass="entr" presetSubtype="0" fill="hold" nodeType="withEffect">
+                                  <p:stCondLst>
+                                    <p:cond delay="0"/>
+                                  </p:stCondLst>
+                                  <p:childTnLst>
+                                    <p:set>
+                                      <p:cBhvr>
+                                        <p:cTn id="20" dur="1" fill="hold">
+                                          <p:stCondLst>
+                                            <p:cond delay="0"/>
+                                          </p:stCondLst>
+                                        </p:cTn>
+                                        <p:tgtEl>
+                                          <p:spTgt spid="10"/>
+                                        </p:tgtEl>
+                                        <p:attrNameLst>
+                                          <p:attrName>style.visibility</p:attrName>
+                                        </p:attrNameLst>
+                                      </p:cBhvr>
+                                      <p:to>
+                                        <p:strVal val="visible"/>
+                                      </p:to>
+                                    </p:set>
+                                  </p:childTnLst>
+                                </p:cTn>
+                              </p:par>
+                              <p:par>
+                                <p:cTn id="21" presetID="1" presetClass="entr" presetSubtype="0" fill="hold" nodeType="withEffect">
+                                  <p:stCondLst>
+                                    <p:cond delay="0"/>
+                                  </p:stCondLst>
+                                  <p:childTnLst>
+                                    <p:set>
+                                      <p:cBhvr>
+                                        <p:cTn id="22" dur="1" fill="hold">
+                                          <p:stCondLst>
+                                            <p:cond delay="0"/>
+                                          </p:stCondLst>
+                                        </p:cTn>
+                                        <p:tgtEl>
+                                          <p:spTgt spid="11"/>
+                                        </p:tgtEl>
+                                        <p:attrNameLst>
+                                          <p:attrName>style.visibility</p:attrName>
+                                        </p:attrNameLst>
+                                      </p:cBhvr>
+                                      <p:to>
+                                        <p:strVal val="visible"/>
+                                      </p:to>
+                                    </p:set>
+                                  </p:childTnLst>
+                                </p:cTn>
+                              </p:par>
+                            </p:childTnLst>
+                          </p:cTn>
+                        </p:par>
+                      </p:childTnLst>
+                    </p:cTn>
+                  </p:par>
+                </p:childTnLst>
+              </p:cTn>
+              <p:prevCondLst>
+                <p:cond evt="onPrev" delay="0">
+                  <p:tgtEl>
+                    <p:sldTgt/>
+                  </p:tgtEl>
+                </p:cond>
+              </p:prevCondLst>
+              <p:nextCondLst>
+                <p:cond evt="onNext" delay="0">
+                  <p:tgtEl>
+                    <p:sldTgt/>
+                  </p:tgtEl>
+                </p:cond>
+              </p:nextCondLst>
+            </p:seq>
+          </p:childTnLst>
+        </p:cTn>
+      </p:par>
+    </p:tnLst>
+    <p:bldLst>
+      <p:bldP spid="5" grpId="0"/>
+      <p:bldP spid="6" grpId="0" animBg="1"/>
+      <p:bldP spid="12" grpId="0" animBg="1"/>
+      <p:bldP spid="13" grpId="0" animBg="1"/>
+      <p:bldP spid="14" grpId="0"/>
+    </p:bldLst>
+  </p:timing>
 </p:sld>
 </file>
 

--- a/notes/walking-structures.pptx
+++ b/notes/walking-structures.pptx
@@ -218,7 +218,7 @@
           <a:p>
             <a:fld id="{8A1B613A-EFF1-404F-BEE8-EFAE84A4E5E2}" type="datetimeFigureOut">
               <a:rPr lang="en-US" smtClean="0"/>
-              <a:t>4/13/21</a:t>
+              <a:t>2/17/22</a:t>
             </a:fld>
             <a:endParaRPr lang="en-US"/>
           </a:p>
@@ -383,7 +383,7 @@
           <a:p>
             <a:fld id="{690847EA-AC25-3D4E-89E1-FD3F6A9702B6}" type="datetimeFigureOut">
               <a:rPr lang="en-US" smtClean="0"/>
-              <a:t>4/13/21</a:t>
+              <a:t>2/17/22</a:t>
             </a:fld>
             <a:endParaRPr lang="en-US"/>
           </a:p>
@@ -797,7 +797,7 @@
           <a:p>
             <a:fld id="{BE5295ED-3BAF-1140-8495-3D368771D6B1}" type="datetimeFigureOut">
               <a:rPr lang="en-US" smtClean="0"/>
-              <a:t>4/13/21</a:t>
+              <a:t>2/17/22</a:t>
             </a:fld>
             <a:endParaRPr lang="en-US"/>
           </a:p>
@@ -995,7 +995,7 @@
           <a:p>
             <a:fld id="{BE5295ED-3BAF-1140-8495-3D368771D6B1}" type="datetimeFigureOut">
               <a:rPr lang="en-US" smtClean="0"/>
-              <a:t>4/13/21</a:t>
+              <a:t>2/17/22</a:t>
             </a:fld>
             <a:endParaRPr lang="en-US"/>
           </a:p>
@@ -1203,7 +1203,7 @@
           <a:p>
             <a:fld id="{BE5295ED-3BAF-1140-8495-3D368771D6B1}" type="datetimeFigureOut">
               <a:rPr lang="en-US" smtClean="0"/>
-              <a:t>4/13/21</a:t>
+              <a:t>2/17/22</a:t>
             </a:fld>
             <a:endParaRPr lang="en-US"/>
           </a:p>
@@ -1401,7 +1401,7 @@
           <a:p>
             <a:fld id="{BE5295ED-3BAF-1140-8495-3D368771D6B1}" type="datetimeFigureOut">
               <a:rPr lang="en-US" smtClean="0"/>
-              <a:t>4/13/21</a:t>
+              <a:t>2/17/22</a:t>
             </a:fld>
             <a:endParaRPr lang="en-US"/>
           </a:p>
@@ -1676,7 +1676,7 @@
           <a:p>
             <a:fld id="{BE5295ED-3BAF-1140-8495-3D368771D6B1}" type="datetimeFigureOut">
               <a:rPr lang="en-US" smtClean="0"/>
-              <a:t>4/13/21</a:t>
+              <a:t>2/17/22</a:t>
             </a:fld>
             <a:endParaRPr lang="en-US"/>
           </a:p>
@@ -1941,7 +1941,7 @@
           <a:p>
             <a:fld id="{BE5295ED-3BAF-1140-8495-3D368771D6B1}" type="datetimeFigureOut">
               <a:rPr lang="en-US" smtClean="0"/>
-              <a:t>4/13/21</a:t>
+              <a:t>2/17/22</a:t>
             </a:fld>
             <a:endParaRPr lang="en-US"/>
           </a:p>
@@ -2353,7 +2353,7 @@
           <a:p>
             <a:fld id="{BE5295ED-3BAF-1140-8495-3D368771D6B1}" type="datetimeFigureOut">
               <a:rPr lang="en-US" smtClean="0"/>
-              <a:t>4/13/21</a:t>
+              <a:t>2/17/22</a:t>
             </a:fld>
             <a:endParaRPr lang="en-US"/>
           </a:p>
@@ -2494,7 +2494,7 @@
           <a:p>
             <a:fld id="{BE5295ED-3BAF-1140-8495-3D368771D6B1}" type="datetimeFigureOut">
               <a:rPr lang="en-US" smtClean="0"/>
-              <a:t>4/13/21</a:t>
+              <a:t>2/17/22</a:t>
             </a:fld>
             <a:endParaRPr lang="en-US"/>
           </a:p>
@@ -2607,7 +2607,7 @@
           <a:p>
             <a:fld id="{BE5295ED-3BAF-1140-8495-3D368771D6B1}" type="datetimeFigureOut">
               <a:rPr lang="en-US" smtClean="0"/>
-              <a:t>4/13/21</a:t>
+              <a:t>2/17/22</a:t>
             </a:fld>
             <a:endParaRPr lang="en-US"/>
           </a:p>
@@ -2918,7 +2918,7 @@
           <a:p>
             <a:fld id="{BE5295ED-3BAF-1140-8495-3D368771D6B1}" type="datetimeFigureOut">
               <a:rPr lang="en-US" smtClean="0"/>
-              <a:t>4/13/21</a:t>
+              <a:t>2/17/22</a:t>
             </a:fld>
             <a:endParaRPr lang="en-US"/>
           </a:p>
@@ -3206,7 +3206,7 @@
           <a:p>
             <a:fld id="{BE5295ED-3BAF-1140-8495-3D368771D6B1}" type="datetimeFigureOut">
               <a:rPr lang="en-US" smtClean="0"/>
-              <a:t>4/13/21</a:t>
+              <a:t>2/17/22</a:t>
             </a:fld>
             <a:endParaRPr lang="en-US"/>
           </a:p>
@@ -3447,7 +3447,7 @@
           <a:p>
             <a:fld id="{BE5295ED-3BAF-1140-8495-3D368771D6B1}" type="datetimeFigureOut">
               <a:rPr lang="en-US" smtClean="0"/>
-              <a:t>4/13/21</a:t>
+              <a:t>2/17/22</a:t>
             </a:fld>
             <a:endParaRPr lang="en-US"/>
           </a:p>
@@ -5509,7 +5509,15 @@
             </a:r>
             <a:r>
               <a:rPr lang="en-US" dirty="0"/>
-              <a:t> means recording partial results to avoid parts of the structure</a:t>
+              <a:t> means recording partial results to </a:t>
+            </a:r>
+            <a:r>
+              <a:rPr lang="en-US"/>
+              <a:t>avoid revisiting parts </a:t>
+            </a:r>
+            <a:r>
+              <a:rPr lang="en-US" dirty="0"/>
+              <a:t>of the structure</a:t>
             </a:r>
           </a:p>
           <a:p>
@@ -5521,13 +5529,8 @@
           <a:p>
             <a:r>
               <a:rPr lang="en-US" dirty="0"/>
-              <a:t>Use recursion to walk trees and graphs (can be slow </a:t>
-            </a:r>
-            <a:r>
-              <a:rPr lang="en-US"/>
-              <a:t>in python)</a:t>
-            </a:r>
-            <a:endParaRPr lang="en-US" dirty="0"/>
+              <a:t>Use recursion to walk trees and graphs (can be slow in python)</a:t>
+            </a:r>
           </a:p>
         </p:txBody>
       </p:sp>
@@ -5618,7 +5621,7 @@
           <a:p>
             <a:r>
               <a:rPr lang="en-US" dirty="0"/>
-              <a:t>Think of walking an entire data structure as the foundational </a:t>
+              <a:t>Think of walking an entire data structure as our baseline </a:t>
             </a:r>
             <a:r>
               <a:rPr lang="en-US" dirty="0" err="1"/>
@@ -5629,7 +5632,7 @@
           <a:p>
             <a:r>
               <a:rPr lang="en-US" dirty="0"/>
-              <a:t>An algorithm then typically computes something during the walk and often avoids part of the data structure to reduce computation time</a:t>
+              <a:t>An algorithm then typically computes something during the walk and often avoids part of the data structure to reduce computation time or to filter</a:t>
             </a:r>
           </a:p>
           <a:p>
